--- a/陈胡-依赖注入.pptx
+++ b/陈胡-依赖注入.pptx
@@ -5,7 +5,7 @@
     <p:sldMasterId id="2147483648" r:id="rId2"/>
   </p:sldMasterIdLst>
   <p:notesMasterIdLst>
-    <p:notesMasterId r:id="rId28"/>
+    <p:notesMasterId r:id="rId38"/>
   </p:notesMasterIdLst>
   <p:sldIdLst>
     <p:sldId id="259" r:id="rId3"/>
@@ -17,22 +17,32 @@
     <p:sldId id="300" r:id="rId9"/>
     <p:sldId id="292" r:id="rId10"/>
     <p:sldId id="293" r:id="rId11"/>
-    <p:sldId id="301" r:id="rId12"/>
-    <p:sldId id="302" r:id="rId13"/>
-    <p:sldId id="303" r:id="rId14"/>
+    <p:sldId id="323" r:id="rId12"/>
+    <p:sldId id="324" r:id="rId13"/>
+    <p:sldId id="325" r:id="rId14"/>
     <p:sldId id="304" r:id="rId15"/>
-    <p:sldId id="294" r:id="rId16"/>
-    <p:sldId id="295" r:id="rId17"/>
-    <p:sldId id="306" r:id="rId18"/>
-    <p:sldId id="307" r:id="rId19"/>
-    <p:sldId id="308" r:id="rId20"/>
-    <p:sldId id="309" r:id="rId21"/>
-    <p:sldId id="311" r:id="rId22"/>
-    <p:sldId id="312" r:id="rId23"/>
-    <p:sldId id="305" r:id="rId24"/>
-    <p:sldId id="310" r:id="rId25"/>
-    <p:sldId id="297" r:id="rId26"/>
-    <p:sldId id="296" r:id="rId27"/>
+    <p:sldId id="317" r:id="rId16"/>
+    <p:sldId id="318" r:id="rId17"/>
+    <p:sldId id="320" r:id="rId18"/>
+    <p:sldId id="319" r:id="rId19"/>
+    <p:sldId id="321" r:id="rId20"/>
+    <p:sldId id="322" r:id="rId21"/>
+    <p:sldId id="295" r:id="rId22"/>
+    <p:sldId id="316" r:id="rId23"/>
+    <p:sldId id="294" r:id="rId24"/>
+    <p:sldId id="313" r:id="rId25"/>
+    <p:sldId id="315" r:id="rId26"/>
+    <p:sldId id="306" r:id="rId27"/>
+    <p:sldId id="307" r:id="rId28"/>
+    <p:sldId id="308" r:id="rId29"/>
+    <p:sldId id="309" r:id="rId30"/>
+    <p:sldId id="311" r:id="rId31"/>
+    <p:sldId id="312" r:id="rId32"/>
+    <p:sldId id="314" r:id="rId33"/>
+    <p:sldId id="310" r:id="rId34"/>
+    <p:sldId id="305" r:id="rId35"/>
+    <p:sldId id="297" r:id="rId36"/>
+    <p:sldId id="296" r:id="rId37"/>
   </p:sldIdLst>
   <p:sldSz cx="9144000" cy="5143500" type="screen16x9"/>
   <p:notesSz cx="6858000" cy="9144000"/>
@@ -5856,7 +5866,7 @@
             <a:fld id="{70D98BF7-F0E5-4228-BC96-88A4E0E5E93B}" type="datetimeFigureOut">
               <a:rPr lang="zh-CN" altLang="en-US" smtClean="0"/>
               <a:pPr/>
-              <a:t>2019/9/23</a:t>
+              <a:t>2019/9/25</a:t>
             </a:fld>
             <a:endParaRPr lang="zh-CN" altLang="en-US"/>
           </a:p>
@@ -6280,7 +6290,7 @@
     </p:spTree>
     <p:extLst>
       <p:ext uri="{BB962C8B-B14F-4D97-AF65-F5344CB8AC3E}">
-        <p14:creationId xmlns:p14="http://schemas.microsoft.com/office/powerpoint/2010/main" val="930883250"/>
+        <p14:creationId xmlns:p14="http://schemas.microsoft.com/office/powerpoint/2010/main" val="911659895"/>
       </p:ext>
     </p:extLst>
   </p:cSld>
@@ -6367,7 +6377,7 @@
     </p:spTree>
     <p:extLst>
       <p:ext uri="{BB962C8B-B14F-4D97-AF65-F5344CB8AC3E}">
-        <p14:creationId xmlns:p14="http://schemas.microsoft.com/office/powerpoint/2010/main" val="3489129350"/>
+        <p14:creationId xmlns:p14="http://schemas.microsoft.com/office/powerpoint/2010/main" val="2276046358"/>
       </p:ext>
     </p:extLst>
   </p:cSld>
@@ -6541,7 +6551,7 @@
     </p:spTree>
     <p:extLst>
       <p:ext uri="{BB962C8B-B14F-4D97-AF65-F5344CB8AC3E}">
-        <p14:creationId xmlns:p14="http://schemas.microsoft.com/office/powerpoint/2010/main" val="476522992"/>
+        <p14:creationId xmlns:p14="http://schemas.microsoft.com/office/powerpoint/2010/main" val="2615423754"/>
       </p:ext>
     </p:extLst>
   </p:cSld>
@@ -6628,7 +6638,7 @@
     </p:spTree>
     <p:extLst>
       <p:ext uri="{BB962C8B-B14F-4D97-AF65-F5344CB8AC3E}">
-        <p14:creationId xmlns:p14="http://schemas.microsoft.com/office/powerpoint/2010/main" val="1201782044"/>
+        <p14:creationId xmlns:p14="http://schemas.microsoft.com/office/powerpoint/2010/main" val="3519496552"/>
       </p:ext>
     </p:extLst>
   </p:cSld>
@@ -6715,7 +6725,7 @@
     </p:spTree>
     <p:extLst>
       <p:ext uri="{BB962C8B-B14F-4D97-AF65-F5344CB8AC3E}">
-        <p14:creationId xmlns:p14="http://schemas.microsoft.com/office/powerpoint/2010/main" val="2127459560"/>
+        <p14:creationId xmlns:p14="http://schemas.microsoft.com/office/powerpoint/2010/main" val="3208405372"/>
       </p:ext>
     </p:extLst>
   </p:cSld>
@@ -6802,7 +6812,7 @@
     </p:spTree>
     <p:extLst>
       <p:ext uri="{BB962C8B-B14F-4D97-AF65-F5344CB8AC3E}">
-        <p14:creationId xmlns:p14="http://schemas.microsoft.com/office/powerpoint/2010/main" val="431973939"/>
+        <p14:creationId xmlns:p14="http://schemas.microsoft.com/office/powerpoint/2010/main" val="983068603"/>
       </p:ext>
     </p:extLst>
   </p:cSld>
@@ -6889,7 +6899,7 @@
     </p:spTree>
     <p:extLst>
       <p:ext uri="{BB962C8B-B14F-4D97-AF65-F5344CB8AC3E}">
-        <p14:creationId xmlns:p14="http://schemas.microsoft.com/office/powerpoint/2010/main" val="1102433882"/>
+        <p14:creationId xmlns:p14="http://schemas.microsoft.com/office/powerpoint/2010/main" val="829050600"/>
       </p:ext>
     </p:extLst>
   </p:cSld>
@@ -6976,7 +6986,7 @@
     </p:spTree>
     <p:extLst>
       <p:ext uri="{BB962C8B-B14F-4D97-AF65-F5344CB8AC3E}">
-        <p14:creationId xmlns:p14="http://schemas.microsoft.com/office/powerpoint/2010/main" val="27796999"/>
+        <p14:creationId xmlns:p14="http://schemas.microsoft.com/office/powerpoint/2010/main" val="1740056035"/>
       </p:ext>
     </p:extLst>
   </p:cSld>
@@ -7063,7 +7073,7 @@
     </p:spTree>
     <p:extLst>
       <p:ext uri="{BB962C8B-B14F-4D97-AF65-F5344CB8AC3E}">
-        <p14:creationId xmlns:p14="http://schemas.microsoft.com/office/powerpoint/2010/main" val="3517115572"/>
+        <p14:creationId xmlns:p14="http://schemas.microsoft.com/office/powerpoint/2010/main" val="1201782044"/>
       </p:ext>
     </p:extLst>
   </p:cSld>
@@ -7232,7 +7242,7 @@
     </p:spTree>
     <p:extLst>
       <p:ext uri="{BB962C8B-B14F-4D97-AF65-F5344CB8AC3E}">
-        <p14:creationId xmlns:p14="http://schemas.microsoft.com/office/powerpoint/2010/main" val="1067957535"/>
+        <p14:creationId xmlns:p14="http://schemas.microsoft.com/office/powerpoint/2010/main" val="3883203986"/>
       </p:ext>
     </p:extLst>
   </p:cSld>
@@ -7319,7 +7329,7 @@
     </p:spTree>
     <p:extLst>
       <p:ext uri="{BB962C8B-B14F-4D97-AF65-F5344CB8AC3E}">
-        <p14:creationId xmlns:p14="http://schemas.microsoft.com/office/powerpoint/2010/main" val="2411700645"/>
+        <p14:creationId xmlns:p14="http://schemas.microsoft.com/office/powerpoint/2010/main" val="476522992"/>
       </p:ext>
     </p:extLst>
   </p:cSld>
@@ -7406,7 +7416,7 @@
     </p:spTree>
     <p:extLst>
       <p:ext uri="{BB962C8B-B14F-4D97-AF65-F5344CB8AC3E}">
-        <p14:creationId xmlns:p14="http://schemas.microsoft.com/office/powerpoint/2010/main" val="458259864"/>
+        <p14:creationId xmlns:p14="http://schemas.microsoft.com/office/powerpoint/2010/main" val="2968793692"/>
       </p:ext>
     </p:extLst>
   </p:cSld>
@@ -7493,7 +7503,7 @@
     </p:spTree>
     <p:extLst>
       <p:ext uri="{BB962C8B-B14F-4D97-AF65-F5344CB8AC3E}">
-        <p14:creationId xmlns:p14="http://schemas.microsoft.com/office/powerpoint/2010/main" val="1941325964"/>
+        <p14:creationId xmlns:p14="http://schemas.microsoft.com/office/powerpoint/2010/main" val="1318173682"/>
       </p:ext>
     </p:extLst>
   </p:cSld>
@@ -7580,7 +7590,442 @@
     </p:spTree>
     <p:extLst>
       <p:ext uri="{BB962C8B-B14F-4D97-AF65-F5344CB8AC3E}">
-        <p14:creationId xmlns:p14="http://schemas.microsoft.com/office/powerpoint/2010/main" val="3038968853"/>
+        <p14:creationId xmlns:p14="http://schemas.microsoft.com/office/powerpoint/2010/main" val="2127459560"/>
+      </p:ext>
+    </p:extLst>
+  </p:cSld>
+  <p:clrMapOvr>
+    <a:masterClrMapping/>
+  </p:clrMapOvr>
+</p:notes>
+</file>
+
+<file path=ppt/notesSlides/notesSlide25.xml><?xml version="1.0" encoding="utf-8"?>
+<p:notes xmlns:a="http://schemas.openxmlformats.org/drawingml/2006/main" xmlns:r="http://schemas.openxmlformats.org/officeDocument/2006/relationships" xmlns:p="http://schemas.openxmlformats.org/presentationml/2006/main">
+  <p:cSld>
+    <p:spTree>
+      <p:nvGrpSpPr>
+        <p:cNvPr id="1" name=""/>
+        <p:cNvGrpSpPr/>
+        <p:nvPr/>
+      </p:nvGrpSpPr>
+      <p:grpSpPr>
+        <a:xfrm>
+          <a:off x="0" y="0"/>
+          <a:ext cx="0" cy="0"/>
+          <a:chOff x="0" y="0"/>
+          <a:chExt cx="0" cy="0"/>
+        </a:xfrm>
+      </p:grpSpPr>
+      <p:sp>
+        <p:nvSpPr>
+          <p:cNvPr id="2" name="幻灯片图像占位符 1"/>
+          <p:cNvSpPr>
+            <a:spLocks noGrp="1" noRot="1" noChangeAspect="1"/>
+          </p:cNvSpPr>
+          <p:nvPr>
+            <p:ph type="sldImg"/>
+          </p:nvPr>
+        </p:nvSpPr>
+        <p:spPr/>
+      </p:sp>
+      <p:sp>
+        <p:nvSpPr>
+          <p:cNvPr id="3" name="备注占位符 2"/>
+          <p:cNvSpPr>
+            <a:spLocks noGrp="1"/>
+          </p:cNvSpPr>
+          <p:nvPr>
+            <p:ph type="body" idx="1"/>
+          </p:nvPr>
+        </p:nvSpPr>
+        <p:spPr/>
+        <p:txBody>
+          <a:bodyPr>
+            <a:normAutofit/>
+          </a:bodyPr>
+          <a:lstStyle/>
+          <a:p>
+            <a:endParaRPr lang="zh-CN" altLang="en-US" dirty="0"/>
+          </a:p>
+        </p:txBody>
+      </p:sp>
+      <p:sp>
+        <p:nvSpPr>
+          <p:cNvPr id="4" name="灯片编号占位符 3"/>
+          <p:cNvSpPr>
+            <a:spLocks noGrp="1"/>
+          </p:cNvSpPr>
+          <p:nvPr>
+            <p:ph type="sldNum" sz="quarter" idx="10"/>
+          </p:nvPr>
+        </p:nvSpPr>
+        <p:spPr/>
+        <p:txBody>
+          <a:bodyPr/>
+          <a:lstStyle/>
+          <a:p>
+            <a:fld id="{ACD6729E-5092-4D53-B020-609A2D1F4FB8}" type="slidenum">
+              <a:rPr lang="zh-CN" altLang="en-US" smtClean="0"/>
+              <a:pPr/>
+              <a:t>26</a:t>
+            </a:fld>
+            <a:endParaRPr lang="zh-CN" altLang="en-US"/>
+          </a:p>
+        </p:txBody>
+      </p:sp>
+    </p:spTree>
+    <p:extLst>
+      <p:ext uri="{BB962C8B-B14F-4D97-AF65-F5344CB8AC3E}">
+        <p14:creationId xmlns:p14="http://schemas.microsoft.com/office/powerpoint/2010/main" val="431973939"/>
+      </p:ext>
+    </p:extLst>
+  </p:cSld>
+  <p:clrMapOvr>
+    <a:masterClrMapping/>
+  </p:clrMapOvr>
+</p:notes>
+</file>
+
+<file path=ppt/notesSlides/notesSlide26.xml><?xml version="1.0" encoding="utf-8"?>
+<p:notes xmlns:a="http://schemas.openxmlformats.org/drawingml/2006/main" xmlns:r="http://schemas.openxmlformats.org/officeDocument/2006/relationships" xmlns:p="http://schemas.openxmlformats.org/presentationml/2006/main">
+  <p:cSld>
+    <p:spTree>
+      <p:nvGrpSpPr>
+        <p:cNvPr id="1" name=""/>
+        <p:cNvGrpSpPr/>
+        <p:nvPr/>
+      </p:nvGrpSpPr>
+      <p:grpSpPr>
+        <a:xfrm>
+          <a:off x="0" y="0"/>
+          <a:ext cx="0" cy="0"/>
+          <a:chOff x="0" y="0"/>
+          <a:chExt cx="0" cy="0"/>
+        </a:xfrm>
+      </p:grpSpPr>
+      <p:sp>
+        <p:nvSpPr>
+          <p:cNvPr id="2" name="幻灯片图像占位符 1"/>
+          <p:cNvSpPr>
+            <a:spLocks noGrp="1" noRot="1" noChangeAspect="1"/>
+          </p:cNvSpPr>
+          <p:nvPr>
+            <p:ph type="sldImg"/>
+          </p:nvPr>
+        </p:nvSpPr>
+        <p:spPr/>
+      </p:sp>
+      <p:sp>
+        <p:nvSpPr>
+          <p:cNvPr id="3" name="备注占位符 2"/>
+          <p:cNvSpPr>
+            <a:spLocks noGrp="1"/>
+          </p:cNvSpPr>
+          <p:nvPr>
+            <p:ph type="body" idx="1"/>
+          </p:nvPr>
+        </p:nvSpPr>
+        <p:spPr/>
+        <p:txBody>
+          <a:bodyPr>
+            <a:normAutofit/>
+          </a:bodyPr>
+          <a:lstStyle/>
+          <a:p>
+            <a:endParaRPr lang="zh-CN" altLang="en-US" dirty="0"/>
+          </a:p>
+        </p:txBody>
+      </p:sp>
+      <p:sp>
+        <p:nvSpPr>
+          <p:cNvPr id="4" name="灯片编号占位符 3"/>
+          <p:cNvSpPr>
+            <a:spLocks noGrp="1"/>
+          </p:cNvSpPr>
+          <p:nvPr>
+            <p:ph type="sldNum" sz="quarter" idx="10"/>
+          </p:nvPr>
+        </p:nvSpPr>
+        <p:spPr/>
+        <p:txBody>
+          <a:bodyPr/>
+          <a:lstStyle/>
+          <a:p>
+            <a:fld id="{ACD6729E-5092-4D53-B020-609A2D1F4FB8}" type="slidenum">
+              <a:rPr lang="zh-CN" altLang="en-US" smtClean="0"/>
+              <a:pPr/>
+              <a:t>27</a:t>
+            </a:fld>
+            <a:endParaRPr lang="zh-CN" altLang="en-US"/>
+          </a:p>
+        </p:txBody>
+      </p:sp>
+    </p:spTree>
+    <p:extLst>
+      <p:ext uri="{BB962C8B-B14F-4D97-AF65-F5344CB8AC3E}">
+        <p14:creationId xmlns:p14="http://schemas.microsoft.com/office/powerpoint/2010/main" val="1102433882"/>
+      </p:ext>
+    </p:extLst>
+  </p:cSld>
+  <p:clrMapOvr>
+    <a:masterClrMapping/>
+  </p:clrMapOvr>
+</p:notes>
+</file>
+
+<file path=ppt/notesSlides/notesSlide27.xml><?xml version="1.0" encoding="utf-8"?>
+<p:notes xmlns:a="http://schemas.openxmlformats.org/drawingml/2006/main" xmlns:r="http://schemas.openxmlformats.org/officeDocument/2006/relationships" xmlns:p="http://schemas.openxmlformats.org/presentationml/2006/main">
+  <p:cSld>
+    <p:spTree>
+      <p:nvGrpSpPr>
+        <p:cNvPr id="1" name=""/>
+        <p:cNvGrpSpPr/>
+        <p:nvPr/>
+      </p:nvGrpSpPr>
+      <p:grpSpPr>
+        <a:xfrm>
+          <a:off x="0" y="0"/>
+          <a:ext cx="0" cy="0"/>
+          <a:chOff x="0" y="0"/>
+          <a:chExt cx="0" cy="0"/>
+        </a:xfrm>
+      </p:grpSpPr>
+      <p:sp>
+        <p:nvSpPr>
+          <p:cNvPr id="2" name="幻灯片图像占位符 1"/>
+          <p:cNvSpPr>
+            <a:spLocks noGrp="1" noRot="1" noChangeAspect="1"/>
+          </p:cNvSpPr>
+          <p:nvPr>
+            <p:ph type="sldImg"/>
+          </p:nvPr>
+        </p:nvSpPr>
+        <p:spPr/>
+      </p:sp>
+      <p:sp>
+        <p:nvSpPr>
+          <p:cNvPr id="3" name="备注占位符 2"/>
+          <p:cNvSpPr>
+            <a:spLocks noGrp="1"/>
+          </p:cNvSpPr>
+          <p:nvPr>
+            <p:ph type="body" idx="1"/>
+          </p:nvPr>
+        </p:nvSpPr>
+        <p:spPr/>
+        <p:txBody>
+          <a:bodyPr>
+            <a:normAutofit/>
+          </a:bodyPr>
+          <a:lstStyle/>
+          <a:p>
+            <a:endParaRPr lang="zh-CN" altLang="en-US" dirty="0"/>
+          </a:p>
+        </p:txBody>
+      </p:sp>
+      <p:sp>
+        <p:nvSpPr>
+          <p:cNvPr id="4" name="灯片编号占位符 3"/>
+          <p:cNvSpPr>
+            <a:spLocks noGrp="1"/>
+          </p:cNvSpPr>
+          <p:nvPr>
+            <p:ph type="sldNum" sz="quarter" idx="10"/>
+          </p:nvPr>
+        </p:nvSpPr>
+        <p:spPr/>
+        <p:txBody>
+          <a:bodyPr/>
+          <a:lstStyle/>
+          <a:p>
+            <a:fld id="{ACD6729E-5092-4D53-B020-609A2D1F4FB8}" type="slidenum">
+              <a:rPr lang="zh-CN" altLang="en-US" smtClean="0"/>
+              <a:pPr/>
+              <a:t>28</a:t>
+            </a:fld>
+            <a:endParaRPr lang="zh-CN" altLang="en-US"/>
+          </a:p>
+        </p:txBody>
+      </p:sp>
+    </p:spTree>
+    <p:extLst>
+      <p:ext uri="{BB962C8B-B14F-4D97-AF65-F5344CB8AC3E}">
+        <p14:creationId xmlns:p14="http://schemas.microsoft.com/office/powerpoint/2010/main" val="27796999"/>
+      </p:ext>
+    </p:extLst>
+  </p:cSld>
+  <p:clrMapOvr>
+    <a:masterClrMapping/>
+  </p:clrMapOvr>
+</p:notes>
+</file>
+
+<file path=ppt/notesSlides/notesSlide28.xml><?xml version="1.0" encoding="utf-8"?>
+<p:notes xmlns:a="http://schemas.openxmlformats.org/drawingml/2006/main" xmlns:r="http://schemas.openxmlformats.org/officeDocument/2006/relationships" xmlns:p="http://schemas.openxmlformats.org/presentationml/2006/main">
+  <p:cSld>
+    <p:spTree>
+      <p:nvGrpSpPr>
+        <p:cNvPr id="1" name=""/>
+        <p:cNvGrpSpPr/>
+        <p:nvPr/>
+      </p:nvGrpSpPr>
+      <p:grpSpPr>
+        <a:xfrm>
+          <a:off x="0" y="0"/>
+          <a:ext cx="0" cy="0"/>
+          <a:chOff x="0" y="0"/>
+          <a:chExt cx="0" cy="0"/>
+        </a:xfrm>
+      </p:grpSpPr>
+      <p:sp>
+        <p:nvSpPr>
+          <p:cNvPr id="2" name="幻灯片图像占位符 1"/>
+          <p:cNvSpPr>
+            <a:spLocks noGrp="1" noRot="1" noChangeAspect="1"/>
+          </p:cNvSpPr>
+          <p:nvPr>
+            <p:ph type="sldImg"/>
+          </p:nvPr>
+        </p:nvSpPr>
+        <p:spPr/>
+      </p:sp>
+      <p:sp>
+        <p:nvSpPr>
+          <p:cNvPr id="3" name="备注占位符 2"/>
+          <p:cNvSpPr>
+            <a:spLocks noGrp="1"/>
+          </p:cNvSpPr>
+          <p:nvPr>
+            <p:ph type="body" idx="1"/>
+          </p:nvPr>
+        </p:nvSpPr>
+        <p:spPr/>
+        <p:txBody>
+          <a:bodyPr>
+            <a:normAutofit/>
+          </a:bodyPr>
+          <a:lstStyle/>
+          <a:p>
+            <a:endParaRPr lang="zh-CN" altLang="en-US" dirty="0"/>
+          </a:p>
+        </p:txBody>
+      </p:sp>
+      <p:sp>
+        <p:nvSpPr>
+          <p:cNvPr id="4" name="灯片编号占位符 3"/>
+          <p:cNvSpPr>
+            <a:spLocks noGrp="1"/>
+          </p:cNvSpPr>
+          <p:nvPr>
+            <p:ph type="sldNum" sz="quarter" idx="10"/>
+          </p:nvPr>
+        </p:nvSpPr>
+        <p:spPr/>
+        <p:txBody>
+          <a:bodyPr/>
+          <a:lstStyle/>
+          <a:p>
+            <a:fld id="{ACD6729E-5092-4D53-B020-609A2D1F4FB8}" type="slidenum">
+              <a:rPr lang="zh-CN" altLang="en-US" smtClean="0"/>
+              <a:pPr/>
+              <a:t>29</a:t>
+            </a:fld>
+            <a:endParaRPr lang="zh-CN" altLang="en-US"/>
+          </a:p>
+        </p:txBody>
+      </p:sp>
+    </p:spTree>
+    <p:extLst>
+      <p:ext uri="{BB962C8B-B14F-4D97-AF65-F5344CB8AC3E}">
+        <p14:creationId xmlns:p14="http://schemas.microsoft.com/office/powerpoint/2010/main" val="3517115572"/>
+      </p:ext>
+    </p:extLst>
+  </p:cSld>
+  <p:clrMapOvr>
+    <a:masterClrMapping/>
+  </p:clrMapOvr>
+</p:notes>
+</file>
+
+<file path=ppt/notesSlides/notesSlide29.xml><?xml version="1.0" encoding="utf-8"?>
+<p:notes xmlns:a="http://schemas.openxmlformats.org/drawingml/2006/main" xmlns:r="http://schemas.openxmlformats.org/officeDocument/2006/relationships" xmlns:p="http://schemas.openxmlformats.org/presentationml/2006/main">
+  <p:cSld>
+    <p:spTree>
+      <p:nvGrpSpPr>
+        <p:cNvPr id="1" name=""/>
+        <p:cNvGrpSpPr/>
+        <p:nvPr/>
+      </p:nvGrpSpPr>
+      <p:grpSpPr>
+        <a:xfrm>
+          <a:off x="0" y="0"/>
+          <a:ext cx="0" cy="0"/>
+          <a:chOff x="0" y="0"/>
+          <a:chExt cx="0" cy="0"/>
+        </a:xfrm>
+      </p:grpSpPr>
+      <p:sp>
+        <p:nvSpPr>
+          <p:cNvPr id="2" name="幻灯片图像占位符 1"/>
+          <p:cNvSpPr>
+            <a:spLocks noGrp="1" noRot="1" noChangeAspect="1"/>
+          </p:cNvSpPr>
+          <p:nvPr>
+            <p:ph type="sldImg"/>
+          </p:nvPr>
+        </p:nvSpPr>
+        <p:spPr/>
+      </p:sp>
+      <p:sp>
+        <p:nvSpPr>
+          <p:cNvPr id="3" name="备注占位符 2"/>
+          <p:cNvSpPr>
+            <a:spLocks noGrp="1"/>
+          </p:cNvSpPr>
+          <p:nvPr>
+            <p:ph type="body" idx="1"/>
+          </p:nvPr>
+        </p:nvSpPr>
+        <p:spPr/>
+        <p:txBody>
+          <a:bodyPr>
+            <a:normAutofit/>
+          </a:bodyPr>
+          <a:lstStyle/>
+          <a:p>
+            <a:endParaRPr lang="zh-CN" altLang="en-US" dirty="0"/>
+          </a:p>
+        </p:txBody>
+      </p:sp>
+      <p:sp>
+        <p:nvSpPr>
+          <p:cNvPr id="4" name="灯片编号占位符 3"/>
+          <p:cNvSpPr>
+            <a:spLocks noGrp="1"/>
+          </p:cNvSpPr>
+          <p:nvPr>
+            <p:ph type="sldNum" sz="quarter" idx="10"/>
+          </p:nvPr>
+        </p:nvSpPr>
+        <p:spPr/>
+        <p:txBody>
+          <a:bodyPr/>
+          <a:lstStyle/>
+          <a:p>
+            <a:fld id="{ACD6729E-5092-4D53-B020-609A2D1F4FB8}" type="slidenum">
+              <a:rPr lang="zh-CN" altLang="en-US" smtClean="0"/>
+              <a:pPr/>
+              <a:t>30</a:t>
+            </a:fld>
+            <a:endParaRPr lang="zh-CN" altLang="en-US"/>
+          </a:p>
+        </p:txBody>
+      </p:sp>
+    </p:spTree>
+    <p:extLst>
+      <p:ext uri="{BB962C8B-B14F-4D97-AF65-F5344CB8AC3E}">
+        <p14:creationId xmlns:p14="http://schemas.microsoft.com/office/powerpoint/2010/main" val="1067957535"/>
       </p:ext>
     </p:extLst>
   </p:cSld>
@@ -7668,6 +8113,441 @@
     <p:extLst>
       <p:ext uri="{BB962C8B-B14F-4D97-AF65-F5344CB8AC3E}">
         <p14:creationId xmlns:p14="http://schemas.microsoft.com/office/powerpoint/2010/main" val="1956846599"/>
+      </p:ext>
+    </p:extLst>
+  </p:cSld>
+  <p:clrMapOvr>
+    <a:masterClrMapping/>
+  </p:clrMapOvr>
+</p:notes>
+</file>
+
+<file path=ppt/notesSlides/notesSlide30.xml><?xml version="1.0" encoding="utf-8"?>
+<p:notes xmlns:a="http://schemas.openxmlformats.org/drawingml/2006/main" xmlns:r="http://schemas.openxmlformats.org/officeDocument/2006/relationships" xmlns:p="http://schemas.openxmlformats.org/presentationml/2006/main">
+  <p:cSld>
+    <p:spTree>
+      <p:nvGrpSpPr>
+        <p:cNvPr id="1" name=""/>
+        <p:cNvGrpSpPr/>
+        <p:nvPr/>
+      </p:nvGrpSpPr>
+      <p:grpSpPr>
+        <a:xfrm>
+          <a:off x="0" y="0"/>
+          <a:ext cx="0" cy="0"/>
+          <a:chOff x="0" y="0"/>
+          <a:chExt cx="0" cy="0"/>
+        </a:xfrm>
+      </p:grpSpPr>
+      <p:sp>
+        <p:nvSpPr>
+          <p:cNvPr id="2" name="幻灯片图像占位符 1"/>
+          <p:cNvSpPr>
+            <a:spLocks noGrp="1" noRot="1" noChangeAspect="1"/>
+          </p:cNvSpPr>
+          <p:nvPr>
+            <p:ph type="sldImg"/>
+          </p:nvPr>
+        </p:nvSpPr>
+        <p:spPr/>
+      </p:sp>
+      <p:sp>
+        <p:nvSpPr>
+          <p:cNvPr id="3" name="备注占位符 2"/>
+          <p:cNvSpPr>
+            <a:spLocks noGrp="1"/>
+          </p:cNvSpPr>
+          <p:nvPr>
+            <p:ph type="body" idx="1"/>
+          </p:nvPr>
+        </p:nvSpPr>
+        <p:spPr/>
+        <p:txBody>
+          <a:bodyPr>
+            <a:normAutofit/>
+          </a:bodyPr>
+          <a:lstStyle/>
+          <a:p>
+            <a:endParaRPr lang="zh-CN" altLang="en-US" dirty="0"/>
+          </a:p>
+        </p:txBody>
+      </p:sp>
+      <p:sp>
+        <p:nvSpPr>
+          <p:cNvPr id="4" name="灯片编号占位符 3"/>
+          <p:cNvSpPr>
+            <a:spLocks noGrp="1"/>
+          </p:cNvSpPr>
+          <p:nvPr>
+            <p:ph type="sldNum" sz="quarter" idx="10"/>
+          </p:nvPr>
+        </p:nvSpPr>
+        <p:spPr/>
+        <p:txBody>
+          <a:bodyPr/>
+          <a:lstStyle/>
+          <a:p>
+            <a:fld id="{ACD6729E-5092-4D53-B020-609A2D1F4FB8}" type="slidenum">
+              <a:rPr lang="zh-CN" altLang="en-US" smtClean="0"/>
+              <a:pPr/>
+              <a:t>31</a:t>
+            </a:fld>
+            <a:endParaRPr lang="zh-CN" altLang="en-US"/>
+          </a:p>
+        </p:txBody>
+      </p:sp>
+    </p:spTree>
+    <p:extLst>
+      <p:ext uri="{BB962C8B-B14F-4D97-AF65-F5344CB8AC3E}">
+        <p14:creationId xmlns:p14="http://schemas.microsoft.com/office/powerpoint/2010/main" val="3626445155"/>
+      </p:ext>
+    </p:extLst>
+  </p:cSld>
+  <p:clrMapOvr>
+    <a:masterClrMapping/>
+  </p:clrMapOvr>
+</p:notes>
+</file>
+
+<file path=ppt/notesSlides/notesSlide31.xml><?xml version="1.0" encoding="utf-8"?>
+<p:notes xmlns:a="http://schemas.openxmlformats.org/drawingml/2006/main" xmlns:r="http://schemas.openxmlformats.org/officeDocument/2006/relationships" xmlns:p="http://schemas.openxmlformats.org/presentationml/2006/main">
+  <p:cSld>
+    <p:spTree>
+      <p:nvGrpSpPr>
+        <p:cNvPr id="1" name=""/>
+        <p:cNvGrpSpPr/>
+        <p:nvPr/>
+      </p:nvGrpSpPr>
+      <p:grpSpPr>
+        <a:xfrm>
+          <a:off x="0" y="0"/>
+          <a:ext cx="0" cy="0"/>
+          <a:chOff x="0" y="0"/>
+          <a:chExt cx="0" cy="0"/>
+        </a:xfrm>
+      </p:grpSpPr>
+      <p:sp>
+        <p:nvSpPr>
+          <p:cNvPr id="2" name="幻灯片图像占位符 1"/>
+          <p:cNvSpPr>
+            <a:spLocks noGrp="1" noRot="1" noChangeAspect="1"/>
+          </p:cNvSpPr>
+          <p:nvPr>
+            <p:ph type="sldImg"/>
+          </p:nvPr>
+        </p:nvSpPr>
+        <p:spPr/>
+      </p:sp>
+      <p:sp>
+        <p:nvSpPr>
+          <p:cNvPr id="3" name="备注占位符 2"/>
+          <p:cNvSpPr>
+            <a:spLocks noGrp="1"/>
+          </p:cNvSpPr>
+          <p:nvPr>
+            <p:ph type="body" idx="1"/>
+          </p:nvPr>
+        </p:nvSpPr>
+        <p:spPr/>
+        <p:txBody>
+          <a:bodyPr>
+            <a:normAutofit/>
+          </a:bodyPr>
+          <a:lstStyle/>
+          <a:p>
+            <a:endParaRPr lang="zh-CN" altLang="en-US" dirty="0"/>
+          </a:p>
+        </p:txBody>
+      </p:sp>
+      <p:sp>
+        <p:nvSpPr>
+          <p:cNvPr id="4" name="灯片编号占位符 3"/>
+          <p:cNvSpPr>
+            <a:spLocks noGrp="1"/>
+          </p:cNvSpPr>
+          <p:nvPr>
+            <p:ph type="sldNum" sz="quarter" idx="10"/>
+          </p:nvPr>
+        </p:nvSpPr>
+        <p:spPr/>
+        <p:txBody>
+          <a:bodyPr/>
+          <a:lstStyle/>
+          <a:p>
+            <a:fld id="{ACD6729E-5092-4D53-B020-609A2D1F4FB8}" type="slidenum">
+              <a:rPr lang="zh-CN" altLang="en-US" smtClean="0"/>
+              <a:pPr/>
+              <a:t>32</a:t>
+            </a:fld>
+            <a:endParaRPr lang="zh-CN" altLang="en-US"/>
+          </a:p>
+        </p:txBody>
+      </p:sp>
+    </p:spTree>
+    <p:extLst>
+      <p:ext uri="{BB962C8B-B14F-4D97-AF65-F5344CB8AC3E}">
+        <p14:creationId xmlns:p14="http://schemas.microsoft.com/office/powerpoint/2010/main" val="458259864"/>
+      </p:ext>
+    </p:extLst>
+  </p:cSld>
+  <p:clrMapOvr>
+    <a:masterClrMapping/>
+  </p:clrMapOvr>
+</p:notes>
+</file>
+
+<file path=ppt/notesSlides/notesSlide32.xml><?xml version="1.0" encoding="utf-8"?>
+<p:notes xmlns:a="http://schemas.openxmlformats.org/drawingml/2006/main" xmlns:r="http://schemas.openxmlformats.org/officeDocument/2006/relationships" xmlns:p="http://schemas.openxmlformats.org/presentationml/2006/main">
+  <p:cSld>
+    <p:spTree>
+      <p:nvGrpSpPr>
+        <p:cNvPr id="1" name=""/>
+        <p:cNvGrpSpPr/>
+        <p:nvPr/>
+      </p:nvGrpSpPr>
+      <p:grpSpPr>
+        <a:xfrm>
+          <a:off x="0" y="0"/>
+          <a:ext cx="0" cy="0"/>
+          <a:chOff x="0" y="0"/>
+          <a:chExt cx="0" cy="0"/>
+        </a:xfrm>
+      </p:grpSpPr>
+      <p:sp>
+        <p:nvSpPr>
+          <p:cNvPr id="2" name="幻灯片图像占位符 1"/>
+          <p:cNvSpPr>
+            <a:spLocks noGrp="1" noRot="1" noChangeAspect="1"/>
+          </p:cNvSpPr>
+          <p:nvPr>
+            <p:ph type="sldImg"/>
+          </p:nvPr>
+        </p:nvSpPr>
+        <p:spPr/>
+      </p:sp>
+      <p:sp>
+        <p:nvSpPr>
+          <p:cNvPr id="3" name="备注占位符 2"/>
+          <p:cNvSpPr>
+            <a:spLocks noGrp="1"/>
+          </p:cNvSpPr>
+          <p:nvPr>
+            <p:ph type="body" idx="1"/>
+          </p:nvPr>
+        </p:nvSpPr>
+        <p:spPr/>
+        <p:txBody>
+          <a:bodyPr>
+            <a:normAutofit/>
+          </a:bodyPr>
+          <a:lstStyle/>
+          <a:p>
+            <a:endParaRPr lang="zh-CN" altLang="en-US" dirty="0"/>
+          </a:p>
+        </p:txBody>
+      </p:sp>
+      <p:sp>
+        <p:nvSpPr>
+          <p:cNvPr id="4" name="灯片编号占位符 3"/>
+          <p:cNvSpPr>
+            <a:spLocks noGrp="1"/>
+          </p:cNvSpPr>
+          <p:nvPr>
+            <p:ph type="sldNum" sz="quarter" idx="10"/>
+          </p:nvPr>
+        </p:nvSpPr>
+        <p:spPr/>
+        <p:txBody>
+          <a:bodyPr/>
+          <a:lstStyle/>
+          <a:p>
+            <a:fld id="{ACD6729E-5092-4D53-B020-609A2D1F4FB8}" type="slidenum">
+              <a:rPr lang="zh-CN" altLang="en-US" smtClean="0"/>
+              <a:pPr/>
+              <a:t>33</a:t>
+            </a:fld>
+            <a:endParaRPr lang="zh-CN" altLang="en-US"/>
+          </a:p>
+        </p:txBody>
+      </p:sp>
+    </p:spTree>
+    <p:extLst>
+      <p:ext uri="{BB962C8B-B14F-4D97-AF65-F5344CB8AC3E}">
+        <p14:creationId xmlns:p14="http://schemas.microsoft.com/office/powerpoint/2010/main" val="2411700645"/>
+      </p:ext>
+    </p:extLst>
+  </p:cSld>
+  <p:clrMapOvr>
+    <a:masterClrMapping/>
+  </p:clrMapOvr>
+</p:notes>
+</file>
+
+<file path=ppt/notesSlides/notesSlide33.xml><?xml version="1.0" encoding="utf-8"?>
+<p:notes xmlns:a="http://schemas.openxmlformats.org/drawingml/2006/main" xmlns:r="http://schemas.openxmlformats.org/officeDocument/2006/relationships" xmlns:p="http://schemas.openxmlformats.org/presentationml/2006/main">
+  <p:cSld>
+    <p:spTree>
+      <p:nvGrpSpPr>
+        <p:cNvPr id="1" name=""/>
+        <p:cNvGrpSpPr/>
+        <p:nvPr/>
+      </p:nvGrpSpPr>
+      <p:grpSpPr>
+        <a:xfrm>
+          <a:off x="0" y="0"/>
+          <a:ext cx="0" cy="0"/>
+          <a:chOff x="0" y="0"/>
+          <a:chExt cx="0" cy="0"/>
+        </a:xfrm>
+      </p:grpSpPr>
+      <p:sp>
+        <p:nvSpPr>
+          <p:cNvPr id="2" name="幻灯片图像占位符 1"/>
+          <p:cNvSpPr>
+            <a:spLocks noGrp="1" noRot="1" noChangeAspect="1"/>
+          </p:cNvSpPr>
+          <p:nvPr>
+            <p:ph type="sldImg"/>
+          </p:nvPr>
+        </p:nvSpPr>
+        <p:spPr/>
+      </p:sp>
+      <p:sp>
+        <p:nvSpPr>
+          <p:cNvPr id="3" name="备注占位符 2"/>
+          <p:cNvSpPr>
+            <a:spLocks noGrp="1"/>
+          </p:cNvSpPr>
+          <p:nvPr>
+            <p:ph type="body" idx="1"/>
+          </p:nvPr>
+        </p:nvSpPr>
+        <p:spPr/>
+        <p:txBody>
+          <a:bodyPr>
+            <a:normAutofit/>
+          </a:bodyPr>
+          <a:lstStyle/>
+          <a:p>
+            <a:endParaRPr lang="zh-CN" altLang="en-US" dirty="0"/>
+          </a:p>
+        </p:txBody>
+      </p:sp>
+      <p:sp>
+        <p:nvSpPr>
+          <p:cNvPr id="4" name="灯片编号占位符 3"/>
+          <p:cNvSpPr>
+            <a:spLocks noGrp="1"/>
+          </p:cNvSpPr>
+          <p:nvPr>
+            <p:ph type="sldNum" sz="quarter" idx="10"/>
+          </p:nvPr>
+        </p:nvSpPr>
+        <p:spPr/>
+        <p:txBody>
+          <a:bodyPr/>
+          <a:lstStyle/>
+          <a:p>
+            <a:fld id="{ACD6729E-5092-4D53-B020-609A2D1F4FB8}" type="slidenum">
+              <a:rPr lang="zh-CN" altLang="en-US" smtClean="0"/>
+              <a:pPr/>
+              <a:t>34</a:t>
+            </a:fld>
+            <a:endParaRPr lang="zh-CN" altLang="en-US"/>
+          </a:p>
+        </p:txBody>
+      </p:sp>
+    </p:spTree>
+    <p:extLst>
+      <p:ext uri="{BB962C8B-B14F-4D97-AF65-F5344CB8AC3E}">
+        <p14:creationId xmlns:p14="http://schemas.microsoft.com/office/powerpoint/2010/main" val="1941325964"/>
+      </p:ext>
+    </p:extLst>
+  </p:cSld>
+  <p:clrMapOvr>
+    <a:masterClrMapping/>
+  </p:clrMapOvr>
+</p:notes>
+</file>
+
+<file path=ppt/notesSlides/notesSlide34.xml><?xml version="1.0" encoding="utf-8"?>
+<p:notes xmlns:a="http://schemas.openxmlformats.org/drawingml/2006/main" xmlns:r="http://schemas.openxmlformats.org/officeDocument/2006/relationships" xmlns:p="http://schemas.openxmlformats.org/presentationml/2006/main">
+  <p:cSld>
+    <p:spTree>
+      <p:nvGrpSpPr>
+        <p:cNvPr id="1" name=""/>
+        <p:cNvGrpSpPr/>
+        <p:nvPr/>
+      </p:nvGrpSpPr>
+      <p:grpSpPr>
+        <a:xfrm>
+          <a:off x="0" y="0"/>
+          <a:ext cx="0" cy="0"/>
+          <a:chOff x="0" y="0"/>
+          <a:chExt cx="0" cy="0"/>
+        </a:xfrm>
+      </p:grpSpPr>
+      <p:sp>
+        <p:nvSpPr>
+          <p:cNvPr id="2" name="幻灯片图像占位符 1"/>
+          <p:cNvSpPr>
+            <a:spLocks noGrp="1" noRot="1" noChangeAspect="1"/>
+          </p:cNvSpPr>
+          <p:nvPr>
+            <p:ph type="sldImg"/>
+          </p:nvPr>
+        </p:nvSpPr>
+        <p:spPr/>
+      </p:sp>
+      <p:sp>
+        <p:nvSpPr>
+          <p:cNvPr id="3" name="备注占位符 2"/>
+          <p:cNvSpPr>
+            <a:spLocks noGrp="1"/>
+          </p:cNvSpPr>
+          <p:nvPr>
+            <p:ph type="body" idx="1"/>
+          </p:nvPr>
+        </p:nvSpPr>
+        <p:spPr/>
+        <p:txBody>
+          <a:bodyPr>
+            <a:normAutofit/>
+          </a:bodyPr>
+          <a:lstStyle/>
+          <a:p>
+            <a:endParaRPr lang="zh-CN" altLang="en-US" dirty="0"/>
+          </a:p>
+        </p:txBody>
+      </p:sp>
+      <p:sp>
+        <p:nvSpPr>
+          <p:cNvPr id="4" name="灯片编号占位符 3"/>
+          <p:cNvSpPr>
+            <a:spLocks noGrp="1"/>
+          </p:cNvSpPr>
+          <p:nvPr>
+            <p:ph type="sldNum" sz="quarter" idx="10"/>
+          </p:nvPr>
+        </p:nvSpPr>
+        <p:spPr/>
+        <p:txBody>
+          <a:bodyPr/>
+          <a:lstStyle/>
+          <a:p>
+            <a:fld id="{ACD6729E-5092-4D53-B020-609A2D1F4FB8}" type="slidenum">
+              <a:rPr lang="zh-CN" altLang="en-US" smtClean="0"/>
+              <a:pPr/>
+              <a:t>35</a:t>
+            </a:fld>
+            <a:endParaRPr lang="zh-CN" altLang="en-US"/>
+          </a:p>
+        </p:txBody>
+      </p:sp>
+    </p:spTree>
+    <p:extLst>
+      <p:ext uri="{BB962C8B-B14F-4D97-AF65-F5344CB8AC3E}">
+        <p14:creationId xmlns:p14="http://schemas.microsoft.com/office/powerpoint/2010/main" val="3038968853"/>
       </p:ext>
     </p:extLst>
   </p:cSld>
@@ -8189,7 +9069,7 @@
     </p:spTree>
     <p:extLst>
       <p:ext uri="{BB962C8B-B14F-4D97-AF65-F5344CB8AC3E}">
-        <p14:creationId xmlns:p14="http://schemas.microsoft.com/office/powerpoint/2010/main" val="2634855656"/>
+        <p14:creationId xmlns:p14="http://schemas.microsoft.com/office/powerpoint/2010/main" val="2795436862"/>
       </p:ext>
     </p:extLst>
   </p:cSld>
@@ -8379,7 +9259,7 @@
             <a:fld id="{00E7D307-3337-4991-923A-28798266770A}" type="datetimeFigureOut">
               <a:rPr lang="zh-CN" altLang="en-US" smtClean="0"/>
               <a:pPr/>
-              <a:t>2019/9/23</a:t>
+              <a:t>2019/9/25</a:t>
             </a:fld>
             <a:endParaRPr lang="zh-CN" altLang="en-US"/>
           </a:p>
@@ -8544,7 +9424,7 @@
             <a:fld id="{00E7D307-3337-4991-923A-28798266770A}" type="datetimeFigureOut">
               <a:rPr lang="zh-CN" altLang="en-US" smtClean="0"/>
               <a:pPr/>
-              <a:t>2019/9/23</a:t>
+              <a:t>2019/9/25</a:t>
             </a:fld>
             <a:endParaRPr lang="zh-CN" altLang="en-US"/>
           </a:p>
@@ -8719,7 +9599,7 @@
             <a:fld id="{00E7D307-3337-4991-923A-28798266770A}" type="datetimeFigureOut">
               <a:rPr lang="zh-CN" altLang="en-US" smtClean="0"/>
               <a:pPr/>
-              <a:t>2019/9/23</a:t>
+              <a:t>2019/9/25</a:t>
             </a:fld>
             <a:endParaRPr lang="zh-CN" altLang="en-US"/>
           </a:p>
@@ -8884,7 +9764,7 @@
             <a:fld id="{00E7D307-3337-4991-923A-28798266770A}" type="datetimeFigureOut">
               <a:rPr lang="zh-CN" altLang="en-US" smtClean="0"/>
               <a:pPr/>
-              <a:t>2019/9/23</a:t>
+              <a:t>2019/9/25</a:t>
             </a:fld>
             <a:endParaRPr lang="zh-CN" altLang="en-US"/>
           </a:p>
@@ -9126,7 +10006,7 @@
             <a:fld id="{00E7D307-3337-4991-923A-28798266770A}" type="datetimeFigureOut">
               <a:rPr lang="zh-CN" altLang="en-US" smtClean="0"/>
               <a:pPr/>
-              <a:t>2019/9/23</a:t>
+              <a:t>2019/9/25</a:t>
             </a:fld>
             <a:endParaRPr lang="zh-CN" altLang="en-US"/>
           </a:p>
@@ -9408,7 +10288,7 @@
             <a:fld id="{00E7D307-3337-4991-923A-28798266770A}" type="datetimeFigureOut">
               <a:rPr lang="zh-CN" altLang="en-US" smtClean="0"/>
               <a:pPr/>
-              <a:t>2019/9/23</a:t>
+              <a:t>2019/9/25</a:t>
             </a:fld>
             <a:endParaRPr lang="zh-CN" altLang="en-US"/>
           </a:p>
@@ -9824,7 +10704,7 @@
             <a:fld id="{00E7D307-3337-4991-923A-28798266770A}" type="datetimeFigureOut">
               <a:rPr lang="zh-CN" altLang="en-US" smtClean="0"/>
               <a:pPr/>
-              <a:t>2019/9/23</a:t>
+              <a:t>2019/9/25</a:t>
             </a:fld>
             <a:endParaRPr lang="zh-CN" altLang="en-US"/>
           </a:p>
@@ -9938,7 +10818,7 @@
             <a:fld id="{00E7D307-3337-4991-923A-28798266770A}" type="datetimeFigureOut">
               <a:rPr lang="zh-CN" altLang="en-US" smtClean="0"/>
               <a:pPr/>
-              <a:t>2019/9/23</a:t>
+              <a:t>2019/9/25</a:t>
             </a:fld>
             <a:endParaRPr lang="zh-CN" altLang="en-US"/>
           </a:p>
@@ -10030,7 +10910,7 @@
             <a:fld id="{00E7D307-3337-4991-923A-28798266770A}" type="datetimeFigureOut">
               <a:rPr lang="zh-CN" altLang="en-US" smtClean="0"/>
               <a:pPr/>
-              <a:t>2019/9/23</a:t>
+              <a:t>2019/9/25</a:t>
             </a:fld>
             <a:endParaRPr lang="zh-CN" altLang="en-US"/>
           </a:p>
@@ -10302,7 +11182,7 @@
             <a:fld id="{00E7D307-3337-4991-923A-28798266770A}" type="datetimeFigureOut">
               <a:rPr lang="zh-CN" altLang="en-US" smtClean="0"/>
               <a:pPr/>
-              <a:t>2019/9/23</a:t>
+              <a:t>2019/9/25</a:t>
             </a:fld>
             <a:endParaRPr lang="zh-CN" altLang="en-US"/>
           </a:p>
@@ -10551,7 +11431,7 @@
             <a:fld id="{00E7D307-3337-4991-923A-28798266770A}" type="datetimeFigureOut">
               <a:rPr lang="zh-CN" altLang="en-US" smtClean="0"/>
               <a:pPr/>
-              <a:t>2019/9/23</a:t>
+              <a:t>2019/9/25</a:t>
             </a:fld>
             <a:endParaRPr lang="zh-CN" altLang="en-US"/>
           </a:p>
@@ -10759,7 +11639,7 @@
             <a:fld id="{00E7D307-3337-4991-923A-28798266770A}" type="datetimeFigureOut">
               <a:rPr lang="zh-CN" altLang="en-US" smtClean="0"/>
               <a:pPr/>
-              <a:t>2019/9/23</a:t>
+              <a:t>2019/9/25</a:t>
             </a:fld>
             <a:endParaRPr lang="zh-CN" altLang="en-US"/>
           </a:p>
@@ -11292,7 +12172,7 @@
         <p:spPr>
           <a:xfrm>
             <a:off x="611560" y="411510"/>
-            <a:ext cx="4680520" cy="400110"/>
+            <a:ext cx="4680520" cy="707886"/>
           </a:xfrm>
           <a:prstGeom prst="rect">
             <a:avLst/>
@@ -11307,12 +12187,15 @@
           <a:p>
             <a:r>
               <a:rPr lang="en-US" altLang="zh-CN" sz="2000" i="1" dirty="0"/>
-              <a:t>1.</a:t>
-            </a:r>
-            <a:r>
-              <a:rPr lang="zh-CN" altLang="en-US" sz="2000" i="1" dirty="0"/>
+              <a:t>2.</a:t>
+            </a:r>
+            <a:r>
+              <a:rPr lang="zh-CN" altLang="en-US" sz="2000" dirty="0"/>
               <a:t>模块间相对独立</a:t>
             </a:r>
+            <a:endParaRPr lang="en-US" altLang="zh-CN" sz="2000" dirty="0"/>
+          </a:p>
+          <a:p>
             <a:endParaRPr lang="zh-CN" altLang="en-US" sz="2000" b="1" dirty="0">
               <a:latin typeface="微软雅黑" pitchFamily="34" charset="-122"/>
               <a:ea typeface="微软雅黑" pitchFamily="34" charset="-122"/>
@@ -11376,8 +12259,8 @@
         </p:nvSpPr>
         <p:spPr>
           <a:xfrm>
-            <a:off x="611560" y="1489305"/>
-            <a:ext cx="6192688" cy="1077218"/>
+            <a:off x="611560" y="1140635"/>
+            <a:ext cx="6192688" cy="3046988"/>
           </a:xfrm>
           <a:prstGeom prst="rect">
             <a:avLst/>
@@ -11396,12 +12279,20 @@
             </a:pPr>
             <a:r>
               <a:rPr lang="zh-CN" altLang="en-US" sz="1600" dirty="0"/>
-              <a:t>这是内容</a:t>
+              <a:t>还是以电脑和</a:t>
             </a:r>
             <a:r>
               <a:rPr lang="en-US" altLang="zh-CN" sz="1600" dirty="0"/>
-              <a:t>1</a:t>
-            </a:r>
+              <a:t>USB</a:t>
+            </a:r>
+            <a:r>
+              <a:rPr lang="zh-CN" altLang="en-US" sz="1600" dirty="0"/>
+              <a:t>设备为例：</a:t>
+            </a:r>
+            <a:endParaRPr lang="en-US" altLang="zh-CN" sz="1600" dirty="0"/>
+          </a:p>
+          <a:p>
+            <a:endParaRPr lang="en-US" altLang="zh-CN" sz="1600" dirty="0"/>
           </a:p>
           <a:p>
             <a:pPr>
@@ -11409,48 +12300,148 @@
               <a:buChar char="Ø"/>
             </a:pPr>
             <a:r>
-              <a:rPr lang="zh-CN" altLang="en-US" sz="1600" b="1" dirty="0"/>
-              <a:t>这是内容</a:t>
-            </a:r>
-            <a:r>
-              <a:rPr lang="en-US" altLang="zh-CN" sz="1600" b="1" dirty="0"/>
-              <a:t>2</a:t>
-            </a:r>
-          </a:p>
-          <a:p>
-            <a:pPr>
-              <a:buFont typeface="Wingdings" panose="05000000000000000000" pitchFamily="2" charset="2"/>
-              <a:buChar char="Ø"/>
-            </a:pPr>
-            <a:r>
-              <a:rPr lang="zh-CN" altLang="en-US" sz="1600" b="1" dirty="0"/>
-              <a:t>这是内容</a:t>
-            </a:r>
-            <a:r>
-              <a:rPr lang="en-US" altLang="zh-CN" sz="1600" b="1" dirty="0"/>
-              <a:t>3</a:t>
-            </a:r>
-          </a:p>
-          <a:p>
-            <a:pPr>
-              <a:buFont typeface="Wingdings" panose="05000000000000000000" pitchFamily="2" charset="2"/>
-              <a:buChar char="Ø"/>
-            </a:pPr>
-            <a:r>
-              <a:rPr lang="zh-CN" altLang="en-US" sz="1600" b="1" dirty="0"/>
-              <a:t>这是内容</a:t>
-            </a:r>
-            <a:r>
-              <a:rPr lang="en-US" altLang="zh-CN" sz="1600" b="1" dirty="0"/>
-              <a:t>4</a:t>
-            </a:r>
+              <a:rPr lang="en-US" altLang="zh-CN" sz="1600" dirty="0"/>
+              <a:t>USB</a:t>
+            </a:r>
+            <a:r>
+              <a:rPr lang="zh-CN" altLang="en-US" sz="1600" dirty="0"/>
+              <a:t>设备和电脑主机的之间</a:t>
+            </a:r>
+            <a:r>
+              <a:rPr lang="zh-CN" altLang="en-US" sz="1600" dirty="0">
+                <a:solidFill>
+                  <a:srgbClr val="FF0000"/>
+                </a:solidFill>
+              </a:rPr>
+              <a:t>无关性</a:t>
+            </a:r>
+            <a:r>
+              <a:rPr lang="zh-CN" altLang="en-US" sz="1600" dirty="0"/>
+              <a:t>，还带来了另外一个好处，</a:t>
+            </a:r>
+            <a:endParaRPr lang="en-US" altLang="zh-CN" sz="1600" dirty="0"/>
+          </a:p>
+          <a:p>
+            <a:r>
+              <a:rPr lang="zh-CN" altLang="en-US" sz="1600" dirty="0"/>
+              <a:t>生产</a:t>
+            </a:r>
+            <a:r>
+              <a:rPr lang="en-US" altLang="zh-CN" sz="1600" dirty="0"/>
+              <a:t>USB</a:t>
+            </a:r>
+            <a:r>
+              <a:rPr lang="zh-CN" altLang="en-US" sz="1600" dirty="0"/>
+              <a:t>设备的厂商和生产电脑主机的厂商完全可以是互不相干的人，各干各事，他们之间唯一需要遵守的就是</a:t>
+            </a:r>
+            <a:r>
+              <a:rPr lang="en-US" altLang="zh-CN" sz="1600" dirty="0"/>
+              <a:t>USB</a:t>
+            </a:r>
+            <a:r>
+              <a:rPr lang="zh-CN" altLang="en-US" sz="1600" dirty="0"/>
+              <a:t>接口标准。这种特性体现在软件开发过程中，好处可是太大了。每个开发团队的成员都只需要关心实现自身的业务逻辑，完全不用去关心其它的人工作进展，因为你的任务跟别人没有任何关系，你的任务可以单独测试，你的任务也不用依赖于别人的组件，再也不用扯不清责任了。所以，在一个大中型项目中，团队成员分工明确、责任明晰，很容易将一个大的任务划分为细小的任务，开发效率和产品质量必将得到大幅度的提高。</a:t>
+            </a:r>
+            <a:endParaRPr lang="en-US" altLang="zh-CN" sz="1600" b="1" dirty="0"/>
           </a:p>
         </p:txBody>
       </p:sp>
+      <p:pic>
+        <p:nvPicPr>
+          <p:cNvPr id="9220" name="Picture 4">
+            <a:extLst>
+              <a:ext uri="{FF2B5EF4-FFF2-40B4-BE49-F238E27FC236}">
+                <a16:creationId xmlns:a16="http://schemas.microsoft.com/office/drawing/2014/main" id="{D242BD59-433E-424E-B43B-92F0B322F3BB}"/>
+              </a:ext>
+            </a:extLst>
+          </p:cNvPr>
+          <p:cNvPicPr>
+            <a:picLocks noChangeAspect="1" noChangeArrowheads="1"/>
+          </p:cNvPicPr>
+          <p:nvPr/>
+        </p:nvPicPr>
+        <p:blipFill rotWithShape="1">
+          <a:blip r:embed="rId5">
+            <a:extLst>
+              <a:ext uri="{28A0092B-C50C-407E-A947-70E740481C1C}">
+                <a14:useLocalDpi xmlns:a14="http://schemas.microsoft.com/office/drawing/2010/main" val="0"/>
+              </a:ext>
+            </a:extLst>
+          </a:blip>
+          <a:srcRect b="35354"/>
+          <a:stretch/>
+        </p:blipFill>
+        <p:spPr bwMode="auto">
+          <a:xfrm>
+            <a:off x="6452065" y="808289"/>
+            <a:ext cx="2376264" cy="1152128"/>
+          </a:xfrm>
+          <a:prstGeom prst="rect">
+            <a:avLst/>
+          </a:prstGeom>
+          <a:noFill/>
+          <a:extLst>
+            <a:ext uri="{909E8E84-426E-40DD-AFC4-6F175D3DCCD1}">
+              <a14:hiddenFill xmlns:a14="http://schemas.microsoft.com/office/drawing/2010/main">
+                <a:solidFill>
+                  <a:srgbClr val="FFFFFF"/>
+                </a:solidFill>
+              </a14:hiddenFill>
+            </a:ext>
+          </a:extLst>
+        </p:spPr>
+      </p:pic>
+      <p:pic>
+        <p:nvPicPr>
+          <p:cNvPr id="9228" name="Picture 12">
+            <a:extLst>
+              <a:ext uri="{FF2B5EF4-FFF2-40B4-BE49-F238E27FC236}">
+                <a16:creationId xmlns:a16="http://schemas.microsoft.com/office/drawing/2014/main" id="{DAA3656F-F6E0-4FD1-B1B9-2CF465D144AC}"/>
+              </a:ext>
+            </a:extLst>
+          </p:cNvPr>
+          <p:cNvPicPr>
+            <a:picLocks noChangeAspect="1" noChangeArrowheads="1"/>
+          </p:cNvPicPr>
+          <p:nvPr/>
+        </p:nvPicPr>
+        <p:blipFill>
+          <a:blip r:embed="rId6" cstate="print">
+            <a:extLst>
+              <a:ext uri="{28A0092B-C50C-407E-A947-70E740481C1C}">
+                <a14:useLocalDpi xmlns:a14="http://schemas.microsoft.com/office/drawing/2010/main" val="0"/>
+              </a:ext>
+            </a:extLst>
+          </a:blip>
+          <a:srcRect/>
+          <a:stretch>
+            <a:fillRect/>
+          </a:stretch>
+        </p:blipFill>
+        <p:spPr bwMode="auto">
+          <a:xfrm>
+            <a:off x="6995064" y="3014910"/>
+            <a:ext cx="1290265" cy="1290265"/>
+          </a:xfrm>
+          <a:prstGeom prst="rect">
+            <a:avLst/>
+          </a:prstGeom>
+          <a:noFill/>
+          <a:extLst>
+            <a:ext uri="{909E8E84-426E-40DD-AFC4-6F175D3DCCD1}">
+              <a14:hiddenFill xmlns:a14="http://schemas.microsoft.com/office/drawing/2010/main">
+                <a:solidFill>
+                  <a:srgbClr val="FFFFFF"/>
+                </a:solidFill>
+              </a14:hiddenFill>
+            </a:ext>
+          </a:extLst>
+        </p:spPr>
+      </p:pic>
     </p:spTree>
     <p:extLst>
       <p:ext uri="{BB962C8B-B14F-4D97-AF65-F5344CB8AC3E}">
-        <p14:creationId xmlns:p14="http://schemas.microsoft.com/office/powerpoint/2010/main" val="2938183536"/>
+        <p14:creationId xmlns:p14="http://schemas.microsoft.com/office/powerpoint/2010/main" val="3713159791"/>
       </p:ext>
     </p:extLst>
   </p:cSld>
@@ -11501,16 +12492,12 @@
           <a:p>
             <a:r>
               <a:rPr lang="en-US" altLang="zh-CN" sz="2000" i="1" dirty="0"/>
-              <a:t>1.</a:t>
+              <a:t>3.</a:t>
             </a:r>
             <a:r>
               <a:rPr lang="zh-CN" altLang="en-US" sz="2000" i="1" dirty="0"/>
               <a:t>代码高复用性</a:t>
             </a:r>
-            <a:endParaRPr lang="zh-CN" altLang="en-US" sz="2000" b="1" dirty="0">
-              <a:latin typeface="微软雅黑" pitchFamily="34" charset="-122"/>
-              <a:ea typeface="微软雅黑" pitchFamily="34" charset="-122"/>
-            </a:endParaRPr>
           </a:p>
         </p:txBody>
       </p:sp>
@@ -11570,8 +12557,8 @@
         </p:nvSpPr>
         <p:spPr>
           <a:xfrm>
-            <a:off x="611560" y="1489305"/>
-            <a:ext cx="6192688" cy="1077218"/>
+            <a:off x="611560" y="1140635"/>
+            <a:ext cx="6192688" cy="2554545"/>
           </a:xfrm>
           <a:prstGeom prst="rect">
             <a:avLst/>
@@ -11590,12 +12577,20 @@
             </a:pPr>
             <a:r>
               <a:rPr lang="zh-CN" altLang="en-US" sz="1600" dirty="0"/>
-              <a:t>这是内容</a:t>
+              <a:t>以电脑和</a:t>
             </a:r>
             <a:r>
               <a:rPr lang="en-US" altLang="zh-CN" sz="1600" dirty="0"/>
-              <a:t>1</a:t>
-            </a:r>
+              <a:t>USB</a:t>
+            </a:r>
+            <a:r>
+              <a:rPr lang="zh-CN" altLang="en-US" sz="1600" dirty="0"/>
+              <a:t>设备为例：</a:t>
+            </a:r>
+            <a:endParaRPr lang="en-US" altLang="zh-CN" sz="1600" dirty="0"/>
+          </a:p>
+          <a:p>
+            <a:endParaRPr lang="en-US" altLang="zh-CN" sz="1600" dirty="0"/>
           </a:p>
           <a:p>
             <a:pPr>
@@ -11603,48 +12598,288 @@
               <a:buChar char="Ø"/>
             </a:pPr>
             <a:r>
-              <a:rPr lang="zh-CN" altLang="en-US" sz="1600" b="1" dirty="0"/>
-              <a:t>这是内容</a:t>
-            </a:r>
-            <a:r>
-              <a:rPr lang="en-US" altLang="zh-CN" sz="1600" b="1" dirty="0"/>
-              <a:t>2</a:t>
-            </a:r>
-          </a:p>
-          <a:p>
-            <a:pPr>
-              <a:buFont typeface="Wingdings" panose="05000000000000000000" pitchFamily="2" charset="2"/>
-              <a:buChar char="Ø"/>
-            </a:pPr>
-            <a:r>
-              <a:rPr lang="zh-CN" altLang="en-US" sz="1600" b="1" dirty="0"/>
-              <a:t>这是内容</a:t>
-            </a:r>
-            <a:r>
-              <a:rPr lang="en-US" altLang="zh-CN" sz="1600" b="1" dirty="0"/>
-              <a:t>3</a:t>
-            </a:r>
-          </a:p>
-          <a:p>
-            <a:pPr>
-              <a:buFont typeface="Wingdings" panose="05000000000000000000" pitchFamily="2" charset="2"/>
-              <a:buChar char="Ø"/>
-            </a:pPr>
-            <a:r>
-              <a:rPr lang="zh-CN" altLang="en-US" sz="1600" b="1" dirty="0"/>
-              <a:t>这是内容</a:t>
-            </a:r>
-            <a:r>
-              <a:rPr lang="en-US" altLang="zh-CN" sz="1600" b="1" dirty="0"/>
-              <a:t>4</a:t>
-            </a:r>
+              <a:rPr lang="zh-CN" altLang="en-US" sz="1600" dirty="0"/>
+              <a:t>同一个</a:t>
+            </a:r>
+            <a:r>
+              <a:rPr lang="en-US" altLang="zh-CN" sz="1600" dirty="0"/>
+              <a:t>USB</a:t>
+            </a:r>
+            <a:r>
+              <a:rPr lang="zh-CN" altLang="en-US" sz="1600" dirty="0"/>
+              <a:t>外部设备可以插接到任何支持</a:t>
+            </a:r>
+            <a:r>
+              <a:rPr lang="en-US" altLang="zh-CN" sz="1600" dirty="0"/>
+              <a:t>USB</a:t>
+            </a:r>
+            <a:r>
+              <a:rPr lang="zh-CN" altLang="en-US" sz="1600" dirty="0"/>
+              <a:t>的设备，</a:t>
+            </a:r>
+            <a:endParaRPr lang="en-US" altLang="zh-CN" sz="1600" dirty="0"/>
+          </a:p>
+          <a:p>
+            <a:r>
+              <a:rPr lang="zh-CN" altLang="en-US" sz="1600" dirty="0"/>
+              <a:t>可以插接到电脑主机，也可以插接到</a:t>
+            </a:r>
+            <a:r>
+              <a:rPr lang="en-US" altLang="zh-CN" sz="1600" dirty="0"/>
+              <a:t>DV</a:t>
+            </a:r>
+            <a:r>
+              <a:rPr lang="zh-CN" altLang="en-US" sz="1600" dirty="0"/>
+              <a:t>机，</a:t>
+            </a:r>
+            <a:r>
+              <a:rPr lang="en-US" altLang="zh-CN" sz="1600" dirty="0"/>
+              <a:t>USB</a:t>
+            </a:r>
+            <a:r>
+              <a:rPr lang="zh-CN" altLang="en-US" sz="1600" dirty="0"/>
+              <a:t>外部设备</a:t>
+            </a:r>
+            <a:endParaRPr lang="en-US" altLang="zh-CN" sz="1600" dirty="0"/>
+          </a:p>
+          <a:p>
+            <a:r>
+              <a:rPr lang="zh-CN" altLang="en-US" sz="1600" dirty="0"/>
+              <a:t>可以被反复利用。在软件工程中，这种特性就是可复用性</a:t>
+            </a:r>
+            <a:endParaRPr lang="en-US" altLang="zh-CN" sz="1600" dirty="0"/>
+          </a:p>
+          <a:p>
+            <a:r>
+              <a:rPr lang="zh-CN" altLang="en-US" sz="1600" dirty="0"/>
+              <a:t>好，我们可以把具有普遍性的常用组件独立出来，反复利</a:t>
+            </a:r>
+            <a:endParaRPr lang="en-US" altLang="zh-CN" sz="1600" dirty="0"/>
+          </a:p>
+          <a:p>
+            <a:r>
+              <a:rPr lang="zh-CN" altLang="en-US" sz="1600" dirty="0"/>
+              <a:t>用到项目中的其它部分，或者是其它项目，当然这也是面</a:t>
+            </a:r>
+            <a:endParaRPr lang="en-US" altLang="zh-CN" sz="1600" dirty="0"/>
+          </a:p>
+          <a:p>
+            <a:r>
+              <a:rPr lang="zh-CN" altLang="en-US" sz="1600" dirty="0"/>
+              <a:t>向对象的基本特征。显然，</a:t>
+            </a:r>
+            <a:r>
+              <a:rPr lang="en-US" altLang="zh-CN" sz="1600" dirty="0"/>
+              <a:t>IOC</a:t>
+            </a:r>
+            <a:r>
+              <a:rPr lang="zh-CN" altLang="en-US" sz="1600" dirty="0"/>
+              <a:t>不仅更好地贯彻了这个原则，提高了模块的</a:t>
+            </a:r>
+            <a:r>
+              <a:rPr lang="zh-CN" altLang="en-US" sz="1600" dirty="0">
+                <a:solidFill>
+                  <a:srgbClr val="FF0000"/>
+                </a:solidFill>
+              </a:rPr>
+              <a:t>可复用性</a:t>
+            </a:r>
+            <a:r>
+              <a:rPr lang="zh-CN" altLang="en-US" sz="1600" dirty="0"/>
+              <a:t>。符合接口标准的实现，都可以插接到支持此标准的模块中。</a:t>
+            </a:r>
+            <a:endParaRPr lang="en-US" altLang="zh-CN" sz="1600" b="1" dirty="0"/>
           </a:p>
         </p:txBody>
       </p:sp>
+      <p:pic>
+        <p:nvPicPr>
+          <p:cNvPr id="9220" name="Picture 4">
+            <a:extLst>
+              <a:ext uri="{FF2B5EF4-FFF2-40B4-BE49-F238E27FC236}">
+                <a16:creationId xmlns:a16="http://schemas.microsoft.com/office/drawing/2014/main" id="{D242BD59-433E-424E-B43B-92F0B322F3BB}"/>
+              </a:ext>
+            </a:extLst>
+          </p:cNvPr>
+          <p:cNvPicPr>
+            <a:picLocks noChangeAspect="1" noChangeArrowheads="1"/>
+          </p:cNvPicPr>
+          <p:nvPr/>
+        </p:nvPicPr>
+        <p:blipFill rotWithShape="1">
+          <a:blip r:embed="rId5">
+            <a:extLst>
+              <a:ext uri="{28A0092B-C50C-407E-A947-70E740481C1C}">
+                <a14:useLocalDpi xmlns:a14="http://schemas.microsoft.com/office/drawing/2010/main" val="0"/>
+              </a:ext>
+            </a:extLst>
+          </a:blip>
+          <a:srcRect b="35354"/>
+          <a:stretch/>
+        </p:blipFill>
+        <p:spPr bwMode="auto">
+          <a:xfrm>
+            <a:off x="6452065" y="808289"/>
+            <a:ext cx="2376264" cy="1152128"/>
+          </a:xfrm>
+          <a:prstGeom prst="rect">
+            <a:avLst/>
+          </a:prstGeom>
+          <a:noFill/>
+          <a:extLst>
+            <a:ext uri="{909E8E84-426E-40DD-AFC4-6F175D3DCCD1}">
+              <a14:hiddenFill xmlns:a14="http://schemas.microsoft.com/office/drawing/2010/main">
+                <a:solidFill>
+                  <a:srgbClr val="FFFFFF"/>
+                </a:solidFill>
+              </a14:hiddenFill>
+            </a:ext>
+          </a:extLst>
+        </p:spPr>
+      </p:pic>
+      <p:pic>
+        <p:nvPicPr>
+          <p:cNvPr id="9224" name="Picture 8">
+            <a:extLst>
+              <a:ext uri="{FF2B5EF4-FFF2-40B4-BE49-F238E27FC236}">
+                <a16:creationId xmlns:a16="http://schemas.microsoft.com/office/drawing/2014/main" id="{EDD00C9A-9F4A-41ED-9822-EB6BBAAD4F08}"/>
+              </a:ext>
+            </a:extLst>
+          </p:cNvPr>
+          <p:cNvPicPr>
+            <a:picLocks noChangeAspect="1" noChangeArrowheads="1"/>
+          </p:cNvPicPr>
+          <p:nvPr/>
+        </p:nvPicPr>
+        <p:blipFill>
+          <a:blip r:embed="rId6" cstate="print">
+            <a:extLst>
+              <a:ext uri="{28A0092B-C50C-407E-A947-70E740481C1C}">
+                <a14:useLocalDpi xmlns:a14="http://schemas.microsoft.com/office/drawing/2010/main" val="0"/>
+              </a:ext>
+            </a:extLst>
+          </a:blip>
+          <a:srcRect/>
+          <a:stretch>
+            <a:fillRect/>
+          </a:stretch>
+        </p:blipFill>
+        <p:spPr bwMode="auto">
+          <a:xfrm>
+            <a:off x="3609256" y="3713304"/>
+            <a:ext cx="941090" cy="705818"/>
+          </a:xfrm>
+          <a:prstGeom prst="rect">
+            <a:avLst/>
+          </a:prstGeom>
+          <a:noFill/>
+          <a:extLst>
+            <a:ext uri="{909E8E84-426E-40DD-AFC4-6F175D3DCCD1}">
+              <a14:hiddenFill xmlns:a14="http://schemas.microsoft.com/office/drawing/2010/main">
+                <a:solidFill>
+                  <a:srgbClr val="FFFFFF"/>
+                </a:solidFill>
+              </a14:hiddenFill>
+            </a:ext>
+          </a:extLst>
+        </p:spPr>
+      </p:pic>
+      <p:pic>
+        <p:nvPicPr>
+          <p:cNvPr id="9228" name="Picture 12">
+            <a:extLst>
+              <a:ext uri="{FF2B5EF4-FFF2-40B4-BE49-F238E27FC236}">
+                <a16:creationId xmlns:a16="http://schemas.microsoft.com/office/drawing/2014/main" id="{DAA3656F-F6E0-4FD1-B1B9-2CF465D144AC}"/>
+              </a:ext>
+            </a:extLst>
+          </p:cNvPr>
+          <p:cNvPicPr>
+            <a:picLocks noChangeAspect="1" noChangeArrowheads="1"/>
+          </p:cNvPicPr>
+          <p:nvPr/>
+        </p:nvPicPr>
+        <p:blipFill>
+          <a:blip r:embed="rId7" cstate="print">
+            <a:extLst>
+              <a:ext uri="{28A0092B-C50C-407E-A947-70E740481C1C}">
+                <a14:useLocalDpi xmlns:a14="http://schemas.microsoft.com/office/drawing/2010/main" val="0"/>
+              </a:ext>
+            </a:extLst>
+          </a:blip>
+          <a:srcRect/>
+          <a:stretch>
+            <a:fillRect/>
+          </a:stretch>
+        </p:blipFill>
+        <p:spPr bwMode="auto">
+          <a:xfrm>
+            <a:off x="5220072" y="3379062"/>
+            <a:ext cx="1290265" cy="1290265"/>
+          </a:xfrm>
+          <a:prstGeom prst="rect">
+            <a:avLst/>
+          </a:prstGeom>
+          <a:noFill/>
+          <a:extLst>
+            <a:ext uri="{909E8E84-426E-40DD-AFC4-6F175D3DCCD1}">
+              <a14:hiddenFill xmlns:a14="http://schemas.microsoft.com/office/drawing/2010/main">
+                <a:solidFill>
+                  <a:srgbClr val="FFFFFF"/>
+                </a:solidFill>
+              </a14:hiddenFill>
+            </a:ext>
+          </a:extLst>
+        </p:spPr>
+      </p:pic>
+      <p:pic>
+        <p:nvPicPr>
+          <p:cNvPr id="11266" name="Picture 2">
+            <a:extLst>
+              <a:ext uri="{FF2B5EF4-FFF2-40B4-BE49-F238E27FC236}">
+                <a16:creationId xmlns:a16="http://schemas.microsoft.com/office/drawing/2014/main" id="{99AD3371-2147-449C-A60E-DC15E395312F}"/>
+              </a:ext>
+            </a:extLst>
+          </p:cNvPr>
+          <p:cNvPicPr>
+            <a:picLocks noChangeAspect="1" noChangeArrowheads="1"/>
+          </p:cNvPicPr>
+          <p:nvPr/>
+        </p:nvPicPr>
+        <p:blipFill rotWithShape="1">
+          <a:blip r:embed="rId8" cstate="print">
+            <a:extLst>
+              <a:ext uri="{28A0092B-C50C-407E-A947-70E740481C1C}">
+                <a14:useLocalDpi xmlns:a14="http://schemas.microsoft.com/office/drawing/2010/main" val="0"/>
+              </a:ext>
+            </a:extLst>
+          </a:blip>
+          <a:srcRect r="16244"/>
+          <a:stretch/>
+        </p:blipFill>
+        <p:spPr bwMode="auto">
+          <a:xfrm>
+            <a:off x="7034997" y="2360643"/>
+            <a:ext cx="1210400" cy="1445146"/>
+          </a:xfrm>
+          <a:prstGeom prst="rect">
+            <a:avLst/>
+          </a:prstGeom>
+          <a:noFill/>
+          <a:extLst>
+            <a:ext uri="{909E8E84-426E-40DD-AFC4-6F175D3DCCD1}">
+              <a14:hiddenFill xmlns:a14="http://schemas.microsoft.com/office/drawing/2010/main">
+                <a:solidFill>
+                  <a:srgbClr val="FFFFFF"/>
+                </a:solidFill>
+              </a14:hiddenFill>
+            </a:ext>
+          </a:extLst>
+        </p:spPr>
+      </p:pic>
     </p:spTree>
     <p:extLst>
       <p:ext uri="{BB962C8B-B14F-4D97-AF65-F5344CB8AC3E}">
-        <p14:creationId xmlns:p14="http://schemas.microsoft.com/office/powerpoint/2010/main" val="3520495111"/>
+        <p14:creationId xmlns:p14="http://schemas.microsoft.com/office/powerpoint/2010/main" val="1735728165"/>
       </p:ext>
     </p:extLst>
   </p:cSld>
@@ -11695,10 +12930,10 @@
           <a:p>
             <a:r>
               <a:rPr lang="en-US" altLang="zh-CN" sz="2000" i="1" dirty="0"/>
-              <a:t>1.</a:t>
-            </a:r>
-            <a:r>
-              <a:rPr lang="zh-CN" altLang="en-US" sz="2000" i="1" dirty="0"/>
+              <a:t>4.</a:t>
+            </a:r>
+            <a:r>
+              <a:rPr lang="zh-CN" altLang="en-US" sz="2000" dirty="0"/>
               <a:t>系统易扩展性</a:t>
             </a:r>
             <a:endParaRPr lang="zh-CN" altLang="en-US" sz="2000" b="1" dirty="0">
@@ -11764,8 +12999,8 @@
         </p:nvSpPr>
         <p:spPr>
           <a:xfrm>
-            <a:off x="611560" y="1489305"/>
-            <a:ext cx="6192688" cy="1077218"/>
+            <a:off x="611560" y="1140635"/>
+            <a:ext cx="6192688" cy="3539430"/>
           </a:xfrm>
           <a:prstGeom prst="rect">
             <a:avLst/>
@@ -11784,12 +13019,20 @@
             </a:pPr>
             <a:r>
               <a:rPr lang="zh-CN" altLang="en-US" sz="1600" dirty="0"/>
-              <a:t>这是内容</a:t>
+              <a:t>以电脑和</a:t>
             </a:r>
             <a:r>
               <a:rPr lang="en-US" altLang="zh-CN" sz="1600" dirty="0"/>
-              <a:t>1</a:t>
-            </a:r>
+              <a:t>USB</a:t>
+            </a:r>
+            <a:r>
+              <a:rPr lang="zh-CN" altLang="en-US" sz="1600" dirty="0"/>
+              <a:t>设备为例：</a:t>
+            </a:r>
+            <a:endParaRPr lang="en-US" altLang="zh-CN" sz="1600" dirty="0"/>
+          </a:p>
+          <a:p>
+            <a:endParaRPr lang="en-US" altLang="zh-CN" sz="1600" dirty="0"/>
           </a:p>
           <a:p>
             <a:pPr>
@@ -11797,27 +13040,64 @@
               <a:buChar char="Ø"/>
             </a:pPr>
             <a:r>
-              <a:rPr lang="zh-CN" altLang="en-US" sz="1600" b="1" dirty="0"/>
-              <a:t>这是内容</a:t>
-            </a:r>
-            <a:r>
-              <a:rPr lang="en-US" altLang="zh-CN" sz="1600" b="1" dirty="0"/>
-              <a:t>2</a:t>
-            </a:r>
+              <a:rPr lang="zh-CN" altLang="en-US" sz="1600" dirty="0"/>
+              <a:t>同</a:t>
+            </a:r>
+            <a:r>
+              <a:rPr lang="en-US" altLang="zh-CN" sz="1600" dirty="0"/>
+              <a:t>USB</a:t>
+            </a:r>
+            <a:r>
+              <a:rPr lang="zh-CN" altLang="en-US" sz="1600" dirty="0"/>
+              <a:t>外部设备一样，模块具有热插拔特性。</a:t>
+            </a:r>
+            <a:r>
+              <a:rPr lang="en-US" altLang="zh-CN" sz="1600" dirty="0"/>
+              <a:t>IOC</a:t>
+            </a:r>
+            <a:r>
+              <a:rPr lang="zh-CN" altLang="en-US" sz="1600" dirty="0"/>
+              <a:t>生成对象的</a:t>
+            </a:r>
+            <a:endParaRPr lang="en-US" altLang="zh-CN" sz="1600" dirty="0"/>
+          </a:p>
+          <a:p>
+            <a:r>
+              <a:rPr lang="zh-CN" altLang="en-US" sz="1600" dirty="0"/>
+              <a:t>方式转为外置方式，也就是把对象生成放在配置文件里进行定义，这样，当我们更换一个实现子类将会变得很简单，只要修改配置文件就可以了，完全具有热插拨的特性，</a:t>
+            </a:r>
+            <a:r>
+              <a:rPr lang="zh-CN" altLang="en-US" sz="1600" dirty="0">
+                <a:solidFill>
+                  <a:srgbClr val="FF0000"/>
+                </a:solidFill>
+              </a:rPr>
+              <a:t>易扩展</a:t>
+            </a:r>
+            <a:r>
+              <a:rPr lang="zh-CN" altLang="en-US" sz="1600" dirty="0"/>
+              <a:t>，</a:t>
+            </a:r>
+            <a:r>
+              <a:rPr lang="zh-CN" altLang="en-US" sz="1600" dirty="0">
+                <a:solidFill>
+                  <a:srgbClr val="FF0000"/>
+                </a:solidFill>
+              </a:rPr>
+              <a:t>易迭代</a:t>
+            </a:r>
+            <a:r>
+              <a:rPr lang="zh-CN" altLang="en-US" sz="1600" dirty="0"/>
+              <a:t>。</a:t>
+            </a:r>
+            <a:endParaRPr lang="en-US" altLang="zh-CN" sz="1600" dirty="0"/>
           </a:p>
           <a:p>
             <a:pPr>
               <a:buFont typeface="Wingdings" panose="05000000000000000000" pitchFamily="2" charset="2"/>
               <a:buChar char="Ø"/>
             </a:pPr>
-            <a:r>
-              <a:rPr lang="zh-CN" altLang="en-US" sz="1600" b="1" dirty="0"/>
-              <a:t>这是内容</a:t>
-            </a:r>
-            <a:r>
-              <a:rPr lang="en-US" altLang="zh-CN" sz="1600" b="1" dirty="0"/>
-              <a:t>3</a:t>
-            </a:r>
+            <a:endParaRPr lang="en-US" altLang="zh-CN" sz="1600" b="1" dirty="0"/>
           </a:p>
           <a:p>
             <a:pPr>
@@ -11825,20 +13105,159 @@
               <a:buChar char="Ø"/>
             </a:pPr>
             <a:r>
+              <a:rPr lang="zh-CN" altLang="en-US" sz="1600" dirty="0"/>
+              <a:t>这一特性，也</a:t>
+            </a:r>
+            <a:r>
               <a:rPr lang="zh-CN" altLang="en-US" sz="1600" b="1" dirty="0"/>
-              <a:t>这是内容</a:t>
-            </a:r>
-            <a:r>
-              <a:rPr lang="en-US" altLang="zh-CN" sz="1600" b="1" dirty="0"/>
-              <a:t>4</a:t>
-            </a:r>
+              <a:t>是</a:t>
+            </a:r>
+            <a:r>
+              <a:rPr lang="zh-CN" altLang="en-US" sz="1600" dirty="0"/>
+              <a:t>开闭原则的体现。对于扩展是开放的</a:t>
+            </a:r>
+            <a:r>
+              <a:rPr lang="en-US" altLang="zh-CN" sz="1600" dirty="0"/>
+              <a:t>,</a:t>
+            </a:r>
+            <a:r>
+              <a:rPr lang="zh-CN" altLang="en-US" sz="1600" dirty="0"/>
+              <a:t>对于修改是关闭的。</a:t>
+            </a:r>
+            <a:endParaRPr lang="en-US" altLang="zh-CN" sz="1600" dirty="0"/>
+          </a:p>
+          <a:p>
+            <a:pPr>
+              <a:buFont typeface="Wingdings" panose="05000000000000000000" pitchFamily="2" charset="2"/>
+              <a:buChar char="Ø"/>
+            </a:pPr>
+            <a:endParaRPr lang="en-US" altLang="zh-CN" sz="1600" dirty="0"/>
+          </a:p>
+          <a:p>
+            <a:pPr>
+              <a:buFont typeface="Wingdings" panose="05000000000000000000" pitchFamily="2" charset="2"/>
+              <a:buChar char="Ø"/>
+            </a:pPr>
+            <a:r>
+              <a:rPr lang="zh-CN" altLang="en-US" sz="1600" dirty="0"/>
+              <a:t>举个例子：业务中，视频播放器中的视频搜索功能的实现，如果实际业务中，需要更换实现方式，那么是选择打开项目，修改代码，重新测试发布，还是选择新增一个</a:t>
+            </a:r>
+            <a:r>
+              <a:rPr lang="en-US" altLang="zh-CN" sz="1600" dirty="0"/>
+              <a:t>DLL</a:t>
+            </a:r>
+            <a:r>
+              <a:rPr lang="zh-CN" altLang="en-US" sz="1600" dirty="0"/>
+              <a:t>，修改</a:t>
+            </a:r>
+            <a:r>
+              <a:rPr lang="en-US" altLang="zh-CN" sz="1600" dirty="0"/>
+              <a:t>xml</a:t>
+            </a:r>
+            <a:r>
+              <a:rPr lang="zh-CN" altLang="en-US" sz="1600" dirty="0"/>
+              <a:t>配置文件对象实例注册的映射关系？毫无疑问，当然是选择后者。</a:t>
+            </a:r>
+            <a:endParaRPr lang="en-US" altLang="zh-CN" sz="1600" b="1" dirty="0"/>
           </a:p>
         </p:txBody>
       </p:sp>
+      <p:pic>
+        <p:nvPicPr>
+          <p:cNvPr id="9220" name="Picture 4">
+            <a:extLst>
+              <a:ext uri="{FF2B5EF4-FFF2-40B4-BE49-F238E27FC236}">
+                <a16:creationId xmlns:a16="http://schemas.microsoft.com/office/drawing/2014/main" id="{D242BD59-433E-424E-B43B-92F0B322F3BB}"/>
+              </a:ext>
+            </a:extLst>
+          </p:cNvPr>
+          <p:cNvPicPr>
+            <a:picLocks noChangeAspect="1" noChangeArrowheads="1"/>
+          </p:cNvPicPr>
+          <p:nvPr/>
+        </p:nvPicPr>
+        <p:blipFill rotWithShape="1">
+          <a:blip r:embed="rId5">
+            <a:extLst>
+              <a:ext uri="{28A0092B-C50C-407E-A947-70E740481C1C}">
+                <a14:useLocalDpi xmlns:a14="http://schemas.microsoft.com/office/drawing/2010/main" val="0"/>
+              </a:ext>
+            </a:extLst>
+          </a:blip>
+          <a:srcRect b="35354"/>
+          <a:stretch/>
+        </p:blipFill>
+        <p:spPr bwMode="auto">
+          <a:xfrm>
+            <a:off x="6349932" y="811620"/>
+            <a:ext cx="2376264" cy="1152128"/>
+          </a:xfrm>
+          <a:prstGeom prst="rect">
+            <a:avLst/>
+          </a:prstGeom>
+          <a:noFill/>
+          <a:extLst>
+            <a:ext uri="{909E8E84-426E-40DD-AFC4-6F175D3DCCD1}">
+              <a14:hiddenFill xmlns:a14="http://schemas.microsoft.com/office/drawing/2010/main">
+                <a:solidFill>
+                  <a:srgbClr val="FFFFFF"/>
+                </a:solidFill>
+              </a14:hiddenFill>
+            </a:ext>
+          </a:extLst>
+        </p:spPr>
+      </p:pic>
+      <p:pic>
+        <p:nvPicPr>
+          <p:cNvPr id="9228" name="Picture 12">
+            <a:extLst>
+              <a:ext uri="{FF2B5EF4-FFF2-40B4-BE49-F238E27FC236}">
+                <a16:creationId xmlns:a16="http://schemas.microsoft.com/office/drawing/2014/main" id="{DAA3656F-F6E0-4FD1-B1B9-2CF465D144AC}"/>
+              </a:ext>
+            </a:extLst>
+          </p:cNvPr>
+          <p:cNvPicPr>
+            <a:picLocks noChangeAspect="1" noChangeArrowheads="1"/>
+          </p:cNvPicPr>
+          <p:nvPr/>
+        </p:nvPicPr>
+        <p:blipFill>
+          <a:blip r:embed="rId6" cstate="print">
+            <a:extLst>
+              <a:ext uri="{28A0092B-C50C-407E-A947-70E740481C1C}">
+                <a14:useLocalDpi xmlns:a14="http://schemas.microsoft.com/office/drawing/2010/main" val="0"/>
+              </a:ext>
+            </a:extLst>
+          </a:blip>
+          <a:srcRect/>
+          <a:stretch>
+            <a:fillRect/>
+          </a:stretch>
+        </p:blipFill>
+        <p:spPr bwMode="auto">
+          <a:xfrm>
+            <a:off x="7538064" y="2003477"/>
+            <a:ext cx="1290265" cy="1290265"/>
+          </a:xfrm>
+          <a:prstGeom prst="rect">
+            <a:avLst/>
+          </a:prstGeom>
+          <a:noFill/>
+          <a:extLst>
+            <a:ext uri="{909E8E84-426E-40DD-AFC4-6F175D3DCCD1}">
+              <a14:hiddenFill xmlns:a14="http://schemas.microsoft.com/office/drawing/2010/main">
+                <a:solidFill>
+                  <a:srgbClr val="FFFFFF"/>
+                </a:solidFill>
+              </a14:hiddenFill>
+            </a:ext>
+          </a:extLst>
+        </p:spPr>
+      </p:pic>
     </p:spTree>
     <p:extLst>
       <p:ext uri="{BB962C8B-B14F-4D97-AF65-F5344CB8AC3E}">
-        <p14:creationId xmlns:p14="http://schemas.microsoft.com/office/powerpoint/2010/main" val="3643720664"/>
+        <p14:creationId xmlns:p14="http://schemas.microsoft.com/office/powerpoint/2010/main" val="3285229341"/>
       </p:ext>
     </p:extLst>
   </p:cSld>
@@ -12161,8 +13580,8 @@
         </p:nvSpPr>
         <p:spPr>
           <a:xfrm>
-            <a:off x="611560" y="1489305"/>
-            <a:ext cx="6192688" cy="1815882"/>
+            <a:off x="611560" y="1297382"/>
+            <a:ext cx="6192688" cy="1292662"/>
           </a:xfrm>
           <a:prstGeom prst="rect">
             <a:avLst/>
@@ -12180,6 +13599,2338 @@
               <a:buChar char="Ø"/>
             </a:pPr>
             <a:r>
+              <a:rPr lang="en-US" altLang="zh-CN" sz="1300" dirty="0"/>
+              <a:t>ASP.NET Core</a:t>
+            </a:r>
+            <a:r>
+              <a:rPr lang="zh-CN" altLang="en-US" sz="1300" dirty="0"/>
+              <a:t>管道在构建过程中会使用同一个</a:t>
+            </a:r>
+            <a:r>
+              <a:rPr lang="en-US" altLang="zh-CN" sz="1300" dirty="0" err="1">
+                <a:solidFill>
+                  <a:srgbClr val="FF0000"/>
+                </a:solidFill>
+              </a:rPr>
+              <a:t>ServiceCollection</a:t>
+            </a:r>
+            <a:r>
+              <a:rPr lang="zh-CN" altLang="en-US" sz="1300" dirty="0"/>
+              <a:t>，所有注册的服务都被添加到这个对象上。这个</a:t>
+            </a:r>
+            <a:r>
+              <a:rPr lang="en-US" altLang="zh-CN" sz="1300" dirty="0" err="1">
+                <a:solidFill>
+                  <a:srgbClr val="FF0000"/>
+                </a:solidFill>
+              </a:rPr>
+              <a:t>ServiceCollection</a:t>
+            </a:r>
+            <a:r>
+              <a:rPr lang="zh-CN" altLang="en-US" sz="1300" dirty="0"/>
+              <a:t>对象最初由</a:t>
+            </a:r>
+            <a:r>
+              <a:rPr lang="en-US" altLang="zh-CN" sz="1300" dirty="0" err="1">
+                <a:solidFill>
+                  <a:srgbClr val="FF0000"/>
+                </a:solidFill>
+              </a:rPr>
+              <a:t>WebHostBuilder</a:t>
+            </a:r>
+            <a:r>
+              <a:rPr lang="zh-CN" altLang="en-US" sz="1300" dirty="0"/>
+              <a:t>创建。在</a:t>
+            </a:r>
+            <a:r>
+              <a:rPr lang="en-US" altLang="zh-CN" sz="1300" dirty="0" err="1"/>
+              <a:t>WebHost</a:t>
+            </a:r>
+            <a:r>
+              <a:rPr lang="zh-CN" altLang="en-US" sz="1300" dirty="0"/>
+              <a:t>的创建过程中，</a:t>
+            </a:r>
+            <a:r>
+              <a:rPr lang="en-US" altLang="zh-CN" sz="1300" dirty="0" err="1">
+                <a:solidFill>
+                  <a:srgbClr val="FF0000"/>
+                </a:solidFill>
+              </a:rPr>
+              <a:t>WebHostBuilder</a:t>
+            </a:r>
+            <a:r>
+              <a:rPr lang="zh-CN" altLang="en-US" sz="1300" dirty="0"/>
+              <a:t>需要向这个</a:t>
+            </a:r>
+            <a:r>
+              <a:rPr lang="en-US" altLang="zh-CN" sz="1300" dirty="0" err="1">
+                <a:solidFill>
+                  <a:srgbClr val="FF0000"/>
+                </a:solidFill>
+              </a:rPr>
+              <a:t>ServiceCollection</a:t>
+            </a:r>
+            <a:r>
+              <a:rPr lang="zh-CN" altLang="en-US" sz="1300" dirty="0"/>
+              <a:t>对象注册两种类型的服务：一种是确保管道能够被成功构建并顺利处理请求所必需的服务，我们不妨将它们称为系统服务；另一种则是用户通过调用</a:t>
+            </a:r>
+            <a:r>
+              <a:rPr lang="en-US" altLang="zh-CN" sz="1300" dirty="0" err="1">
+                <a:solidFill>
+                  <a:srgbClr val="FF0000"/>
+                </a:solidFill>
+              </a:rPr>
+              <a:t>ConfigureServices</a:t>
+            </a:r>
+            <a:r>
+              <a:rPr lang="zh-CN" altLang="en-US" sz="1300" dirty="0"/>
+              <a:t>方法自行注册的服务，我们姑且称它们为用户服务。</a:t>
+            </a:r>
+            <a:endParaRPr lang="en-US" altLang="zh-CN" sz="1300" dirty="0"/>
+          </a:p>
+        </p:txBody>
+      </p:sp>
+      <p:pic>
+        <p:nvPicPr>
+          <p:cNvPr id="1026" name="Picture 2" descr="1">
+            <a:extLst>
+              <a:ext uri="{FF2B5EF4-FFF2-40B4-BE49-F238E27FC236}">
+                <a16:creationId xmlns:a16="http://schemas.microsoft.com/office/drawing/2014/main" id="{8AC4AAB7-0E13-4075-9FE2-6F610BF46E03}"/>
+              </a:ext>
+            </a:extLst>
+          </p:cNvPr>
+          <p:cNvPicPr>
+            <a:picLocks noChangeAspect="1" noChangeArrowheads="1"/>
+          </p:cNvPicPr>
+          <p:nvPr/>
+        </p:nvPicPr>
+        <p:blipFill>
+          <a:blip r:embed="rId5">
+            <a:extLst>
+              <a:ext uri="{28A0092B-C50C-407E-A947-70E740481C1C}">
+                <a14:useLocalDpi xmlns:a14="http://schemas.microsoft.com/office/drawing/2010/main" val="0"/>
+              </a:ext>
+            </a:extLst>
+          </a:blip>
+          <a:srcRect/>
+          <a:stretch>
+            <a:fillRect/>
+          </a:stretch>
+        </p:blipFill>
+        <p:spPr bwMode="auto">
+          <a:xfrm>
+            <a:off x="611560" y="3075806"/>
+            <a:ext cx="6336704" cy="1584176"/>
+          </a:xfrm>
+          <a:prstGeom prst="rect">
+            <a:avLst/>
+          </a:prstGeom>
+          <a:noFill/>
+          <a:extLst>
+            <a:ext uri="{909E8E84-426E-40DD-AFC4-6F175D3DCCD1}">
+              <a14:hiddenFill xmlns:a14="http://schemas.microsoft.com/office/drawing/2010/main">
+                <a:solidFill>
+                  <a:srgbClr val="FFFFFF"/>
+                </a:solidFill>
+              </a14:hiddenFill>
+            </a:ext>
+          </a:extLst>
+        </p:spPr>
+      </p:pic>
+    </p:spTree>
+    <p:extLst>
+      <p:ext uri="{BB962C8B-B14F-4D97-AF65-F5344CB8AC3E}">
+        <p14:creationId xmlns:p14="http://schemas.microsoft.com/office/powerpoint/2010/main" val="1697870354"/>
+      </p:ext>
+    </p:extLst>
+  </p:cSld>
+  <p:clrMapOvr>
+    <a:masterClrMapping/>
+  </p:clrMapOvr>
+</p:sld>
+</file>
+
+<file path=ppt/slides/slide15.xml><?xml version="1.0" encoding="utf-8"?>
+<p:sld xmlns:a="http://schemas.openxmlformats.org/drawingml/2006/main" xmlns:r="http://schemas.openxmlformats.org/officeDocument/2006/relationships" xmlns:p="http://schemas.openxmlformats.org/presentationml/2006/main">
+  <p:cSld>
+    <p:spTree>
+      <p:nvGrpSpPr>
+        <p:cNvPr id="1" name=""/>
+        <p:cNvGrpSpPr/>
+        <p:nvPr/>
+      </p:nvGrpSpPr>
+      <p:grpSpPr>
+        <a:xfrm>
+          <a:off x="0" y="0"/>
+          <a:ext cx="0" cy="0"/>
+          <a:chOff x="0" y="0"/>
+          <a:chExt cx="0" cy="0"/>
+        </a:xfrm>
+      </p:grpSpPr>
+      <p:sp>
+        <p:nvSpPr>
+          <p:cNvPr id="5" name="TextBox 4"/>
+          <p:cNvSpPr txBox="1"/>
+          <p:nvPr/>
+        </p:nvSpPr>
+        <p:spPr>
+          <a:xfrm>
+            <a:off x="611560" y="411510"/>
+            <a:ext cx="4680520" cy="400110"/>
+          </a:xfrm>
+          <a:prstGeom prst="rect">
+            <a:avLst/>
+          </a:prstGeom>
+          <a:noFill/>
+        </p:spPr>
+        <p:txBody>
+          <a:bodyPr wrap="square" rtlCol="0">
+            <a:spAutoFit/>
+          </a:bodyPr>
+          <a:lstStyle/>
+          <a:p>
+            <a:r>
+              <a:rPr lang="en-US" altLang="zh-CN" sz="2000" i="1" dirty="0"/>
+              <a:t>1.</a:t>
+            </a:r>
+            <a:r>
+              <a:rPr lang="zh-CN" altLang="en-US" sz="2000" i="1" dirty="0"/>
+              <a:t>实例注册</a:t>
+            </a:r>
+            <a:endParaRPr lang="zh-CN" altLang="en-US" sz="2000" b="1" dirty="0">
+              <a:latin typeface="微软雅黑" pitchFamily="34" charset="-122"/>
+              <a:ea typeface="微软雅黑" pitchFamily="34" charset="-122"/>
+            </a:endParaRPr>
+          </a:p>
+        </p:txBody>
+      </p:sp>
+      <p:pic>
+        <p:nvPicPr>
+          <p:cNvPr id="6" name="图片 5" descr="矢量智能对象.png"/>
+          <p:cNvPicPr>
+            <a:picLocks noChangeAspect="1"/>
+          </p:cNvPicPr>
+          <p:nvPr/>
+        </p:nvPicPr>
+        <p:blipFill>
+          <a:blip r:embed="rId3" cstate="print"/>
+          <a:stretch>
+            <a:fillRect/>
+          </a:stretch>
+        </p:blipFill>
+        <p:spPr>
+          <a:xfrm>
+            <a:off x="8244408" y="288032"/>
+            <a:ext cx="487504" cy="349205"/>
+          </a:xfrm>
+          <a:prstGeom prst="rect">
+            <a:avLst/>
+          </a:prstGeom>
+        </p:spPr>
+      </p:pic>
+      <p:pic>
+        <p:nvPicPr>
+          <p:cNvPr id="8" name="图片 7" descr="矢量智能对象.png"/>
+          <p:cNvPicPr>
+            <a:picLocks noChangeAspect="1"/>
+          </p:cNvPicPr>
+          <p:nvPr/>
+        </p:nvPicPr>
+        <p:blipFill>
+          <a:blip r:embed="rId4" cstate="print"/>
+          <a:stretch>
+            <a:fillRect/>
+          </a:stretch>
+        </p:blipFill>
+        <p:spPr>
+          <a:xfrm>
+            <a:off x="0" y="4659982"/>
+            <a:ext cx="9144000" cy="504056"/>
+          </a:xfrm>
+          <a:prstGeom prst="rect">
+            <a:avLst/>
+          </a:prstGeom>
+        </p:spPr>
+      </p:pic>
+      <p:sp>
+        <p:nvSpPr>
+          <p:cNvPr id="9" name="TextBox 8"/>
+          <p:cNvSpPr txBox="1"/>
+          <p:nvPr/>
+        </p:nvSpPr>
+        <p:spPr>
+          <a:xfrm>
+            <a:off x="611560" y="1089196"/>
+            <a:ext cx="6192688" cy="1692771"/>
+          </a:xfrm>
+          <a:prstGeom prst="rect">
+            <a:avLst/>
+          </a:prstGeom>
+          <a:noFill/>
+        </p:spPr>
+        <p:txBody>
+          <a:bodyPr wrap="square" rtlCol="0">
+            <a:spAutoFit/>
+          </a:bodyPr>
+          <a:lstStyle/>
+          <a:p>
+            <a:pPr>
+              <a:buFont typeface="Wingdings" panose="05000000000000000000" pitchFamily="2" charset="2"/>
+              <a:buChar char="Ø"/>
+            </a:pPr>
+            <a:r>
+              <a:rPr lang="zh-CN" altLang="en-US" sz="1300" dirty="0"/>
+              <a:t>当上述这两种服务被成功注册之后，</a:t>
+            </a:r>
+            <a:r>
+              <a:rPr lang="en-US" altLang="zh-CN" sz="1300" dirty="0" err="1"/>
+              <a:t>WebHostBuilder</a:t>
+            </a:r>
+            <a:r>
+              <a:rPr lang="zh-CN" altLang="en-US" sz="1300" dirty="0"/>
+              <a:t>会利用这个</a:t>
+            </a:r>
+            <a:r>
+              <a:rPr lang="en-US" altLang="zh-CN" sz="1300" dirty="0" err="1"/>
+              <a:t>ServiceCollection</a:t>
+            </a:r>
+            <a:r>
+              <a:rPr lang="zh-CN" altLang="en-US" sz="1300" dirty="0"/>
+              <a:t>创建一个</a:t>
+            </a:r>
+            <a:r>
+              <a:rPr lang="en-US" altLang="zh-CN" sz="1300" dirty="0" err="1"/>
+              <a:t>ServiceProvider</a:t>
+            </a:r>
+            <a:r>
+              <a:rPr lang="zh-CN" altLang="en-US" sz="1300" dirty="0"/>
+              <a:t>对象，这个对象和</a:t>
+            </a:r>
+            <a:r>
+              <a:rPr lang="en-US" altLang="zh-CN" sz="1300" dirty="0" err="1"/>
+              <a:t>ServiceCollection</a:t>
+            </a:r>
+            <a:r>
+              <a:rPr lang="zh-CN" altLang="en-US" sz="1300" dirty="0"/>
+              <a:t>将一并递交给由它创建的</a:t>
+            </a:r>
+            <a:r>
+              <a:rPr lang="en-US" altLang="zh-CN" sz="1300" dirty="0" err="1"/>
+              <a:t>WebHost</a:t>
+            </a:r>
+            <a:r>
+              <a:rPr lang="zh-CN" altLang="en-US" sz="1300" dirty="0"/>
+              <a:t>对象。当</a:t>
+            </a:r>
+            <a:r>
+              <a:rPr lang="en-US" altLang="zh-CN" sz="1300" dirty="0" err="1"/>
+              <a:t>WebHost</a:t>
+            </a:r>
+            <a:r>
+              <a:rPr lang="zh-CN" altLang="en-US" sz="1300" dirty="0"/>
+              <a:t>在初始化过程中，它的第一项过程就是利用</a:t>
+            </a:r>
+            <a:r>
+              <a:rPr lang="en-US" altLang="zh-CN" sz="1300" dirty="0" err="1"/>
+              <a:t>ServiceProvider</a:t>
+            </a:r>
+            <a:r>
+              <a:rPr lang="zh-CN" altLang="en-US" sz="1300" dirty="0"/>
+              <a:t>获取一个</a:t>
+            </a:r>
+            <a:r>
+              <a:rPr lang="en-US" altLang="zh-CN" sz="1300" dirty="0"/>
+              <a:t>Startup</a:t>
+            </a:r>
+            <a:r>
+              <a:rPr lang="zh-CN" altLang="en-US" sz="1300" dirty="0"/>
+              <a:t>对象。如果这是一个</a:t>
+            </a:r>
+            <a:r>
+              <a:rPr lang="en-US" altLang="zh-CN" sz="1300" dirty="0" err="1"/>
+              <a:t>ConventionBasedStartup</a:t>
+            </a:r>
+            <a:r>
+              <a:rPr lang="zh-CN" altLang="en-US" sz="1300" dirty="0"/>
+              <a:t>对象，并且对应的启动类是一个实例类，具体的启动对象是采用依赖注入的形式被实例化的，所以启动类的构造函数是可以有参数的。启动对象实例化过程中使用的就是</a:t>
+            </a:r>
+            <a:r>
+              <a:rPr lang="en-US" altLang="zh-CN" sz="1300" dirty="0" err="1"/>
+              <a:t>WebHostBuilder</a:t>
+            </a:r>
+            <a:r>
+              <a:rPr lang="zh-CN" altLang="en-US" sz="1300" dirty="0"/>
+              <a:t>提供的这个</a:t>
+            </a:r>
+            <a:r>
+              <a:rPr lang="en-US" altLang="zh-CN" sz="1300" dirty="0" err="1"/>
+              <a:t>ServiceProvider</a:t>
+            </a:r>
+            <a:r>
+              <a:rPr lang="zh-CN" altLang="en-US" sz="1300" dirty="0"/>
+              <a:t>，这也是依赖注入的第一次应用。</a:t>
+            </a:r>
+            <a:endParaRPr lang="en-US" altLang="zh-CN" sz="1300" dirty="0"/>
+          </a:p>
+          <a:p>
+            <a:pPr>
+              <a:buFont typeface="Wingdings" panose="05000000000000000000" pitchFamily="2" charset="2"/>
+              <a:buChar char="Ø"/>
+            </a:pPr>
+            <a:endParaRPr lang="en-US" altLang="zh-CN" sz="1300" dirty="0"/>
+          </a:p>
+        </p:txBody>
+      </p:sp>
+      <p:pic>
+        <p:nvPicPr>
+          <p:cNvPr id="4" name="图片 3">
+            <a:extLst>
+              <a:ext uri="{FF2B5EF4-FFF2-40B4-BE49-F238E27FC236}">
+                <a16:creationId xmlns:a16="http://schemas.microsoft.com/office/drawing/2014/main" id="{6984EA4D-B5DD-43D8-BB6E-A4DD9BA3AC66}"/>
+              </a:ext>
+            </a:extLst>
+          </p:cNvPr>
+          <p:cNvPicPr>
+            <a:picLocks noChangeAspect="1"/>
+          </p:cNvPicPr>
+          <p:nvPr/>
+        </p:nvPicPr>
+        <p:blipFill>
+          <a:blip r:embed="rId5"/>
+          <a:stretch>
+            <a:fillRect/>
+          </a:stretch>
+        </p:blipFill>
+        <p:spPr>
+          <a:xfrm>
+            <a:off x="611560" y="3219822"/>
+            <a:ext cx="7557301" cy="1296144"/>
+          </a:xfrm>
+          <a:prstGeom prst="rect">
+            <a:avLst/>
+          </a:prstGeom>
+        </p:spPr>
+      </p:pic>
+    </p:spTree>
+    <p:extLst>
+      <p:ext uri="{BB962C8B-B14F-4D97-AF65-F5344CB8AC3E}">
+        <p14:creationId xmlns:p14="http://schemas.microsoft.com/office/powerpoint/2010/main" val="2893008239"/>
+      </p:ext>
+    </p:extLst>
+  </p:cSld>
+  <p:clrMapOvr>
+    <a:masterClrMapping/>
+  </p:clrMapOvr>
+</p:sld>
+</file>
+
+<file path=ppt/slides/slide16.xml><?xml version="1.0" encoding="utf-8"?>
+<p:sld xmlns:a="http://schemas.openxmlformats.org/drawingml/2006/main" xmlns:r="http://schemas.openxmlformats.org/officeDocument/2006/relationships" xmlns:p="http://schemas.openxmlformats.org/presentationml/2006/main">
+  <p:cSld>
+    <p:spTree>
+      <p:nvGrpSpPr>
+        <p:cNvPr id="1" name=""/>
+        <p:cNvGrpSpPr/>
+        <p:nvPr/>
+      </p:nvGrpSpPr>
+      <p:grpSpPr>
+        <a:xfrm>
+          <a:off x="0" y="0"/>
+          <a:ext cx="0" cy="0"/>
+          <a:chOff x="0" y="0"/>
+          <a:chExt cx="0" cy="0"/>
+        </a:xfrm>
+      </p:grpSpPr>
+      <p:sp>
+        <p:nvSpPr>
+          <p:cNvPr id="5" name="TextBox 4"/>
+          <p:cNvSpPr txBox="1"/>
+          <p:nvPr/>
+        </p:nvSpPr>
+        <p:spPr>
+          <a:xfrm>
+            <a:off x="611560" y="411510"/>
+            <a:ext cx="4680520" cy="400110"/>
+          </a:xfrm>
+          <a:prstGeom prst="rect">
+            <a:avLst/>
+          </a:prstGeom>
+          <a:noFill/>
+        </p:spPr>
+        <p:txBody>
+          <a:bodyPr wrap="square" rtlCol="0">
+            <a:spAutoFit/>
+          </a:bodyPr>
+          <a:lstStyle/>
+          <a:p>
+            <a:r>
+              <a:rPr lang="en-US" altLang="zh-CN" sz="2000" i="1" dirty="0"/>
+              <a:t>1.</a:t>
+            </a:r>
+            <a:r>
+              <a:rPr lang="zh-CN" altLang="en-US" sz="2000" i="1" dirty="0"/>
+              <a:t>实例注册</a:t>
+            </a:r>
+            <a:endParaRPr lang="zh-CN" altLang="en-US" sz="2000" b="1" dirty="0">
+              <a:latin typeface="微软雅黑" pitchFamily="34" charset="-122"/>
+              <a:ea typeface="微软雅黑" pitchFamily="34" charset="-122"/>
+            </a:endParaRPr>
+          </a:p>
+        </p:txBody>
+      </p:sp>
+      <p:pic>
+        <p:nvPicPr>
+          <p:cNvPr id="6" name="图片 5" descr="矢量智能对象.png"/>
+          <p:cNvPicPr>
+            <a:picLocks noChangeAspect="1"/>
+          </p:cNvPicPr>
+          <p:nvPr/>
+        </p:nvPicPr>
+        <p:blipFill>
+          <a:blip r:embed="rId3" cstate="print"/>
+          <a:stretch>
+            <a:fillRect/>
+          </a:stretch>
+        </p:blipFill>
+        <p:spPr>
+          <a:xfrm>
+            <a:off x="8244408" y="288032"/>
+            <a:ext cx="487504" cy="349205"/>
+          </a:xfrm>
+          <a:prstGeom prst="rect">
+            <a:avLst/>
+          </a:prstGeom>
+        </p:spPr>
+      </p:pic>
+      <p:pic>
+        <p:nvPicPr>
+          <p:cNvPr id="8" name="图片 7" descr="矢量智能对象.png"/>
+          <p:cNvPicPr>
+            <a:picLocks noChangeAspect="1"/>
+          </p:cNvPicPr>
+          <p:nvPr/>
+        </p:nvPicPr>
+        <p:blipFill>
+          <a:blip r:embed="rId4" cstate="print"/>
+          <a:stretch>
+            <a:fillRect/>
+          </a:stretch>
+        </p:blipFill>
+        <p:spPr>
+          <a:xfrm>
+            <a:off x="0" y="4659982"/>
+            <a:ext cx="9144000" cy="504056"/>
+          </a:xfrm>
+          <a:prstGeom prst="rect">
+            <a:avLst/>
+          </a:prstGeom>
+        </p:spPr>
+      </p:pic>
+      <p:sp>
+        <p:nvSpPr>
+          <p:cNvPr id="9" name="TextBox 8"/>
+          <p:cNvSpPr txBox="1"/>
+          <p:nvPr/>
+        </p:nvSpPr>
+        <p:spPr>
+          <a:xfrm>
+            <a:off x="611560" y="1089196"/>
+            <a:ext cx="6192688" cy="1692771"/>
+          </a:xfrm>
+          <a:prstGeom prst="rect">
+            <a:avLst/>
+          </a:prstGeom>
+          <a:noFill/>
+        </p:spPr>
+        <p:txBody>
+          <a:bodyPr wrap="square" rtlCol="0">
+            <a:spAutoFit/>
+          </a:bodyPr>
+          <a:lstStyle/>
+          <a:p>
+            <a:pPr>
+              <a:buFont typeface="Wingdings" panose="05000000000000000000" pitchFamily="2" charset="2"/>
+              <a:buChar char="Ø"/>
+            </a:pPr>
+            <a:r>
+              <a:rPr lang="zh-CN" altLang="en-US" sz="1300" dirty="0"/>
+              <a:t>当</a:t>
+            </a:r>
+            <a:r>
+              <a:rPr lang="en-US" altLang="zh-CN" sz="1300" dirty="0" err="1"/>
+              <a:t>WebHost</a:t>
+            </a:r>
+            <a:r>
+              <a:rPr lang="zh-CN" altLang="en-US" sz="1300" dirty="0"/>
+              <a:t>利用</a:t>
+            </a:r>
+            <a:r>
+              <a:rPr lang="en-US" altLang="zh-CN" sz="1300" dirty="0" err="1"/>
+              <a:t>WebHostBuilder</a:t>
+            </a:r>
+            <a:r>
+              <a:rPr lang="zh-CN" altLang="en-US" sz="1300" dirty="0"/>
+              <a:t>提供的这个</a:t>
+            </a:r>
+            <a:r>
+              <a:rPr lang="en-US" altLang="zh-CN" sz="1300" dirty="0" err="1"/>
+              <a:t>ServiceProvider</a:t>
+            </a:r>
+            <a:r>
+              <a:rPr lang="zh-CN" altLang="en-US" sz="1300" dirty="0"/>
+              <a:t>得到这个</a:t>
+            </a:r>
+            <a:r>
+              <a:rPr lang="en-US" altLang="zh-CN" sz="1300" dirty="0"/>
+              <a:t>Startup</a:t>
+            </a:r>
+            <a:r>
+              <a:rPr lang="zh-CN" altLang="en-US" sz="1300" dirty="0"/>
+              <a:t>对象之后，它会调用其</a:t>
+            </a:r>
+            <a:r>
+              <a:rPr lang="en-US" altLang="zh-CN" sz="1300" dirty="0" err="1"/>
+              <a:t>ConfigureServices</a:t>
+            </a:r>
+            <a:r>
+              <a:rPr lang="zh-CN" altLang="en-US" sz="1300" dirty="0"/>
+              <a:t>方法将用户在启动类中注册的服务添加到上述这个</a:t>
+            </a:r>
+            <a:r>
+              <a:rPr lang="en-US" altLang="zh-CN" sz="1300" dirty="0" err="1"/>
+              <a:t>ServiceCollection</a:t>
+            </a:r>
+            <a:r>
+              <a:rPr lang="zh-CN" altLang="en-US" sz="1300" dirty="0"/>
+              <a:t>对象之上，到目前为止这个</a:t>
+            </a:r>
+            <a:r>
+              <a:rPr lang="en-US" altLang="zh-CN" sz="1300" dirty="0" err="1"/>
+              <a:t>ServiceCollection</a:t>
+            </a:r>
+            <a:r>
+              <a:rPr lang="zh-CN" altLang="en-US" sz="1300" dirty="0"/>
+              <a:t>包含了所有需要注册的服务。如果启动类型的</a:t>
+            </a:r>
+            <a:r>
+              <a:rPr lang="en-US" altLang="zh-CN" sz="1300" dirty="0" err="1"/>
+              <a:t>ConfigureServices</a:t>
+            </a:r>
+            <a:r>
+              <a:rPr lang="zh-CN" altLang="en-US" sz="1300" dirty="0"/>
+              <a:t>方法没有返回值，那么这个</a:t>
+            </a:r>
+            <a:r>
+              <a:rPr lang="en-US" altLang="zh-CN" sz="1300" dirty="0" err="1"/>
+              <a:t>ServiceCollection</a:t>
+            </a:r>
+            <a:r>
+              <a:rPr lang="zh-CN" altLang="en-US" sz="1300" dirty="0"/>
+              <a:t>将被用来创建一个新的</a:t>
+            </a:r>
+            <a:r>
+              <a:rPr lang="en-US" altLang="zh-CN" sz="1300" dirty="0" err="1"/>
+              <a:t>ServiceProvider</a:t>
+            </a:r>
+            <a:r>
+              <a:rPr lang="zh-CN" altLang="en-US" sz="1300" dirty="0"/>
+              <a:t>，后续过程中所有的服务都会利用它来获取。如果启动类型的</a:t>
+            </a:r>
+            <a:r>
+              <a:rPr lang="en-US" altLang="zh-CN" sz="1300" dirty="0" err="1"/>
+              <a:t>ConfigureServices</a:t>
+            </a:r>
+            <a:r>
+              <a:rPr lang="zh-CN" altLang="en-US" sz="1300" dirty="0"/>
+              <a:t>方法返回一个</a:t>
+            </a:r>
+            <a:r>
+              <a:rPr lang="en-US" altLang="zh-CN" sz="1300" dirty="0" err="1"/>
+              <a:t>ServiceProvider</a:t>
+            </a:r>
+            <a:r>
+              <a:rPr lang="zh-CN" altLang="en-US" sz="1300" dirty="0"/>
+              <a:t>，那么后续过程作为服务提供者的就是这么一个对象。</a:t>
+            </a:r>
+            <a:r>
+              <a:rPr lang="en-US" altLang="zh-CN" sz="1300" dirty="0" err="1"/>
+              <a:t>WebHost</a:t>
+            </a:r>
+            <a:r>
+              <a:rPr lang="zh-CN" altLang="en-US" sz="1300" dirty="0"/>
+              <a:t>的</a:t>
+            </a:r>
+            <a:r>
+              <a:rPr lang="en-US" altLang="zh-CN" sz="1300" dirty="0"/>
+              <a:t>Services</a:t>
+            </a:r>
+            <a:r>
+              <a:rPr lang="zh-CN" altLang="en-US" sz="1300" dirty="0"/>
+              <a:t>属性返回的就是这个</a:t>
+            </a:r>
+            <a:r>
+              <a:rPr lang="en-US" altLang="zh-CN" sz="1300" dirty="0" err="1"/>
+              <a:t>ServiceProvider</a:t>
+            </a:r>
+            <a:r>
+              <a:rPr lang="zh-CN" altLang="en-US" sz="1300" dirty="0"/>
+              <a:t>对象，所以姑且称它为</a:t>
+            </a:r>
+            <a:r>
+              <a:rPr lang="en-US" altLang="zh-CN" sz="1300" dirty="0" err="1"/>
+              <a:t>WebHost</a:t>
+            </a:r>
+            <a:r>
+              <a:rPr lang="zh-CN" altLang="en-US" sz="1300" dirty="0"/>
+              <a:t>的</a:t>
+            </a:r>
+            <a:r>
+              <a:rPr lang="en-US" altLang="zh-CN" sz="1300" dirty="0" err="1"/>
+              <a:t>ServiceProvider</a:t>
+            </a:r>
+            <a:r>
+              <a:rPr lang="zh-CN" altLang="en-US" sz="1300" dirty="0"/>
+              <a:t>。</a:t>
+            </a:r>
+            <a:endParaRPr lang="en-US" altLang="zh-CN" sz="1300" dirty="0"/>
+          </a:p>
+        </p:txBody>
+      </p:sp>
+    </p:spTree>
+    <p:extLst>
+      <p:ext uri="{BB962C8B-B14F-4D97-AF65-F5344CB8AC3E}">
+        <p14:creationId xmlns:p14="http://schemas.microsoft.com/office/powerpoint/2010/main" val="15095066"/>
+      </p:ext>
+    </p:extLst>
+  </p:cSld>
+  <p:clrMapOvr>
+    <a:masterClrMapping/>
+  </p:clrMapOvr>
+</p:sld>
+</file>
+
+<file path=ppt/slides/slide17.xml><?xml version="1.0" encoding="utf-8"?>
+<p:sld xmlns:a="http://schemas.openxmlformats.org/drawingml/2006/main" xmlns:r="http://schemas.openxmlformats.org/officeDocument/2006/relationships" xmlns:p="http://schemas.openxmlformats.org/presentationml/2006/main">
+  <p:cSld>
+    <p:spTree>
+      <p:nvGrpSpPr>
+        <p:cNvPr id="1" name=""/>
+        <p:cNvGrpSpPr/>
+        <p:nvPr/>
+      </p:nvGrpSpPr>
+      <p:grpSpPr>
+        <a:xfrm>
+          <a:off x="0" y="0"/>
+          <a:ext cx="0" cy="0"/>
+          <a:chOff x="0" y="0"/>
+          <a:chExt cx="0" cy="0"/>
+        </a:xfrm>
+      </p:grpSpPr>
+      <p:pic>
+        <p:nvPicPr>
+          <p:cNvPr id="2" name="图片 1">
+            <a:extLst>
+              <a:ext uri="{FF2B5EF4-FFF2-40B4-BE49-F238E27FC236}">
+                <a16:creationId xmlns:a16="http://schemas.microsoft.com/office/drawing/2014/main" id="{4E20C6A1-F7A0-49D2-9134-ABFFDFF88851}"/>
+              </a:ext>
+            </a:extLst>
+          </p:cNvPr>
+          <p:cNvPicPr>
+            <a:picLocks noChangeAspect="1"/>
+          </p:cNvPicPr>
+          <p:nvPr/>
+        </p:nvPicPr>
+        <p:blipFill>
+          <a:blip r:embed="rId3"/>
+          <a:stretch>
+            <a:fillRect/>
+          </a:stretch>
+        </p:blipFill>
+        <p:spPr>
+          <a:xfrm>
+            <a:off x="611559" y="776156"/>
+            <a:ext cx="7855375" cy="3883825"/>
+          </a:xfrm>
+          <a:prstGeom prst="rect">
+            <a:avLst/>
+          </a:prstGeom>
+        </p:spPr>
+      </p:pic>
+      <p:sp>
+        <p:nvSpPr>
+          <p:cNvPr id="5" name="TextBox 4"/>
+          <p:cNvSpPr txBox="1"/>
+          <p:nvPr/>
+        </p:nvSpPr>
+        <p:spPr>
+          <a:xfrm>
+            <a:off x="611560" y="411510"/>
+            <a:ext cx="4680520" cy="400110"/>
+          </a:xfrm>
+          <a:prstGeom prst="rect">
+            <a:avLst/>
+          </a:prstGeom>
+          <a:noFill/>
+        </p:spPr>
+        <p:txBody>
+          <a:bodyPr wrap="square" rtlCol="0">
+            <a:spAutoFit/>
+          </a:bodyPr>
+          <a:lstStyle/>
+          <a:p>
+            <a:r>
+              <a:rPr lang="en-US" altLang="zh-CN" sz="2000" i="1" dirty="0"/>
+              <a:t>1.</a:t>
+            </a:r>
+            <a:r>
+              <a:rPr lang="zh-CN" altLang="en-US" sz="2000" i="1" dirty="0"/>
+              <a:t>实例注册</a:t>
+            </a:r>
+            <a:endParaRPr lang="zh-CN" altLang="en-US" sz="2000" b="1" dirty="0">
+              <a:latin typeface="微软雅黑" pitchFamily="34" charset="-122"/>
+              <a:ea typeface="微软雅黑" pitchFamily="34" charset="-122"/>
+            </a:endParaRPr>
+          </a:p>
+        </p:txBody>
+      </p:sp>
+      <p:pic>
+        <p:nvPicPr>
+          <p:cNvPr id="6" name="图片 5" descr="矢量智能对象.png"/>
+          <p:cNvPicPr>
+            <a:picLocks noChangeAspect="1"/>
+          </p:cNvPicPr>
+          <p:nvPr/>
+        </p:nvPicPr>
+        <p:blipFill>
+          <a:blip r:embed="rId4" cstate="print"/>
+          <a:stretch>
+            <a:fillRect/>
+          </a:stretch>
+        </p:blipFill>
+        <p:spPr>
+          <a:xfrm>
+            <a:off x="8244408" y="288032"/>
+            <a:ext cx="487504" cy="349205"/>
+          </a:xfrm>
+          <a:prstGeom prst="rect">
+            <a:avLst/>
+          </a:prstGeom>
+        </p:spPr>
+      </p:pic>
+      <p:pic>
+        <p:nvPicPr>
+          <p:cNvPr id="8" name="图片 7" descr="矢量智能对象.png"/>
+          <p:cNvPicPr>
+            <a:picLocks noChangeAspect="1"/>
+          </p:cNvPicPr>
+          <p:nvPr/>
+        </p:nvPicPr>
+        <p:blipFill>
+          <a:blip r:embed="rId5" cstate="print"/>
+          <a:stretch>
+            <a:fillRect/>
+          </a:stretch>
+        </p:blipFill>
+        <p:spPr>
+          <a:xfrm>
+            <a:off x="0" y="4659982"/>
+            <a:ext cx="9144000" cy="504056"/>
+          </a:xfrm>
+          <a:prstGeom prst="rect">
+            <a:avLst/>
+          </a:prstGeom>
+        </p:spPr>
+      </p:pic>
+    </p:spTree>
+    <p:extLst>
+      <p:ext uri="{BB962C8B-B14F-4D97-AF65-F5344CB8AC3E}">
+        <p14:creationId xmlns:p14="http://schemas.microsoft.com/office/powerpoint/2010/main" val="2433735490"/>
+      </p:ext>
+    </p:extLst>
+  </p:cSld>
+  <p:clrMapOvr>
+    <a:masterClrMapping/>
+  </p:clrMapOvr>
+</p:sld>
+</file>
+
+<file path=ppt/slides/slide18.xml><?xml version="1.0" encoding="utf-8"?>
+<p:sld xmlns:a="http://schemas.openxmlformats.org/drawingml/2006/main" xmlns:r="http://schemas.openxmlformats.org/officeDocument/2006/relationships" xmlns:p="http://schemas.openxmlformats.org/presentationml/2006/main">
+  <p:cSld>
+    <p:spTree>
+      <p:nvGrpSpPr>
+        <p:cNvPr id="1" name=""/>
+        <p:cNvGrpSpPr/>
+        <p:nvPr/>
+      </p:nvGrpSpPr>
+      <p:grpSpPr>
+        <a:xfrm>
+          <a:off x="0" y="0"/>
+          <a:ext cx="0" cy="0"/>
+          <a:chOff x="0" y="0"/>
+          <a:chExt cx="0" cy="0"/>
+        </a:xfrm>
+      </p:grpSpPr>
+      <p:sp>
+        <p:nvSpPr>
+          <p:cNvPr id="5" name="TextBox 4"/>
+          <p:cNvSpPr txBox="1"/>
+          <p:nvPr/>
+        </p:nvSpPr>
+        <p:spPr>
+          <a:xfrm>
+            <a:off x="611560" y="411510"/>
+            <a:ext cx="4680520" cy="400110"/>
+          </a:xfrm>
+          <a:prstGeom prst="rect">
+            <a:avLst/>
+          </a:prstGeom>
+          <a:noFill/>
+        </p:spPr>
+        <p:txBody>
+          <a:bodyPr wrap="square" rtlCol="0">
+            <a:spAutoFit/>
+          </a:bodyPr>
+          <a:lstStyle/>
+          <a:p>
+            <a:r>
+              <a:rPr lang="en-US" altLang="zh-CN" sz="2000" i="1" dirty="0"/>
+              <a:t>1.</a:t>
+            </a:r>
+            <a:r>
+              <a:rPr lang="zh-CN" altLang="en-US" sz="2000" i="1" dirty="0"/>
+              <a:t>实例注册</a:t>
+            </a:r>
+            <a:endParaRPr lang="zh-CN" altLang="en-US" sz="2000" b="1" dirty="0">
+              <a:latin typeface="微软雅黑" pitchFamily="34" charset="-122"/>
+              <a:ea typeface="微软雅黑" pitchFamily="34" charset="-122"/>
+            </a:endParaRPr>
+          </a:p>
+        </p:txBody>
+      </p:sp>
+      <p:pic>
+        <p:nvPicPr>
+          <p:cNvPr id="6" name="图片 5" descr="矢量智能对象.png"/>
+          <p:cNvPicPr>
+            <a:picLocks noChangeAspect="1"/>
+          </p:cNvPicPr>
+          <p:nvPr/>
+        </p:nvPicPr>
+        <p:blipFill>
+          <a:blip r:embed="rId3" cstate="print"/>
+          <a:stretch>
+            <a:fillRect/>
+          </a:stretch>
+        </p:blipFill>
+        <p:spPr>
+          <a:xfrm>
+            <a:off x="8244408" y="288032"/>
+            <a:ext cx="487504" cy="349205"/>
+          </a:xfrm>
+          <a:prstGeom prst="rect">
+            <a:avLst/>
+          </a:prstGeom>
+        </p:spPr>
+      </p:pic>
+      <p:pic>
+        <p:nvPicPr>
+          <p:cNvPr id="8" name="图片 7" descr="矢量智能对象.png"/>
+          <p:cNvPicPr>
+            <a:picLocks noChangeAspect="1"/>
+          </p:cNvPicPr>
+          <p:nvPr/>
+        </p:nvPicPr>
+        <p:blipFill>
+          <a:blip r:embed="rId4" cstate="print"/>
+          <a:stretch>
+            <a:fillRect/>
+          </a:stretch>
+        </p:blipFill>
+        <p:spPr>
+          <a:xfrm>
+            <a:off x="0" y="4659982"/>
+            <a:ext cx="9144000" cy="504056"/>
+          </a:xfrm>
+          <a:prstGeom prst="rect">
+            <a:avLst/>
+          </a:prstGeom>
+        </p:spPr>
+      </p:pic>
+      <p:sp>
+        <p:nvSpPr>
+          <p:cNvPr id="9" name="TextBox 8"/>
+          <p:cNvSpPr txBox="1"/>
+          <p:nvPr/>
+        </p:nvSpPr>
+        <p:spPr>
+          <a:xfrm>
+            <a:off x="611560" y="1089196"/>
+            <a:ext cx="6192688" cy="1492716"/>
+          </a:xfrm>
+          <a:prstGeom prst="rect">
+            <a:avLst/>
+          </a:prstGeom>
+          <a:noFill/>
+        </p:spPr>
+        <p:txBody>
+          <a:bodyPr wrap="square" rtlCol="0">
+            <a:spAutoFit/>
+          </a:bodyPr>
+          <a:lstStyle/>
+          <a:p>
+            <a:pPr>
+              <a:buFont typeface="Wingdings" panose="05000000000000000000" pitchFamily="2" charset="2"/>
+              <a:buChar char="Ø"/>
+            </a:pPr>
+            <a:r>
+              <a:rPr lang="zh-CN" altLang="en-US" sz="1300" dirty="0"/>
+              <a:t>接下来</a:t>
+            </a:r>
+            <a:r>
+              <a:rPr lang="en-US" altLang="zh-CN" sz="1300" dirty="0" err="1"/>
+              <a:t>WebHost</a:t>
+            </a:r>
+            <a:r>
+              <a:rPr lang="zh-CN" altLang="en-US" sz="1300" dirty="0"/>
+              <a:t>利用这个</a:t>
+            </a:r>
+            <a:r>
+              <a:rPr lang="en-US" altLang="zh-CN" sz="1300" dirty="0" err="1"/>
+              <a:t>ServiceProvider</a:t>
+            </a:r>
+            <a:r>
+              <a:rPr lang="zh-CN" altLang="en-US" sz="1300" dirty="0"/>
+              <a:t>获取注册的</a:t>
+            </a:r>
+            <a:r>
+              <a:rPr lang="en-US" altLang="zh-CN" sz="1300" dirty="0" err="1"/>
+              <a:t>ApplicationBuilder</a:t>
+            </a:r>
+            <a:r>
+              <a:rPr lang="zh-CN" altLang="en-US" sz="1300" dirty="0"/>
+              <a:t>对象和</a:t>
+            </a:r>
+            <a:r>
+              <a:rPr lang="en-US" altLang="zh-CN" sz="1300" dirty="0" err="1"/>
+              <a:t>StartupFilter</a:t>
+            </a:r>
+            <a:r>
+              <a:rPr lang="zh-CN" altLang="en-US" sz="1300" dirty="0"/>
+              <a:t>对象，并将前者作为参数依次调用每个</a:t>
+            </a:r>
+            <a:r>
+              <a:rPr lang="en-US" altLang="zh-CN" sz="1300" dirty="0" err="1"/>
+              <a:t>StartupFilter</a:t>
+            </a:r>
+            <a:r>
+              <a:rPr lang="zh-CN" altLang="en-US" sz="1300" dirty="0"/>
+              <a:t>的</a:t>
+            </a:r>
+            <a:r>
+              <a:rPr lang="en-US" altLang="zh-CN" sz="1300" dirty="0"/>
+              <a:t>Configure</a:t>
+            </a:r>
+            <a:r>
+              <a:rPr lang="zh-CN" altLang="en-US" sz="1300" dirty="0"/>
+              <a:t>方法进行中间件的注册。当针对所有</a:t>
+            </a:r>
+            <a:r>
+              <a:rPr lang="en-US" altLang="zh-CN" sz="1300" dirty="0" err="1"/>
+              <a:t>StartupFilter</a:t>
+            </a:r>
+            <a:r>
+              <a:rPr lang="zh-CN" altLang="en-US" sz="1300" dirty="0"/>
+              <a:t>的调用都结束之后，</a:t>
+            </a:r>
+            <a:r>
+              <a:rPr lang="en-US" altLang="zh-CN" sz="1300" dirty="0" err="1"/>
+              <a:t>WebHost</a:t>
+            </a:r>
+            <a:r>
+              <a:rPr lang="zh-CN" altLang="en-US" sz="1300" dirty="0"/>
+              <a:t>才会选择调用</a:t>
+            </a:r>
+            <a:r>
+              <a:rPr lang="en-US" altLang="zh-CN" sz="1300" dirty="0"/>
+              <a:t>Startup</a:t>
+            </a:r>
+            <a:r>
+              <a:rPr lang="zh-CN" altLang="en-US" sz="1300" dirty="0"/>
+              <a:t>对象的</a:t>
+            </a:r>
+            <a:r>
+              <a:rPr lang="en-US" altLang="zh-CN" sz="1300" dirty="0"/>
+              <a:t>Configure</a:t>
+            </a:r>
+            <a:r>
+              <a:rPr lang="zh-CN" altLang="en-US" sz="1300" dirty="0"/>
+              <a:t>方法。对于通过这两种形式注册的中间件，如果对应的是一个遵循约定的中间件类型的话，</a:t>
+            </a:r>
+            <a:r>
+              <a:rPr lang="en-US" altLang="zh-CN" sz="1300" dirty="0" err="1"/>
+              <a:t>WebHost</a:t>
+            </a:r>
+            <a:r>
+              <a:rPr lang="zh-CN" altLang="en-US" sz="1300" dirty="0"/>
+              <a:t>同样会采用依赖注入的方式来实例化中间件对象，所以中间件类型的构造函数也是可以有参数的，这是对依赖注入的第二次应用。</a:t>
+            </a:r>
+            <a:endParaRPr lang="en-US" altLang="zh-CN" sz="1300" dirty="0"/>
+          </a:p>
+        </p:txBody>
+      </p:sp>
+      <p:pic>
+        <p:nvPicPr>
+          <p:cNvPr id="2" name="图片 1">
+            <a:extLst>
+              <a:ext uri="{FF2B5EF4-FFF2-40B4-BE49-F238E27FC236}">
+                <a16:creationId xmlns:a16="http://schemas.microsoft.com/office/drawing/2014/main" id="{F6DEFCD2-CA31-4DAF-9B0D-DC46A265FD34}"/>
+              </a:ext>
+            </a:extLst>
+          </p:cNvPr>
+          <p:cNvPicPr>
+            <a:picLocks noChangeAspect="1"/>
+          </p:cNvPicPr>
+          <p:nvPr/>
+        </p:nvPicPr>
+        <p:blipFill>
+          <a:blip r:embed="rId5"/>
+          <a:stretch>
+            <a:fillRect/>
+          </a:stretch>
+        </p:blipFill>
+        <p:spPr>
+          <a:xfrm>
+            <a:off x="971600" y="2585322"/>
+            <a:ext cx="5472608" cy="2008582"/>
+          </a:xfrm>
+          <a:prstGeom prst="rect">
+            <a:avLst/>
+          </a:prstGeom>
+        </p:spPr>
+      </p:pic>
+    </p:spTree>
+    <p:extLst>
+      <p:ext uri="{BB962C8B-B14F-4D97-AF65-F5344CB8AC3E}">
+        <p14:creationId xmlns:p14="http://schemas.microsoft.com/office/powerpoint/2010/main" val="4013687114"/>
+      </p:ext>
+    </p:extLst>
+  </p:cSld>
+  <p:clrMapOvr>
+    <a:masterClrMapping/>
+  </p:clrMapOvr>
+</p:sld>
+</file>
+
+<file path=ppt/slides/slide19.xml><?xml version="1.0" encoding="utf-8"?>
+<p:sld xmlns:a="http://schemas.openxmlformats.org/drawingml/2006/main" xmlns:r="http://schemas.openxmlformats.org/officeDocument/2006/relationships" xmlns:p="http://schemas.openxmlformats.org/presentationml/2006/main">
+  <p:cSld>
+    <p:spTree>
+      <p:nvGrpSpPr>
+        <p:cNvPr id="1" name=""/>
+        <p:cNvGrpSpPr/>
+        <p:nvPr/>
+      </p:nvGrpSpPr>
+      <p:grpSpPr>
+        <a:xfrm>
+          <a:off x="0" y="0"/>
+          <a:ext cx="0" cy="0"/>
+          <a:chOff x="0" y="0"/>
+          <a:chExt cx="0" cy="0"/>
+        </a:xfrm>
+      </p:grpSpPr>
+      <p:sp>
+        <p:nvSpPr>
+          <p:cNvPr id="5" name="TextBox 4"/>
+          <p:cNvSpPr txBox="1"/>
+          <p:nvPr/>
+        </p:nvSpPr>
+        <p:spPr>
+          <a:xfrm>
+            <a:off x="611560" y="411510"/>
+            <a:ext cx="4680520" cy="400110"/>
+          </a:xfrm>
+          <a:prstGeom prst="rect">
+            <a:avLst/>
+          </a:prstGeom>
+          <a:noFill/>
+        </p:spPr>
+        <p:txBody>
+          <a:bodyPr wrap="square" rtlCol="0">
+            <a:spAutoFit/>
+          </a:bodyPr>
+          <a:lstStyle/>
+          <a:p>
+            <a:r>
+              <a:rPr lang="en-US" altLang="zh-CN" sz="2000" i="1" dirty="0"/>
+              <a:t>1.</a:t>
+            </a:r>
+            <a:r>
+              <a:rPr lang="zh-CN" altLang="en-US" sz="2000" i="1" dirty="0"/>
+              <a:t>实例注册</a:t>
+            </a:r>
+            <a:endParaRPr lang="zh-CN" altLang="en-US" sz="2000" b="1" dirty="0">
+              <a:latin typeface="微软雅黑" pitchFamily="34" charset="-122"/>
+              <a:ea typeface="微软雅黑" pitchFamily="34" charset="-122"/>
+            </a:endParaRPr>
+          </a:p>
+        </p:txBody>
+      </p:sp>
+      <p:pic>
+        <p:nvPicPr>
+          <p:cNvPr id="6" name="图片 5" descr="矢量智能对象.png"/>
+          <p:cNvPicPr>
+            <a:picLocks noChangeAspect="1"/>
+          </p:cNvPicPr>
+          <p:nvPr/>
+        </p:nvPicPr>
+        <p:blipFill>
+          <a:blip r:embed="rId3" cstate="print"/>
+          <a:stretch>
+            <a:fillRect/>
+          </a:stretch>
+        </p:blipFill>
+        <p:spPr>
+          <a:xfrm>
+            <a:off x="8244408" y="288032"/>
+            <a:ext cx="487504" cy="349205"/>
+          </a:xfrm>
+          <a:prstGeom prst="rect">
+            <a:avLst/>
+          </a:prstGeom>
+        </p:spPr>
+      </p:pic>
+      <p:pic>
+        <p:nvPicPr>
+          <p:cNvPr id="8" name="图片 7" descr="矢量智能对象.png"/>
+          <p:cNvPicPr>
+            <a:picLocks noChangeAspect="1"/>
+          </p:cNvPicPr>
+          <p:nvPr/>
+        </p:nvPicPr>
+        <p:blipFill>
+          <a:blip r:embed="rId4" cstate="print"/>
+          <a:stretch>
+            <a:fillRect/>
+          </a:stretch>
+        </p:blipFill>
+        <p:spPr>
+          <a:xfrm>
+            <a:off x="0" y="4659982"/>
+            <a:ext cx="9144000" cy="504056"/>
+          </a:xfrm>
+          <a:prstGeom prst="rect">
+            <a:avLst/>
+          </a:prstGeom>
+        </p:spPr>
+      </p:pic>
+      <p:sp>
+        <p:nvSpPr>
+          <p:cNvPr id="9" name="TextBox 8"/>
+          <p:cNvSpPr txBox="1"/>
+          <p:nvPr/>
+        </p:nvSpPr>
+        <p:spPr>
+          <a:xfrm>
+            <a:off x="611560" y="1089196"/>
+            <a:ext cx="6192688" cy="1492716"/>
+          </a:xfrm>
+          <a:prstGeom prst="rect">
+            <a:avLst/>
+          </a:prstGeom>
+          <a:noFill/>
+        </p:spPr>
+        <p:txBody>
+          <a:bodyPr wrap="square" rtlCol="0">
+            <a:spAutoFit/>
+          </a:bodyPr>
+          <a:lstStyle/>
+          <a:p>
+            <a:pPr>
+              <a:buFont typeface="Wingdings" panose="05000000000000000000" pitchFamily="2" charset="2"/>
+              <a:buChar char="Ø"/>
+            </a:pPr>
+            <a:r>
+              <a:rPr lang="zh-CN" altLang="en-US" sz="1300" dirty="0"/>
+              <a:t>到所有中间件都被注册之后，</a:t>
+            </a:r>
+            <a:r>
+              <a:rPr lang="en-US" altLang="zh-CN" sz="1300" dirty="0" err="1"/>
+              <a:t>WebHost</a:t>
+            </a:r>
+            <a:r>
+              <a:rPr lang="zh-CN" altLang="en-US" sz="1300" dirty="0"/>
+              <a:t>会调用</a:t>
+            </a:r>
+            <a:r>
+              <a:rPr lang="en-US" altLang="zh-CN" sz="1300" dirty="0" err="1"/>
+              <a:t>ApplicationBuilder</a:t>
+            </a:r>
+            <a:r>
+              <a:rPr lang="zh-CN" altLang="en-US" sz="1300" dirty="0"/>
+              <a:t>的</a:t>
+            </a:r>
+            <a:r>
+              <a:rPr lang="en-US" altLang="zh-CN" sz="1300" dirty="0"/>
+              <a:t>Build</a:t>
+            </a:r>
+            <a:r>
+              <a:rPr lang="zh-CN" altLang="en-US" sz="1300" dirty="0"/>
+              <a:t>方法生成一个</a:t>
+            </a:r>
+            <a:r>
+              <a:rPr lang="en-US" altLang="zh-CN" sz="1300" dirty="0" err="1"/>
+              <a:t>RequestDelegate</a:t>
+            </a:r>
+            <a:r>
+              <a:rPr lang="zh-CN" altLang="en-US" sz="1300" dirty="0"/>
+              <a:t>对象，这个对象体现了所有中间件组成一个有序链表。接下来，</a:t>
+            </a:r>
+            <a:r>
+              <a:rPr lang="en-US" altLang="zh-CN" sz="1300" dirty="0" err="1"/>
+              <a:t>WebHost</a:t>
+            </a:r>
+            <a:r>
+              <a:rPr lang="zh-CN" altLang="en-US" sz="1300" dirty="0"/>
+              <a:t>利用这个</a:t>
+            </a:r>
+            <a:r>
+              <a:rPr lang="en-US" altLang="zh-CN" sz="1300" dirty="0" err="1"/>
+              <a:t>RequestDelegate</a:t>
+            </a:r>
+            <a:r>
+              <a:rPr lang="zh-CN" altLang="en-US" sz="1300" dirty="0"/>
+              <a:t>对象创建一个</a:t>
+            </a:r>
+            <a:r>
+              <a:rPr lang="en-US" altLang="zh-CN" sz="1300" dirty="0" err="1"/>
+              <a:t>HttpApplication</a:t>
+            </a:r>
+            <a:r>
+              <a:rPr lang="zh-CN" altLang="en-US" sz="1300" dirty="0"/>
+              <a:t>对象（默认创建的是一个</a:t>
+            </a:r>
+            <a:r>
+              <a:rPr lang="en-US" altLang="zh-CN" sz="1300" dirty="0" err="1"/>
+              <a:t>HostingHttpApplication</a:t>
+            </a:r>
+            <a:r>
+              <a:rPr lang="zh-CN" altLang="en-US" sz="1300" dirty="0"/>
+              <a:t>对象）。随后，</a:t>
+            </a:r>
+            <a:r>
+              <a:rPr lang="en-US" altLang="zh-CN" sz="1300" dirty="0" err="1"/>
+              <a:t>WebHost</a:t>
+            </a:r>
+            <a:r>
+              <a:rPr lang="zh-CN" altLang="en-US" sz="1300" dirty="0"/>
+              <a:t>利用</a:t>
+            </a:r>
+            <a:r>
+              <a:rPr lang="en-US" altLang="zh-CN" sz="1300" dirty="0" err="1"/>
+              <a:t>ServiceProvider</a:t>
+            </a:r>
+            <a:r>
+              <a:rPr lang="zh-CN" altLang="en-US" sz="1300" dirty="0"/>
+              <a:t>提取出最初注册在</a:t>
+            </a:r>
+            <a:r>
+              <a:rPr lang="en-US" altLang="zh-CN" sz="1300" dirty="0" err="1"/>
+              <a:t>WebHostBuilder</a:t>
+            </a:r>
+            <a:r>
+              <a:rPr lang="zh-CN" altLang="en-US" sz="1300" dirty="0"/>
+              <a:t>上的服务器，并将</a:t>
+            </a:r>
+            <a:r>
+              <a:rPr lang="en-US" altLang="zh-CN" sz="1300" dirty="0" err="1"/>
+              <a:t>HttpApplication</a:t>
+            </a:r>
+            <a:r>
+              <a:rPr lang="zh-CN" altLang="en-US" sz="1300" dirty="0"/>
+              <a:t>对象作为参数调用其</a:t>
+            </a:r>
+            <a:r>
+              <a:rPr lang="en-US" altLang="zh-CN" sz="1300" dirty="0"/>
+              <a:t>Start</a:t>
+            </a:r>
+            <a:r>
+              <a:rPr lang="zh-CN" altLang="en-US" sz="1300" dirty="0"/>
+              <a:t>方法启动该服务器。从此，这个以服务器和注册中间件构成的管道被成功创建出来，服务器随之开始绑定到指定的监听地址监听来自网络的请求。</a:t>
+            </a:r>
+            <a:endParaRPr lang="en-US" altLang="zh-CN" sz="1300" dirty="0"/>
+          </a:p>
+        </p:txBody>
+      </p:sp>
+      <p:pic>
+        <p:nvPicPr>
+          <p:cNvPr id="5122" name="Picture 2" descr="2">
+            <a:extLst>
+              <a:ext uri="{FF2B5EF4-FFF2-40B4-BE49-F238E27FC236}">
+                <a16:creationId xmlns:a16="http://schemas.microsoft.com/office/drawing/2014/main" id="{045AF14A-4A74-4629-BE17-F9E3C523B8E9}"/>
+              </a:ext>
+            </a:extLst>
+          </p:cNvPr>
+          <p:cNvPicPr>
+            <a:picLocks noChangeAspect="1" noChangeArrowheads="1"/>
+          </p:cNvPicPr>
+          <p:nvPr/>
+        </p:nvPicPr>
+        <p:blipFill>
+          <a:blip r:embed="rId5">
+            <a:extLst>
+              <a:ext uri="{28A0092B-C50C-407E-A947-70E740481C1C}">
+                <a14:useLocalDpi xmlns:a14="http://schemas.microsoft.com/office/drawing/2010/main" val="0"/>
+              </a:ext>
+            </a:extLst>
+          </a:blip>
+          <a:srcRect/>
+          <a:stretch>
+            <a:fillRect/>
+          </a:stretch>
+        </p:blipFill>
+        <p:spPr bwMode="auto">
+          <a:xfrm>
+            <a:off x="683568" y="2571750"/>
+            <a:ext cx="4608512" cy="2050788"/>
+          </a:xfrm>
+          <a:prstGeom prst="rect">
+            <a:avLst/>
+          </a:prstGeom>
+          <a:noFill/>
+          <a:extLst>
+            <a:ext uri="{909E8E84-426E-40DD-AFC4-6F175D3DCCD1}">
+              <a14:hiddenFill xmlns:a14="http://schemas.microsoft.com/office/drawing/2010/main">
+                <a:solidFill>
+                  <a:srgbClr val="FFFFFF"/>
+                </a:solidFill>
+              </a14:hiddenFill>
+            </a:ext>
+          </a:extLst>
+        </p:spPr>
+      </p:pic>
+    </p:spTree>
+    <p:extLst>
+      <p:ext uri="{BB962C8B-B14F-4D97-AF65-F5344CB8AC3E}">
+        <p14:creationId xmlns:p14="http://schemas.microsoft.com/office/powerpoint/2010/main" val="2953153524"/>
+      </p:ext>
+    </p:extLst>
+  </p:cSld>
+  <p:clrMapOvr>
+    <a:masterClrMapping/>
+  </p:clrMapOvr>
+</p:sld>
+</file>
+
+<file path=ppt/slides/slide2.xml><?xml version="1.0" encoding="utf-8"?>
+<p:sld xmlns:a="http://schemas.openxmlformats.org/drawingml/2006/main" xmlns:r="http://schemas.openxmlformats.org/officeDocument/2006/relationships" xmlns:p="http://schemas.openxmlformats.org/presentationml/2006/main">
+  <p:cSld>
+    <p:spTree>
+      <p:nvGrpSpPr>
+        <p:cNvPr id="1" name=""/>
+        <p:cNvGrpSpPr/>
+        <p:nvPr/>
+      </p:nvGrpSpPr>
+      <p:grpSpPr>
+        <a:xfrm>
+          <a:off x="0" y="0"/>
+          <a:ext cx="0" cy="0"/>
+          <a:chOff x="0" y="0"/>
+          <a:chExt cx="0" cy="0"/>
+        </a:xfrm>
+      </p:grpSpPr>
+      <p:pic>
+        <p:nvPicPr>
+          <p:cNvPr id="4" name="图片 3" descr="矢量智能对象.png"/>
+          <p:cNvPicPr>
+            <a:picLocks noChangeAspect="1"/>
+          </p:cNvPicPr>
+          <p:nvPr/>
+        </p:nvPicPr>
+        <p:blipFill>
+          <a:blip r:embed="rId3" cstate="print"/>
+          <a:stretch>
+            <a:fillRect/>
+          </a:stretch>
+        </p:blipFill>
+        <p:spPr>
+          <a:xfrm>
+            <a:off x="0" y="2833687"/>
+            <a:ext cx="9144000" cy="2309813"/>
+          </a:xfrm>
+          <a:prstGeom prst="rect">
+            <a:avLst/>
+          </a:prstGeom>
+        </p:spPr>
+      </p:pic>
+      <p:sp>
+        <p:nvSpPr>
+          <p:cNvPr id="5" name="TextBox 4"/>
+          <p:cNvSpPr txBox="1"/>
+          <p:nvPr/>
+        </p:nvSpPr>
+        <p:spPr>
+          <a:xfrm>
+            <a:off x="611560" y="699542"/>
+            <a:ext cx="4680520" cy="523220"/>
+          </a:xfrm>
+          <a:prstGeom prst="rect">
+            <a:avLst/>
+          </a:prstGeom>
+          <a:noFill/>
+        </p:spPr>
+        <p:txBody>
+          <a:bodyPr wrap="square" rtlCol="0">
+            <a:spAutoFit/>
+          </a:bodyPr>
+          <a:lstStyle/>
+          <a:p>
+            <a:r>
+              <a:rPr lang="zh-CN" altLang="en-US" sz="2800" b="1" i="1" dirty="0">
+                <a:latin typeface="微软雅黑" pitchFamily="34" charset="-122"/>
+                <a:ea typeface="微软雅黑" pitchFamily="34" charset="-122"/>
+              </a:rPr>
+              <a:t>概括</a:t>
+            </a:r>
+            <a:endParaRPr lang="zh-CN" altLang="en-US" sz="2800" b="1" dirty="0">
+              <a:latin typeface="微软雅黑" pitchFamily="34" charset="-122"/>
+              <a:ea typeface="微软雅黑" pitchFamily="34" charset="-122"/>
+            </a:endParaRPr>
+          </a:p>
+        </p:txBody>
+      </p:sp>
+      <p:pic>
+        <p:nvPicPr>
+          <p:cNvPr id="6" name="图片 5" descr="矢量智能对象.png"/>
+          <p:cNvPicPr>
+            <a:picLocks noChangeAspect="1"/>
+          </p:cNvPicPr>
+          <p:nvPr/>
+        </p:nvPicPr>
+        <p:blipFill>
+          <a:blip r:embed="rId4" cstate="print"/>
+          <a:stretch>
+            <a:fillRect/>
+          </a:stretch>
+        </p:blipFill>
+        <p:spPr>
+          <a:xfrm>
+            <a:off x="8244408" y="288032"/>
+            <a:ext cx="487504" cy="349205"/>
+          </a:xfrm>
+          <a:prstGeom prst="rect">
+            <a:avLst/>
+          </a:prstGeom>
+        </p:spPr>
+      </p:pic>
+      <p:graphicFrame>
+        <p:nvGraphicFramePr>
+          <p:cNvPr id="9" name="图示 8">
+            <a:extLst>
+              <a:ext uri="{FF2B5EF4-FFF2-40B4-BE49-F238E27FC236}">
+                <a16:creationId xmlns:a16="http://schemas.microsoft.com/office/drawing/2014/main" id="{1805759F-5D1F-4B0F-A342-79AC01B8BB66}"/>
+              </a:ext>
+            </a:extLst>
+          </p:cNvPr>
+          <p:cNvGraphicFramePr/>
+          <p:nvPr>
+            <p:extLst>
+              <p:ext uri="{D42A27DB-BD31-4B8C-83A1-F6EECF244321}">
+                <p14:modId xmlns:p14="http://schemas.microsoft.com/office/powerpoint/2010/main" val="1087310875"/>
+              </p:ext>
+            </p:extLst>
+          </p:nvPr>
+        </p:nvGraphicFramePr>
+        <p:xfrm>
+          <a:off x="1475656" y="1347614"/>
+          <a:ext cx="5064224" cy="2608064"/>
+        </p:xfrm>
+        <a:graphic>
+          <a:graphicData uri="http://schemas.openxmlformats.org/drawingml/2006/diagram">
+            <dgm:relIds xmlns:dgm="http://schemas.openxmlformats.org/drawingml/2006/diagram" xmlns:r="http://schemas.openxmlformats.org/officeDocument/2006/relationships" r:dm="rId5" r:lo="rId6" r:qs="rId7" r:cs="rId8"/>
+          </a:graphicData>
+        </a:graphic>
+      </p:graphicFrame>
+    </p:spTree>
+  </p:cSld>
+  <p:clrMapOvr>
+    <a:masterClrMapping/>
+  </p:clrMapOvr>
+</p:sld>
+</file>
+
+<file path=ppt/slides/slide20.xml><?xml version="1.0" encoding="utf-8"?>
+<p:sld xmlns:a="http://schemas.openxmlformats.org/drawingml/2006/main" xmlns:r="http://schemas.openxmlformats.org/officeDocument/2006/relationships" xmlns:p="http://schemas.openxmlformats.org/presentationml/2006/main">
+  <p:cSld>
+    <p:spTree>
+      <p:nvGrpSpPr>
+        <p:cNvPr id="1" name=""/>
+        <p:cNvGrpSpPr/>
+        <p:nvPr/>
+      </p:nvGrpSpPr>
+      <p:grpSpPr>
+        <a:xfrm>
+          <a:off x="0" y="0"/>
+          <a:ext cx="0" cy="0"/>
+          <a:chOff x="0" y="0"/>
+          <a:chExt cx="0" cy="0"/>
+        </a:xfrm>
+      </p:grpSpPr>
+      <p:sp>
+        <p:nvSpPr>
+          <p:cNvPr id="5" name="TextBox 4"/>
+          <p:cNvSpPr txBox="1"/>
+          <p:nvPr/>
+        </p:nvSpPr>
+        <p:spPr>
+          <a:xfrm>
+            <a:off x="611560" y="411510"/>
+            <a:ext cx="4680520" cy="400110"/>
+          </a:xfrm>
+          <a:prstGeom prst="rect">
+            <a:avLst/>
+          </a:prstGeom>
+          <a:noFill/>
+        </p:spPr>
+        <p:txBody>
+          <a:bodyPr wrap="square" rtlCol="0">
+            <a:spAutoFit/>
+          </a:bodyPr>
+          <a:lstStyle/>
+          <a:p>
+            <a:r>
+              <a:rPr lang="en-US" altLang="zh-CN" sz="2000" i="1" dirty="0"/>
+              <a:t>1.</a:t>
+            </a:r>
+            <a:r>
+              <a:rPr lang="zh-CN" altLang="en-US" sz="2000" i="1" dirty="0"/>
+              <a:t>实例注册</a:t>
+            </a:r>
+            <a:endParaRPr lang="zh-CN" altLang="en-US" sz="2000" b="1" dirty="0">
+              <a:latin typeface="微软雅黑" pitchFamily="34" charset="-122"/>
+              <a:ea typeface="微软雅黑" pitchFamily="34" charset="-122"/>
+            </a:endParaRPr>
+          </a:p>
+        </p:txBody>
+      </p:sp>
+      <p:pic>
+        <p:nvPicPr>
+          <p:cNvPr id="6" name="图片 5" descr="矢量智能对象.png"/>
+          <p:cNvPicPr>
+            <a:picLocks noChangeAspect="1"/>
+          </p:cNvPicPr>
+          <p:nvPr/>
+        </p:nvPicPr>
+        <p:blipFill>
+          <a:blip r:embed="rId3" cstate="print"/>
+          <a:stretch>
+            <a:fillRect/>
+          </a:stretch>
+        </p:blipFill>
+        <p:spPr>
+          <a:xfrm>
+            <a:off x="8244408" y="288032"/>
+            <a:ext cx="487504" cy="349205"/>
+          </a:xfrm>
+          <a:prstGeom prst="rect">
+            <a:avLst/>
+          </a:prstGeom>
+        </p:spPr>
+      </p:pic>
+      <p:pic>
+        <p:nvPicPr>
+          <p:cNvPr id="8" name="图片 7" descr="矢量智能对象.png"/>
+          <p:cNvPicPr>
+            <a:picLocks noChangeAspect="1"/>
+          </p:cNvPicPr>
+          <p:nvPr/>
+        </p:nvPicPr>
+        <p:blipFill>
+          <a:blip r:embed="rId4" cstate="print"/>
+          <a:stretch>
+            <a:fillRect/>
+          </a:stretch>
+        </p:blipFill>
+        <p:spPr>
+          <a:xfrm>
+            <a:off x="0" y="4659982"/>
+            <a:ext cx="9144000" cy="504056"/>
+          </a:xfrm>
+          <a:prstGeom prst="rect">
+            <a:avLst/>
+          </a:prstGeom>
+        </p:spPr>
+      </p:pic>
+      <p:sp>
+        <p:nvSpPr>
+          <p:cNvPr id="9" name="TextBox 8"/>
+          <p:cNvSpPr txBox="1"/>
+          <p:nvPr/>
+        </p:nvSpPr>
+        <p:spPr>
+          <a:xfrm>
+            <a:off x="611560" y="1076703"/>
+            <a:ext cx="6192688" cy="2292935"/>
+          </a:xfrm>
+          <a:prstGeom prst="rect">
+            <a:avLst/>
+          </a:prstGeom>
+          <a:noFill/>
+        </p:spPr>
+        <p:txBody>
+          <a:bodyPr wrap="square" rtlCol="0">
+            <a:spAutoFit/>
+          </a:bodyPr>
+          <a:lstStyle/>
+          <a:p>
+            <a:pPr>
+              <a:buFont typeface="Wingdings" panose="05000000000000000000" pitchFamily="2" charset="2"/>
+              <a:buChar char="Ø"/>
+            </a:pPr>
+            <a:r>
+              <a:rPr lang="zh-CN" altLang="en-US" sz="1300" dirty="0"/>
+              <a:t>生命周期管理：实例的注册与回收</a:t>
+            </a:r>
+            <a:endParaRPr lang="en-US" altLang="zh-CN" sz="1300" dirty="0"/>
+          </a:p>
+          <a:p>
+            <a:pPr>
+              <a:buFont typeface="Wingdings" panose="05000000000000000000" pitchFamily="2" charset="2"/>
+              <a:buChar char="Ø"/>
+            </a:pPr>
+            <a:endParaRPr lang="en-US" altLang="zh-CN" sz="1300" dirty="0"/>
+          </a:p>
+          <a:p>
+            <a:pPr>
+              <a:buFont typeface="Wingdings" panose="05000000000000000000" pitchFamily="2" charset="2"/>
+              <a:buChar char="Ø"/>
+            </a:pPr>
+            <a:r>
+              <a:rPr lang="zh-CN" altLang="en-US" sz="1300" dirty="0"/>
+              <a:t>生命周期管理决定了</a:t>
+            </a:r>
+            <a:r>
+              <a:rPr lang="en-US" altLang="zh-CN" sz="1300" dirty="0" err="1"/>
+              <a:t>ServiceProvider</a:t>
+            </a:r>
+            <a:r>
+              <a:rPr lang="zh-CN" altLang="en-US" sz="1300" dirty="0"/>
+              <a:t>采用怎样的方式创建和回收服务实例。</a:t>
+            </a:r>
+            <a:r>
+              <a:rPr lang="en-US" altLang="zh-CN" sz="1300" dirty="0" err="1"/>
+              <a:t>ServiceProvider</a:t>
+            </a:r>
+            <a:r>
+              <a:rPr lang="zh-CN" altLang="en-US" sz="1300" dirty="0"/>
+              <a:t>具有三种基本的生命周期管理模式，分别对应着枚举类型</a:t>
+            </a:r>
+            <a:r>
+              <a:rPr lang="en-US" altLang="zh-CN" sz="1300" dirty="0" err="1"/>
+              <a:t>ServiceLifetime</a:t>
+            </a:r>
+            <a:r>
+              <a:rPr lang="zh-CN" altLang="en-US" sz="1300" dirty="0"/>
+              <a:t>的三个选项（</a:t>
+            </a:r>
+            <a:r>
+              <a:rPr lang="en-US" altLang="zh-CN" sz="1300" dirty="0"/>
+              <a:t>Singleton</a:t>
+            </a:r>
+            <a:r>
+              <a:rPr lang="zh-CN" altLang="en-US" sz="1300" dirty="0"/>
+              <a:t>、</a:t>
+            </a:r>
+            <a:r>
+              <a:rPr lang="en-US" altLang="zh-CN" sz="1300" dirty="0"/>
+              <a:t>Scoped</a:t>
+            </a:r>
+            <a:r>
+              <a:rPr lang="zh-CN" altLang="en-US" sz="1300" dirty="0"/>
+              <a:t>和</a:t>
+            </a:r>
+            <a:r>
+              <a:rPr lang="en-US" altLang="zh-CN" sz="1300" dirty="0"/>
+              <a:t>Transient</a:t>
+            </a:r>
+            <a:r>
+              <a:rPr lang="zh-CN" altLang="en-US" sz="1300" dirty="0"/>
+              <a:t>）。</a:t>
+            </a:r>
+            <a:endParaRPr lang="en-US" altLang="zh-CN" sz="1300" dirty="0"/>
+          </a:p>
+          <a:p>
+            <a:pPr>
+              <a:buFont typeface="Wingdings" panose="05000000000000000000" pitchFamily="2" charset="2"/>
+              <a:buChar char="Ø"/>
+            </a:pPr>
+            <a:endParaRPr lang="en-US" altLang="zh-CN" sz="1300" dirty="0"/>
+          </a:p>
+          <a:p>
+            <a:pPr>
+              <a:buFont typeface="Wingdings" panose="05000000000000000000" pitchFamily="2" charset="2"/>
+              <a:buChar char="Ø"/>
+            </a:pPr>
+            <a:r>
+              <a:rPr lang="zh-CN" altLang="en-US" sz="1300" dirty="0"/>
+              <a:t>对于</a:t>
+            </a:r>
+            <a:r>
+              <a:rPr lang="en-US" altLang="zh-CN" sz="1300" dirty="0" err="1"/>
+              <a:t>ServiceProvider</a:t>
+            </a:r>
+            <a:r>
+              <a:rPr lang="zh-CN" altLang="en-US" sz="1300" dirty="0"/>
+              <a:t>支持的这三种生命周期管理模式，</a:t>
+            </a:r>
+            <a:r>
+              <a:rPr lang="en-US" altLang="zh-CN" sz="1300" dirty="0"/>
+              <a:t>Singleton</a:t>
+            </a:r>
+            <a:r>
+              <a:rPr lang="zh-CN" altLang="en-US" sz="1300" dirty="0"/>
+              <a:t>和</a:t>
+            </a:r>
+            <a:r>
+              <a:rPr lang="en-US" altLang="zh-CN" sz="1300" dirty="0"/>
+              <a:t>Transient</a:t>
+            </a:r>
+            <a:r>
+              <a:rPr lang="zh-CN" altLang="en-US" sz="1300" dirty="0"/>
+              <a:t>的语义很明确，前者（</a:t>
+            </a:r>
+            <a:r>
+              <a:rPr lang="en-US" altLang="zh-CN" sz="1300" dirty="0"/>
+              <a:t>Singleton</a:t>
+            </a:r>
+            <a:r>
+              <a:rPr lang="zh-CN" altLang="en-US" sz="1300" dirty="0"/>
+              <a:t>）表示以“单例”的方式管理服务实例的生命周期，意味着</a:t>
+            </a:r>
+            <a:r>
+              <a:rPr lang="en-US" altLang="zh-CN" sz="1300" dirty="0" err="1"/>
+              <a:t>ServiceProvider</a:t>
+            </a:r>
+            <a:r>
+              <a:rPr lang="zh-CN" altLang="en-US" sz="1300" dirty="0"/>
+              <a:t>对象多次针对同一个服务类型所提供的服务实例实际上是同一个对象；而后者（</a:t>
+            </a:r>
+            <a:r>
+              <a:rPr lang="en-US" altLang="zh-CN" sz="1300" dirty="0"/>
+              <a:t>Transient</a:t>
+            </a:r>
+            <a:r>
+              <a:rPr lang="zh-CN" altLang="en-US" sz="1300" dirty="0"/>
+              <a:t>）则完全相反，对于每次服务提供请求，</a:t>
+            </a:r>
+            <a:endParaRPr lang="en-US" altLang="zh-CN" sz="1300" dirty="0"/>
+          </a:p>
+          <a:p>
+            <a:r>
+              <a:rPr lang="en-US" altLang="zh-CN" sz="1300" dirty="0" err="1"/>
+              <a:t>ServiceProvider</a:t>
+            </a:r>
+            <a:r>
+              <a:rPr lang="zh-CN" altLang="en-US" sz="1300" dirty="0"/>
+              <a:t>总会创建一个新的对象。</a:t>
+            </a:r>
+            <a:endParaRPr lang="en-US" altLang="zh-CN" sz="1300" dirty="0"/>
+          </a:p>
+        </p:txBody>
+      </p:sp>
+      <p:pic>
+        <p:nvPicPr>
+          <p:cNvPr id="4" name="图片 3">
+            <a:extLst>
+              <a:ext uri="{FF2B5EF4-FFF2-40B4-BE49-F238E27FC236}">
+                <a16:creationId xmlns:a16="http://schemas.microsoft.com/office/drawing/2014/main" id="{EDFC4166-6BB0-405A-A118-4EF1E82C8B6F}"/>
+              </a:ext>
+            </a:extLst>
+          </p:cNvPr>
+          <p:cNvPicPr>
+            <a:picLocks noChangeAspect="1"/>
+          </p:cNvPicPr>
+          <p:nvPr/>
+        </p:nvPicPr>
+        <p:blipFill>
+          <a:blip r:embed="rId5"/>
+          <a:stretch>
+            <a:fillRect/>
+          </a:stretch>
+        </p:blipFill>
+        <p:spPr>
+          <a:xfrm>
+            <a:off x="5203520" y="2992199"/>
+            <a:ext cx="3528392" cy="1667783"/>
+          </a:xfrm>
+          <a:prstGeom prst="rect">
+            <a:avLst/>
+          </a:prstGeom>
+        </p:spPr>
+      </p:pic>
+    </p:spTree>
+    <p:extLst>
+      <p:ext uri="{BB962C8B-B14F-4D97-AF65-F5344CB8AC3E}">
+        <p14:creationId xmlns:p14="http://schemas.microsoft.com/office/powerpoint/2010/main" val="1391736828"/>
+      </p:ext>
+    </p:extLst>
+  </p:cSld>
+  <p:clrMapOvr>
+    <a:masterClrMapping/>
+  </p:clrMapOvr>
+</p:sld>
+</file>
+
+<file path=ppt/slides/slide21.xml><?xml version="1.0" encoding="utf-8"?>
+<p:sld xmlns:a="http://schemas.openxmlformats.org/drawingml/2006/main" xmlns:r="http://schemas.openxmlformats.org/officeDocument/2006/relationships" xmlns:p="http://schemas.openxmlformats.org/presentationml/2006/main">
+  <p:cSld>
+    <p:spTree>
+      <p:nvGrpSpPr>
+        <p:cNvPr id="1" name=""/>
+        <p:cNvGrpSpPr/>
+        <p:nvPr/>
+      </p:nvGrpSpPr>
+      <p:grpSpPr>
+        <a:xfrm>
+          <a:off x="0" y="0"/>
+          <a:ext cx="0" cy="0"/>
+          <a:chOff x="0" y="0"/>
+          <a:chExt cx="0" cy="0"/>
+        </a:xfrm>
+      </p:grpSpPr>
+      <p:sp>
+        <p:nvSpPr>
+          <p:cNvPr id="5" name="TextBox 4"/>
+          <p:cNvSpPr txBox="1"/>
+          <p:nvPr/>
+        </p:nvSpPr>
+        <p:spPr>
+          <a:xfrm>
+            <a:off x="611560" y="411510"/>
+            <a:ext cx="4680520" cy="400110"/>
+          </a:xfrm>
+          <a:prstGeom prst="rect">
+            <a:avLst/>
+          </a:prstGeom>
+          <a:noFill/>
+        </p:spPr>
+        <p:txBody>
+          <a:bodyPr wrap="square" rtlCol="0">
+            <a:spAutoFit/>
+          </a:bodyPr>
+          <a:lstStyle/>
+          <a:p>
+            <a:r>
+              <a:rPr lang="en-US" altLang="zh-CN" sz="2000" i="1" dirty="0"/>
+              <a:t>1.</a:t>
+            </a:r>
+            <a:r>
+              <a:rPr lang="zh-CN" altLang="en-US" sz="2000" i="1" dirty="0"/>
+              <a:t>实例注册</a:t>
+            </a:r>
+            <a:endParaRPr lang="zh-CN" altLang="en-US" sz="2000" b="1" dirty="0">
+              <a:latin typeface="微软雅黑" pitchFamily="34" charset="-122"/>
+              <a:ea typeface="微软雅黑" pitchFamily="34" charset="-122"/>
+            </a:endParaRPr>
+          </a:p>
+        </p:txBody>
+      </p:sp>
+      <p:pic>
+        <p:nvPicPr>
+          <p:cNvPr id="6" name="图片 5" descr="矢量智能对象.png"/>
+          <p:cNvPicPr>
+            <a:picLocks noChangeAspect="1"/>
+          </p:cNvPicPr>
+          <p:nvPr/>
+        </p:nvPicPr>
+        <p:blipFill>
+          <a:blip r:embed="rId3" cstate="print"/>
+          <a:stretch>
+            <a:fillRect/>
+          </a:stretch>
+        </p:blipFill>
+        <p:spPr>
+          <a:xfrm>
+            <a:off x="8244408" y="288032"/>
+            <a:ext cx="487504" cy="349205"/>
+          </a:xfrm>
+          <a:prstGeom prst="rect">
+            <a:avLst/>
+          </a:prstGeom>
+        </p:spPr>
+      </p:pic>
+      <p:pic>
+        <p:nvPicPr>
+          <p:cNvPr id="8" name="图片 7" descr="矢量智能对象.png"/>
+          <p:cNvPicPr>
+            <a:picLocks noChangeAspect="1"/>
+          </p:cNvPicPr>
+          <p:nvPr/>
+        </p:nvPicPr>
+        <p:blipFill>
+          <a:blip r:embed="rId4" cstate="print"/>
+          <a:stretch>
+            <a:fillRect/>
+          </a:stretch>
+        </p:blipFill>
+        <p:spPr>
+          <a:xfrm>
+            <a:off x="0" y="4659982"/>
+            <a:ext cx="9144000" cy="504056"/>
+          </a:xfrm>
+          <a:prstGeom prst="rect">
+            <a:avLst/>
+          </a:prstGeom>
+        </p:spPr>
+      </p:pic>
+      <p:sp>
+        <p:nvSpPr>
+          <p:cNvPr id="9" name="TextBox 8"/>
+          <p:cNvSpPr txBox="1"/>
+          <p:nvPr/>
+        </p:nvSpPr>
+        <p:spPr>
+          <a:xfrm>
+            <a:off x="611560" y="1489305"/>
+            <a:ext cx="6192688" cy="2092881"/>
+          </a:xfrm>
+          <a:prstGeom prst="rect">
+            <a:avLst/>
+          </a:prstGeom>
+          <a:noFill/>
+        </p:spPr>
+        <p:txBody>
+          <a:bodyPr wrap="square" rtlCol="0">
+            <a:spAutoFit/>
+          </a:bodyPr>
+          <a:lstStyle/>
+          <a:p>
+            <a:pPr>
+              <a:buFont typeface="Wingdings" panose="05000000000000000000" pitchFamily="2" charset="2"/>
+              <a:buChar char="Ø"/>
+            </a:pPr>
+            <a:r>
+              <a:rPr lang="en-US" altLang="zh-CN" sz="1300" dirty="0" err="1"/>
+              <a:t>ServiceProvider</a:t>
+            </a:r>
+            <a:r>
+              <a:rPr lang="zh-CN" altLang="en-US" sz="1300" dirty="0"/>
+              <a:t>支持的三种生命周期管理模式（</a:t>
+            </a:r>
+            <a:r>
+              <a:rPr lang="en-US" altLang="zh-CN" sz="1300" dirty="0"/>
+              <a:t>Singleton</a:t>
+            </a:r>
+            <a:r>
+              <a:rPr lang="zh-CN" altLang="en-US" sz="1300" dirty="0"/>
+              <a:t>、</a:t>
+            </a:r>
+            <a:r>
+              <a:rPr lang="en-US" altLang="zh-CN" sz="1300" dirty="0"/>
+              <a:t>Scope</a:t>
+            </a:r>
+            <a:r>
+              <a:rPr lang="zh-CN" altLang="en-US" sz="1300" dirty="0"/>
+              <a:t>和</a:t>
+            </a:r>
+            <a:r>
+              <a:rPr lang="en-US" altLang="zh-CN" sz="1300" dirty="0"/>
+              <a:t>Transient</a:t>
+            </a:r>
+            <a:r>
+              <a:rPr lang="zh-CN" altLang="en-US" sz="1300" dirty="0"/>
+              <a:t>），就服务实例的提供方式来说，它们之间具有如下的差异：</a:t>
+            </a:r>
+          </a:p>
+          <a:p>
+            <a:pPr>
+              <a:buFont typeface="Wingdings" panose="05000000000000000000" pitchFamily="2" charset="2"/>
+              <a:buChar char="Ø"/>
+            </a:pPr>
+            <a:endParaRPr lang="zh-CN" altLang="en-US" sz="1300" dirty="0"/>
+          </a:p>
+          <a:p>
+            <a:pPr>
+              <a:buFont typeface="Wingdings" panose="05000000000000000000" pitchFamily="2" charset="2"/>
+              <a:buChar char="Ø"/>
+            </a:pPr>
+            <a:r>
+              <a:rPr lang="en-US" altLang="zh-CN" sz="1300" dirty="0"/>
+              <a:t>Singleton</a:t>
+            </a:r>
+            <a:r>
+              <a:rPr lang="zh-CN" altLang="en-US" sz="1300" dirty="0"/>
+              <a:t>：</a:t>
+            </a:r>
+            <a:r>
+              <a:rPr lang="en-US" altLang="zh-CN" sz="1300" dirty="0" err="1"/>
+              <a:t>ServiceProvider</a:t>
+            </a:r>
+            <a:r>
+              <a:rPr lang="zh-CN" altLang="en-US" sz="1300" dirty="0"/>
+              <a:t>创建的服务实例保存在作为根节点的</a:t>
+            </a:r>
+            <a:r>
+              <a:rPr lang="en-US" altLang="zh-CN" sz="1300" dirty="0" err="1"/>
+              <a:t>ServiceProvider</a:t>
+            </a:r>
+            <a:r>
+              <a:rPr lang="zh-CN" altLang="en-US" sz="1300" dirty="0"/>
+              <a:t>上，所有</a:t>
+            </a:r>
+            <a:r>
+              <a:rPr lang="zh-CN" altLang="en-US" sz="1300" dirty="0">
+                <a:solidFill>
+                  <a:srgbClr val="FF0000"/>
+                </a:solidFill>
+              </a:rPr>
+              <a:t>具有同一根节点的所有</a:t>
+            </a:r>
+            <a:r>
+              <a:rPr lang="en-US" altLang="zh-CN" sz="1300" dirty="0" err="1">
+                <a:solidFill>
+                  <a:srgbClr val="FF0000"/>
+                </a:solidFill>
+              </a:rPr>
+              <a:t>ServiceProvider</a:t>
+            </a:r>
+            <a:r>
+              <a:rPr lang="zh-CN" altLang="en-US" sz="1300" dirty="0"/>
+              <a:t>提供的服务实例均是同一个对象。</a:t>
+            </a:r>
+            <a:endParaRPr lang="en-US" altLang="zh-CN" sz="1300" dirty="0"/>
+          </a:p>
+          <a:p>
+            <a:pPr>
+              <a:buFont typeface="Wingdings" panose="05000000000000000000" pitchFamily="2" charset="2"/>
+              <a:buChar char="Ø"/>
+            </a:pPr>
+            <a:endParaRPr lang="zh-CN" altLang="en-US" sz="1300" dirty="0"/>
+          </a:p>
+          <a:p>
+            <a:pPr>
+              <a:buFont typeface="Wingdings" panose="05000000000000000000" pitchFamily="2" charset="2"/>
+              <a:buChar char="Ø"/>
+            </a:pPr>
+            <a:r>
+              <a:rPr lang="en-US" altLang="zh-CN" sz="1300" dirty="0"/>
+              <a:t>Scoped</a:t>
+            </a:r>
+            <a:r>
+              <a:rPr lang="zh-CN" altLang="en-US" sz="1300" dirty="0"/>
+              <a:t>：</a:t>
+            </a:r>
+            <a:r>
+              <a:rPr lang="en-US" altLang="zh-CN" sz="1300" dirty="0" err="1"/>
+              <a:t>ServiceProvider</a:t>
+            </a:r>
+            <a:r>
+              <a:rPr lang="zh-CN" altLang="en-US" sz="1300" dirty="0"/>
+              <a:t>创建的服务实例由自己保存，所以</a:t>
+            </a:r>
+            <a:r>
+              <a:rPr lang="zh-CN" altLang="en-US" sz="1300" dirty="0">
+                <a:solidFill>
+                  <a:srgbClr val="FF0000"/>
+                </a:solidFill>
+              </a:rPr>
+              <a:t>同一个</a:t>
+            </a:r>
+            <a:r>
+              <a:rPr lang="en-US" altLang="zh-CN" sz="1300" dirty="0" err="1">
+                <a:solidFill>
+                  <a:srgbClr val="FF0000"/>
+                </a:solidFill>
+              </a:rPr>
+              <a:t>ServiceProvider</a:t>
+            </a:r>
+            <a:r>
+              <a:rPr lang="zh-CN" altLang="en-US" sz="1300" dirty="0">
+                <a:solidFill>
+                  <a:srgbClr val="FF0000"/>
+                </a:solidFill>
+              </a:rPr>
+              <a:t>对象</a:t>
+            </a:r>
+            <a:r>
+              <a:rPr lang="zh-CN" altLang="en-US" sz="1300" dirty="0"/>
+              <a:t>提供的服务实例均是同一个对象。</a:t>
+            </a:r>
+            <a:endParaRPr lang="en-US" altLang="zh-CN" sz="1300" dirty="0"/>
+          </a:p>
+          <a:p>
+            <a:pPr>
+              <a:buFont typeface="Wingdings" panose="05000000000000000000" pitchFamily="2" charset="2"/>
+              <a:buChar char="Ø"/>
+            </a:pPr>
+            <a:endParaRPr lang="zh-CN" altLang="en-US" sz="1300" dirty="0"/>
+          </a:p>
+          <a:p>
+            <a:pPr>
+              <a:buFont typeface="Wingdings" panose="05000000000000000000" pitchFamily="2" charset="2"/>
+              <a:buChar char="Ø"/>
+            </a:pPr>
+            <a:r>
+              <a:rPr lang="en-US" altLang="zh-CN" sz="1300" dirty="0"/>
+              <a:t>Transient</a:t>
+            </a:r>
+            <a:r>
+              <a:rPr lang="zh-CN" altLang="en-US" sz="1300" dirty="0"/>
+              <a:t>：针对每一次服务提供请求，</a:t>
+            </a:r>
+            <a:r>
+              <a:rPr lang="en-US" altLang="zh-CN" sz="1300" dirty="0" err="1"/>
+              <a:t>ServiceProvider</a:t>
+            </a:r>
+            <a:r>
+              <a:rPr lang="zh-CN" altLang="en-US" sz="1300" dirty="0"/>
+              <a:t>总是创建一个新的服务实例。</a:t>
+            </a:r>
+            <a:endParaRPr lang="en-US" altLang="zh-CN" sz="1300" dirty="0"/>
+          </a:p>
+        </p:txBody>
+      </p:sp>
+    </p:spTree>
+    <p:extLst>
+      <p:ext uri="{BB962C8B-B14F-4D97-AF65-F5344CB8AC3E}">
+        <p14:creationId xmlns:p14="http://schemas.microsoft.com/office/powerpoint/2010/main" val="4185666270"/>
+      </p:ext>
+    </p:extLst>
+  </p:cSld>
+  <p:clrMapOvr>
+    <a:masterClrMapping/>
+  </p:clrMapOvr>
+</p:sld>
+</file>
+
+<file path=ppt/slides/slide22.xml><?xml version="1.0" encoding="utf-8"?>
+<p:sld xmlns:a="http://schemas.openxmlformats.org/drawingml/2006/main" xmlns:r="http://schemas.openxmlformats.org/officeDocument/2006/relationships" xmlns:p="http://schemas.openxmlformats.org/presentationml/2006/main">
+  <p:cSld>
+    <p:spTree>
+      <p:nvGrpSpPr>
+        <p:cNvPr id="1" name=""/>
+        <p:cNvGrpSpPr/>
+        <p:nvPr/>
+      </p:nvGrpSpPr>
+      <p:grpSpPr>
+        <a:xfrm>
+          <a:off x="0" y="0"/>
+          <a:ext cx="0" cy="0"/>
+          <a:chOff x="0" y="0"/>
+          <a:chExt cx="0" cy="0"/>
+        </a:xfrm>
+      </p:grpSpPr>
+      <p:sp>
+        <p:nvSpPr>
+          <p:cNvPr id="5" name="TextBox 4"/>
+          <p:cNvSpPr txBox="1"/>
+          <p:nvPr/>
+        </p:nvSpPr>
+        <p:spPr>
+          <a:xfrm>
+            <a:off x="611560" y="411510"/>
+            <a:ext cx="4680520" cy="400110"/>
+          </a:xfrm>
+          <a:prstGeom prst="rect">
+            <a:avLst/>
+          </a:prstGeom>
+          <a:noFill/>
+        </p:spPr>
+        <p:txBody>
+          <a:bodyPr wrap="square" rtlCol="0">
+            <a:spAutoFit/>
+          </a:bodyPr>
+          <a:lstStyle/>
+          <a:p>
+            <a:r>
+              <a:rPr lang="en-US" altLang="zh-CN" sz="2000" i="1" dirty="0"/>
+              <a:t>1.</a:t>
+            </a:r>
+            <a:r>
+              <a:rPr lang="zh-CN" altLang="en-US" sz="2000" i="1" dirty="0"/>
+              <a:t>实例注册</a:t>
+            </a:r>
+            <a:endParaRPr lang="zh-CN" altLang="en-US" sz="2000" b="1" dirty="0">
+              <a:latin typeface="微软雅黑" pitchFamily="34" charset="-122"/>
+              <a:ea typeface="微软雅黑" pitchFamily="34" charset="-122"/>
+            </a:endParaRPr>
+          </a:p>
+        </p:txBody>
+      </p:sp>
+      <p:pic>
+        <p:nvPicPr>
+          <p:cNvPr id="6" name="图片 5" descr="矢量智能对象.png"/>
+          <p:cNvPicPr>
+            <a:picLocks noChangeAspect="1"/>
+          </p:cNvPicPr>
+          <p:nvPr/>
+        </p:nvPicPr>
+        <p:blipFill>
+          <a:blip r:embed="rId3" cstate="print"/>
+          <a:stretch>
+            <a:fillRect/>
+          </a:stretch>
+        </p:blipFill>
+        <p:spPr>
+          <a:xfrm>
+            <a:off x="8244408" y="288032"/>
+            <a:ext cx="487504" cy="349205"/>
+          </a:xfrm>
+          <a:prstGeom prst="rect">
+            <a:avLst/>
+          </a:prstGeom>
+        </p:spPr>
+      </p:pic>
+      <p:pic>
+        <p:nvPicPr>
+          <p:cNvPr id="8" name="图片 7" descr="矢量智能对象.png"/>
+          <p:cNvPicPr>
+            <a:picLocks noChangeAspect="1"/>
+          </p:cNvPicPr>
+          <p:nvPr/>
+        </p:nvPicPr>
+        <p:blipFill>
+          <a:blip r:embed="rId4" cstate="print"/>
+          <a:stretch>
+            <a:fillRect/>
+          </a:stretch>
+        </p:blipFill>
+        <p:spPr>
+          <a:xfrm>
+            <a:off x="0" y="4659982"/>
+            <a:ext cx="9144000" cy="504056"/>
+          </a:xfrm>
+          <a:prstGeom prst="rect">
+            <a:avLst/>
+          </a:prstGeom>
+        </p:spPr>
+      </p:pic>
+      <p:sp>
+        <p:nvSpPr>
+          <p:cNvPr id="9" name="TextBox 8"/>
+          <p:cNvSpPr txBox="1"/>
+          <p:nvPr/>
+        </p:nvSpPr>
+        <p:spPr>
+          <a:xfrm>
+            <a:off x="611560" y="1489305"/>
+            <a:ext cx="6192688" cy="1569660"/>
+          </a:xfrm>
+          <a:prstGeom prst="rect">
+            <a:avLst/>
+          </a:prstGeom>
+          <a:noFill/>
+        </p:spPr>
+        <p:txBody>
+          <a:bodyPr wrap="square" rtlCol="0">
+            <a:spAutoFit/>
+          </a:bodyPr>
+          <a:lstStyle/>
+          <a:p>
+            <a:pPr>
+              <a:buFont typeface="Wingdings" panose="05000000000000000000" pitchFamily="2" charset="2"/>
+              <a:buChar char="Ø"/>
+            </a:pPr>
+            <a:r>
               <a:rPr lang="zh-CN" altLang="en-US" sz="1600" dirty="0"/>
               <a:t> 工欲善其事必先利其器，前面提到的“第三方”</a:t>
             </a:r>
@@ -12234,15 +15985,7 @@
             </a:r>
             <a:r>
               <a:rPr lang="zh-CN" altLang="en-US" sz="1600" dirty="0"/>
-              <a:t>（在</a:t>
-            </a:r>
-            <a:r>
-              <a:rPr lang="en-US" altLang="zh-CN" sz="1600" dirty="0" err="1"/>
-              <a:t>Microsoft.Extensions.DependencyInjection</a:t>
-            </a:r>
-            <a:r>
-              <a:rPr lang="zh-CN" altLang="en-US" sz="1600" dirty="0"/>
-              <a:t>命名空间下）有三个方法注册实例：</a:t>
+              <a:t>有三个方法注册实例（对应三种不同的生命周期管理模式）：</a:t>
             </a:r>
             <a:endParaRPr lang="en-US" altLang="zh-CN" sz="1600" dirty="0"/>
           </a:p>
@@ -12339,7 +16082,7 @@
 </p:sld>
 </file>
 
-<file path=ppt/slides/slide15.xml><?xml version="1.0" encoding="utf-8"?>
+<file path=ppt/slides/slide23.xml><?xml version="1.0" encoding="utf-8"?>
 <p:sld xmlns:a="http://schemas.openxmlformats.org/drawingml/2006/main" xmlns:r="http://schemas.openxmlformats.org/officeDocument/2006/relationships" xmlns:p="http://schemas.openxmlformats.org/presentationml/2006/main">
   <p:cSld>
     <p:spTree>
@@ -12441,53 +16184,12 @@
           </a:prstGeom>
         </p:spPr>
       </p:pic>
-      <p:sp>
-        <p:nvSpPr>
-          <p:cNvPr id="9" name="TextBox 8"/>
-          <p:cNvSpPr txBox="1"/>
-          <p:nvPr/>
-        </p:nvSpPr>
-        <p:spPr>
-          <a:xfrm>
-            <a:off x="611560" y="1489305"/>
-            <a:ext cx="6192688" cy="584775"/>
-          </a:xfrm>
-          <a:prstGeom prst="rect">
-            <a:avLst/>
-          </a:prstGeom>
-          <a:noFill/>
-        </p:spPr>
-        <p:txBody>
-          <a:bodyPr wrap="square" rtlCol="0">
-            <a:spAutoFit/>
-          </a:bodyPr>
-          <a:lstStyle/>
-          <a:p>
-            <a:pPr>
-              <a:buFont typeface="Wingdings" panose="05000000000000000000" pitchFamily="2" charset="2"/>
-              <a:buChar char="Ø"/>
-            </a:pPr>
-            <a:r>
-              <a:rPr lang="zh-CN" altLang="en-US" sz="1600" dirty="0"/>
-              <a:t>使用示例</a:t>
-            </a:r>
-            <a:endParaRPr lang="en-US" altLang="zh-CN" sz="1600" dirty="0"/>
-          </a:p>
-          <a:p>
-            <a:pPr>
-              <a:buFont typeface="Wingdings" panose="05000000000000000000" pitchFamily="2" charset="2"/>
-              <a:buChar char="Ø"/>
-            </a:pPr>
-            <a:endParaRPr lang="en-US" altLang="zh-CN" sz="1600" b="1" dirty="0"/>
-          </a:p>
-        </p:txBody>
-      </p:sp>
       <p:pic>
         <p:nvPicPr>
           <p:cNvPr id="2" name="图片 1">
             <a:extLst>
               <a:ext uri="{FF2B5EF4-FFF2-40B4-BE49-F238E27FC236}">
-                <a16:creationId xmlns:a16="http://schemas.microsoft.com/office/drawing/2014/main" id="{FD79DBB6-8C9F-401D-8F68-8C91F174D6A7}"/>
+                <a16:creationId xmlns:a16="http://schemas.microsoft.com/office/drawing/2014/main" id="{39E2F845-6B53-4033-A38E-272E0E885B00}"/>
               </a:ext>
             </a:extLst>
           </p:cNvPr>
@@ -12504,18 +16206,118 @@
         </p:blipFill>
         <p:spPr>
           <a:xfrm>
-            <a:off x="0" y="1835770"/>
-            <a:ext cx="9144000" cy="2824212"/>
+            <a:off x="611560" y="1495261"/>
+            <a:ext cx="2964156" cy="1240540"/>
           </a:xfrm>
           <a:prstGeom prst="rect">
             <a:avLst/>
           </a:prstGeom>
         </p:spPr>
       </p:pic>
+      <p:pic>
+        <p:nvPicPr>
+          <p:cNvPr id="3" name="图片 2">
+            <a:extLst>
+              <a:ext uri="{FF2B5EF4-FFF2-40B4-BE49-F238E27FC236}">
+                <a16:creationId xmlns:a16="http://schemas.microsoft.com/office/drawing/2014/main" id="{6E2C79D4-24A0-4B67-9127-5CDAA02B76B2}"/>
+              </a:ext>
+            </a:extLst>
+          </p:cNvPr>
+          <p:cNvPicPr>
+            <a:picLocks noChangeAspect="1"/>
+          </p:cNvPicPr>
+          <p:nvPr/>
+        </p:nvPicPr>
+        <p:blipFill>
+          <a:blip r:embed="rId6"/>
+          <a:stretch>
+            <a:fillRect/>
+          </a:stretch>
+        </p:blipFill>
+        <p:spPr>
+          <a:xfrm>
+            <a:off x="3638865" y="1495261"/>
+            <a:ext cx="5093047" cy="2111558"/>
+          </a:xfrm>
+          <a:prstGeom prst="rect">
+            <a:avLst/>
+          </a:prstGeom>
+        </p:spPr>
+      </p:pic>
+      <p:sp>
+        <p:nvSpPr>
+          <p:cNvPr id="4" name="文本框 3">
+            <a:extLst>
+              <a:ext uri="{FF2B5EF4-FFF2-40B4-BE49-F238E27FC236}">
+                <a16:creationId xmlns:a16="http://schemas.microsoft.com/office/drawing/2014/main" id="{8CD56EC6-D8CD-4EAF-8C54-A1143B530881}"/>
+              </a:ext>
+            </a:extLst>
+          </p:cNvPr>
+          <p:cNvSpPr txBox="1"/>
+          <p:nvPr/>
+        </p:nvSpPr>
+        <p:spPr>
+          <a:xfrm>
+            <a:off x="1693528" y="2735801"/>
+            <a:ext cx="800219" cy="276999"/>
+          </a:xfrm>
+          <a:prstGeom prst="rect">
+            <a:avLst/>
+          </a:prstGeom>
+          <a:noFill/>
+        </p:spPr>
+        <p:txBody>
+          <a:bodyPr wrap="none" rtlCol="0">
+            <a:spAutoFit/>
+          </a:bodyPr>
+          <a:lstStyle/>
+          <a:p>
+            <a:r>
+              <a:rPr lang="zh-CN" altLang="en-US" sz="1200" dirty="0"/>
+              <a:t>接口定义</a:t>
+            </a:r>
+          </a:p>
+        </p:txBody>
+      </p:sp>
+      <p:sp>
+        <p:nvSpPr>
+          <p:cNvPr id="10" name="文本框 9">
+            <a:extLst>
+              <a:ext uri="{FF2B5EF4-FFF2-40B4-BE49-F238E27FC236}">
+                <a16:creationId xmlns:a16="http://schemas.microsoft.com/office/drawing/2014/main" id="{9B2F8667-6F54-4E49-A824-CC6F500A53B6}"/>
+              </a:ext>
+            </a:extLst>
+          </p:cNvPr>
+          <p:cNvSpPr txBox="1"/>
+          <p:nvPr/>
+        </p:nvSpPr>
+        <p:spPr>
+          <a:xfrm>
+            <a:off x="5785278" y="3606819"/>
+            <a:ext cx="800219" cy="276999"/>
+          </a:xfrm>
+          <a:prstGeom prst="rect">
+            <a:avLst/>
+          </a:prstGeom>
+          <a:noFill/>
+        </p:spPr>
+        <p:txBody>
+          <a:bodyPr wrap="none" rtlCol="0">
+            <a:spAutoFit/>
+          </a:bodyPr>
+          <a:lstStyle/>
+          <a:p>
+            <a:r>
+              <a:rPr lang="zh-CN" altLang="en-US" sz="1200" dirty="0"/>
+              <a:t>方法实现</a:t>
+            </a:r>
+          </a:p>
+        </p:txBody>
+      </p:sp>
     </p:spTree>
     <p:extLst>
       <p:ext uri="{BB962C8B-B14F-4D97-AF65-F5344CB8AC3E}">
-        <p14:creationId xmlns:p14="http://schemas.microsoft.com/office/powerpoint/2010/main" val="1391736828"/>
+        <p14:creationId xmlns:p14="http://schemas.microsoft.com/office/powerpoint/2010/main" val="724923207"/>
       </p:ext>
     </p:extLst>
   </p:cSld>
@@ -12525,7 +16327,7 @@
 </p:sld>
 </file>
 
-<file path=ppt/slides/slide16.xml><?xml version="1.0" encoding="utf-8"?>
+<file path=ppt/slides/slide24.xml><?xml version="1.0" encoding="utf-8"?>
 <p:sld xmlns:a="http://schemas.openxmlformats.org/drawingml/2006/main" xmlns:r="http://schemas.openxmlformats.org/officeDocument/2006/relationships" xmlns:p="http://schemas.openxmlformats.org/presentationml/2006/main">
   <p:cSld>
     <p:spTree>
@@ -12566,19 +16368,11 @@
           <a:p>
             <a:r>
               <a:rPr lang="en-US" altLang="zh-CN" sz="2000" i="1" dirty="0"/>
-              <a:t>2.</a:t>
+              <a:t>1.</a:t>
             </a:r>
             <a:r>
               <a:rPr lang="zh-CN" altLang="en-US" sz="2000" i="1" dirty="0"/>
-              <a:t>依赖注入（</a:t>
-            </a:r>
-            <a:r>
-              <a:rPr lang="en-US" altLang="zh-CN" sz="2000" i="1" dirty="0" err="1"/>
-              <a:t>Autofac</a:t>
-            </a:r>
-            <a:r>
-              <a:rPr lang="zh-CN" altLang="en-US" sz="2000" i="1" dirty="0"/>
-              <a:t>）</a:t>
+              <a:t>实例注册</a:t>
             </a:r>
             <a:endParaRPr lang="zh-CN" altLang="en-US" sz="2000" b="1" dirty="0">
               <a:latin typeface="微软雅黑" pitchFamily="34" charset="-122"/>
@@ -12635,16 +16429,76 @@
           </a:prstGeom>
         </p:spPr>
       </p:pic>
-      <p:sp>
-        <p:nvSpPr>
-          <p:cNvPr id="9" name="TextBox 8"/>
+      <p:pic>
+        <p:nvPicPr>
+          <p:cNvPr id="2" name="图片 1">
+            <a:extLst>
+              <a:ext uri="{FF2B5EF4-FFF2-40B4-BE49-F238E27FC236}">
+                <a16:creationId xmlns:a16="http://schemas.microsoft.com/office/drawing/2014/main" id="{FD79DBB6-8C9F-401D-8F68-8C91F174D6A7}"/>
+              </a:ext>
+            </a:extLst>
+          </p:cNvPr>
+          <p:cNvPicPr>
+            <a:picLocks noChangeAspect="1"/>
+          </p:cNvPicPr>
+          <p:nvPr/>
+        </p:nvPicPr>
+        <p:blipFill>
+          <a:blip r:embed="rId5"/>
+          <a:stretch>
+            <a:fillRect/>
+          </a:stretch>
+        </p:blipFill>
+        <p:spPr>
+          <a:xfrm>
+            <a:off x="492023" y="1131590"/>
+            <a:ext cx="8159954" cy="2520280"/>
+          </a:xfrm>
+          <a:prstGeom prst="rect">
+            <a:avLst/>
+          </a:prstGeom>
+        </p:spPr>
+      </p:pic>
+    </p:spTree>
+    <p:extLst>
+      <p:ext uri="{BB962C8B-B14F-4D97-AF65-F5344CB8AC3E}">
+        <p14:creationId xmlns:p14="http://schemas.microsoft.com/office/powerpoint/2010/main" val="51010816"/>
+      </p:ext>
+    </p:extLst>
+  </p:cSld>
+  <p:clrMapOvr>
+    <a:masterClrMapping/>
+  </p:clrMapOvr>
+</p:sld>
+</file>
+
+<file path=ppt/slides/slide25.xml><?xml version="1.0" encoding="utf-8"?>
+<p:sld xmlns:a="http://schemas.openxmlformats.org/drawingml/2006/main" xmlns:r="http://schemas.openxmlformats.org/officeDocument/2006/relationships" xmlns:p="http://schemas.openxmlformats.org/presentationml/2006/main">
+  <p:cSld>
+    <p:spTree>
+      <p:nvGrpSpPr>
+        <p:cNvPr id="1" name=""/>
+        <p:cNvGrpSpPr/>
+        <p:nvPr/>
+      </p:nvGrpSpPr>
+      <p:grpSpPr>
+        <a:xfrm>
+          <a:off x="0" y="0"/>
+          <a:ext cx="0" cy="0"/>
+          <a:chOff x="0" y="0"/>
+          <a:chExt cx="0" cy="0"/>
+        </a:xfrm>
+      </p:grpSpPr>
+      <p:sp>
+        <p:nvSpPr>
+          <p:cNvPr id="5" name="TextBox 4"/>
           <p:cNvSpPr txBox="1"/>
           <p:nvPr/>
         </p:nvSpPr>
         <p:spPr>
           <a:xfrm>
-            <a:off x="611560" y="1489305"/>
-            <a:ext cx="6192688" cy="3046988"/>
+            <a:off x="611560" y="411510"/>
+            <a:ext cx="4680520" cy="400110"/>
           </a:xfrm>
           <a:prstGeom prst="rect">
             <a:avLst/>
@@ -12657,6 +16511,99 @@
           </a:bodyPr>
           <a:lstStyle/>
           <a:p>
+            <a:r>
+              <a:rPr lang="en-US" altLang="zh-CN" sz="2000" i="1" dirty="0"/>
+              <a:t>2.</a:t>
+            </a:r>
+            <a:r>
+              <a:rPr lang="zh-CN" altLang="en-US" sz="2000" i="1" dirty="0"/>
+              <a:t>依赖注入（</a:t>
+            </a:r>
+            <a:r>
+              <a:rPr lang="en-US" altLang="zh-CN" sz="2000" i="1" dirty="0" err="1"/>
+              <a:t>Autofac</a:t>
+            </a:r>
+            <a:r>
+              <a:rPr lang="zh-CN" altLang="en-US" sz="2000" i="1" dirty="0"/>
+              <a:t>）</a:t>
+            </a:r>
+            <a:endParaRPr lang="zh-CN" altLang="en-US" sz="2000" b="1" dirty="0">
+              <a:latin typeface="微软雅黑" pitchFamily="34" charset="-122"/>
+              <a:ea typeface="微软雅黑" pitchFamily="34" charset="-122"/>
+            </a:endParaRPr>
+          </a:p>
+        </p:txBody>
+      </p:sp>
+      <p:pic>
+        <p:nvPicPr>
+          <p:cNvPr id="6" name="图片 5" descr="矢量智能对象.png"/>
+          <p:cNvPicPr>
+            <a:picLocks noChangeAspect="1"/>
+          </p:cNvPicPr>
+          <p:nvPr/>
+        </p:nvPicPr>
+        <p:blipFill>
+          <a:blip r:embed="rId3" cstate="print"/>
+          <a:stretch>
+            <a:fillRect/>
+          </a:stretch>
+        </p:blipFill>
+        <p:spPr>
+          <a:xfrm>
+            <a:off x="8244408" y="288032"/>
+            <a:ext cx="487504" cy="349205"/>
+          </a:xfrm>
+          <a:prstGeom prst="rect">
+            <a:avLst/>
+          </a:prstGeom>
+        </p:spPr>
+      </p:pic>
+      <p:pic>
+        <p:nvPicPr>
+          <p:cNvPr id="8" name="图片 7" descr="矢量智能对象.png"/>
+          <p:cNvPicPr>
+            <a:picLocks noChangeAspect="1"/>
+          </p:cNvPicPr>
+          <p:nvPr/>
+        </p:nvPicPr>
+        <p:blipFill>
+          <a:blip r:embed="rId4" cstate="print"/>
+          <a:stretch>
+            <a:fillRect/>
+          </a:stretch>
+        </p:blipFill>
+        <p:spPr>
+          <a:xfrm>
+            <a:off x="0" y="4659982"/>
+            <a:ext cx="9144000" cy="504056"/>
+          </a:xfrm>
+          <a:prstGeom prst="rect">
+            <a:avLst/>
+          </a:prstGeom>
+        </p:spPr>
+      </p:pic>
+      <p:sp>
+        <p:nvSpPr>
+          <p:cNvPr id="9" name="TextBox 8"/>
+          <p:cNvSpPr txBox="1"/>
+          <p:nvPr/>
+        </p:nvSpPr>
+        <p:spPr>
+          <a:xfrm>
+            <a:off x="611560" y="1489305"/>
+            <a:ext cx="6192688" cy="2800767"/>
+          </a:xfrm>
+          <a:prstGeom prst="rect">
+            <a:avLst/>
+          </a:prstGeom>
+          <a:noFill/>
+        </p:spPr>
+        <p:txBody>
+          <a:bodyPr wrap="square" rtlCol="0">
+            <a:spAutoFit/>
+          </a:bodyPr>
+          <a:lstStyle/>
+          <a:p>
             <a:pPr>
               <a:buFont typeface="Wingdings" panose="05000000000000000000" pitchFamily="2" charset="2"/>
               <a:buChar char="Ø"/>
@@ -12712,7 +16659,7 @@
             </a:pPr>
             <a:r>
               <a:rPr lang="zh-CN" altLang="en-US" sz="1600" dirty="0"/>
-              <a:t>以及各种三方提供的</a:t>
+              <a:t>各种三方提供的</a:t>
             </a:r>
             <a:r>
               <a:rPr lang="en-US" altLang="zh-CN" sz="1600" dirty="0"/>
@@ -12880,7 +16827,7 @@
 </p:sld>
 </file>
 
-<file path=ppt/slides/slide17.xml><?xml version="1.0" encoding="utf-8"?>
+<file path=ppt/slides/slide26.xml><?xml version="1.0" encoding="utf-8"?>
 <p:sld xmlns:a="http://schemas.openxmlformats.org/drawingml/2006/main" xmlns:r="http://schemas.openxmlformats.org/officeDocument/2006/relationships" xmlns:p="http://schemas.openxmlformats.org/presentationml/2006/main">
   <p:cSld>
     <p:spTree>
@@ -12999,7 +16946,7 @@
         <p:spPr>
           <a:xfrm>
             <a:off x="611560" y="1489305"/>
-            <a:ext cx="6192688" cy="2369880"/>
+            <a:ext cx="6192688" cy="3477875"/>
           </a:xfrm>
           <a:prstGeom prst="rect">
             <a:avLst/>
@@ -13012,7 +16959,7 @@
           </a:bodyPr>
           <a:lstStyle/>
           <a:p>
-            <a:pPr>
+            <a:pPr indent="-285750">
               <a:buFont typeface="Wingdings" panose="05000000000000000000" pitchFamily="2" charset="2"/>
               <a:buChar char="Ø"/>
             </a:pPr>
@@ -13034,7 +16981,7 @@
             <a:endParaRPr lang="en-US" altLang="zh-CN" sz="1600" dirty="0"/>
           </a:p>
           <a:p>
-            <a:pPr>
+            <a:pPr indent="-285750">
               <a:buFont typeface="Wingdings" panose="05000000000000000000" pitchFamily="2" charset="2"/>
               <a:buChar char="Ø"/>
             </a:pPr>
@@ -13064,7 +17011,7 @@
             <a:endParaRPr lang="en-US" altLang="zh-CN" sz="1600" dirty="0"/>
           </a:p>
           <a:p>
-            <a:pPr>
+            <a:pPr indent="-285750">
               <a:buFont typeface="Wingdings" panose="05000000000000000000" pitchFamily="2" charset="2"/>
               <a:buChar char="Ø"/>
             </a:pPr>
@@ -13086,18 +17033,50 @@
             <a:endParaRPr lang="en-US" altLang="zh-CN" sz="1600" dirty="0"/>
           </a:p>
           <a:p>
+            <a:pPr indent="-285750">
+              <a:buFont typeface="Wingdings" panose="05000000000000000000" pitchFamily="2" charset="2"/>
+              <a:buChar char="Ø"/>
+            </a:pPr>
+            <a:r>
+              <a:rPr lang="en-US" altLang="zh-CN" sz="1600" dirty="0"/>
+              <a:t>2.4 </a:t>
+            </a:r>
+            <a:r>
+              <a:rPr lang="zh-CN" altLang="en-US" sz="1600" dirty="0"/>
+              <a:t>服务定位器（非注入）</a:t>
+            </a:r>
+            <a:endParaRPr lang="en-US" altLang="zh-CN" sz="1600" dirty="0"/>
+          </a:p>
+          <a:p>
             <a:pPr>
               <a:buFont typeface="Wingdings" panose="05000000000000000000" pitchFamily="2" charset="2"/>
               <a:buChar char="Ø"/>
             </a:pPr>
+            <a:endParaRPr lang="en-US" altLang="zh-CN" b="1" dirty="0"/>
+          </a:p>
+          <a:p>
+            <a:pPr indent="-285750">
+              <a:buFont typeface="Wingdings" panose="05000000000000000000" pitchFamily="2" charset="2"/>
+              <a:buChar char="Ø"/>
+            </a:pPr>
             <a:r>
               <a:rPr lang="en-US" altLang="zh-CN" sz="1600" dirty="0"/>
-              <a:t>2.4 </a:t>
-            </a:r>
-            <a:r>
-              <a:rPr lang="zh-CN" altLang="en-US" b="1" dirty="0"/>
-              <a:t>服务定位器（非注入）</a:t>
-            </a:r>
+              <a:t>2.5</a:t>
+            </a:r>
+            <a:r>
+              <a:rPr lang="en-US" altLang="zh-CN" dirty="0"/>
+              <a:t> </a:t>
+            </a:r>
+            <a:r>
+              <a:rPr lang="en-US" altLang="zh-CN" sz="1600" dirty="0" err="1"/>
+              <a:t>IServiceProvider.GetService</a:t>
+            </a:r>
+            <a:endParaRPr lang="en-US" altLang="zh-CN" sz="1600" dirty="0"/>
+          </a:p>
+          <a:p>
+            <a:endParaRPr lang="en-US" altLang="zh-CN" b="1" dirty="0"/>
+          </a:p>
+          <a:p>
             <a:endParaRPr lang="en-US" altLang="zh-CN" b="1" dirty="0"/>
           </a:p>
           <a:p>
@@ -13125,7 +17104,7 @@
 </p:sld>
 </file>
 
-<file path=ppt/slides/slide18.xml><?xml version="1.0" encoding="utf-8"?>
+<file path=ppt/slides/slide27.xml><?xml version="1.0" encoding="utf-8"?>
 <p:sld xmlns:a="http://schemas.openxmlformats.org/drawingml/2006/main" xmlns:r="http://schemas.openxmlformats.org/officeDocument/2006/relationships" xmlns:p="http://schemas.openxmlformats.org/presentationml/2006/main">
   <p:cSld>
     <p:spTree>
@@ -13235,7 +17214,7 @@
         </p:nvSpPr>
         <p:spPr>
           <a:xfrm>
-            <a:off x="611560" y="1489305"/>
+            <a:off x="611560" y="1263614"/>
             <a:ext cx="6192688" cy="1384995"/>
           </a:xfrm>
           <a:prstGeom prst="rect">
@@ -13353,7 +17332,7 @@
 </p:sld>
 </file>
 
-<file path=ppt/slides/slide19.xml><?xml version="1.0" encoding="utf-8"?>
+<file path=ppt/slides/slide28.xml><?xml version="1.0" encoding="utf-8"?>
 <p:sld xmlns:a="http://schemas.openxmlformats.org/drawingml/2006/main" xmlns:r="http://schemas.openxmlformats.org/officeDocument/2006/relationships" xmlns:p="http://schemas.openxmlformats.org/presentationml/2006/main">
   <p:cSld>
     <p:spTree>
@@ -13486,40 +17465,127 @@
           <a:lstStyle/>
           <a:p>
             <a:r>
+              <a:rPr lang="en-US" altLang="zh-CN" sz="1200" dirty="0"/>
+              <a:t>ASP.NET Core </a:t>
+            </a:r>
+            <a:r>
               <a:rPr lang="zh-CN" altLang="en-US" sz="1200" dirty="0"/>
-              <a:t>属性注入（</a:t>
+              <a:t>的标准依赖注入容器不支持属性注入。</a:t>
+            </a:r>
+            <a:endParaRPr lang="en-US" altLang="zh-CN" sz="1200" dirty="0"/>
+          </a:p>
+          <a:p>
+            <a:endParaRPr lang="zh-CN" altLang="en-US" sz="1200" dirty="0"/>
+          </a:p>
+          <a:p>
+            <a:r>
+              <a:rPr lang="zh-CN" altLang="en-US" sz="1200" dirty="0"/>
+              <a:t>以下示例使用</a:t>
+            </a:r>
+            <a:r>
+              <a:rPr lang="en-US" altLang="zh-CN" sz="1200" dirty="0" err="1"/>
+              <a:t>Autofac</a:t>
             </a:r>
             <a:r>
               <a:rPr lang="en-US" altLang="zh-CN" sz="1200" dirty="0"/>
-              <a:t>setter injection</a:t>
+              <a:t> </a:t>
             </a:r>
             <a:r>
               <a:rPr lang="zh-CN" altLang="en-US" sz="1200" dirty="0"/>
-              <a:t>）是依赖注入最常见的形式之一。</a:t>
-            </a:r>
-          </a:p>
-          <a:p>
-            <a:endParaRPr lang="zh-CN" altLang="en-US" sz="1200" dirty="0"/>
-          </a:p>
-          <a:p>
+              <a:t>依赖注入容器。在使用</a:t>
+            </a:r>
+            <a:r>
+              <a:rPr lang="en-US" altLang="zh-CN" sz="1200" dirty="0"/>
+              <a:t>Setter</a:t>
+            </a:r>
             <a:r>
               <a:rPr lang="zh-CN" altLang="en-US" sz="1200" dirty="0"/>
-              <a:t>由名称可以看出，该技术需要我们把所有依赖显示的体现在构造函数中。</a:t>
+              <a:t>注入时，需要在注册实例时，为作为属性注入的实例创建实例。如实例中的在注册</a:t>
+            </a:r>
+            <a:r>
+              <a:rPr lang="en-US" altLang="zh-CN" sz="1200" dirty="0" err="1"/>
+              <a:t>SetterInjection</a:t>
+            </a:r>
+            <a:r>
+              <a:rPr lang="zh-CN" altLang="en-US" sz="1200" dirty="0"/>
+              <a:t>时为其属性</a:t>
+            </a:r>
+            <a:r>
+              <a:rPr lang="en-US" altLang="zh-CN" sz="1200" dirty="0"/>
+              <a:t>_</a:t>
+            </a:r>
+            <a:r>
+              <a:rPr lang="en-US" altLang="zh-CN" sz="1200" dirty="0" err="1"/>
+              <a:t>demoService</a:t>
+            </a:r>
+            <a:r>
+              <a:rPr lang="zh-CN" altLang="en-US" sz="1200" dirty="0"/>
+              <a:t>创建实例。示例：</a:t>
             </a:r>
             <a:endParaRPr lang="en-US" altLang="zh-CN" sz="1200" dirty="0"/>
           </a:p>
-          <a:p>
-            <a:endParaRPr lang="en-US" altLang="zh-CN" sz="1200" dirty="0"/>
-          </a:p>
-          <a:p>
-            <a:r>
-              <a:rPr lang="zh-CN" altLang="en-US" sz="1200" dirty="0"/>
-              <a:t>示例：</a:t>
-            </a:r>
-            <a:endParaRPr lang="en-US" altLang="zh-CN" sz="1200" dirty="0"/>
-          </a:p>
         </p:txBody>
       </p:sp>
+      <p:pic>
+        <p:nvPicPr>
+          <p:cNvPr id="2" name="图片 1">
+            <a:extLst>
+              <a:ext uri="{FF2B5EF4-FFF2-40B4-BE49-F238E27FC236}">
+                <a16:creationId xmlns:a16="http://schemas.microsoft.com/office/drawing/2014/main" id="{74FE2D5E-8DBB-411F-802A-B1C14DB96D5A}"/>
+              </a:ext>
+            </a:extLst>
+          </p:cNvPr>
+          <p:cNvPicPr>
+            <a:picLocks noChangeAspect="1"/>
+          </p:cNvPicPr>
+          <p:nvPr/>
+        </p:nvPicPr>
+        <p:blipFill>
+          <a:blip r:embed="rId5"/>
+          <a:stretch>
+            <a:fillRect/>
+          </a:stretch>
+        </p:blipFill>
+        <p:spPr>
+          <a:xfrm>
+            <a:off x="1619672" y="3091111"/>
+            <a:ext cx="3654391" cy="1572633"/>
+          </a:xfrm>
+          <a:prstGeom prst="rect">
+            <a:avLst/>
+          </a:prstGeom>
+        </p:spPr>
+      </p:pic>
+      <p:pic>
+        <p:nvPicPr>
+          <p:cNvPr id="3" name="图片 2">
+            <a:extLst>
+              <a:ext uri="{FF2B5EF4-FFF2-40B4-BE49-F238E27FC236}">
+                <a16:creationId xmlns:a16="http://schemas.microsoft.com/office/drawing/2014/main" id="{E5B03186-7528-4AAA-8BA7-91A667A31354}"/>
+              </a:ext>
+            </a:extLst>
+          </p:cNvPr>
+          <p:cNvPicPr>
+            <a:picLocks noChangeAspect="1"/>
+          </p:cNvPicPr>
+          <p:nvPr/>
+        </p:nvPicPr>
+        <p:blipFill>
+          <a:blip r:embed="rId6"/>
+          <a:stretch>
+            <a:fillRect/>
+          </a:stretch>
+        </p:blipFill>
+        <p:spPr>
+          <a:xfrm>
+            <a:off x="1619672" y="2726781"/>
+            <a:ext cx="5292080" cy="337603"/>
+          </a:xfrm>
+          <a:prstGeom prst="rect">
+            <a:avLst/>
+          </a:prstGeom>
+        </p:spPr>
+      </p:pic>
     </p:spTree>
     <p:extLst>
       <p:ext uri="{BB962C8B-B14F-4D97-AF65-F5344CB8AC3E}">
@@ -13533,7 +17599,7 @@
 </p:sld>
 </file>
 
-<file path=ppt/slides/slide2.xml><?xml version="1.0" encoding="utf-8"?>
+<file path=ppt/slides/slide29.xml><?xml version="1.0" encoding="utf-8"?>
 <p:sld xmlns:a="http://schemas.openxmlformats.org/drawingml/2006/main" xmlns:r="http://schemas.openxmlformats.org/officeDocument/2006/relationships" xmlns:p="http://schemas.openxmlformats.org/presentationml/2006/main">
   <p:cSld>
     <p:spTree>
@@ -13550,143 +17616,6 @@
           <a:chExt cx="0" cy="0"/>
         </a:xfrm>
       </p:grpSpPr>
-      <p:pic>
-        <p:nvPicPr>
-          <p:cNvPr id="4" name="图片 3" descr="矢量智能对象.png"/>
-          <p:cNvPicPr>
-            <a:picLocks noChangeAspect="1"/>
-          </p:cNvPicPr>
-          <p:nvPr/>
-        </p:nvPicPr>
-        <p:blipFill>
-          <a:blip r:embed="rId3" cstate="print"/>
-          <a:stretch>
-            <a:fillRect/>
-          </a:stretch>
-        </p:blipFill>
-        <p:spPr>
-          <a:xfrm>
-            <a:off x="0" y="2833687"/>
-            <a:ext cx="9144000" cy="2309813"/>
-          </a:xfrm>
-          <a:prstGeom prst="rect">
-            <a:avLst/>
-          </a:prstGeom>
-        </p:spPr>
-      </p:pic>
-      <p:sp>
-        <p:nvSpPr>
-          <p:cNvPr id="5" name="TextBox 4"/>
-          <p:cNvSpPr txBox="1"/>
-          <p:nvPr/>
-        </p:nvSpPr>
-        <p:spPr>
-          <a:xfrm>
-            <a:off x="611560" y="699542"/>
-            <a:ext cx="4680520" cy="523220"/>
-          </a:xfrm>
-          <a:prstGeom prst="rect">
-            <a:avLst/>
-          </a:prstGeom>
-          <a:noFill/>
-        </p:spPr>
-        <p:txBody>
-          <a:bodyPr wrap="square" rtlCol="0">
-            <a:spAutoFit/>
-          </a:bodyPr>
-          <a:lstStyle/>
-          <a:p>
-            <a:r>
-              <a:rPr lang="zh-CN" altLang="en-US" sz="2800" b="1" i="1" dirty="0">
-                <a:latin typeface="微软雅黑" pitchFamily="34" charset="-122"/>
-                <a:ea typeface="微软雅黑" pitchFamily="34" charset="-122"/>
-              </a:rPr>
-              <a:t>概括</a:t>
-            </a:r>
-            <a:endParaRPr lang="zh-CN" altLang="en-US" sz="2800" b="1" dirty="0">
-              <a:latin typeface="微软雅黑" pitchFamily="34" charset="-122"/>
-              <a:ea typeface="微软雅黑" pitchFamily="34" charset="-122"/>
-            </a:endParaRPr>
-          </a:p>
-        </p:txBody>
-      </p:sp>
-      <p:pic>
-        <p:nvPicPr>
-          <p:cNvPr id="6" name="图片 5" descr="矢量智能对象.png"/>
-          <p:cNvPicPr>
-            <a:picLocks noChangeAspect="1"/>
-          </p:cNvPicPr>
-          <p:nvPr/>
-        </p:nvPicPr>
-        <p:blipFill>
-          <a:blip r:embed="rId4" cstate="print"/>
-          <a:stretch>
-            <a:fillRect/>
-          </a:stretch>
-        </p:blipFill>
-        <p:spPr>
-          <a:xfrm>
-            <a:off x="8244408" y="288032"/>
-            <a:ext cx="487504" cy="349205"/>
-          </a:xfrm>
-          <a:prstGeom prst="rect">
-            <a:avLst/>
-          </a:prstGeom>
-        </p:spPr>
-      </p:pic>
-      <p:graphicFrame>
-        <p:nvGraphicFramePr>
-          <p:cNvPr id="9" name="图示 8">
-            <a:extLst>
-              <a:ext uri="{FF2B5EF4-FFF2-40B4-BE49-F238E27FC236}">
-                <a16:creationId xmlns:a16="http://schemas.microsoft.com/office/drawing/2014/main" id="{1805759F-5D1F-4B0F-A342-79AC01B8BB66}"/>
-              </a:ext>
-            </a:extLst>
-          </p:cNvPr>
-          <p:cNvGraphicFramePr/>
-          <p:nvPr>
-            <p:extLst>
-              <p:ext uri="{D42A27DB-BD31-4B8C-83A1-F6EECF244321}">
-                <p14:modId xmlns:p14="http://schemas.microsoft.com/office/powerpoint/2010/main" val="1087310875"/>
-              </p:ext>
-            </p:extLst>
-          </p:nvPr>
-        </p:nvGraphicFramePr>
-        <p:xfrm>
-          <a:off x="1475656" y="1347614"/>
-          <a:ext cx="5064224" cy="2608064"/>
-        </p:xfrm>
-        <a:graphic>
-          <a:graphicData uri="http://schemas.openxmlformats.org/drawingml/2006/diagram">
-            <dgm:relIds xmlns:dgm="http://schemas.openxmlformats.org/drawingml/2006/diagram" xmlns:r="http://schemas.openxmlformats.org/officeDocument/2006/relationships" r:dm="rId5" r:lo="rId6" r:qs="rId7" r:cs="rId8"/>
-          </a:graphicData>
-        </a:graphic>
-      </p:graphicFrame>
-    </p:spTree>
-  </p:cSld>
-  <p:clrMapOvr>
-    <a:masterClrMapping/>
-  </p:clrMapOvr>
-</p:sld>
-</file>
-
-<file path=ppt/slides/slide20.xml><?xml version="1.0" encoding="utf-8"?>
-<p:sld xmlns:a="http://schemas.openxmlformats.org/drawingml/2006/main" xmlns:r="http://schemas.openxmlformats.org/officeDocument/2006/relationships" xmlns:p="http://schemas.openxmlformats.org/presentationml/2006/main">
-  <p:cSld>
-    <p:spTree>
-      <p:nvGrpSpPr>
-        <p:cNvPr id="1" name=""/>
-        <p:cNvGrpSpPr/>
-        <p:nvPr/>
-      </p:nvGrpSpPr>
-      <p:grpSpPr>
-        <a:xfrm>
-          <a:off x="0" y="0"/>
-          <a:ext cx="0" cy="0"/>
-          <a:chOff x="0" y="0"/>
-          <a:chExt cx="0" cy="0"/>
-        </a:xfrm>
-      </p:grpSpPr>
       <p:sp>
         <p:nvSpPr>
           <p:cNvPr id="5" name="TextBox 4"/>
@@ -13715,7 +17644,7 @@
             </a:r>
             <a:r>
               <a:rPr lang="zh-CN" altLang="en-US" sz="2000" i="1" dirty="0"/>
-              <a:t>属性注入（</a:t>
+              <a:t>接口注入（</a:t>
             </a:r>
             <a:r>
               <a:rPr lang="en-US" altLang="zh-CN" sz="2000" i="1" dirty="0"/>
@@ -13850,7 +17779,263 @@
 </p:sld>
 </file>
 
-<file path=ppt/slides/slide21.xml><?xml version="1.0" encoding="utf-8"?>
+<file path=ppt/slides/slide3.xml><?xml version="1.0" encoding="utf-8"?>
+<p:sld xmlns:a="http://schemas.openxmlformats.org/drawingml/2006/main" xmlns:r="http://schemas.openxmlformats.org/officeDocument/2006/relationships" xmlns:p="http://schemas.openxmlformats.org/presentationml/2006/main">
+  <p:cSld>
+    <p:spTree>
+      <p:nvGrpSpPr>
+        <p:cNvPr id="1" name=""/>
+        <p:cNvGrpSpPr/>
+        <p:nvPr/>
+      </p:nvGrpSpPr>
+      <p:grpSpPr>
+        <a:xfrm>
+          <a:off x="0" y="0"/>
+          <a:ext cx="0" cy="0"/>
+          <a:chOff x="0" y="0"/>
+          <a:chExt cx="0" cy="0"/>
+        </a:xfrm>
+      </p:grpSpPr>
+      <p:sp>
+        <p:nvSpPr>
+          <p:cNvPr id="5" name="TextBox 4"/>
+          <p:cNvSpPr txBox="1"/>
+          <p:nvPr/>
+        </p:nvSpPr>
+        <p:spPr>
+          <a:xfrm>
+            <a:off x="611560" y="411510"/>
+            <a:ext cx="4680520" cy="400110"/>
+          </a:xfrm>
+          <a:prstGeom prst="rect">
+            <a:avLst/>
+          </a:prstGeom>
+          <a:noFill/>
+        </p:spPr>
+        <p:txBody>
+          <a:bodyPr wrap="square" rtlCol="0">
+            <a:spAutoFit/>
+          </a:bodyPr>
+          <a:lstStyle/>
+          <a:p>
+            <a:r>
+              <a:rPr lang="zh-CN" altLang="en-US" sz="2000" b="1" i="1" dirty="0"/>
+              <a:t>一、什么是依赖注入？</a:t>
+            </a:r>
+            <a:endParaRPr lang="zh-CN" altLang="en-US" sz="2000" b="1" dirty="0">
+              <a:latin typeface="微软雅黑" pitchFamily="34" charset="-122"/>
+              <a:ea typeface="微软雅黑" pitchFamily="34" charset="-122"/>
+            </a:endParaRPr>
+          </a:p>
+        </p:txBody>
+      </p:sp>
+      <p:pic>
+        <p:nvPicPr>
+          <p:cNvPr id="6" name="图片 5" descr="矢量智能对象.png"/>
+          <p:cNvPicPr>
+            <a:picLocks noChangeAspect="1"/>
+          </p:cNvPicPr>
+          <p:nvPr/>
+        </p:nvPicPr>
+        <p:blipFill>
+          <a:blip r:embed="rId4" cstate="print"/>
+          <a:stretch>
+            <a:fillRect/>
+          </a:stretch>
+        </p:blipFill>
+        <p:spPr>
+          <a:xfrm>
+            <a:off x="8244408" y="288032"/>
+            <a:ext cx="487504" cy="349205"/>
+          </a:xfrm>
+          <a:prstGeom prst="rect">
+            <a:avLst/>
+          </a:prstGeom>
+        </p:spPr>
+      </p:pic>
+      <p:pic>
+        <p:nvPicPr>
+          <p:cNvPr id="8" name="图片 7" descr="矢量智能对象.png"/>
+          <p:cNvPicPr>
+            <a:picLocks noChangeAspect="1"/>
+          </p:cNvPicPr>
+          <p:nvPr/>
+        </p:nvPicPr>
+        <p:blipFill>
+          <a:blip r:embed="rId5" cstate="print"/>
+          <a:stretch>
+            <a:fillRect/>
+          </a:stretch>
+        </p:blipFill>
+        <p:spPr>
+          <a:xfrm>
+            <a:off x="0" y="4659982"/>
+            <a:ext cx="9144000" cy="504056"/>
+          </a:xfrm>
+          <a:prstGeom prst="rect">
+            <a:avLst/>
+          </a:prstGeom>
+        </p:spPr>
+      </p:pic>
+      <p:sp>
+        <p:nvSpPr>
+          <p:cNvPr id="9" name="TextBox 8"/>
+          <p:cNvSpPr txBox="1"/>
+          <p:nvPr/>
+        </p:nvSpPr>
+        <p:spPr>
+          <a:xfrm>
+            <a:off x="611560" y="1489305"/>
+            <a:ext cx="6192688" cy="584775"/>
+          </a:xfrm>
+          <a:prstGeom prst="rect">
+            <a:avLst/>
+          </a:prstGeom>
+          <a:noFill/>
+        </p:spPr>
+        <p:txBody>
+          <a:bodyPr wrap="square" rtlCol="0">
+            <a:spAutoFit/>
+          </a:bodyPr>
+          <a:lstStyle/>
+          <a:p>
+            <a:pPr>
+              <a:buFont typeface="Wingdings" panose="05000000000000000000" pitchFamily="2" charset="2"/>
+              <a:buChar char="Ø"/>
+            </a:pPr>
+            <a:r>
+              <a:rPr lang="zh-CN" altLang="en-US" sz="1600" dirty="0"/>
+              <a:t>在说起</a:t>
+            </a:r>
+            <a:r>
+              <a:rPr lang="en-US" altLang="zh-CN" sz="1600" dirty="0"/>
+              <a:t>DI</a:t>
+            </a:r>
+            <a:r>
+              <a:rPr lang="zh-CN" altLang="en-US" sz="1600" dirty="0"/>
+              <a:t>之前，先提一个周所周知的设计原则</a:t>
+            </a:r>
+            <a:r>
+              <a:rPr lang="en-US" altLang="zh-CN" sz="1600" dirty="0"/>
+              <a:t>------</a:t>
+            </a:r>
+            <a:r>
+              <a:rPr lang="zh-CN" altLang="en-US" sz="1600" dirty="0">
+                <a:solidFill>
+                  <a:srgbClr val="FF0000"/>
+                </a:solidFill>
+              </a:rPr>
+              <a:t>控制反转</a:t>
+            </a:r>
+            <a:r>
+              <a:rPr lang="zh-CN" altLang="en-US" sz="1600" dirty="0"/>
+              <a:t>（</a:t>
+            </a:r>
+            <a:r>
+              <a:rPr lang="en-US" altLang="zh-CN" sz="1600" dirty="0"/>
+              <a:t> </a:t>
+            </a:r>
+            <a:r>
+              <a:rPr lang="en-US" altLang="zh-CN" sz="1600" dirty="0">
+                <a:solidFill>
+                  <a:srgbClr val="FF0000"/>
+                </a:solidFill>
+              </a:rPr>
+              <a:t>IOC</a:t>
+            </a:r>
+            <a:r>
+              <a:rPr lang="en-US" altLang="zh-CN" sz="1600" dirty="0"/>
+              <a:t> </a:t>
+            </a:r>
+            <a:r>
+              <a:rPr lang="zh-CN" altLang="en-US" sz="1600" dirty="0"/>
+              <a:t>）</a:t>
+            </a:r>
+            <a:endParaRPr lang="en-US" altLang="zh-CN" sz="1600" dirty="0"/>
+          </a:p>
+          <a:p>
+            <a:endParaRPr lang="en-US" altLang="zh-CN" sz="1600" dirty="0"/>
+          </a:p>
+        </p:txBody>
+      </p:sp>
+      <p:pic>
+        <p:nvPicPr>
+          <p:cNvPr id="7" name="图片 6">
+            <a:extLst>
+              <a:ext uri="{FF2B5EF4-FFF2-40B4-BE49-F238E27FC236}">
+                <a16:creationId xmlns:a16="http://schemas.microsoft.com/office/drawing/2014/main" id="{6186BFAD-F7A8-4FAF-985C-BD89CC449AFF}"/>
+              </a:ext>
+            </a:extLst>
+          </p:cNvPr>
+          <p:cNvPicPr>
+            <a:picLocks noChangeAspect="1"/>
+          </p:cNvPicPr>
+          <p:nvPr>
+            <p:custDataLst>
+              <p:custData r:id="rId1"/>
+            </p:custDataLst>
+          </p:nvPr>
+        </p:nvPicPr>
+        <p:blipFill>
+          <a:blip r:embed="rId6"/>
+          <a:stretch>
+            <a:fillRect/>
+          </a:stretch>
+        </p:blipFill>
+        <p:spPr>
+          <a:xfrm>
+            <a:off x="970082" y="1800460"/>
+            <a:ext cx="5475644" cy="1902609"/>
+          </a:xfrm>
+          <a:prstGeom prst="rect">
+            <a:avLst/>
+          </a:prstGeom>
+        </p:spPr>
+      </p:pic>
+      <p:sp>
+        <p:nvSpPr>
+          <p:cNvPr id="10" name="文本框 9">
+            <a:extLst>
+              <a:ext uri="{FF2B5EF4-FFF2-40B4-BE49-F238E27FC236}">
+                <a16:creationId xmlns:a16="http://schemas.microsoft.com/office/drawing/2014/main" id="{D9BA84A6-F3F6-4D52-B136-0519B4EA43AD}"/>
+              </a:ext>
+            </a:extLst>
+          </p:cNvPr>
+          <p:cNvSpPr txBox="1"/>
+          <p:nvPr/>
+        </p:nvSpPr>
+        <p:spPr>
+          <a:xfrm>
+            <a:off x="3131840" y="3703069"/>
+            <a:ext cx="1152128" cy="215444"/>
+          </a:xfrm>
+          <a:prstGeom prst="rect">
+            <a:avLst/>
+          </a:prstGeom>
+          <a:noFill/>
+        </p:spPr>
+        <p:txBody>
+          <a:bodyPr wrap="square" rtlCol="0">
+            <a:spAutoFit/>
+          </a:bodyPr>
+          <a:lstStyle/>
+          <a:p>
+            <a:r>
+              <a:rPr lang="zh-CN" altLang="en-US" sz="800" dirty="0"/>
+              <a:t>图片截取自百度百科</a:t>
+            </a:r>
+          </a:p>
+        </p:txBody>
+      </p:sp>
+    </p:spTree>
+  </p:cSld>
+  <p:clrMapOvr>
+    <a:masterClrMapping/>
+  </p:clrMapOvr>
+</p:sld>
+</file>
+
+<file path=ppt/slides/slide30.xml><?xml version="1.0" encoding="utf-8"?>
 <p:sld xmlns:a="http://schemas.openxmlformats.org/drawingml/2006/main" xmlns:r="http://schemas.openxmlformats.org/officeDocument/2006/relationships" xmlns:p="http://schemas.openxmlformats.org/presentationml/2006/main">
   <p:cSld>
     <p:spTree>
@@ -14034,7 +18219,7 @@
 </p:sld>
 </file>
 
-<file path=ppt/slides/slide22.xml><?xml version="1.0" encoding="utf-8"?>
+<file path=ppt/slides/slide31.xml><?xml version="1.0" encoding="utf-8"?>
 <p:sld xmlns:a="http://schemas.openxmlformats.org/drawingml/2006/main" xmlns:r="http://schemas.openxmlformats.org/officeDocument/2006/relationships" xmlns:p="http://schemas.openxmlformats.org/presentationml/2006/main">
   <p:cSld>
     <p:spTree>
@@ -14075,11 +18260,11 @@
           <a:p>
             <a:r>
               <a:rPr lang="en-US" altLang="zh-CN" sz="2000" i="1" dirty="0"/>
-              <a:t>3.Dependence </a:t>
+              <a:t>2.2 </a:t>
             </a:r>
             <a:r>
               <a:rPr lang="en-US" altLang="zh-CN" sz="2000" i="1" dirty="0" err="1"/>
-              <a:t>LookUp</a:t>
+              <a:t>IServiceProvider.GetService</a:t>
             </a:r>
             <a:endParaRPr lang="zh-CN" altLang="en-US" sz="2000" b="1" dirty="0">
               <a:latin typeface="微软雅黑" pitchFamily="34" charset="-122"/>
@@ -14145,7 +18330,7 @@
         <p:spPr>
           <a:xfrm>
             <a:off x="611560" y="1489305"/>
-            <a:ext cx="6192688" cy="1077218"/>
+            <a:ext cx="6192688" cy="1569660"/>
           </a:xfrm>
           <a:prstGeom prst="rect">
             <a:avLst/>
@@ -14158,67 +18343,159 @@
           </a:bodyPr>
           <a:lstStyle/>
           <a:p>
-            <a:pPr>
-              <a:buFont typeface="Wingdings" panose="05000000000000000000" pitchFamily="2" charset="2"/>
-              <a:buChar char="Ø"/>
-            </a:pPr>
-            <a:r>
-              <a:rPr lang="zh-CN" altLang="en-US" sz="1600" dirty="0"/>
-              <a:t>这是内容</a:t>
-            </a:r>
-            <a:r>
-              <a:rPr lang="en-US" altLang="zh-CN" sz="1600" dirty="0"/>
-              <a:t>1</a:t>
-            </a:r>
-          </a:p>
-          <a:p>
-            <a:pPr>
-              <a:buFont typeface="Wingdings" panose="05000000000000000000" pitchFamily="2" charset="2"/>
-              <a:buChar char="Ø"/>
-            </a:pPr>
-            <a:r>
-              <a:rPr lang="zh-CN" altLang="en-US" sz="1600" b="1" dirty="0"/>
-              <a:t>这是内容</a:t>
-            </a:r>
-            <a:r>
-              <a:rPr lang="en-US" altLang="zh-CN" sz="1600" b="1" dirty="0"/>
-              <a:t>2</a:t>
-            </a:r>
-          </a:p>
-          <a:p>
-            <a:pPr>
-              <a:buFont typeface="Wingdings" panose="05000000000000000000" pitchFamily="2" charset="2"/>
-              <a:buChar char="Ø"/>
-            </a:pPr>
-            <a:r>
-              <a:rPr lang="zh-CN" altLang="en-US" sz="1600" b="1" dirty="0"/>
-              <a:t>这是内容</a:t>
-            </a:r>
-            <a:r>
-              <a:rPr lang="en-US" altLang="zh-CN" sz="1600" b="1" dirty="0"/>
-              <a:t>3</a:t>
-            </a:r>
-          </a:p>
-          <a:p>
-            <a:pPr>
-              <a:buFont typeface="Wingdings" panose="05000000000000000000" pitchFamily="2" charset="2"/>
-              <a:buChar char="Ø"/>
-            </a:pPr>
-            <a:r>
-              <a:rPr lang="zh-CN" altLang="en-US" sz="1600" b="1" dirty="0"/>
-              <a:t>这是内容</a:t>
-            </a:r>
-            <a:r>
-              <a:rPr lang="en-US" altLang="zh-CN" sz="1600" b="1" dirty="0"/>
-              <a:t>4</a:t>
-            </a:r>
+            <a:r>
+              <a:rPr lang="zh-CN" altLang="en-US" sz="1200" dirty="0"/>
+              <a:t>当业务中，类中仅有部分方法需要使用到某个对象的实例的，可以采用</a:t>
+            </a:r>
+            <a:r>
+              <a:rPr lang="en-US" altLang="zh-CN" sz="1200" dirty="0"/>
+              <a:t>IOC</a:t>
+            </a:r>
+            <a:r>
+              <a:rPr lang="zh-CN" altLang="en-US" sz="1200" dirty="0"/>
+              <a:t>容器提供</a:t>
+            </a:r>
+            <a:r>
+              <a:rPr lang="en-US" altLang="zh-CN" sz="1200" dirty="0" err="1"/>
+              <a:t>IServiceProvider</a:t>
+            </a:r>
+            <a:r>
+              <a:rPr lang="zh-CN" altLang="en-US" sz="1200" dirty="0"/>
+              <a:t>对象的</a:t>
+            </a:r>
+            <a:r>
+              <a:rPr lang="en-US" altLang="zh-CN" sz="1200" dirty="0" err="1"/>
+              <a:t>GetService</a:t>
+            </a:r>
+            <a:r>
+              <a:rPr lang="zh-CN" altLang="en-US" sz="1200" dirty="0"/>
+              <a:t>方法去获取。</a:t>
+            </a:r>
+            <a:endParaRPr lang="en-US" altLang="zh-CN" sz="1200" dirty="0"/>
+          </a:p>
+          <a:p>
+            <a:endParaRPr lang="en-US" altLang="zh-CN" sz="1200" dirty="0"/>
+          </a:p>
+          <a:p>
+            <a:r>
+              <a:rPr lang="en-US" altLang="zh-CN" sz="1200" dirty="0"/>
+              <a:t>ASP.NET Core</a:t>
+            </a:r>
+            <a:r>
+              <a:rPr lang="zh-CN" altLang="en-US" sz="1200" dirty="0"/>
+              <a:t>的依赖注入框架其实很简单，其中仅仅涉及</a:t>
+            </a:r>
+            <a:r>
+              <a:rPr lang="en-US" altLang="zh-CN" sz="1200" dirty="0" err="1"/>
+              <a:t>ServiceCollection</a:t>
+            </a:r>
+            <a:r>
+              <a:rPr lang="zh-CN" altLang="en-US" sz="1200" dirty="0"/>
+              <a:t>和</a:t>
+            </a:r>
+            <a:r>
+              <a:rPr lang="en-US" altLang="zh-CN" sz="1200" dirty="0" err="1"/>
+              <a:t>ServiceProvider</a:t>
+            </a:r>
+            <a:r>
+              <a:rPr lang="zh-CN" altLang="en-US" sz="1200" dirty="0"/>
+              <a:t>这两个核心对象。我们预先将服务描述信息注册到</a:t>
+            </a:r>
+            <a:r>
+              <a:rPr lang="en-US" altLang="zh-CN" sz="1200" dirty="0" err="1"/>
+              <a:t>ServiceCollection</a:t>
+            </a:r>
+            <a:r>
+              <a:rPr lang="zh-CN" altLang="en-US" sz="1200" dirty="0"/>
+              <a:t>之上，然后利用</a:t>
+            </a:r>
+            <a:r>
+              <a:rPr lang="en-US" altLang="zh-CN" sz="1200" dirty="0" err="1"/>
+              <a:t>ServiceCollection</a:t>
+            </a:r>
+            <a:r>
+              <a:rPr lang="zh-CN" altLang="en-US" sz="1200" dirty="0"/>
+              <a:t>来创建</a:t>
+            </a:r>
+            <a:r>
+              <a:rPr lang="en-US" altLang="zh-CN" sz="1200" dirty="0" err="1"/>
+              <a:t>ServiceProvider</a:t>
+            </a:r>
+            <a:r>
+              <a:rPr lang="zh-CN" altLang="en-US" sz="1200" dirty="0"/>
+              <a:t>，并最终利用后者根据指定的服务类型来提供对应的服务实例。</a:t>
+            </a:r>
+            <a:endParaRPr lang="en-US" altLang="zh-CN" sz="1200" dirty="0"/>
+          </a:p>
+          <a:p>
+            <a:endParaRPr lang="en-US" altLang="zh-CN" sz="1200" dirty="0"/>
           </a:p>
         </p:txBody>
       </p:sp>
+      <p:pic>
+        <p:nvPicPr>
+          <p:cNvPr id="3" name="图片 2">
+            <a:extLst>
+              <a:ext uri="{FF2B5EF4-FFF2-40B4-BE49-F238E27FC236}">
+                <a16:creationId xmlns:a16="http://schemas.microsoft.com/office/drawing/2014/main" id="{041DB2C5-D409-479B-87B2-95325E72F64F}"/>
+              </a:ext>
+            </a:extLst>
+          </p:cNvPr>
+          <p:cNvPicPr>
+            <a:picLocks noChangeAspect="1"/>
+          </p:cNvPicPr>
+          <p:nvPr/>
+        </p:nvPicPr>
+        <p:blipFill>
+          <a:blip r:embed="rId5"/>
+          <a:stretch>
+            <a:fillRect/>
+          </a:stretch>
+        </p:blipFill>
+        <p:spPr>
+          <a:xfrm>
+            <a:off x="1858373" y="2934326"/>
+            <a:ext cx="3847628" cy="219048"/>
+          </a:xfrm>
+          <a:prstGeom prst="rect">
+            <a:avLst/>
+          </a:prstGeom>
+        </p:spPr>
+      </p:pic>
+      <p:pic>
+        <p:nvPicPr>
+          <p:cNvPr id="4" name="图片 3">
+            <a:extLst>
+              <a:ext uri="{FF2B5EF4-FFF2-40B4-BE49-F238E27FC236}">
+                <a16:creationId xmlns:a16="http://schemas.microsoft.com/office/drawing/2014/main" id="{F37E941E-B426-4B28-B376-4C50947E08CF}"/>
+              </a:ext>
+            </a:extLst>
+          </p:cNvPr>
+          <p:cNvPicPr>
+            <a:picLocks noChangeAspect="1"/>
+          </p:cNvPicPr>
+          <p:nvPr/>
+        </p:nvPicPr>
+        <p:blipFill>
+          <a:blip r:embed="rId6"/>
+          <a:stretch>
+            <a:fillRect/>
+          </a:stretch>
+        </p:blipFill>
+        <p:spPr>
+          <a:xfrm>
+            <a:off x="1331640" y="3219822"/>
+            <a:ext cx="4901094" cy="1251343"/>
+          </a:xfrm>
+          <a:prstGeom prst="rect">
+            <a:avLst/>
+          </a:prstGeom>
+        </p:spPr>
+      </p:pic>
     </p:spTree>
     <p:extLst>
       <p:ext uri="{BB962C8B-B14F-4D97-AF65-F5344CB8AC3E}">
-        <p14:creationId xmlns:p14="http://schemas.microsoft.com/office/powerpoint/2010/main" val="1489934020"/>
+        <p14:creationId xmlns:p14="http://schemas.microsoft.com/office/powerpoint/2010/main" val="1131984180"/>
       </p:ext>
     </p:extLst>
   </p:cSld>
@@ -14228,7 +18505,7 @@
 </p:sld>
 </file>
 
-<file path=ppt/slides/slide23.xml><?xml version="1.0" encoding="utf-8"?>
+<file path=ppt/slides/slide32.xml><?xml version="1.0" encoding="utf-8"?>
 <p:sld xmlns:a="http://schemas.openxmlformats.org/drawingml/2006/main" xmlns:r="http://schemas.openxmlformats.org/officeDocument/2006/relationships" xmlns:p="http://schemas.openxmlformats.org/presentationml/2006/main">
   <p:cSld>
     <p:spTree>
@@ -14422,7 +18699,7 @@
 </p:sld>
 </file>
 
-<file path=ppt/slides/slide24.xml><?xml version="1.0" encoding="utf-8"?>
+<file path=ppt/slides/slide33.xml><?xml version="1.0" encoding="utf-8"?>
 <p:sld xmlns:a="http://schemas.openxmlformats.org/drawingml/2006/main" xmlns:r="http://schemas.openxmlformats.org/officeDocument/2006/relationships" xmlns:p="http://schemas.openxmlformats.org/presentationml/2006/main">
   <p:cSld>
     <p:spTree>
@@ -14462,8 +18739,12 @@
           <a:lstStyle/>
           <a:p>
             <a:r>
-              <a:rPr lang="zh-CN" altLang="en-US" sz="2000" dirty="0"/>
-              <a:t>总结</a:t>
+              <a:rPr lang="en-US" altLang="zh-CN" sz="2000" i="1" dirty="0"/>
+              <a:t>3.Dependence </a:t>
+            </a:r>
+            <a:r>
+              <a:rPr lang="en-US" altLang="zh-CN" sz="2000" i="1" dirty="0" err="1"/>
+              <a:t>LookUp</a:t>
             </a:r>
             <a:endParaRPr lang="zh-CN" altLang="en-US" sz="2000" b="1" dirty="0">
               <a:latin typeface="微软雅黑" pitchFamily="34" charset="-122"/>
@@ -14528,6 +18809,196 @@
         </p:nvSpPr>
         <p:spPr>
           <a:xfrm>
+            <a:off x="611560" y="1489305"/>
+            <a:ext cx="6192688" cy="1077218"/>
+          </a:xfrm>
+          <a:prstGeom prst="rect">
+            <a:avLst/>
+          </a:prstGeom>
+          <a:noFill/>
+        </p:spPr>
+        <p:txBody>
+          <a:bodyPr wrap="square" rtlCol="0">
+            <a:spAutoFit/>
+          </a:bodyPr>
+          <a:lstStyle/>
+          <a:p>
+            <a:pPr>
+              <a:buFont typeface="Wingdings" panose="05000000000000000000" pitchFamily="2" charset="2"/>
+              <a:buChar char="Ø"/>
+            </a:pPr>
+            <a:r>
+              <a:rPr lang="zh-CN" altLang="en-US" sz="1600" dirty="0"/>
+              <a:t>这是内容</a:t>
+            </a:r>
+            <a:r>
+              <a:rPr lang="en-US" altLang="zh-CN" sz="1600" dirty="0"/>
+              <a:t>1</a:t>
+            </a:r>
+          </a:p>
+          <a:p>
+            <a:pPr>
+              <a:buFont typeface="Wingdings" panose="05000000000000000000" pitchFamily="2" charset="2"/>
+              <a:buChar char="Ø"/>
+            </a:pPr>
+            <a:r>
+              <a:rPr lang="zh-CN" altLang="en-US" sz="1600" b="1" dirty="0"/>
+              <a:t>这是内容</a:t>
+            </a:r>
+            <a:r>
+              <a:rPr lang="en-US" altLang="zh-CN" sz="1600" b="1" dirty="0"/>
+              <a:t>2</a:t>
+            </a:r>
+          </a:p>
+          <a:p>
+            <a:pPr>
+              <a:buFont typeface="Wingdings" panose="05000000000000000000" pitchFamily="2" charset="2"/>
+              <a:buChar char="Ø"/>
+            </a:pPr>
+            <a:r>
+              <a:rPr lang="zh-CN" altLang="en-US" sz="1600" b="1" dirty="0"/>
+              <a:t>这是内容</a:t>
+            </a:r>
+            <a:r>
+              <a:rPr lang="en-US" altLang="zh-CN" sz="1600" b="1" dirty="0"/>
+              <a:t>3</a:t>
+            </a:r>
+          </a:p>
+          <a:p>
+            <a:pPr>
+              <a:buFont typeface="Wingdings" panose="05000000000000000000" pitchFamily="2" charset="2"/>
+              <a:buChar char="Ø"/>
+            </a:pPr>
+            <a:r>
+              <a:rPr lang="zh-CN" altLang="en-US" sz="1600" b="1" dirty="0"/>
+              <a:t>这是内容</a:t>
+            </a:r>
+            <a:r>
+              <a:rPr lang="en-US" altLang="zh-CN" sz="1600" b="1" dirty="0"/>
+              <a:t>4</a:t>
+            </a:r>
+          </a:p>
+        </p:txBody>
+      </p:sp>
+    </p:spTree>
+    <p:extLst>
+      <p:ext uri="{BB962C8B-B14F-4D97-AF65-F5344CB8AC3E}">
+        <p14:creationId xmlns:p14="http://schemas.microsoft.com/office/powerpoint/2010/main" val="1489934020"/>
+      </p:ext>
+    </p:extLst>
+  </p:cSld>
+  <p:clrMapOvr>
+    <a:masterClrMapping/>
+  </p:clrMapOvr>
+</p:sld>
+</file>
+
+<file path=ppt/slides/slide34.xml><?xml version="1.0" encoding="utf-8"?>
+<p:sld xmlns:a="http://schemas.openxmlformats.org/drawingml/2006/main" xmlns:r="http://schemas.openxmlformats.org/officeDocument/2006/relationships" xmlns:p="http://schemas.openxmlformats.org/presentationml/2006/main">
+  <p:cSld>
+    <p:spTree>
+      <p:nvGrpSpPr>
+        <p:cNvPr id="1" name=""/>
+        <p:cNvGrpSpPr/>
+        <p:nvPr/>
+      </p:nvGrpSpPr>
+      <p:grpSpPr>
+        <a:xfrm>
+          <a:off x="0" y="0"/>
+          <a:ext cx="0" cy="0"/>
+          <a:chOff x="0" y="0"/>
+          <a:chExt cx="0" cy="0"/>
+        </a:xfrm>
+      </p:grpSpPr>
+      <p:sp>
+        <p:nvSpPr>
+          <p:cNvPr id="5" name="TextBox 4"/>
+          <p:cNvSpPr txBox="1"/>
+          <p:nvPr/>
+        </p:nvSpPr>
+        <p:spPr>
+          <a:xfrm>
+            <a:off x="611560" y="411510"/>
+            <a:ext cx="4680520" cy="400110"/>
+          </a:xfrm>
+          <a:prstGeom prst="rect">
+            <a:avLst/>
+          </a:prstGeom>
+          <a:noFill/>
+        </p:spPr>
+        <p:txBody>
+          <a:bodyPr wrap="square" rtlCol="0">
+            <a:spAutoFit/>
+          </a:bodyPr>
+          <a:lstStyle/>
+          <a:p>
+            <a:r>
+              <a:rPr lang="zh-CN" altLang="en-US" sz="2000" dirty="0"/>
+              <a:t>总结</a:t>
+            </a:r>
+            <a:endParaRPr lang="zh-CN" altLang="en-US" sz="2000" b="1" dirty="0">
+              <a:latin typeface="微软雅黑" pitchFamily="34" charset="-122"/>
+              <a:ea typeface="微软雅黑" pitchFamily="34" charset="-122"/>
+            </a:endParaRPr>
+          </a:p>
+        </p:txBody>
+      </p:sp>
+      <p:pic>
+        <p:nvPicPr>
+          <p:cNvPr id="6" name="图片 5" descr="矢量智能对象.png"/>
+          <p:cNvPicPr>
+            <a:picLocks noChangeAspect="1"/>
+          </p:cNvPicPr>
+          <p:nvPr/>
+        </p:nvPicPr>
+        <p:blipFill>
+          <a:blip r:embed="rId3" cstate="print"/>
+          <a:stretch>
+            <a:fillRect/>
+          </a:stretch>
+        </p:blipFill>
+        <p:spPr>
+          <a:xfrm>
+            <a:off x="8244408" y="288032"/>
+            <a:ext cx="487504" cy="349205"/>
+          </a:xfrm>
+          <a:prstGeom prst="rect">
+            <a:avLst/>
+          </a:prstGeom>
+        </p:spPr>
+      </p:pic>
+      <p:pic>
+        <p:nvPicPr>
+          <p:cNvPr id="8" name="图片 7" descr="矢量智能对象.png"/>
+          <p:cNvPicPr>
+            <a:picLocks noChangeAspect="1"/>
+          </p:cNvPicPr>
+          <p:nvPr/>
+        </p:nvPicPr>
+        <p:blipFill>
+          <a:blip r:embed="rId4" cstate="print"/>
+          <a:stretch>
+            <a:fillRect/>
+          </a:stretch>
+        </p:blipFill>
+        <p:spPr>
+          <a:xfrm>
+            <a:off x="0" y="4659982"/>
+            <a:ext cx="9144000" cy="504056"/>
+          </a:xfrm>
+          <a:prstGeom prst="rect">
+            <a:avLst/>
+          </a:prstGeom>
+        </p:spPr>
+      </p:pic>
+      <p:sp>
+        <p:nvSpPr>
+          <p:cNvPr id="9" name="TextBox 8"/>
+          <p:cNvSpPr txBox="1"/>
+          <p:nvPr/>
+        </p:nvSpPr>
+        <p:spPr>
+          <a:xfrm>
             <a:off x="611560" y="1326344"/>
             <a:ext cx="6912768" cy="1323439"/>
           </a:xfrm>
@@ -14607,7 +19078,7 @@
 </p:sld>
 </file>
 
-<file path=ppt/slides/slide25.xml><?xml version="1.0" encoding="utf-8"?>
+<file path=ppt/slides/slide35.xml><?xml version="1.0" encoding="utf-8"?>
 <p:sld xmlns:a="http://schemas.openxmlformats.org/drawingml/2006/main" xmlns:r="http://schemas.openxmlformats.org/officeDocument/2006/relationships" xmlns:p="http://schemas.openxmlformats.org/presentationml/2006/main">
   <p:cSld>
     <p:spTree>
@@ -14811,262 +19282,6 @@
 </p:sld>
 </file>
 
-<file path=ppt/slides/slide3.xml><?xml version="1.0" encoding="utf-8"?>
-<p:sld xmlns:a="http://schemas.openxmlformats.org/drawingml/2006/main" xmlns:r="http://schemas.openxmlformats.org/officeDocument/2006/relationships" xmlns:p="http://schemas.openxmlformats.org/presentationml/2006/main">
-  <p:cSld>
-    <p:spTree>
-      <p:nvGrpSpPr>
-        <p:cNvPr id="1" name=""/>
-        <p:cNvGrpSpPr/>
-        <p:nvPr/>
-      </p:nvGrpSpPr>
-      <p:grpSpPr>
-        <a:xfrm>
-          <a:off x="0" y="0"/>
-          <a:ext cx="0" cy="0"/>
-          <a:chOff x="0" y="0"/>
-          <a:chExt cx="0" cy="0"/>
-        </a:xfrm>
-      </p:grpSpPr>
-      <p:sp>
-        <p:nvSpPr>
-          <p:cNvPr id="5" name="TextBox 4"/>
-          <p:cNvSpPr txBox="1"/>
-          <p:nvPr/>
-        </p:nvSpPr>
-        <p:spPr>
-          <a:xfrm>
-            <a:off x="611560" y="411510"/>
-            <a:ext cx="4680520" cy="400110"/>
-          </a:xfrm>
-          <a:prstGeom prst="rect">
-            <a:avLst/>
-          </a:prstGeom>
-          <a:noFill/>
-        </p:spPr>
-        <p:txBody>
-          <a:bodyPr wrap="square" rtlCol="0">
-            <a:spAutoFit/>
-          </a:bodyPr>
-          <a:lstStyle/>
-          <a:p>
-            <a:r>
-              <a:rPr lang="zh-CN" altLang="en-US" sz="2000" b="1" i="1" dirty="0"/>
-              <a:t>一、什么是依赖注入？</a:t>
-            </a:r>
-            <a:endParaRPr lang="zh-CN" altLang="en-US" sz="2000" b="1" dirty="0">
-              <a:latin typeface="微软雅黑" pitchFamily="34" charset="-122"/>
-              <a:ea typeface="微软雅黑" pitchFamily="34" charset="-122"/>
-            </a:endParaRPr>
-          </a:p>
-        </p:txBody>
-      </p:sp>
-      <p:pic>
-        <p:nvPicPr>
-          <p:cNvPr id="6" name="图片 5" descr="矢量智能对象.png"/>
-          <p:cNvPicPr>
-            <a:picLocks noChangeAspect="1"/>
-          </p:cNvPicPr>
-          <p:nvPr/>
-        </p:nvPicPr>
-        <p:blipFill>
-          <a:blip r:embed="rId4" cstate="print"/>
-          <a:stretch>
-            <a:fillRect/>
-          </a:stretch>
-        </p:blipFill>
-        <p:spPr>
-          <a:xfrm>
-            <a:off x="8244408" y="288032"/>
-            <a:ext cx="487504" cy="349205"/>
-          </a:xfrm>
-          <a:prstGeom prst="rect">
-            <a:avLst/>
-          </a:prstGeom>
-        </p:spPr>
-      </p:pic>
-      <p:pic>
-        <p:nvPicPr>
-          <p:cNvPr id="8" name="图片 7" descr="矢量智能对象.png"/>
-          <p:cNvPicPr>
-            <a:picLocks noChangeAspect="1"/>
-          </p:cNvPicPr>
-          <p:nvPr/>
-        </p:nvPicPr>
-        <p:blipFill>
-          <a:blip r:embed="rId5" cstate="print"/>
-          <a:stretch>
-            <a:fillRect/>
-          </a:stretch>
-        </p:blipFill>
-        <p:spPr>
-          <a:xfrm>
-            <a:off x="0" y="4659982"/>
-            <a:ext cx="9144000" cy="504056"/>
-          </a:xfrm>
-          <a:prstGeom prst="rect">
-            <a:avLst/>
-          </a:prstGeom>
-        </p:spPr>
-      </p:pic>
-      <p:sp>
-        <p:nvSpPr>
-          <p:cNvPr id="9" name="TextBox 8"/>
-          <p:cNvSpPr txBox="1"/>
-          <p:nvPr/>
-        </p:nvSpPr>
-        <p:spPr>
-          <a:xfrm>
-            <a:off x="611560" y="1489305"/>
-            <a:ext cx="6192688" cy="584775"/>
-          </a:xfrm>
-          <a:prstGeom prst="rect">
-            <a:avLst/>
-          </a:prstGeom>
-          <a:noFill/>
-        </p:spPr>
-        <p:txBody>
-          <a:bodyPr wrap="square" rtlCol="0">
-            <a:spAutoFit/>
-          </a:bodyPr>
-          <a:lstStyle/>
-          <a:p>
-            <a:pPr>
-              <a:buFont typeface="Wingdings" panose="05000000000000000000" pitchFamily="2" charset="2"/>
-              <a:buChar char="Ø"/>
-            </a:pPr>
-            <a:r>
-              <a:rPr lang="zh-CN" altLang="en-US" sz="1600" dirty="0"/>
-              <a:t>在说起</a:t>
-            </a:r>
-            <a:r>
-              <a:rPr lang="en-US" altLang="zh-CN" sz="1600" dirty="0"/>
-              <a:t>DI</a:t>
-            </a:r>
-            <a:r>
-              <a:rPr lang="zh-CN" altLang="en-US" sz="1600" dirty="0"/>
-              <a:t>之前，先提一个周所周知的设计原则</a:t>
-            </a:r>
-            <a:r>
-              <a:rPr lang="en-US" altLang="zh-CN" sz="1600" dirty="0"/>
-              <a:t>------</a:t>
-            </a:r>
-            <a:r>
-              <a:rPr lang="zh-CN" altLang="en-US" sz="1600" dirty="0">
-                <a:solidFill>
-                  <a:srgbClr val="FF0000"/>
-                </a:solidFill>
-              </a:rPr>
-              <a:t>控制反转</a:t>
-            </a:r>
-            <a:r>
-              <a:rPr lang="zh-CN" altLang="en-US" sz="1600" dirty="0"/>
-              <a:t>（</a:t>
-            </a:r>
-            <a:r>
-              <a:rPr lang="en-US" altLang="zh-CN" sz="1600" dirty="0"/>
-              <a:t> </a:t>
-            </a:r>
-            <a:r>
-              <a:rPr lang="en-US" altLang="zh-CN" sz="1600" dirty="0">
-                <a:solidFill>
-                  <a:srgbClr val="FF0000"/>
-                </a:solidFill>
-              </a:rPr>
-              <a:t>IOC</a:t>
-            </a:r>
-            <a:r>
-              <a:rPr lang="en-US" altLang="zh-CN" sz="1600" dirty="0"/>
-              <a:t> </a:t>
-            </a:r>
-            <a:r>
-              <a:rPr lang="zh-CN" altLang="en-US" sz="1600" dirty="0"/>
-              <a:t>）</a:t>
-            </a:r>
-            <a:endParaRPr lang="en-US" altLang="zh-CN" sz="1600" dirty="0"/>
-          </a:p>
-          <a:p>
-            <a:endParaRPr lang="en-US" altLang="zh-CN" sz="1600" dirty="0"/>
-          </a:p>
-        </p:txBody>
-      </p:sp>
-      <p:pic>
-        <p:nvPicPr>
-          <p:cNvPr id="7" name="图片 6">
-            <a:extLst>
-              <a:ext uri="{FF2B5EF4-FFF2-40B4-BE49-F238E27FC236}">
-                <a16:creationId xmlns:a16="http://schemas.microsoft.com/office/drawing/2014/main" id="{6186BFAD-F7A8-4FAF-985C-BD89CC449AFF}"/>
-              </a:ext>
-            </a:extLst>
-          </p:cNvPr>
-          <p:cNvPicPr>
-            <a:picLocks noChangeAspect="1"/>
-          </p:cNvPicPr>
-          <p:nvPr>
-            <p:custDataLst>
-              <p:custData r:id="rId1"/>
-            </p:custDataLst>
-          </p:nvPr>
-        </p:nvPicPr>
-        <p:blipFill>
-          <a:blip r:embed="rId6"/>
-          <a:stretch>
-            <a:fillRect/>
-          </a:stretch>
-        </p:blipFill>
-        <p:spPr>
-          <a:xfrm>
-            <a:off x="970082" y="1800460"/>
-            <a:ext cx="5475644" cy="1902609"/>
-          </a:xfrm>
-          <a:prstGeom prst="rect">
-            <a:avLst/>
-          </a:prstGeom>
-        </p:spPr>
-      </p:pic>
-      <p:sp>
-        <p:nvSpPr>
-          <p:cNvPr id="10" name="文本框 9">
-            <a:extLst>
-              <a:ext uri="{FF2B5EF4-FFF2-40B4-BE49-F238E27FC236}">
-                <a16:creationId xmlns:a16="http://schemas.microsoft.com/office/drawing/2014/main" id="{D9BA84A6-F3F6-4D52-B136-0519B4EA43AD}"/>
-              </a:ext>
-            </a:extLst>
-          </p:cNvPr>
-          <p:cNvSpPr txBox="1"/>
-          <p:nvPr/>
-        </p:nvSpPr>
-        <p:spPr>
-          <a:xfrm>
-            <a:off x="3131840" y="3703069"/>
-            <a:ext cx="1152128" cy="215444"/>
-          </a:xfrm>
-          <a:prstGeom prst="rect">
-            <a:avLst/>
-          </a:prstGeom>
-          <a:noFill/>
-        </p:spPr>
-        <p:txBody>
-          <a:bodyPr wrap="square" rtlCol="0">
-            <a:spAutoFit/>
-          </a:bodyPr>
-          <a:lstStyle/>
-          <a:p>
-            <a:r>
-              <a:rPr lang="zh-CN" altLang="en-US" sz="800" dirty="0"/>
-              <a:t>图片截取自百度百科</a:t>
-            </a:r>
-          </a:p>
-        </p:txBody>
-      </p:sp>
-    </p:spTree>
-  </p:cSld>
-  <p:clrMapOvr>
-    <a:masterClrMapping/>
-  </p:clrMapOvr>
-</p:sld>
-</file>
-
 <file path=ppt/slides/slide4.xml><?xml version="1.0" encoding="utf-8"?>
 <p:sld xmlns:a="http://schemas.openxmlformats.org/drawingml/2006/main" xmlns:r="http://schemas.openxmlformats.org/officeDocument/2006/relationships" xmlns:p="http://schemas.openxmlformats.org/presentationml/2006/main">
   <p:cSld>
@@ -15313,7 +19528,7 @@
         </p:blipFill>
         <p:spPr bwMode="auto">
           <a:xfrm>
-            <a:off x="611560" y="3075806"/>
+            <a:off x="808152" y="3144042"/>
             <a:ext cx="2050404" cy="1232648"/>
           </a:xfrm>
           <a:prstGeom prst="rect">
@@ -15378,6 +19593,86 @@
           </a:extLst>
         </p:spPr>
       </p:pic>
+      <p:sp>
+        <p:nvSpPr>
+          <p:cNvPr id="2" name="文本框 1">
+            <a:extLst>
+              <a:ext uri="{FF2B5EF4-FFF2-40B4-BE49-F238E27FC236}">
+                <a16:creationId xmlns:a16="http://schemas.microsoft.com/office/drawing/2014/main" id="{E6B4FA10-6EB3-475D-B95C-524BB4857F18}"/>
+              </a:ext>
+            </a:extLst>
+          </p:cNvPr>
+          <p:cNvSpPr txBox="1"/>
+          <p:nvPr/>
+        </p:nvSpPr>
+        <p:spPr>
+          <a:xfrm>
+            <a:off x="1636761" y="4444538"/>
+            <a:ext cx="393185" cy="215444"/>
+          </a:xfrm>
+          <a:prstGeom prst="rect">
+            <a:avLst/>
+          </a:prstGeom>
+          <a:noFill/>
+        </p:spPr>
+        <p:txBody>
+          <a:bodyPr wrap="square" rtlCol="0">
+            <a:spAutoFit/>
+          </a:bodyPr>
+          <a:lstStyle/>
+          <a:p>
+            <a:r>
+              <a:rPr lang="zh-CN" altLang="en-US" sz="800" dirty="0"/>
+              <a:t>图</a:t>
+            </a:r>
+            <a:r>
+              <a:rPr lang="en-US" altLang="zh-CN" sz="800" dirty="0"/>
+              <a:t>1</a:t>
+            </a:r>
+            <a:endParaRPr lang="zh-CN" altLang="en-US" sz="800" dirty="0"/>
+          </a:p>
+        </p:txBody>
+      </p:sp>
+      <p:sp>
+        <p:nvSpPr>
+          <p:cNvPr id="10" name="文本框 9">
+            <a:extLst>
+              <a:ext uri="{FF2B5EF4-FFF2-40B4-BE49-F238E27FC236}">
+                <a16:creationId xmlns:a16="http://schemas.microsoft.com/office/drawing/2014/main" id="{D6F7D9B5-2365-4A96-8684-B3D18DCDC516}"/>
+              </a:ext>
+            </a:extLst>
+          </p:cNvPr>
+          <p:cNvSpPr txBox="1"/>
+          <p:nvPr/>
+        </p:nvSpPr>
+        <p:spPr>
+          <a:xfrm>
+            <a:off x="5400474" y="4444538"/>
+            <a:ext cx="393185" cy="215444"/>
+          </a:xfrm>
+          <a:prstGeom prst="rect">
+            <a:avLst/>
+          </a:prstGeom>
+          <a:noFill/>
+        </p:spPr>
+        <p:txBody>
+          <a:bodyPr wrap="square" rtlCol="0">
+            <a:spAutoFit/>
+          </a:bodyPr>
+          <a:lstStyle/>
+          <a:p>
+            <a:r>
+              <a:rPr lang="zh-CN" altLang="en-US" sz="800" dirty="0"/>
+              <a:t>图</a:t>
+            </a:r>
+            <a:r>
+              <a:rPr lang="en-US" altLang="zh-CN" sz="800" dirty="0"/>
+              <a:t>2</a:t>
+            </a:r>
+            <a:endParaRPr lang="zh-CN" altLang="en-US" sz="800" dirty="0"/>
+          </a:p>
+        </p:txBody>
+      </p:sp>
     </p:spTree>
     <p:extLst>
       <p:ext uri="{BB962C8B-B14F-4D97-AF65-F5344CB8AC3E}">
@@ -16630,8 +20925,8 @@
         </p:nvSpPr>
         <p:spPr>
           <a:xfrm>
-            <a:off x="611560" y="1489305"/>
-            <a:ext cx="6192688" cy="1077218"/>
+            <a:off x="611560" y="1140635"/>
+            <a:ext cx="6192688" cy="2554545"/>
           </a:xfrm>
           <a:prstGeom prst="rect">
             <a:avLst/>
@@ -16650,12 +20945,20 @@
             </a:pPr>
             <a:r>
               <a:rPr lang="zh-CN" altLang="en-US" sz="1600" dirty="0"/>
-              <a:t>这是内容</a:t>
+              <a:t>以电脑和</a:t>
             </a:r>
             <a:r>
               <a:rPr lang="en-US" altLang="zh-CN" sz="1600" dirty="0"/>
-              <a:t>1</a:t>
-            </a:r>
+              <a:t>USB</a:t>
+            </a:r>
+            <a:r>
+              <a:rPr lang="zh-CN" altLang="en-US" sz="1600" dirty="0"/>
+              <a:t>设备为例：</a:t>
+            </a:r>
+            <a:endParaRPr lang="en-US" altLang="zh-CN" sz="1600" dirty="0"/>
+          </a:p>
+          <a:p>
+            <a:endParaRPr lang="en-US" altLang="zh-CN" sz="1600" dirty="0"/>
           </a:p>
           <a:p>
             <a:pPr>
@@ -16663,44 +20966,221 @@
               <a:buChar char="Ø"/>
             </a:pPr>
             <a:r>
-              <a:rPr lang="zh-CN" altLang="en-US" sz="1600" b="1" dirty="0"/>
-              <a:t>这是内容</a:t>
-            </a:r>
-            <a:r>
-              <a:rPr lang="en-US" altLang="zh-CN" sz="1600" b="1" dirty="0"/>
-              <a:t>2</a:t>
-            </a:r>
-          </a:p>
-          <a:p>
-            <a:pPr>
-              <a:buFont typeface="Wingdings" panose="05000000000000000000" pitchFamily="2" charset="2"/>
-              <a:buChar char="Ø"/>
-            </a:pPr>
-            <a:r>
-              <a:rPr lang="zh-CN" altLang="en-US" sz="1600" b="1" dirty="0"/>
-              <a:t>这是内容</a:t>
-            </a:r>
-            <a:r>
-              <a:rPr lang="en-US" altLang="zh-CN" sz="1600" b="1" dirty="0"/>
-              <a:t>3</a:t>
-            </a:r>
-          </a:p>
-          <a:p>
-            <a:pPr>
-              <a:buFont typeface="Wingdings" panose="05000000000000000000" pitchFamily="2" charset="2"/>
-              <a:buChar char="Ø"/>
-            </a:pPr>
-            <a:r>
-              <a:rPr lang="zh-CN" altLang="en-US" sz="1600" b="1" dirty="0"/>
-              <a:t>这是内容</a:t>
-            </a:r>
-            <a:r>
-              <a:rPr lang="en-US" altLang="zh-CN" sz="1600" b="1" dirty="0"/>
-              <a:t>4</a:t>
-            </a:r>
+              <a:rPr lang="en-US" altLang="zh-CN" sz="1600" dirty="0"/>
+              <a:t>USB</a:t>
+            </a:r>
+            <a:r>
+              <a:rPr lang="zh-CN" altLang="en-US" sz="1600" dirty="0"/>
+              <a:t>设备作为电脑主机的外部设备，在插入主机之前，</a:t>
+            </a:r>
+            <a:endParaRPr lang="en-US" altLang="zh-CN" sz="1600" dirty="0"/>
+          </a:p>
+          <a:p>
+            <a:r>
+              <a:rPr lang="zh-CN" altLang="en-US" sz="1600" dirty="0"/>
+              <a:t>与电脑主机没有任何的关系，只有被我们连接在一起之后，两者才发生联系，具有相关性。所以，无论两者中的任何</a:t>
+            </a:r>
+            <a:endParaRPr lang="en-US" altLang="zh-CN" sz="1600" dirty="0"/>
+          </a:p>
+          <a:p>
+            <a:r>
+              <a:rPr lang="zh-CN" altLang="en-US" sz="1600" dirty="0"/>
+              <a:t>一方出现什么的问题，都不会影响另一方的运行。这种特</a:t>
+            </a:r>
+            <a:endParaRPr lang="en-US" altLang="zh-CN" sz="1600" dirty="0"/>
+          </a:p>
+          <a:p>
+            <a:r>
+              <a:rPr lang="zh-CN" altLang="en-US" sz="1600" dirty="0"/>
+              <a:t>性体现在软件工程中，就是</a:t>
+            </a:r>
+            <a:r>
+              <a:rPr lang="zh-CN" altLang="en-US" sz="1600" dirty="0">
+                <a:solidFill>
+                  <a:srgbClr val="FF0000"/>
+                </a:solidFill>
+              </a:rPr>
+              <a:t>可维护性</a:t>
+            </a:r>
+            <a:r>
+              <a:rPr lang="zh-CN" altLang="en-US" sz="1600" dirty="0"/>
+              <a:t>比较好，非常便于进行单元测试，便于调试程序和诊断故障。代码中的每一个</a:t>
+            </a:r>
+            <a:r>
+              <a:rPr lang="en-US" altLang="zh-CN" sz="1600" dirty="0"/>
+              <a:t>Class</a:t>
+            </a:r>
+            <a:r>
+              <a:rPr lang="zh-CN" altLang="en-US" sz="1600" dirty="0"/>
+              <a:t>都可以单独测试，彼此之间互不影响，只要保证自身的功能无误即可，这就是组件之间</a:t>
+            </a:r>
+            <a:r>
+              <a:rPr lang="zh-CN" altLang="en-US" sz="1600" dirty="0">
+                <a:solidFill>
+                  <a:srgbClr val="FF0000"/>
+                </a:solidFill>
+              </a:rPr>
+              <a:t>低耦合</a:t>
+            </a:r>
+            <a:r>
+              <a:rPr lang="zh-CN" altLang="en-US" sz="1600" dirty="0"/>
+              <a:t>或者</a:t>
+            </a:r>
+            <a:r>
+              <a:rPr lang="zh-CN" altLang="en-US" sz="1600" dirty="0">
+                <a:solidFill>
+                  <a:srgbClr val="FF0000"/>
+                </a:solidFill>
+              </a:rPr>
+              <a:t>无耦合</a:t>
+            </a:r>
+            <a:r>
+              <a:rPr lang="zh-CN" altLang="en-US" sz="1600" dirty="0"/>
+              <a:t>带来的好处。</a:t>
+            </a:r>
+            <a:endParaRPr lang="en-US" altLang="zh-CN" sz="1600" b="1" dirty="0"/>
           </a:p>
         </p:txBody>
       </p:sp>
+      <p:pic>
+        <p:nvPicPr>
+          <p:cNvPr id="9220" name="Picture 4">
+            <a:extLst>
+              <a:ext uri="{FF2B5EF4-FFF2-40B4-BE49-F238E27FC236}">
+                <a16:creationId xmlns:a16="http://schemas.microsoft.com/office/drawing/2014/main" id="{D242BD59-433E-424E-B43B-92F0B322F3BB}"/>
+              </a:ext>
+            </a:extLst>
+          </p:cNvPr>
+          <p:cNvPicPr>
+            <a:picLocks noChangeAspect="1" noChangeArrowheads="1"/>
+          </p:cNvPicPr>
+          <p:nvPr/>
+        </p:nvPicPr>
+        <p:blipFill rotWithShape="1">
+          <a:blip r:embed="rId5">
+            <a:extLst>
+              <a:ext uri="{28A0092B-C50C-407E-A947-70E740481C1C}">
+                <a14:useLocalDpi xmlns:a14="http://schemas.microsoft.com/office/drawing/2010/main" val="0"/>
+              </a:ext>
+            </a:extLst>
+          </a:blip>
+          <a:srcRect b="35354"/>
+          <a:stretch/>
+        </p:blipFill>
+        <p:spPr bwMode="auto">
+          <a:xfrm>
+            <a:off x="6452065" y="808289"/>
+            <a:ext cx="2376264" cy="1152128"/>
+          </a:xfrm>
+          <a:prstGeom prst="rect">
+            <a:avLst/>
+          </a:prstGeom>
+          <a:noFill/>
+          <a:extLst>
+            <a:ext uri="{909E8E84-426E-40DD-AFC4-6F175D3DCCD1}">
+              <a14:hiddenFill xmlns:a14="http://schemas.microsoft.com/office/drawing/2010/main">
+                <a:solidFill>
+                  <a:srgbClr val="FFFFFF"/>
+                </a:solidFill>
+              </a14:hiddenFill>
+            </a:ext>
+          </a:extLst>
+        </p:spPr>
+      </p:pic>
+      <p:pic>
+        <p:nvPicPr>
+          <p:cNvPr id="9224" name="Picture 8">
+            <a:extLst>
+              <a:ext uri="{FF2B5EF4-FFF2-40B4-BE49-F238E27FC236}">
+                <a16:creationId xmlns:a16="http://schemas.microsoft.com/office/drawing/2014/main" id="{EDD00C9A-9F4A-41ED-9822-EB6BBAAD4F08}"/>
+              </a:ext>
+            </a:extLst>
+          </p:cNvPr>
+          <p:cNvPicPr>
+            <a:picLocks noChangeAspect="1" noChangeArrowheads="1"/>
+          </p:cNvPicPr>
+          <p:nvPr/>
+        </p:nvPicPr>
+        <p:blipFill>
+          <a:blip r:embed="rId6" cstate="print">
+            <a:extLst>
+              <a:ext uri="{28A0092B-C50C-407E-A947-70E740481C1C}">
+                <a14:useLocalDpi xmlns:a14="http://schemas.microsoft.com/office/drawing/2010/main" val="0"/>
+              </a:ext>
+            </a:extLst>
+          </a:blip>
+          <a:srcRect/>
+          <a:stretch>
+            <a:fillRect/>
+          </a:stretch>
+        </p:blipFill>
+        <p:spPr bwMode="auto">
+          <a:xfrm>
+            <a:off x="4499992" y="3671286"/>
+            <a:ext cx="941090" cy="705818"/>
+          </a:xfrm>
+          <a:prstGeom prst="rect">
+            <a:avLst/>
+          </a:prstGeom>
+          <a:noFill/>
+          <a:extLst>
+            <a:ext uri="{909E8E84-426E-40DD-AFC4-6F175D3DCCD1}">
+              <a14:hiddenFill xmlns:a14="http://schemas.microsoft.com/office/drawing/2010/main">
+                <a:solidFill>
+                  <a:srgbClr val="FFFFFF"/>
+                </a:solidFill>
+              </a14:hiddenFill>
+            </a:ext>
+          </a:extLst>
+        </p:spPr>
+      </p:pic>
+      <p:pic>
+        <p:nvPicPr>
+          <p:cNvPr id="9228" name="Picture 12">
+            <a:extLst>
+              <a:ext uri="{FF2B5EF4-FFF2-40B4-BE49-F238E27FC236}">
+                <a16:creationId xmlns:a16="http://schemas.microsoft.com/office/drawing/2014/main" id="{DAA3656F-F6E0-4FD1-B1B9-2CF465D144AC}"/>
+              </a:ext>
+            </a:extLst>
+          </p:cNvPr>
+          <p:cNvPicPr>
+            <a:picLocks noChangeAspect="1" noChangeArrowheads="1"/>
+          </p:cNvPicPr>
+          <p:nvPr/>
+        </p:nvPicPr>
+        <p:blipFill>
+          <a:blip r:embed="rId7" cstate="print">
+            <a:extLst>
+              <a:ext uri="{28A0092B-C50C-407E-A947-70E740481C1C}">
+                <a14:useLocalDpi xmlns:a14="http://schemas.microsoft.com/office/drawing/2010/main" val="0"/>
+              </a:ext>
+            </a:extLst>
+          </a:blip>
+          <a:srcRect/>
+          <a:stretch>
+            <a:fillRect/>
+          </a:stretch>
+        </p:blipFill>
+        <p:spPr bwMode="auto">
+          <a:xfrm>
+            <a:off x="6954143" y="3379062"/>
+            <a:ext cx="1290265" cy="1290265"/>
+          </a:xfrm>
+          <a:prstGeom prst="rect">
+            <a:avLst/>
+          </a:prstGeom>
+          <a:noFill/>
+          <a:extLst>
+            <a:ext uri="{909E8E84-426E-40DD-AFC4-6F175D3DCCD1}">
+              <a14:hiddenFill xmlns:a14="http://schemas.microsoft.com/office/drawing/2010/main">
+                <a:solidFill>
+                  <a:srgbClr val="FFFFFF"/>
+                </a:solidFill>
+              </a14:hiddenFill>
+            </a:ext>
+          </a:extLst>
+        </p:spPr>
+      </p:pic>
     </p:spTree>
     <p:extLst>
       <p:ext uri="{BB962C8B-B14F-4D97-AF65-F5344CB8AC3E}">

--- a/陈胡-依赖注入.pptx
+++ b/陈胡-依赖注入.pptx
@@ -5,7 +5,7 @@
     <p:sldMasterId id="2147483648" r:id="rId2"/>
   </p:sldMasterIdLst>
   <p:notesMasterIdLst>
-    <p:notesMasterId r:id="rId38"/>
+    <p:notesMasterId r:id="rId44"/>
   </p:notesMasterIdLst>
   <p:sldIdLst>
     <p:sldId id="259" r:id="rId3"/>
@@ -31,18 +31,24 @@
     <p:sldId id="316" r:id="rId23"/>
     <p:sldId id="294" r:id="rId24"/>
     <p:sldId id="313" r:id="rId25"/>
-    <p:sldId id="315" r:id="rId26"/>
-    <p:sldId id="306" r:id="rId27"/>
-    <p:sldId id="307" r:id="rId28"/>
-    <p:sldId id="308" r:id="rId29"/>
-    <p:sldId id="309" r:id="rId30"/>
-    <p:sldId id="311" r:id="rId31"/>
-    <p:sldId id="312" r:id="rId32"/>
-    <p:sldId id="314" r:id="rId33"/>
-    <p:sldId id="310" r:id="rId34"/>
-    <p:sldId id="305" r:id="rId35"/>
-    <p:sldId id="297" r:id="rId36"/>
-    <p:sldId id="296" r:id="rId37"/>
+    <p:sldId id="332" r:id="rId26"/>
+    <p:sldId id="315" r:id="rId27"/>
+    <p:sldId id="327" r:id="rId28"/>
+    <p:sldId id="328" r:id="rId29"/>
+    <p:sldId id="330" r:id="rId30"/>
+    <p:sldId id="326" r:id="rId31"/>
+    <p:sldId id="329" r:id="rId32"/>
+    <p:sldId id="331" r:id="rId33"/>
+    <p:sldId id="306" r:id="rId34"/>
+    <p:sldId id="307" r:id="rId35"/>
+    <p:sldId id="308" r:id="rId36"/>
+    <p:sldId id="309" r:id="rId37"/>
+    <p:sldId id="314" r:id="rId38"/>
+    <p:sldId id="312" r:id="rId39"/>
+    <p:sldId id="310" r:id="rId40"/>
+    <p:sldId id="305" r:id="rId41"/>
+    <p:sldId id="297" r:id="rId42"/>
+    <p:sldId id="296" r:id="rId43"/>
   </p:sldIdLst>
   <p:sldSz cx="9144000" cy="5143500" type="screen16x9"/>
   <p:notesSz cx="6858000" cy="9144000"/>
@@ -5866,7 +5872,7 @@
             <a:fld id="{70D98BF7-F0E5-4228-BC96-88A4E0E5E93B}" type="datetimeFigureOut">
               <a:rPr lang="zh-CN" altLang="en-US" smtClean="0"/>
               <a:pPr/>
-              <a:t>2019/9/25</a:t>
+              <a:t>2019/9/27</a:t>
             </a:fld>
             <a:endParaRPr lang="zh-CN" altLang="en-US"/>
           </a:p>
@@ -7503,7 +7509,7 @@
     </p:spTree>
     <p:extLst>
       <p:ext uri="{BB962C8B-B14F-4D97-AF65-F5344CB8AC3E}">
-        <p14:creationId xmlns:p14="http://schemas.microsoft.com/office/powerpoint/2010/main" val="1318173682"/>
+        <p14:creationId xmlns:p14="http://schemas.microsoft.com/office/powerpoint/2010/main" val="1679514037"/>
       </p:ext>
     </p:extLst>
   </p:cSld>
@@ -7590,7 +7596,7 @@
     </p:spTree>
     <p:extLst>
       <p:ext uri="{BB962C8B-B14F-4D97-AF65-F5344CB8AC3E}">
-        <p14:creationId xmlns:p14="http://schemas.microsoft.com/office/powerpoint/2010/main" val="2127459560"/>
+        <p14:creationId xmlns:p14="http://schemas.microsoft.com/office/powerpoint/2010/main" val="1318173682"/>
       </p:ext>
     </p:extLst>
   </p:cSld>
@@ -7677,7 +7683,7 @@
     </p:spTree>
     <p:extLst>
       <p:ext uri="{BB962C8B-B14F-4D97-AF65-F5344CB8AC3E}">
-        <p14:creationId xmlns:p14="http://schemas.microsoft.com/office/powerpoint/2010/main" val="431973939"/>
+        <p14:creationId xmlns:p14="http://schemas.microsoft.com/office/powerpoint/2010/main" val="535220440"/>
       </p:ext>
     </p:extLst>
   </p:cSld>
@@ -7764,7 +7770,7 @@
     </p:spTree>
     <p:extLst>
       <p:ext uri="{BB962C8B-B14F-4D97-AF65-F5344CB8AC3E}">
-        <p14:creationId xmlns:p14="http://schemas.microsoft.com/office/powerpoint/2010/main" val="1102433882"/>
+        <p14:creationId xmlns:p14="http://schemas.microsoft.com/office/powerpoint/2010/main" val="2589489907"/>
       </p:ext>
     </p:extLst>
   </p:cSld>
@@ -7851,7 +7857,7 @@
     </p:spTree>
     <p:extLst>
       <p:ext uri="{BB962C8B-B14F-4D97-AF65-F5344CB8AC3E}">
-        <p14:creationId xmlns:p14="http://schemas.microsoft.com/office/powerpoint/2010/main" val="27796999"/>
+        <p14:creationId xmlns:p14="http://schemas.microsoft.com/office/powerpoint/2010/main" val="1483232167"/>
       </p:ext>
     </p:extLst>
   </p:cSld>
@@ -7938,7 +7944,7 @@
     </p:spTree>
     <p:extLst>
       <p:ext uri="{BB962C8B-B14F-4D97-AF65-F5344CB8AC3E}">
-        <p14:creationId xmlns:p14="http://schemas.microsoft.com/office/powerpoint/2010/main" val="3517115572"/>
+        <p14:creationId xmlns:p14="http://schemas.microsoft.com/office/powerpoint/2010/main" val="2692171404"/>
       </p:ext>
     </p:extLst>
   </p:cSld>
@@ -8025,7 +8031,7 @@
     </p:spTree>
     <p:extLst>
       <p:ext uri="{BB962C8B-B14F-4D97-AF65-F5344CB8AC3E}">
-        <p14:creationId xmlns:p14="http://schemas.microsoft.com/office/powerpoint/2010/main" val="1067957535"/>
+        <p14:creationId xmlns:p14="http://schemas.microsoft.com/office/powerpoint/2010/main" val="536469097"/>
       </p:ext>
     </p:extLst>
   </p:cSld>
@@ -8199,7 +8205,7 @@
     </p:spTree>
     <p:extLst>
       <p:ext uri="{BB962C8B-B14F-4D97-AF65-F5344CB8AC3E}">
-        <p14:creationId xmlns:p14="http://schemas.microsoft.com/office/powerpoint/2010/main" val="3626445155"/>
+        <p14:creationId xmlns:p14="http://schemas.microsoft.com/office/powerpoint/2010/main" val="2361206418"/>
       </p:ext>
     </p:extLst>
   </p:cSld>
@@ -8286,7 +8292,7 @@
     </p:spTree>
     <p:extLst>
       <p:ext uri="{BB962C8B-B14F-4D97-AF65-F5344CB8AC3E}">
-        <p14:creationId xmlns:p14="http://schemas.microsoft.com/office/powerpoint/2010/main" val="458259864"/>
+        <p14:creationId xmlns:p14="http://schemas.microsoft.com/office/powerpoint/2010/main" val="2127459560"/>
       </p:ext>
     </p:extLst>
   </p:cSld>
@@ -8373,7 +8379,7 @@
     </p:spTree>
     <p:extLst>
       <p:ext uri="{BB962C8B-B14F-4D97-AF65-F5344CB8AC3E}">
-        <p14:creationId xmlns:p14="http://schemas.microsoft.com/office/powerpoint/2010/main" val="2411700645"/>
+        <p14:creationId xmlns:p14="http://schemas.microsoft.com/office/powerpoint/2010/main" val="431973939"/>
       </p:ext>
     </p:extLst>
   </p:cSld>
@@ -8460,7 +8466,7 @@
     </p:spTree>
     <p:extLst>
       <p:ext uri="{BB962C8B-B14F-4D97-AF65-F5344CB8AC3E}">
-        <p14:creationId xmlns:p14="http://schemas.microsoft.com/office/powerpoint/2010/main" val="1941325964"/>
+        <p14:creationId xmlns:p14="http://schemas.microsoft.com/office/powerpoint/2010/main" val="1102433882"/>
       </p:ext>
     </p:extLst>
   </p:cSld>
@@ -8547,7 +8553,442 @@
     </p:spTree>
     <p:extLst>
       <p:ext uri="{BB962C8B-B14F-4D97-AF65-F5344CB8AC3E}">
-        <p14:creationId xmlns:p14="http://schemas.microsoft.com/office/powerpoint/2010/main" val="3038968853"/>
+        <p14:creationId xmlns:p14="http://schemas.microsoft.com/office/powerpoint/2010/main" val="27796999"/>
+      </p:ext>
+    </p:extLst>
+  </p:cSld>
+  <p:clrMapOvr>
+    <a:masterClrMapping/>
+  </p:clrMapOvr>
+</p:notes>
+</file>
+
+<file path=ppt/notesSlides/notesSlide35.xml><?xml version="1.0" encoding="utf-8"?>
+<p:notes xmlns:a="http://schemas.openxmlformats.org/drawingml/2006/main" xmlns:r="http://schemas.openxmlformats.org/officeDocument/2006/relationships" xmlns:p="http://schemas.openxmlformats.org/presentationml/2006/main">
+  <p:cSld>
+    <p:spTree>
+      <p:nvGrpSpPr>
+        <p:cNvPr id="1" name=""/>
+        <p:cNvGrpSpPr/>
+        <p:nvPr/>
+      </p:nvGrpSpPr>
+      <p:grpSpPr>
+        <a:xfrm>
+          <a:off x="0" y="0"/>
+          <a:ext cx="0" cy="0"/>
+          <a:chOff x="0" y="0"/>
+          <a:chExt cx="0" cy="0"/>
+        </a:xfrm>
+      </p:grpSpPr>
+      <p:sp>
+        <p:nvSpPr>
+          <p:cNvPr id="2" name="幻灯片图像占位符 1"/>
+          <p:cNvSpPr>
+            <a:spLocks noGrp="1" noRot="1" noChangeAspect="1"/>
+          </p:cNvSpPr>
+          <p:nvPr>
+            <p:ph type="sldImg"/>
+          </p:nvPr>
+        </p:nvSpPr>
+        <p:spPr/>
+      </p:sp>
+      <p:sp>
+        <p:nvSpPr>
+          <p:cNvPr id="3" name="备注占位符 2"/>
+          <p:cNvSpPr>
+            <a:spLocks noGrp="1"/>
+          </p:cNvSpPr>
+          <p:nvPr>
+            <p:ph type="body" idx="1"/>
+          </p:nvPr>
+        </p:nvSpPr>
+        <p:spPr/>
+        <p:txBody>
+          <a:bodyPr>
+            <a:normAutofit/>
+          </a:bodyPr>
+          <a:lstStyle/>
+          <a:p>
+            <a:endParaRPr lang="zh-CN" altLang="en-US" dirty="0"/>
+          </a:p>
+        </p:txBody>
+      </p:sp>
+      <p:sp>
+        <p:nvSpPr>
+          <p:cNvPr id="4" name="灯片编号占位符 3"/>
+          <p:cNvSpPr>
+            <a:spLocks noGrp="1"/>
+          </p:cNvSpPr>
+          <p:nvPr>
+            <p:ph type="sldNum" sz="quarter" idx="10"/>
+          </p:nvPr>
+        </p:nvSpPr>
+        <p:spPr/>
+        <p:txBody>
+          <a:bodyPr/>
+          <a:lstStyle/>
+          <a:p>
+            <a:fld id="{ACD6729E-5092-4D53-B020-609A2D1F4FB8}" type="slidenum">
+              <a:rPr lang="zh-CN" altLang="en-US" smtClean="0"/>
+              <a:pPr/>
+              <a:t>36</a:t>
+            </a:fld>
+            <a:endParaRPr lang="zh-CN" altLang="en-US"/>
+          </a:p>
+        </p:txBody>
+      </p:sp>
+    </p:spTree>
+    <p:extLst>
+      <p:ext uri="{BB962C8B-B14F-4D97-AF65-F5344CB8AC3E}">
+        <p14:creationId xmlns:p14="http://schemas.microsoft.com/office/powerpoint/2010/main" val="3626445155"/>
+      </p:ext>
+    </p:extLst>
+  </p:cSld>
+  <p:clrMapOvr>
+    <a:masterClrMapping/>
+  </p:clrMapOvr>
+</p:notes>
+</file>
+
+<file path=ppt/notesSlides/notesSlide36.xml><?xml version="1.0" encoding="utf-8"?>
+<p:notes xmlns:a="http://schemas.openxmlformats.org/drawingml/2006/main" xmlns:r="http://schemas.openxmlformats.org/officeDocument/2006/relationships" xmlns:p="http://schemas.openxmlformats.org/presentationml/2006/main">
+  <p:cSld>
+    <p:spTree>
+      <p:nvGrpSpPr>
+        <p:cNvPr id="1" name=""/>
+        <p:cNvGrpSpPr/>
+        <p:nvPr/>
+      </p:nvGrpSpPr>
+      <p:grpSpPr>
+        <a:xfrm>
+          <a:off x="0" y="0"/>
+          <a:ext cx="0" cy="0"/>
+          <a:chOff x="0" y="0"/>
+          <a:chExt cx="0" cy="0"/>
+        </a:xfrm>
+      </p:grpSpPr>
+      <p:sp>
+        <p:nvSpPr>
+          <p:cNvPr id="2" name="幻灯片图像占位符 1"/>
+          <p:cNvSpPr>
+            <a:spLocks noGrp="1" noRot="1" noChangeAspect="1"/>
+          </p:cNvSpPr>
+          <p:nvPr>
+            <p:ph type="sldImg"/>
+          </p:nvPr>
+        </p:nvSpPr>
+        <p:spPr/>
+      </p:sp>
+      <p:sp>
+        <p:nvSpPr>
+          <p:cNvPr id="3" name="备注占位符 2"/>
+          <p:cNvSpPr>
+            <a:spLocks noGrp="1"/>
+          </p:cNvSpPr>
+          <p:nvPr>
+            <p:ph type="body" idx="1"/>
+          </p:nvPr>
+        </p:nvSpPr>
+        <p:spPr/>
+        <p:txBody>
+          <a:bodyPr>
+            <a:normAutofit/>
+          </a:bodyPr>
+          <a:lstStyle/>
+          <a:p>
+            <a:endParaRPr lang="zh-CN" altLang="en-US" dirty="0"/>
+          </a:p>
+        </p:txBody>
+      </p:sp>
+      <p:sp>
+        <p:nvSpPr>
+          <p:cNvPr id="4" name="灯片编号占位符 3"/>
+          <p:cNvSpPr>
+            <a:spLocks noGrp="1"/>
+          </p:cNvSpPr>
+          <p:nvPr>
+            <p:ph type="sldNum" sz="quarter" idx="10"/>
+          </p:nvPr>
+        </p:nvSpPr>
+        <p:spPr/>
+        <p:txBody>
+          <a:bodyPr/>
+          <a:lstStyle/>
+          <a:p>
+            <a:fld id="{ACD6729E-5092-4D53-B020-609A2D1F4FB8}" type="slidenum">
+              <a:rPr lang="zh-CN" altLang="en-US" smtClean="0"/>
+              <a:pPr/>
+              <a:t>37</a:t>
+            </a:fld>
+            <a:endParaRPr lang="zh-CN" altLang="en-US"/>
+          </a:p>
+        </p:txBody>
+      </p:sp>
+    </p:spTree>
+    <p:extLst>
+      <p:ext uri="{BB962C8B-B14F-4D97-AF65-F5344CB8AC3E}">
+        <p14:creationId xmlns:p14="http://schemas.microsoft.com/office/powerpoint/2010/main" val="1067957535"/>
+      </p:ext>
+    </p:extLst>
+  </p:cSld>
+  <p:clrMapOvr>
+    <a:masterClrMapping/>
+  </p:clrMapOvr>
+</p:notes>
+</file>
+
+<file path=ppt/notesSlides/notesSlide37.xml><?xml version="1.0" encoding="utf-8"?>
+<p:notes xmlns:a="http://schemas.openxmlformats.org/drawingml/2006/main" xmlns:r="http://schemas.openxmlformats.org/officeDocument/2006/relationships" xmlns:p="http://schemas.openxmlformats.org/presentationml/2006/main">
+  <p:cSld>
+    <p:spTree>
+      <p:nvGrpSpPr>
+        <p:cNvPr id="1" name=""/>
+        <p:cNvGrpSpPr/>
+        <p:nvPr/>
+      </p:nvGrpSpPr>
+      <p:grpSpPr>
+        <a:xfrm>
+          <a:off x="0" y="0"/>
+          <a:ext cx="0" cy="0"/>
+          <a:chOff x="0" y="0"/>
+          <a:chExt cx="0" cy="0"/>
+        </a:xfrm>
+      </p:grpSpPr>
+      <p:sp>
+        <p:nvSpPr>
+          <p:cNvPr id="2" name="幻灯片图像占位符 1"/>
+          <p:cNvSpPr>
+            <a:spLocks noGrp="1" noRot="1" noChangeAspect="1"/>
+          </p:cNvSpPr>
+          <p:nvPr>
+            <p:ph type="sldImg"/>
+          </p:nvPr>
+        </p:nvSpPr>
+        <p:spPr/>
+      </p:sp>
+      <p:sp>
+        <p:nvSpPr>
+          <p:cNvPr id="3" name="备注占位符 2"/>
+          <p:cNvSpPr>
+            <a:spLocks noGrp="1"/>
+          </p:cNvSpPr>
+          <p:nvPr>
+            <p:ph type="body" idx="1"/>
+          </p:nvPr>
+        </p:nvSpPr>
+        <p:spPr/>
+        <p:txBody>
+          <a:bodyPr>
+            <a:normAutofit/>
+          </a:bodyPr>
+          <a:lstStyle/>
+          <a:p>
+            <a:endParaRPr lang="zh-CN" altLang="en-US" dirty="0"/>
+          </a:p>
+        </p:txBody>
+      </p:sp>
+      <p:sp>
+        <p:nvSpPr>
+          <p:cNvPr id="4" name="灯片编号占位符 3"/>
+          <p:cNvSpPr>
+            <a:spLocks noGrp="1"/>
+          </p:cNvSpPr>
+          <p:nvPr>
+            <p:ph type="sldNum" sz="quarter" idx="10"/>
+          </p:nvPr>
+        </p:nvSpPr>
+        <p:spPr/>
+        <p:txBody>
+          <a:bodyPr/>
+          <a:lstStyle/>
+          <a:p>
+            <a:fld id="{ACD6729E-5092-4D53-B020-609A2D1F4FB8}" type="slidenum">
+              <a:rPr lang="zh-CN" altLang="en-US" smtClean="0"/>
+              <a:pPr/>
+              <a:t>38</a:t>
+            </a:fld>
+            <a:endParaRPr lang="zh-CN" altLang="en-US"/>
+          </a:p>
+        </p:txBody>
+      </p:sp>
+    </p:spTree>
+    <p:extLst>
+      <p:ext uri="{BB962C8B-B14F-4D97-AF65-F5344CB8AC3E}">
+        <p14:creationId xmlns:p14="http://schemas.microsoft.com/office/powerpoint/2010/main" val="458259864"/>
+      </p:ext>
+    </p:extLst>
+  </p:cSld>
+  <p:clrMapOvr>
+    <a:masterClrMapping/>
+  </p:clrMapOvr>
+</p:notes>
+</file>
+
+<file path=ppt/notesSlides/notesSlide38.xml><?xml version="1.0" encoding="utf-8"?>
+<p:notes xmlns:a="http://schemas.openxmlformats.org/drawingml/2006/main" xmlns:r="http://schemas.openxmlformats.org/officeDocument/2006/relationships" xmlns:p="http://schemas.openxmlformats.org/presentationml/2006/main">
+  <p:cSld>
+    <p:spTree>
+      <p:nvGrpSpPr>
+        <p:cNvPr id="1" name=""/>
+        <p:cNvGrpSpPr/>
+        <p:nvPr/>
+      </p:nvGrpSpPr>
+      <p:grpSpPr>
+        <a:xfrm>
+          <a:off x="0" y="0"/>
+          <a:ext cx="0" cy="0"/>
+          <a:chOff x="0" y="0"/>
+          <a:chExt cx="0" cy="0"/>
+        </a:xfrm>
+      </p:grpSpPr>
+      <p:sp>
+        <p:nvSpPr>
+          <p:cNvPr id="2" name="幻灯片图像占位符 1"/>
+          <p:cNvSpPr>
+            <a:spLocks noGrp="1" noRot="1" noChangeAspect="1"/>
+          </p:cNvSpPr>
+          <p:nvPr>
+            <p:ph type="sldImg"/>
+          </p:nvPr>
+        </p:nvSpPr>
+        <p:spPr/>
+      </p:sp>
+      <p:sp>
+        <p:nvSpPr>
+          <p:cNvPr id="3" name="备注占位符 2"/>
+          <p:cNvSpPr>
+            <a:spLocks noGrp="1"/>
+          </p:cNvSpPr>
+          <p:nvPr>
+            <p:ph type="body" idx="1"/>
+          </p:nvPr>
+        </p:nvSpPr>
+        <p:spPr/>
+        <p:txBody>
+          <a:bodyPr>
+            <a:normAutofit/>
+          </a:bodyPr>
+          <a:lstStyle/>
+          <a:p>
+            <a:endParaRPr lang="zh-CN" altLang="en-US" dirty="0"/>
+          </a:p>
+        </p:txBody>
+      </p:sp>
+      <p:sp>
+        <p:nvSpPr>
+          <p:cNvPr id="4" name="灯片编号占位符 3"/>
+          <p:cNvSpPr>
+            <a:spLocks noGrp="1"/>
+          </p:cNvSpPr>
+          <p:nvPr>
+            <p:ph type="sldNum" sz="quarter" idx="10"/>
+          </p:nvPr>
+        </p:nvSpPr>
+        <p:spPr/>
+        <p:txBody>
+          <a:bodyPr/>
+          <a:lstStyle/>
+          <a:p>
+            <a:fld id="{ACD6729E-5092-4D53-B020-609A2D1F4FB8}" type="slidenum">
+              <a:rPr lang="zh-CN" altLang="en-US" smtClean="0"/>
+              <a:pPr/>
+              <a:t>39</a:t>
+            </a:fld>
+            <a:endParaRPr lang="zh-CN" altLang="en-US"/>
+          </a:p>
+        </p:txBody>
+      </p:sp>
+    </p:spTree>
+    <p:extLst>
+      <p:ext uri="{BB962C8B-B14F-4D97-AF65-F5344CB8AC3E}">
+        <p14:creationId xmlns:p14="http://schemas.microsoft.com/office/powerpoint/2010/main" val="2411700645"/>
+      </p:ext>
+    </p:extLst>
+  </p:cSld>
+  <p:clrMapOvr>
+    <a:masterClrMapping/>
+  </p:clrMapOvr>
+</p:notes>
+</file>
+
+<file path=ppt/notesSlides/notesSlide39.xml><?xml version="1.0" encoding="utf-8"?>
+<p:notes xmlns:a="http://schemas.openxmlformats.org/drawingml/2006/main" xmlns:r="http://schemas.openxmlformats.org/officeDocument/2006/relationships" xmlns:p="http://schemas.openxmlformats.org/presentationml/2006/main">
+  <p:cSld>
+    <p:spTree>
+      <p:nvGrpSpPr>
+        <p:cNvPr id="1" name=""/>
+        <p:cNvGrpSpPr/>
+        <p:nvPr/>
+      </p:nvGrpSpPr>
+      <p:grpSpPr>
+        <a:xfrm>
+          <a:off x="0" y="0"/>
+          <a:ext cx="0" cy="0"/>
+          <a:chOff x="0" y="0"/>
+          <a:chExt cx="0" cy="0"/>
+        </a:xfrm>
+      </p:grpSpPr>
+      <p:sp>
+        <p:nvSpPr>
+          <p:cNvPr id="2" name="幻灯片图像占位符 1"/>
+          <p:cNvSpPr>
+            <a:spLocks noGrp="1" noRot="1" noChangeAspect="1"/>
+          </p:cNvSpPr>
+          <p:nvPr>
+            <p:ph type="sldImg"/>
+          </p:nvPr>
+        </p:nvSpPr>
+        <p:spPr/>
+      </p:sp>
+      <p:sp>
+        <p:nvSpPr>
+          <p:cNvPr id="3" name="备注占位符 2"/>
+          <p:cNvSpPr>
+            <a:spLocks noGrp="1"/>
+          </p:cNvSpPr>
+          <p:nvPr>
+            <p:ph type="body" idx="1"/>
+          </p:nvPr>
+        </p:nvSpPr>
+        <p:spPr/>
+        <p:txBody>
+          <a:bodyPr>
+            <a:normAutofit/>
+          </a:bodyPr>
+          <a:lstStyle/>
+          <a:p>
+            <a:endParaRPr lang="zh-CN" altLang="en-US" dirty="0"/>
+          </a:p>
+        </p:txBody>
+      </p:sp>
+      <p:sp>
+        <p:nvSpPr>
+          <p:cNvPr id="4" name="灯片编号占位符 3"/>
+          <p:cNvSpPr>
+            <a:spLocks noGrp="1"/>
+          </p:cNvSpPr>
+          <p:nvPr>
+            <p:ph type="sldNum" sz="quarter" idx="10"/>
+          </p:nvPr>
+        </p:nvSpPr>
+        <p:spPr/>
+        <p:txBody>
+          <a:bodyPr/>
+          <a:lstStyle/>
+          <a:p>
+            <a:fld id="{ACD6729E-5092-4D53-B020-609A2D1F4FB8}" type="slidenum">
+              <a:rPr lang="zh-CN" altLang="en-US" smtClean="0"/>
+              <a:pPr/>
+              <a:t>40</a:t>
+            </a:fld>
+            <a:endParaRPr lang="zh-CN" altLang="en-US"/>
+          </a:p>
+        </p:txBody>
+      </p:sp>
+    </p:spTree>
+    <p:extLst>
+      <p:ext uri="{BB962C8B-B14F-4D97-AF65-F5344CB8AC3E}">
+        <p14:creationId xmlns:p14="http://schemas.microsoft.com/office/powerpoint/2010/main" val="1941325964"/>
       </p:ext>
     </p:extLst>
   </p:cSld>
@@ -8635,6 +9076,93 @@
     <p:extLst>
       <p:ext uri="{BB962C8B-B14F-4D97-AF65-F5344CB8AC3E}">
         <p14:creationId xmlns:p14="http://schemas.microsoft.com/office/powerpoint/2010/main" val="3874301298"/>
+      </p:ext>
+    </p:extLst>
+  </p:cSld>
+  <p:clrMapOvr>
+    <a:masterClrMapping/>
+  </p:clrMapOvr>
+</p:notes>
+</file>
+
+<file path=ppt/notesSlides/notesSlide40.xml><?xml version="1.0" encoding="utf-8"?>
+<p:notes xmlns:a="http://schemas.openxmlformats.org/drawingml/2006/main" xmlns:r="http://schemas.openxmlformats.org/officeDocument/2006/relationships" xmlns:p="http://schemas.openxmlformats.org/presentationml/2006/main">
+  <p:cSld>
+    <p:spTree>
+      <p:nvGrpSpPr>
+        <p:cNvPr id="1" name=""/>
+        <p:cNvGrpSpPr/>
+        <p:nvPr/>
+      </p:nvGrpSpPr>
+      <p:grpSpPr>
+        <a:xfrm>
+          <a:off x="0" y="0"/>
+          <a:ext cx="0" cy="0"/>
+          <a:chOff x="0" y="0"/>
+          <a:chExt cx="0" cy="0"/>
+        </a:xfrm>
+      </p:grpSpPr>
+      <p:sp>
+        <p:nvSpPr>
+          <p:cNvPr id="2" name="幻灯片图像占位符 1"/>
+          <p:cNvSpPr>
+            <a:spLocks noGrp="1" noRot="1" noChangeAspect="1"/>
+          </p:cNvSpPr>
+          <p:nvPr>
+            <p:ph type="sldImg"/>
+          </p:nvPr>
+        </p:nvSpPr>
+        <p:spPr/>
+      </p:sp>
+      <p:sp>
+        <p:nvSpPr>
+          <p:cNvPr id="3" name="备注占位符 2"/>
+          <p:cNvSpPr>
+            <a:spLocks noGrp="1"/>
+          </p:cNvSpPr>
+          <p:nvPr>
+            <p:ph type="body" idx="1"/>
+          </p:nvPr>
+        </p:nvSpPr>
+        <p:spPr/>
+        <p:txBody>
+          <a:bodyPr>
+            <a:normAutofit/>
+          </a:bodyPr>
+          <a:lstStyle/>
+          <a:p>
+            <a:endParaRPr lang="zh-CN" altLang="en-US" dirty="0"/>
+          </a:p>
+        </p:txBody>
+      </p:sp>
+      <p:sp>
+        <p:nvSpPr>
+          <p:cNvPr id="4" name="灯片编号占位符 3"/>
+          <p:cNvSpPr>
+            <a:spLocks noGrp="1"/>
+          </p:cNvSpPr>
+          <p:nvPr>
+            <p:ph type="sldNum" sz="quarter" idx="10"/>
+          </p:nvPr>
+        </p:nvSpPr>
+        <p:spPr/>
+        <p:txBody>
+          <a:bodyPr/>
+          <a:lstStyle/>
+          <a:p>
+            <a:fld id="{ACD6729E-5092-4D53-B020-609A2D1F4FB8}" type="slidenum">
+              <a:rPr lang="zh-CN" altLang="en-US" smtClean="0"/>
+              <a:pPr/>
+              <a:t>41</a:t>
+            </a:fld>
+            <a:endParaRPr lang="zh-CN" altLang="en-US"/>
+          </a:p>
+        </p:txBody>
+      </p:sp>
+    </p:spTree>
+    <p:extLst>
+      <p:ext uri="{BB962C8B-B14F-4D97-AF65-F5344CB8AC3E}">
+        <p14:creationId xmlns:p14="http://schemas.microsoft.com/office/powerpoint/2010/main" val="3038968853"/>
       </p:ext>
     </p:extLst>
   </p:cSld>
@@ -9259,7 +9787,7 @@
             <a:fld id="{00E7D307-3337-4991-923A-28798266770A}" type="datetimeFigureOut">
               <a:rPr lang="zh-CN" altLang="en-US" smtClean="0"/>
               <a:pPr/>
-              <a:t>2019/9/25</a:t>
+              <a:t>2019/9/27</a:t>
             </a:fld>
             <a:endParaRPr lang="zh-CN" altLang="en-US"/>
           </a:p>
@@ -9424,7 +9952,7 @@
             <a:fld id="{00E7D307-3337-4991-923A-28798266770A}" type="datetimeFigureOut">
               <a:rPr lang="zh-CN" altLang="en-US" smtClean="0"/>
               <a:pPr/>
-              <a:t>2019/9/25</a:t>
+              <a:t>2019/9/27</a:t>
             </a:fld>
             <a:endParaRPr lang="zh-CN" altLang="en-US"/>
           </a:p>
@@ -9599,7 +10127,7 @@
             <a:fld id="{00E7D307-3337-4991-923A-28798266770A}" type="datetimeFigureOut">
               <a:rPr lang="zh-CN" altLang="en-US" smtClean="0"/>
               <a:pPr/>
-              <a:t>2019/9/25</a:t>
+              <a:t>2019/9/27</a:t>
             </a:fld>
             <a:endParaRPr lang="zh-CN" altLang="en-US"/>
           </a:p>
@@ -9764,7 +10292,7 @@
             <a:fld id="{00E7D307-3337-4991-923A-28798266770A}" type="datetimeFigureOut">
               <a:rPr lang="zh-CN" altLang="en-US" smtClean="0"/>
               <a:pPr/>
-              <a:t>2019/9/25</a:t>
+              <a:t>2019/9/27</a:t>
             </a:fld>
             <a:endParaRPr lang="zh-CN" altLang="en-US"/>
           </a:p>
@@ -10006,7 +10534,7 @@
             <a:fld id="{00E7D307-3337-4991-923A-28798266770A}" type="datetimeFigureOut">
               <a:rPr lang="zh-CN" altLang="en-US" smtClean="0"/>
               <a:pPr/>
-              <a:t>2019/9/25</a:t>
+              <a:t>2019/9/27</a:t>
             </a:fld>
             <a:endParaRPr lang="zh-CN" altLang="en-US"/>
           </a:p>
@@ -10288,7 +10816,7 @@
             <a:fld id="{00E7D307-3337-4991-923A-28798266770A}" type="datetimeFigureOut">
               <a:rPr lang="zh-CN" altLang="en-US" smtClean="0"/>
               <a:pPr/>
-              <a:t>2019/9/25</a:t>
+              <a:t>2019/9/27</a:t>
             </a:fld>
             <a:endParaRPr lang="zh-CN" altLang="en-US"/>
           </a:p>
@@ -10704,7 +11232,7 @@
             <a:fld id="{00E7D307-3337-4991-923A-28798266770A}" type="datetimeFigureOut">
               <a:rPr lang="zh-CN" altLang="en-US" smtClean="0"/>
               <a:pPr/>
-              <a:t>2019/9/25</a:t>
+              <a:t>2019/9/27</a:t>
             </a:fld>
             <a:endParaRPr lang="zh-CN" altLang="en-US"/>
           </a:p>
@@ -10818,7 +11346,7 @@
             <a:fld id="{00E7D307-3337-4991-923A-28798266770A}" type="datetimeFigureOut">
               <a:rPr lang="zh-CN" altLang="en-US" smtClean="0"/>
               <a:pPr/>
-              <a:t>2019/9/25</a:t>
+              <a:t>2019/9/27</a:t>
             </a:fld>
             <a:endParaRPr lang="zh-CN" altLang="en-US"/>
           </a:p>
@@ -10910,7 +11438,7 @@
             <a:fld id="{00E7D307-3337-4991-923A-28798266770A}" type="datetimeFigureOut">
               <a:rPr lang="zh-CN" altLang="en-US" smtClean="0"/>
               <a:pPr/>
-              <a:t>2019/9/25</a:t>
+              <a:t>2019/9/27</a:t>
             </a:fld>
             <a:endParaRPr lang="zh-CN" altLang="en-US"/>
           </a:p>
@@ -11182,7 +11710,7 @@
             <a:fld id="{00E7D307-3337-4991-923A-28798266770A}" type="datetimeFigureOut">
               <a:rPr lang="zh-CN" altLang="en-US" smtClean="0"/>
               <a:pPr/>
-              <a:t>2019/9/25</a:t>
+              <a:t>2019/9/27</a:t>
             </a:fld>
             <a:endParaRPr lang="zh-CN" altLang="en-US"/>
           </a:p>
@@ -11431,7 +11959,7 @@
             <a:fld id="{00E7D307-3337-4991-923A-28798266770A}" type="datetimeFigureOut">
               <a:rPr lang="zh-CN" altLang="en-US" smtClean="0"/>
               <a:pPr/>
-              <a:t>2019/9/25</a:t>
+              <a:t>2019/9/27</a:t>
             </a:fld>
             <a:endParaRPr lang="zh-CN" altLang="en-US"/>
           </a:p>
@@ -11639,7 +12167,7 @@
             <a:fld id="{00E7D307-3337-4991-923A-28798266770A}" type="datetimeFigureOut">
               <a:rPr lang="zh-CN" altLang="en-US" smtClean="0"/>
               <a:pPr/>
-              <a:t>2019/9/25</a:t>
+              <a:t>2019/9/27</a:t>
             </a:fld>
             <a:endParaRPr lang="zh-CN" altLang="en-US"/>
           </a:p>
@@ -12260,7 +12788,7 @@
         <p:spPr>
           <a:xfrm>
             <a:off x="611560" y="1140635"/>
-            <a:ext cx="6192688" cy="3046988"/>
+            <a:ext cx="6192688" cy="1938992"/>
           </a:xfrm>
           <a:prstGeom prst="rect">
             <a:avLst/>
@@ -12278,21 +12806,21 @@
               <a:buChar char="Ø"/>
             </a:pPr>
             <a:r>
-              <a:rPr lang="zh-CN" altLang="en-US" sz="1600" dirty="0"/>
+              <a:rPr lang="zh-CN" altLang="en-US" sz="1200" dirty="0"/>
               <a:t>还是以电脑和</a:t>
             </a:r>
             <a:r>
-              <a:rPr lang="en-US" altLang="zh-CN" sz="1600" dirty="0"/>
+              <a:rPr lang="en-US" altLang="zh-CN" sz="1200" dirty="0"/>
               <a:t>USB</a:t>
             </a:r>
             <a:r>
-              <a:rPr lang="zh-CN" altLang="en-US" sz="1600" dirty="0"/>
+              <a:rPr lang="zh-CN" altLang="en-US" sz="1200" dirty="0"/>
               <a:t>设备为例：</a:t>
             </a:r>
-            <a:endParaRPr lang="en-US" altLang="zh-CN" sz="1600" dirty="0"/>
-          </a:p>
-          <a:p>
-            <a:endParaRPr lang="en-US" altLang="zh-CN" sz="1600" dirty="0"/>
+            <a:endParaRPr lang="en-US" altLang="zh-CN" sz="1200" dirty="0"/>
+          </a:p>
+          <a:p>
+            <a:endParaRPr lang="en-US" altLang="zh-CN" sz="1200" dirty="0"/>
           </a:p>
           <a:p>
             <a:pPr>
@@ -12300,15 +12828,15 @@
               <a:buChar char="Ø"/>
             </a:pPr>
             <a:r>
-              <a:rPr lang="en-US" altLang="zh-CN" sz="1600" dirty="0"/>
+              <a:rPr lang="en-US" altLang="zh-CN" sz="1200" dirty="0"/>
               <a:t>USB</a:t>
             </a:r>
             <a:r>
-              <a:rPr lang="zh-CN" altLang="en-US" sz="1600" dirty="0"/>
+              <a:rPr lang="zh-CN" altLang="en-US" sz="1200" dirty="0"/>
               <a:t>设备和电脑主机的之间</a:t>
             </a:r>
             <a:r>
-              <a:rPr lang="zh-CN" altLang="en-US" sz="1600" dirty="0">
+              <a:rPr lang="zh-CN" altLang="en-US" sz="1200" dirty="0">
                 <a:solidFill>
                   <a:srgbClr val="FF0000"/>
                 </a:solidFill>
@@ -12316,33 +12844,61 @@
               <a:t>无关性</a:t>
             </a:r>
             <a:r>
-              <a:rPr lang="zh-CN" altLang="en-US" sz="1600" dirty="0"/>
-              <a:t>，还带来了另外一个好处，</a:t>
-            </a:r>
-            <a:endParaRPr lang="en-US" altLang="zh-CN" sz="1600" dirty="0"/>
-          </a:p>
-          <a:p>
-            <a:r>
-              <a:rPr lang="zh-CN" altLang="en-US" sz="1600" dirty="0"/>
-              <a:t>生产</a:t>
-            </a:r>
-            <a:r>
-              <a:rPr lang="en-US" altLang="zh-CN" sz="1600" dirty="0"/>
+              <a:rPr lang="zh-CN" altLang="en-US" sz="1200" dirty="0"/>
+              <a:t>，还带来了另外一个好处，生产</a:t>
+            </a:r>
+            <a:r>
+              <a:rPr lang="en-US" altLang="zh-CN" sz="1200" dirty="0"/>
               <a:t>USB</a:t>
             </a:r>
             <a:r>
-              <a:rPr lang="zh-CN" altLang="en-US" sz="1600" dirty="0"/>
-              <a:t>设备的厂商和生产电脑主机的厂商完全可以是互不相干的人，各干各事，他们之间唯一需要遵守的就是</a:t>
-            </a:r>
-            <a:r>
-              <a:rPr lang="en-US" altLang="zh-CN" sz="1600" dirty="0"/>
+              <a:rPr lang="zh-CN" altLang="en-US" sz="1200" dirty="0"/>
+              <a:t>设备的厂商</a:t>
+            </a:r>
+            <a:endParaRPr lang="en-US" altLang="zh-CN" sz="1200" dirty="0"/>
+          </a:p>
+          <a:p>
+            <a:r>
+              <a:rPr lang="zh-CN" altLang="en-US" sz="1200" dirty="0"/>
+              <a:t>和生产电脑主机的厂商完全可以是互不相干的人，各干各事，他们之间唯一需要遵</a:t>
+            </a:r>
+            <a:endParaRPr lang="en-US" altLang="zh-CN" sz="1200" dirty="0"/>
+          </a:p>
+          <a:p>
+            <a:r>
+              <a:rPr lang="zh-CN" altLang="en-US" sz="1200" dirty="0"/>
+              <a:t>守的就是</a:t>
+            </a:r>
+            <a:r>
+              <a:rPr lang="en-US" altLang="zh-CN" sz="1200" dirty="0"/>
               <a:t>USB</a:t>
             </a:r>
             <a:r>
-              <a:rPr lang="zh-CN" altLang="en-US" sz="1600" dirty="0"/>
-              <a:t>接口标准。这种特性体现在软件开发过程中，好处可是太大了。每个开发团队的成员都只需要关心实现自身的业务逻辑，完全不用去关心其它的人工作进展，因为你的任务跟别人没有任何关系，你的任务可以单独测试，你的任务也不用依赖于别人的组件，再也不用扯不清责任了。所以，在一个大中型项目中，团队成员分工明确、责任明晰，很容易将一个大的任务划分为细小的任务，开发效率和产品质量必将得到大幅度的提高。</a:t>
-            </a:r>
-            <a:endParaRPr lang="en-US" altLang="zh-CN" sz="1600" b="1" dirty="0"/>
+              <a:rPr lang="zh-CN" altLang="en-US" sz="1200" dirty="0"/>
+              <a:t>接口标准。这种特性体现在软件开发过程中，好处可是太大了。每个开</a:t>
+            </a:r>
+            <a:endParaRPr lang="en-US" altLang="zh-CN" sz="1200" dirty="0"/>
+          </a:p>
+          <a:p>
+            <a:r>
+              <a:rPr lang="zh-CN" altLang="en-US" sz="1200" dirty="0"/>
+              <a:t>发团队的成员都只需要关心实现自身的业务逻辑，完全不用去关心其它的人工作进展，</a:t>
+            </a:r>
+            <a:endParaRPr lang="en-US" altLang="zh-CN" sz="1200" dirty="0"/>
+          </a:p>
+          <a:p>
+            <a:r>
+              <a:rPr lang="zh-CN" altLang="en-US" sz="1200" dirty="0"/>
+              <a:t>因为你的任务跟别人没有任何关系，你的任务可以单独测试，你的任务也不用依赖于</a:t>
+            </a:r>
+            <a:endParaRPr lang="en-US" altLang="zh-CN" sz="1200" dirty="0"/>
+          </a:p>
+          <a:p>
+            <a:r>
+              <a:rPr lang="zh-CN" altLang="en-US" sz="1200" dirty="0"/>
+              <a:t>别人的组件，再也不用扯不清责任了。所以，在一个大中型项目中，团队成员分工明确、责任明晰，很容易将一个大的任务划分为细小的任务，开发效率和产品质量必将得到大幅度的提高。</a:t>
+            </a:r>
+            <a:endParaRPr lang="en-US" altLang="zh-CN" sz="1200" b="1" dirty="0"/>
           </a:p>
         </p:txBody>
       </p:sp>
@@ -12373,7 +12929,7 @@
         </p:blipFill>
         <p:spPr bwMode="auto">
           <a:xfrm>
-            <a:off x="6452065" y="808289"/>
+            <a:off x="1331640" y="3079627"/>
             <a:ext cx="2376264" cy="1152128"/>
           </a:xfrm>
           <a:prstGeom prst="rect">
@@ -12420,7 +12976,7 @@
         </p:blipFill>
         <p:spPr bwMode="auto">
           <a:xfrm>
-            <a:off x="6995064" y="3014910"/>
+            <a:off x="5292080" y="2945841"/>
             <a:ext cx="1290265" cy="1290265"/>
           </a:xfrm>
           <a:prstGeom prst="rect">
@@ -12558,7 +13114,7 @@
         <p:spPr>
           <a:xfrm>
             <a:off x="611560" y="1140635"/>
-            <a:ext cx="6192688" cy="2554545"/>
+            <a:ext cx="6192688" cy="1569660"/>
           </a:xfrm>
           <a:prstGeom prst="rect">
             <a:avLst/>
@@ -12576,21 +13132,21 @@
               <a:buChar char="Ø"/>
             </a:pPr>
             <a:r>
-              <a:rPr lang="zh-CN" altLang="en-US" sz="1600" dirty="0"/>
+              <a:rPr lang="zh-CN" altLang="en-US" sz="1200" dirty="0"/>
               <a:t>以电脑和</a:t>
             </a:r>
             <a:r>
-              <a:rPr lang="en-US" altLang="zh-CN" sz="1600" dirty="0"/>
+              <a:rPr lang="en-US" altLang="zh-CN" sz="1200" dirty="0"/>
               <a:t>USB</a:t>
             </a:r>
             <a:r>
-              <a:rPr lang="zh-CN" altLang="en-US" sz="1600" dirty="0"/>
+              <a:rPr lang="zh-CN" altLang="en-US" sz="1200" dirty="0"/>
               <a:t>设备为例：</a:t>
             </a:r>
-            <a:endParaRPr lang="en-US" altLang="zh-CN" sz="1600" dirty="0"/>
-          </a:p>
-          <a:p>
-            <a:endParaRPr lang="en-US" altLang="zh-CN" sz="1600" dirty="0"/>
+            <a:endParaRPr lang="en-US" altLang="zh-CN" sz="1200" dirty="0"/>
+          </a:p>
+          <a:p>
+            <a:endParaRPr lang="en-US" altLang="zh-CN" sz="1200" dirty="0"/>
           </a:p>
           <a:p>
             <a:pPr>
@@ -12598,86 +13154,75 @@
               <a:buChar char="Ø"/>
             </a:pPr>
             <a:r>
-              <a:rPr lang="zh-CN" altLang="en-US" sz="1600" dirty="0"/>
+              <a:rPr lang="zh-CN" altLang="en-US" sz="1200" dirty="0"/>
               <a:t>同一个</a:t>
             </a:r>
             <a:r>
-              <a:rPr lang="en-US" altLang="zh-CN" sz="1600" dirty="0"/>
+              <a:rPr lang="en-US" altLang="zh-CN" sz="1200" dirty="0"/>
               <a:t>USB</a:t>
             </a:r>
             <a:r>
-              <a:rPr lang="zh-CN" altLang="en-US" sz="1600" dirty="0"/>
+              <a:rPr lang="zh-CN" altLang="en-US" sz="1200" dirty="0"/>
               <a:t>外部设备可以插接到任何支持</a:t>
             </a:r>
             <a:r>
-              <a:rPr lang="en-US" altLang="zh-CN" sz="1600" dirty="0"/>
+              <a:rPr lang="en-US" altLang="zh-CN" sz="1200" dirty="0"/>
               <a:t>USB</a:t>
             </a:r>
             <a:r>
-              <a:rPr lang="zh-CN" altLang="en-US" sz="1600" dirty="0"/>
-              <a:t>的设备，</a:t>
-            </a:r>
-            <a:endParaRPr lang="en-US" altLang="zh-CN" sz="1600" dirty="0"/>
-          </a:p>
-          <a:p>
-            <a:r>
-              <a:rPr lang="zh-CN" altLang="en-US" sz="1600" dirty="0"/>
-              <a:t>可以插接到电脑主机，也可以插接到</a:t>
-            </a:r>
-            <a:r>
-              <a:rPr lang="en-US" altLang="zh-CN" sz="1600" dirty="0"/>
+              <a:rPr lang="zh-CN" altLang="en-US" sz="1200" dirty="0"/>
+              <a:t>的设备，可以插接到电脑主机，</a:t>
+            </a:r>
+            <a:endParaRPr lang="en-US" altLang="zh-CN" sz="1200" dirty="0"/>
+          </a:p>
+          <a:p>
+            <a:r>
+              <a:rPr lang="zh-CN" altLang="en-US" sz="1200" dirty="0"/>
+              <a:t>也可以插接到</a:t>
+            </a:r>
+            <a:r>
+              <a:rPr lang="en-US" altLang="zh-CN" sz="1200" dirty="0"/>
               <a:t>DV</a:t>
             </a:r>
             <a:r>
-              <a:rPr lang="zh-CN" altLang="en-US" sz="1600" dirty="0"/>
+              <a:rPr lang="zh-CN" altLang="en-US" sz="1200" dirty="0"/>
               <a:t>机，</a:t>
             </a:r>
             <a:r>
-              <a:rPr lang="en-US" altLang="zh-CN" sz="1600" dirty="0"/>
+              <a:rPr lang="en-US" altLang="zh-CN" sz="1200" dirty="0"/>
               <a:t>USB</a:t>
             </a:r>
             <a:r>
-              <a:rPr lang="zh-CN" altLang="en-US" sz="1600" dirty="0"/>
-              <a:t>外部设备</a:t>
-            </a:r>
-            <a:endParaRPr lang="en-US" altLang="zh-CN" sz="1600" dirty="0"/>
-          </a:p>
-          <a:p>
-            <a:r>
-              <a:rPr lang="zh-CN" altLang="en-US" sz="1600" dirty="0"/>
-              <a:t>可以被反复利用。在软件工程中，这种特性就是可复用性</a:t>
-            </a:r>
-            <a:endParaRPr lang="en-US" altLang="zh-CN" sz="1600" dirty="0"/>
-          </a:p>
-          <a:p>
-            <a:r>
-              <a:rPr lang="zh-CN" altLang="en-US" sz="1600" dirty="0"/>
-              <a:t>好，我们可以把具有普遍性的常用组件独立出来，反复利</a:t>
-            </a:r>
-            <a:endParaRPr lang="en-US" altLang="zh-CN" sz="1600" dirty="0"/>
-          </a:p>
-          <a:p>
-            <a:r>
-              <a:rPr lang="zh-CN" altLang="en-US" sz="1600" dirty="0"/>
-              <a:t>用到项目中的其它部分，或者是其它项目，当然这也是面</a:t>
-            </a:r>
-            <a:endParaRPr lang="en-US" altLang="zh-CN" sz="1600" dirty="0"/>
-          </a:p>
-          <a:p>
-            <a:r>
-              <a:rPr lang="zh-CN" altLang="en-US" sz="1600" dirty="0"/>
-              <a:t>向对象的基本特征。显然，</a:t>
-            </a:r>
-            <a:r>
-              <a:rPr lang="en-US" altLang="zh-CN" sz="1600" dirty="0"/>
+              <a:rPr lang="zh-CN" altLang="en-US" sz="1200" dirty="0"/>
+              <a:t>外部设备可以被反复利用。在软件工程中，这种特性</a:t>
+            </a:r>
+            <a:endParaRPr lang="en-US" altLang="zh-CN" sz="1200" dirty="0"/>
+          </a:p>
+          <a:p>
+            <a:r>
+              <a:rPr lang="zh-CN" altLang="en-US" sz="1200" dirty="0"/>
+              <a:t>就是可复用性好，我们可以把具有普遍性的常用组件独立出来，反复利用到项</a:t>
+            </a:r>
+            <a:endParaRPr lang="en-US" altLang="zh-CN" sz="1200" dirty="0"/>
+          </a:p>
+          <a:p>
+            <a:r>
+              <a:rPr lang="zh-CN" altLang="en-US" sz="1200" dirty="0"/>
+              <a:t>目中的其它部分，或者是其它项目，当然这也是面向对象的基本特征。显然，</a:t>
+            </a:r>
+            <a:endParaRPr lang="en-US" altLang="zh-CN" sz="1200" dirty="0"/>
+          </a:p>
+          <a:p>
+            <a:r>
+              <a:rPr lang="en-US" altLang="zh-CN" sz="1200" dirty="0"/>
               <a:t>IOC</a:t>
             </a:r>
             <a:r>
-              <a:rPr lang="zh-CN" altLang="en-US" sz="1600" dirty="0"/>
+              <a:rPr lang="zh-CN" altLang="en-US" sz="1200" dirty="0"/>
               <a:t>不仅更好地贯彻了这个原则，提高了模块的</a:t>
             </a:r>
             <a:r>
-              <a:rPr lang="zh-CN" altLang="en-US" sz="1600" dirty="0">
+              <a:rPr lang="zh-CN" altLang="en-US" sz="1200" dirty="0">
                 <a:solidFill>
                   <a:srgbClr val="FF0000"/>
                 </a:solidFill>
@@ -12685,10 +13230,17 @@
               <a:t>可复用性</a:t>
             </a:r>
             <a:r>
-              <a:rPr lang="zh-CN" altLang="en-US" sz="1600" dirty="0"/>
-              <a:t>。符合接口标准的实现，都可以插接到支持此标准的模块中。</a:t>
-            </a:r>
-            <a:endParaRPr lang="en-US" altLang="zh-CN" sz="1600" b="1" dirty="0"/>
+              <a:rPr lang="zh-CN" altLang="en-US" sz="1200" dirty="0"/>
+              <a:t>。符合接口标准的实现，</a:t>
+            </a:r>
+            <a:endParaRPr lang="en-US" altLang="zh-CN" sz="1200" dirty="0"/>
+          </a:p>
+          <a:p>
+            <a:r>
+              <a:rPr lang="zh-CN" altLang="en-US" sz="1200" dirty="0"/>
+              <a:t>都可以插接到支持此标准的模块中。</a:t>
+            </a:r>
+            <a:endParaRPr lang="en-US" altLang="zh-CN" sz="1200" b="1" dirty="0"/>
           </a:p>
         </p:txBody>
       </p:sp>
@@ -12719,7 +13271,7 @@
         </p:blipFill>
         <p:spPr bwMode="auto">
           <a:xfrm>
-            <a:off x="6452065" y="808289"/>
+            <a:off x="1331640" y="3014105"/>
             <a:ext cx="2376264" cy="1152128"/>
           </a:xfrm>
           <a:prstGeom prst="rect">
@@ -12766,7 +13318,7 @@
         </p:blipFill>
         <p:spPr bwMode="auto">
           <a:xfrm>
-            <a:off x="3609256" y="3713304"/>
+            <a:off x="5220072" y="2979320"/>
             <a:ext cx="941090" cy="705818"/>
           </a:xfrm>
           <a:prstGeom prst="rect">
@@ -12813,7 +13365,7 @@
         </p:blipFill>
         <p:spPr bwMode="auto">
           <a:xfrm>
-            <a:off x="5220072" y="3379062"/>
+            <a:off x="6522095" y="2979320"/>
             <a:ext cx="1290265" cy="1290265"/>
           </a:xfrm>
           <a:prstGeom prst="rect">
@@ -12858,7 +13410,7 @@
         </p:blipFill>
         <p:spPr bwMode="auto">
           <a:xfrm>
-            <a:off x="7034997" y="2360643"/>
+            <a:off x="3802065" y="2895520"/>
             <a:ext cx="1210400" cy="1445146"/>
           </a:xfrm>
           <a:prstGeom prst="rect">
@@ -13000,7 +13552,7 @@
         <p:spPr>
           <a:xfrm>
             <a:off x="611560" y="1140635"/>
-            <a:ext cx="6192688" cy="3539430"/>
+            <a:ext cx="6192688" cy="2308324"/>
           </a:xfrm>
           <a:prstGeom prst="rect">
             <a:avLst/>
@@ -13018,21 +13570,21 @@
               <a:buChar char="Ø"/>
             </a:pPr>
             <a:r>
-              <a:rPr lang="zh-CN" altLang="en-US" sz="1600" dirty="0"/>
+              <a:rPr lang="zh-CN" altLang="en-US" sz="1200" dirty="0"/>
               <a:t>以电脑和</a:t>
             </a:r>
             <a:r>
-              <a:rPr lang="en-US" altLang="zh-CN" sz="1600" dirty="0"/>
+              <a:rPr lang="en-US" altLang="zh-CN" sz="1200" dirty="0"/>
               <a:t>USB</a:t>
             </a:r>
             <a:r>
-              <a:rPr lang="zh-CN" altLang="en-US" sz="1600" dirty="0"/>
+              <a:rPr lang="zh-CN" altLang="en-US" sz="1200" dirty="0"/>
               <a:t>设备为例：</a:t>
             </a:r>
-            <a:endParaRPr lang="en-US" altLang="zh-CN" sz="1600" dirty="0"/>
-          </a:p>
-          <a:p>
-            <a:endParaRPr lang="en-US" altLang="zh-CN" sz="1600" dirty="0"/>
+            <a:endParaRPr lang="en-US" altLang="zh-CN" sz="1200" dirty="0"/>
+          </a:p>
+          <a:p>
+            <a:endParaRPr lang="en-US" altLang="zh-CN" sz="1200" dirty="0"/>
           </a:p>
           <a:p>
             <a:pPr>
@@ -13040,34 +13592,34 @@
               <a:buChar char="Ø"/>
             </a:pPr>
             <a:r>
-              <a:rPr lang="zh-CN" altLang="en-US" sz="1600" dirty="0"/>
+              <a:rPr lang="zh-CN" altLang="en-US" sz="1200" dirty="0"/>
               <a:t>同</a:t>
             </a:r>
             <a:r>
-              <a:rPr lang="en-US" altLang="zh-CN" sz="1600" dirty="0"/>
+              <a:rPr lang="en-US" altLang="zh-CN" sz="1200" dirty="0"/>
               <a:t>USB</a:t>
             </a:r>
             <a:r>
-              <a:rPr lang="zh-CN" altLang="en-US" sz="1600" dirty="0"/>
+              <a:rPr lang="zh-CN" altLang="en-US" sz="1200" dirty="0"/>
               <a:t>外部设备一样，模块具有热插拔特性。</a:t>
             </a:r>
             <a:r>
-              <a:rPr lang="en-US" altLang="zh-CN" sz="1600" dirty="0"/>
+              <a:rPr lang="en-US" altLang="zh-CN" sz="1200" dirty="0"/>
               <a:t>IOC</a:t>
             </a:r>
             <a:r>
-              <a:rPr lang="zh-CN" altLang="en-US" sz="1600" dirty="0"/>
+              <a:rPr lang="zh-CN" altLang="en-US" sz="1200" dirty="0"/>
               <a:t>生成对象的</a:t>
             </a:r>
-            <a:endParaRPr lang="en-US" altLang="zh-CN" sz="1600" dirty="0"/>
-          </a:p>
-          <a:p>
-            <a:r>
-              <a:rPr lang="zh-CN" altLang="en-US" sz="1600" dirty="0"/>
+            <a:endParaRPr lang="en-US" altLang="zh-CN" sz="1200" dirty="0"/>
+          </a:p>
+          <a:p>
+            <a:r>
+              <a:rPr lang="zh-CN" altLang="en-US" sz="1200" dirty="0"/>
               <a:t>方式转为外置方式，也就是把对象生成放在配置文件里进行定义，这样，当我们更换一个实现子类将会变得很简单，只要修改配置文件就可以了，完全具有热插拨的特性，</a:t>
             </a:r>
             <a:r>
-              <a:rPr lang="zh-CN" altLang="en-US" sz="1600" dirty="0">
+              <a:rPr lang="zh-CN" altLang="en-US" sz="1200" dirty="0">
                 <a:solidFill>
                   <a:srgbClr val="FF0000"/>
                 </a:solidFill>
@@ -13075,11 +13627,11 @@
               <a:t>易扩展</a:t>
             </a:r>
             <a:r>
-              <a:rPr lang="zh-CN" altLang="en-US" sz="1600" dirty="0"/>
+              <a:rPr lang="zh-CN" altLang="en-US" sz="1200" dirty="0"/>
               <a:t>，</a:t>
             </a:r>
             <a:r>
-              <a:rPr lang="zh-CN" altLang="en-US" sz="1600" dirty="0">
+              <a:rPr lang="zh-CN" altLang="en-US" sz="1200" dirty="0">
                 <a:solidFill>
                   <a:srgbClr val="FF0000"/>
                 </a:solidFill>
@@ -13087,17 +13639,17 @@
               <a:t>易迭代</a:t>
             </a:r>
             <a:r>
-              <a:rPr lang="zh-CN" altLang="en-US" sz="1600" dirty="0"/>
+              <a:rPr lang="zh-CN" altLang="en-US" sz="1200" dirty="0"/>
               <a:t>。</a:t>
             </a:r>
-            <a:endParaRPr lang="en-US" altLang="zh-CN" sz="1600" dirty="0"/>
+            <a:endParaRPr lang="en-US" altLang="zh-CN" sz="1200" dirty="0"/>
           </a:p>
           <a:p>
             <a:pPr>
               <a:buFont typeface="Wingdings" panose="05000000000000000000" pitchFamily="2" charset="2"/>
               <a:buChar char="Ø"/>
             </a:pPr>
-            <a:endParaRPr lang="en-US" altLang="zh-CN" sz="1600" b="1" dirty="0"/>
+            <a:endParaRPr lang="en-US" altLang="zh-CN" sz="1200" b="1" dirty="0"/>
           </a:p>
           <a:p>
             <a:pPr>
@@ -13105,33 +13657,33 @@
               <a:buChar char="Ø"/>
             </a:pPr>
             <a:r>
-              <a:rPr lang="zh-CN" altLang="en-US" sz="1600" dirty="0"/>
+              <a:rPr lang="zh-CN" altLang="en-US" sz="1200" dirty="0"/>
               <a:t>这一特性，也</a:t>
             </a:r>
             <a:r>
-              <a:rPr lang="zh-CN" altLang="en-US" sz="1600" b="1" dirty="0"/>
+              <a:rPr lang="zh-CN" altLang="en-US" sz="1200" b="1" dirty="0"/>
               <a:t>是</a:t>
             </a:r>
             <a:r>
-              <a:rPr lang="zh-CN" altLang="en-US" sz="1600" dirty="0"/>
+              <a:rPr lang="zh-CN" altLang="en-US" sz="1200" dirty="0"/>
               <a:t>开闭原则的体现。对于扩展是开放的</a:t>
             </a:r>
             <a:r>
-              <a:rPr lang="en-US" altLang="zh-CN" sz="1600" dirty="0"/>
+              <a:rPr lang="en-US" altLang="zh-CN" sz="1200" dirty="0"/>
               <a:t>,</a:t>
             </a:r>
             <a:r>
-              <a:rPr lang="zh-CN" altLang="en-US" sz="1600" dirty="0"/>
+              <a:rPr lang="zh-CN" altLang="en-US" sz="1200" dirty="0"/>
               <a:t>对于修改是关闭的。</a:t>
             </a:r>
-            <a:endParaRPr lang="en-US" altLang="zh-CN" sz="1600" dirty="0"/>
+            <a:endParaRPr lang="en-US" altLang="zh-CN" sz="1200" dirty="0"/>
           </a:p>
           <a:p>
             <a:pPr>
               <a:buFont typeface="Wingdings" panose="05000000000000000000" pitchFamily="2" charset="2"/>
               <a:buChar char="Ø"/>
             </a:pPr>
-            <a:endParaRPr lang="en-US" altLang="zh-CN" sz="1600" dirty="0"/>
+            <a:endParaRPr lang="en-US" altLang="zh-CN" sz="1200" dirty="0"/>
           </a:p>
           <a:p>
             <a:pPr>
@@ -13139,26 +13691,26 @@
               <a:buChar char="Ø"/>
             </a:pPr>
             <a:r>
-              <a:rPr lang="zh-CN" altLang="en-US" sz="1600" dirty="0"/>
+              <a:rPr lang="zh-CN" altLang="en-US" sz="1200" dirty="0"/>
               <a:t>举个例子：业务中，视频播放器中的视频搜索功能的实现，如果实际业务中，需要更换实现方式，那么是选择打开项目，修改代码，重新测试发布，还是选择新增一个</a:t>
             </a:r>
             <a:r>
-              <a:rPr lang="en-US" altLang="zh-CN" sz="1600" dirty="0"/>
+              <a:rPr lang="en-US" altLang="zh-CN" sz="1200" dirty="0"/>
               <a:t>DLL</a:t>
             </a:r>
             <a:r>
-              <a:rPr lang="zh-CN" altLang="en-US" sz="1600" dirty="0"/>
+              <a:rPr lang="zh-CN" altLang="en-US" sz="1200" dirty="0"/>
               <a:t>，修改</a:t>
             </a:r>
             <a:r>
-              <a:rPr lang="en-US" altLang="zh-CN" sz="1600" dirty="0"/>
+              <a:rPr lang="en-US" altLang="zh-CN" sz="1200" dirty="0"/>
               <a:t>xml</a:t>
             </a:r>
             <a:r>
-              <a:rPr lang="zh-CN" altLang="en-US" sz="1600" dirty="0"/>
+              <a:rPr lang="zh-CN" altLang="en-US" sz="1200" dirty="0"/>
               <a:t>配置文件对象实例注册的映射关系？毫无疑问，当然是选择后者。</a:t>
             </a:r>
-            <a:endParaRPr lang="en-US" altLang="zh-CN" sz="1600" b="1" dirty="0"/>
+            <a:endParaRPr lang="en-US" altLang="zh-CN" sz="1200" b="1" dirty="0"/>
           </a:p>
         </p:txBody>
       </p:sp>
@@ -13189,7 +13741,7 @@
         </p:blipFill>
         <p:spPr bwMode="auto">
           <a:xfrm>
-            <a:off x="6349932" y="811620"/>
+            <a:off x="1331640" y="3448959"/>
             <a:ext cx="2376264" cy="1152128"/>
           </a:xfrm>
           <a:prstGeom prst="rect">
@@ -13391,7 +13943,7 @@
         <p:spPr>
           <a:xfrm>
             <a:off x="611560" y="1489305"/>
-            <a:ext cx="6192688" cy="1077218"/>
+            <a:ext cx="6192688" cy="1569660"/>
           </a:xfrm>
           <a:prstGeom prst="rect">
             <a:avLst/>
@@ -13436,7 +13988,7 @@
             </a:r>
             <a:r>
               <a:rPr lang="zh-CN" altLang="en-US" sz="1600" dirty="0"/>
-              <a:t>依赖注入（</a:t>
+              <a:t> </a:t>
             </a:r>
             <a:r>
               <a:rPr lang="en-US" altLang="zh-CN" sz="1600" dirty="0" err="1"/>
@@ -13444,7 +13996,29 @@
             </a:r>
             <a:r>
               <a:rPr lang="zh-CN" altLang="en-US" sz="1600" dirty="0"/>
-              <a:t>）</a:t>
+              <a:t>组件注册</a:t>
+            </a:r>
+            <a:endParaRPr lang="en-US" altLang="zh-CN" sz="1600" dirty="0"/>
+          </a:p>
+          <a:p>
+            <a:pPr>
+              <a:buFont typeface="Wingdings" panose="05000000000000000000" pitchFamily="2" charset="2"/>
+              <a:buChar char="Ø"/>
+            </a:pPr>
+            <a:endParaRPr lang="en-US" altLang="zh-CN" sz="1600" dirty="0"/>
+          </a:p>
+          <a:p>
+            <a:pPr>
+              <a:buFont typeface="Wingdings" panose="05000000000000000000" pitchFamily="2" charset="2"/>
+              <a:buChar char="Ø"/>
+            </a:pPr>
+            <a:r>
+              <a:rPr lang="en-US" altLang="zh-CN" sz="1600" dirty="0"/>
+              <a:t>3.</a:t>
+            </a:r>
+            <a:r>
+              <a:rPr lang="zh-CN" altLang="en-US" sz="1600" dirty="0"/>
+              <a:t>依赖注入</a:t>
             </a:r>
             <a:endParaRPr lang="en-US" altLang="zh-CN" sz="1600" dirty="0"/>
           </a:p>
@@ -13719,7 +14293,7 @@
         </p:blipFill>
         <p:spPr bwMode="auto">
           <a:xfrm>
-            <a:off x="611560" y="3075806"/>
+            <a:off x="611560" y="2931790"/>
             <a:ext cx="6336704" cy="1584176"/>
           </a:xfrm>
           <a:prstGeom prst="rect">
@@ -14003,7 +14577,7 @@
         </p:blipFill>
         <p:spPr>
           <a:xfrm>
-            <a:off x="611560" y="3219822"/>
+            <a:off x="611560" y="3082249"/>
             <a:ext cx="7557301" cy="1296144"/>
           </a:xfrm>
           <a:prstGeom prst="rect">
@@ -14135,7 +14709,7 @@
         <p:spPr>
           <a:xfrm>
             <a:off x="611560" y="1089196"/>
-            <a:ext cx="6192688" cy="1692771"/>
+            <a:ext cx="6192688" cy="3093154"/>
           </a:xfrm>
           <a:prstGeom prst="rect">
             <a:avLst/>
@@ -14154,7 +14728,7 @@
             </a:pPr>
             <a:r>
               <a:rPr lang="zh-CN" altLang="en-US" sz="1300" dirty="0"/>
-              <a:t>当</a:t>
+              <a:t> 当</a:t>
             </a:r>
             <a:r>
               <a:rPr lang="en-US" altLang="zh-CN" sz="1300" dirty="0" err="1"/>
@@ -14186,7 +14760,17 @@
             </a:r>
             <a:r>
               <a:rPr lang="zh-CN" altLang="en-US" sz="1300" dirty="0"/>
-              <a:t>对象之后，它会调用其</a:t>
+              <a:t>对象</a:t>
+            </a:r>
+            <a:endParaRPr lang="en-US" altLang="zh-CN" sz="1300" dirty="0"/>
+          </a:p>
+          <a:p>
+            <a:endParaRPr lang="en-US" altLang="zh-CN" sz="1300" dirty="0"/>
+          </a:p>
+          <a:p>
+            <a:r>
+              <a:rPr lang="zh-CN" altLang="en-US" sz="1300" dirty="0"/>
+              <a:t>之后，它会调用其</a:t>
             </a:r>
             <a:r>
               <a:rPr lang="en-US" altLang="zh-CN" sz="1300" dirty="0" err="1"/>
@@ -14194,7 +14778,17 @@
             </a:r>
             <a:r>
               <a:rPr lang="zh-CN" altLang="en-US" sz="1300" dirty="0"/>
-              <a:t>方法将用户在启动类中注册的服务添加到上述这个</a:t>
+              <a:t>方法将用户在启动类中注册的服务添加到上述这</a:t>
+            </a:r>
+            <a:endParaRPr lang="en-US" altLang="zh-CN" sz="1300" dirty="0"/>
+          </a:p>
+          <a:p>
+            <a:endParaRPr lang="en-US" altLang="zh-CN" sz="1300" dirty="0"/>
+          </a:p>
+          <a:p>
+            <a:r>
+              <a:rPr lang="zh-CN" altLang="en-US" sz="1300" dirty="0"/>
+              <a:t>个</a:t>
             </a:r>
             <a:r>
               <a:rPr lang="en-US" altLang="zh-CN" sz="1300" dirty="0" err="1"/>
@@ -14210,7 +14804,17 @@
             </a:r>
             <a:r>
               <a:rPr lang="zh-CN" altLang="en-US" sz="1300" dirty="0"/>
-              <a:t>包含了所有需要注册的服务。如果启动类型的</a:t>
+              <a:t>包含了所有需要注册</a:t>
+            </a:r>
+            <a:endParaRPr lang="en-US" altLang="zh-CN" sz="1300" dirty="0"/>
+          </a:p>
+          <a:p>
+            <a:endParaRPr lang="en-US" altLang="zh-CN" sz="1300" dirty="0"/>
+          </a:p>
+          <a:p>
+            <a:r>
+              <a:rPr lang="zh-CN" altLang="en-US" sz="1300" dirty="0"/>
+              <a:t>的服务。如果启动类型的</a:t>
             </a:r>
             <a:r>
               <a:rPr lang="en-US" altLang="zh-CN" sz="1300" dirty="0" err="1"/>
@@ -14220,6 +14824,12 @@
               <a:rPr lang="zh-CN" altLang="en-US" sz="1300" dirty="0"/>
               <a:t>方法没有返回值，那么这个</a:t>
             </a:r>
+            <a:endParaRPr lang="en-US" altLang="zh-CN" sz="1300" dirty="0"/>
+          </a:p>
+          <a:p>
+            <a:endParaRPr lang="en-US" altLang="zh-CN" sz="1300" dirty="0"/>
+          </a:p>
+          <a:p>
             <a:r>
               <a:rPr lang="en-US" altLang="zh-CN" sz="1300" dirty="0" err="1"/>
               <a:t>ServiceCollection</a:t>
@@ -14234,7 +14844,17 @@
             </a:r>
             <a:r>
               <a:rPr lang="zh-CN" altLang="en-US" sz="1300" dirty="0"/>
-              <a:t>，后续过程中所有的服务都会利用它来获取。如果启动类型的</a:t>
+              <a:t>，后续过程中所有的服务都会</a:t>
+            </a:r>
+            <a:endParaRPr lang="en-US" altLang="zh-CN" sz="1300" dirty="0"/>
+          </a:p>
+          <a:p>
+            <a:endParaRPr lang="en-US" altLang="zh-CN" sz="1300" dirty="0"/>
+          </a:p>
+          <a:p>
+            <a:r>
+              <a:rPr lang="zh-CN" altLang="en-US" sz="1300" dirty="0"/>
+              <a:t>利用它来获取。如果启动类型的</a:t>
             </a:r>
             <a:r>
               <a:rPr lang="en-US" altLang="zh-CN" sz="1300" dirty="0" err="1"/>
@@ -14250,7 +14870,17 @@
             </a:r>
             <a:r>
               <a:rPr lang="zh-CN" altLang="en-US" sz="1300" dirty="0"/>
-              <a:t>，那么后续过程作为服务提供者的就是这么一个对象。</a:t>
+              <a:t>，那</a:t>
+            </a:r>
+            <a:endParaRPr lang="en-US" altLang="zh-CN" sz="1300" dirty="0"/>
+          </a:p>
+          <a:p>
+            <a:endParaRPr lang="en-US" altLang="zh-CN" sz="1300" dirty="0"/>
+          </a:p>
+          <a:p>
+            <a:r>
+              <a:rPr lang="zh-CN" altLang="en-US" sz="1300" dirty="0"/>
+              <a:t>么后续过程作为服务提供者的就是这么一个对象。</a:t>
             </a:r>
             <a:r>
               <a:rPr lang="en-US" altLang="zh-CN" sz="1300" dirty="0" err="1"/>
@@ -14266,7 +14896,17 @@
             </a:r>
             <a:r>
               <a:rPr lang="zh-CN" altLang="en-US" sz="1300" dirty="0"/>
-              <a:t>属性返回的就是这个</a:t>
+              <a:t>属性返回的就</a:t>
+            </a:r>
+            <a:endParaRPr lang="en-US" altLang="zh-CN" sz="1300" dirty="0"/>
+          </a:p>
+          <a:p>
+            <a:endParaRPr lang="en-US" altLang="zh-CN" sz="1300" dirty="0"/>
+          </a:p>
+          <a:p>
+            <a:r>
+              <a:rPr lang="zh-CN" altLang="en-US" sz="1300" dirty="0"/>
+              <a:t>是这个</a:t>
             </a:r>
             <a:r>
               <a:rPr lang="en-US" altLang="zh-CN" sz="1300" dirty="0" err="1"/>
@@ -16431,10 +17071,10 @@
       </p:pic>
       <p:pic>
         <p:nvPicPr>
-          <p:cNvPr id="2" name="图片 1">
+          <p:cNvPr id="7" name="图片 6">
             <a:extLst>
               <a:ext uri="{FF2B5EF4-FFF2-40B4-BE49-F238E27FC236}">
-                <a16:creationId xmlns:a16="http://schemas.microsoft.com/office/drawing/2014/main" id="{FD79DBB6-8C9F-401D-8F68-8C91F174D6A7}"/>
+                <a16:creationId xmlns:a16="http://schemas.microsoft.com/office/drawing/2014/main" id="{23934114-477D-4479-8AC9-AA71EC780B50}"/>
               </a:ext>
             </a:extLst>
           </p:cNvPr>
@@ -16451,8 +17091,477 @@
         </p:blipFill>
         <p:spPr>
           <a:xfrm>
-            <a:off x="492023" y="1131590"/>
-            <a:ext cx="8159954" cy="2520280"/>
+            <a:off x="616758" y="1275606"/>
+            <a:ext cx="7759380" cy="2448272"/>
+          </a:xfrm>
+          <a:prstGeom prst="rect">
+            <a:avLst/>
+          </a:prstGeom>
+        </p:spPr>
+      </p:pic>
+    </p:spTree>
+    <p:extLst>
+      <p:ext uri="{BB962C8B-B14F-4D97-AF65-F5344CB8AC3E}">
+        <p14:creationId xmlns:p14="http://schemas.microsoft.com/office/powerpoint/2010/main" val="2275762647"/>
+      </p:ext>
+    </p:extLst>
+  </p:cSld>
+  <p:clrMapOvr>
+    <a:masterClrMapping/>
+  </p:clrMapOvr>
+</p:sld>
+</file>
+
+<file path=ppt/slides/slide25.xml><?xml version="1.0" encoding="utf-8"?>
+<p:sld xmlns:a="http://schemas.openxmlformats.org/drawingml/2006/main" xmlns:r="http://schemas.openxmlformats.org/officeDocument/2006/relationships" xmlns:p="http://schemas.openxmlformats.org/presentationml/2006/main">
+  <p:cSld>
+    <p:spTree>
+      <p:nvGrpSpPr>
+        <p:cNvPr id="1" name=""/>
+        <p:cNvGrpSpPr/>
+        <p:nvPr/>
+      </p:nvGrpSpPr>
+      <p:grpSpPr>
+        <a:xfrm>
+          <a:off x="0" y="0"/>
+          <a:ext cx="0" cy="0"/>
+          <a:chOff x="0" y="0"/>
+          <a:chExt cx="0" cy="0"/>
+        </a:xfrm>
+      </p:grpSpPr>
+      <p:sp>
+        <p:nvSpPr>
+          <p:cNvPr id="5" name="TextBox 4"/>
+          <p:cNvSpPr txBox="1"/>
+          <p:nvPr/>
+        </p:nvSpPr>
+        <p:spPr>
+          <a:xfrm>
+            <a:off x="611560" y="411510"/>
+            <a:ext cx="4680520" cy="400110"/>
+          </a:xfrm>
+          <a:prstGeom prst="rect">
+            <a:avLst/>
+          </a:prstGeom>
+          <a:noFill/>
+        </p:spPr>
+        <p:txBody>
+          <a:bodyPr wrap="square" rtlCol="0">
+            <a:spAutoFit/>
+          </a:bodyPr>
+          <a:lstStyle/>
+          <a:p>
+            <a:r>
+              <a:rPr lang="en-US" altLang="zh-CN" sz="2000" i="1" dirty="0"/>
+              <a:t>2.Autofac</a:t>
+            </a:r>
+            <a:r>
+              <a:rPr lang="zh-CN" altLang="en-US" sz="2000" i="1" dirty="0"/>
+              <a:t>组件注册</a:t>
+            </a:r>
+            <a:endParaRPr lang="zh-CN" altLang="en-US" sz="2000" b="1" dirty="0">
+              <a:latin typeface="微软雅黑" pitchFamily="34" charset="-122"/>
+              <a:ea typeface="微软雅黑" pitchFamily="34" charset="-122"/>
+            </a:endParaRPr>
+          </a:p>
+        </p:txBody>
+      </p:sp>
+      <p:pic>
+        <p:nvPicPr>
+          <p:cNvPr id="6" name="图片 5" descr="矢量智能对象.png"/>
+          <p:cNvPicPr>
+            <a:picLocks noChangeAspect="1"/>
+          </p:cNvPicPr>
+          <p:nvPr/>
+        </p:nvPicPr>
+        <p:blipFill>
+          <a:blip r:embed="rId3" cstate="print"/>
+          <a:stretch>
+            <a:fillRect/>
+          </a:stretch>
+        </p:blipFill>
+        <p:spPr>
+          <a:xfrm>
+            <a:off x="8244408" y="288032"/>
+            <a:ext cx="487504" cy="349205"/>
+          </a:xfrm>
+          <a:prstGeom prst="rect">
+            <a:avLst/>
+          </a:prstGeom>
+        </p:spPr>
+      </p:pic>
+      <p:pic>
+        <p:nvPicPr>
+          <p:cNvPr id="8" name="图片 7" descr="矢量智能对象.png"/>
+          <p:cNvPicPr>
+            <a:picLocks noChangeAspect="1"/>
+          </p:cNvPicPr>
+          <p:nvPr/>
+        </p:nvPicPr>
+        <p:blipFill>
+          <a:blip r:embed="rId4" cstate="print"/>
+          <a:stretch>
+            <a:fillRect/>
+          </a:stretch>
+        </p:blipFill>
+        <p:spPr>
+          <a:xfrm>
+            <a:off x="0" y="4659982"/>
+            <a:ext cx="9144000" cy="504056"/>
+          </a:xfrm>
+          <a:prstGeom prst="rect">
+            <a:avLst/>
+          </a:prstGeom>
+        </p:spPr>
+      </p:pic>
+      <p:sp>
+        <p:nvSpPr>
+          <p:cNvPr id="7" name="TextBox 8">
+            <a:extLst>
+              <a:ext uri="{FF2B5EF4-FFF2-40B4-BE49-F238E27FC236}">
+                <a16:creationId xmlns:a16="http://schemas.microsoft.com/office/drawing/2014/main" id="{7286B767-0A43-40E6-989C-C7A244DA8531}"/>
+              </a:ext>
+            </a:extLst>
+          </p:cNvPr>
+          <p:cNvSpPr txBox="1"/>
+          <p:nvPr/>
+        </p:nvSpPr>
+        <p:spPr>
+          <a:xfrm>
+            <a:off x="611560" y="987574"/>
+            <a:ext cx="7632848" cy="492443"/>
+          </a:xfrm>
+          <a:prstGeom prst="rect">
+            <a:avLst/>
+          </a:prstGeom>
+          <a:noFill/>
+        </p:spPr>
+        <p:txBody>
+          <a:bodyPr wrap="square" rtlCol="0">
+            <a:spAutoFit/>
+          </a:bodyPr>
+          <a:lstStyle/>
+          <a:p>
+            <a:pPr>
+              <a:buFont typeface="Wingdings" panose="05000000000000000000" pitchFamily="2" charset="2"/>
+              <a:buChar char="Ø"/>
+            </a:pPr>
+            <a:r>
+              <a:rPr lang="en-US" altLang="zh-CN" sz="1300" dirty="0"/>
+              <a:t>1.</a:t>
+            </a:r>
+            <a:r>
+              <a:rPr lang="zh-CN" altLang="en-US" sz="1300" dirty="0"/>
+              <a:t>反射注册：直接指定注入对象与暴露类型，使用</a:t>
+            </a:r>
+            <a:r>
+              <a:rPr lang="en-US" altLang="zh-CN" sz="1300" dirty="0" err="1"/>
+              <a:t>RegisterType</a:t>
+            </a:r>
+            <a:r>
+              <a:rPr lang="en-US" altLang="zh-CN" sz="1300" dirty="0"/>
+              <a:t>&lt;T&gt;()</a:t>
+            </a:r>
+            <a:r>
+              <a:rPr lang="zh-CN" altLang="en-US" sz="1300" dirty="0"/>
+              <a:t>或者</a:t>
+            </a:r>
+            <a:r>
+              <a:rPr lang="en-US" altLang="zh-CN" sz="1300" dirty="0" err="1"/>
+              <a:t>RegisterType</a:t>
+            </a:r>
+            <a:r>
+              <a:rPr lang="en-US" altLang="zh-CN" sz="1300" dirty="0"/>
+              <a:t>(Type </a:t>
+            </a:r>
+            <a:r>
+              <a:rPr lang="en-US" altLang="zh-CN" sz="1300" dirty="0" err="1"/>
+              <a:t>TType</a:t>
+            </a:r>
+            <a:r>
+              <a:rPr lang="en-US" altLang="zh-CN" sz="1300" dirty="0"/>
+              <a:t>)</a:t>
+            </a:r>
+          </a:p>
+          <a:p>
+            <a:pPr lvl="1">
+              <a:buFont typeface="Wingdings" panose="05000000000000000000" pitchFamily="2" charset="2"/>
+              <a:buChar char="Ø"/>
+            </a:pPr>
+            <a:endParaRPr lang="en-US" altLang="zh-CN" sz="1300" dirty="0"/>
+          </a:p>
+        </p:txBody>
+      </p:sp>
+      <p:pic>
+        <p:nvPicPr>
+          <p:cNvPr id="10" name="图片 9">
+            <a:extLst>
+              <a:ext uri="{FF2B5EF4-FFF2-40B4-BE49-F238E27FC236}">
+                <a16:creationId xmlns:a16="http://schemas.microsoft.com/office/drawing/2014/main" id="{DA9C3237-E380-4364-A03E-C1AD967F9277}"/>
+              </a:ext>
+            </a:extLst>
+          </p:cNvPr>
+          <p:cNvPicPr>
+            <a:picLocks noChangeAspect="1"/>
+          </p:cNvPicPr>
+          <p:nvPr/>
+        </p:nvPicPr>
+        <p:blipFill>
+          <a:blip r:embed="rId5"/>
+          <a:stretch>
+            <a:fillRect/>
+          </a:stretch>
+        </p:blipFill>
+        <p:spPr>
+          <a:xfrm>
+            <a:off x="1475656" y="1233795"/>
+            <a:ext cx="4644008" cy="612994"/>
+          </a:xfrm>
+          <a:prstGeom prst="rect">
+            <a:avLst/>
+          </a:prstGeom>
+        </p:spPr>
+      </p:pic>
+      <p:sp>
+        <p:nvSpPr>
+          <p:cNvPr id="11" name="TextBox 8">
+            <a:extLst>
+              <a:ext uri="{FF2B5EF4-FFF2-40B4-BE49-F238E27FC236}">
+                <a16:creationId xmlns:a16="http://schemas.microsoft.com/office/drawing/2014/main" id="{AA091C77-6DAA-4681-A356-CDA06A0D74EC}"/>
+              </a:ext>
+            </a:extLst>
+          </p:cNvPr>
+          <p:cNvSpPr txBox="1"/>
+          <p:nvPr/>
+        </p:nvSpPr>
+        <p:spPr>
+          <a:xfrm>
+            <a:off x="611560" y="1856791"/>
+            <a:ext cx="7632848" cy="1292662"/>
+          </a:xfrm>
+          <a:prstGeom prst="rect">
+            <a:avLst/>
+          </a:prstGeom>
+          <a:noFill/>
+        </p:spPr>
+        <p:txBody>
+          <a:bodyPr wrap="square" rtlCol="0">
+            <a:spAutoFit/>
+          </a:bodyPr>
+          <a:lstStyle/>
+          <a:p>
+            <a:pPr>
+              <a:buFont typeface="Wingdings" panose="05000000000000000000" pitchFamily="2" charset="2"/>
+              <a:buChar char="Ø"/>
+            </a:pPr>
+            <a:r>
+              <a:rPr lang="en-US" altLang="zh-CN" sz="1300" dirty="0"/>
+              <a:t>2.</a:t>
+            </a:r>
+            <a:r>
+              <a:rPr lang="zh-CN" altLang="en-US" sz="1300" dirty="0"/>
+              <a:t>实例注册：将实例注册到容器，使用</a:t>
+            </a:r>
+            <a:r>
+              <a:rPr lang="en-US" altLang="zh-CN" sz="1300" dirty="0" err="1"/>
+              <a:t>RegisterInstance</a:t>
+            </a:r>
+            <a:r>
+              <a:rPr lang="en-US" altLang="zh-CN" sz="1300" dirty="0"/>
+              <a:t>()</a:t>
+            </a:r>
+            <a:r>
+              <a:rPr lang="zh-CN" altLang="en-US" sz="1300" dirty="0"/>
+              <a:t>方法，通常用两种</a:t>
+            </a:r>
+            <a:endParaRPr lang="en-US" altLang="zh-CN" sz="1300" dirty="0"/>
+          </a:p>
+          <a:p>
+            <a:pPr lvl="1">
+              <a:buFont typeface="Wingdings" panose="05000000000000000000" pitchFamily="2" charset="2"/>
+              <a:buChar char="Ø"/>
+            </a:pPr>
+            <a:r>
+              <a:rPr lang="en-US" altLang="zh-CN" sz="1300" dirty="0"/>
+              <a:t>a.</a:t>
+            </a:r>
+          </a:p>
+          <a:p>
+            <a:pPr lvl="1">
+              <a:buFont typeface="Wingdings" panose="05000000000000000000" pitchFamily="2" charset="2"/>
+              <a:buChar char="Ø"/>
+            </a:pPr>
+            <a:endParaRPr lang="en-US" altLang="zh-CN" sz="1300" dirty="0"/>
+          </a:p>
+          <a:p>
+            <a:pPr lvl="1">
+              <a:buFont typeface="Wingdings" panose="05000000000000000000" pitchFamily="2" charset="2"/>
+              <a:buChar char="Ø"/>
+            </a:pPr>
+            <a:endParaRPr lang="en-US" altLang="zh-CN" sz="1300" dirty="0"/>
+          </a:p>
+          <a:p>
+            <a:pPr lvl="1">
+              <a:buFont typeface="Wingdings" panose="05000000000000000000" pitchFamily="2" charset="2"/>
+              <a:buChar char="Ø"/>
+            </a:pPr>
+            <a:endParaRPr lang="en-US" altLang="zh-CN" sz="1300" dirty="0"/>
+          </a:p>
+          <a:p>
+            <a:pPr lvl="1">
+              <a:buFont typeface="Wingdings" panose="05000000000000000000" pitchFamily="2" charset="2"/>
+              <a:buChar char="Ø"/>
+            </a:pPr>
+            <a:r>
+              <a:rPr lang="en-US" altLang="zh-CN" sz="1300" dirty="0"/>
+              <a:t>b.</a:t>
+            </a:r>
+          </a:p>
+        </p:txBody>
+      </p:sp>
+      <p:pic>
+        <p:nvPicPr>
+          <p:cNvPr id="12" name="图片 11">
+            <a:extLst>
+              <a:ext uri="{FF2B5EF4-FFF2-40B4-BE49-F238E27FC236}">
+                <a16:creationId xmlns:a16="http://schemas.microsoft.com/office/drawing/2014/main" id="{C5B6E451-E8CC-4233-A396-1F9E25445395}"/>
+              </a:ext>
+            </a:extLst>
+          </p:cNvPr>
+          <p:cNvPicPr>
+            <a:picLocks noChangeAspect="1"/>
+          </p:cNvPicPr>
+          <p:nvPr/>
+        </p:nvPicPr>
+        <p:blipFill>
+          <a:blip r:embed="rId6"/>
+          <a:stretch>
+            <a:fillRect/>
+          </a:stretch>
+        </p:blipFill>
+        <p:spPr>
+          <a:xfrm>
+            <a:off x="1475656" y="2236455"/>
+            <a:ext cx="4309524" cy="533334"/>
+          </a:xfrm>
+          <a:prstGeom prst="rect">
+            <a:avLst/>
+          </a:prstGeom>
+        </p:spPr>
+      </p:pic>
+      <p:pic>
+        <p:nvPicPr>
+          <p:cNvPr id="14" name="图片 13">
+            <a:extLst>
+              <a:ext uri="{FF2B5EF4-FFF2-40B4-BE49-F238E27FC236}">
+                <a16:creationId xmlns:a16="http://schemas.microsoft.com/office/drawing/2014/main" id="{B1CD2B7E-6706-4C5E-AF3B-6370D4DE4FB9}"/>
+              </a:ext>
+            </a:extLst>
+          </p:cNvPr>
+          <p:cNvPicPr>
+            <a:picLocks noChangeAspect="1"/>
+          </p:cNvPicPr>
+          <p:nvPr/>
+        </p:nvPicPr>
+        <p:blipFill>
+          <a:blip r:embed="rId7"/>
+          <a:stretch>
+            <a:fillRect/>
+          </a:stretch>
+        </p:blipFill>
+        <p:spPr>
+          <a:xfrm>
+            <a:off x="1475656" y="2949397"/>
+            <a:ext cx="6442369" cy="400111"/>
+          </a:xfrm>
+          <a:prstGeom prst="rect">
+            <a:avLst/>
+          </a:prstGeom>
+        </p:spPr>
+      </p:pic>
+      <p:sp>
+        <p:nvSpPr>
+          <p:cNvPr id="15" name="TextBox 8">
+            <a:extLst>
+              <a:ext uri="{FF2B5EF4-FFF2-40B4-BE49-F238E27FC236}">
+                <a16:creationId xmlns:a16="http://schemas.microsoft.com/office/drawing/2014/main" id="{A998546E-1BA7-4298-9127-E38EA2C8E6AC}"/>
+              </a:ext>
+            </a:extLst>
+          </p:cNvPr>
+          <p:cNvSpPr txBox="1"/>
+          <p:nvPr/>
+        </p:nvSpPr>
+        <p:spPr>
+          <a:xfrm>
+            <a:off x="611560" y="3349508"/>
+            <a:ext cx="7632848" cy="692497"/>
+          </a:xfrm>
+          <a:prstGeom prst="rect">
+            <a:avLst/>
+          </a:prstGeom>
+          <a:noFill/>
+        </p:spPr>
+        <p:txBody>
+          <a:bodyPr wrap="square" rtlCol="0">
+            <a:spAutoFit/>
+          </a:bodyPr>
+          <a:lstStyle/>
+          <a:p>
+            <a:pPr>
+              <a:buFont typeface="Wingdings" panose="05000000000000000000" pitchFamily="2" charset="2"/>
+              <a:buChar char="Ø"/>
+            </a:pPr>
+            <a:r>
+              <a:rPr lang="en-US" altLang="zh-CN" sz="1300" dirty="0"/>
+              <a:t>3. Lambda</a:t>
+            </a:r>
+            <a:r>
+              <a:rPr lang="zh-CN" altLang="en-US" sz="1300" dirty="0"/>
+              <a:t>表达式注册：利用</a:t>
+            </a:r>
+            <a:r>
+              <a:rPr lang="en-US" altLang="zh-CN" sz="1300" dirty="0"/>
+              <a:t>Lambda</a:t>
+            </a:r>
+            <a:r>
+              <a:rPr lang="zh-CN" altLang="en-US" sz="1300" dirty="0"/>
+              <a:t>注册可以实现一些常规反射无法实现的操作，比如一些复杂参数注册。</a:t>
+            </a:r>
+            <a:endParaRPr lang="en-US" altLang="zh-CN" sz="1300" dirty="0"/>
+          </a:p>
+          <a:p>
+            <a:pPr lvl="1">
+              <a:buFont typeface="Wingdings" panose="05000000000000000000" pitchFamily="2" charset="2"/>
+              <a:buChar char="Ø"/>
+            </a:pPr>
+            <a:endParaRPr lang="en-US" altLang="zh-CN" sz="1300" dirty="0"/>
+          </a:p>
+        </p:txBody>
+      </p:sp>
+      <p:pic>
+        <p:nvPicPr>
+          <p:cNvPr id="16" name="图片 15">
+            <a:extLst>
+              <a:ext uri="{FF2B5EF4-FFF2-40B4-BE49-F238E27FC236}">
+                <a16:creationId xmlns:a16="http://schemas.microsoft.com/office/drawing/2014/main" id="{7E8536D7-9DE5-4EC7-945C-42C7EB885977}"/>
+              </a:ext>
+            </a:extLst>
+          </p:cNvPr>
+          <p:cNvPicPr>
+            <a:picLocks noChangeAspect="1"/>
+          </p:cNvPicPr>
+          <p:nvPr/>
+        </p:nvPicPr>
+        <p:blipFill>
+          <a:blip r:embed="rId8"/>
+          <a:stretch>
+            <a:fillRect/>
+          </a:stretch>
+        </p:blipFill>
+        <p:spPr>
+          <a:xfrm>
+            <a:off x="1475656" y="3592898"/>
+            <a:ext cx="7056783" cy="448607"/>
           </a:xfrm>
           <a:prstGeom prst="rect">
             <a:avLst/>
@@ -16472,7 +17581,1949 @@
 </p:sld>
 </file>
 
-<file path=ppt/slides/slide25.xml><?xml version="1.0" encoding="utf-8"?>
+<file path=ppt/slides/slide26.xml><?xml version="1.0" encoding="utf-8"?>
+<p:sld xmlns:a="http://schemas.openxmlformats.org/drawingml/2006/main" xmlns:r="http://schemas.openxmlformats.org/officeDocument/2006/relationships" xmlns:p="http://schemas.openxmlformats.org/presentationml/2006/main">
+  <p:cSld>
+    <p:spTree>
+      <p:nvGrpSpPr>
+        <p:cNvPr id="1" name=""/>
+        <p:cNvGrpSpPr/>
+        <p:nvPr/>
+      </p:nvGrpSpPr>
+      <p:grpSpPr>
+        <a:xfrm>
+          <a:off x="0" y="0"/>
+          <a:ext cx="0" cy="0"/>
+          <a:chOff x="0" y="0"/>
+          <a:chExt cx="0" cy="0"/>
+        </a:xfrm>
+      </p:grpSpPr>
+      <p:sp>
+        <p:nvSpPr>
+          <p:cNvPr id="5" name="TextBox 4"/>
+          <p:cNvSpPr txBox="1"/>
+          <p:nvPr/>
+        </p:nvSpPr>
+        <p:spPr>
+          <a:xfrm>
+            <a:off x="611560" y="411510"/>
+            <a:ext cx="4680520" cy="400110"/>
+          </a:xfrm>
+          <a:prstGeom prst="rect">
+            <a:avLst/>
+          </a:prstGeom>
+          <a:noFill/>
+        </p:spPr>
+        <p:txBody>
+          <a:bodyPr wrap="square" rtlCol="0">
+            <a:spAutoFit/>
+          </a:bodyPr>
+          <a:lstStyle/>
+          <a:p>
+            <a:r>
+              <a:rPr lang="en-US" altLang="zh-CN" sz="2000" i="1" dirty="0"/>
+              <a:t>2.Autofac</a:t>
+            </a:r>
+            <a:r>
+              <a:rPr lang="zh-CN" altLang="en-US" sz="2000" i="1" dirty="0"/>
+              <a:t>组件注册</a:t>
+            </a:r>
+            <a:endParaRPr lang="zh-CN" altLang="en-US" sz="2000" b="1" dirty="0">
+              <a:latin typeface="微软雅黑" pitchFamily="34" charset="-122"/>
+              <a:ea typeface="微软雅黑" pitchFamily="34" charset="-122"/>
+            </a:endParaRPr>
+          </a:p>
+        </p:txBody>
+      </p:sp>
+      <p:pic>
+        <p:nvPicPr>
+          <p:cNvPr id="6" name="图片 5" descr="矢量智能对象.png"/>
+          <p:cNvPicPr>
+            <a:picLocks noChangeAspect="1"/>
+          </p:cNvPicPr>
+          <p:nvPr/>
+        </p:nvPicPr>
+        <p:blipFill>
+          <a:blip r:embed="rId3" cstate="print"/>
+          <a:stretch>
+            <a:fillRect/>
+          </a:stretch>
+        </p:blipFill>
+        <p:spPr>
+          <a:xfrm>
+            <a:off x="8244408" y="288032"/>
+            <a:ext cx="487504" cy="349205"/>
+          </a:xfrm>
+          <a:prstGeom prst="rect">
+            <a:avLst/>
+          </a:prstGeom>
+        </p:spPr>
+      </p:pic>
+      <p:pic>
+        <p:nvPicPr>
+          <p:cNvPr id="8" name="图片 7" descr="矢量智能对象.png"/>
+          <p:cNvPicPr>
+            <a:picLocks noChangeAspect="1"/>
+          </p:cNvPicPr>
+          <p:nvPr/>
+        </p:nvPicPr>
+        <p:blipFill>
+          <a:blip r:embed="rId4" cstate="print"/>
+          <a:stretch>
+            <a:fillRect/>
+          </a:stretch>
+        </p:blipFill>
+        <p:spPr>
+          <a:xfrm>
+            <a:off x="0" y="4659982"/>
+            <a:ext cx="9144000" cy="504056"/>
+          </a:xfrm>
+          <a:prstGeom prst="rect">
+            <a:avLst/>
+          </a:prstGeom>
+        </p:spPr>
+      </p:pic>
+      <p:sp>
+        <p:nvSpPr>
+          <p:cNvPr id="7" name="TextBox 8">
+            <a:extLst>
+              <a:ext uri="{FF2B5EF4-FFF2-40B4-BE49-F238E27FC236}">
+                <a16:creationId xmlns:a16="http://schemas.microsoft.com/office/drawing/2014/main" id="{7286B767-0A43-40E6-989C-C7A244DA8531}"/>
+              </a:ext>
+            </a:extLst>
+          </p:cNvPr>
+          <p:cNvSpPr txBox="1"/>
+          <p:nvPr/>
+        </p:nvSpPr>
+        <p:spPr>
+          <a:xfrm>
+            <a:off x="611560" y="987574"/>
+            <a:ext cx="7632848" cy="292388"/>
+          </a:xfrm>
+          <a:prstGeom prst="rect">
+            <a:avLst/>
+          </a:prstGeom>
+          <a:noFill/>
+        </p:spPr>
+        <p:txBody>
+          <a:bodyPr wrap="square" rtlCol="0">
+            <a:spAutoFit/>
+          </a:bodyPr>
+          <a:lstStyle/>
+          <a:p>
+            <a:pPr>
+              <a:buFont typeface="Wingdings" panose="05000000000000000000" pitchFamily="2" charset="2"/>
+              <a:buChar char="Ø"/>
+            </a:pPr>
+            <a:r>
+              <a:rPr lang="en-US" altLang="zh-CN" sz="1300" dirty="0"/>
+              <a:t>4.</a:t>
+            </a:r>
+            <a:r>
+              <a:rPr lang="zh-CN" altLang="en-US" sz="1300" dirty="0"/>
+              <a:t>泛型注册：最常见的就是泛型仓储的注册</a:t>
+            </a:r>
+            <a:endParaRPr lang="en-US" altLang="zh-CN" sz="1300" dirty="0"/>
+          </a:p>
+        </p:txBody>
+      </p:sp>
+      <p:sp>
+        <p:nvSpPr>
+          <p:cNvPr id="11" name="TextBox 8">
+            <a:extLst>
+              <a:ext uri="{FF2B5EF4-FFF2-40B4-BE49-F238E27FC236}">
+                <a16:creationId xmlns:a16="http://schemas.microsoft.com/office/drawing/2014/main" id="{AA091C77-6DAA-4681-A356-CDA06A0D74EC}"/>
+              </a:ext>
+            </a:extLst>
+          </p:cNvPr>
+          <p:cNvSpPr txBox="1"/>
+          <p:nvPr/>
+        </p:nvSpPr>
+        <p:spPr>
+          <a:xfrm>
+            <a:off x="611560" y="1856791"/>
+            <a:ext cx="7632848" cy="1692771"/>
+          </a:xfrm>
+          <a:prstGeom prst="rect">
+            <a:avLst/>
+          </a:prstGeom>
+          <a:noFill/>
+        </p:spPr>
+        <p:txBody>
+          <a:bodyPr wrap="square" rtlCol="0">
+            <a:spAutoFit/>
+          </a:bodyPr>
+          <a:lstStyle/>
+          <a:p>
+            <a:pPr>
+              <a:buFont typeface="Wingdings" panose="05000000000000000000" pitchFamily="2" charset="2"/>
+              <a:buChar char="Ø"/>
+            </a:pPr>
+            <a:r>
+              <a:rPr lang="en-US" altLang="zh-CN" sz="1300" dirty="0"/>
+              <a:t>5.</a:t>
+            </a:r>
+            <a:r>
+              <a:rPr lang="zh-CN" altLang="en-US" sz="1300" dirty="0"/>
+              <a:t>条件注册：通过加上判断条件，来决定是否执行该条注册语句</a:t>
+            </a:r>
+            <a:endParaRPr lang="en-US" altLang="zh-CN" sz="1300" dirty="0"/>
+          </a:p>
+          <a:p>
+            <a:pPr>
+              <a:buFont typeface="Wingdings" panose="05000000000000000000" pitchFamily="2" charset="2"/>
+              <a:buChar char="Ø"/>
+            </a:pPr>
+            <a:endParaRPr lang="en-US" altLang="zh-CN" sz="1300" dirty="0"/>
+          </a:p>
+          <a:p>
+            <a:pPr lvl="1">
+              <a:buFont typeface="Wingdings" panose="05000000000000000000" pitchFamily="2" charset="2"/>
+              <a:buChar char="Ø"/>
+            </a:pPr>
+            <a:r>
+              <a:rPr lang="en-US" altLang="zh-CN" sz="1300" dirty="0"/>
+              <a:t>a. </a:t>
+            </a:r>
+            <a:r>
+              <a:rPr lang="en-US" altLang="zh-CN" sz="1300" dirty="0" err="1"/>
+              <a:t>IfNotRegistered</a:t>
+            </a:r>
+            <a:r>
+              <a:rPr lang="zh-CN" altLang="en-US" sz="1300" dirty="0"/>
+              <a:t>（如果没注册过</a:t>
+            </a:r>
+            <a:r>
+              <a:rPr lang="en-US" altLang="zh-CN" sz="1300" dirty="0"/>
+              <a:t>xxx</a:t>
+            </a:r>
+            <a:r>
+              <a:rPr lang="zh-CN" altLang="en-US" sz="1300" dirty="0"/>
+              <a:t>，就执行语句：）</a:t>
+            </a:r>
+            <a:endParaRPr lang="en-US" altLang="zh-CN" sz="1300" dirty="0"/>
+          </a:p>
+          <a:p>
+            <a:pPr lvl="1">
+              <a:buFont typeface="Wingdings" panose="05000000000000000000" pitchFamily="2" charset="2"/>
+              <a:buChar char="Ø"/>
+            </a:pPr>
+            <a:endParaRPr lang="en-US" altLang="zh-CN" sz="1300" dirty="0"/>
+          </a:p>
+          <a:p>
+            <a:pPr lvl="1">
+              <a:buFont typeface="Wingdings" panose="05000000000000000000" pitchFamily="2" charset="2"/>
+              <a:buChar char="Ø"/>
+            </a:pPr>
+            <a:endParaRPr lang="en-US" altLang="zh-CN" sz="1300" dirty="0"/>
+          </a:p>
+          <a:p>
+            <a:pPr lvl="1"/>
+            <a:endParaRPr lang="en-US" altLang="zh-CN" sz="1300" dirty="0"/>
+          </a:p>
+          <a:p>
+            <a:pPr lvl="1">
+              <a:buFont typeface="Wingdings" panose="05000000000000000000" pitchFamily="2" charset="2"/>
+              <a:buChar char="Ø"/>
+            </a:pPr>
+            <a:r>
+              <a:rPr lang="en-US" altLang="zh-CN" sz="1300" dirty="0"/>
+              <a:t>b. </a:t>
+            </a:r>
+            <a:r>
+              <a:rPr lang="en-US" altLang="zh-CN" sz="1300" dirty="0" err="1"/>
+              <a:t>OnlyIf</a:t>
+            </a:r>
+            <a:r>
+              <a:rPr lang="zh-CN" altLang="en-US" sz="1300" dirty="0"/>
+              <a:t>（只有</a:t>
+            </a:r>
+            <a:r>
+              <a:rPr lang="en-US" altLang="zh-CN" sz="1300" dirty="0"/>
+              <a:t>...</a:t>
+            </a:r>
+            <a:r>
+              <a:rPr lang="zh-CN" altLang="en-US" sz="1300" dirty="0"/>
+              <a:t>，才会执行语句）</a:t>
+            </a:r>
+            <a:endParaRPr lang="en-US" altLang="zh-CN" sz="1300" dirty="0"/>
+          </a:p>
+          <a:p>
+            <a:pPr lvl="1">
+              <a:buFont typeface="Wingdings" panose="05000000000000000000" pitchFamily="2" charset="2"/>
+              <a:buChar char="Ø"/>
+            </a:pPr>
+            <a:endParaRPr lang="en-US" altLang="zh-CN" sz="1300" dirty="0"/>
+          </a:p>
+        </p:txBody>
+      </p:sp>
+      <p:pic>
+        <p:nvPicPr>
+          <p:cNvPr id="4" name="图片 3">
+            <a:extLst>
+              <a:ext uri="{FF2B5EF4-FFF2-40B4-BE49-F238E27FC236}">
+                <a16:creationId xmlns:a16="http://schemas.microsoft.com/office/drawing/2014/main" id="{E5406682-6C86-40C2-A795-B225E7BED2DF}"/>
+              </a:ext>
+            </a:extLst>
+          </p:cNvPr>
+          <p:cNvPicPr>
+            <a:picLocks noChangeAspect="1"/>
+          </p:cNvPicPr>
+          <p:nvPr/>
+        </p:nvPicPr>
+        <p:blipFill>
+          <a:blip r:embed="rId5"/>
+          <a:stretch>
+            <a:fillRect/>
+          </a:stretch>
+        </p:blipFill>
+        <p:spPr>
+          <a:xfrm>
+            <a:off x="1475656" y="2558911"/>
+            <a:ext cx="3580956" cy="519048"/>
+          </a:xfrm>
+          <a:prstGeom prst="rect">
+            <a:avLst/>
+          </a:prstGeom>
+        </p:spPr>
+      </p:pic>
+      <p:pic>
+        <p:nvPicPr>
+          <p:cNvPr id="9" name="图片 8">
+            <a:extLst>
+              <a:ext uri="{FF2B5EF4-FFF2-40B4-BE49-F238E27FC236}">
+                <a16:creationId xmlns:a16="http://schemas.microsoft.com/office/drawing/2014/main" id="{35657963-9C4C-4445-A33C-A40F82C8A672}"/>
+              </a:ext>
+            </a:extLst>
+          </p:cNvPr>
+          <p:cNvPicPr>
+            <a:picLocks noChangeAspect="1"/>
+          </p:cNvPicPr>
+          <p:nvPr/>
+        </p:nvPicPr>
+        <p:blipFill>
+          <a:blip r:embed="rId6"/>
+          <a:stretch>
+            <a:fillRect/>
+          </a:stretch>
+        </p:blipFill>
+        <p:spPr>
+          <a:xfrm>
+            <a:off x="1475656" y="1274203"/>
+            <a:ext cx="4320480" cy="494900"/>
+          </a:xfrm>
+          <a:prstGeom prst="rect">
+            <a:avLst/>
+          </a:prstGeom>
+        </p:spPr>
+      </p:pic>
+      <p:pic>
+        <p:nvPicPr>
+          <p:cNvPr id="13" name="图片 12">
+            <a:extLst>
+              <a:ext uri="{FF2B5EF4-FFF2-40B4-BE49-F238E27FC236}">
+                <a16:creationId xmlns:a16="http://schemas.microsoft.com/office/drawing/2014/main" id="{D1FDD4E1-6D08-4510-BC34-17287859F190}"/>
+              </a:ext>
+            </a:extLst>
+          </p:cNvPr>
+          <p:cNvPicPr>
+            <a:picLocks noChangeAspect="1"/>
+          </p:cNvPicPr>
+          <p:nvPr/>
+        </p:nvPicPr>
+        <p:blipFill>
+          <a:blip r:embed="rId7"/>
+          <a:stretch>
+            <a:fillRect/>
+          </a:stretch>
+        </p:blipFill>
+        <p:spPr>
+          <a:xfrm>
+            <a:off x="1475656" y="3327543"/>
+            <a:ext cx="3580956" cy="541754"/>
+          </a:xfrm>
+          <a:prstGeom prst="rect">
+            <a:avLst/>
+          </a:prstGeom>
+        </p:spPr>
+      </p:pic>
+    </p:spTree>
+    <p:extLst>
+      <p:ext uri="{BB962C8B-B14F-4D97-AF65-F5344CB8AC3E}">
+        <p14:creationId xmlns:p14="http://schemas.microsoft.com/office/powerpoint/2010/main" val="381133083"/>
+      </p:ext>
+    </p:extLst>
+  </p:cSld>
+  <p:clrMapOvr>
+    <a:masterClrMapping/>
+  </p:clrMapOvr>
+</p:sld>
+</file>
+
+<file path=ppt/slides/slide27.xml><?xml version="1.0" encoding="utf-8"?>
+<p:sld xmlns:a="http://schemas.openxmlformats.org/drawingml/2006/main" xmlns:r="http://schemas.openxmlformats.org/officeDocument/2006/relationships" xmlns:p="http://schemas.openxmlformats.org/presentationml/2006/main">
+  <p:cSld>
+    <p:spTree>
+      <p:nvGrpSpPr>
+        <p:cNvPr id="1" name=""/>
+        <p:cNvGrpSpPr/>
+        <p:nvPr/>
+      </p:nvGrpSpPr>
+      <p:grpSpPr>
+        <a:xfrm>
+          <a:off x="0" y="0"/>
+          <a:ext cx="0" cy="0"/>
+          <a:chOff x="0" y="0"/>
+          <a:chExt cx="0" cy="0"/>
+        </a:xfrm>
+      </p:grpSpPr>
+      <p:sp>
+        <p:nvSpPr>
+          <p:cNvPr id="5" name="TextBox 4"/>
+          <p:cNvSpPr txBox="1"/>
+          <p:nvPr/>
+        </p:nvSpPr>
+        <p:spPr>
+          <a:xfrm>
+            <a:off x="611560" y="411510"/>
+            <a:ext cx="4680520" cy="400110"/>
+          </a:xfrm>
+          <a:prstGeom prst="rect">
+            <a:avLst/>
+          </a:prstGeom>
+          <a:noFill/>
+        </p:spPr>
+        <p:txBody>
+          <a:bodyPr wrap="square" rtlCol="0">
+            <a:spAutoFit/>
+          </a:bodyPr>
+          <a:lstStyle/>
+          <a:p>
+            <a:r>
+              <a:rPr lang="en-US" altLang="zh-CN" sz="2000" i="1" dirty="0"/>
+              <a:t>2.Autofac</a:t>
+            </a:r>
+            <a:r>
+              <a:rPr lang="zh-CN" altLang="en-US" sz="2000" i="1" dirty="0"/>
+              <a:t>组件注册</a:t>
+            </a:r>
+            <a:endParaRPr lang="zh-CN" altLang="en-US" sz="2000" b="1" dirty="0">
+              <a:latin typeface="微软雅黑" pitchFamily="34" charset="-122"/>
+              <a:ea typeface="微软雅黑" pitchFamily="34" charset="-122"/>
+            </a:endParaRPr>
+          </a:p>
+        </p:txBody>
+      </p:sp>
+      <p:pic>
+        <p:nvPicPr>
+          <p:cNvPr id="6" name="图片 5" descr="矢量智能对象.png"/>
+          <p:cNvPicPr>
+            <a:picLocks noChangeAspect="1"/>
+          </p:cNvPicPr>
+          <p:nvPr/>
+        </p:nvPicPr>
+        <p:blipFill>
+          <a:blip r:embed="rId3" cstate="print"/>
+          <a:stretch>
+            <a:fillRect/>
+          </a:stretch>
+        </p:blipFill>
+        <p:spPr>
+          <a:xfrm>
+            <a:off x="8244408" y="288032"/>
+            <a:ext cx="487504" cy="349205"/>
+          </a:xfrm>
+          <a:prstGeom prst="rect">
+            <a:avLst/>
+          </a:prstGeom>
+        </p:spPr>
+      </p:pic>
+      <p:pic>
+        <p:nvPicPr>
+          <p:cNvPr id="8" name="图片 7" descr="矢量智能对象.png"/>
+          <p:cNvPicPr>
+            <a:picLocks noChangeAspect="1"/>
+          </p:cNvPicPr>
+          <p:nvPr/>
+        </p:nvPicPr>
+        <p:blipFill>
+          <a:blip r:embed="rId4" cstate="print"/>
+          <a:stretch>
+            <a:fillRect/>
+          </a:stretch>
+        </p:blipFill>
+        <p:spPr>
+          <a:xfrm>
+            <a:off x="0" y="4659982"/>
+            <a:ext cx="9144000" cy="504056"/>
+          </a:xfrm>
+          <a:prstGeom prst="rect">
+            <a:avLst/>
+          </a:prstGeom>
+        </p:spPr>
+      </p:pic>
+      <p:sp>
+        <p:nvSpPr>
+          <p:cNvPr id="7" name="TextBox 8">
+            <a:extLst>
+              <a:ext uri="{FF2B5EF4-FFF2-40B4-BE49-F238E27FC236}">
+                <a16:creationId xmlns:a16="http://schemas.microsoft.com/office/drawing/2014/main" id="{7286B767-0A43-40E6-989C-C7A244DA8531}"/>
+              </a:ext>
+            </a:extLst>
+          </p:cNvPr>
+          <p:cNvSpPr txBox="1"/>
+          <p:nvPr/>
+        </p:nvSpPr>
+        <p:spPr>
+          <a:xfrm>
+            <a:off x="611560" y="1418264"/>
+            <a:ext cx="7632848" cy="292388"/>
+          </a:xfrm>
+          <a:prstGeom prst="rect">
+            <a:avLst/>
+          </a:prstGeom>
+          <a:noFill/>
+        </p:spPr>
+        <p:txBody>
+          <a:bodyPr wrap="square" rtlCol="0">
+            <a:spAutoFit/>
+          </a:bodyPr>
+          <a:lstStyle/>
+          <a:p>
+            <a:pPr>
+              <a:buFont typeface="Wingdings" panose="05000000000000000000" pitchFamily="2" charset="2"/>
+              <a:buChar char="Ø"/>
+            </a:pPr>
+            <a:r>
+              <a:rPr lang="en-US" altLang="zh-CN" sz="1300" dirty="0"/>
+              <a:t>6.</a:t>
+            </a:r>
+            <a:r>
+              <a:rPr lang="zh-CN" altLang="en-US" sz="1300" dirty="0"/>
+              <a:t>程序集批量注册：最常用，也最实用的一个注册方法。</a:t>
+            </a:r>
+            <a:endParaRPr lang="en-US" altLang="zh-CN" sz="1300" dirty="0"/>
+          </a:p>
+        </p:txBody>
+      </p:sp>
+      <p:pic>
+        <p:nvPicPr>
+          <p:cNvPr id="2" name="图片 1">
+            <a:extLst>
+              <a:ext uri="{FF2B5EF4-FFF2-40B4-BE49-F238E27FC236}">
+                <a16:creationId xmlns:a16="http://schemas.microsoft.com/office/drawing/2014/main" id="{8D91ABE9-803D-4C81-9B3A-3DCC06EF295A}"/>
+              </a:ext>
+            </a:extLst>
+          </p:cNvPr>
+          <p:cNvPicPr>
+            <a:picLocks noChangeAspect="1"/>
+          </p:cNvPicPr>
+          <p:nvPr/>
+        </p:nvPicPr>
+        <p:blipFill>
+          <a:blip r:embed="rId5"/>
+          <a:stretch>
+            <a:fillRect/>
+          </a:stretch>
+        </p:blipFill>
+        <p:spPr>
+          <a:xfrm>
+            <a:off x="1313892" y="1918147"/>
+            <a:ext cx="6228184" cy="1307205"/>
+          </a:xfrm>
+          <a:prstGeom prst="rect">
+            <a:avLst/>
+          </a:prstGeom>
+        </p:spPr>
+      </p:pic>
+    </p:spTree>
+    <p:extLst>
+      <p:ext uri="{BB962C8B-B14F-4D97-AF65-F5344CB8AC3E}">
+        <p14:creationId xmlns:p14="http://schemas.microsoft.com/office/powerpoint/2010/main" val="675679490"/>
+      </p:ext>
+    </p:extLst>
+  </p:cSld>
+  <p:clrMapOvr>
+    <a:masterClrMapping/>
+  </p:clrMapOvr>
+</p:sld>
+</file>
+
+<file path=ppt/slides/slide28.xml><?xml version="1.0" encoding="utf-8"?>
+<p:sld xmlns:a="http://schemas.openxmlformats.org/drawingml/2006/main" xmlns:r="http://schemas.openxmlformats.org/officeDocument/2006/relationships" xmlns:p="http://schemas.openxmlformats.org/presentationml/2006/main">
+  <p:cSld>
+    <p:spTree>
+      <p:nvGrpSpPr>
+        <p:cNvPr id="1" name=""/>
+        <p:cNvGrpSpPr/>
+        <p:nvPr/>
+      </p:nvGrpSpPr>
+      <p:grpSpPr>
+        <a:xfrm>
+          <a:off x="0" y="0"/>
+          <a:ext cx="0" cy="0"/>
+          <a:chOff x="0" y="0"/>
+          <a:chExt cx="0" cy="0"/>
+        </a:xfrm>
+      </p:grpSpPr>
+      <p:sp>
+        <p:nvSpPr>
+          <p:cNvPr id="5" name="TextBox 4"/>
+          <p:cNvSpPr txBox="1"/>
+          <p:nvPr/>
+        </p:nvSpPr>
+        <p:spPr>
+          <a:xfrm>
+            <a:off x="611560" y="411510"/>
+            <a:ext cx="4680520" cy="400110"/>
+          </a:xfrm>
+          <a:prstGeom prst="rect">
+            <a:avLst/>
+          </a:prstGeom>
+          <a:noFill/>
+        </p:spPr>
+        <p:txBody>
+          <a:bodyPr wrap="square" rtlCol="0">
+            <a:spAutoFit/>
+          </a:bodyPr>
+          <a:lstStyle/>
+          <a:p>
+            <a:r>
+              <a:rPr lang="en-US" altLang="zh-CN" sz="2000" i="1" dirty="0"/>
+              <a:t>3. </a:t>
+            </a:r>
+            <a:r>
+              <a:rPr lang="en-US" altLang="zh-CN" sz="2000" i="1" dirty="0" err="1"/>
+              <a:t>AutoFac</a:t>
+            </a:r>
+            <a:r>
+              <a:rPr lang="zh-CN" altLang="en-US" sz="2000" i="1" dirty="0"/>
+              <a:t>的生命周期作用域</a:t>
+            </a:r>
+            <a:endParaRPr lang="zh-CN" altLang="en-US" sz="2000" b="1" dirty="0">
+              <a:latin typeface="微软雅黑" pitchFamily="34" charset="-122"/>
+              <a:ea typeface="微软雅黑" pitchFamily="34" charset="-122"/>
+            </a:endParaRPr>
+          </a:p>
+        </p:txBody>
+      </p:sp>
+      <p:pic>
+        <p:nvPicPr>
+          <p:cNvPr id="6" name="图片 5" descr="矢量智能对象.png"/>
+          <p:cNvPicPr>
+            <a:picLocks noChangeAspect="1"/>
+          </p:cNvPicPr>
+          <p:nvPr/>
+        </p:nvPicPr>
+        <p:blipFill>
+          <a:blip r:embed="rId3" cstate="print"/>
+          <a:stretch>
+            <a:fillRect/>
+          </a:stretch>
+        </p:blipFill>
+        <p:spPr>
+          <a:xfrm>
+            <a:off x="8244408" y="288032"/>
+            <a:ext cx="487504" cy="349205"/>
+          </a:xfrm>
+          <a:prstGeom prst="rect">
+            <a:avLst/>
+          </a:prstGeom>
+        </p:spPr>
+      </p:pic>
+      <p:pic>
+        <p:nvPicPr>
+          <p:cNvPr id="8" name="图片 7" descr="矢量智能对象.png"/>
+          <p:cNvPicPr>
+            <a:picLocks noChangeAspect="1"/>
+          </p:cNvPicPr>
+          <p:nvPr/>
+        </p:nvPicPr>
+        <p:blipFill>
+          <a:blip r:embed="rId4" cstate="print"/>
+          <a:stretch>
+            <a:fillRect/>
+          </a:stretch>
+        </p:blipFill>
+        <p:spPr>
+          <a:xfrm>
+            <a:off x="0" y="4659982"/>
+            <a:ext cx="9144000" cy="504056"/>
+          </a:xfrm>
+          <a:prstGeom prst="rect">
+            <a:avLst/>
+          </a:prstGeom>
+        </p:spPr>
+      </p:pic>
+      <p:sp>
+        <p:nvSpPr>
+          <p:cNvPr id="7" name="TextBox 8">
+            <a:extLst>
+              <a:ext uri="{FF2B5EF4-FFF2-40B4-BE49-F238E27FC236}">
+                <a16:creationId xmlns:a16="http://schemas.microsoft.com/office/drawing/2014/main" id="{73B21535-1E12-4C21-B6DA-C7D0682C2413}"/>
+              </a:ext>
+            </a:extLst>
+          </p:cNvPr>
+          <p:cNvSpPr txBox="1"/>
+          <p:nvPr/>
+        </p:nvSpPr>
+        <p:spPr>
+          <a:xfrm>
+            <a:off x="611560" y="1556002"/>
+            <a:ext cx="7632848" cy="1092607"/>
+          </a:xfrm>
+          <a:prstGeom prst="rect">
+            <a:avLst/>
+          </a:prstGeom>
+          <a:noFill/>
+        </p:spPr>
+        <p:txBody>
+          <a:bodyPr wrap="square" rtlCol="0">
+            <a:spAutoFit/>
+          </a:bodyPr>
+          <a:lstStyle/>
+          <a:p>
+            <a:pPr>
+              <a:buFont typeface="Wingdings" panose="05000000000000000000" pitchFamily="2" charset="2"/>
+              <a:buChar char="Ø"/>
+            </a:pPr>
+            <a:r>
+              <a:rPr lang="en-US" altLang="zh-CN" sz="1300" dirty="0"/>
+              <a:t>a.</a:t>
+            </a:r>
+            <a:r>
+              <a:rPr lang="zh-CN" altLang="en-US" sz="1300" dirty="0"/>
+              <a:t>瞬时单例</a:t>
+            </a:r>
+            <a:r>
+              <a:rPr lang="en-US" altLang="zh-CN" sz="1300" dirty="0"/>
+              <a:t>(Instance Per Dependency)</a:t>
+            </a:r>
+            <a:r>
+              <a:rPr lang="zh-CN" altLang="en-US" sz="1300" dirty="0"/>
+              <a:t>：</a:t>
+            </a:r>
+            <a:endParaRPr lang="en-US" altLang="zh-CN" sz="1300" dirty="0"/>
+          </a:p>
+          <a:p>
+            <a:pPr>
+              <a:buFont typeface="Wingdings" panose="05000000000000000000" pitchFamily="2" charset="2"/>
+              <a:buChar char="Ø"/>
+            </a:pPr>
+            <a:endParaRPr lang="en-US" altLang="zh-CN" sz="1300" dirty="0"/>
+          </a:p>
+          <a:p>
+            <a:pPr lvl="1">
+              <a:buFont typeface="Wingdings" panose="05000000000000000000" pitchFamily="2" charset="2"/>
+              <a:buChar char="Ø"/>
+            </a:pPr>
+            <a:r>
+              <a:rPr lang="zh-CN" altLang="en-US" sz="1300" dirty="0"/>
+              <a:t>每次从容器里拿出来的都是全新对象，相当于每次都</a:t>
+            </a:r>
+            <a:r>
+              <a:rPr lang="en-US" altLang="zh-CN" sz="1300" dirty="0"/>
+              <a:t>new</a:t>
+            </a:r>
+            <a:r>
+              <a:rPr lang="zh-CN" altLang="en-US" sz="1300" dirty="0"/>
+              <a:t>出一个。</a:t>
+            </a:r>
+            <a:endParaRPr lang="en-US" altLang="zh-CN" sz="1300" dirty="0"/>
+          </a:p>
+          <a:p>
+            <a:pPr lvl="1">
+              <a:buFont typeface="Wingdings" panose="05000000000000000000" pitchFamily="2" charset="2"/>
+              <a:buChar char="Ø"/>
+            </a:pPr>
+            <a:endParaRPr lang="en-US" altLang="zh-CN" sz="1300" dirty="0"/>
+          </a:p>
+          <a:p>
+            <a:pPr lvl="1">
+              <a:buFont typeface="Wingdings" panose="05000000000000000000" pitchFamily="2" charset="2"/>
+              <a:buChar char="Ø"/>
+            </a:pPr>
+            <a:r>
+              <a:rPr lang="zh-CN" altLang="en-US" sz="1300" dirty="0"/>
+              <a:t>使用</a:t>
+            </a:r>
+            <a:r>
+              <a:rPr lang="en-US" altLang="zh-CN" sz="1300" dirty="0" err="1"/>
+              <a:t>InstancePerDependency</a:t>
+            </a:r>
+            <a:r>
+              <a:rPr lang="en-US" altLang="zh-CN" sz="1300" dirty="0"/>
+              <a:t>()</a:t>
+            </a:r>
+            <a:r>
+              <a:rPr lang="zh-CN" altLang="en-US" sz="1300" dirty="0"/>
+              <a:t>方法标注（无明确标注情况下默认此方法）。</a:t>
+            </a:r>
+            <a:endParaRPr lang="en-US" altLang="zh-CN" sz="1300" dirty="0"/>
+          </a:p>
+        </p:txBody>
+      </p:sp>
+      <p:pic>
+        <p:nvPicPr>
+          <p:cNvPr id="3" name="图片 2">
+            <a:extLst>
+              <a:ext uri="{FF2B5EF4-FFF2-40B4-BE49-F238E27FC236}">
+                <a16:creationId xmlns:a16="http://schemas.microsoft.com/office/drawing/2014/main" id="{5571D416-FE9E-44B6-802F-BBF152D31DBD}"/>
+              </a:ext>
+            </a:extLst>
+          </p:cNvPr>
+          <p:cNvPicPr>
+            <a:picLocks noChangeAspect="1"/>
+          </p:cNvPicPr>
+          <p:nvPr/>
+        </p:nvPicPr>
+        <p:blipFill>
+          <a:blip r:embed="rId5"/>
+          <a:stretch>
+            <a:fillRect/>
+          </a:stretch>
+        </p:blipFill>
+        <p:spPr>
+          <a:xfrm>
+            <a:off x="1331640" y="2715766"/>
+            <a:ext cx="4572000" cy="753576"/>
+          </a:xfrm>
+          <a:prstGeom prst="rect">
+            <a:avLst/>
+          </a:prstGeom>
+        </p:spPr>
+      </p:pic>
+    </p:spTree>
+    <p:extLst>
+      <p:ext uri="{BB962C8B-B14F-4D97-AF65-F5344CB8AC3E}">
+        <p14:creationId xmlns:p14="http://schemas.microsoft.com/office/powerpoint/2010/main" val="3283812619"/>
+      </p:ext>
+    </p:extLst>
+  </p:cSld>
+  <p:clrMapOvr>
+    <a:masterClrMapping/>
+  </p:clrMapOvr>
+</p:sld>
+</file>
+
+<file path=ppt/slides/slide29.xml><?xml version="1.0" encoding="utf-8"?>
+<p:sld xmlns:a="http://schemas.openxmlformats.org/drawingml/2006/main" xmlns:r="http://schemas.openxmlformats.org/officeDocument/2006/relationships" xmlns:p="http://schemas.openxmlformats.org/presentationml/2006/main">
+  <p:cSld>
+    <p:spTree>
+      <p:nvGrpSpPr>
+        <p:cNvPr id="1" name=""/>
+        <p:cNvGrpSpPr/>
+        <p:nvPr/>
+      </p:nvGrpSpPr>
+      <p:grpSpPr>
+        <a:xfrm>
+          <a:off x="0" y="0"/>
+          <a:ext cx="0" cy="0"/>
+          <a:chOff x="0" y="0"/>
+          <a:chExt cx="0" cy="0"/>
+        </a:xfrm>
+      </p:grpSpPr>
+      <p:sp>
+        <p:nvSpPr>
+          <p:cNvPr id="5" name="TextBox 4"/>
+          <p:cNvSpPr txBox="1"/>
+          <p:nvPr/>
+        </p:nvSpPr>
+        <p:spPr>
+          <a:xfrm>
+            <a:off x="611560" y="411510"/>
+            <a:ext cx="4680520" cy="400110"/>
+          </a:xfrm>
+          <a:prstGeom prst="rect">
+            <a:avLst/>
+          </a:prstGeom>
+          <a:noFill/>
+        </p:spPr>
+        <p:txBody>
+          <a:bodyPr wrap="square" rtlCol="0">
+            <a:spAutoFit/>
+          </a:bodyPr>
+          <a:lstStyle/>
+          <a:p>
+            <a:r>
+              <a:rPr lang="en-US" altLang="zh-CN" sz="2000" i="1" dirty="0"/>
+              <a:t>3. </a:t>
+            </a:r>
+            <a:r>
+              <a:rPr lang="en-US" altLang="zh-CN" sz="2000" i="1" dirty="0" err="1"/>
+              <a:t>AutoFac</a:t>
+            </a:r>
+            <a:r>
+              <a:rPr lang="zh-CN" altLang="en-US" sz="2000" i="1" dirty="0"/>
+              <a:t>的生命周期作用域</a:t>
+            </a:r>
+            <a:endParaRPr lang="zh-CN" altLang="en-US" sz="2000" b="1" dirty="0">
+              <a:latin typeface="微软雅黑" pitchFamily="34" charset="-122"/>
+              <a:ea typeface="微软雅黑" pitchFamily="34" charset="-122"/>
+            </a:endParaRPr>
+          </a:p>
+        </p:txBody>
+      </p:sp>
+      <p:pic>
+        <p:nvPicPr>
+          <p:cNvPr id="6" name="图片 5" descr="矢量智能对象.png"/>
+          <p:cNvPicPr>
+            <a:picLocks noChangeAspect="1"/>
+          </p:cNvPicPr>
+          <p:nvPr/>
+        </p:nvPicPr>
+        <p:blipFill>
+          <a:blip r:embed="rId3" cstate="print"/>
+          <a:stretch>
+            <a:fillRect/>
+          </a:stretch>
+        </p:blipFill>
+        <p:spPr>
+          <a:xfrm>
+            <a:off x="8244408" y="288032"/>
+            <a:ext cx="487504" cy="349205"/>
+          </a:xfrm>
+          <a:prstGeom prst="rect">
+            <a:avLst/>
+          </a:prstGeom>
+        </p:spPr>
+      </p:pic>
+      <p:pic>
+        <p:nvPicPr>
+          <p:cNvPr id="8" name="图片 7" descr="矢量智能对象.png"/>
+          <p:cNvPicPr>
+            <a:picLocks noChangeAspect="1"/>
+          </p:cNvPicPr>
+          <p:nvPr/>
+        </p:nvPicPr>
+        <p:blipFill>
+          <a:blip r:embed="rId4" cstate="print"/>
+          <a:stretch>
+            <a:fillRect/>
+          </a:stretch>
+        </p:blipFill>
+        <p:spPr>
+          <a:xfrm>
+            <a:off x="0" y="4659982"/>
+            <a:ext cx="9144000" cy="504056"/>
+          </a:xfrm>
+          <a:prstGeom prst="rect">
+            <a:avLst/>
+          </a:prstGeom>
+        </p:spPr>
+      </p:pic>
+      <p:sp>
+        <p:nvSpPr>
+          <p:cNvPr id="7" name="TextBox 8">
+            <a:extLst>
+              <a:ext uri="{FF2B5EF4-FFF2-40B4-BE49-F238E27FC236}">
+                <a16:creationId xmlns:a16="http://schemas.microsoft.com/office/drawing/2014/main" id="{73B21535-1E12-4C21-B6DA-C7D0682C2413}"/>
+              </a:ext>
+            </a:extLst>
+          </p:cNvPr>
+          <p:cNvSpPr txBox="1"/>
+          <p:nvPr/>
+        </p:nvSpPr>
+        <p:spPr>
+          <a:xfrm>
+            <a:off x="611560" y="1556002"/>
+            <a:ext cx="7632848" cy="1092607"/>
+          </a:xfrm>
+          <a:prstGeom prst="rect">
+            <a:avLst/>
+          </a:prstGeom>
+          <a:noFill/>
+        </p:spPr>
+        <p:txBody>
+          <a:bodyPr wrap="square" rtlCol="0">
+            <a:spAutoFit/>
+          </a:bodyPr>
+          <a:lstStyle/>
+          <a:p>
+            <a:pPr>
+              <a:buFont typeface="Wingdings" panose="05000000000000000000" pitchFamily="2" charset="2"/>
+              <a:buChar char="Ø"/>
+            </a:pPr>
+            <a:r>
+              <a:rPr lang="en-US" altLang="zh-CN" sz="1300" dirty="0"/>
+              <a:t>b.</a:t>
+            </a:r>
+            <a:r>
+              <a:rPr lang="zh-CN" altLang="en-US" sz="1300" dirty="0"/>
+              <a:t>全局单例</a:t>
+            </a:r>
+            <a:r>
+              <a:rPr lang="en-US" altLang="zh-CN" sz="1300" dirty="0"/>
+              <a:t>(Single Instance)</a:t>
+            </a:r>
+            <a:r>
+              <a:rPr lang="zh-CN" altLang="en-US" sz="1300" dirty="0"/>
+              <a:t>：</a:t>
+            </a:r>
+            <a:endParaRPr lang="en-US" altLang="zh-CN" sz="1300" dirty="0"/>
+          </a:p>
+          <a:p>
+            <a:pPr>
+              <a:buFont typeface="Wingdings" panose="05000000000000000000" pitchFamily="2" charset="2"/>
+              <a:buChar char="Ø"/>
+            </a:pPr>
+            <a:endParaRPr lang="en-US" altLang="zh-CN" sz="1300" dirty="0"/>
+          </a:p>
+          <a:p>
+            <a:pPr lvl="1">
+              <a:buFont typeface="Wingdings" panose="05000000000000000000" pitchFamily="2" charset="2"/>
+              <a:buChar char="Ø"/>
+            </a:pPr>
+            <a:r>
+              <a:rPr lang="zh-CN" altLang="en-US" sz="1300" dirty="0"/>
+              <a:t>全局只有一个实例，在根容器和所有嵌套作用域内，每次解析返回的都是同一个实例</a:t>
+            </a:r>
+            <a:endParaRPr lang="en-US" altLang="zh-CN" sz="1300" dirty="0"/>
+          </a:p>
+          <a:p>
+            <a:pPr lvl="1">
+              <a:buFont typeface="Wingdings" panose="05000000000000000000" pitchFamily="2" charset="2"/>
+              <a:buChar char="Ø"/>
+            </a:pPr>
+            <a:endParaRPr lang="en-US" altLang="zh-CN" sz="1300" dirty="0"/>
+          </a:p>
+          <a:p>
+            <a:pPr lvl="1">
+              <a:buFont typeface="Wingdings" panose="05000000000000000000" pitchFamily="2" charset="2"/>
+              <a:buChar char="Ø"/>
+            </a:pPr>
+            <a:r>
+              <a:rPr lang="zh-CN" altLang="en-US" sz="1300" dirty="0"/>
+              <a:t>使用</a:t>
+            </a:r>
+            <a:r>
+              <a:rPr lang="en-US" altLang="zh-CN" sz="1300" dirty="0" err="1"/>
+              <a:t>SingleInstance</a:t>
+            </a:r>
+            <a:r>
+              <a:rPr lang="en-US" altLang="zh-CN" sz="1300" dirty="0"/>
+              <a:t> ()</a:t>
+            </a:r>
+            <a:r>
+              <a:rPr lang="zh-CN" altLang="en-US" sz="1300" dirty="0"/>
+              <a:t>方法标注。</a:t>
+            </a:r>
+            <a:endParaRPr lang="en-US" altLang="zh-CN" sz="1300" dirty="0"/>
+          </a:p>
+        </p:txBody>
+      </p:sp>
+      <p:pic>
+        <p:nvPicPr>
+          <p:cNvPr id="4" name="图片 3">
+            <a:extLst>
+              <a:ext uri="{FF2B5EF4-FFF2-40B4-BE49-F238E27FC236}">
+                <a16:creationId xmlns:a16="http://schemas.microsoft.com/office/drawing/2014/main" id="{78EFD7A4-68BF-413B-AC48-732121A5D643}"/>
+              </a:ext>
+            </a:extLst>
+          </p:cNvPr>
+          <p:cNvPicPr>
+            <a:picLocks noChangeAspect="1"/>
+          </p:cNvPicPr>
+          <p:nvPr/>
+        </p:nvPicPr>
+        <p:blipFill>
+          <a:blip r:embed="rId5"/>
+          <a:stretch>
+            <a:fillRect/>
+          </a:stretch>
+        </p:blipFill>
+        <p:spPr>
+          <a:xfrm>
+            <a:off x="1691680" y="2822993"/>
+            <a:ext cx="4545754" cy="475778"/>
+          </a:xfrm>
+          <a:prstGeom prst="rect">
+            <a:avLst/>
+          </a:prstGeom>
+        </p:spPr>
+      </p:pic>
+    </p:spTree>
+    <p:extLst>
+      <p:ext uri="{BB962C8B-B14F-4D97-AF65-F5344CB8AC3E}">
+        <p14:creationId xmlns:p14="http://schemas.microsoft.com/office/powerpoint/2010/main" val="55059743"/>
+      </p:ext>
+    </p:extLst>
+  </p:cSld>
+  <p:clrMapOvr>
+    <a:masterClrMapping/>
+  </p:clrMapOvr>
+</p:sld>
+</file>
+
+<file path=ppt/slides/slide3.xml><?xml version="1.0" encoding="utf-8"?>
+<p:sld xmlns:a="http://schemas.openxmlformats.org/drawingml/2006/main" xmlns:r="http://schemas.openxmlformats.org/officeDocument/2006/relationships" xmlns:p="http://schemas.openxmlformats.org/presentationml/2006/main">
+  <p:cSld>
+    <p:spTree>
+      <p:nvGrpSpPr>
+        <p:cNvPr id="1" name=""/>
+        <p:cNvGrpSpPr/>
+        <p:nvPr/>
+      </p:nvGrpSpPr>
+      <p:grpSpPr>
+        <a:xfrm>
+          <a:off x="0" y="0"/>
+          <a:ext cx="0" cy="0"/>
+          <a:chOff x="0" y="0"/>
+          <a:chExt cx="0" cy="0"/>
+        </a:xfrm>
+      </p:grpSpPr>
+      <p:sp>
+        <p:nvSpPr>
+          <p:cNvPr id="5" name="TextBox 4"/>
+          <p:cNvSpPr txBox="1"/>
+          <p:nvPr/>
+        </p:nvSpPr>
+        <p:spPr>
+          <a:xfrm>
+            <a:off x="611560" y="411510"/>
+            <a:ext cx="4680520" cy="400110"/>
+          </a:xfrm>
+          <a:prstGeom prst="rect">
+            <a:avLst/>
+          </a:prstGeom>
+          <a:noFill/>
+        </p:spPr>
+        <p:txBody>
+          <a:bodyPr wrap="square" rtlCol="0">
+            <a:spAutoFit/>
+          </a:bodyPr>
+          <a:lstStyle/>
+          <a:p>
+            <a:r>
+              <a:rPr lang="zh-CN" altLang="en-US" sz="2000" b="1" i="1" dirty="0"/>
+              <a:t>一、什么是依赖注入？</a:t>
+            </a:r>
+            <a:endParaRPr lang="zh-CN" altLang="en-US" sz="2000" b="1" dirty="0">
+              <a:latin typeface="微软雅黑" pitchFamily="34" charset="-122"/>
+              <a:ea typeface="微软雅黑" pitchFamily="34" charset="-122"/>
+            </a:endParaRPr>
+          </a:p>
+        </p:txBody>
+      </p:sp>
+      <p:pic>
+        <p:nvPicPr>
+          <p:cNvPr id="6" name="图片 5" descr="矢量智能对象.png"/>
+          <p:cNvPicPr>
+            <a:picLocks noChangeAspect="1"/>
+          </p:cNvPicPr>
+          <p:nvPr/>
+        </p:nvPicPr>
+        <p:blipFill>
+          <a:blip r:embed="rId4" cstate="print"/>
+          <a:stretch>
+            <a:fillRect/>
+          </a:stretch>
+        </p:blipFill>
+        <p:spPr>
+          <a:xfrm>
+            <a:off x="8244408" y="288032"/>
+            <a:ext cx="487504" cy="349205"/>
+          </a:xfrm>
+          <a:prstGeom prst="rect">
+            <a:avLst/>
+          </a:prstGeom>
+        </p:spPr>
+      </p:pic>
+      <p:pic>
+        <p:nvPicPr>
+          <p:cNvPr id="8" name="图片 7" descr="矢量智能对象.png"/>
+          <p:cNvPicPr>
+            <a:picLocks noChangeAspect="1"/>
+          </p:cNvPicPr>
+          <p:nvPr/>
+        </p:nvPicPr>
+        <p:blipFill>
+          <a:blip r:embed="rId5" cstate="print"/>
+          <a:stretch>
+            <a:fillRect/>
+          </a:stretch>
+        </p:blipFill>
+        <p:spPr>
+          <a:xfrm>
+            <a:off x="0" y="4659982"/>
+            <a:ext cx="9144000" cy="504056"/>
+          </a:xfrm>
+          <a:prstGeom prst="rect">
+            <a:avLst/>
+          </a:prstGeom>
+        </p:spPr>
+      </p:pic>
+      <p:sp>
+        <p:nvSpPr>
+          <p:cNvPr id="9" name="TextBox 8"/>
+          <p:cNvSpPr txBox="1"/>
+          <p:nvPr/>
+        </p:nvSpPr>
+        <p:spPr>
+          <a:xfrm>
+            <a:off x="611560" y="1489305"/>
+            <a:ext cx="6192688" cy="584775"/>
+          </a:xfrm>
+          <a:prstGeom prst="rect">
+            <a:avLst/>
+          </a:prstGeom>
+          <a:noFill/>
+        </p:spPr>
+        <p:txBody>
+          <a:bodyPr wrap="square" rtlCol="0">
+            <a:spAutoFit/>
+          </a:bodyPr>
+          <a:lstStyle/>
+          <a:p>
+            <a:pPr>
+              <a:buFont typeface="Wingdings" panose="05000000000000000000" pitchFamily="2" charset="2"/>
+              <a:buChar char="Ø"/>
+            </a:pPr>
+            <a:r>
+              <a:rPr lang="zh-CN" altLang="en-US" sz="1600" dirty="0"/>
+              <a:t>在说起</a:t>
+            </a:r>
+            <a:r>
+              <a:rPr lang="en-US" altLang="zh-CN" sz="1600" dirty="0"/>
+              <a:t>DI</a:t>
+            </a:r>
+            <a:r>
+              <a:rPr lang="zh-CN" altLang="en-US" sz="1600" dirty="0"/>
+              <a:t>之前，先提一个周所周知的设计原则</a:t>
+            </a:r>
+            <a:r>
+              <a:rPr lang="en-US" altLang="zh-CN" sz="1600" dirty="0"/>
+              <a:t>------</a:t>
+            </a:r>
+            <a:r>
+              <a:rPr lang="zh-CN" altLang="en-US" sz="1600" dirty="0">
+                <a:solidFill>
+                  <a:srgbClr val="FF0000"/>
+                </a:solidFill>
+              </a:rPr>
+              <a:t>控制反转</a:t>
+            </a:r>
+            <a:r>
+              <a:rPr lang="zh-CN" altLang="en-US" sz="1600" dirty="0"/>
+              <a:t>（</a:t>
+            </a:r>
+            <a:r>
+              <a:rPr lang="en-US" altLang="zh-CN" sz="1600" dirty="0"/>
+              <a:t> </a:t>
+            </a:r>
+            <a:r>
+              <a:rPr lang="en-US" altLang="zh-CN" sz="1600" dirty="0">
+                <a:solidFill>
+                  <a:srgbClr val="FF0000"/>
+                </a:solidFill>
+              </a:rPr>
+              <a:t>IOC</a:t>
+            </a:r>
+            <a:r>
+              <a:rPr lang="en-US" altLang="zh-CN" sz="1600" dirty="0"/>
+              <a:t> </a:t>
+            </a:r>
+            <a:r>
+              <a:rPr lang="zh-CN" altLang="en-US" sz="1600" dirty="0"/>
+              <a:t>）</a:t>
+            </a:r>
+            <a:endParaRPr lang="en-US" altLang="zh-CN" sz="1600" dirty="0"/>
+          </a:p>
+          <a:p>
+            <a:endParaRPr lang="en-US" altLang="zh-CN" sz="1600" dirty="0"/>
+          </a:p>
+        </p:txBody>
+      </p:sp>
+      <p:pic>
+        <p:nvPicPr>
+          <p:cNvPr id="7" name="图片 6">
+            <a:extLst>
+              <a:ext uri="{FF2B5EF4-FFF2-40B4-BE49-F238E27FC236}">
+                <a16:creationId xmlns:a16="http://schemas.microsoft.com/office/drawing/2014/main" id="{6186BFAD-F7A8-4FAF-985C-BD89CC449AFF}"/>
+              </a:ext>
+            </a:extLst>
+          </p:cNvPr>
+          <p:cNvPicPr>
+            <a:picLocks noChangeAspect="1"/>
+          </p:cNvPicPr>
+          <p:nvPr>
+            <p:custDataLst>
+              <p:custData r:id="rId1"/>
+            </p:custDataLst>
+          </p:nvPr>
+        </p:nvPicPr>
+        <p:blipFill>
+          <a:blip r:embed="rId6"/>
+          <a:stretch>
+            <a:fillRect/>
+          </a:stretch>
+        </p:blipFill>
+        <p:spPr>
+          <a:xfrm>
+            <a:off x="970082" y="1800460"/>
+            <a:ext cx="5475644" cy="1902609"/>
+          </a:xfrm>
+          <a:prstGeom prst="rect">
+            <a:avLst/>
+          </a:prstGeom>
+        </p:spPr>
+      </p:pic>
+      <p:sp>
+        <p:nvSpPr>
+          <p:cNvPr id="10" name="文本框 9">
+            <a:extLst>
+              <a:ext uri="{FF2B5EF4-FFF2-40B4-BE49-F238E27FC236}">
+                <a16:creationId xmlns:a16="http://schemas.microsoft.com/office/drawing/2014/main" id="{D9BA84A6-F3F6-4D52-B136-0519B4EA43AD}"/>
+              </a:ext>
+            </a:extLst>
+          </p:cNvPr>
+          <p:cNvSpPr txBox="1"/>
+          <p:nvPr/>
+        </p:nvSpPr>
+        <p:spPr>
+          <a:xfrm>
+            <a:off x="3131840" y="3703069"/>
+            <a:ext cx="1152128" cy="215444"/>
+          </a:xfrm>
+          <a:prstGeom prst="rect">
+            <a:avLst/>
+          </a:prstGeom>
+          <a:noFill/>
+        </p:spPr>
+        <p:txBody>
+          <a:bodyPr wrap="square" rtlCol="0">
+            <a:spAutoFit/>
+          </a:bodyPr>
+          <a:lstStyle/>
+          <a:p>
+            <a:r>
+              <a:rPr lang="zh-CN" altLang="en-US" sz="800" dirty="0"/>
+              <a:t>图片截取自百度百科</a:t>
+            </a:r>
+          </a:p>
+        </p:txBody>
+      </p:sp>
+    </p:spTree>
+  </p:cSld>
+  <p:clrMapOvr>
+    <a:masterClrMapping/>
+  </p:clrMapOvr>
+</p:sld>
+</file>
+
+<file path=ppt/slides/slide30.xml><?xml version="1.0" encoding="utf-8"?>
+<p:sld xmlns:a="http://schemas.openxmlformats.org/drawingml/2006/main" xmlns:r="http://schemas.openxmlformats.org/officeDocument/2006/relationships" xmlns:p="http://schemas.openxmlformats.org/presentationml/2006/main">
+  <p:cSld>
+    <p:spTree>
+      <p:nvGrpSpPr>
+        <p:cNvPr id="1" name=""/>
+        <p:cNvGrpSpPr/>
+        <p:nvPr/>
+      </p:nvGrpSpPr>
+      <p:grpSpPr>
+        <a:xfrm>
+          <a:off x="0" y="0"/>
+          <a:ext cx="0" cy="0"/>
+          <a:chOff x="0" y="0"/>
+          <a:chExt cx="0" cy="0"/>
+        </a:xfrm>
+      </p:grpSpPr>
+      <p:sp>
+        <p:nvSpPr>
+          <p:cNvPr id="5" name="TextBox 4"/>
+          <p:cNvSpPr txBox="1"/>
+          <p:nvPr/>
+        </p:nvSpPr>
+        <p:spPr>
+          <a:xfrm>
+            <a:off x="611560" y="411510"/>
+            <a:ext cx="4680520" cy="400110"/>
+          </a:xfrm>
+          <a:prstGeom prst="rect">
+            <a:avLst/>
+          </a:prstGeom>
+          <a:noFill/>
+        </p:spPr>
+        <p:txBody>
+          <a:bodyPr wrap="square" rtlCol="0">
+            <a:spAutoFit/>
+          </a:bodyPr>
+          <a:lstStyle/>
+          <a:p>
+            <a:r>
+              <a:rPr lang="en-US" altLang="zh-CN" sz="2000" i="1" dirty="0"/>
+              <a:t>3. </a:t>
+            </a:r>
+            <a:r>
+              <a:rPr lang="en-US" altLang="zh-CN" sz="2000" i="1" dirty="0" err="1"/>
+              <a:t>AutoFac</a:t>
+            </a:r>
+            <a:r>
+              <a:rPr lang="zh-CN" altLang="en-US" sz="2000" i="1" dirty="0"/>
+              <a:t>的生命周期作用域</a:t>
+            </a:r>
+            <a:endParaRPr lang="zh-CN" altLang="en-US" sz="2000" b="1" dirty="0">
+              <a:latin typeface="微软雅黑" pitchFamily="34" charset="-122"/>
+              <a:ea typeface="微软雅黑" pitchFamily="34" charset="-122"/>
+            </a:endParaRPr>
+          </a:p>
+        </p:txBody>
+      </p:sp>
+      <p:pic>
+        <p:nvPicPr>
+          <p:cNvPr id="6" name="图片 5" descr="矢量智能对象.png"/>
+          <p:cNvPicPr>
+            <a:picLocks noChangeAspect="1"/>
+          </p:cNvPicPr>
+          <p:nvPr/>
+        </p:nvPicPr>
+        <p:blipFill>
+          <a:blip r:embed="rId3" cstate="print"/>
+          <a:stretch>
+            <a:fillRect/>
+          </a:stretch>
+        </p:blipFill>
+        <p:spPr>
+          <a:xfrm>
+            <a:off x="8244408" y="288032"/>
+            <a:ext cx="487504" cy="349205"/>
+          </a:xfrm>
+          <a:prstGeom prst="rect">
+            <a:avLst/>
+          </a:prstGeom>
+        </p:spPr>
+      </p:pic>
+      <p:pic>
+        <p:nvPicPr>
+          <p:cNvPr id="8" name="图片 7" descr="矢量智能对象.png"/>
+          <p:cNvPicPr>
+            <a:picLocks noChangeAspect="1"/>
+          </p:cNvPicPr>
+          <p:nvPr/>
+        </p:nvPicPr>
+        <p:blipFill>
+          <a:blip r:embed="rId4" cstate="print"/>
+          <a:stretch>
+            <a:fillRect/>
+          </a:stretch>
+        </p:blipFill>
+        <p:spPr>
+          <a:xfrm>
+            <a:off x="0" y="4659982"/>
+            <a:ext cx="9144000" cy="504056"/>
+          </a:xfrm>
+          <a:prstGeom prst="rect">
+            <a:avLst/>
+          </a:prstGeom>
+        </p:spPr>
+      </p:pic>
+      <p:sp>
+        <p:nvSpPr>
+          <p:cNvPr id="7" name="TextBox 8">
+            <a:extLst>
+              <a:ext uri="{FF2B5EF4-FFF2-40B4-BE49-F238E27FC236}">
+                <a16:creationId xmlns:a16="http://schemas.microsoft.com/office/drawing/2014/main" id="{73B21535-1E12-4C21-B6DA-C7D0682C2413}"/>
+              </a:ext>
+            </a:extLst>
+          </p:cNvPr>
+          <p:cNvSpPr txBox="1"/>
+          <p:nvPr/>
+        </p:nvSpPr>
+        <p:spPr>
+          <a:xfrm>
+            <a:off x="611560" y="1556002"/>
+            <a:ext cx="7632848" cy="1092607"/>
+          </a:xfrm>
+          <a:prstGeom prst="rect">
+            <a:avLst/>
+          </a:prstGeom>
+          <a:noFill/>
+        </p:spPr>
+        <p:txBody>
+          <a:bodyPr wrap="square" rtlCol="0">
+            <a:spAutoFit/>
+          </a:bodyPr>
+          <a:lstStyle/>
+          <a:p>
+            <a:pPr>
+              <a:buFont typeface="Wingdings" panose="05000000000000000000" pitchFamily="2" charset="2"/>
+              <a:buChar char="Ø"/>
+            </a:pPr>
+            <a:r>
+              <a:rPr lang="en-US" altLang="zh-CN" sz="1300" dirty="0"/>
+              <a:t>c.</a:t>
+            </a:r>
+            <a:r>
+              <a:rPr lang="zh-CN" altLang="en-US" sz="1300" dirty="0"/>
+              <a:t>域内单例</a:t>
+            </a:r>
+            <a:r>
+              <a:rPr lang="en-US" altLang="zh-CN" sz="1300" dirty="0"/>
+              <a:t>(Instance Per Lifetime Scope)</a:t>
+            </a:r>
+            <a:r>
+              <a:rPr lang="zh-CN" altLang="en-US" sz="1300" dirty="0"/>
+              <a:t>：</a:t>
+            </a:r>
+            <a:endParaRPr lang="en-US" altLang="zh-CN" sz="1300" dirty="0"/>
+          </a:p>
+          <a:p>
+            <a:pPr>
+              <a:buFont typeface="Wingdings" panose="05000000000000000000" pitchFamily="2" charset="2"/>
+              <a:buChar char="Ø"/>
+            </a:pPr>
+            <a:endParaRPr lang="en-US" altLang="zh-CN" sz="1300" dirty="0"/>
+          </a:p>
+          <a:p>
+            <a:pPr lvl="1">
+              <a:buFont typeface="Wingdings" panose="05000000000000000000" pitchFamily="2" charset="2"/>
+              <a:buChar char="Ø"/>
+            </a:pPr>
+            <a:r>
+              <a:rPr lang="zh-CN" altLang="en-US" sz="1300" dirty="0"/>
+              <a:t>在每个生命周期域内是单例的。</a:t>
+            </a:r>
+            <a:endParaRPr lang="en-US" altLang="zh-CN" sz="1300" dirty="0"/>
+          </a:p>
+          <a:p>
+            <a:pPr lvl="1">
+              <a:buFont typeface="Wingdings" panose="05000000000000000000" pitchFamily="2" charset="2"/>
+              <a:buChar char="Ø"/>
+            </a:pPr>
+            <a:endParaRPr lang="en-US" altLang="zh-CN" sz="1300" dirty="0"/>
+          </a:p>
+          <a:p>
+            <a:pPr lvl="1">
+              <a:buFont typeface="Wingdings" panose="05000000000000000000" pitchFamily="2" charset="2"/>
+              <a:buChar char="Ø"/>
+            </a:pPr>
+            <a:r>
+              <a:rPr lang="zh-CN" altLang="en-US" sz="1300" dirty="0"/>
+              <a:t>使用</a:t>
+            </a:r>
+            <a:r>
+              <a:rPr lang="en-US" altLang="zh-CN" sz="1300" dirty="0" err="1"/>
+              <a:t>InstancePerLifetimeScope</a:t>
+            </a:r>
+            <a:r>
+              <a:rPr lang="en-US" altLang="zh-CN" sz="1300" dirty="0"/>
+              <a:t> ()</a:t>
+            </a:r>
+            <a:r>
+              <a:rPr lang="zh-CN" altLang="en-US" sz="1300" dirty="0"/>
+              <a:t>方法标注。</a:t>
+            </a:r>
+            <a:endParaRPr lang="en-US" altLang="zh-CN" sz="1300" dirty="0"/>
+          </a:p>
+        </p:txBody>
+      </p:sp>
+      <p:pic>
+        <p:nvPicPr>
+          <p:cNvPr id="2" name="图片 1">
+            <a:extLst>
+              <a:ext uri="{FF2B5EF4-FFF2-40B4-BE49-F238E27FC236}">
+                <a16:creationId xmlns:a16="http://schemas.microsoft.com/office/drawing/2014/main" id="{8C3E3FAC-8CE4-4B63-AB17-2E0973816EFA}"/>
+              </a:ext>
+            </a:extLst>
+          </p:cNvPr>
+          <p:cNvPicPr>
+            <a:picLocks noChangeAspect="1"/>
+          </p:cNvPicPr>
+          <p:nvPr/>
+        </p:nvPicPr>
+        <p:blipFill>
+          <a:blip r:embed="rId5"/>
+          <a:stretch>
+            <a:fillRect/>
+          </a:stretch>
+        </p:blipFill>
+        <p:spPr>
+          <a:xfrm>
+            <a:off x="1547664" y="2787774"/>
+            <a:ext cx="5332466" cy="538947"/>
+          </a:xfrm>
+          <a:prstGeom prst="rect">
+            <a:avLst/>
+          </a:prstGeom>
+        </p:spPr>
+      </p:pic>
+    </p:spTree>
+    <p:extLst>
+      <p:ext uri="{BB962C8B-B14F-4D97-AF65-F5344CB8AC3E}">
+        <p14:creationId xmlns:p14="http://schemas.microsoft.com/office/powerpoint/2010/main" val="1217958796"/>
+      </p:ext>
+    </p:extLst>
+  </p:cSld>
+  <p:clrMapOvr>
+    <a:masterClrMapping/>
+  </p:clrMapOvr>
+</p:sld>
+</file>
+
+<file path=ppt/slides/slide31.xml><?xml version="1.0" encoding="utf-8"?>
+<p:sld xmlns:a="http://schemas.openxmlformats.org/drawingml/2006/main" xmlns:r="http://schemas.openxmlformats.org/officeDocument/2006/relationships" xmlns:p="http://schemas.openxmlformats.org/presentationml/2006/main">
+  <p:cSld>
+    <p:spTree>
+      <p:nvGrpSpPr>
+        <p:cNvPr id="1" name=""/>
+        <p:cNvGrpSpPr/>
+        <p:nvPr/>
+      </p:nvGrpSpPr>
+      <p:grpSpPr>
+        <a:xfrm>
+          <a:off x="0" y="0"/>
+          <a:ext cx="0" cy="0"/>
+          <a:chOff x="0" y="0"/>
+          <a:chExt cx="0" cy="0"/>
+        </a:xfrm>
+      </p:grpSpPr>
+      <p:sp>
+        <p:nvSpPr>
+          <p:cNvPr id="5" name="TextBox 4"/>
+          <p:cNvSpPr txBox="1"/>
+          <p:nvPr/>
+        </p:nvSpPr>
+        <p:spPr>
+          <a:xfrm>
+            <a:off x="611560" y="411510"/>
+            <a:ext cx="4680520" cy="400110"/>
+          </a:xfrm>
+          <a:prstGeom prst="rect">
+            <a:avLst/>
+          </a:prstGeom>
+          <a:noFill/>
+        </p:spPr>
+        <p:txBody>
+          <a:bodyPr wrap="square" rtlCol="0">
+            <a:spAutoFit/>
+          </a:bodyPr>
+          <a:lstStyle/>
+          <a:p>
+            <a:r>
+              <a:rPr lang="en-US" altLang="zh-CN" sz="2000" i="1" dirty="0"/>
+              <a:t>3. </a:t>
+            </a:r>
+            <a:r>
+              <a:rPr lang="en-US" altLang="zh-CN" sz="2000" i="1" dirty="0" err="1"/>
+              <a:t>AutoFac</a:t>
+            </a:r>
+            <a:r>
+              <a:rPr lang="zh-CN" altLang="en-US" sz="2000" i="1" dirty="0"/>
+              <a:t>的生命周期作用域</a:t>
+            </a:r>
+            <a:endParaRPr lang="zh-CN" altLang="en-US" sz="2000" b="1" dirty="0">
+              <a:latin typeface="微软雅黑" pitchFamily="34" charset="-122"/>
+              <a:ea typeface="微软雅黑" pitchFamily="34" charset="-122"/>
+            </a:endParaRPr>
+          </a:p>
+        </p:txBody>
+      </p:sp>
+      <p:pic>
+        <p:nvPicPr>
+          <p:cNvPr id="6" name="图片 5" descr="矢量智能对象.png"/>
+          <p:cNvPicPr>
+            <a:picLocks noChangeAspect="1"/>
+          </p:cNvPicPr>
+          <p:nvPr/>
+        </p:nvPicPr>
+        <p:blipFill>
+          <a:blip r:embed="rId3" cstate="print"/>
+          <a:stretch>
+            <a:fillRect/>
+          </a:stretch>
+        </p:blipFill>
+        <p:spPr>
+          <a:xfrm>
+            <a:off x="8244408" y="288032"/>
+            <a:ext cx="487504" cy="349205"/>
+          </a:xfrm>
+          <a:prstGeom prst="rect">
+            <a:avLst/>
+          </a:prstGeom>
+        </p:spPr>
+      </p:pic>
+      <p:pic>
+        <p:nvPicPr>
+          <p:cNvPr id="8" name="图片 7" descr="矢量智能对象.png"/>
+          <p:cNvPicPr>
+            <a:picLocks noChangeAspect="1"/>
+          </p:cNvPicPr>
+          <p:nvPr/>
+        </p:nvPicPr>
+        <p:blipFill>
+          <a:blip r:embed="rId4" cstate="print"/>
+          <a:stretch>
+            <a:fillRect/>
+          </a:stretch>
+        </p:blipFill>
+        <p:spPr>
+          <a:xfrm>
+            <a:off x="0" y="4659982"/>
+            <a:ext cx="9144000" cy="504056"/>
+          </a:xfrm>
+          <a:prstGeom prst="rect">
+            <a:avLst/>
+          </a:prstGeom>
+        </p:spPr>
+      </p:pic>
+      <p:sp>
+        <p:nvSpPr>
+          <p:cNvPr id="7" name="TextBox 8">
+            <a:extLst>
+              <a:ext uri="{FF2B5EF4-FFF2-40B4-BE49-F238E27FC236}">
+                <a16:creationId xmlns:a16="http://schemas.microsoft.com/office/drawing/2014/main" id="{73B21535-1E12-4C21-B6DA-C7D0682C2413}"/>
+              </a:ext>
+            </a:extLst>
+          </p:cNvPr>
+          <p:cNvSpPr txBox="1"/>
+          <p:nvPr/>
+        </p:nvSpPr>
+        <p:spPr>
+          <a:xfrm>
+            <a:off x="611560" y="1556002"/>
+            <a:ext cx="7632848" cy="692497"/>
+          </a:xfrm>
+          <a:prstGeom prst="rect">
+            <a:avLst/>
+          </a:prstGeom>
+          <a:noFill/>
+        </p:spPr>
+        <p:txBody>
+          <a:bodyPr wrap="square" rtlCol="0">
+            <a:spAutoFit/>
+          </a:bodyPr>
+          <a:lstStyle/>
+          <a:p>
+            <a:pPr>
+              <a:buFont typeface="Wingdings" panose="05000000000000000000" pitchFamily="2" charset="2"/>
+              <a:buChar char="Ø"/>
+            </a:pPr>
+            <a:r>
+              <a:rPr lang="en-US" altLang="zh-CN" sz="1300" dirty="0"/>
+              <a:t>d.</a:t>
+            </a:r>
+            <a:r>
+              <a:rPr lang="zh-CN" altLang="en-US" sz="1300" dirty="0"/>
+              <a:t>匹配域内单例</a:t>
+            </a:r>
+            <a:r>
+              <a:rPr lang="en-US" altLang="zh-CN" sz="1300" dirty="0"/>
+              <a:t>(Instance Per Matching Lifetime Scope)</a:t>
+            </a:r>
+            <a:r>
+              <a:rPr lang="zh-CN" altLang="en-US" sz="1300" dirty="0"/>
+              <a:t>：</a:t>
+            </a:r>
+            <a:endParaRPr lang="en-US" altLang="zh-CN" sz="1300" dirty="0"/>
+          </a:p>
+          <a:p>
+            <a:pPr lvl="1">
+              <a:buFont typeface="Wingdings" panose="05000000000000000000" pitchFamily="2" charset="2"/>
+              <a:buChar char="Ø"/>
+            </a:pPr>
+            <a:r>
+              <a:rPr lang="zh-CN" altLang="en-US" sz="1300" dirty="0"/>
+              <a:t>每次从容器里拿出来的都是全新对象，相当于每次都</a:t>
+            </a:r>
+            <a:r>
+              <a:rPr lang="en-US" altLang="zh-CN" sz="1300" dirty="0"/>
+              <a:t>new</a:t>
+            </a:r>
+            <a:r>
+              <a:rPr lang="zh-CN" altLang="en-US" sz="1300" dirty="0"/>
+              <a:t>出一个。</a:t>
+            </a:r>
+            <a:endParaRPr lang="en-US" altLang="zh-CN" sz="1300" dirty="0"/>
+          </a:p>
+          <a:p>
+            <a:pPr lvl="1">
+              <a:buFont typeface="Wingdings" panose="05000000000000000000" pitchFamily="2" charset="2"/>
+              <a:buChar char="Ø"/>
+            </a:pPr>
+            <a:r>
+              <a:rPr lang="zh-CN" altLang="en-US" sz="1300" dirty="0"/>
+              <a:t>使用</a:t>
+            </a:r>
+            <a:r>
+              <a:rPr lang="en-US" altLang="zh-CN" sz="1300" dirty="0" err="1"/>
+              <a:t>InstancePerMatchingLifetimeScope</a:t>
+            </a:r>
+            <a:r>
+              <a:rPr lang="en-US" altLang="zh-CN" sz="1300" dirty="0"/>
+              <a:t>(string </a:t>
+            </a:r>
+            <a:r>
+              <a:rPr lang="en-US" altLang="zh-CN" sz="1300" dirty="0" err="1"/>
+              <a:t>tagName</a:t>
+            </a:r>
+            <a:r>
+              <a:rPr lang="en-US" altLang="zh-CN" sz="1300" dirty="0"/>
+              <a:t>)</a:t>
+            </a:r>
+            <a:r>
+              <a:rPr lang="zh-CN" altLang="en-US" sz="1300" dirty="0"/>
+              <a:t>方法进行注册。</a:t>
+            </a:r>
+            <a:endParaRPr lang="en-US" altLang="zh-CN" sz="1300" dirty="0"/>
+          </a:p>
+        </p:txBody>
+      </p:sp>
+      <p:sp>
+        <p:nvSpPr>
+          <p:cNvPr id="9" name="TextBox 8">
+            <a:extLst>
+              <a:ext uri="{FF2B5EF4-FFF2-40B4-BE49-F238E27FC236}">
+                <a16:creationId xmlns:a16="http://schemas.microsoft.com/office/drawing/2014/main" id="{80F7B27F-39D0-4853-8F18-FBD6B390EDCD}"/>
+              </a:ext>
+            </a:extLst>
+          </p:cNvPr>
+          <p:cNvSpPr txBox="1"/>
+          <p:nvPr/>
+        </p:nvSpPr>
+        <p:spPr>
+          <a:xfrm>
+            <a:off x="611560" y="2495924"/>
+            <a:ext cx="7632848" cy="1492716"/>
+          </a:xfrm>
+          <a:prstGeom prst="rect">
+            <a:avLst/>
+          </a:prstGeom>
+          <a:noFill/>
+        </p:spPr>
+        <p:txBody>
+          <a:bodyPr wrap="square" rtlCol="0">
+            <a:spAutoFit/>
+          </a:bodyPr>
+          <a:lstStyle/>
+          <a:p>
+            <a:pPr>
+              <a:buFont typeface="Wingdings" panose="05000000000000000000" pitchFamily="2" charset="2"/>
+              <a:buChar char="Ø"/>
+            </a:pPr>
+            <a:r>
+              <a:rPr lang="en-US" altLang="zh-CN" sz="1300" dirty="0"/>
+              <a:t>e.</a:t>
+            </a:r>
+            <a:r>
+              <a:rPr lang="zh-CN" altLang="en-US" sz="1300" dirty="0"/>
+              <a:t>每次请求内单例</a:t>
+            </a:r>
+            <a:r>
+              <a:rPr lang="en-US" altLang="zh-CN" sz="1300" dirty="0"/>
+              <a:t>(Instance Per Request)</a:t>
+            </a:r>
+            <a:r>
+              <a:rPr lang="zh-CN" altLang="en-US" sz="1300" dirty="0"/>
+              <a:t>：</a:t>
+            </a:r>
+            <a:endParaRPr lang="en-US" altLang="zh-CN" sz="1300" dirty="0"/>
+          </a:p>
+          <a:p>
+            <a:pPr lvl="1">
+              <a:buFont typeface="Wingdings" panose="05000000000000000000" pitchFamily="2" charset="2"/>
+              <a:buChar char="Ø"/>
+            </a:pPr>
+            <a:r>
+              <a:rPr lang="zh-CN" altLang="en-US" sz="1300" dirty="0"/>
+              <a:t>该种类型适用于“</a:t>
+            </a:r>
+            <a:r>
+              <a:rPr lang="en-US" altLang="zh-CN" sz="1300" dirty="0"/>
+              <a:t>request”</a:t>
+            </a:r>
+            <a:r>
+              <a:rPr lang="zh-CN" altLang="en-US" sz="1300" dirty="0"/>
+              <a:t>类型的应用，比如</a:t>
+            </a:r>
+            <a:r>
+              <a:rPr lang="en-US" altLang="zh-CN" sz="1300" dirty="0"/>
+              <a:t>MVC</a:t>
+            </a:r>
+            <a:r>
+              <a:rPr lang="zh-CN" altLang="en-US" sz="1300" dirty="0"/>
+              <a:t>和</a:t>
+            </a:r>
+            <a:r>
+              <a:rPr lang="en-US" altLang="zh-CN" sz="1300" dirty="0" err="1"/>
+              <a:t>WebApi</a:t>
+            </a:r>
+            <a:r>
+              <a:rPr lang="zh-CN" altLang="en-US" sz="1300" dirty="0"/>
+              <a:t>。其实质其实又是上一种的“指定域内单例”的一种特殊情况：</a:t>
+            </a:r>
+            <a:r>
+              <a:rPr lang="en-US" altLang="zh-CN" sz="1300" dirty="0" err="1"/>
+              <a:t>AutoFac</a:t>
+            </a:r>
+            <a:r>
+              <a:rPr lang="zh-CN" altLang="en-US" sz="1300" dirty="0"/>
+              <a:t>内有一个静态字符串叫</a:t>
+            </a:r>
+            <a:r>
+              <a:rPr lang="en-US" altLang="zh-CN" sz="1300" dirty="0"/>
+              <a:t>Autofac.Core.Lifetime.MatchingScopeLifetimeTags.RequestLifetimeScopeTag</a:t>
+            </a:r>
+            <a:r>
+              <a:rPr lang="zh-CN" altLang="en-US" sz="1300" dirty="0"/>
+              <a:t>，其值为</a:t>
+            </a:r>
+            <a:r>
+              <a:rPr lang="en-US" altLang="zh-CN" sz="1300" dirty="0"/>
+              <a:t>"</a:t>
+            </a:r>
+            <a:r>
+              <a:rPr lang="en-US" altLang="zh-CN" sz="1300" dirty="0" err="1"/>
+              <a:t>AutofacWebRequest</a:t>
+            </a:r>
+            <a:r>
+              <a:rPr lang="en-US" altLang="zh-CN" sz="1300" dirty="0"/>
+              <a:t>"</a:t>
+            </a:r>
+            <a:r>
+              <a:rPr lang="zh-CN" altLang="en-US" sz="1300" dirty="0"/>
+              <a:t>，当“指定域内单例”打的标签是这个字符串时，那它就是“每次请求内单例”了。</a:t>
+            </a:r>
+            <a:endParaRPr lang="en-US" altLang="zh-CN" sz="1300" dirty="0"/>
+          </a:p>
+          <a:p>
+            <a:pPr lvl="1">
+              <a:buFont typeface="Wingdings" panose="05000000000000000000" pitchFamily="2" charset="2"/>
+              <a:buChar char="Ø"/>
+            </a:pPr>
+            <a:r>
+              <a:rPr lang="zh-CN" altLang="en-US" sz="1300" dirty="0"/>
+              <a:t>使用</a:t>
+            </a:r>
+            <a:r>
+              <a:rPr lang="en-US" altLang="zh-CN" sz="1300" dirty="0" err="1"/>
+              <a:t>InstancePerRequest</a:t>
+            </a:r>
+            <a:r>
+              <a:rPr lang="en-US" altLang="zh-CN" sz="1300" dirty="0"/>
+              <a:t>()</a:t>
+            </a:r>
+            <a:r>
+              <a:rPr lang="zh-CN" altLang="en-US" sz="1300" dirty="0"/>
+              <a:t>方法注册。</a:t>
+            </a:r>
+            <a:endParaRPr lang="en-US" altLang="zh-CN" sz="1300" dirty="0"/>
+          </a:p>
+        </p:txBody>
+      </p:sp>
+    </p:spTree>
+    <p:extLst>
+      <p:ext uri="{BB962C8B-B14F-4D97-AF65-F5344CB8AC3E}">
+        <p14:creationId xmlns:p14="http://schemas.microsoft.com/office/powerpoint/2010/main" val="127600129"/>
+      </p:ext>
+    </p:extLst>
+  </p:cSld>
+  <p:clrMapOvr>
+    <a:masterClrMapping/>
+  </p:clrMapOvr>
+</p:sld>
+</file>
+
+<file path=ppt/slides/slide32.xml><?xml version="1.0" encoding="utf-8"?>
 <p:sld xmlns:a="http://schemas.openxmlformats.org/drawingml/2006/main" xmlns:r="http://schemas.openxmlformats.org/officeDocument/2006/relationships" xmlns:p="http://schemas.openxmlformats.org/presentationml/2006/main">
   <p:cSld>
     <p:spTree>
@@ -16827,7 +19878,7 @@
 </p:sld>
 </file>
 
-<file path=ppt/slides/slide26.xml><?xml version="1.0" encoding="utf-8"?>
+<file path=ppt/slides/slide33.xml><?xml version="1.0" encoding="utf-8"?>
 <p:sld xmlns:a="http://schemas.openxmlformats.org/drawingml/2006/main" xmlns:r="http://schemas.openxmlformats.org/officeDocument/2006/relationships" xmlns:p="http://schemas.openxmlformats.org/presentationml/2006/main">
   <p:cSld>
     <p:spTree>
@@ -16946,7 +19997,7 @@
         <p:spPr>
           <a:xfrm>
             <a:off x="611560" y="1489305"/>
-            <a:ext cx="6192688" cy="3477875"/>
+            <a:ext cx="6192688" cy="3200876"/>
           </a:xfrm>
           <a:prstGeom prst="rect">
             <a:avLst/>
@@ -17004,7 +20055,29 @@
             <a:endParaRPr lang="en-US" altLang="zh-CN" sz="1600" dirty="0"/>
           </a:p>
           <a:p>
-            <a:pPr>
+            <a:endParaRPr lang="en-US" altLang="zh-CN" b="1" dirty="0"/>
+          </a:p>
+          <a:p>
+            <a:pPr indent="-285750">
+              <a:buFont typeface="Wingdings" panose="05000000000000000000" pitchFamily="2" charset="2"/>
+              <a:buChar char="Ø"/>
+            </a:pPr>
+            <a:r>
+              <a:rPr lang="en-US" altLang="zh-CN" sz="1600" dirty="0"/>
+              <a:t>2.3</a:t>
+            </a:r>
+            <a:r>
+              <a:rPr lang="en-US" altLang="zh-CN" dirty="0"/>
+              <a:t> </a:t>
+            </a:r>
+            <a:r>
+              <a:rPr lang="en-US" altLang="zh-CN" sz="1600" dirty="0" err="1"/>
+              <a:t>IServiceProvider.GetService</a:t>
+            </a:r>
+            <a:endParaRPr lang="en-US" altLang="zh-CN" sz="1600" dirty="0"/>
+          </a:p>
+          <a:p>
+            <a:pPr indent="-285750">
               <a:buFont typeface="Wingdings" panose="05000000000000000000" pitchFamily="2" charset="2"/>
               <a:buChar char="Ø"/>
             </a:pPr>
@@ -17017,19 +20090,12 @@
             </a:pPr>
             <a:r>
               <a:rPr lang="en-US" altLang="zh-CN" sz="1600" dirty="0"/>
-              <a:t>2.3 </a:t>
+              <a:t>2.4 </a:t>
             </a:r>
             <a:r>
               <a:rPr lang="zh-CN" altLang="en-US" sz="1600" dirty="0"/>
-              <a:t>接口注入</a:t>
-            </a:r>
-            <a:endParaRPr lang="en-US" altLang="zh-CN" sz="1600" dirty="0"/>
-          </a:p>
-          <a:p>
-            <a:pPr>
-              <a:buFont typeface="Wingdings" panose="05000000000000000000" pitchFamily="2" charset="2"/>
-              <a:buChar char="Ø"/>
-            </a:pPr>
+              <a:t>服务定位器（非注入）</a:t>
+            </a:r>
             <a:endParaRPr lang="en-US" altLang="zh-CN" sz="1600" dirty="0"/>
           </a:p>
           <a:p>
@@ -17037,40 +20103,6 @@
               <a:buFont typeface="Wingdings" panose="05000000000000000000" pitchFamily="2" charset="2"/>
               <a:buChar char="Ø"/>
             </a:pPr>
-            <a:r>
-              <a:rPr lang="en-US" altLang="zh-CN" sz="1600" dirty="0"/>
-              <a:t>2.4 </a:t>
-            </a:r>
-            <a:r>
-              <a:rPr lang="zh-CN" altLang="en-US" sz="1600" dirty="0"/>
-              <a:t>服务定位器（非注入）</a:t>
-            </a:r>
-            <a:endParaRPr lang="en-US" altLang="zh-CN" sz="1600" dirty="0"/>
-          </a:p>
-          <a:p>
-            <a:pPr>
-              <a:buFont typeface="Wingdings" panose="05000000000000000000" pitchFamily="2" charset="2"/>
-              <a:buChar char="Ø"/>
-            </a:pPr>
-            <a:endParaRPr lang="en-US" altLang="zh-CN" b="1" dirty="0"/>
-          </a:p>
-          <a:p>
-            <a:pPr indent="-285750">
-              <a:buFont typeface="Wingdings" panose="05000000000000000000" pitchFamily="2" charset="2"/>
-              <a:buChar char="Ø"/>
-            </a:pPr>
-            <a:r>
-              <a:rPr lang="en-US" altLang="zh-CN" sz="1600" dirty="0"/>
-              <a:t>2.5</a:t>
-            </a:r>
-            <a:r>
-              <a:rPr lang="en-US" altLang="zh-CN" dirty="0"/>
-              <a:t> </a:t>
-            </a:r>
-            <a:r>
-              <a:rPr lang="en-US" altLang="zh-CN" sz="1600" dirty="0" err="1"/>
-              <a:t>IServiceProvider.GetService</a:t>
-            </a:r>
             <a:endParaRPr lang="en-US" altLang="zh-CN" sz="1600" dirty="0"/>
           </a:p>
           <a:p>
@@ -17104,7 +20136,7 @@
 </p:sld>
 </file>
 
-<file path=ppt/slides/slide27.xml><?xml version="1.0" encoding="utf-8"?>
+<file path=ppt/slides/slide34.xml><?xml version="1.0" encoding="utf-8"?>
 <p:sld xmlns:a="http://schemas.openxmlformats.org/drawingml/2006/main" xmlns:r="http://schemas.openxmlformats.org/officeDocument/2006/relationships" xmlns:p="http://schemas.openxmlformats.org/presentationml/2006/main">
   <p:cSld>
     <p:spTree>
@@ -17332,7 +20364,7 @@
 </p:sld>
 </file>
 
-<file path=ppt/slides/slide28.xml><?xml version="1.0" encoding="utf-8"?>
+<file path=ppt/slides/slide35.xml><?xml version="1.0" encoding="utf-8"?>
 <p:sld xmlns:a="http://schemas.openxmlformats.org/drawingml/2006/main" xmlns:r="http://schemas.openxmlformats.org/officeDocument/2006/relationships" xmlns:p="http://schemas.openxmlformats.org/presentationml/2006/main">
   <p:cSld>
     <p:spTree>
@@ -17450,7 +20482,7 @@
         </p:nvSpPr>
         <p:spPr>
           <a:xfrm>
-            <a:off x="611560" y="1489305"/>
+            <a:off x="611560" y="1261369"/>
             <a:ext cx="6192688" cy="1015663"/>
           </a:xfrm>
           <a:prstGeom prst="rect">
@@ -17548,7 +20580,7 @@
         </p:blipFill>
         <p:spPr>
           <a:xfrm>
-            <a:off x="1619672" y="3091111"/>
+            <a:off x="1613700" y="2828064"/>
             <a:ext cx="3654391" cy="1572633"/>
           </a:xfrm>
           <a:prstGeom prst="rect">
@@ -17578,7 +20610,7 @@
         </p:blipFill>
         <p:spPr>
           <a:xfrm>
-            <a:off x="1619672" y="2726781"/>
+            <a:off x="1619285" y="2277471"/>
             <a:ext cx="5292080" cy="337603"/>
           </a:xfrm>
           <a:prstGeom prst="rect">
@@ -17599,7 +20631,7 @@
 </p:sld>
 </file>
 
-<file path=ppt/slides/slide29.xml><?xml version="1.0" encoding="utf-8"?>
+<file path=ppt/slides/slide36.xml><?xml version="1.0" encoding="utf-8"?>
 <p:sld xmlns:a="http://schemas.openxmlformats.org/drawingml/2006/main" xmlns:r="http://schemas.openxmlformats.org/officeDocument/2006/relationships" xmlns:p="http://schemas.openxmlformats.org/presentationml/2006/main">
   <p:cSld>
     <p:spTree>
@@ -17640,19 +20672,11 @@
           <a:p>
             <a:r>
               <a:rPr lang="en-US" altLang="zh-CN" sz="2000" i="1" dirty="0"/>
-              <a:t>2.2</a:t>
-            </a:r>
-            <a:r>
-              <a:rPr lang="zh-CN" altLang="en-US" sz="2000" i="1" dirty="0"/>
-              <a:t>接口注入（</a:t>
-            </a:r>
-            <a:r>
-              <a:rPr lang="en-US" altLang="zh-CN" sz="2000" i="1" dirty="0"/>
-              <a:t>Setter Injection</a:t>
-            </a:r>
-            <a:r>
-              <a:rPr lang="zh-CN" altLang="en-US" sz="2000" i="1" dirty="0"/>
-              <a:t>）</a:t>
+              <a:t>2.3 </a:t>
+            </a:r>
+            <a:r>
+              <a:rPr lang="en-US" altLang="zh-CN" sz="2000" i="1" dirty="0" err="1"/>
+              <a:t>IServiceProvider.GetService</a:t>
             </a:r>
             <a:endParaRPr lang="zh-CN" altLang="en-US" sz="2000" b="1" dirty="0">
               <a:latin typeface="微软雅黑" pitchFamily="34" charset="-122"/>
@@ -17717,8 +20741,8 @@
         </p:nvSpPr>
         <p:spPr>
           <a:xfrm>
-            <a:off x="611560" y="1489305"/>
-            <a:ext cx="6192688" cy="1015663"/>
+            <a:off x="611560" y="1230891"/>
+            <a:ext cx="6192688" cy="1569660"/>
           </a:xfrm>
           <a:prstGeom prst="rect">
             <a:avLst/>
@@ -17733,24 +20757,31 @@
           <a:p>
             <a:r>
               <a:rPr lang="zh-CN" altLang="en-US" sz="1200" dirty="0"/>
-              <a:t>属性注入（</a:t>
+              <a:t>当业务中，类中仅有部分方法需要使用到某个对象的实例的，可以采用</a:t>
             </a:r>
             <a:r>
               <a:rPr lang="en-US" altLang="zh-CN" sz="1200" dirty="0"/>
-              <a:t>setter injection</a:t>
+              <a:t>IOC</a:t>
             </a:r>
             <a:r>
               <a:rPr lang="zh-CN" altLang="en-US" sz="1200" dirty="0"/>
-              <a:t>）是依赖注入最常见的形式之一。</a:t>
-            </a:r>
-          </a:p>
-          <a:p>
-            <a:endParaRPr lang="zh-CN" altLang="en-US" sz="1200" dirty="0"/>
-          </a:p>
-          <a:p>
+              <a:t>容器提供</a:t>
+            </a:r>
+            <a:r>
+              <a:rPr lang="en-US" altLang="zh-CN" sz="1200" dirty="0" err="1"/>
+              <a:t>IServiceProvider</a:t>
+            </a:r>
             <a:r>
               <a:rPr lang="zh-CN" altLang="en-US" sz="1200" dirty="0"/>
-              <a:t>由名称可以看出，该技术需要我们把所有依赖显示的体现在构造函数中。</a:t>
+              <a:t>对象的</a:t>
+            </a:r>
+            <a:r>
+              <a:rPr lang="en-US" altLang="zh-CN" sz="1200" dirty="0" err="1"/>
+              <a:t>GetService</a:t>
+            </a:r>
+            <a:r>
+              <a:rPr lang="zh-CN" altLang="en-US" sz="1200" dirty="0"/>
+              <a:t>方法去获取。</a:t>
             </a:r>
             <a:endParaRPr lang="en-US" altLang="zh-CN" sz="1200" dirty="0"/>
           </a:p>
@@ -17759,17 +20790,124 @@
           </a:p>
           <a:p>
             <a:r>
+              <a:rPr lang="en-US" altLang="zh-CN" sz="1200" dirty="0"/>
+              <a:t>ASP.NET Core</a:t>
+            </a:r>
+            <a:r>
               <a:rPr lang="zh-CN" altLang="en-US" sz="1200" dirty="0"/>
-              <a:t>示例：</a:t>
+              <a:t>的依赖注入框架其实很简单，其中仅仅涉及</a:t>
+            </a:r>
+            <a:r>
+              <a:rPr lang="en-US" altLang="zh-CN" sz="1200" dirty="0" err="1"/>
+              <a:t>ServiceCollection</a:t>
+            </a:r>
+            <a:r>
+              <a:rPr lang="zh-CN" altLang="en-US" sz="1200" dirty="0"/>
+              <a:t>和</a:t>
+            </a:r>
+            <a:r>
+              <a:rPr lang="en-US" altLang="zh-CN" sz="1200" dirty="0" err="1"/>
+              <a:t>ServiceProvider</a:t>
+            </a:r>
+            <a:r>
+              <a:rPr lang="zh-CN" altLang="en-US" sz="1200" dirty="0"/>
+              <a:t>这两个核心对象。我们预先将服务描述信息注册到</a:t>
+            </a:r>
+            <a:r>
+              <a:rPr lang="en-US" altLang="zh-CN" sz="1200" dirty="0" err="1"/>
+              <a:t>ServiceCollection</a:t>
+            </a:r>
+            <a:r>
+              <a:rPr lang="zh-CN" altLang="en-US" sz="1200" dirty="0"/>
+              <a:t>之上，然后利用</a:t>
+            </a:r>
+            <a:r>
+              <a:rPr lang="en-US" altLang="zh-CN" sz="1200" dirty="0" err="1"/>
+              <a:t>ServiceCollection</a:t>
+            </a:r>
+            <a:r>
+              <a:rPr lang="zh-CN" altLang="en-US" sz="1200" dirty="0"/>
+              <a:t>来创建</a:t>
+            </a:r>
+            <a:r>
+              <a:rPr lang="en-US" altLang="zh-CN" sz="1200" dirty="0" err="1"/>
+              <a:t>ServiceProvider</a:t>
+            </a:r>
+            <a:r>
+              <a:rPr lang="zh-CN" altLang="en-US" sz="1200" dirty="0"/>
+              <a:t>，并最终利用后者根据指定的服务类型来提供对应的服务实例。</a:t>
             </a:r>
             <a:endParaRPr lang="en-US" altLang="zh-CN" sz="1200" dirty="0"/>
           </a:p>
+          <a:p>
+            <a:endParaRPr lang="en-US" altLang="zh-CN" sz="1200" dirty="0"/>
+          </a:p>
         </p:txBody>
       </p:sp>
+      <p:pic>
+        <p:nvPicPr>
+          <p:cNvPr id="3" name="图片 2">
+            <a:extLst>
+              <a:ext uri="{FF2B5EF4-FFF2-40B4-BE49-F238E27FC236}">
+                <a16:creationId xmlns:a16="http://schemas.microsoft.com/office/drawing/2014/main" id="{041DB2C5-D409-479B-87B2-95325E72F64F}"/>
+              </a:ext>
+            </a:extLst>
+          </p:cNvPr>
+          <p:cNvPicPr>
+            <a:picLocks noChangeAspect="1"/>
+          </p:cNvPicPr>
+          <p:nvPr/>
+        </p:nvPicPr>
+        <p:blipFill>
+          <a:blip r:embed="rId5"/>
+          <a:stretch>
+            <a:fillRect/>
+          </a:stretch>
+        </p:blipFill>
+        <p:spPr>
+          <a:xfrm>
+            <a:off x="1784090" y="2462226"/>
+            <a:ext cx="3847628" cy="219048"/>
+          </a:xfrm>
+          <a:prstGeom prst="rect">
+            <a:avLst/>
+          </a:prstGeom>
+        </p:spPr>
+      </p:pic>
+      <p:pic>
+        <p:nvPicPr>
+          <p:cNvPr id="4" name="图片 3">
+            <a:extLst>
+              <a:ext uri="{FF2B5EF4-FFF2-40B4-BE49-F238E27FC236}">
+                <a16:creationId xmlns:a16="http://schemas.microsoft.com/office/drawing/2014/main" id="{F37E941E-B426-4B28-B376-4C50947E08CF}"/>
+              </a:ext>
+            </a:extLst>
+          </p:cNvPr>
+          <p:cNvPicPr>
+            <a:picLocks noChangeAspect="1"/>
+          </p:cNvPicPr>
+          <p:nvPr/>
+        </p:nvPicPr>
+        <p:blipFill>
+          <a:blip r:embed="rId6"/>
+          <a:stretch>
+            <a:fillRect/>
+          </a:stretch>
+        </p:blipFill>
+        <p:spPr>
+          <a:xfrm>
+            <a:off x="1403648" y="2800551"/>
+            <a:ext cx="4901094" cy="1251343"/>
+          </a:xfrm>
+          <a:prstGeom prst="rect">
+            <a:avLst/>
+          </a:prstGeom>
+        </p:spPr>
+      </p:pic>
     </p:spTree>
     <p:extLst>
       <p:ext uri="{BB962C8B-B14F-4D97-AF65-F5344CB8AC3E}">
-        <p14:creationId xmlns:p14="http://schemas.microsoft.com/office/powerpoint/2010/main" val="3333248093"/>
+        <p14:creationId xmlns:p14="http://schemas.microsoft.com/office/powerpoint/2010/main" val="1131984180"/>
       </p:ext>
     </p:extLst>
   </p:cSld>
@@ -17779,263 +20917,7 @@
 </p:sld>
 </file>
 
-<file path=ppt/slides/slide3.xml><?xml version="1.0" encoding="utf-8"?>
-<p:sld xmlns:a="http://schemas.openxmlformats.org/drawingml/2006/main" xmlns:r="http://schemas.openxmlformats.org/officeDocument/2006/relationships" xmlns:p="http://schemas.openxmlformats.org/presentationml/2006/main">
-  <p:cSld>
-    <p:spTree>
-      <p:nvGrpSpPr>
-        <p:cNvPr id="1" name=""/>
-        <p:cNvGrpSpPr/>
-        <p:nvPr/>
-      </p:nvGrpSpPr>
-      <p:grpSpPr>
-        <a:xfrm>
-          <a:off x="0" y="0"/>
-          <a:ext cx="0" cy="0"/>
-          <a:chOff x="0" y="0"/>
-          <a:chExt cx="0" cy="0"/>
-        </a:xfrm>
-      </p:grpSpPr>
-      <p:sp>
-        <p:nvSpPr>
-          <p:cNvPr id="5" name="TextBox 4"/>
-          <p:cNvSpPr txBox="1"/>
-          <p:nvPr/>
-        </p:nvSpPr>
-        <p:spPr>
-          <a:xfrm>
-            <a:off x="611560" y="411510"/>
-            <a:ext cx="4680520" cy="400110"/>
-          </a:xfrm>
-          <a:prstGeom prst="rect">
-            <a:avLst/>
-          </a:prstGeom>
-          <a:noFill/>
-        </p:spPr>
-        <p:txBody>
-          <a:bodyPr wrap="square" rtlCol="0">
-            <a:spAutoFit/>
-          </a:bodyPr>
-          <a:lstStyle/>
-          <a:p>
-            <a:r>
-              <a:rPr lang="zh-CN" altLang="en-US" sz="2000" b="1" i="1" dirty="0"/>
-              <a:t>一、什么是依赖注入？</a:t>
-            </a:r>
-            <a:endParaRPr lang="zh-CN" altLang="en-US" sz="2000" b="1" dirty="0">
-              <a:latin typeface="微软雅黑" pitchFamily="34" charset="-122"/>
-              <a:ea typeface="微软雅黑" pitchFamily="34" charset="-122"/>
-            </a:endParaRPr>
-          </a:p>
-        </p:txBody>
-      </p:sp>
-      <p:pic>
-        <p:nvPicPr>
-          <p:cNvPr id="6" name="图片 5" descr="矢量智能对象.png"/>
-          <p:cNvPicPr>
-            <a:picLocks noChangeAspect="1"/>
-          </p:cNvPicPr>
-          <p:nvPr/>
-        </p:nvPicPr>
-        <p:blipFill>
-          <a:blip r:embed="rId4" cstate="print"/>
-          <a:stretch>
-            <a:fillRect/>
-          </a:stretch>
-        </p:blipFill>
-        <p:spPr>
-          <a:xfrm>
-            <a:off x="8244408" y="288032"/>
-            <a:ext cx="487504" cy="349205"/>
-          </a:xfrm>
-          <a:prstGeom prst="rect">
-            <a:avLst/>
-          </a:prstGeom>
-        </p:spPr>
-      </p:pic>
-      <p:pic>
-        <p:nvPicPr>
-          <p:cNvPr id="8" name="图片 7" descr="矢量智能对象.png"/>
-          <p:cNvPicPr>
-            <a:picLocks noChangeAspect="1"/>
-          </p:cNvPicPr>
-          <p:nvPr/>
-        </p:nvPicPr>
-        <p:blipFill>
-          <a:blip r:embed="rId5" cstate="print"/>
-          <a:stretch>
-            <a:fillRect/>
-          </a:stretch>
-        </p:blipFill>
-        <p:spPr>
-          <a:xfrm>
-            <a:off x="0" y="4659982"/>
-            <a:ext cx="9144000" cy="504056"/>
-          </a:xfrm>
-          <a:prstGeom prst="rect">
-            <a:avLst/>
-          </a:prstGeom>
-        </p:spPr>
-      </p:pic>
-      <p:sp>
-        <p:nvSpPr>
-          <p:cNvPr id="9" name="TextBox 8"/>
-          <p:cNvSpPr txBox="1"/>
-          <p:nvPr/>
-        </p:nvSpPr>
-        <p:spPr>
-          <a:xfrm>
-            <a:off x="611560" y="1489305"/>
-            <a:ext cx="6192688" cy="584775"/>
-          </a:xfrm>
-          <a:prstGeom prst="rect">
-            <a:avLst/>
-          </a:prstGeom>
-          <a:noFill/>
-        </p:spPr>
-        <p:txBody>
-          <a:bodyPr wrap="square" rtlCol="0">
-            <a:spAutoFit/>
-          </a:bodyPr>
-          <a:lstStyle/>
-          <a:p>
-            <a:pPr>
-              <a:buFont typeface="Wingdings" panose="05000000000000000000" pitchFamily="2" charset="2"/>
-              <a:buChar char="Ø"/>
-            </a:pPr>
-            <a:r>
-              <a:rPr lang="zh-CN" altLang="en-US" sz="1600" dirty="0"/>
-              <a:t>在说起</a:t>
-            </a:r>
-            <a:r>
-              <a:rPr lang="en-US" altLang="zh-CN" sz="1600" dirty="0"/>
-              <a:t>DI</a:t>
-            </a:r>
-            <a:r>
-              <a:rPr lang="zh-CN" altLang="en-US" sz="1600" dirty="0"/>
-              <a:t>之前，先提一个周所周知的设计原则</a:t>
-            </a:r>
-            <a:r>
-              <a:rPr lang="en-US" altLang="zh-CN" sz="1600" dirty="0"/>
-              <a:t>------</a:t>
-            </a:r>
-            <a:r>
-              <a:rPr lang="zh-CN" altLang="en-US" sz="1600" dirty="0">
-                <a:solidFill>
-                  <a:srgbClr val="FF0000"/>
-                </a:solidFill>
-              </a:rPr>
-              <a:t>控制反转</a:t>
-            </a:r>
-            <a:r>
-              <a:rPr lang="zh-CN" altLang="en-US" sz="1600" dirty="0"/>
-              <a:t>（</a:t>
-            </a:r>
-            <a:r>
-              <a:rPr lang="en-US" altLang="zh-CN" sz="1600" dirty="0"/>
-              <a:t> </a:t>
-            </a:r>
-            <a:r>
-              <a:rPr lang="en-US" altLang="zh-CN" sz="1600" dirty="0">
-                <a:solidFill>
-                  <a:srgbClr val="FF0000"/>
-                </a:solidFill>
-              </a:rPr>
-              <a:t>IOC</a:t>
-            </a:r>
-            <a:r>
-              <a:rPr lang="en-US" altLang="zh-CN" sz="1600" dirty="0"/>
-              <a:t> </a:t>
-            </a:r>
-            <a:r>
-              <a:rPr lang="zh-CN" altLang="en-US" sz="1600" dirty="0"/>
-              <a:t>）</a:t>
-            </a:r>
-            <a:endParaRPr lang="en-US" altLang="zh-CN" sz="1600" dirty="0"/>
-          </a:p>
-          <a:p>
-            <a:endParaRPr lang="en-US" altLang="zh-CN" sz="1600" dirty="0"/>
-          </a:p>
-        </p:txBody>
-      </p:sp>
-      <p:pic>
-        <p:nvPicPr>
-          <p:cNvPr id="7" name="图片 6">
-            <a:extLst>
-              <a:ext uri="{FF2B5EF4-FFF2-40B4-BE49-F238E27FC236}">
-                <a16:creationId xmlns:a16="http://schemas.microsoft.com/office/drawing/2014/main" id="{6186BFAD-F7A8-4FAF-985C-BD89CC449AFF}"/>
-              </a:ext>
-            </a:extLst>
-          </p:cNvPr>
-          <p:cNvPicPr>
-            <a:picLocks noChangeAspect="1"/>
-          </p:cNvPicPr>
-          <p:nvPr>
-            <p:custDataLst>
-              <p:custData r:id="rId1"/>
-            </p:custDataLst>
-          </p:nvPr>
-        </p:nvPicPr>
-        <p:blipFill>
-          <a:blip r:embed="rId6"/>
-          <a:stretch>
-            <a:fillRect/>
-          </a:stretch>
-        </p:blipFill>
-        <p:spPr>
-          <a:xfrm>
-            <a:off x="970082" y="1800460"/>
-            <a:ext cx="5475644" cy="1902609"/>
-          </a:xfrm>
-          <a:prstGeom prst="rect">
-            <a:avLst/>
-          </a:prstGeom>
-        </p:spPr>
-      </p:pic>
-      <p:sp>
-        <p:nvSpPr>
-          <p:cNvPr id="10" name="文本框 9">
-            <a:extLst>
-              <a:ext uri="{FF2B5EF4-FFF2-40B4-BE49-F238E27FC236}">
-                <a16:creationId xmlns:a16="http://schemas.microsoft.com/office/drawing/2014/main" id="{D9BA84A6-F3F6-4D52-B136-0519B4EA43AD}"/>
-              </a:ext>
-            </a:extLst>
-          </p:cNvPr>
-          <p:cNvSpPr txBox="1"/>
-          <p:nvPr/>
-        </p:nvSpPr>
-        <p:spPr>
-          <a:xfrm>
-            <a:off x="3131840" y="3703069"/>
-            <a:ext cx="1152128" cy="215444"/>
-          </a:xfrm>
-          <a:prstGeom prst="rect">
-            <a:avLst/>
-          </a:prstGeom>
-          <a:noFill/>
-        </p:spPr>
-        <p:txBody>
-          <a:bodyPr wrap="square" rtlCol="0">
-            <a:spAutoFit/>
-          </a:bodyPr>
-          <a:lstStyle/>
-          <a:p>
-            <a:r>
-              <a:rPr lang="zh-CN" altLang="en-US" sz="800" dirty="0"/>
-              <a:t>图片截取自百度百科</a:t>
-            </a:r>
-          </a:p>
-        </p:txBody>
-      </p:sp>
-    </p:spTree>
-  </p:cSld>
-  <p:clrMapOvr>
-    <a:masterClrMapping/>
-  </p:clrMapOvr>
-</p:sld>
-</file>
-
-<file path=ppt/slides/slide30.xml><?xml version="1.0" encoding="utf-8"?>
+<file path=ppt/slides/slide37.xml><?xml version="1.0" encoding="utf-8"?>
 <p:sld xmlns:a="http://schemas.openxmlformats.org/drawingml/2006/main" xmlns:r="http://schemas.openxmlformats.org/officeDocument/2006/relationships" xmlns:p="http://schemas.openxmlformats.org/presentationml/2006/main">
   <p:cSld>
     <p:spTree>
@@ -18219,7 +21101,7 @@
 </p:sld>
 </file>
 
-<file path=ppt/slides/slide31.xml><?xml version="1.0" encoding="utf-8"?>
+<file path=ppt/slides/slide38.xml><?xml version="1.0" encoding="utf-8"?>
 <p:sld xmlns:a="http://schemas.openxmlformats.org/drawingml/2006/main" xmlns:r="http://schemas.openxmlformats.org/officeDocument/2006/relationships" xmlns:p="http://schemas.openxmlformats.org/presentationml/2006/main">
   <p:cSld>
     <p:spTree>
@@ -18260,11 +21142,11 @@
           <a:p>
             <a:r>
               <a:rPr lang="en-US" altLang="zh-CN" sz="2000" i="1" dirty="0"/>
-              <a:t>2.2 </a:t>
-            </a:r>
-            <a:r>
-              <a:rPr lang="en-US" altLang="zh-CN" sz="2000" i="1" dirty="0" err="1"/>
-              <a:t>IServiceProvider.GetService</a:t>
+              <a:t>4.XML</a:t>
+            </a:r>
+            <a:r>
+              <a:rPr lang="zh-CN" altLang="en-US" sz="2000" i="1" dirty="0"/>
+              <a:t>配置注册关系</a:t>
             </a:r>
             <a:endParaRPr lang="zh-CN" altLang="en-US" sz="2000" b="1" dirty="0">
               <a:latin typeface="微软雅黑" pitchFamily="34" charset="-122"/>
@@ -18330,7 +21212,7 @@
         <p:spPr>
           <a:xfrm>
             <a:off x="611560" y="1489305"/>
-            <a:ext cx="6192688" cy="1569660"/>
+            <a:ext cx="6192688" cy="1077218"/>
           </a:xfrm>
           <a:prstGeom prst="rect">
             <a:avLst/>
@@ -18343,159 +21225,67 @@
           </a:bodyPr>
           <a:lstStyle/>
           <a:p>
-            <a:r>
-              <a:rPr lang="zh-CN" altLang="en-US" sz="1200" dirty="0"/>
-              <a:t>当业务中，类中仅有部分方法需要使用到某个对象的实例的，可以采用</a:t>
-            </a:r>
-            <a:r>
-              <a:rPr lang="en-US" altLang="zh-CN" sz="1200" dirty="0"/>
-              <a:t>IOC</a:t>
-            </a:r>
-            <a:r>
-              <a:rPr lang="zh-CN" altLang="en-US" sz="1200" dirty="0"/>
-              <a:t>容器提供</a:t>
-            </a:r>
-            <a:r>
-              <a:rPr lang="en-US" altLang="zh-CN" sz="1200" dirty="0" err="1"/>
-              <a:t>IServiceProvider</a:t>
-            </a:r>
-            <a:r>
-              <a:rPr lang="zh-CN" altLang="en-US" sz="1200" dirty="0"/>
-              <a:t>对象的</a:t>
-            </a:r>
-            <a:r>
-              <a:rPr lang="en-US" altLang="zh-CN" sz="1200" dirty="0" err="1"/>
-              <a:t>GetService</a:t>
-            </a:r>
-            <a:r>
-              <a:rPr lang="zh-CN" altLang="en-US" sz="1200" dirty="0"/>
-              <a:t>方法去获取。</a:t>
-            </a:r>
-            <a:endParaRPr lang="en-US" altLang="zh-CN" sz="1200" dirty="0"/>
-          </a:p>
-          <a:p>
-            <a:endParaRPr lang="en-US" altLang="zh-CN" sz="1200" dirty="0"/>
-          </a:p>
-          <a:p>
-            <a:r>
-              <a:rPr lang="en-US" altLang="zh-CN" sz="1200" dirty="0"/>
-              <a:t>ASP.NET Core</a:t>
-            </a:r>
-            <a:r>
-              <a:rPr lang="zh-CN" altLang="en-US" sz="1200" dirty="0"/>
-              <a:t>的依赖注入框架其实很简单，其中仅仅涉及</a:t>
-            </a:r>
-            <a:r>
-              <a:rPr lang="en-US" altLang="zh-CN" sz="1200" dirty="0" err="1"/>
-              <a:t>ServiceCollection</a:t>
-            </a:r>
-            <a:r>
-              <a:rPr lang="zh-CN" altLang="en-US" sz="1200" dirty="0"/>
-              <a:t>和</a:t>
-            </a:r>
-            <a:r>
-              <a:rPr lang="en-US" altLang="zh-CN" sz="1200" dirty="0" err="1"/>
-              <a:t>ServiceProvider</a:t>
-            </a:r>
-            <a:r>
-              <a:rPr lang="zh-CN" altLang="en-US" sz="1200" dirty="0"/>
-              <a:t>这两个核心对象。我们预先将服务描述信息注册到</a:t>
-            </a:r>
-            <a:r>
-              <a:rPr lang="en-US" altLang="zh-CN" sz="1200" dirty="0" err="1"/>
-              <a:t>ServiceCollection</a:t>
-            </a:r>
-            <a:r>
-              <a:rPr lang="zh-CN" altLang="en-US" sz="1200" dirty="0"/>
-              <a:t>之上，然后利用</a:t>
-            </a:r>
-            <a:r>
-              <a:rPr lang="en-US" altLang="zh-CN" sz="1200" dirty="0" err="1"/>
-              <a:t>ServiceCollection</a:t>
-            </a:r>
-            <a:r>
-              <a:rPr lang="zh-CN" altLang="en-US" sz="1200" dirty="0"/>
-              <a:t>来创建</a:t>
-            </a:r>
-            <a:r>
-              <a:rPr lang="en-US" altLang="zh-CN" sz="1200" dirty="0" err="1"/>
-              <a:t>ServiceProvider</a:t>
-            </a:r>
-            <a:r>
-              <a:rPr lang="zh-CN" altLang="en-US" sz="1200" dirty="0"/>
-              <a:t>，并最终利用后者根据指定的服务类型来提供对应的服务实例。</a:t>
-            </a:r>
-            <a:endParaRPr lang="en-US" altLang="zh-CN" sz="1200" dirty="0"/>
-          </a:p>
-          <a:p>
-            <a:endParaRPr lang="en-US" altLang="zh-CN" sz="1200" dirty="0"/>
+            <a:pPr>
+              <a:buFont typeface="Wingdings" panose="05000000000000000000" pitchFamily="2" charset="2"/>
+              <a:buChar char="Ø"/>
+            </a:pPr>
+            <a:r>
+              <a:rPr lang="zh-CN" altLang="en-US" sz="1600" dirty="0"/>
+              <a:t>这是内容</a:t>
+            </a:r>
+            <a:r>
+              <a:rPr lang="en-US" altLang="zh-CN" sz="1600" dirty="0"/>
+              <a:t>1</a:t>
+            </a:r>
+          </a:p>
+          <a:p>
+            <a:pPr>
+              <a:buFont typeface="Wingdings" panose="05000000000000000000" pitchFamily="2" charset="2"/>
+              <a:buChar char="Ø"/>
+            </a:pPr>
+            <a:r>
+              <a:rPr lang="zh-CN" altLang="en-US" sz="1600" b="1" dirty="0"/>
+              <a:t>这是内容</a:t>
+            </a:r>
+            <a:r>
+              <a:rPr lang="en-US" altLang="zh-CN" sz="1600" b="1" dirty="0"/>
+              <a:t>2</a:t>
+            </a:r>
+          </a:p>
+          <a:p>
+            <a:pPr>
+              <a:buFont typeface="Wingdings" panose="05000000000000000000" pitchFamily="2" charset="2"/>
+              <a:buChar char="Ø"/>
+            </a:pPr>
+            <a:r>
+              <a:rPr lang="zh-CN" altLang="en-US" sz="1600" b="1" dirty="0"/>
+              <a:t>这是内容</a:t>
+            </a:r>
+            <a:r>
+              <a:rPr lang="en-US" altLang="zh-CN" sz="1600" b="1" dirty="0"/>
+              <a:t>3</a:t>
+            </a:r>
+          </a:p>
+          <a:p>
+            <a:pPr>
+              <a:buFont typeface="Wingdings" panose="05000000000000000000" pitchFamily="2" charset="2"/>
+              <a:buChar char="Ø"/>
+            </a:pPr>
+            <a:r>
+              <a:rPr lang="zh-CN" altLang="en-US" sz="1600" b="1" dirty="0"/>
+              <a:t>这是内容</a:t>
+            </a:r>
+            <a:r>
+              <a:rPr lang="en-US" altLang="zh-CN" sz="1600" b="1" dirty="0"/>
+              <a:t>4</a:t>
+            </a:r>
           </a:p>
         </p:txBody>
       </p:sp>
-      <p:pic>
-        <p:nvPicPr>
-          <p:cNvPr id="3" name="图片 2">
-            <a:extLst>
-              <a:ext uri="{FF2B5EF4-FFF2-40B4-BE49-F238E27FC236}">
-                <a16:creationId xmlns:a16="http://schemas.microsoft.com/office/drawing/2014/main" id="{041DB2C5-D409-479B-87B2-95325E72F64F}"/>
-              </a:ext>
-            </a:extLst>
-          </p:cNvPr>
-          <p:cNvPicPr>
-            <a:picLocks noChangeAspect="1"/>
-          </p:cNvPicPr>
-          <p:nvPr/>
-        </p:nvPicPr>
-        <p:blipFill>
-          <a:blip r:embed="rId5"/>
-          <a:stretch>
-            <a:fillRect/>
-          </a:stretch>
-        </p:blipFill>
-        <p:spPr>
-          <a:xfrm>
-            <a:off x="1858373" y="2934326"/>
-            <a:ext cx="3847628" cy="219048"/>
-          </a:xfrm>
-          <a:prstGeom prst="rect">
-            <a:avLst/>
-          </a:prstGeom>
-        </p:spPr>
-      </p:pic>
-      <p:pic>
-        <p:nvPicPr>
-          <p:cNvPr id="4" name="图片 3">
-            <a:extLst>
-              <a:ext uri="{FF2B5EF4-FFF2-40B4-BE49-F238E27FC236}">
-                <a16:creationId xmlns:a16="http://schemas.microsoft.com/office/drawing/2014/main" id="{F37E941E-B426-4B28-B376-4C50947E08CF}"/>
-              </a:ext>
-            </a:extLst>
-          </p:cNvPr>
-          <p:cNvPicPr>
-            <a:picLocks noChangeAspect="1"/>
-          </p:cNvPicPr>
-          <p:nvPr/>
-        </p:nvPicPr>
-        <p:blipFill>
-          <a:blip r:embed="rId6"/>
-          <a:stretch>
-            <a:fillRect/>
-          </a:stretch>
-        </p:blipFill>
-        <p:spPr>
-          <a:xfrm>
-            <a:off x="1331640" y="3219822"/>
-            <a:ext cx="4901094" cy="1251343"/>
-          </a:xfrm>
-          <a:prstGeom prst="rect">
-            <a:avLst/>
-          </a:prstGeom>
-        </p:spPr>
-      </p:pic>
     </p:spTree>
     <p:extLst>
       <p:ext uri="{BB962C8B-B14F-4D97-AF65-F5344CB8AC3E}">
-        <p14:creationId xmlns:p14="http://schemas.microsoft.com/office/powerpoint/2010/main" val="1131984180"/>
+        <p14:creationId xmlns:p14="http://schemas.microsoft.com/office/powerpoint/2010/main" val="1743748155"/>
       </p:ext>
     </p:extLst>
   </p:cSld>
@@ -18505,7 +21295,7 @@
 </p:sld>
 </file>
 
-<file path=ppt/slides/slide32.xml><?xml version="1.0" encoding="utf-8"?>
+<file path=ppt/slides/slide39.xml><?xml version="1.0" encoding="utf-8"?>
 <p:sld xmlns:a="http://schemas.openxmlformats.org/drawingml/2006/main" xmlns:r="http://schemas.openxmlformats.org/officeDocument/2006/relationships" xmlns:p="http://schemas.openxmlformats.org/presentationml/2006/main">
   <p:cSld>
     <p:spTree>
@@ -18546,11 +21336,11 @@
           <a:p>
             <a:r>
               <a:rPr lang="en-US" altLang="zh-CN" sz="2000" i="1" dirty="0"/>
-              <a:t>4.XML</a:t>
-            </a:r>
-            <a:r>
-              <a:rPr lang="zh-CN" altLang="en-US" sz="2000" i="1" dirty="0"/>
-              <a:t>配置注册关系</a:t>
+              <a:t>3.Dependence </a:t>
+            </a:r>
+            <a:r>
+              <a:rPr lang="en-US" altLang="zh-CN" sz="2000" i="1" dirty="0" err="1"/>
+              <a:t>LookUp</a:t>
             </a:r>
             <a:endParaRPr lang="zh-CN" altLang="en-US" sz="2000" b="1" dirty="0">
               <a:latin typeface="微软雅黑" pitchFamily="34" charset="-122"/>
@@ -18689,590 +21479,7 @@
     </p:spTree>
     <p:extLst>
       <p:ext uri="{BB962C8B-B14F-4D97-AF65-F5344CB8AC3E}">
-        <p14:creationId xmlns:p14="http://schemas.microsoft.com/office/powerpoint/2010/main" val="1743748155"/>
-      </p:ext>
-    </p:extLst>
-  </p:cSld>
-  <p:clrMapOvr>
-    <a:masterClrMapping/>
-  </p:clrMapOvr>
-</p:sld>
-</file>
-
-<file path=ppt/slides/slide33.xml><?xml version="1.0" encoding="utf-8"?>
-<p:sld xmlns:a="http://schemas.openxmlformats.org/drawingml/2006/main" xmlns:r="http://schemas.openxmlformats.org/officeDocument/2006/relationships" xmlns:p="http://schemas.openxmlformats.org/presentationml/2006/main">
-  <p:cSld>
-    <p:spTree>
-      <p:nvGrpSpPr>
-        <p:cNvPr id="1" name=""/>
-        <p:cNvGrpSpPr/>
-        <p:nvPr/>
-      </p:nvGrpSpPr>
-      <p:grpSpPr>
-        <a:xfrm>
-          <a:off x="0" y="0"/>
-          <a:ext cx="0" cy="0"/>
-          <a:chOff x="0" y="0"/>
-          <a:chExt cx="0" cy="0"/>
-        </a:xfrm>
-      </p:grpSpPr>
-      <p:sp>
-        <p:nvSpPr>
-          <p:cNvPr id="5" name="TextBox 4"/>
-          <p:cNvSpPr txBox="1"/>
-          <p:nvPr/>
-        </p:nvSpPr>
-        <p:spPr>
-          <a:xfrm>
-            <a:off x="611560" y="411510"/>
-            <a:ext cx="4680520" cy="400110"/>
-          </a:xfrm>
-          <a:prstGeom prst="rect">
-            <a:avLst/>
-          </a:prstGeom>
-          <a:noFill/>
-        </p:spPr>
-        <p:txBody>
-          <a:bodyPr wrap="square" rtlCol="0">
-            <a:spAutoFit/>
-          </a:bodyPr>
-          <a:lstStyle/>
-          <a:p>
-            <a:r>
-              <a:rPr lang="en-US" altLang="zh-CN" sz="2000" i="1" dirty="0"/>
-              <a:t>3.Dependence </a:t>
-            </a:r>
-            <a:r>
-              <a:rPr lang="en-US" altLang="zh-CN" sz="2000" i="1" dirty="0" err="1"/>
-              <a:t>LookUp</a:t>
-            </a:r>
-            <a:endParaRPr lang="zh-CN" altLang="en-US" sz="2000" b="1" dirty="0">
-              <a:latin typeface="微软雅黑" pitchFamily="34" charset="-122"/>
-              <a:ea typeface="微软雅黑" pitchFamily="34" charset="-122"/>
-            </a:endParaRPr>
-          </a:p>
-        </p:txBody>
-      </p:sp>
-      <p:pic>
-        <p:nvPicPr>
-          <p:cNvPr id="6" name="图片 5" descr="矢量智能对象.png"/>
-          <p:cNvPicPr>
-            <a:picLocks noChangeAspect="1"/>
-          </p:cNvPicPr>
-          <p:nvPr/>
-        </p:nvPicPr>
-        <p:blipFill>
-          <a:blip r:embed="rId3" cstate="print"/>
-          <a:stretch>
-            <a:fillRect/>
-          </a:stretch>
-        </p:blipFill>
-        <p:spPr>
-          <a:xfrm>
-            <a:off x="8244408" y="288032"/>
-            <a:ext cx="487504" cy="349205"/>
-          </a:xfrm>
-          <a:prstGeom prst="rect">
-            <a:avLst/>
-          </a:prstGeom>
-        </p:spPr>
-      </p:pic>
-      <p:pic>
-        <p:nvPicPr>
-          <p:cNvPr id="8" name="图片 7" descr="矢量智能对象.png"/>
-          <p:cNvPicPr>
-            <a:picLocks noChangeAspect="1"/>
-          </p:cNvPicPr>
-          <p:nvPr/>
-        </p:nvPicPr>
-        <p:blipFill>
-          <a:blip r:embed="rId4" cstate="print"/>
-          <a:stretch>
-            <a:fillRect/>
-          </a:stretch>
-        </p:blipFill>
-        <p:spPr>
-          <a:xfrm>
-            <a:off x="0" y="4659982"/>
-            <a:ext cx="9144000" cy="504056"/>
-          </a:xfrm>
-          <a:prstGeom prst="rect">
-            <a:avLst/>
-          </a:prstGeom>
-        </p:spPr>
-      </p:pic>
-      <p:sp>
-        <p:nvSpPr>
-          <p:cNvPr id="9" name="TextBox 8"/>
-          <p:cNvSpPr txBox="1"/>
-          <p:nvPr/>
-        </p:nvSpPr>
-        <p:spPr>
-          <a:xfrm>
-            <a:off x="611560" y="1489305"/>
-            <a:ext cx="6192688" cy="1077218"/>
-          </a:xfrm>
-          <a:prstGeom prst="rect">
-            <a:avLst/>
-          </a:prstGeom>
-          <a:noFill/>
-        </p:spPr>
-        <p:txBody>
-          <a:bodyPr wrap="square" rtlCol="0">
-            <a:spAutoFit/>
-          </a:bodyPr>
-          <a:lstStyle/>
-          <a:p>
-            <a:pPr>
-              <a:buFont typeface="Wingdings" panose="05000000000000000000" pitchFamily="2" charset="2"/>
-              <a:buChar char="Ø"/>
-            </a:pPr>
-            <a:r>
-              <a:rPr lang="zh-CN" altLang="en-US" sz="1600" dirty="0"/>
-              <a:t>这是内容</a:t>
-            </a:r>
-            <a:r>
-              <a:rPr lang="en-US" altLang="zh-CN" sz="1600" dirty="0"/>
-              <a:t>1</a:t>
-            </a:r>
-          </a:p>
-          <a:p>
-            <a:pPr>
-              <a:buFont typeface="Wingdings" panose="05000000000000000000" pitchFamily="2" charset="2"/>
-              <a:buChar char="Ø"/>
-            </a:pPr>
-            <a:r>
-              <a:rPr lang="zh-CN" altLang="en-US" sz="1600" b="1" dirty="0"/>
-              <a:t>这是内容</a:t>
-            </a:r>
-            <a:r>
-              <a:rPr lang="en-US" altLang="zh-CN" sz="1600" b="1" dirty="0"/>
-              <a:t>2</a:t>
-            </a:r>
-          </a:p>
-          <a:p>
-            <a:pPr>
-              <a:buFont typeface="Wingdings" panose="05000000000000000000" pitchFamily="2" charset="2"/>
-              <a:buChar char="Ø"/>
-            </a:pPr>
-            <a:r>
-              <a:rPr lang="zh-CN" altLang="en-US" sz="1600" b="1" dirty="0"/>
-              <a:t>这是内容</a:t>
-            </a:r>
-            <a:r>
-              <a:rPr lang="en-US" altLang="zh-CN" sz="1600" b="1" dirty="0"/>
-              <a:t>3</a:t>
-            </a:r>
-          </a:p>
-          <a:p>
-            <a:pPr>
-              <a:buFont typeface="Wingdings" panose="05000000000000000000" pitchFamily="2" charset="2"/>
-              <a:buChar char="Ø"/>
-            </a:pPr>
-            <a:r>
-              <a:rPr lang="zh-CN" altLang="en-US" sz="1600" b="1" dirty="0"/>
-              <a:t>这是内容</a:t>
-            </a:r>
-            <a:r>
-              <a:rPr lang="en-US" altLang="zh-CN" sz="1600" b="1" dirty="0"/>
-              <a:t>4</a:t>
-            </a:r>
-          </a:p>
-        </p:txBody>
-      </p:sp>
-    </p:spTree>
-    <p:extLst>
-      <p:ext uri="{BB962C8B-B14F-4D97-AF65-F5344CB8AC3E}">
         <p14:creationId xmlns:p14="http://schemas.microsoft.com/office/powerpoint/2010/main" val="1489934020"/>
-      </p:ext>
-    </p:extLst>
-  </p:cSld>
-  <p:clrMapOvr>
-    <a:masterClrMapping/>
-  </p:clrMapOvr>
-</p:sld>
-</file>
-
-<file path=ppt/slides/slide34.xml><?xml version="1.0" encoding="utf-8"?>
-<p:sld xmlns:a="http://schemas.openxmlformats.org/drawingml/2006/main" xmlns:r="http://schemas.openxmlformats.org/officeDocument/2006/relationships" xmlns:p="http://schemas.openxmlformats.org/presentationml/2006/main">
-  <p:cSld>
-    <p:spTree>
-      <p:nvGrpSpPr>
-        <p:cNvPr id="1" name=""/>
-        <p:cNvGrpSpPr/>
-        <p:nvPr/>
-      </p:nvGrpSpPr>
-      <p:grpSpPr>
-        <a:xfrm>
-          <a:off x="0" y="0"/>
-          <a:ext cx="0" cy="0"/>
-          <a:chOff x="0" y="0"/>
-          <a:chExt cx="0" cy="0"/>
-        </a:xfrm>
-      </p:grpSpPr>
-      <p:sp>
-        <p:nvSpPr>
-          <p:cNvPr id="5" name="TextBox 4"/>
-          <p:cNvSpPr txBox="1"/>
-          <p:nvPr/>
-        </p:nvSpPr>
-        <p:spPr>
-          <a:xfrm>
-            <a:off x="611560" y="411510"/>
-            <a:ext cx="4680520" cy="400110"/>
-          </a:xfrm>
-          <a:prstGeom prst="rect">
-            <a:avLst/>
-          </a:prstGeom>
-          <a:noFill/>
-        </p:spPr>
-        <p:txBody>
-          <a:bodyPr wrap="square" rtlCol="0">
-            <a:spAutoFit/>
-          </a:bodyPr>
-          <a:lstStyle/>
-          <a:p>
-            <a:r>
-              <a:rPr lang="zh-CN" altLang="en-US" sz="2000" dirty="0"/>
-              <a:t>总结</a:t>
-            </a:r>
-            <a:endParaRPr lang="zh-CN" altLang="en-US" sz="2000" b="1" dirty="0">
-              <a:latin typeface="微软雅黑" pitchFamily="34" charset="-122"/>
-              <a:ea typeface="微软雅黑" pitchFamily="34" charset="-122"/>
-            </a:endParaRPr>
-          </a:p>
-        </p:txBody>
-      </p:sp>
-      <p:pic>
-        <p:nvPicPr>
-          <p:cNvPr id="6" name="图片 5" descr="矢量智能对象.png"/>
-          <p:cNvPicPr>
-            <a:picLocks noChangeAspect="1"/>
-          </p:cNvPicPr>
-          <p:nvPr/>
-        </p:nvPicPr>
-        <p:blipFill>
-          <a:blip r:embed="rId3" cstate="print"/>
-          <a:stretch>
-            <a:fillRect/>
-          </a:stretch>
-        </p:blipFill>
-        <p:spPr>
-          <a:xfrm>
-            <a:off x="8244408" y="288032"/>
-            <a:ext cx="487504" cy="349205"/>
-          </a:xfrm>
-          <a:prstGeom prst="rect">
-            <a:avLst/>
-          </a:prstGeom>
-        </p:spPr>
-      </p:pic>
-      <p:pic>
-        <p:nvPicPr>
-          <p:cNvPr id="8" name="图片 7" descr="矢量智能对象.png"/>
-          <p:cNvPicPr>
-            <a:picLocks noChangeAspect="1"/>
-          </p:cNvPicPr>
-          <p:nvPr/>
-        </p:nvPicPr>
-        <p:blipFill>
-          <a:blip r:embed="rId4" cstate="print"/>
-          <a:stretch>
-            <a:fillRect/>
-          </a:stretch>
-        </p:blipFill>
-        <p:spPr>
-          <a:xfrm>
-            <a:off x="0" y="4659982"/>
-            <a:ext cx="9144000" cy="504056"/>
-          </a:xfrm>
-          <a:prstGeom prst="rect">
-            <a:avLst/>
-          </a:prstGeom>
-        </p:spPr>
-      </p:pic>
-      <p:sp>
-        <p:nvSpPr>
-          <p:cNvPr id="9" name="TextBox 8"/>
-          <p:cNvSpPr txBox="1"/>
-          <p:nvPr/>
-        </p:nvSpPr>
-        <p:spPr>
-          <a:xfrm>
-            <a:off x="611560" y="1326344"/>
-            <a:ext cx="6912768" cy="1323439"/>
-          </a:xfrm>
-          <a:prstGeom prst="rect">
-            <a:avLst/>
-          </a:prstGeom>
-          <a:noFill/>
-        </p:spPr>
-        <p:txBody>
-          <a:bodyPr wrap="square" rtlCol="0">
-            <a:spAutoFit/>
-          </a:bodyPr>
-          <a:lstStyle/>
-          <a:p>
-            <a:pPr>
-              <a:buFont typeface="Wingdings" panose="05000000000000000000" pitchFamily="2" charset="2"/>
-              <a:buChar char="Ø"/>
-            </a:pPr>
-            <a:r>
-              <a:rPr lang="zh-CN" altLang="en-US" sz="1600" b="1" dirty="0"/>
-              <a:t>总结一</a:t>
-            </a:r>
-            <a:endParaRPr lang="en-US" altLang="zh-CN" sz="1600" b="1" dirty="0"/>
-          </a:p>
-          <a:p>
-            <a:pPr>
-              <a:buFont typeface="Wingdings" panose="05000000000000000000" pitchFamily="2" charset="2"/>
-              <a:buChar char="Ø"/>
-            </a:pPr>
-            <a:r>
-              <a:rPr lang="zh-CN" altLang="en-US" sz="1600" b="1" dirty="0"/>
-              <a:t>总结二</a:t>
-            </a:r>
-            <a:endParaRPr lang="en-US" altLang="zh-CN" sz="1600" b="1" dirty="0"/>
-          </a:p>
-          <a:p>
-            <a:pPr>
-              <a:buFont typeface="Wingdings" panose="05000000000000000000" pitchFamily="2" charset="2"/>
-              <a:buChar char="Ø"/>
-            </a:pPr>
-            <a:r>
-              <a:rPr lang="zh-CN" altLang="en-US" sz="1600" b="1" dirty="0"/>
-              <a:t>总结三</a:t>
-            </a:r>
-            <a:endParaRPr lang="en-US" altLang="zh-CN" sz="1600" b="1" dirty="0"/>
-          </a:p>
-          <a:p>
-            <a:pPr>
-              <a:buFont typeface="Wingdings" panose="05000000000000000000" pitchFamily="2" charset="2"/>
-              <a:buChar char="Ø"/>
-            </a:pPr>
-            <a:r>
-              <a:rPr lang="zh-CN" altLang="en-US" sz="1600" b="1" dirty="0"/>
-              <a:t>总结四</a:t>
-            </a:r>
-            <a:endParaRPr lang="en-US" altLang="zh-CN" sz="1600" b="1" dirty="0"/>
-          </a:p>
-          <a:p>
-            <a:pPr>
-              <a:buFont typeface="Wingdings" panose="05000000000000000000" pitchFamily="2" charset="2"/>
-              <a:buChar char="Ø"/>
-            </a:pPr>
-            <a:endParaRPr lang="en-US" altLang="zh-CN" sz="1600" b="1" dirty="0"/>
-          </a:p>
-        </p:txBody>
-      </p:sp>
-    </p:spTree>
-    <p:extLst>
-      <p:ext uri="{BB962C8B-B14F-4D97-AF65-F5344CB8AC3E}">
-        <p14:creationId xmlns:p14="http://schemas.microsoft.com/office/powerpoint/2010/main" val="498162248"/>
-      </p:ext>
-    </p:extLst>
-  </p:cSld>
-  <p:clrMapOvr>
-    <a:masterClrMapping/>
-  </p:clrMapOvr>
-</p:sld>
-</file>
-
-<file path=ppt/slides/slide35.xml><?xml version="1.0" encoding="utf-8"?>
-<p:sld xmlns:a="http://schemas.openxmlformats.org/drawingml/2006/main" xmlns:r="http://schemas.openxmlformats.org/officeDocument/2006/relationships" xmlns:p="http://schemas.openxmlformats.org/presentationml/2006/main">
-  <p:cSld>
-    <p:spTree>
-      <p:nvGrpSpPr>
-        <p:cNvPr id="1" name=""/>
-        <p:cNvGrpSpPr/>
-        <p:nvPr/>
-      </p:nvGrpSpPr>
-      <p:grpSpPr>
-        <a:xfrm>
-          <a:off x="0" y="0"/>
-          <a:ext cx="0" cy="0"/>
-          <a:chOff x="0" y="0"/>
-          <a:chExt cx="0" cy="0"/>
-        </a:xfrm>
-      </p:grpSpPr>
-      <p:pic>
-        <p:nvPicPr>
-          <p:cNvPr id="6" name="图片 5" descr="矢量智能对象.png"/>
-          <p:cNvPicPr>
-            <a:picLocks noChangeAspect="1"/>
-          </p:cNvPicPr>
-          <p:nvPr/>
-        </p:nvPicPr>
-        <p:blipFill>
-          <a:blip r:embed="rId3" cstate="print"/>
-          <a:stretch>
-            <a:fillRect/>
-          </a:stretch>
-        </p:blipFill>
-        <p:spPr>
-          <a:xfrm>
-            <a:off x="8244408" y="288032"/>
-            <a:ext cx="487504" cy="349205"/>
-          </a:xfrm>
-          <a:prstGeom prst="rect">
-            <a:avLst/>
-          </a:prstGeom>
-        </p:spPr>
-      </p:pic>
-      <p:pic>
-        <p:nvPicPr>
-          <p:cNvPr id="8" name="图片 7" descr="矢量智能对象.png"/>
-          <p:cNvPicPr>
-            <a:picLocks noChangeAspect="1"/>
-          </p:cNvPicPr>
-          <p:nvPr/>
-        </p:nvPicPr>
-        <p:blipFill>
-          <a:blip r:embed="rId4" cstate="print"/>
-          <a:stretch>
-            <a:fillRect/>
-          </a:stretch>
-        </p:blipFill>
-        <p:spPr>
-          <a:xfrm>
-            <a:off x="0" y="4659982"/>
-            <a:ext cx="9144000" cy="504056"/>
-          </a:xfrm>
-          <a:prstGeom prst="rect">
-            <a:avLst/>
-          </a:prstGeom>
-        </p:spPr>
-      </p:pic>
-      <p:sp>
-        <p:nvSpPr>
-          <p:cNvPr id="9" name="TextBox 8"/>
-          <p:cNvSpPr txBox="1"/>
-          <p:nvPr/>
-        </p:nvSpPr>
-        <p:spPr>
-          <a:xfrm>
-            <a:off x="611560" y="1326344"/>
-            <a:ext cx="6912768" cy="1384995"/>
-          </a:xfrm>
-          <a:prstGeom prst="rect">
-            <a:avLst/>
-          </a:prstGeom>
-          <a:noFill/>
-        </p:spPr>
-        <p:txBody>
-          <a:bodyPr wrap="square" rtlCol="0">
-            <a:spAutoFit/>
-          </a:bodyPr>
-          <a:lstStyle/>
-          <a:p>
-            <a:pPr>
-              <a:buFont typeface="Wingdings" panose="05000000000000000000" pitchFamily="2" charset="2"/>
-              <a:buChar char="Ø"/>
-            </a:pPr>
-            <a:r>
-              <a:rPr lang="zh-CN" altLang="en-US" sz="1600" b="1" dirty="0"/>
-              <a:t>一位大牛写的通俗易懂的</a:t>
-            </a:r>
-            <a:r>
-              <a:rPr lang="en-US" altLang="zh-CN" sz="1600" b="1" dirty="0"/>
-              <a:t>IOC</a:t>
-            </a:r>
-            <a:r>
-              <a:rPr lang="zh-CN" altLang="en-US" sz="1600" b="1" dirty="0"/>
-              <a:t>框架详解博客 </a:t>
-            </a:r>
-            <a:r>
-              <a:rPr lang="en-US" altLang="zh-CN" sz="1600" dirty="0">
-                <a:hlinkClick r:id="rId5"/>
-              </a:rPr>
-              <a:t>https://www.cnblogs.com/jhli/p/6019895.html</a:t>
-            </a:r>
-            <a:endParaRPr lang="en-US" altLang="zh-CN" sz="1600" b="1" dirty="0"/>
-          </a:p>
-          <a:p>
-            <a:pPr>
-              <a:buFont typeface="Wingdings" panose="05000000000000000000" pitchFamily="2" charset="2"/>
-              <a:buChar char="Ø"/>
-            </a:pPr>
-            <a:endParaRPr lang="en-US" altLang="zh-CN" sz="1600" b="1" dirty="0"/>
-          </a:p>
-          <a:p>
-            <a:pPr>
-              <a:buFont typeface="Wingdings" panose="05000000000000000000" pitchFamily="2" charset="2"/>
-              <a:buChar char="Ø"/>
-            </a:pPr>
-            <a:r>
-              <a:rPr lang="zh-CN" altLang="en-US" sz="1600" b="1" dirty="0"/>
-              <a:t>一篇经典的文章</a:t>
-            </a:r>
-            <a:r>
-              <a:rPr lang="en-US" altLang="zh-CN" sz="1600" b="1" dirty="0"/>
-              <a:t>《</a:t>
-            </a:r>
-            <a:r>
-              <a:rPr lang="en-US" altLang="zh-CN" dirty="0"/>
-              <a:t> Inversion of Control Containers and the Dependency Injection pattern</a:t>
-            </a:r>
-            <a:r>
-              <a:rPr lang="en-US" altLang="zh-CN" sz="1600" b="1" dirty="0"/>
-              <a:t>》</a:t>
-            </a:r>
-            <a:r>
-              <a:rPr lang="en-US" altLang="zh-CN" sz="1600" dirty="0">
-                <a:hlinkClick r:id="rId6"/>
-              </a:rPr>
-              <a:t> https://www.martinfowler.com/articles/injection.html</a:t>
-            </a:r>
-            <a:r>
-              <a:rPr lang="en-US" altLang="zh-CN" sz="1600" dirty="0"/>
-              <a:t> </a:t>
-            </a:r>
-            <a:endParaRPr lang="en-US" altLang="zh-CN" sz="1600" b="1" dirty="0"/>
-          </a:p>
-        </p:txBody>
-      </p:sp>
-      <p:sp>
-        <p:nvSpPr>
-          <p:cNvPr id="7" name="TextBox 4">
-            <a:extLst>
-              <a:ext uri="{FF2B5EF4-FFF2-40B4-BE49-F238E27FC236}">
-                <a16:creationId xmlns:a16="http://schemas.microsoft.com/office/drawing/2014/main" id="{AA0238BA-F52F-4E5F-89A7-1D7B59669604}"/>
-              </a:ext>
-            </a:extLst>
-          </p:cNvPr>
-          <p:cNvSpPr txBox="1"/>
-          <p:nvPr/>
-        </p:nvSpPr>
-        <p:spPr>
-          <a:xfrm>
-            <a:off x="611560" y="699542"/>
-            <a:ext cx="4680520" cy="523220"/>
-          </a:xfrm>
-          <a:prstGeom prst="rect">
-            <a:avLst/>
-          </a:prstGeom>
-          <a:noFill/>
-        </p:spPr>
-        <p:txBody>
-          <a:bodyPr wrap="square" rtlCol="0">
-            <a:spAutoFit/>
-          </a:bodyPr>
-          <a:lstStyle/>
-          <a:p>
-            <a:r>
-              <a:rPr lang="zh-CN" altLang="en-US" sz="2800" b="1" dirty="0">
-                <a:latin typeface="微软雅黑" pitchFamily="34" charset="-122"/>
-                <a:ea typeface="微软雅黑" pitchFamily="34" charset="-122"/>
-              </a:rPr>
-              <a:t>谢谢观看</a:t>
-            </a:r>
-          </a:p>
-        </p:txBody>
-      </p:sp>
-    </p:spTree>
-    <p:extLst>
-      <p:ext uri="{BB962C8B-B14F-4D97-AF65-F5344CB8AC3E}">
-        <p14:creationId xmlns:p14="http://schemas.microsoft.com/office/powerpoint/2010/main" val="4151012659"/>
       </p:ext>
     </p:extLst>
   </p:cSld>
@@ -19686,6 +21893,460 @@
 </p:sld>
 </file>
 
+<file path=ppt/slides/slide40.xml><?xml version="1.0" encoding="utf-8"?>
+<p:sld xmlns:a="http://schemas.openxmlformats.org/drawingml/2006/main" xmlns:r="http://schemas.openxmlformats.org/officeDocument/2006/relationships" xmlns:p="http://schemas.openxmlformats.org/presentationml/2006/main">
+  <p:cSld>
+    <p:spTree>
+      <p:nvGrpSpPr>
+        <p:cNvPr id="1" name=""/>
+        <p:cNvGrpSpPr/>
+        <p:nvPr/>
+      </p:nvGrpSpPr>
+      <p:grpSpPr>
+        <a:xfrm>
+          <a:off x="0" y="0"/>
+          <a:ext cx="0" cy="0"/>
+          <a:chOff x="0" y="0"/>
+          <a:chExt cx="0" cy="0"/>
+        </a:xfrm>
+      </p:grpSpPr>
+      <p:sp>
+        <p:nvSpPr>
+          <p:cNvPr id="5" name="TextBox 4"/>
+          <p:cNvSpPr txBox="1"/>
+          <p:nvPr/>
+        </p:nvSpPr>
+        <p:spPr>
+          <a:xfrm>
+            <a:off x="611560" y="411510"/>
+            <a:ext cx="4680520" cy="400110"/>
+          </a:xfrm>
+          <a:prstGeom prst="rect">
+            <a:avLst/>
+          </a:prstGeom>
+          <a:noFill/>
+        </p:spPr>
+        <p:txBody>
+          <a:bodyPr wrap="square" rtlCol="0">
+            <a:spAutoFit/>
+          </a:bodyPr>
+          <a:lstStyle/>
+          <a:p>
+            <a:r>
+              <a:rPr lang="zh-CN" altLang="en-US" sz="2000" dirty="0"/>
+              <a:t>总结</a:t>
+            </a:r>
+            <a:endParaRPr lang="zh-CN" altLang="en-US" sz="2000" b="1" dirty="0">
+              <a:latin typeface="微软雅黑" pitchFamily="34" charset="-122"/>
+              <a:ea typeface="微软雅黑" pitchFamily="34" charset="-122"/>
+            </a:endParaRPr>
+          </a:p>
+        </p:txBody>
+      </p:sp>
+      <p:pic>
+        <p:nvPicPr>
+          <p:cNvPr id="6" name="图片 5" descr="矢量智能对象.png"/>
+          <p:cNvPicPr>
+            <a:picLocks noChangeAspect="1"/>
+          </p:cNvPicPr>
+          <p:nvPr/>
+        </p:nvPicPr>
+        <p:blipFill>
+          <a:blip r:embed="rId3" cstate="print"/>
+          <a:stretch>
+            <a:fillRect/>
+          </a:stretch>
+        </p:blipFill>
+        <p:spPr>
+          <a:xfrm>
+            <a:off x="8244408" y="288032"/>
+            <a:ext cx="487504" cy="349205"/>
+          </a:xfrm>
+          <a:prstGeom prst="rect">
+            <a:avLst/>
+          </a:prstGeom>
+        </p:spPr>
+      </p:pic>
+      <p:pic>
+        <p:nvPicPr>
+          <p:cNvPr id="8" name="图片 7" descr="矢量智能对象.png"/>
+          <p:cNvPicPr>
+            <a:picLocks noChangeAspect="1"/>
+          </p:cNvPicPr>
+          <p:nvPr/>
+        </p:nvPicPr>
+        <p:blipFill>
+          <a:blip r:embed="rId4" cstate="print"/>
+          <a:stretch>
+            <a:fillRect/>
+          </a:stretch>
+        </p:blipFill>
+        <p:spPr>
+          <a:xfrm>
+            <a:off x="0" y="4659982"/>
+            <a:ext cx="9144000" cy="504056"/>
+          </a:xfrm>
+          <a:prstGeom prst="rect">
+            <a:avLst/>
+          </a:prstGeom>
+        </p:spPr>
+      </p:pic>
+      <p:sp>
+        <p:nvSpPr>
+          <p:cNvPr id="9" name="TextBox 8"/>
+          <p:cNvSpPr txBox="1"/>
+          <p:nvPr/>
+        </p:nvSpPr>
+        <p:spPr>
+          <a:xfrm>
+            <a:off x="611560" y="1326344"/>
+            <a:ext cx="6912768" cy="276999"/>
+          </a:xfrm>
+          <a:prstGeom prst="rect">
+            <a:avLst/>
+          </a:prstGeom>
+          <a:noFill/>
+        </p:spPr>
+        <p:txBody>
+          <a:bodyPr wrap="square" rtlCol="0">
+            <a:spAutoFit/>
+          </a:bodyPr>
+          <a:lstStyle/>
+          <a:p>
+            <a:pPr>
+              <a:buFont typeface="Wingdings" panose="05000000000000000000" pitchFamily="2" charset="2"/>
+              <a:buChar char="Ø"/>
+            </a:pPr>
+            <a:r>
+              <a:rPr lang="zh-CN" altLang="en-US" sz="1200" dirty="0"/>
+              <a:t>引用一位大佬的比喻：</a:t>
+            </a:r>
+            <a:endParaRPr lang="en-US" altLang="zh-CN" sz="1600" b="1" dirty="0"/>
+          </a:p>
+        </p:txBody>
+      </p:sp>
+      <p:pic>
+        <p:nvPicPr>
+          <p:cNvPr id="4" name="图片 3">
+            <a:extLst>
+              <a:ext uri="{FF2B5EF4-FFF2-40B4-BE49-F238E27FC236}">
+                <a16:creationId xmlns:a16="http://schemas.microsoft.com/office/drawing/2014/main" id="{1DC7D5DB-8167-4945-B00A-001EB7AAEF17}"/>
+              </a:ext>
+            </a:extLst>
+          </p:cNvPr>
+          <p:cNvPicPr>
+            <a:picLocks noChangeAspect="1"/>
+          </p:cNvPicPr>
+          <p:nvPr/>
+        </p:nvPicPr>
+        <p:blipFill rotWithShape="1">
+          <a:blip r:embed="rId5"/>
+          <a:srcRect t="4201"/>
+          <a:stretch/>
+        </p:blipFill>
+        <p:spPr>
+          <a:xfrm>
+            <a:off x="611560" y="1656655"/>
+            <a:ext cx="8193794" cy="1830190"/>
+          </a:xfrm>
+          <a:prstGeom prst="rect">
+            <a:avLst/>
+          </a:prstGeom>
+        </p:spPr>
+      </p:pic>
+      <p:sp>
+        <p:nvSpPr>
+          <p:cNvPr id="10" name="TextBox 8">
+            <a:extLst>
+              <a:ext uri="{FF2B5EF4-FFF2-40B4-BE49-F238E27FC236}">
+                <a16:creationId xmlns:a16="http://schemas.microsoft.com/office/drawing/2014/main" id="{B7AFC0EB-7CCC-4F00-830D-511169710102}"/>
+              </a:ext>
+            </a:extLst>
+          </p:cNvPr>
+          <p:cNvSpPr txBox="1"/>
+          <p:nvPr/>
+        </p:nvSpPr>
+        <p:spPr>
+          <a:xfrm>
+            <a:off x="611560" y="3486845"/>
+            <a:ext cx="6912768" cy="523220"/>
+          </a:xfrm>
+          <a:prstGeom prst="rect">
+            <a:avLst/>
+          </a:prstGeom>
+          <a:noFill/>
+        </p:spPr>
+        <p:txBody>
+          <a:bodyPr wrap="square" rtlCol="0">
+            <a:spAutoFit/>
+          </a:bodyPr>
+          <a:lstStyle/>
+          <a:p>
+            <a:pPr>
+              <a:buFont typeface="Wingdings" panose="05000000000000000000" pitchFamily="2" charset="2"/>
+              <a:buChar char="Ø"/>
+            </a:pPr>
+            <a:r>
+              <a:rPr lang="zh-CN" altLang="en-US" sz="1200" dirty="0"/>
+              <a:t>引文来源地址：</a:t>
+            </a:r>
+            <a:r>
+              <a:rPr lang="en-US" altLang="zh-CN" sz="1600" dirty="0">
+                <a:hlinkClick r:id="rId6"/>
+              </a:rPr>
+              <a:t>https://www.cnblogs.com/RayWang/p/11165509.html#870017151</a:t>
+            </a:r>
+            <a:endParaRPr lang="en-US" altLang="zh-CN" sz="1600" b="1" dirty="0"/>
+          </a:p>
+        </p:txBody>
+      </p:sp>
+    </p:spTree>
+    <p:extLst>
+      <p:ext uri="{BB962C8B-B14F-4D97-AF65-F5344CB8AC3E}">
+        <p14:creationId xmlns:p14="http://schemas.microsoft.com/office/powerpoint/2010/main" val="498162248"/>
+      </p:ext>
+    </p:extLst>
+  </p:cSld>
+  <p:clrMapOvr>
+    <a:masterClrMapping/>
+  </p:clrMapOvr>
+</p:sld>
+</file>
+
+<file path=ppt/slides/slide41.xml><?xml version="1.0" encoding="utf-8"?>
+<p:sld xmlns:a="http://schemas.openxmlformats.org/drawingml/2006/main" xmlns:r="http://schemas.openxmlformats.org/officeDocument/2006/relationships" xmlns:p="http://schemas.openxmlformats.org/presentationml/2006/main">
+  <p:cSld>
+    <p:spTree>
+      <p:nvGrpSpPr>
+        <p:cNvPr id="1" name=""/>
+        <p:cNvGrpSpPr/>
+        <p:nvPr/>
+      </p:nvGrpSpPr>
+      <p:grpSpPr>
+        <a:xfrm>
+          <a:off x="0" y="0"/>
+          <a:ext cx="0" cy="0"/>
+          <a:chOff x="0" y="0"/>
+          <a:chExt cx="0" cy="0"/>
+        </a:xfrm>
+      </p:grpSpPr>
+      <p:pic>
+        <p:nvPicPr>
+          <p:cNvPr id="6" name="图片 5" descr="矢量智能对象.png"/>
+          <p:cNvPicPr>
+            <a:picLocks noChangeAspect="1"/>
+          </p:cNvPicPr>
+          <p:nvPr/>
+        </p:nvPicPr>
+        <p:blipFill>
+          <a:blip r:embed="rId3" cstate="print"/>
+          <a:stretch>
+            <a:fillRect/>
+          </a:stretch>
+        </p:blipFill>
+        <p:spPr>
+          <a:xfrm>
+            <a:off x="8244408" y="288032"/>
+            <a:ext cx="487504" cy="349205"/>
+          </a:xfrm>
+          <a:prstGeom prst="rect">
+            <a:avLst/>
+          </a:prstGeom>
+        </p:spPr>
+      </p:pic>
+      <p:pic>
+        <p:nvPicPr>
+          <p:cNvPr id="8" name="图片 7" descr="矢量智能对象.png"/>
+          <p:cNvPicPr>
+            <a:picLocks noChangeAspect="1"/>
+          </p:cNvPicPr>
+          <p:nvPr/>
+        </p:nvPicPr>
+        <p:blipFill>
+          <a:blip r:embed="rId4" cstate="print"/>
+          <a:stretch>
+            <a:fillRect/>
+          </a:stretch>
+        </p:blipFill>
+        <p:spPr>
+          <a:xfrm>
+            <a:off x="0" y="4659982"/>
+            <a:ext cx="9144000" cy="504056"/>
+          </a:xfrm>
+          <a:prstGeom prst="rect">
+            <a:avLst/>
+          </a:prstGeom>
+        </p:spPr>
+      </p:pic>
+      <p:sp>
+        <p:nvSpPr>
+          <p:cNvPr id="9" name="TextBox 8"/>
+          <p:cNvSpPr txBox="1"/>
+          <p:nvPr/>
+        </p:nvSpPr>
+        <p:spPr>
+          <a:xfrm>
+            <a:off x="607655" y="1494532"/>
+            <a:ext cx="6912768" cy="2154436"/>
+          </a:xfrm>
+          <a:prstGeom prst="rect">
+            <a:avLst/>
+          </a:prstGeom>
+          <a:noFill/>
+        </p:spPr>
+        <p:txBody>
+          <a:bodyPr wrap="square" rtlCol="0">
+            <a:spAutoFit/>
+          </a:bodyPr>
+          <a:lstStyle/>
+          <a:p>
+            <a:pPr>
+              <a:buFont typeface="Wingdings" panose="05000000000000000000" pitchFamily="2" charset="2"/>
+              <a:buChar char="Ø"/>
+            </a:pPr>
+            <a:r>
+              <a:rPr lang="zh-CN" altLang="en-US" sz="1600" b="1" dirty="0"/>
+              <a:t>一位大牛写的通俗易懂的</a:t>
+            </a:r>
+            <a:r>
+              <a:rPr lang="en-US" altLang="zh-CN" sz="1600" b="1" dirty="0"/>
+              <a:t>IOC</a:t>
+            </a:r>
+            <a:r>
+              <a:rPr lang="zh-CN" altLang="en-US" sz="1600" b="1" dirty="0"/>
+              <a:t>框架详解博客 </a:t>
+            </a:r>
+            <a:r>
+              <a:rPr lang="en-US" altLang="zh-CN" sz="1600" dirty="0">
+                <a:hlinkClick r:id="rId5"/>
+              </a:rPr>
+              <a:t>https://www.cnblogs.com/jhli/p/6019895.html</a:t>
+            </a:r>
+            <a:endParaRPr lang="en-US" altLang="zh-CN" sz="1600" b="1" dirty="0"/>
+          </a:p>
+          <a:p>
+            <a:pPr>
+              <a:buFont typeface="Wingdings" panose="05000000000000000000" pitchFamily="2" charset="2"/>
+              <a:buChar char="Ø"/>
+            </a:pPr>
+            <a:endParaRPr lang="en-US" altLang="zh-CN" sz="1600" b="1" dirty="0"/>
+          </a:p>
+          <a:p>
+            <a:pPr>
+              <a:buFont typeface="Wingdings" panose="05000000000000000000" pitchFamily="2" charset="2"/>
+              <a:buChar char="Ø"/>
+            </a:pPr>
+            <a:r>
+              <a:rPr lang="zh-CN" altLang="en-US" sz="1600" b="1" dirty="0"/>
+              <a:t>一篇经典的文章</a:t>
+            </a:r>
+            <a:r>
+              <a:rPr lang="en-US" altLang="zh-CN" sz="1600" b="1" dirty="0"/>
+              <a:t>《</a:t>
+            </a:r>
+            <a:r>
+              <a:rPr lang="en-US" altLang="zh-CN" dirty="0"/>
+              <a:t> Inversion of Control Containers and the Dependency Injection pattern</a:t>
+            </a:r>
+            <a:r>
+              <a:rPr lang="en-US" altLang="zh-CN" sz="1600" b="1" dirty="0"/>
+              <a:t>》</a:t>
+            </a:r>
+            <a:r>
+              <a:rPr lang="en-US" altLang="zh-CN" sz="1600" dirty="0">
+                <a:hlinkClick r:id="rId6"/>
+              </a:rPr>
+              <a:t> </a:t>
+            </a:r>
+            <a:r>
+              <a:rPr lang="en-US" altLang="zh-CN" sz="1600" dirty="0">
+                <a:hlinkClick r:id="rId6"/>
+              </a:rPr>
+              <a:t>https://www.martinfowler.com/articles/injection.html</a:t>
+            </a:r>
+            <a:endParaRPr lang="en-US" altLang="zh-CN" sz="1600" dirty="0"/>
+          </a:p>
+          <a:p>
+            <a:pPr>
+              <a:buFont typeface="Wingdings" panose="05000000000000000000" pitchFamily="2" charset="2"/>
+              <a:buChar char="Ø"/>
+            </a:pPr>
+            <a:endParaRPr lang="en-US" altLang="zh-CN" sz="1600" dirty="0"/>
+          </a:p>
+          <a:p>
+            <a:pPr>
+              <a:buFont typeface="Wingdings" panose="05000000000000000000" pitchFamily="2" charset="2"/>
+              <a:buChar char="Ø"/>
+            </a:pPr>
+            <a:r>
+              <a:rPr lang="zh-CN" altLang="en-US" sz="1600" dirty="0"/>
+              <a:t>另一位大佬的博客</a:t>
+            </a:r>
+            <a:r>
+              <a:rPr lang="en-US" altLang="zh-CN" sz="1600" dirty="0">
+                <a:hlinkClick r:id="rId7"/>
+              </a:rPr>
+              <a:t>https://www.cnblogs.com/RayWang/p/11165509.html#870017151</a:t>
+            </a:r>
+            <a:r>
+              <a:rPr lang="en-US" altLang="zh-CN" sz="1600" dirty="0"/>
+              <a:t> </a:t>
+            </a:r>
+            <a:endParaRPr lang="en-US" altLang="zh-CN" sz="1600" b="1" dirty="0"/>
+          </a:p>
+        </p:txBody>
+      </p:sp>
+      <p:sp>
+        <p:nvSpPr>
+          <p:cNvPr id="7" name="TextBox 4">
+            <a:extLst>
+              <a:ext uri="{FF2B5EF4-FFF2-40B4-BE49-F238E27FC236}">
+                <a16:creationId xmlns:a16="http://schemas.microsoft.com/office/drawing/2014/main" id="{AA0238BA-F52F-4E5F-89A7-1D7B59669604}"/>
+              </a:ext>
+            </a:extLst>
+          </p:cNvPr>
+          <p:cNvSpPr txBox="1"/>
+          <p:nvPr/>
+        </p:nvSpPr>
+        <p:spPr>
+          <a:xfrm>
+            <a:off x="611560" y="699542"/>
+            <a:ext cx="4680520" cy="523220"/>
+          </a:xfrm>
+          <a:prstGeom prst="rect">
+            <a:avLst/>
+          </a:prstGeom>
+          <a:noFill/>
+        </p:spPr>
+        <p:txBody>
+          <a:bodyPr wrap="square" rtlCol="0">
+            <a:spAutoFit/>
+          </a:bodyPr>
+          <a:lstStyle/>
+          <a:p>
+            <a:r>
+              <a:rPr lang="zh-CN" altLang="en-US" sz="2800" b="1" dirty="0">
+                <a:latin typeface="微软雅黑" pitchFamily="34" charset="-122"/>
+                <a:ea typeface="微软雅黑" pitchFamily="34" charset="-122"/>
+              </a:rPr>
+              <a:t>谢谢观看</a:t>
+            </a:r>
+          </a:p>
+        </p:txBody>
+      </p:sp>
+    </p:spTree>
+    <p:extLst>
+      <p:ext uri="{BB962C8B-B14F-4D97-AF65-F5344CB8AC3E}">
+        <p14:creationId xmlns:p14="http://schemas.microsoft.com/office/powerpoint/2010/main" val="4151012659"/>
+      </p:ext>
+    </p:extLst>
+  </p:cSld>
+  <p:clrMapOvr>
+    <a:masterClrMapping/>
+  </p:clrMapOvr>
+</p:sld>
+</file>
+
 <file path=ppt/slides/slide5.xml><?xml version="1.0" encoding="utf-8"?>
 <p:sld xmlns:a="http://schemas.openxmlformats.org/drawingml/2006/main" xmlns:r="http://schemas.openxmlformats.org/officeDocument/2006/relationships" xmlns:p="http://schemas.openxmlformats.org/presentationml/2006/main">
   <p:cSld>
@@ -20226,10 +22887,10 @@
       </p:sp>
       <p:pic>
         <p:nvPicPr>
-          <p:cNvPr id="3076" name="Picture 4">
+          <p:cNvPr id="7" name="Picture 2">
             <a:extLst>
               <a:ext uri="{FF2B5EF4-FFF2-40B4-BE49-F238E27FC236}">
-                <a16:creationId xmlns:a16="http://schemas.microsoft.com/office/drawing/2014/main" id="{F61E83E5-BCF3-450D-9893-53707D3D818D}"/>
+                <a16:creationId xmlns:a16="http://schemas.microsoft.com/office/drawing/2014/main" id="{1F95CF63-4055-4D9E-AB9D-996B37D3A245}"/>
               </a:ext>
             </a:extLst>
           </p:cNvPr>
@@ -20253,8 +22914,8 @@
         </p:blipFill>
         <p:spPr bwMode="auto">
           <a:xfrm>
-            <a:off x="2051720" y="2233008"/>
-            <a:ext cx="3311823" cy="1609563"/>
+            <a:off x="649121" y="2715766"/>
+            <a:ext cx="6120680" cy="1720954"/>
           </a:xfrm>
           <a:prstGeom prst="rect">
             <a:avLst/>
@@ -20399,7 +23060,7 @@
         <p:spPr>
           <a:xfrm>
             <a:off x="611560" y="971124"/>
-            <a:ext cx="6192688" cy="1631216"/>
+            <a:ext cx="6192688" cy="2000548"/>
           </a:xfrm>
           <a:prstGeom prst="rect">
             <a:avLst/>
@@ -20513,15 +23174,35 @@
             </a:r>
             <a:r>
               <a:rPr lang="zh-CN" altLang="en-US" sz="1200" dirty="0"/>
-              <a:t>”。他的这个答案，实际上给出了实现</a:t>
-            </a:r>
-            <a:r>
-              <a:rPr lang="en-US" altLang="zh-CN" sz="1200" dirty="0"/>
+              <a:t>”。他的这个答案，实际上给出了</a:t>
+            </a:r>
+            <a:r>
+              <a:rPr lang="zh-CN" altLang="en-US" sz="1200" dirty="0">
+                <a:solidFill>
+                  <a:srgbClr val="FF0000"/>
+                </a:solidFill>
+              </a:rPr>
+              <a:t>实现</a:t>
+            </a:r>
+            <a:r>
+              <a:rPr lang="en-US" altLang="zh-CN" sz="1200" dirty="0">
+                <a:solidFill>
+                  <a:srgbClr val="FF0000"/>
+                </a:solidFill>
+              </a:rPr>
               <a:t>IOC</a:t>
             </a:r>
             <a:r>
+              <a:rPr lang="zh-CN" altLang="en-US" sz="1200" dirty="0">
+                <a:solidFill>
+                  <a:srgbClr val="FF0000"/>
+                </a:solidFill>
+              </a:rPr>
+              <a:t>的方法</a:t>
+            </a:r>
+            <a:r>
               <a:rPr lang="zh-CN" altLang="en-US" sz="1200" dirty="0"/>
-              <a:t>的方法：</a:t>
+              <a:t>：</a:t>
             </a:r>
             <a:r>
               <a:rPr lang="zh-CN" altLang="en-US" sz="1200" dirty="0">
@@ -20534,6 +23215,44 @@
             <a:r>
               <a:rPr lang="zh-CN" altLang="en-US" sz="1200" dirty="0"/>
               <a:t>。</a:t>
+            </a:r>
+            <a:endParaRPr lang="en-US" altLang="zh-CN" sz="1200" dirty="0"/>
+          </a:p>
+          <a:p>
+            <a:pPr>
+              <a:buFont typeface="Wingdings" panose="05000000000000000000" pitchFamily="2" charset="2"/>
+              <a:buChar char="Ø"/>
+            </a:pPr>
+            <a:endParaRPr lang="en-US" altLang="zh-CN" sz="1200" dirty="0"/>
+          </a:p>
+          <a:p>
+            <a:pPr>
+              <a:buFont typeface="Wingdings" panose="05000000000000000000" pitchFamily="2" charset="2"/>
+              <a:buChar char="Ø"/>
+            </a:pPr>
+            <a:r>
+              <a:rPr lang="en-US" altLang="zh-CN" sz="1200" dirty="0" err="1"/>
+              <a:t>IoC</a:t>
+            </a:r>
+            <a:r>
+              <a:rPr lang="zh-CN" altLang="en-US" sz="1200" dirty="0"/>
+              <a:t>是一种很宽泛的理念，</a:t>
+            </a:r>
+            <a:r>
+              <a:rPr lang="en-US" altLang="zh-CN" sz="1200" dirty="0"/>
+              <a:t>DI</a:t>
+            </a:r>
+            <a:r>
+              <a:rPr lang="zh-CN" altLang="en-US" sz="1200" dirty="0"/>
+              <a:t>是实现了</a:t>
+            </a:r>
+            <a:r>
+              <a:rPr lang="en-US" altLang="zh-CN" sz="1200" dirty="0" err="1"/>
+              <a:t>IoC</a:t>
+            </a:r>
+            <a:r>
+              <a:rPr lang="zh-CN" altLang="en-US" sz="1200" dirty="0"/>
+              <a:t>的其中一种方法。</a:t>
             </a:r>
             <a:endParaRPr lang="en-US" altLang="zh-CN" sz="1200" dirty="0"/>
           </a:p>
@@ -20926,7 +23645,7 @@
         <p:spPr>
           <a:xfrm>
             <a:off x="611560" y="1140635"/>
-            <a:ext cx="6192688" cy="2554545"/>
+            <a:ext cx="6192688" cy="1569660"/>
           </a:xfrm>
           <a:prstGeom prst="rect">
             <a:avLst/>
@@ -20944,21 +23663,21 @@
               <a:buChar char="Ø"/>
             </a:pPr>
             <a:r>
-              <a:rPr lang="zh-CN" altLang="en-US" sz="1600" dirty="0"/>
+              <a:rPr lang="zh-CN" altLang="en-US" sz="1200" dirty="0"/>
               <a:t>以电脑和</a:t>
             </a:r>
             <a:r>
-              <a:rPr lang="en-US" altLang="zh-CN" sz="1600" dirty="0"/>
+              <a:rPr lang="en-US" altLang="zh-CN" sz="1200" dirty="0"/>
               <a:t>USB</a:t>
             </a:r>
             <a:r>
-              <a:rPr lang="zh-CN" altLang="en-US" sz="1600" dirty="0"/>
+              <a:rPr lang="zh-CN" altLang="en-US" sz="1200" dirty="0"/>
               <a:t>设备为例：</a:t>
             </a:r>
-            <a:endParaRPr lang="en-US" altLang="zh-CN" sz="1600" dirty="0"/>
-          </a:p>
-          <a:p>
-            <a:endParaRPr lang="en-US" altLang="zh-CN" sz="1600" dirty="0"/>
+            <a:endParaRPr lang="en-US" altLang="zh-CN" sz="1200" dirty="0"/>
+          </a:p>
+          <a:p>
+            <a:endParaRPr lang="en-US" altLang="zh-CN" sz="1200" dirty="0"/>
           </a:p>
           <a:p>
             <a:pPr>
@@ -20966,36 +23685,36 @@
               <a:buChar char="Ø"/>
             </a:pPr>
             <a:r>
-              <a:rPr lang="en-US" altLang="zh-CN" sz="1600" dirty="0"/>
+              <a:rPr lang="en-US" altLang="zh-CN" sz="1200" dirty="0"/>
               <a:t>USB</a:t>
             </a:r>
             <a:r>
-              <a:rPr lang="zh-CN" altLang="en-US" sz="1600" dirty="0"/>
-              <a:t>设备作为电脑主机的外部设备，在插入主机之前，</a:t>
-            </a:r>
-            <a:endParaRPr lang="en-US" altLang="zh-CN" sz="1600" dirty="0"/>
-          </a:p>
-          <a:p>
-            <a:r>
-              <a:rPr lang="zh-CN" altLang="en-US" sz="1600" dirty="0"/>
-              <a:t>与电脑主机没有任何的关系，只有被我们连接在一起之后，两者才发生联系，具有相关性。所以，无论两者中的任何</a:t>
-            </a:r>
-            <a:endParaRPr lang="en-US" altLang="zh-CN" sz="1600" dirty="0"/>
-          </a:p>
-          <a:p>
-            <a:r>
-              <a:rPr lang="zh-CN" altLang="en-US" sz="1600" dirty="0"/>
-              <a:t>一方出现什么的问题，都不会影响另一方的运行。这种特</a:t>
-            </a:r>
-            <a:endParaRPr lang="en-US" altLang="zh-CN" sz="1600" dirty="0"/>
-          </a:p>
-          <a:p>
-            <a:r>
-              <a:rPr lang="zh-CN" altLang="en-US" sz="1600" dirty="0"/>
-              <a:t>性体现在软件工程中，就是</a:t>
-            </a:r>
-            <a:r>
-              <a:rPr lang="zh-CN" altLang="en-US" sz="1600" dirty="0">
+              <a:rPr lang="zh-CN" altLang="en-US" sz="1200" dirty="0"/>
+              <a:t>设备作为电脑主机的外部设备，在插入主机之前，与电脑主机没有任何的关系，</a:t>
+            </a:r>
+            <a:endParaRPr lang="en-US" altLang="zh-CN" sz="1200" dirty="0"/>
+          </a:p>
+          <a:p>
+            <a:r>
+              <a:rPr lang="zh-CN" altLang="en-US" sz="1200" dirty="0"/>
+              <a:t>只有被我们连接在一起之后，两者才发生联系，具有相关性。所以，无论两者中的</a:t>
+            </a:r>
+            <a:endParaRPr lang="en-US" altLang="zh-CN" sz="1200" dirty="0"/>
+          </a:p>
+          <a:p>
+            <a:r>
+              <a:rPr lang="zh-CN" altLang="en-US" sz="1200" dirty="0"/>
+              <a:t>任何一方出现什么的问题，都不会影响另一方的运行。这种特性体现在软件工程中，</a:t>
+            </a:r>
+            <a:endParaRPr lang="en-US" altLang="zh-CN" sz="1200" dirty="0"/>
+          </a:p>
+          <a:p>
+            <a:r>
+              <a:rPr lang="zh-CN" altLang="en-US" sz="1200" dirty="0"/>
+              <a:t>就是</a:t>
+            </a:r>
+            <a:r>
+              <a:rPr lang="zh-CN" altLang="en-US" sz="1200" dirty="0">
                 <a:solidFill>
                   <a:srgbClr val="FF0000"/>
                 </a:solidFill>
@@ -21003,19 +23722,33 @@
               <a:t>可维护性</a:t>
             </a:r>
             <a:r>
-              <a:rPr lang="zh-CN" altLang="en-US" sz="1600" dirty="0"/>
-              <a:t>比较好，非常便于进行单元测试，便于调试程序和诊断故障。代码中的每一个</a:t>
-            </a:r>
-            <a:r>
-              <a:rPr lang="en-US" altLang="zh-CN" sz="1600" dirty="0"/>
+              <a:rPr lang="zh-CN" altLang="en-US" sz="1200" dirty="0"/>
+              <a:t>比较好，非常便于进行单元测试，便于调试程序和诊断故障。代码中的</a:t>
+            </a:r>
+            <a:endParaRPr lang="en-US" altLang="zh-CN" sz="1200" dirty="0"/>
+          </a:p>
+          <a:p>
+            <a:r>
+              <a:rPr lang="zh-CN" altLang="en-US" sz="1200" dirty="0"/>
+              <a:t>每一个</a:t>
+            </a:r>
+            <a:r>
+              <a:rPr lang="en-US" altLang="zh-CN" sz="1200" dirty="0"/>
               <a:t>Class</a:t>
             </a:r>
             <a:r>
-              <a:rPr lang="zh-CN" altLang="en-US" sz="1600" dirty="0"/>
-              <a:t>都可以单独测试，彼此之间互不影响，只要保证自身的功能无误即可，这就是组件之间</a:t>
-            </a:r>
-            <a:r>
-              <a:rPr lang="zh-CN" altLang="en-US" sz="1600" dirty="0">
+              <a:rPr lang="zh-CN" altLang="en-US" sz="1200" dirty="0"/>
+              <a:t>都可以单独测试，彼此之间互不影响，只要保证自身的功能无误即可，这</a:t>
+            </a:r>
+            <a:endParaRPr lang="en-US" altLang="zh-CN" sz="1200" dirty="0"/>
+          </a:p>
+          <a:p>
+            <a:r>
+              <a:rPr lang="zh-CN" altLang="en-US" sz="1200" dirty="0"/>
+              <a:t>就是组件之间</a:t>
+            </a:r>
+            <a:r>
+              <a:rPr lang="zh-CN" altLang="en-US" sz="1200" dirty="0">
                 <a:solidFill>
                   <a:srgbClr val="FF0000"/>
                 </a:solidFill>
@@ -21023,11 +23756,11 @@
               <a:t>低耦合</a:t>
             </a:r>
             <a:r>
-              <a:rPr lang="zh-CN" altLang="en-US" sz="1600" dirty="0"/>
+              <a:rPr lang="zh-CN" altLang="en-US" sz="1200" dirty="0"/>
               <a:t>或者</a:t>
             </a:r>
             <a:r>
-              <a:rPr lang="zh-CN" altLang="en-US" sz="1600" dirty="0">
+              <a:rPr lang="zh-CN" altLang="en-US" sz="1200" dirty="0">
                 <a:solidFill>
                   <a:srgbClr val="FF0000"/>
                 </a:solidFill>
@@ -21035,10 +23768,10 @@
               <a:t>无耦合</a:t>
             </a:r>
             <a:r>
-              <a:rPr lang="zh-CN" altLang="en-US" sz="1600" dirty="0"/>
+              <a:rPr lang="zh-CN" altLang="en-US" sz="1200" dirty="0"/>
               <a:t>带来的好处。</a:t>
             </a:r>
-            <a:endParaRPr lang="en-US" altLang="zh-CN" sz="1600" b="1" dirty="0"/>
+            <a:endParaRPr lang="en-US" altLang="zh-CN" sz="1200" b="1" dirty="0"/>
           </a:p>
         </p:txBody>
       </p:sp>
@@ -21069,7 +23802,7 @@
         </p:blipFill>
         <p:spPr bwMode="auto">
           <a:xfrm>
-            <a:off x="6452065" y="808289"/>
+            <a:off x="1331640" y="3039310"/>
             <a:ext cx="2376264" cy="1152128"/>
           </a:xfrm>
           <a:prstGeom prst="rect">
@@ -21116,7 +23849,7 @@
         </p:blipFill>
         <p:spPr bwMode="auto">
           <a:xfrm>
-            <a:off x="4499992" y="3671286"/>
+            <a:off x="4101455" y="3152005"/>
             <a:ext cx="941090" cy="705818"/>
           </a:xfrm>
           <a:prstGeom prst="rect">
@@ -21163,7 +23896,7 @@
         </p:blipFill>
         <p:spPr bwMode="auto">
           <a:xfrm>
-            <a:off x="6954143" y="3379062"/>
+            <a:off x="5292080" y="2859781"/>
             <a:ext cx="1290265" cy="1290265"/>
           </a:xfrm>
           <a:prstGeom prst="rect">

--- a/陈胡-依赖注入.pptx
+++ b/陈胡-依赖注入.pptx
@@ -25,28 +25,28 @@
     <p:sldId id="318" r:id="rId17"/>
     <p:sldId id="320" r:id="rId18"/>
     <p:sldId id="319" r:id="rId19"/>
-    <p:sldId id="321" r:id="rId20"/>
-    <p:sldId id="322" r:id="rId21"/>
-    <p:sldId id="295" r:id="rId22"/>
-    <p:sldId id="316" r:id="rId23"/>
-    <p:sldId id="294" r:id="rId24"/>
-    <p:sldId id="313" r:id="rId25"/>
-    <p:sldId id="332" r:id="rId26"/>
-    <p:sldId id="315" r:id="rId27"/>
-    <p:sldId id="327" r:id="rId28"/>
-    <p:sldId id="328" r:id="rId29"/>
-    <p:sldId id="330" r:id="rId30"/>
-    <p:sldId id="326" r:id="rId31"/>
-    <p:sldId id="329" r:id="rId32"/>
-    <p:sldId id="331" r:id="rId33"/>
-    <p:sldId id="306" r:id="rId34"/>
-    <p:sldId id="307" r:id="rId35"/>
-    <p:sldId id="308" r:id="rId36"/>
-    <p:sldId id="309" r:id="rId37"/>
-    <p:sldId id="314" r:id="rId38"/>
-    <p:sldId id="312" r:id="rId39"/>
-    <p:sldId id="310" r:id="rId40"/>
-    <p:sldId id="305" r:id="rId41"/>
+    <p:sldId id="295" r:id="rId20"/>
+    <p:sldId id="316" r:id="rId21"/>
+    <p:sldId id="294" r:id="rId22"/>
+    <p:sldId id="313" r:id="rId23"/>
+    <p:sldId id="332" r:id="rId24"/>
+    <p:sldId id="315" r:id="rId25"/>
+    <p:sldId id="327" r:id="rId26"/>
+    <p:sldId id="328" r:id="rId27"/>
+    <p:sldId id="334" r:id="rId28"/>
+    <p:sldId id="336" r:id="rId29"/>
+    <p:sldId id="335" r:id="rId30"/>
+    <p:sldId id="330" r:id="rId31"/>
+    <p:sldId id="326" r:id="rId32"/>
+    <p:sldId id="329" r:id="rId33"/>
+    <p:sldId id="331" r:id="rId34"/>
+    <p:sldId id="306" r:id="rId35"/>
+    <p:sldId id="307" r:id="rId36"/>
+    <p:sldId id="308" r:id="rId37"/>
+    <p:sldId id="309" r:id="rId38"/>
+    <p:sldId id="337" r:id="rId39"/>
+    <p:sldId id="314" r:id="rId40"/>
+    <p:sldId id="333" r:id="rId41"/>
     <p:sldId id="297" r:id="rId42"/>
     <p:sldId id="296" r:id="rId43"/>
   </p:sldIdLst>
@@ -2345,7 +2345,7 @@
   <dgm:whole/>
   <dgm:extLst>
     <a:ext uri="http://schemas.microsoft.com/office/drawing/2008/diagram">
-      <dsp:dataModelExt xmlns:dsp="http://schemas.microsoft.com/office/drawing/2008/diagram" relId="rId10" minVer="http://schemas.openxmlformats.org/drawingml/2006/diagram"/>
+      <dsp:dataModelExt xmlns:dsp="http://schemas.microsoft.com/office/drawing/2008/diagram" relId="rId9" minVer="http://schemas.openxmlformats.org/drawingml/2006/diagram"/>
     </a:ext>
   </dgm:extLst>
 </dgm:dataModel>
@@ -5872,7 +5872,7 @@
             <a:fld id="{70D98BF7-F0E5-4228-BC96-88A4E0E5E93B}" type="datetimeFigureOut">
               <a:rPr lang="zh-CN" altLang="en-US" smtClean="0"/>
               <a:pPr/>
-              <a:t>2019/9/27</a:t>
+              <a:t>2019/9/29</a:t>
             </a:fld>
             <a:endParaRPr lang="zh-CN" altLang="en-US"/>
           </a:p>
@@ -6905,7 +6905,7 @@
     </p:spTree>
     <p:extLst>
       <p:ext uri="{BB962C8B-B14F-4D97-AF65-F5344CB8AC3E}">
-        <p14:creationId xmlns:p14="http://schemas.microsoft.com/office/powerpoint/2010/main" val="829050600"/>
+        <p14:creationId xmlns:p14="http://schemas.microsoft.com/office/powerpoint/2010/main" val="1201782044"/>
       </p:ext>
     </p:extLst>
   </p:cSld>
@@ -6992,7 +6992,7 @@
     </p:spTree>
     <p:extLst>
       <p:ext uri="{BB962C8B-B14F-4D97-AF65-F5344CB8AC3E}">
-        <p14:creationId xmlns:p14="http://schemas.microsoft.com/office/powerpoint/2010/main" val="1740056035"/>
+        <p14:creationId xmlns:p14="http://schemas.microsoft.com/office/powerpoint/2010/main" val="3883203986"/>
       </p:ext>
     </p:extLst>
   </p:cSld>
@@ -7079,7 +7079,7 @@
     </p:spTree>
     <p:extLst>
       <p:ext uri="{BB962C8B-B14F-4D97-AF65-F5344CB8AC3E}">
-        <p14:creationId xmlns:p14="http://schemas.microsoft.com/office/powerpoint/2010/main" val="1201782044"/>
+        <p14:creationId xmlns:p14="http://schemas.microsoft.com/office/powerpoint/2010/main" val="476522992"/>
       </p:ext>
     </p:extLst>
   </p:cSld>
@@ -7248,7 +7248,7 @@
     </p:spTree>
     <p:extLst>
       <p:ext uri="{BB962C8B-B14F-4D97-AF65-F5344CB8AC3E}">
-        <p14:creationId xmlns:p14="http://schemas.microsoft.com/office/powerpoint/2010/main" val="3883203986"/>
+        <p14:creationId xmlns:p14="http://schemas.microsoft.com/office/powerpoint/2010/main" val="2968793692"/>
       </p:ext>
     </p:extLst>
   </p:cSld>
@@ -7335,7 +7335,7 @@
     </p:spTree>
     <p:extLst>
       <p:ext uri="{BB962C8B-B14F-4D97-AF65-F5344CB8AC3E}">
-        <p14:creationId xmlns:p14="http://schemas.microsoft.com/office/powerpoint/2010/main" val="476522992"/>
+        <p14:creationId xmlns:p14="http://schemas.microsoft.com/office/powerpoint/2010/main" val="1679514037"/>
       </p:ext>
     </p:extLst>
   </p:cSld>
@@ -7422,7 +7422,7 @@
     </p:spTree>
     <p:extLst>
       <p:ext uri="{BB962C8B-B14F-4D97-AF65-F5344CB8AC3E}">
-        <p14:creationId xmlns:p14="http://schemas.microsoft.com/office/powerpoint/2010/main" val="2968793692"/>
+        <p14:creationId xmlns:p14="http://schemas.microsoft.com/office/powerpoint/2010/main" val="1318173682"/>
       </p:ext>
     </p:extLst>
   </p:cSld>
@@ -7509,7 +7509,7 @@
     </p:spTree>
     <p:extLst>
       <p:ext uri="{BB962C8B-B14F-4D97-AF65-F5344CB8AC3E}">
-        <p14:creationId xmlns:p14="http://schemas.microsoft.com/office/powerpoint/2010/main" val="1679514037"/>
+        <p14:creationId xmlns:p14="http://schemas.microsoft.com/office/powerpoint/2010/main" val="535220440"/>
       </p:ext>
     </p:extLst>
   </p:cSld>
@@ -7596,7 +7596,7 @@
     </p:spTree>
     <p:extLst>
       <p:ext uri="{BB962C8B-B14F-4D97-AF65-F5344CB8AC3E}">
-        <p14:creationId xmlns:p14="http://schemas.microsoft.com/office/powerpoint/2010/main" val="1318173682"/>
+        <p14:creationId xmlns:p14="http://schemas.microsoft.com/office/powerpoint/2010/main" val="2589489907"/>
       </p:ext>
     </p:extLst>
   </p:cSld>
@@ -7683,7 +7683,7 @@
     </p:spTree>
     <p:extLst>
       <p:ext uri="{BB962C8B-B14F-4D97-AF65-F5344CB8AC3E}">
-        <p14:creationId xmlns:p14="http://schemas.microsoft.com/office/powerpoint/2010/main" val="535220440"/>
+        <p14:creationId xmlns:p14="http://schemas.microsoft.com/office/powerpoint/2010/main" val="1936632118"/>
       </p:ext>
     </p:extLst>
   </p:cSld>
@@ -7770,7 +7770,7 @@
     </p:spTree>
     <p:extLst>
       <p:ext uri="{BB962C8B-B14F-4D97-AF65-F5344CB8AC3E}">
-        <p14:creationId xmlns:p14="http://schemas.microsoft.com/office/powerpoint/2010/main" val="2589489907"/>
+        <p14:creationId xmlns:p14="http://schemas.microsoft.com/office/powerpoint/2010/main" val="1798470511"/>
       </p:ext>
     </p:extLst>
   </p:cSld>
@@ -7857,7 +7857,7 @@
     </p:spTree>
     <p:extLst>
       <p:ext uri="{BB962C8B-B14F-4D97-AF65-F5344CB8AC3E}">
-        <p14:creationId xmlns:p14="http://schemas.microsoft.com/office/powerpoint/2010/main" val="1483232167"/>
+        <p14:creationId xmlns:p14="http://schemas.microsoft.com/office/powerpoint/2010/main" val="2546435901"/>
       </p:ext>
     </p:extLst>
   </p:cSld>
@@ -7944,7 +7944,7 @@
     </p:spTree>
     <p:extLst>
       <p:ext uri="{BB962C8B-B14F-4D97-AF65-F5344CB8AC3E}">
-        <p14:creationId xmlns:p14="http://schemas.microsoft.com/office/powerpoint/2010/main" val="2692171404"/>
+        <p14:creationId xmlns:p14="http://schemas.microsoft.com/office/powerpoint/2010/main" val="1483232167"/>
       </p:ext>
     </p:extLst>
   </p:cSld>
@@ -8031,7 +8031,7 @@
     </p:spTree>
     <p:extLst>
       <p:ext uri="{BB962C8B-B14F-4D97-AF65-F5344CB8AC3E}">
-        <p14:creationId xmlns:p14="http://schemas.microsoft.com/office/powerpoint/2010/main" val="536469097"/>
+        <p14:creationId xmlns:p14="http://schemas.microsoft.com/office/powerpoint/2010/main" val="2692171404"/>
       </p:ext>
     </p:extLst>
   </p:cSld>
@@ -8205,7 +8205,7 @@
     </p:spTree>
     <p:extLst>
       <p:ext uri="{BB962C8B-B14F-4D97-AF65-F5344CB8AC3E}">
-        <p14:creationId xmlns:p14="http://schemas.microsoft.com/office/powerpoint/2010/main" val="2361206418"/>
+        <p14:creationId xmlns:p14="http://schemas.microsoft.com/office/powerpoint/2010/main" val="536469097"/>
       </p:ext>
     </p:extLst>
   </p:cSld>
@@ -8292,7 +8292,7 @@
     </p:spTree>
     <p:extLst>
       <p:ext uri="{BB962C8B-B14F-4D97-AF65-F5344CB8AC3E}">
-        <p14:creationId xmlns:p14="http://schemas.microsoft.com/office/powerpoint/2010/main" val="2127459560"/>
+        <p14:creationId xmlns:p14="http://schemas.microsoft.com/office/powerpoint/2010/main" val="2361206418"/>
       </p:ext>
     </p:extLst>
   </p:cSld>
@@ -8379,7 +8379,7 @@
     </p:spTree>
     <p:extLst>
       <p:ext uri="{BB962C8B-B14F-4D97-AF65-F5344CB8AC3E}">
-        <p14:creationId xmlns:p14="http://schemas.microsoft.com/office/powerpoint/2010/main" val="431973939"/>
+        <p14:creationId xmlns:p14="http://schemas.microsoft.com/office/powerpoint/2010/main" val="2127459560"/>
       </p:ext>
     </p:extLst>
   </p:cSld>
@@ -8466,7 +8466,7 @@
     </p:spTree>
     <p:extLst>
       <p:ext uri="{BB962C8B-B14F-4D97-AF65-F5344CB8AC3E}">
-        <p14:creationId xmlns:p14="http://schemas.microsoft.com/office/powerpoint/2010/main" val="1102433882"/>
+        <p14:creationId xmlns:p14="http://schemas.microsoft.com/office/powerpoint/2010/main" val="431973939"/>
       </p:ext>
     </p:extLst>
   </p:cSld>
@@ -8553,7 +8553,7 @@
     </p:spTree>
     <p:extLst>
       <p:ext uri="{BB962C8B-B14F-4D97-AF65-F5344CB8AC3E}">
-        <p14:creationId xmlns:p14="http://schemas.microsoft.com/office/powerpoint/2010/main" val="27796999"/>
+        <p14:creationId xmlns:p14="http://schemas.microsoft.com/office/powerpoint/2010/main" val="1102433882"/>
       </p:ext>
     </p:extLst>
   </p:cSld>
@@ -8640,7 +8640,7 @@
     </p:spTree>
     <p:extLst>
       <p:ext uri="{BB962C8B-B14F-4D97-AF65-F5344CB8AC3E}">
-        <p14:creationId xmlns:p14="http://schemas.microsoft.com/office/powerpoint/2010/main" val="3626445155"/>
+        <p14:creationId xmlns:p14="http://schemas.microsoft.com/office/powerpoint/2010/main" val="27796999"/>
       </p:ext>
     </p:extLst>
   </p:cSld>
@@ -8727,7 +8727,7 @@
     </p:spTree>
     <p:extLst>
       <p:ext uri="{BB962C8B-B14F-4D97-AF65-F5344CB8AC3E}">
-        <p14:creationId xmlns:p14="http://schemas.microsoft.com/office/powerpoint/2010/main" val="1067957535"/>
+        <p14:creationId xmlns:p14="http://schemas.microsoft.com/office/powerpoint/2010/main" val="2837202077"/>
       </p:ext>
     </p:extLst>
   </p:cSld>
@@ -8814,7 +8814,7 @@
     </p:spTree>
     <p:extLst>
       <p:ext uri="{BB962C8B-B14F-4D97-AF65-F5344CB8AC3E}">
-        <p14:creationId xmlns:p14="http://schemas.microsoft.com/office/powerpoint/2010/main" val="458259864"/>
+        <p14:creationId xmlns:p14="http://schemas.microsoft.com/office/powerpoint/2010/main" val="3626445155"/>
       </p:ext>
     </p:extLst>
   </p:cSld>
@@ -8901,7 +8901,7 @@
     </p:spTree>
     <p:extLst>
       <p:ext uri="{BB962C8B-B14F-4D97-AF65-F5344CB8AC3E}">
-        <p14:creationId xmlns:p14="http://schemas.microsoft.com/office/powerpoint/2010/main" val="2411700645"/>
+        <p14:creationId xmlns:p14="http://schemas.microsoft.com/office/powerpoint/2010/main" val="725821494"/>
       </p:ext>
     </p:extLst>
   </p:cSld>
@@ -9787,7 +9787,7 @@
             <a:fld id="{00E7D307-3337-4991-923A-28798266770A}" type="datetimeFigureOut">
               <a:rPr lang="zh-CN" altLang="en-US" smtClean="0"/>
               <a:pPr/>
-              <a:t>2019/9/27</a:t>
+              <a:t>2019/9/29</a:t>
             </a:fld>
             <a:endParaRPr lang="zh-CN" altLang="en-US"/>
           </a:p>
@@ -9952,7 +9952,7 @@
             <a:fld id="{00E7D307-3337-4991-923A-28798266770A}" type="datetimeFigureOut">
               <a:rPr lang="zh-CN" altLang="en-US" smtClean="0"/>
               <a:pPr/>
-              <a:t>2019/9/27</a:t>
+              <a:t>2019/9/29</a:t>
             </a:fld>
             <a:endParaRPr lang="zh-CN" altLang="en-US"/>
           </a:p>
@@ -10127,7 +10127,7 @@
             <a:fld id="{00E7D307-3337-4991-923A-28798266770A}" type="datetimeFigureOut">
               <a:rPr lang="zh-CN" altLang="en-US" smtClean="0"/>
               <a:pPr/>
-              <a:t>2019/9/27</a:t>
+              <a:t>2019/9/29</a:t>
             </a:fld>
             <a:endParaRPr lang="zh-CN" altLang="en-US"/>
           </a:p>
@@ -10292,7 +10292,7 @@
             <a:fld id="{00E7D307-3337-4991-923A-28798266770A}" type="datetimeFigureOut">
               <a:rPr lang="zh-CN" altLang="en-US" smtClean="0"/>
               <a:pPr/>
-              <a:t>2019/9/27</a:t>
+              <a:t>2019/9/29</a:t>
             </a:fld>
             <a:endParaRPr lang="zh-CN" altLang="en-US"/>
           </a:p>
@@ -10534,7 +10534,7 @@
             <a:fld id="{00E7D307-3337-4991-923A-28798266770A}" type="datetimeFigureOut">
               <a:rPr lang="zh-CN" altLang="en-US" smtClean="0"/>
               <a:pPr/>
-              <a:t>2019/9/27</a:t>
+              <a:t>2019/9/29</a:t>
             </a:fld>
             <a:endParaRPr lang="zh-CN" altLang="en-US"/>
           </a:p>
@@ -10816,7 +10816,7 @@
             <a:fld id="{00E7D307-3337-4991-923A-28798266770A}" type="datetimeFigureOut">
               <a:rPr lang="zh-CN" altLang="en-US" smtClean="0"/>
               <a:pPr/>
-              <a:t>2019/9/27</a:t>
+              <a:t>2019/9/29</a:t>
             </a:fld>
             <a:endParaRPr lang="zh-CN" altLang="en-US"/>
           </a:p>
@@ -11232,7 +11232,7 @@
             <a:fld id="{00E7D307-3337-4991-923A-28798266770A}" type="datetimeFigureOut">
               <a:rPr lang="zh-CN" altLang="en-US" smtClean="0"/>
               <a:pPr/>
-              <a:t>2019/9/27</a:t>
+              <a:t>2019/9/29</a:t>
             </a:fld>
             <a:endParaRPr lang="zh-CN" altLang="en-US"/>
           </a:p>
@@ -11346,7 +11346,7 @@
             <a:fld id="{00E7D307-3337-4991-923A-28798266770A}" type="datetimeFigureOut">
               <a:rPr lang="zh-CN" altLang="en-US" smtClean="0"/>
               <a:pPr/>
-              <a:t>2019/9/27</a:t>
+              <a:t>2019/9/29</a:t>
             </a:fld>
             <a:endParaRPr lang="zh-CN" altLang="en-US"/>
           </a:p>
@@ -11438,7 +11438,7 @@
             <a:fld id="{00E7D307-3337-4991-923A-28798266770A}" type="datetimeFigureOut">
               <a:rPr lang="zh-CN" altLang="en-US" smtClean="0"/>
               <a:pPr/>
-              <a:t>2019/9/27</a:t>
+              <a:t>2019/9/29</a:t>
             </a:fld>
             <a:endParaRPr lang="zh-CN" altLang="en-US"/>
           </a:p>
@@ -11710,7 +11710,7 @@
             <a:fld id="{00E7D307-3337-4991-923A-28798266770A}" type="datetimeFigureOut">
               <a:rPr lang="zh-CN" altLang="en-US" smtClean="0"/>
               <a:pPr/>
-              <a:t>2019/9/27</a:t>
+              <a:t>2019/9/29</a:t>
             </a:fld>
             <a:endParaRPr lang="zh-CN" altLang="en-US"/>
           </a:p>
@@ -11959,7 +11959,7 @@
             <a:fld id="{00E7D307-3337-4991-923A-28798266770A}" type="datetimeFigureOut">
               <a:rPr lang="zh-CN" altLang="en-US" smtClean="0"/>
               <a:pPr/>
-              <a:t>2019/9/27</a:t>
+              <a:t>2019/9/29</a:t>
             </a:fld>
             <a:endParaRPr lang="zh-CN" altLang="en-US"/>
           </a:p>
@@ -12167,7 +12167,7 @@
             <a:fld id="{00E7D307-3337-4991-923A-28798266770A}" type="datetimeFigureOut">
               <a:rPr lang="zh-CN" altLang="en-US" smtClean="0"/>
               <a:pPr/>
-              <a:t>2019/9/27</a:t>
+              <a:t>2019/9/29</a:t>
             </a:fld>
             <a:endParaRPr lang="zh-CN" altLang="en-US"/>
           </a:p>
@@ -12788,7 +12788,7 @@
         <p:spPr>
           <a:xfrm>
             <a:off x="611560" y="1140635"/>
-            <a:ext cx="6192688" cy="1938992"/>
+            <a:ext cx="6192688" cy="2123658"/>
           </a:xfrm>
           <a:prstGeom prst="rect">
             <a:avLst/>
@@ -12801,7 +12801,7 @@
           </a:bodyPr>
           <a:lstStyle/>
           <a:p>
-            <a:pPr>
+            <a:pPr marL="171450" indent="-171450">
               <a:buFont typeface="Wingdings" panose="05000000000000000000" pitchFamily="2" charset="2"/>
               <a:buChar char="Ø"/>
             </a:pPr>
@@ -12823,7 +12823,7 @@
             <a:endParaRPr lang="en-US" altLang="zh-CN" sz="1200" dirty="0"/>
           </a:p>
           <a:p>
-            <a:pPr>
+            <a:pPr marL="171450" indent="-171450">
               <a:buFont typeface="Wingdings" panose="05000000000000000000" pitchFamily="2" charset="2"/>
               <a:buChar char="Ø"/>
             </a:pPr>
@@ -12853,21 +12853,7 @@
             </a:r>
             <a:r>
               <a:rPr lang="zh-CN" altLang="en-US" sz="1200" dirty="0"/>
-              <a:t>设备的厂商</a:t>
-            </a:r>
-            <a:endParaRPr lang="en-US" altLang="zh-CN" sz="1200" dirty="0"/>
-          </a:p>
-          <a:p>
-            <a:r>
-              <a:rPr lang="zh-CN" altLang="en-US" sz="1200" dirty="0"/>
-              <a:t>和生产电脑主机的厂商完全可以是互不相干的人，各干各事，他们之间唯一需要遵</a:t>
-            </a:r>
-            <a:endParaRPr lang="en-US" altLang="zh-CN" sz="1200" dirty="0"/>
-          </a:p>
-          <a:p>
-            <a:r>
-              <a:rPr lang="zh-CN" altLang="en-US" sz="1200" dirty="0"/>
-              <a:t>守的就是</a:t>
+              <a:t>设备的厂商和生产电脑主机的厂商完全可以是互不相干的人，各干各事，他们之间唯一需要遵守的就是</a:t>
             </a:r>
             <a:r>
               <a:rPr lang="en-US" altLang="zh-CN" sz="1200" dirty="0"/>
@@ -12875,28 +12861,26 @@
             </a:r>
             <a:r>
               <a:rPr lang="zh-CN" altLang="en-US" sz="1200" dirty="0"/>
-              <a:t>接口标准。这种特性体现在软件开发过程中，好处可是太大了。每个开</a:t>
+              <a:t>接口标准。</a:t>
             </a:r>
             <a:endParaRPr lang="en-US" altLang="zh-CN" sz="1200" dirty="0"/>
           </a:p>
           <a:p>
+            <a:pPr marL="171450" indent="-171450">
+              <a:buFont typeface="Wingdings" panose="05000000000000000000" pitchFamily="2" charset="2"/>
+              <a:buChar char="Ø"/>
+            </a:pPr>
             <a:r>
               <a:rPr lang="zh-CN" altLang="en-US" sz="1200" dirty="0"/>
-              <a:t>发团队的成员都只需要关心实现自身的业务逻辑，完全不用去关心其它的人工作进展，</a:t>
-            </a:r>
-            <a:endParaRPr lang="en-US" altLang="zh-CN" sz="1200" dirty="0"/>
-          </a:p>
-          <a:p>
+              <a:t>这种特性体现在软件开发过程中，好处可是太大了。每个开发团队的成员都只需要关心实现自身的业务逻辑，完全不用去关心其它的人工作进展，因为你的任务跟别人没有任何关系，你的任务可以单独测试，你的任务也不强依赖于别人的组件类，就像我们做业务迭代时，如果前台站点和中间件都需要迭代，那么</a:t>
+            </a:r>
+            <a:r>
+              <a:rPr lang="en-US" altLang="zh-CN" sz="1200" dirty="0"/>
+              <a:t>2</a:t>
+            </a:r>
             <a:r>
               <a:rPr lang="zh-CN" altLang="en-US" sz="1200" dirty="0"/>
-              <a:t>因为你的任务跟别人没有任何关系，你的任务可以单独测试，你的任务也不用依赖于</a:t>
-            </a:r>
-            <a:endParaRPr lang="en-US" altLang="zh-CN" sz="1200" dirty="0"/>
-          </a:p>
-          <a:p>
-            <a:r>
-              <a:rPr lang="zh-CN" altLang="en-US" sz="1200" dirty="0"/>
-              <a:t>别人的组件，再也不用扯不清责任了。所以，在一个大中型项目中，团队成员分工明确、责任明晰，很容易将一个大的任务划分为细小的任务，开发效率和产品质量必将得到大幅度的提高。</a:t>
+              <a:t>个项目组可以并行开发。所以，在一个大中型项目中，团队成员分工明确、责任明晰，很容易将一个大的任务划分为细小的任务，开发效率和产品质量必将得到大幅度的提高。</a:t>
             </a:r>
             <a:endParaRPr lang="en-US" altLang="zh-CN" sz="1200" b="1" dirty="0"/>
           </a:p>
@@ -12929,7 +12913,7 @@
         </p:blipFill>
         <p:spPr bwMode="auto">
           <a:xfrm>
-            <a:off x="1331640" y="3079627"/>
+            <a:off x="1334505" y="3385672"/>
             <a:ext cx="2376264" cy="1152128"/>
           </a:xfrm>
           <a:prstGeom prst="rect">
@@ -12976,7 +12960,7 @@
         </p:blipFill>
         <p:spPr bwMode="auto">
           <a:xfrm>
-            <a:off x="5292080" y="2945841"/>
+            <a:off x="5292080" y="3316603"/>
             <a:ext cx="1290265" cy="1290265"/>
           </a:xfrm>
           <a:prstGeom prst="rect">
@@ -13114,7 +13098,7 @@
         <p:spPr>
           <a:xfrm>
             <a:off x="611560" y="1140635"/>
-            <a:ext cx="6192688" cy="1569660"/>
+            <a:ext cx="6192688" cy="1384995"/>
           </a:xfrm>
           <a:prstGeom prst="rect">
             <a:avLst/>
@@ -13127,13 +13111,13 @@
           </a:bodyPr>
           <a:lstStyle/>
           <a:p>
-            <a:pPr>
+            <a:pPr marL="171450" indent="-171450">
               <a:buFont typeface="Wingdings" panose="05000000000000000000" pitchFamily="2" charset="2"/>
               <a:buChar char="Ø"/>
             </a:pPr>
             <a:r>
               <a:rPr lang="zh-CN" altLang="en-US" sz="1200" dirty="0"/>
-              <a:t>以电脑和</a:t>
+              <a:t>还是以电脑和</a:t>
             </a:r>
             <a:r>
               <a:rPr lang="en-US" altLang="zh-CN" sz="1200" dirty="0"/>
@@ -13149,7 +13133,7 @@
             <a:endParaRPr lang="en-US" altLang="zh-CN" sz="1200" dirty="0"/>
           </a:p>
           <a:p>
-            <a:pPr>
+            <a:pPr marL="171450" indent="-171450">
               <a:buFont typeface="Wingdings" panose="05000000000000000000" pitchFamily="2" charset="2"/>
               <a:buChar char="Ø"/>
             </a:pPr>
@@ -13171,14 +13155,7 @@
             </a:r>
             <a:r>
               <a:rPr lang="zh-CN" altLang="en-US" sz="1200" dirty="0"/>
-              <a:t>的设备，可以插接到电脑主机，</a:t>
-            </a:r>
-            <a:endParaRPr lang="en-US" altLang="zh-CN" sz="1200" dirty="0"/>
-          </a:p>
-          <a:p>
-            <a:r>
-              <a:rPr lang="zh-CN" altLang="en-US" sz="1200" dirty="0"/>
-              <a:t>也可以插接到</a:t>
+              <a:t>的设备，可以插接到电脑主机，也可以插接到</a:t>
             </a:r>
             <a:r>
               <a:rPr lang="en-US" altLang="zh-CN" sz="1200" dirty="0"/>
@@ -13194,32 +13171,7 @@
             </a:r>
             <a:r>
               <a:rPr lang="zh-CN" altLang="en-US" sz="1200" dirty="0"/>
-              <a:t>外部设备可以被反复利用。在软件工程中，这种特性</a:t>
-            </a:r>
-            <a:endParaRPr lang="en-US" altLang="zh-CN" sz="1200" dirty="0"/>
-          </a:p>
-          <a:p>
-            <a:r>
-              <a:rPr lang="zh-CN" altLang="en-US" sz="1200" dirty="0"/>
-              <a:t>就是可复用性好，我们可以把具有普遍性的常用组件独立出来，反复利用到项</a:t>
-            </a:r>
-            <a:endParaRPr lang="en-US" altLang="zh-CN" sz="1200" dirty="0"/>
-          </a:p>
-          <a:p>
-            <a:r>
-              <a:rPr lang="zh-CN" altLang="en-US" sz="1200" dirty="0"/>
-              <a:t>目中的其它部分，或者是其它项目，当然这也是面向对象的基本特征。显然，</a:t>
-            </a:r>
-            <a:endParaRPr lang="en-US" altLang="zh-CN" sz="1200" dirty="0"/>
-          </a:p>
-          <a:p>
-            <a:r>
-              <a:rPr lang="en-US" altLang="zh-CN" sz="1200" dirty="0"/>
-              <a:t>IOC</a:t>
-            </a:r>
-            <a:r>
-              <a:rPr lang="zh-CN" altLang="en-US" sz="1200" dirty="0"/>
-              <a:t>不仅更好地贯彻了这个原则，提高了模块的</a:t>
+              <a:t>外部设备可以被反复利用。在软件工程中，这种特性就是</a:t>
             </a:r>
             <a:r>
               <a:rPr lang="zh-CN" altLang="en-US" sz="1200" dirty="0">
@@ -13227,18 +13179,19 @@
                   <a:srgbClr val="FF0000"/>
                 </a:solidFill>
               </a:rPr>
-              <a:t>可复用性</a:t>
+              <a:t>可复用性好</a:t>
             </a:r>
             <a:r>
               <a:rPr lang="zh-CN" altLang="en-US" sz="1200" dirty="0"/>
-              <a:t>。符合接口标准的实现，</a:t>
-            </a:r>
-            <a:endParaRPr lang="en-US" altLang="zh-CN" sz="1200" dirty="0"/>
-          </a:p>
-          <a:p>
+              <a:t>，我们可以把具有普遍性的常用组件独立出来，反复利用到项目中的其它部分，或者是其它项目，当然这也是面向对象的基本特征。显然，</a:t>
+            </a:r>
+            <a:r>
+              <a:rPr lang="en-US" altLang="zh-CN" sz="1200" dirty="0"/>
+              <a:t>IOC</a:t>
+            </a:r>
             <a:r>
               <a:rPr lang="zh-CN" altLang="en-US" sz="1200" dirty="0"/>
-              <a:t>都可以插接到支持此标准的模块中。</a:t>
+              <a:t>不仅更好地贯彻了这个原则，提高了模块的可复用性。符合接口标准的实现，都可以插接到支持此标准的模块中。</a:t>
             </a:r>
             <a:endParaRPr lang="en-US" altLang="zh-CN" sz="1200" b="1" dirty="0"/>
           </a:p>
@@ -13271,7 +13224,7 @@
         </p:blipFill>
         <p:spPr bwMode="auto">
           <a:xfrm>
-            <a:off x="1331640" y="3014105"/>
+            <a:off x="1335285" y="3363838"/>
             <a:ext cx="2376264" cy="1152128"/>
           </a:xfrm>
           <a:prstGeom prst="rect">
@@ -13365,7 +13318,7 @@
         </p:blipFill>
         <p:spPr bwMode="auto">
           <a:xfrm>
-            <a:off x="6522095" y="2979320"/>
+            <a:off x="6368769" y="3294769"/>
             <a:ext cx="1290265" cy="1290265"/>
           </a:xfrm>
           <a:prstGeom prst="rect">
@@ -13565,13 +13518,13 @@
           </a:bodyPr>
           <a:lstStyle/>
           <a:p>
-            <a:pPr>
+            <a:pPr marL="171450" indent="-171450">
               <a:buFont typeface="Wingdings" panose="05000000000000000000" pitchFamily="2" charset="2"/>
               <a:buChar char="Ø"/>
             </a:pPr>
             <a:r>
               <a:rPr lang="zh-CN" altLang="en-US" sz="1200" dirty="0"/>
-              <a:t>以电脑和</a:t>
+              <a:t>还是以电脑和</a:t>
             </a:r>
             <a:r>
               <a:rPr lang="en-US" altLang="zh-CN" sz="1200" dirty="0"/>
@@ -13587,7 +13540,7 @@
             <a:endParaRPr lang="en-US" altLang="zh-CN" sz="1200" dirty="0"/>
           </a:p>
           <a:p>
-            <a:pPr>
+            <a:pPr marL="171450" indent="-171450">
               <a:buFont typeface="Wingdings" panose="05000000000000000000" pitchFamily="2" charset="2"/>
               <a:buChar char="Ø"/>
             </a:pPr>
@@ -13609,14 +13562,7 @@
             </a:r>
             <a:r>
               <a:rPr lang="zh-CN" altLang="en-US" sz="1200" dirty="0"/>
-              <a:t>生成对象的</a:t>
-            </a:r>
-            <a:endParaRPr lang="en-US" altLang="zh-CN" sz="1200" dirty="0"/>
-          </a:p>
-          <a:p>
-            <a:r>
-              <a:rPr lang="zh-CN" altLang="en-US" sz="1200" dirty="0"/>
-              <a:t>方式转为外置方式，也就是把对象生成放在配置文件里进行定义，这样，当我们更换一个实现子类将会变得很简单，只要修改配置文件就可以了，完全具有热插拨的特性，</a:t>
+              <a:t>生成对象的方式转为外置方式，也就是把对象生成放在配置文件里进行定义，这样，当我们更换一个实现子类将会变得很简单，只要修改配置文件就可以了，完全具有热插拨的特性，</a:t>
             </a:r>
             <a:r>
               <a:rPr lang="zh-CN" altLang="en-US" sz="1200" dirty="0">
@@ -13652,7 +13598,7 @@
             <a:endParaRPr lang="en-US" altLang="zh-CN" sz="1200" b="1" dirty="0"/>
           </a:p>
           <a:p>
-            <a:pPr>
+            <a:pPr marL="171450" indent="-171450">
               <a:buFont typeface="Wingdings" panose="05000000000000000000" pitchFamily="2" charset="2"/>
               <a:buChar char="Ø"/>
             </a:pPr>
@@ -13686,13 +13632,37 @@
             <a:endParaRPr lang="en-US" altLang="zh-CN" sz="1200" dirty="0"/>
           </a:p>
           <a:p>
-            <a:pPr>
+            <a:pPr marL="171450" indent="-171450">
               <a:buFont typeface="Wingdings" panose="05000000000000000000" pitchFamily="2" charset="2"/>
               <a:buChar char="Ø"/>
             </a:pPr>
             <a:r>
               <a:rPr lang="zh-CN" altLang="en-US" sz="1200" dirty="0"/>
-              <a:t>举个例子：业务中，视频播放器中的视频搜索功能的实现，如果实际业务中，需要更换实现方式，那么是选择打开项目，修改代码，重新测试发布，还是选择新增一个</a:t>
+              <a:t>举个例子：业务中，</a:t>
+            </a:r>
+            <a:r>
+              <a:rPr lang="en-US" altLang="zh-CN" sz="1200" dirty="0" err="1"/>
+              <a:t>HttpClient</a:t>
+            </a:r>
+            <a:r>
+              <a:rPr lang="zh-CN" altLang="en-US" sz="1200" dirty="0"/>
+              <a:t>的管理工具类</a:t>
+            </a:r>
+            <a:r>
+              <a:rPr lang="en-US" altLang="zh-CN" sz="1200" dirty="0" err="1"/>
+              <a:t>HttpClientFactory</a:t>
+            </a:r>
+            <a:r>
+              <a:rPr lang="zh-CN" altLang="en-US" sz="1200" dirty="0"/>
+              <a:t>的实现，如果实际业务中，需要修改该工厂</a:t>
+            </a:r>
+            <a:r>
+              <a:rPr lang="en-US" altLang="zh-CN" sz="1200" dirty="0" err="1"/>
+              <a:t>HttpClient</a:t>
+            </a:r>
+            <a:r>
+              <a:rPr lang="zh-CN" altLang="en-US" sz="1200" dirty="0"/>
+              <a:t>对象产生方式，那么是选择打开项目，修改代码，重新测试发布，还是选择新增一个</a:t>
             </a:r>
             <a:r>
               <a:rPr lang="en-US" altLang="zh-CN" sz="1200" dirty="0"/>
@@ -13704,11 +13674,11 @@
             </a:r>
             <a:r>
               <a:rPr lang="en-US" altLang="zh-CN" sz="1200" dirty="0"/>
-              <a:t>xml</a:t>
+              <a:t>Xml/Json</a:t>
             </a:r>
             <a:r>
               <a:rPr lang="zh-CN" altLang="en-US" sz="1200" dirty="0"/>
-              <a:t>配置文件对象实例注册的映射关系？毫无疑问，当然是选择后者。</a:t>
+              <a:t>配置文件中组件注册的映射关系？毫无疑问，当然是选择后者。</a:t>
             </a:r>
             <a:endParaRPr lang="en-US" altLang="zh-CN" sz="1200" b="1" dirty="0"/>
           </a:p>
@@ -13741,7 +13711,7 @@
         </p:blipFill>
         <p:spPr bwMode="auto">
           <a:xfrm>
-            <a:off x="1331640" y="3448959"/>
+            <a:off x="1331640" y="3386073"/>
             <a:ext cx="2376264" cy="1152128"/>
           </a:xfrm>
           <a:prstGeom prst="rect">
@@ -13788,7 +13758,7 @@
         </p:blipFill>
         <p:spPr bwMode="auto">
           <a:xfrm>
-            <a:off x="7538064" y="2003477"/>
+            <a:off x="5292080" y="3317005"/>
             <a:ext cx="1290265" cy="1290265"/>
           </a:xfrm>
           <a:prstGeom prst="rect">
@@ -13845,7 +13815,7 @@
         <p:spPr>
           <a:xfrm>
             <a:off x="611560" y="411510"/>
-            <a:ext cx="4680520" cy="400110"/>
+            <a:ext cx="4680520" cy="707886"/>
           </a:xfrm>
           <a:prstGeom prst="rect">
             <a:avLst/>
@@ -13871,6 +13841,13 @@
                 <a:ea typeface="微软雅黑" pitchFamily="34" charset="-122"/>
               </a:rPr>
               <a:t>.Net</a:t>
+            </a:r>
+            <a:r>
+              <a:rPr lang="en-US" altLang="zh-CN" sz="2000" b="1" i="1" dirty="0">
+                <a:latin typeface="微软雅黑" pitchFamily="34" charset="-122"/>
+                <a:ea typeface="微软雅黑" pitchFamily="34" charset="-122"/>
+              </a:rPr>
+              <a:t> Core</a:t>
             </a:r>
             <a:r>
               <a:rPr lang="zh-CN" altLang="en-US" sz="2000" b="1" i="1" dirty="0">
@@ -13943,7 +13920,7 @@
         <p:spPr>
           <a:xfrm>
             <a:off x="611560" y="1489305"/>
-            <a:ext cx="6192688" cy="1569660"/>
+            <a:ext cx="6192688" cy="2062103"/>
           </a:xfrm>
           <a:prstGeom prst="rect">
             <a:avLst/>
@@ -13956,7 +13933,7 @@
           </a:bodyPr>
           <a:lstStyle/>
           <a:p>
-            <a:pPr>
+            <a:pPr marL="285750" indent="-285750">
               <a:buFont typeface="Wingdings" panose="05000000000000000000" pitchFamily="2" charset="2"/>
               <a:buChar char="Ø"/>
             </a:pPr>
@@ -13971,14 +13948,14 @@
             <a:endParaRPr lang="en-US" altLang="zh-CN" sz="1600" dirty="0"/>
           </a:p>
           <a:p>
-            <a:pPr>
+            <a:pPr marL="285750" indent="-285750">
               <a:buFont typeface="Wingdings" panose="05000000000000000000" pitchFamily="2" charset="2"/>
               <a:buChar char="Ø"/>
             </a:pPr>
             <a:endParaRPr lang="en-US" altLang="zh-CN" sz="1600" dirty="0"/>
           </a:p>
           <a:p>
-            <a:pPr>
+            <a:pPr marL="285750" indent="-285750">
               <a:buFont typeface="Wingdings" panose="05000000000000000000" pitchFamily="2" charset="2"/>
               <a:buChar char="Ø"/>
             </a:pPr>
@@ -14001,20 +13978,46 @@
             <a:endParaRPr lang="en-US" altLang="zh-CN" sz="1600" dirty="0"/>
           </a:p>
           <a:p>
-            <a:pPr>
+            <a:pPr marL="285750" indent="-285750">
               <a:buFont typeface="Wingdings" panose="05000000000000000000" pitchFamily="2" charset="2"/>
               <a:buChar char="Ø"/>
             </a:pPr>
             <a:endParaRPr lang="en-US" altLang="zh-CN" sz="1600" dirty="0"/>
           </a:p>
           <a:p>
-            <a:pPr>
+            <a:pPr marL="285750" indent="-285750">
               <a:buFont typeface="Wingdings" panose="05000000000000000000" pitchFamily="2" charset="2"/>
               <a:buChar char="Ø"/>
             </a:pPr>
             <a:r>
               <a:rPr lang="en-US" altLang="zh-CN" sz="1600" dirty="0"/>
-              <a:t>3.</a:t>
+              <a:t>3. </a:t>
+            </a:r>
+            <a:r>
+              <a:rPr lang="en-US" altLang="zh-CN" sz="1600" dirty="0" err="1"/>
+              <a:t>AutoFac</a:t>
+            </a:r>
+            <a:r>
+              <a:rPr lang="zh-CN" altLang="en-US" sz="1600" dirty="0"/>
+              <a:t>的生命周期作用域</a:t>
+            </a:r>
+            <a:endParaRPr lang="en-US" altLang="zh-CN" sz="1600" dirty="0"/>
+          </a:p>
+          <a:p>
+            <a:pPr marL="285750" indent="-285750">
+              <a:buFont typeface="Wingdings" panose="05000000000000000000" pitchFamily="2" charset="2"/>
+              <a:buChar char="Ø"/>
+            </a:pPr>
+            <a:endParaRPr lang="en-US" altLang="zh-CN" sz="1600" dirty="0"/>
+          </a:p>
+          <a:p>
+            <a:pPr marL="285750" indent="-285750">
+              <a:buFont typeface="Wingdings" panose="05000000000000000000" pitchFamily="2" charset="2"/>
+              <a:buChar char="Ø"/>
+            </a:pPr>
+            <a:r>
+              <a:rPr lang="en-US" altLang="zh-CN" sz="1600" dirty="0"/>
+              <a:t>4.</a:t>
             </a:r>
             <a:r>
               <a:rPr lang="zh-CN" altLang="en-US" sz="1600" dirty="0"/>
@@ -14155,7 +14158,7 @@
         <p:spPr>
           <a:xfrm>
             <a:off x="611560" y="1297382"/>
-            <a:ext cx="6192688" cy="1292662"/>
+            <a:ext cx="6192688" cy="1692771"/>
           </a:xfrm>
           <a:prstGeom prst="rect">
             <a:avLst/>
@@ -14168,7 +14171,7 @@
           </a:bodyPr>
           <a:lstStyle/>
           <a:p>
-            <a:pPr>
+            <a:pPr marL="285750" indent="-285750">
               <a:buFont typeface="Wingdings" panose="05000000000000000000" pitchFamily="2" charset="2"/>
               <a:buChar char="Ø"/>
             </a:pPr>
@@ -14190,7 +14193,25 @@
             </a:r>
             <a:r>
               <a:rPr lang="zh-CN" altLang="en-US" sz="1300" dirty="0"/>
-              <a:t>，所有注册的服务都被添加到这个对象上。这个</a:t>
+              <a:t>，所有注册的服务都被添加到这个对象上。</a:t>
+            </a:r>
+            <a:endParaRPr lang="en-US" altLang="zh-CN" sz="1300" dirty="0"/>
+          </a:p>
+          <a:p>
+            <a:pPr marL="285750" indent="-285750">
+              <a:buFont typeface="Wingdings" panose="05000000000000000000" pitchFamily="2" charset="2"/>
+              <a:buChar char="Ø"/>
+            </a:pPr>
+            <a:endParaRPr lang="en-US" altLang="zh-CN" sz="1300" dirty="0"/>
+          </a:p>
+          <a:p>
+            <a:pPr marL="285750" indent="-285750">
+              <a:buFont typeface="Wingdings" panose="05000000000000000000" pitchFamily="2" charset="2"/>
+              <a:buChar char="Ø"/>
+            </a:pPr>
+            <a:r>
+              <a:rPr lang="zh-CN" altLang="en-US" sz="1300" dirty="0"/>
+              <a:t>这个</a:t>
             </a:r>
             <a:r>
               <a:rPr lang="en-US" altLang="zh-CN" sz="1300" dirty="0" err="1">
@@ -14246,7 +14267,19 @@
             </a:r>
             <a:r>
               <a:rPr lang="zh-CN" altLang="en-US" sz="1300" dirty="0"/>
-              <a:t>对象注册两种类型的服务：一种是确保管道能够被成功构建并顺利处理请求所必需的服务，我们不妨将它们称为系统服务；另一种则是用户通过调用</a:t>
+              <a:t>对象注册两种类型的服务：一种是确保管道能够被成功构建并顺利处理请求所必需的服务，我们可以将它们称为</a:t>
+            </a:r>
+            <a:r>
+              <a:rPr lang="zh-CN" altLang="en-US" sz="1300" dirty="0">
+                <a:solidFill>
+                  <a:schemeClr val="tx2"/>
+                </a:solidFill>
+              </a:rPr>
+              <a:t>系统服务</a:t>
+            </a:r>
+            <a:r>
+              <a:rPr lang="zh-CN" altLang="en-US" sz="1300" dirty="0"/>
+              <a:t>；另一种则是用户通过调用</a:t>
             </a:r>
             <a:r>
               <a:rPr lang="en-US" altLang="zh-CN" sz="1300" dirty="0" err="1">
@@ -14258,7 +14291,7 @@
             </a:r>
             <a:r>
               <a:rPr lang="zh-CN" altLang="en-US" sz="1300" dirty="0"/>
-              <a:t>方法自行注册的服务，我们姑且称它们为用户服务。</a:t>
+              <a:t>方法自行注册的服务，我们可以称它们为用户服务。</a:t>
             </a:r>
             <a:endParaRPr lang="en-US" altLang="zh-CN" sz="1300" dirty="0"/>
           </a:p>
@@ -14311,6 +14344,92 @@
           </a:extLst>
         </p:spPr>
       </p:pic>
+      <p:sp>
+        <p:nvSpPr>
+          <p:cNvPr id="3" name="矩形 2">
+            <a:extLst>
+              <a:ext uri="{FF2B5EF4-FFF2-40B4-BE49-F238E27FC236}">
+                <a16:creationId xmlns:a16="http://schemas.microsoft.com/office/drawing/2014/main" id="{9AFACCD1-F6A7-4EAD-BB6B-E305BFC01717}"/>
+              </a:ext>
+            </a:extLst>
+          </p:cNvPr>
+          <p:cNvSpPr/>
+          <p:nvPr/>
+        </p:nvSpPr>
+        <p:spPr>
+          <a:xfrm>
+            <a:off x="611560" y="811620"/>
+            <a:ext cx="6192688" cy="461665"/>
+          </a:xfrm>
+          <a:prstGeom prst="rect">
+            <a:avLst/>
+          </a:prstGeom>
+        </p:spPr>
+        <p:txBody>
+          <a:bodyPr wrap="square">
+            <a:spAutoFit/>
+          </a:bodyPr>
+          <a:lstStyle/>
+          <a:p>
+            <a:r>
+              <a:rPr lang="zh-CN" altLang="en-US" sz="1200" dirty="0">
+                <a:solidFill>
+                  <a:schemeClr val="accent1"/>
+                </a:solidFill>
+              </a:rPr>
+              <a:t>工欲善其事必先利其器，前面提到的“第三方”</a:t>
+            </a:r>
+            <a:r>
+              <a:rPr lang="en-US" altLang="zh-CN" sz="1200" dirty="0">
+                <a:solidFill>
+                  <a:schemeClr val="accent1"/>
+                </a:solidFill>
+              </a:rPr>
+              <a:t>IOC</a:t>
+            </a:r>
+            <a:r>
+              <a:rPr lang="zh-CN" altLang="en-US" sz="1200" dirty="0">
+                <a:solidFill>
+                  <a:schemeClr val="accent1"/>
+                </a:solidFill>
+              </a:rPr>
+              <a:t>容器会接替提供我们所需要的对象实例的工作，那么</a:t>
+            </a:r>
+            <a:r>
+              <a:rPr lang="en-US" altLang="zh-CN" sz="1200" dirty="0">
+                <a:solidFill>
+                  <a:schemeClr val="accent1"/>
+                </a:solidFill>
+              </a:rPr>
+              <a:t>IOC</a:t>
+            </a:r>
+            <a:r>
+              <a:rPr lang="zh-CN" altLang="en-US" sz="1200" dirty="0">
+                <a:solidFill>
+                  <a:schemeClr val="accent1"/>
+                </a:solidFill>
+              </a:rPr>
+              <a:t>容器中的组件实例有事从哪儿来的呢？答案是</a:t>
+            </a:r>
+            <a:r>
+              <a:rPr lang="en-US" altLang="zh-CN" sz="1200" dirty="0">
+                <a:solidFill>
+                  <a:schemeClr val="accent1"/>
+                </a:solidFill>
+              </a:rPr>
+              <a:t>:</a:t>
+            </a:r>
+            <a:r>
+              <a:rPr lang="zh-CN" altLang="en-US" sz="1200" dirty="0">
+                <a:solidFill>
+                  <a:srgbClr val="FF0000"/>
+                </a:solidFill>
+              </a:rPr>
+              <a:t>实例注册</a:t>
+            </a:r>
+          </a:p>
+        </p:txBody>
+      </p:sp>
     </p:spTree>
     <p:extLst>
       <p:ext uri="{BB962C8B-B14F-4D97-AF65-F5344CB8AC3E}">
@@ -14435,7 +14554,7 @@
         <p:spPr>
           <a:xfrm>
             <a:off x="611560" y="1089196"/>
-            <a:ext cx="6192688" cy="1692771"/>
+            <a:ext cx="6192688" cy="1585049"/>
           </a:xfrm>
           <a:prstGeom prst="rect">
             <a:avLst/>
@@ -14448,103 +14567,113 @@
           </a:bodyPr>
           <a:lstStyle/>
           <a:p>
-            <a:pPr>
+            <a:pPr marL="285750" indent="-285750">
               <a:buFont typeface="Wingdings" panose="05000000000000000000" pitchFamily="2" charset="2"/>
               <a:buChar char="Ø"/>
             </a:pPr>
             <a:r>
-              <a:rPr lang="zh-CN" altLang="en-US" sz="1300" dirty="0"/>
+              <a:rPr lang="zh-CN" altLang="en-US" sz="1200" dirty="0"/>
               <a:t>当上述这两种服务被成功注册之后，</a:t>
             </a:r>
             <a:r>
-              <a:rPr lang="en-US" altLang="zh-CN" sz="1300" dirty="0" err="1"/>
+              <a:rPr lang="en-US" altLang="zh-CN" sz="1200" dirty="0" err="1"/>
               <a:t>WebHostBuilder</a:t>
             </a:r>
             <a:r>
-              <a:rPr lang="zh-CN" altLang="en-US" sz="1300" dirty="0"/>
+              <a:rPr lang="zh-CN" altLang="en-US" sz="1200" dirty="0"/>
               <a:t>会利用这个</a:t>
             </a:r>
             <a:r>
-              <a:rPr lang="en-US" altLang="zh-CN" sz="1300" dirty="0" err="1"/>
+              <a:rPr lang="en-US" altLang="zh-CN" sz="1200" dirty="0" err="1"/>
               <a:t>ServiceCollection</a:t>
             </a:r>
             <a:r>
-              <a:rPr lang="zh-CN" altLang="en-US" sz="1300" dirty="0"/>
+              <a:rPr lang="zh-CN" altLang="en-US" sz="1200" dirty="0"/>
               <a:t>创建一个</a:t>
             </a:r>
             <a:r>
-              <a:rPr lang="en-US" altLang="zh-CN" sz="1300" dirty="0" err="1"/>
+              <a:rPr lang="en-US" altLang="zh-CN" sz="1200" dirty="0" err="1"/>
               <a:t>ServiceProvider</a:t>
             </a:r>
             <a:r>
-              <a:rPr lang="zh-CN" altLang="en-US" sz="1300" dirty="0"/>
+              <a:rPr lang="zh-CN" altLang="en-US" sz="1200" dirty="0"/>
               <a:t>对象，这个对象和</a:t>
             </a:r>
             <a:r>
-              <a:rPr lang="en-US" altLang="zh-CN" sz="1300" dirty="0" err="1"/>
+              <a:rPr lang="en-US" altLang="zh-CN" sz="1200" dirty="0" err="1"/>
               <a:t>ServiceCollection</a:t>
             </a:r>
             <a:r>
-              <a:rPr lang="zh-CN" altLang="en-US" sz="1300" dirty="0"/>
+              <a:rPr lang="zh-CN" altLang="en-US" sz="1200" dirty="0"/>
               <a:t>将一并递交给由它创建的</a:t>
             </a:r>
             <a:r>
-              <a:rPr lang="en-US" altLang="zh-CN" sz="1300" dirty="0" err="1"/>
+              <a:rPr lang="en-US" altLang="zh-CN" sz="1200" dirty="0" err="1"/>
               <a:t>WebHost</a:t>
             </a:r>
             <a:r>
-              <a:rPr lang="zh-CN" altLang="en-US" sz="1300" dirty="0"/>
-              <a:t>对象。当</a:t>
-            </a:r>
-            <a:r>
-              <a:rPr lang="en-US" altLang="zh-CN" sz="1300" dirty="0" err="1"/>
+              <a:rPr lang="zh-CN" altLang="en-US" sz="1200" dirty="0"/>
+              <a:t>对象。</a:t>
+            </a:r>
+            <a:endParaRPr lang="en-US" altLang="zh-CN" sz="1200" dirty="0"/>
+          </a:p>
+          <a:p>
+            <a:pPr marL="285750" indent="-285750">
+              <a:buFont typeface="Wingdings" panose="05000000000000000000" pitchFamily="2" charset="2"/>
+              <a:buChar char="Ø"/>
+            </a:pPr>
+            <a:endParaRPr lang="en-US" altLang="zh-CN" sz="1200" dirty="0"/>
+          </a:p>
+          <a:p>
+            <a:pPr marL="285750" indent="-285750">
+              <a:buFont typeface="Wingdings" panose="05000000000000000000" pitchFamily="2" charset="2"/>
+              <a:buChar char="Ø"/>
+            </a:pPr>
+            <a:r>
+              <a:rPr lang="zh-CN" altLang="en-US" sz="1200" dirty="0"/>
+              <a:t>当</a:t>
+            </a:r>
+            <a:r>
+              <a:rPr lang="en-US" altLang="zh-CN" sz="1200" dirty="0" err="1"/>
               <a:t>WebHost</a:t>
             </a:r>
             <a:r>
-              <a:rPr lang="zh-CN" altLang="en-US" sz="1300" dirty="0"/>
+              <a:rPr lang="zh-CN" altLang="en-US" sz="1200" dirty="0"/>
               <a:t>在初始化过程中，它的第一项过程就是利用</a:t>
             </a:r>
             <a:r>
-              <a:rPr lang="en-US" altLang="zh-CN" sz="1300" dirty="0" err="1"/>
+              <a:rPr lang="en-US" altLang="zh-CN" sz="1200" dirty="0" err="1"/>
               <a:t>ServiceProvider</a:t>
             </a:r>
             <a:r>
-              <a:rPr lang="zh-CN" altLang="en-US" sz="1300" dirty="0"/>
+              <a:rPr lang="zh-CN" altLang="en-US" sz="1200" dirty="0"/>
               <a:t>获取一个</a:t>
             </a:r>
             <a:r>
-              <a:rPr lang="en-US" altLang="zh-CN" sz="1300" dirty="0"/>
+              <a:rPr lang="en-US" altLang="zh-CN" sz="1200" dirty="0"/>
               <a:t>Startup</a:t>
             </a:r>
             <a:r>
-              <a:rPr lang="zh-CN" altLang="en-US" sz="1300" dirty="0"/>
-              <a:t>对象。如果这是一个</a:t>
-            </a:r>
-            <a:r>
-              <a:rPr lang="en-US" altLang="zh-CN" sz="1300" dirty="0" err="1"/>
-              <a:t>ConventionBasedStartup</a:t>
-            </a:r>
-            <a:r>
-              <a:rPr lang="zh-CN" altLang="en-US" sz="1300" dirty="0"/>
-              <a:t>对象，并且对应的启动类是一个实例类，具体的启动对象是采用依赖注入的形式被实例化的，所以启动类的构造函数是可以有参数的。启动对象实例化过程中使用的就是</a:t>
-            </a:r>
-            <a:r>
-              <a:rPr lang="en-US" altLang="zh-CN" sz="1300" dirty="0" err="1"/>
+              <a:rPr lang="zh-CN" altLang="en-US" sz="1200" dirty="0"/>
+              <a:t>对象。也就是我们应用的启动的入口。启动对象实例化过程中使用的就是</a:t>
+            </a:r>
+            <a:r>
+              <a:rPr lang="en-US" altLang="zh-CN" sz="1200" dirty="0" err="1"/>
               <a:t>WebHostBuilder</a:t>
             </a:r>
             <a:r>
-              <a:rPr lang="zh-CN" altLang="en-US" sz="1300" dirty="0"/>
+              <a:rPr lang="zh-CN" altLang="en-US" sz="1200" dirty="0"/>
               <a:t>提供的这个</a:t>
             </a:r>
             <a:r>
-              <a:rPr lang="en-US" altLang="zh-CN" sz="1300" dirty="0" err="1"/>
+              <a:rPr lang="en-US" altLang="zh-CN" sz="1200" dirty="0" err="1"/>
               <a:t>ServiceProvider</a:t>
             </a:r>
             <a:r>
-              <a:rPr lang="zh-CN" altLang="en-US" sz="1300" dirty="0"/>
+              <a:rPr lang="zh-CN" altLang="en-US" sz="1200" dirty="0"/>
               <a:t>，这也是依赖注入的第一次应用。</a:t>
             </a:r>
-            <a:endParaRPr lang="en-US" altLang="zh-CN" sz="1300" dirty="0"/>
+            <a:endParaRPr lang="en-US" altLang="zh-CN" sz="1200" dirty="0"/>
           </a:p>
           <a:p>
             <a:pPr>
@@ -14709,7 +14838,7 @@
         <p:spPr>
           <a:xfrm>
             <a:off x="611560" y="1089196"/>
-            <a:ext cx="6192688" cy="3093154"/>
+            <a:ext cx="6192688" cy="1938992"/>
           </a:xfrm>
           <a:prstGeom prst="rect">
             <a:avLst/>
@@ -14722,220 +14851,227 @@
           </a:bodyPr>
           <a:lstStyle/>
           <a:p>
-            <a:pPr>
+            <a:pPr marL="285750" indent="-285750">
               <a:buFont typeface="Wingdings" panose="05000000000000000000" pitchFamily="2" charset="2"/>
               <a:buChar char="Ø"/>
             </a:pPr>
             <a:r>
-              <a:rPr lang="zh-CN" altLang="en-US" sz="1300" dirty="0"/>
-              <a:t> 当</a:t>
-            </a:r>
-            <a:r>
-              <a:rPr lang="en-US" altLang="zh-CN" sz="1300" dirty="0" err="1"/>
+              <a:rPr lang="zh-CN" altLang="en-US" sz="1200" dirty="0"/>
+              <a:t>当</a:t>
+            </a:r>
+            <a:r>
+              <a:rPr lang="en-US" altLang="zh-CN" sz="1200" dirty="0" err="1"/>
               <a:t>WebHost</a:t>
             </a:r>
             <a:r>
-              <a:rPr lang="zh-CN" altLang="en-US" sz="1300" dirty="0"/>
+              <a:rPr lang="zh-CN" altLang="en-US" sz="1200" dirty="0"/>
               <a:t>利用</a:t>
             </a:r>
             <a:r>
-              <a:rPr lang="en-US" altLang="zh-CN" sz="1300" dirty="0" err="1"/>
+              <a:rPr lang="en-US" altLang="zh-CN" sz="1200" dirty="0" err="1"/>
               <a:t>WebHostBuilder</a:t>
             </a:r>
             <a:r>
-              <a:rPr lang="zh-CN" altLang="en-US" sz="1300" dirty="0"/>
+              <a:rPr lang="zh-CN" altLang="en-US" sz="1200" dirty="0"/>
               <a:t>提供的这个</a:t>
             </a:r>
             <a:r>
-              <a:rPr lang="en-US" altLang="zh-CN" sz="1300" dirty="0" err="1"/>
+              <a:rPr lang="en-US" altLang="zh-CN" sz="1200" dirty="0" err="1"/>
               <a:t>ServiceProvider</a:t>
             </a:r>
             <a:r>
-              <a:rPr lang="zh-CN" altLang="en-US" sz="1300" dirty="0"/>
+              <a:rPr lang="zh-CN" altLang="en-US" sz="1200" dirty="0"/>
               <a:t>得到这个</a:t>
             </a:r>
             <a:r>
-              <a:rPr lang="en-US" altLang="zh-CN" sz="1300" dirty="0"/>
+              <a:rPr lang="en-US" altLang="zh-CN" sz="1200" dirty="0"/>
               <a:t>Startup</a:t>
             </a:r>
             <a:r>
-              <a:rPr lang="zh-CN" altLang="en-US" sz="1300" dirty="0"/>
-              <a:t>对象</a:t>
-            </a:r>
-            <a:endParaRPr lang="en-US" altLang="zh-CN" sz="1300" dirty="0"/>
-          </a:p>
-          <a:p>
-            <a:endParaRPr lang="en-US" altLang="zh-CN" sz="1300" dirty="0"/>
-          </a:p>
-          <a:p>
-            <a:r>
-              <a:rPr lang="zh-CN" altLang="en-US" sz="1300" dirty="0"/>
-              <a:t>之后，它会调用其</a:t>
-            </a:r>
-            <a:r>
-              <a:rPr lang="en-US" altLang="zh-CN" sz="1300" dirty="0" err="1"/>
+              <a:rPr lang="zh-CN" altLang="en-US" sz="1200" dirty="0"/>
+              <a:t>对象之后，它会调用其</a:t>
+            </a:r>
+            <a:r>
+              <a:rPr lang="en-US" altLang="zh-CN" sz="1200" dirty="0" err="1"/>
               <a:t>ConfigureServices</a:t>
             </a:r>
             <a:r>
-              <a:rPr lang="zh-CN" altLang="en-US" sz="1300" dirty="0"/>
-              <a:t>方法将用户在启动类中注册的服务添加到上述这</a:t>
-            </a:r>
-            <a:endParaRPr lang="en-US" altLang="zh-CN" sz="1300" dirty="0"/>
-          </a:p>
-          <a:p>
-            <a:endParaRPr lang="en-US" altLang="zh-CN" sz="1300" dirty="0"/>
-          </a:p>
-          <a:p>
-            <a:r>
-              <a:rPr lang="zh-CN" altLang="en-US" sz="1300" dirty="0"/>
-              <a:t>个</a:t>
-            </a:r>
-            <a:r>
-              <a:rPr lang="en-US" altLang="zh-CN" sz="1300" dirty="0" err="1"/>
+              <a:rPr lang="zh-CN" altLang="en-US" sz="1200" dirty="0"/>
+              <a:t>方法将用户在启动类中注册的服务添加到上述这个</a:t>
+            </a:r>
+            <a:r>
+              <a:rPr lang="en-US" altLang="zh-CN" sz="1200" dirty="0" err="1"/>
               <a:t>ServiceCollection</a:t>
             </a:r>
             <a:r>
-              <a:rPr lang="zh-CN" altLang="en-US" sz="1300" dirty="0"/>
+              <a:rPr lang="zh-CN" altLang="en-US" sz="1200" dirty="0"/>
               <a:t>对象之上，到目前为止这个</a:t>
             </a:r>
             <a:r>
-              <a:rPr lang="en-US" altLang="zh-CN" sz="1300" dirty="0" err="1"/>
+              <a:rPr lang="en-US" altLang="zh-CN" sz="1200" dirty="0" err="1"/>
               <a:t>ServiceCollection</a:t>
             </a:r>
             <a:r>
-              <a:rPr lang="zh-CN" altLang="en-US" sz="1300" dirty="0"/>
-              <a:t>包含了所有需要注册</a:t>
-            </a:r>
-            <a:endParaRPr lang="en-US" altLang="zh-CN" sz="1300" dirty="0"/>
-          </a:p>
-          <a:p>
-            <a:endParaRPr lang="en-US" altLang="zh-CN" sz="1300" dirty="0"/>
-          </a:p>
-          <a:p>
-            <a:r>
-              <a:rPr lang="zh-CN" altLang="en-US" sz="1300" dirty="0"/>
-              <a:t>的服务。如果启动类型的</a:t>
-            </a:r>
-            <a:r>
-              <a:rPr lang="en-US" altLang="zh-CN" sz="1300" dirty="0" err="1"/>
+              <a:rPr lang="zh-CN" altLang="en-US" sz="1200" dirty="0"/>
+              <a:t>包含了所有需要注册的服务。</a:t>
+            </a:r>
+            <a:endParaRPr lang="en-US" altLang="zh-CN" sz="1200" dirty="0"/>
+          </a:p>
+          <a:p>
+            <a:pPr marL="285750" indent="-285750">
+              <a:buFont typeface="Wingdings" panose="05000000000000000000" pitchFamily="2" charset="2"/>
+              <a:buChar char="Ø"/>
+            </a:pPr>
+            <a:r>
+              <a:rPr lang="zh-CN" altLang="en-US" sz="1200" dirty="0"/>
+              <a:t>如果启动类型的</a:t>
+            </a:r>
+            <a:r>
+              <a:rPr lang="en-US" altLang="zh-CN" sz="1200" dirty="0" err="1"/>
               <a:t>ConfigureServices</a:t>
             </a:r>
             <a:r>
-              <a:rPr lang="zh-CN" altLang="en-US" sz="1300" dirty="0"/>
+              <a:rPr lang="zh-CN" altLang="en-US" sz="1200" dirty="0"/>
               <a:t>方法没有返回值，那么这个</a:t>
             </a:r>
-            <a:endParaRPr lang="en-US" altLang="zh-CN" sz="1300" dirty="0"/>
-          </a:p>
-          <a:p>
-            <a:endParaRPr lang="en-US" altLang="zh-CN" sz="1300" dirty="0"/>
-          </a:p>
-          <a:p>
-            <a:r>
-              <a:rPr lang="en-US" altLang="zh-CN" sz="1300" dirty="0" err="1"/>
+            <a:r>
+              <a:rPr lang="en-US" altLang="zh-CN" sz="1200" dirty="0" err="1"/>
               <a:t>ServiceCollection</a:t>
             </a:r>
             <a:r>
-              <a:rPr lang="zh-CN" altLang="en-US" sz="1300" dirty="0"/>
+              <a:rPr lang="zh-CN" altLang="en-US" sz="1200" dirty="0"/>
               <a:t>将被用来创建一个新的</a:t>
             </a:r>
             <a:r>
-              <a:rPr lang="en-US" altLang="zh-CN" sz="1300" dirty="0" err="1"/>
+              <a:rPr lang="en-US" altLang="zh-CN" sz="1200" dirty="0" err="1"/>
               <a:t>ServiceProvider</a:t>
             </a:r>
             <a:r>
-              <a:rPr lang="zh-CN" altLang="en-US" sz="1300" dirty="0"/>
-              <a:t>，后续过程中所有的服务都会</a:t>
-            </a:r>
-            <a:endParaRPr lang="en-US" altLang="zh-CN" sz="1300" dirty="0"/>
-          </a:p>
-          <a:p>
-            <a:endParaRPr lang="en-US" altLang="zh-CN" sz="1300" dirty="0"/>
-          </a:p>
-          <a:p>
-            <a:r>
-              <a:rPr lang="zh-CN" altLang="en-US" sz="1300" dirty="0"/>
-              <a:t>利用它来获取。如果启动类型的</a:t>
-            </a:r>
-            <a:r>
-              <a:rPr lang="en-US" altLang="zh-CN" sz="1300" dirty="0" err="1"/>
+              <a:rPr lang="zh-CN" altLang="en-US" sz="1200" dirty="0"/>
+              <a:t>，后续过程中所有的服务都会利用它来获取。如果启动类型的</a:t>
+            </a:r>
+            <a:r>
+              <a:rPr lang="en-US" altLang="zh-CN" sz="1200" dirty="0" err="1"/>
               <a:t>ConfigureServices</a:t>
             </a:r>
             <a:r>
-              <a:rPr lang="zh-CN" altLang="en-US" sz="1300" dirty="0"/>
+              <a:rPr lang="zh-CN" altLang="en-US" sz="1200" dirty="0"/>
               <a:t>方法返回一个</a:t>
             </a:r>
             <a:r>
-              <a:rPr lang="en-US" altLang="zh-CN" sz="1300" dirty="0" err="1"/>
+              <a:rPr lang="en-US" altLang="zh-CN" sz="1200" dirty="0" err="1"/>
               <a:t>ServiceProvider</a:t>
             </a:r>
             <a:r>
-              <a:rPr lang="zh-CN" altLang="en-US" sz="1300" dirty="0"/>
-              <a:t>，那</a:t>
-            </a:r>
-            <a:endParaRPr lang="en-US" altLang="zh-CN" sz="1300" dirty="0"/>
-          </a:p>
-          <a:p>
-            <a:endParaRPr lang="en-US" altLang="zh-CN" sz="1300" dirty="0"/>
-          </a:p>
-          <a:p>
-            <a:r>
-              <a:rPr lang="zh-CN" altLang="en-US" sz="1300" dirty="0"/>
-              <a:t>么后续过程作为服务提供者的就是这么一个对象。</a:t>
-            </a:r>
-            <a:r>
-              <a:rPr lang="en-US" altLang="zh-CN" sz="1300" dirty="0" err="1"/>
+              <a:rPr lang="zh-CN" altLang="en-US" sz="1200" dirty="0"/>
+              <a:t>，那么后续过程作为服务提供者的就是这个</a:t>
+            </a:r>
+            <a:r>
+              <a:rPr lang="en-US" altLang="zh-CN" sz="1200" dirty="0" err="1"/>
+              <a:t>ServiceProvider</a:t>
+            </a:r>
+            <a:r>
+              <a:rPr lang="zh-CN" altLang="en-US" sz="1200" dirty="0"/>
+              <a:t>对象。</a:t>
+            </a:r>
+            <a:endParaRPr lang="en-US" altLang="zh-CN" sz="1200" dirty="0"/>
+          </a:p>
+          <a:p>
+            <a:pPr marL="285750" indent="-285750">
+              <a:buFont typeface="Wingdings" panose="05000000000000000000" pitchFamily="2" charset="2"/>
+              <a:buChar char="Ø"/>
+            </a:pPr>
+            <a:r>
+              <a:rPr lang="en-US" altLang="zh-CN" sz="1200" dirty="0" err="1"/>
               <a:t>WebHost</a:t>
             </a:r>
             <a:r>
-              <a:rPr lang="zh-CN" altLang="en-US" sz="1300" dirty="0"/>
+              <a:rPr lang="zh-CN" altLang="en-US" sz="1200" dirty="0"/>
               <a:t>的</a:t>
             </a:r>
             <a:r>
-              <a:rPr lang="en-US" altLang="zh-CN" sz="1300" dirty="0"/>
+              <a:rPr lang="en-US" altLang="zh-CN" sz="1200" dirty="0"/>
               <a:t>Services</a:t>
             </a:r>
             <a:r>
-              <a:rPr lang="zh-CN" altLang="en-US" sz="1300" dirty="0"/>
-              <a:t>属性返回的就</a:t>
-            </a:r>
-            <a:endParaRPr lang="en-US" altLang="zh-CN" sz="1300" dirty="0"/>
-          </a:p>
-          <a:p>
-            <a:endParaRPr lang="en-US" altLang="zh-CN" sz="1300" dirty="0"/>
-          </a:p>
-          <a:p>
-            <a:r>
-              <a:rPr lang="zh-CN" altLang="en-US" sz="1300" dirty="0"/>
-              <a:t>是这个</a:t>
-            </a:r>
-            <a:r>
-              <a:rPr lang="en-US" altLang="zh-CN" sz="1300" dirty="0" err="1"/>
+              <a:rPr lang="zh-CN" altLang="en-US" sz="1200" dirty="0"/>
+              <a:t>属性返回的就是这个</a:t>
+            </a:r>
+            <a:r>
+              <a:rPr lang="en-US" altLang="zh-CN" sz="1200" dirty="0" err="1"/>
               <a:t>ServiceProvider</a:t>
             </a:r>
             <a:r>
-              <a:rPr lang="zh-CN" altLang="en-US" sz="1300" dirty="0"/>
+              <a:rPr lang="zh-CN" altLang="en-US" sz="1200" dirty="0"/>
               <a:t>对象，所以姑且称它为</a:t>
             </a:r>
             <a:r>
-              <a:rPr lang="en-US" altLang="zh-CN" sz="1300" dirty="0" err="1"/>
+              <a:rPr lang="en-US" altLang="zh-CN" sz="1200" dirty="0" err="1"/>
               <a:t>WebHost</a:t>
             </a:r>
             <a:r>
-              <a:rPr lang="zh-CN" altLang="en-US" sz="1300" dirty="0"/>
+              <a:rPr lang="zh-CN" altLang="en-US" sz="1200" dirty="0"/>
               <a:t>的</a:t>
             </a:r>
             <a:r>
-              <a:rPr lang="en-US" altLang="zh-CN" sz="1300" dirty="0" err="1"/>
+              <a:rPr lang="en-US" altLang="zh-CN" sz="1200" dirty="0" err="1"/>
               <a:t>ServiceProvider</a:t>
             </a:r>
             <a:r>
-              <a:rPr lang="zh-CN" altLang="en-US" sz="1300" dirty="0"/>
+              <a:rPr lang="zh-CN" altLang="en-US" sz="1200" dirty="0"/>
               <a:t>。</a:t>
             </a:r>
-            <a:endParaRPr lang="en-US" altLang="zh-CN" sz="1300" dirty="0"/>
+            <a:endParaRPr lang="en-US" altLang="zh-CN" sz="1200" dirty="0"/>
           </a:p>
         </p:txBody>
       </p:sp>
+      <p:pic>
+        <p:nvPicPr>
+          <p:cNvPr id="7" name="Picture 2" descr="1">
+            <a:extLst>
+              <a:ext uri="{FF2B5EF4-FFF2-40B4-BE49-F238E27FC236}">
+                <a16:creationId xmlns:a16="http://schemas.microsoft.com/office/drawing/2014/main" id="{82414DE8-0496-4B14-AA81-2CF9AC76BF0C}"/>
+              </a:ext>
+            </a:extLst>
+          </p:cNvPr>
+          <p:cNvPicPr>
+            <a:picLocks noChangeAspect="1" noChangeArrowheads="1"/>
+          </p:cNvPicPr>
+          <p:nvPr/>
+        </p:nvPicPr>
+        <p:blipFill>
+          <a:blip r:embed="rId5">
+            <a:extLst>
+              <a:ext uri="{28A0092B-C50C-407E-A947-70E740481C1C}">
+                <a14:useLocalDpi xmlns:a14="http://schemas.microsoft.com/office/drawing/2010/main" val="0"/>
+              </a:ext>
+            </a:extLst>
+          </a:blip>
+          <a:srcRect/>
+          <a:stretch>
+            <a:fillRect/>
+          </a:stretch>
+        </p:blipFill>
+        <p:spPr bwMode="auto">
+          <a:xfrm>
+            <a:off x="827584" y="3075806"/>
+            <a:ext cx="6336704" cy="1584176"/>
+          </a:xfrm>
+          <a:prstGeom prst="rect">
+            <a:avLst/>
+          </a:prstGeom>
+          <a:noFill/>
+          <a:extLst>
+            <a:ext uri="{909E8E84-426E-40DD-AFC4-6F175D3DCCD1}">
+              <a14:hiddenFill xmlns:a14="http://schemas.microsoft.com/office/drawing/2010/main">
+                <a:solidFill>
+                  <a:srgbClr val="FFFFFF"/>
+                </a:solidFill>
+              </a14:hiddenFill>
+            </a:ext>
+          </a:extLst>
+        </p:spPr>
+      </p:pic>
     </p:spTree>
     <p:extLst>
       <p:ext uri="{BB962C8B-B14F-4D97-AF65-F5344CB8AC3E}">
@@ -15204,8 +15340,8 @@
         </p:nvSpPr>
         <p:spPr>
           <a:xfrm>
-            <a:off x="611560" y="1089196"/>
-            <a:ext cx="6192688" cy="1492716"/>
+            <a:off x="611560" y="1076703"/>
+            <a:ext cx="6192688" cy="1200329"/>
           </a:xfrm>
           <a:prstGeom prst="rect">
             <a:avLst/>
@@ -15218,112 +15354,97 @@
           </a:bodyPr>
           <a:lstStyle/>
           <a:p>
-            <a:pPr>
+            <a:pPr marL="171450" indent="-171450">
               <a:buFont typeface="Wingdings" panose="05000000000000000000" pitchFamily="2" charset="2"/>
               <a:buChar char="Ø"/>
             </a:pPr>
             <a:r>
-              <a:rPr lang="zh-CN" altLang="en-US" sz="1300" dirty="0"/>
-              <a:t>接下来</a:t>
-            </a:r>
-            <a:r>
-              <a:rPr lang="en-US" altLang="zh-CN" sz="1300" dirty="0" err="1"/>
-              <a:t>WebHost</a:t>
-            </a:r>
-            <a:r>
-              <a:rPr lang="zh-CN" altLang="en-US" sz="1300" dirty="0"/>
-              <a:t>利用这个</a:t>
-            </a:r>
-            <a:r>
-              <a:rPr lang="en-US" altLang="zh-CN" sz="1300" dirty="0" err="1"/>
+              <a:rPr lang="zh-CN" altLang="en-US" sz="1200" dirty="0"/>
+              <a:t>生命周期管理：实例的注册与回收</a:t>
+            </a:r>
+            <a:endParaRPr lang="en-US" altLang="zh-CN" sz="1200" dirty="0"/>
+          </a:p>
+          <a:p>
+            <a:pPr marL="171450" indent="-171450">
+              <a:buFont typeface="Wingdings" panose="05000000000000000000" pitchFamily="2" charset="2"/>
+              <a:buChar char="Ø"/>
+            </a:pPr>
+            <a:endParaRPr lang="en-US" altLang="zh-CN" sz="1200" dirty="0"/>
+          </a:p>
+          <a:p>
+            <a:pPr marL="171450" indent="-171450">
+              <a:buFont typeface="Wingdings" panose="05000000000000000000" pitchFamily="2" charset="2"/>
+              <a:buChar char="Ø"/>
+            </a:pPr>
+            <a:r>
+              <a:rPr lang="zh-CN" altLang="en-US" sz="1200" dirty="0"/>
+              <a:t>生命周期管理决定了</a:t>
+            </a:r>
+            <a:r>
+              <a:rPr lang="en-US" altLang="zh-CN" sz="1200" dirty="0" err="1"/>
               <a:t>ServiceProvider</a:t>
             </a:r>
             <a:r>
-              <a:rPr lang="zh-CN" altLang="en-US" sz="1300" dirty="0"/>
-              <a:t>获取注册的</a:t>
-            </a:r>
-            <a:r>
-              <a:rPr lang="en-US" altLang="zh-CN" sz="1300" dirty="0" err="1"/>
-              <a:t>ApplicationBuilder</a:t>
-            </a:r>
-            <a:r>
-              <a:rPr lang="zh-CN" altLang="en-US" sz="1300" dirty="0"/>
-              <a:t>对象和</a:t>
-            </a:r>
-            <a:r>
-              <a:rPr lang="en-US" altLang="zh-CN" sz="1300" dirty="0" err="1"/>
-              <a:t>StartupFilter</a:t>
-            </a:r>
-            <a:r>
-              <a:rPr lang="zh-CN" altLang="en-US" sz="1300" dirty="0"/>
-              <a:t>对象，并将前者作为参数依次调用每个</a:t>
-            </a:r>
-            <a:r>
-              <a:rPr lang="en-US" altLang="zh-CN" sz="1300" dirty="0" err="1"/>
-              <a:t>StartupFilter</a:t>
-            </a:r>
-            <a:r>
-              <a:rPr lang="zh-CN" altLang="en-US" sz="1300" dirty="0"/>
-              <a:t>的</a:t>
-            </a:r>
-            <a:r>
-              <a:rPr lang="en-US" altLang="zh-CN" sz="1300" dirty="0"/>
-              <a:t>Configure</a:t>
-            </a:r>
-            <a:r>
-              <a:rPr lang="zh-CN" altLang="en-US" sz="1300" dirty="0"/>
-              <a:t>方法进行中间件的注册。当针对所有</a:t>
-            </a:r>
-            <a:r>
-              <a:rPr lang="en-US" altLang="zh-CN" sz="1300" dirty="0" err="1"/>
-              <a:t>StartupFilter</a:t>
-            </a:r>
-            <a:r>
-              <a:rPr lang="zh-CN" altLang="en-US" sz="1300" dirty="0"/>
-              <a:t>的调用都结束之后，</a:t>
-            </a:r>
-            <a:r>
-              <a:rPr lang="en-US" altLang="zh-CN" sz="1300" dirty="0" err="1"/>
-              <a:t>WebHost</a:t>
-            </a:r>
-            <a:r>
-              <a:rPr lang="zh-CN" altLang="en-US" sz="1300" dirty="0"/>
-              <a:t>才会选择调用</a:t>
-            </a:r>
-            <a:r>
-              <a:rPr lang="en-US" altLang="zh-CN" sz="1300" dirty="0"/>
-              <a:t>Startup</a:t>
-            </a:r>
-            <a:r>
-              <a:rPr lang="zh-CN" altLang="en-US" sz="1300" dirty="0"/>
-              <a:t>对象的</a:t>
-            </a:r>
-            <a:r>
-              <a:rPr lang="en-US" altLang="zh-CN" sz="1300" dirty="0"/>
-              <a:t>Configure</a:t>
-            </a:r>
-            <a:r>
-              <a:rPr lang="zh-CN" altLang="en-US" sz="1300" dirty="0"/>
-              <a:t>方法。对于通过这两种形式注册的中间件，如果对应的是一个遵循约定的中间件类型的话，</a:t>
-            </a:r>
-            <a:r>
-              <a:rPr lang="en-US" altLang="zh-CN" sz="1300" dirty="0" err="1"/>
-              <a:t>WebHost</a:t>
-            </a:r>
-            <a:r>
-              <a:rPr lang="zh-CN" altLang="en-US" sz="1300" dirty="0"/>
-              <a:t>同样会采用依赖注入的方式来实例化中间件对象，所以中间件类型的构造函数也是可以有参数的，这是对依赖注入的第二次应用。</a:t>
-            </a:r>
-            <a:endParaRPr lang="en-US" altLang="zh-CN" sz="1300" dirty="0"/>
+              <a:rPr lang="zh-CN" altLang="en-US" sz="1200" dirty="0"/>
+              <a:t>采用怎样的方式创建和回收服务实例。</a:t>
+            </a:r>
+            <a:r>
+              <a:rPr lang="en-US" altLang="zh-CN" sz="1200" dirty="0" err="1"/>
+              <a:t>ServiceProvider</a:t>
+            </a:r>
+            <a:r>
+              <a:rPr lang="zh-CN" altLang="en-US" sz="1200" dirty="0"/>
+              <a:t>具有三种基本的生命周期管理模式，分别对应着枚举类型</a:t>
+            </a:r>
+            <a:r>
+              <a:rPr lang="en-US" altLang="zh-CN" sz="1200" dirty="0" err="1"/>
+              <a:t>ServiceLifetime</a:t>
+            </a:r>
+            <a:r>
+              <a:rPr lang="zh-CN" altLang="en-US" sz="1200" dirty="0"/>
+              <a:t>的三个选项（</a:t>
+            </a:r>
+            <a:r>
+              <a:rPr lang="en-US" altLang="zh-CN" sz="1200" dirty="0"/>
+              <a:t>Singleton</a:t>
+            </a:r>
+            <a:r>
+              <a:rPr lang="zh-CN" altLang="en-US" sz="1200" dirty="0"/>
+              <a:t>、</a:t>
+            </a:r>
+            <a:r>
+              <a:rPr lang="en-US" altLang="zh-CN" sz="1200" dirty="0"/>
+              <a:t>Scoped</a:t>
+            </a:r>
+            <a:r>
+              <a:rPr lang="zh-CN" altLang="en-US" sz="1200" dirty="0"/>
+              <a:t>和</a:t>
+            </a:r>
+            <a:r>
+              <a:rPr lang="en-US" altLang="zh-CN" sz="1200" dirty="0"/>
+              <a:t>Transient</a:t>
+            </a:r>
+            <a:r>
+              <a:rPr lang="zh-CN" altLang="en-US" sz="1200" dirty="0"/>
+              <a:t>）。</a:t>
+            </a:r>
+            <a:endParaRPr lang="en-US" altLang="zh-CN" sz="1200" dirty="0"/>
+          </a:p>
+          <a:p>
+            <a:pPr marL="171450" indent="-171450">
+              <a:buFont typeface="Wingdings" panose="05000000000000000000" pitchFamily="2" charset="2"/>
+              <a:buChar char="Ø"/>
+            </a:pPr>
+            <a:endParaRPr lang="en-US" altLang="zh-CN" sz="1200" dirty="0"/>
           </a:p>
         </p:txBody>
       </p:sp>
       <p:pic>
         <p:nvPicPr>
-          <p:cNvPr id="2" name="图片 1">
+          <p:cNvPr id="4" name="图片 3">
             <a:extLst>
               <a:ext uri="{FF2B5EF4-FFF2-40B4-BE49-F238E27FC236}">
-                <a16:creationId xmlns:a16="http://schemas.microsoft.com/office/drawing/2014/main" id="{F6DEFCD2-CA31-4DAF-9B0D-DC46A265FD34}"/>
+                <a16:creationId xmlns:a16="http://schemas.microsoft.com/office/drawing/2014/main" id="{EDFC4166-6BB0-405A-A118-4EF1E82C8B6F}"/>
               </a:ext>
             </a:extLst>
           </p:cNvPr>
@@ -15340,8 +15461,8 @@
         </p:blipFill>
         <p:spPr>
           <a:xfrm>
-            <a:off x="971600" y="2585322"/>
-            <a:ext cx="5472608" cy="2008582"/>
+            <a:off x="1222395" y="2211710"/>
+            <a:ext cx="4971017" cy="2349676"/>
           </a:xfrm>
           <a:prstGeom prst="rect">
             <a:avLst/>
@@ -15351,7 +15472,7 @@
     </p:spTree>
     <p:extLst>
       <p:ext uri="{BB962C8B-B14F-4D97-AF65-F5344CB8AC3E}">
-        <p14:creationId xmlns:p14="http://schemas.microsoft.com/office/powerpoint/2010/main" val="4013687114"/>
+        <p14:creationId xmlns:p14="http://schemas.microsoft.com/office/powerpoint/2010/main" val="1391736828"/>
       </p:ext>
     </p:extLst>
   </p:cSld>
@@ -15471,8 +15592,8 @@
         </p:nvSpPr>
         <p:spPr>
           <a:xfrm>
-            <a:off x="611560" y="1089196"/>
-            <a:ext cx="6192688" cy="1492716"/>
+            <a:off x="610524" y="984464"/>
+            <a:ext cx="6192688" cy="1938992"/>
           </a:xfrm>
           <a:prstGeom prst="rect">
             <a:avLst/>
@@ -15485,128 +15606,197 @@
           </a:bodyPr>
           <a:lstStyle/>
           <a:p>
-            <a:pPr>
+            <a:pPr marL="285750" indent="-285750">
               <a:buFont typeface="Wingdings" panose="05000000000000000000" pitchFamily="2" charset="2"/>
               <a:buChar char="Ø"/>
             </a:pPr>
             <a:r>
-              <a:rPr lang="zh-CN" altLang="en-US" sz="1300" dirty="0"/>
-              <a:t>到所有中间件都被注册之后，</a:t>
-            </a:r>
-            <a:r>
-              <a:rPr lang="en-US" altLang="zh-CN" sz="1300" dirty="0" err="1"/>
-              <a:t>WebHost</a:t>
-            </a:r>
-            <a:r>
-              <a:rPr lang="zh-CN" altLang="en-US" sz="1300" dirty="0"/>
-              <a:t>会调用</a:t>
-            </a:r>
-            <a:r>
-              <a:rPr lang="en-US" altLang="zh-CN" sz="1300" dirty="0" err="1"/>
-              <a:t>ApplicationBuilder</a:t>
-            </a:r>
-            <a:r>
-              <a:rPr lang="zh-CN" altLang="en-US" sz="1300" dirty="0"/>
-              <a:t>的</a:t>
-            </a:r>
-            <a:r>
-              <a:rPr lang="en-US" altLang="zh-CN" sz="1300" dirty="0"/>
-              <a:t>Build</a:t>
-            </a:r>
-            <a:r>
-              <a:rPr lang="zh-CN" altLang="en-US" sz="1300" dirty="0"/>
-              <a:t>方法生成一个</a:t>
-            </a:r>
-            <a:r>
-              <a:rPr lang="en-US" altLang="zh-CN" sz="1300" dirty="0" err="1"/>
-              <a:t>RequestDelegate</a:t>
-            </a:r>
-            <a:r>
-              <a:rPr lang="zh-CN" altLang="en-US" sz="1300" dirty="0"/>
-              <a:t>对象，这个对象体现了所有中间件组成一个有序链表。接下来，</a:t>
-            </a:r>
-            <a:r>
-              <a:rPr lang="en-US" altLang="zh-CN" sz="1300" dirty="0" err="1"/>
-              <a:t>WebHost</a:t>
-            </a:r>
-            <a:r>
-              <a:rPr lang="zh-CN" altLang="en-US" sz="1300" dirty="0"/>
-              <a:t>利用这个</a:t>
-            </a:r>
-            <a:r>
-              <a:rPr lang="en-US" altLang="zh-CN" sz="1300" dirty="0" err="1"/>
-              <a:t>RequestDelegate</a:t>
-            </a:r>
-            <a:r>
-              <a:rPr lang="zh-CN" altLang="en-US" sz="1300" dirty="0"/>
-              <a:t>对象创建一个</a:t>
-            </a:r>
-            <a:r>
-              <a:rPr lang="en-US" altLang="zh-CN" sz="1300" dirty="0" err="1"/>
-              <a:t>HttpApplication</a:t>
-            </a:r>
-            <a:r>
-              <a:rPr lang="zh-CN" altLang="en-US" sz="1300" dirty="0"/>
-              <a:t>对象（默认创建的是一个</a:t>
-            </a:r>
-            <a:r>
-              <a:rPr lang="en-US" altLang="zh-CN" sz="1300" dirty="0" err="1"/>
-              <a:t>HostingHttpApplication</a:t>
-            </a:r>
-            <a:r>
-              <a:rPr lang="zh-CN" altLang="en-US" sz="1300" dirty="0"/>
-              <a:t>对象）。随后，</a:t>
-            </a:r>
-            <a:r>
-              <a:rPr lang="en-US" altLang="zh-CN" sz="1300" dirty="0" err="1"/>
-              <a:t>WebHost</a:t>
-            </a:r>
-            <a:r>
-              <a:rPr lang="zh-CN" altLang="en-US" sz="1300" dirty="0"/>
-              <a:t>利用</a:t>
-            </a:r>
-            <a:r>
-              <a:rPr lang="en-US" altLang="zh-CN" sz="1300" dirty="0" err="1"/>
+              <a:rPr lang="en-US" altLang="zh-CN" sz="1200" dirty="0" err="1"/>
               <a:t>ServiceProvider</a:t>
             </a:r>
             <a:r>
-              <a:rPr lang="zh-CN" altLang="en-US" sz="1300" dirty="0"/>
-              <a:t>提取出最初注册在</a:t>
-            </a:r>
-            <a:r>
-              <a:rPr lang="en-US" altLang="zh-CN" sz="1300" dirty="0" err="1"/>
-              <a:t>WebHostBuilder</a:t>
-            </a:r>
-            <a:r>
-              <a:rPr lang="zh-CN" altLang="en-US" sz="1300" dirty="0"/>
-              <a:t>上的服务器，并将</a:t>
-            </a:r>
-            <a:r>
-              <a:rPr lang="en-US" altLang="zh-CN" sz="1300" dirty="0" err="1"/>
-              <a:t>HttpApplication</a:t>
-            </a:r>
-            <a:r>
-              <a:rPr lang="zh-CN" altLang="en-US" sz="1300" dirty="0"/>
-              <a:t>对象作为参数调用其</a:t>
-            </a:r>
-            <a:r>
-              <a:rPr lang="en-US" altLang="zh-CN" sz="1300" dirty="0"/>
-              <a:t>Start</a:t>
-            </a:r>
-            <a:r>
-              <a:rPr lang="zh-CN" altLang="en-US" sz="1300" dirty="0"/>
-              <a:t>方法启动该服务器。从此，这个以服务器和注册中间件构成的管道被成功创建出来，服务器随之开始绑定到指定的监听地址监听来自网络的请求。</a:t>
-            </a:r>
-            <a:endParaRPr lang="en-US" altLang="zh-CN" sz="1300" dirty="0"/>
+              <a:rPr lang="zh-CN" altLang="en-US" sz="1200" dirty="0"/>
+              <a:t>支持的三种生命周期管理模式（</a:t>
+            </a:r>
+            <a:r>
+              <a:rPr lang="en-US" altLang="zh-CN" sz="1200" dirty="0"/>
+              <a:t>Singleton</a:t>
+            </a:r>
+            <a:r>
+              <a:rPr lang="zh-CN" altLang="en-US" sz="1200" dirty="0"/>
+              <a:t>、</a:t>
+            </a:r>
+            <a:r>
+              <a:rPr lang="en-US" altLang="zh-CN" sz="1200" dirty="0"/>
+              <a:t>Scope</a:t>
+            </a:r>
+            <a:r>
+              <a:rPr lang="zh-CN" altLang="en-US" sz="1200" dirty="0"/>
+              <a:t>和</a:t>
+            </a:r>
+            <a:r>
+              <a:rPr lang="en-US" altLang="zh-CN" sz="1200" dirty="0"/>
+              <a:t>Transient</a:t>
+            </a:r>
+            <a:r>
+              <a:rPr lang="zh-CN" altLang="en-US" sz="1200" dirty="0"/>
+              <a:t>），就服务实例的提供方式来说，它们之间具有如下的差异：</a:t>
+            </a:r>
+          </a:p>
+          <a:p>
+            <a:pPr marL="285750" indent="-285750">
+              <a:buFont typeface="Wingdings" panose="05000000000000000000" pitchFamily="2" charset="2"/>
+              <a:buChar char="Ø"/>
+            </a:pPr>
+            <a:endParaRPr lang="zh-CN" altLang="en-US" sz="1200" dirty="0"/>
+          </a:p>
+          <a:p>
+            <a:pPr marL="285750" indent="-285750">
+              <a:buFont typeface="Wingdings" panose="05000000000000000000" pitchFamily="2" charset="2"/>
+              <a:buChar char="Ø"/>
+            </a:pPr>
+            <a:r>
+              <a:rPr lang="en-US" altLang="zh-CN" sz="1200" dirty="0"/>
+              <a:t>Singleton</a:t>
+            </a:r>
+            <a:r>
+              <a:rPr lang="zh-CN" altLang="en-US" sz="1200" dirty="0"/>
+              <a:t>：</a:t>
+            </a:r>
+            <a:r>
+              <a:rPr lang="en-US" altLang="zh-CN" sz="1200" dirty="0" err="1"/>
+              <a:t>ServiceProvider</a:t>
+            </a:r>
+            <a:r>
+              <a:rPr lang="zh-CN" altLang="en-US" sz="1200" dirty="0"/>
+              <a:t>创建的服务实例保存在作为根节点的</a:t>
+            </a:r>
+            <a:r>
+              <a:rPr lang="en-US" altLang="zh-CN" sz="1200" dirty="0" err="1"/>
+              <a:t>ServiceProvider</a:t>
+            </a:r>
+            <a:r>
+              <a:rPr lang="zh-CN" altLang="en-US" sz="1200" dirty="0"/>
+              <a:t>上，所有</a:t>
+            </a:r>
+            <a:r>
+              <a:rPr lang="zh-CN" altLang="en-US" sz="1200" dirty="0">
+                <a:solidFill>
+                  <a:srgbClr val="FF0000"/>
+                </a:solidFill>
+              </a:rPr>
+              <a:t>具有同一根节点的所有</a:t>
+            </a:r>
+            <a:r>
+              <a:rPr lang="en-US" altLang="zh-CN" sz="1200" dirty="0" err="1">
+                <a:solidFill>
+                  <a:srgbClr val="FF0000"/>
+                </a:solidFill>
+              </a:rPr>
+              <a:t>ServiceProvider</a:t>
+            </a:r>
+            <a:r>
+              <a:rPr lang="zh-CN" altLang="en-US" sz="1200" dirty="0"/>
+              <a:t>提供的服务实例均是同一个对象。</a:t>
+            </a:r>
+            <a:endParaRPr lang="en-US" altLang="zh-CN" sz="1200" dirty="0"/>
+          </a:p>
+          <a:p>
+            <a:pPr marL="285750" indent="-285750">
+              <a:buFont typeface="Wingdings" panose="05000000000000000000" pitchFamily="2" charset="2"/>
+              <a:buChar char="Ø"/>
+            </a:pPr>
+            <a:endParaRPr lang="zh-CN" altLang="en-US" sz="1200" dirty="0"/>
+          </a:p>
+          <a:p>
+            <a:pPr marL="285750" indent="-285750">
+              <a:buFont typeface="Wingdings" panose="05000000000000000000" pitchFamily="2" charset="2"/>
+              <a:buChar char="Ø"/>
+            </a:pPr>
+            <a:r>
+              <a:rPr lang="en-US" altLang="zh-CN" sz="1200" dirty="0"/>
+              <a:t>Scoped</a:t>
+            </a:r>
+            <a:r>
+              <a:rPr lang="zh-CN" altLang="en-US" sz="1200" dirty="0"/>
+              <a:t>：</a:t>
+            </a:r>
+            <a:r>
+              <a:rPr lang="en-US" altLang="zh-CN" sz="1200" dirty="0" err="1"/>
+              <a:t>ServiceProvider</a:t>
+            </a:r>
+            <a:r>
+              <a:rPr lang="zh-CN" altLang="en-US" sz="1200" dirty="0"/>
+              <a:t>创建的服务实例由自己保存，所以</a:t>
+            </a:r>
+            <a:r>
+              <a:rPr lang="zh-CN" altLang="en-US" sz="1200" dirty="0">
+                <a:solidFill>
+                  <a:srgbClr val="FF0000"/>
+                </a:solidFill>
+              </a:rPr>
+              <a:t>同一个</a:t>
+            </a:r>
+            <a:r>
+              <a:rPr lang="en-US" altLang="zh-CN" sz="1200" dirty="0" err="1">
+                <a:solidFill>
+                  <a:srgbClr val="FF0000"/>
+                </a:solidFill>
+              </a:rPr>
+              <a:t>ServiceProvider</a:t>
+            </a:r>
+            <a:r>
+              <a:rPr lang="zh-CN" altLang="en-US" sz="1200" dirty="0">
+                <a:solidFill>
+                  <a:srgbClr val="FF0000"/>
+                </a:solidFill>
+              </a:rPr>
+              <a:t>对象</a:t>
+            </a:r>
+            <a:r>
+              <a:rPr lang="zh-CN" altLang="en-US" sz="1200" dirty="0"/>
+              <a:t>提供的服务实例均是同一个对象。</a:t>
+            </a:r>
+            <a:endParaRPr lang="en-US" altLang="zh-CN" sz="1200" dirty="0"/>
+          </a:p>
+          <a:p>
+            <a:pPr marL="285750" indent="-285750">
+              <a:buFont typeface="Wingdings" panose="05000000000000000000" pitchFamily="2" charset="2"/>
+              <a:buChar char="Ø"/>
+            </a:pPr>
+            <a:endParaRPr lang="zh-CN" altLang="en-US" sz="1200" dirty="0"/>
+          </a:p>
+          <a:p>
+            <a:pPr marL="285750" indent="-285750">
+              <a:buFont typeface="Wingdings" panose="05000000000000000000" pitchFamily="2" charset="2"/>
+              <a:buChar char="Ø"/>
+            </a:pPr>
+            <a:r>
+              <a:rPr lang="en-US" altLang="zh-CN" sz="1200" dirty="0"/>
+              <a:t>Transient</a:t>
+            </a:r>
+            <a:r>
+              <a:rPr lang="zh-CN" altLang="en-US" sz="1200" dirty="0"/>
+              <a:t>：针对每一次服务提供请求，</a:t>
+            </a:r>
+            <a:r>
+              <a:rPr lang="en-US" altLang="zh-CN" sz="1200" dirty="0" err="1"/>
+              <a:t>ServiceProvider</a:t>
+            </a:r>
+            <a:r>
+              <a:rPr lang="zh-CN" altLang="en-US" sz="1200" dirty="0"/>
+              <a:t>总是创建一个新的服务实例。</a:t>
+            </a:r>
+            <a:endParaRPr lang="en-US" altLang="zh-CN" sz="1200" dirty="0"/>
           </a:p>
         </p:txBody>
       </p:sp>
       <p:pic>
         <p:nvPicPr>
-          <p:cNvPr id="5122" name="Picture 2" descr="2">
+          <p:cNvPr id="7" name="Picture 2" descr="1">
             <a:extLst>
               <a:ext uri="{FF2B5EF4-FFF2-40B4-BE49-F238E27FC236}">
-                <a16:creationId xmlns:a16="http://schemas.microsoft.com/office/drawing/2014/main" id="{045AF14A-4A74-4629-BE17-F9E3C523B8E9}"/>
+                <a16:creationId xmlns:a16="http://schemas.microsoft.com/office/drawing/2014/main" id="{04FAA806-4B27-47DC-85E4-DB04F3DA8D91}"/>
               </a:ext>
             </a:extLst>
           </p:cNvPr>
@@ -15630,8 +15820,8 @@
         </p:blipFill>
         <p:spPr bwMode="auto">
           <a:xfrm>
-            <a:off x="683568" y="2571750"/>
-            <a:ext cx="4608512" cy="2050788"/>
+            <a:off x="971600" y="3075806"/>
+            <a:ext cx="6336704" cy="1584176"/>
           </a:xfrm>
           <a:prstGeom prst="rect">
             <a:avLst/>
@@ -15651,7 +15841,7 @@
     </p:spTree>
     <p:extLst>
       <p:ext uri="{BB962C8B-B14F-4D97-AF65-F5344CB8AC3E}">
-        <p14:creationId xmlns:p14="http://schemas.microsoft.com/office/powerpoint/2010/main" val="2953153524"/>
+        <p14:creationId xmlns:p14="http://schemas.microsoft.com/office/powerpoint/2010/main" val="4185666270"/>
       </p:ext>
     </p:extLst>
   </p:cSld>
@@ -15908,8 +16098,8 @@
         </p:nvSpPr>
         <p:spPr>
           <a:xfrm>
-            <a:off x="611560" y="1076703"/>
-            <a:ext cx="6192688" cy="2292935"/>
+            <a:off x="611560" y="1489305"/>
+            <a:ext cx="6192688" cy="523220"/>
           </a:xfrm>
           <a:prstGeom prst="rect">
             <a:avLst/>
@@ -15922,195 +16112,61 @@
           </a:bodyPr>
           <a:lstStyle/>
           <a:p>
-            <a:pPr>
+            <a:pPr marL="171450" indent="-171450">
               <a:buFont typeface="Wingdings" panose="05000000000000000000" pitchFamily="2" charset="2"/>
               <a:buChar char="Ø"/>
             </a:pPr>
             <a:r>
-              <a:rPr lang="zh-CN" altLang="en-US" sz="1300" dirty="0"/>
-              <a:t>生命周期管理：实例的注册与回收</a:t>
-            </a:r>
-            <a:endParaRPr lang="en-US" altLang="zh-CN" sz="1300" dirty="0"/>
-          </a:p>
-          <a:p>
-            <a:pPr>
-              <a:buFont typeface="Wingdings" panose="05000000000000000000" pitchFamily="2" charset="2"/>
-              <a:buChar char="Ø"/>
-            </a:pPr>
-            <a:endParaRPr lang="en-US" altLang="zh-CN" sz="1300" dirty="0"/>
-          </a:p>
-          <a:p>
-            <a:pPr>
-              <a:buFont typeface="Wingdings" panose="05000000000000000000" pitchFamily="2" charset="2"/>
-              <a:buChar char="Ø"/>
-            </a:pPr>
-            <a:r>
-              <a:rPr lang="zh-CN" altLang="en-US" sz="1300" dirty="0"/>
-              <a:t>生命周期管理决定了</a:t>
-            </a:r>
-            <a:r>
-              <a:rPr lang="en-US" altLang="zh-CN" sz="1300" dirty="0" err="1"/>
-              <a:t>ServiceProvider</a:t>
-            </a:r>
-            <a:r>
-              <a:rPr lang="zh-CN" altLang="en-US" sz="1300" dirty="0"/>
-              <a:t>采用怎样的方式创建和回收服务实例。</a:t>
-            </a:r>
-            <a:r>
-              <a:rPr lang="en-US" altLang="zh-CN" sz="1300" dirty="0" err="1"/>
-              <a:t>ServiceProvider</a:t>
-            </a:r>
-            <a:r>
-              <a:rPr lang="zh-CN" altLang="en-US" sz="1300" dirty="0"/>
-              <a:t>具有三种基本的生命周期管理模式，分别对应着枚举类型</a:t>
-            </a:r>
-            <a:r>
-              <a:rPr lang="en-US" altLang="zh-CN" sz="1300" dirty="0" err="1"/>
-              <a:t>ServiceLifetime</a:t>
-            </a:r>
-            <a:r>
-              <a:rPr lang="zh-CN" altLang="en-US" sz="1300" dirty="0"/>
-              <a:t>的三个选项（</a:t>
-            </a:r>
-            <a:r>
-              <a:rPr lang="en-US" altLang="zh-CN" sz="1300" dirty="0"/>
-              <a:t>Singleton</a:t>
-            </a:r>
-            <a:r>
-              <a:rPr lang="zh-CN" altLang="en-US" sz="1300" dirty="0"/>
-              <a:t>、</a:t>
-            </a:r>
-            <a:r>
-              <a:rPr lang="en-US" altLang="zh-CN" sz="1300" dirty="0"/>
-              <a:t>Scoped</a:t>
-            </a:r>
-            <a:r>
-              <a:rPr lang="zh-CN" altLang="en-US" sz="1300" dirty="0"/>
-              <a:t>和</a:t>
-            </a:r>
-            <a:r>
-              <a:rPr lang="en-US" altLang="zh-CN" sz="1300" dirty="0"/>
-              <a:t>Transient</a:t>
-            </a:r>
-            <a:r>
-              <a:rPr lang="zh-CN" altLang="en-US" sz="1300" dirty="0"/>
-              <a:t>）。</a:t>
-            </a:r>
-            <a:endParaRPr lang="en-US" altLang="zh-CN" sz="1300" dirty="0"/>
-          </a:p>
-          <a:p>
-            <a:pPr>
-              <a:buFont typeface="Wingdings" panose="05000000000000000000" pitchFamily="2" charset="2"/>
-              <a:buChar char="Ø"/>
-            </a:pPr>
-            <a:endParaRPr lang="en-US" altLang="zh-CN" sz="1300" dirty="0"/>
-          </a:p>
-          <a:p>
-            <a:pPr>
-              <a:buFont typeface="Wingdings" panose="05000000000000000000" pitchFamily="2" charset="2"/>
-              <a:buChar char="Ø"/>
-            </a:pPr>
-            <a:r>
-              <a:rPr lang="zh-CN" altLang="en-US" sz="1300" dirty="0"/>
-              <a:t>对于</a:t>
-            </a:r>
-            <a:r>
-              <a:rPr lang="en-US" altLang="zh-CN" sz="1300" dirty="0" err="1"/>
-              <a:t>ServiceProvider</a:t>
-            </a:r>
-            <a:r>
-              <a:rPr lang="zh-CN" altLang="en-US" sz="1300" dirty="0"/>
-              <a:t>支持的这三种生命周期管理模式，</a:t>
-            </a:r>
-            <a:r>
-              <a:rPr lang="en-US" altLang="zh-CN" sz="1300" dirty="0"/>
-              <a:t>Singleton</a:t>
-            </a:r>
-            <a:r>
-              <a:rPr lang="zh-CN" altLang="en-US" sz="1300" dirty="0"/>
-              <a:t>和</a:t>
-            </a:r>
-            <a:r>
-              <a:rPr lang="en-US" altLang="zh-CN" sz="1300" dirty="0"/>
-              <a:t>Transient</a:t>
-            </a:r>
-            <a:r>
-              <a:rPr lang="zh-CN" altLang="en-US" sz="1300" dirty="0"/>
-              <a:t>的语义很明确，前者（</a:t>
-            </a:r>
-            <a:r>
-              <a:rPr lang="en-US" altLang="zh-CN" sz="1300" dirty="0"/>
-              <a:t>Singleton</a:t>
-            </a:r>
-            <a:r>
-              <a:rPr lang="zh-CN" altLang="en-US" sz="1300" dirty="0"/>
-              <a:t>）表示以“单例”的方式管理服务实例的生命周期，意味着</a:t>
-            </a:r>
-            <a:r>
-              <a:rPr lang="en-US" altLang="zh-CN" sz="1300" dirty="0" err="1"/>
-              <a:t>ServiceProvider</a:t>
-            </a:r>
-            <a:r>
-              <a:rPr lang="zh-CN" altLang="en-US" sz="1300" dirty="0"/>
-              <a:t>对象多次针对同一个服务类型所提供的服务实例实际上是同一个对象；而后者（</a:t>
-            </a:r>
-            <a:r>
-              <a:rPr lang="en-US" altLang="zh-CN" sz="1300" dirty="0"/>
-              <a:t>Transient</a:t>
-            </a:r>
-            <a:r>
-              <a:rPr lang="zh-CN" altLang="en-US" sz="1300" dirty="0"/>
-              <a:t>）则完全相反，对于每次服务提供请求，</a:t>
-            </a:r>
-            <a:endParaRPr lang="en-US" altLang="zh-CN" sz="1300" dirty="0"/>
-          </a:p>
-          <a:p>
-            <a:r>
-              <a:rPr lang="en-US" altLang="zh-CN" sz="1300" dirty="0" err="1"/>
-              <a:t>ServiceProvider</a:t>
-            </a:r>
-            <a:r>
-              <a:rPr lang="zh-CN" altLang="en-US" sz="1300" dirty="0"/>
-              <a:t>总会创建一个新的对象。</a:t>
-            </a:r>
-            <a:endParaRPr lang="en-US" altLang="zh-CN" sz="1300" dirty="0"/>
+              <a:rPr lang="zh-CN" altLang="en-US" sz="1200" dirty="0"/>
+              <a:t>通过默认的 </a:t>
+            </a:r>
+            <a:r>
+              <a:rPr lang="en-US" altLang="zh-CN" sz="1200" dirty="0" err="1"/>
+              <a:t>ServiceCollection</a:t>
+            </a:r>
+            <a:r>
+              <a:rPr lang="zh-CN" altLang="en-US" sz="1200" dirty="0"/>
+              <a:t>有三个方法注册实例（对应三种不同的生命周期管理模式）：</a:t>
+            </a:r>
+            <a:endParaRPr lang="en-US" altLang="zh-CN" sz="1200" dirty="0"/>
+          </a:p>
+          <a:p>
+            <a:endParaRPr lang="en-US" altLang="zh-CN" sz="1600" dirty="0"/>
           </a:p>
         </p:txBody>
       </p:sp>
-      <p:pic>
-        <p:nvPicPr>
-          <p:cNvPr id="4" name="图片 3">
+      <p:graphicFrame>
+        <p:nvGraphicFramePr>
+          <p:cNvPr id="12" name="图示 11">
             <a:extLst>
               <a:ext uri="{FF2B5EF4-FFF2-40B4-BE49-F238E27FC236}">
-                <a16:creationId xmlns:a16="http://schemas.microsoft.com/office/drawing/2014/main" id="{EDFC4166-6BB0-405A-A118-4EF1E82C8B6F}"/>
+                <a16:creationId xmlns:a16="http://schemas.microsoft.com/office/drawing/2014/main" id="{8C4A44B9-44F6-4EA0-925F-CEC4AE115B00}"/>
               </a:ext>
             </a:extLst>
           </p:cNvPr>
-          <p:cNvPicPr>
-            <a:picLocks noChangeAspect="1"/>
-          </p:cNvPicPr>
-          <p:nvPr/>
-        </p:nvPicPr>
-        <p:blipFill>
-          <a:blip r:embed="rId5"/>
-          <a:stretch>
-            <a:fillRect/>
-          </a:stretch>
-        </p:blipFill>
-        <p:spPr>
-          <a:xfrm>
-            <a:off x="5203520" y="2992199"/>
-            <a:ext cx="3528392" cy="1667783"/>
-          </a:xfrm>
-          <a:prstGeom prst="rect">
-            <a:avLst/>
-          </a:prstGeom>
-        </p:spPr>
-      </p:pic>
+          <p:cNvGraphicFramePr/>
+          <p:nvPr>
+            <p:extLst>
+              <p:ext uri="{D42A27DB-BD31-4B8C-83A1-F6EECF244321}">
+                <p14:modId xmlns:p14="http://schemas.microsoft.com/office/powerpoint/2010/main" val="1186880745"/>
+              </p:ext>
+            </p:extLst>
+          </p:nvPr>
+        </p:nvGraphicFramePr>
+        <p:xfrm>
+          <a:off x="1355812" y="2122246"/>
+          <a:ext cx="4704184" cy="2017459"/>
+        </p:xfrm>
+        <a:graphic>
+          <a:graphicData uri="http://schemas.openxmlformats.org/drawingml/2006/diagram">
+            <dgm:relIds xmlns:dgm="http://schemas.openxmlformats.org/drawingml/2006/diagram" xmlns:r="http://schemas.openxmlformats.org/officeDocument/2006/relationships" r:dm="rId5" r:lo="rId6" r:qs="rId7" r:cs="rId8"/>
+          </a:graphicData>
+        </a:graphic>
+      </p:graphicFrame>
     </p:spTree>
     <p:extLst>
       <p:ext uri="{BB962C8B-B14F-4D97-AF65-F5344CB8AC3E}">
-        <p14:creationId xmlns:p14="http://schemas.microsoft.com/office/powerpoint/2010/main" val="1391736828"/>
+        <p14:creationId xmlns:p14="http://schemas.microsoft.com/office/powerpoint/2010/main" val="102797672"/>
       </p:ext>
     </p:extLst>
   </p:cSld>
@@ -16222,16 +16278,82 @@
           </a:prstGeom>
         </p:spPr>
       </p:pic>
-      <p:sp>
-        <p:nvSpPr>
-          <p:cNvPr id="9" name="TextBox 8"/>
+      <p:pic>
+        <p:nvPicPr>
+          <p:cNvPr id="2" name="图片 1">
+            <a:extLst>
+              <a:ext uri="{FF2B5EF4-FFF2-40B4-BE49-F238E27FC236}">
+                <a16:creationId xmlns:a16="http://schemas.microsoft.com/office/drawing/2014/main" id="{39E2F845-6B53-4033-A38E-272E0E885B00}"/>
+              </a:ext>
+            </a:extLst>
+          </p:cNvPr>
+          <p:cNvPicPr>
+            <a:picLocks noChangeAspect="1"/>
+          </p:cNvPicPr>
+          <p:nvPr/>
+        </p:nvPicPr>
+        <p:blipFill>
+          <a:blip r:embed="rId5"/>
+          <a:stretch>
+            <a:fillRect/>
+          </a:stretch>
+        </p:blipFill>
+        <p:spPr>
+          <a:xfrm>
+            <a:off x="611560" y="1495261"/>
+            <a:ext cx="2964156" cy="1240540"/>
+          </a:xfrm>
+          <a:prstGeom prst="rect">
+            <a:avLst/>
+          </a:prstGeom>
+        </p:spPr>
+      </p:pic>
+      <p:pic>
+        <p:nvPicPr>
+          <p:cNvPr id="3" name="图片 2">
+            <a:extLst>
+              <a:ext uri="{FF2B5EF4-FFF2-40B4-BE49-F238E27FC236}">
+                <a16:creationId xmlns:a16="http://schemas.microsoft.com/office/drawing/2014/main" id="{6E2C79D4-24A0-4B67-9127-5CDAA02B76B2}"/>
+              </a:ext>
+            </a:extLst>
+          </p:cNvPr>
+          <p:cNvPicPr>
+            <a:picLocks noChangeAspect="1"/>
+          </p:cNvPicPr>
+          <p:nvPr/>
+        </p:nvPicPr>
+        <p:blipFill>
+          <a:blip r:embed="rId6"/>
+          <a:stretch>
+            <a:fillRect/>
+          </a:stretch>
+        </p:blipFill>
+        <p:spPr>
+          <a:xfrm>
+            <a:off x="3638865" y="1495261"/>
+            <a:ext cx="5093047" cy="2111558"/>
+          </a:xfrm>
+          <a:prstGeom prst="rect">
+            <a:avLst/>
+          </a:prstGeom>
+        </p:spPr>
+      </p:pic>
+      <p:sp>
+        <p:nvSpPr>
+          <p:cNvPr id="4" name="文本框 3">
+            <a:extLst>
+              <a:ext uri="{FF2B5EF4-FFF2-40B4-BE49-F238E27FC236}">
+                <a16:creationId xmlns:a16="http://schemas.microsoft.com/office/drawing/2014/main" id="{8CD56EC6-D8CD-4EAF-8C54-A1143B530881}"/>
+              </a:ext>
+            </a:extLst>
+          </p:cNvPr>
           <p:cNvSpPr txBox="1"/>
           <p:nvPr/>
         </p:nvSpPr>
         <p:spPr>
           <a:xfrm>
-            <a:off x="611560" y="1489305"/>
-            <a:ext cx="6192688" cy="2092881"/>
+            <a:off x="1693528" y="2735801"/>
+            <a:ext cx="800219" cy="276999"/>
           </a:xfrm>
           <a:prstGeom prst="rect">
             <a:avLst/>
@@ -16239,200 +16361,87 @@
           <a:noFill/>
         </p:spPr>
         <p:txBody>
-          <a:bodyPr wrap="square" rtlCol="0">
+          <a:bodyPr wrap="none" rtlCol="0">
             <a:spAutoFit/>
           </a:bodyPr>
           <a:lstStyle/>
           <a:p>
-            <a:pPr>
-              <a:buFont typeface="Wingdings" panose="05000000000000000000" pitchFamily="2" charset="2"/>
-              <a:buChar char="Ø"/>
-            </a:pPr>
-            <a:r>
-              <a:rPr lang="en-US" altLang="zh-CN" sz="1300" dirty="0" err="1"/>
-              <a:t>ServiceProvider</a:t>
-            </a:r>
-            <a:r>
-              <a:rPr lang="zh-CN" altLang="en-US" sz="1300" dirty="0"/>
-              <a:t>支持的三种生命周期管理模式（</a:t>
-            </a:r>
-            <a:r>
-              <a:rPr lang="en-US" altLang="zh-CN" sz="1300" dirty="0"/>
-              <a:t>Singleton</a:t>
-            </a:r>
-            <a:r>
-              <a:rPr lang="zh-CN" altLang="en-US" sz="1300" dirty="0"/>
-              <a:t>、</a:t>
-            </a:r>
-            <a:r>
-              <a:rPr lang="en-US" altLang="zh-CN" sz="1300" dirty="0"/>
-              <a:t>Scope</a:t>
-            </a:r>
-            <a:r>
-              <a:rPr lang="zh-CN" altLang="en-US" sz="1300" dirty="0"/>
-              <a:t>和</a:t>
-            </a:r>
-            <a:r>
-              <a:rPr lang="en-US" altLang="zh-CN" sz="1300" dirty="0"/>
-              <a:t>Transient</a:t>
-            </a:r>
-            <a:r>
-              <a:rPr lang="zh-CN" altLang="en-US" sz="1300" dirty="0"/>
-              <a:t>），就服务实例的提供方式来说，它们之间具有如下的差异：</a:t>
-            </a:r>
-          </a:p>
-          <a:p>
-            <a:pPr>
-              <a:buFont typeface="Wingdings" panose="05000000000000000000" pitchFamily="2" charset="2"/>
-              <a:buChar char="Ø"/>
-            </a:pPr>
-            <a:endParaRPr lang="zh-CN" altLang="en-US" sz="1300" dirty="0"/>
-          </a:p>
-          <a:p>
-            <a:pPr>
-              <a:buFont typeface="Wingdings" panose="05000000000000000000" pitchFamily="2" charset="2"/>
-              <a:buChar char="Ø"/>
-            </a:pPr>
-            <a:r>
-              <a:rPr lang="en-US" altLang="zh-CN" sz="1300" dirty="0"/>
-              <a:t>Singleton</a:t>
-            </a:r>
-            <a:r>
-              <a:rPr lang="zh-CN" altLang="en-US" sz="1300" dirty="0"/>
-              <a:t>：</a:t>
-            </a:r>
-            <a:r>
-              <a:rPr lang="en-US" altLang="zh-CN" sz="1300" dirty="0" err="1"/>
-              <a:t>ServiceProvider</a:t>
-            </a:r>
-            <a:r>
-              <a:rPr lang="zh-CN" altLang="en-US" sz="1300" dirty="0"/>
-              <a:t>创建的服务实例保存在作为根节点的</a:t>
-            </a:r>
-            <a:r>
-              <a:rPr lang="en-US" altLang="zh-CN" sz="1300" dirty="0" err="1"/>
-              <a:t>ServiceProvider</a:t>
-            </a:r>
-            <a:r>
-              <a:rPr lang="zh-CN" altLang="en-US" sz="1300" dirty="0"/>
-              <a:t>上，所有</a:t>
-            </a:r>
-            <a:r>
-              <a:rPr lang="zh-CN" altLang="en-US" sz="1300" dirty="0">
-                <a:solidFill>
-                  <a:srgbClr val="FF0000"/>
-                </a:solidFill>
-              </a:rPr>
-              <a:t>具有同一根节点的所有</a:t>
-            </a:r>
-            <a:r>
-              <a:rPr lang="en-US" altLang="zh-CN" sz="1300" dirty="0" err="1">
-                <a:solidFill>
-                  <a:srgbClr val="FF0000"/>
-                </a:solidFill>
-              </a:rPr>
-              <a:t>ServiceProvider</a:t>
-            </a:r>
-            <a:r>
-              <a:rPr lang="zh-CN" altLang="en-US" sz="1300" dirty="0"/>
-              <a:t>提供的服务实例均是同一个对象。</a:t>
-            </a:r>
-            <a:endParaRPr lang="en-US" altLang="zh-CN" sz="1300" dirty="0"/>
-          </a:p>
-          <a:p>
-            <a:pPr>
-              <a:buFont typeface="Wingdings" panose="05000000000000000000" pitchFamily="2" charset="2"/>
-              <a:buChar char="Ø"/>
-            </a:pPr>
-            <a:endParaRPr lang="zh-CN" altLang="en-US" sz="1300" dirty="0"/>
-          </a:p>
-          <a:p>
-            <a:pPr>
-              <a:buFont typeface="Wingdings" panose="05000000000000000000" pitchFamily="2" charset="2"/>
-              <a:buChar char="Ø"/>
-            </a:pPr>
-            <a:r>
-              <a:rPr lang="en-US" altLang="zh-CN" sz="1300" dirty="0"/>
-              <a:t>Scoped</a:t>
-            </a:r>
-            <a:r>
-              <a:rPr lang="zh-CN" altLang="en-US" sz="1300" dirty="0"/>
-              <a:t>：</a:t>
-            </a:r>
-            <a:r>
-              <a:rPr lang="en-US" altLang="zh-CN" sz="1300" dirty="0" err="1"/>
-              <a:t>ServiceProvider</a:t>
-            </a:r>
-            <a:r>
-              <a:rPr lang="zh-CN" altLang="en-US" sz="1300" dirty="0"/>
-              <a:t>创建的服务实例由自己保存，所以</a:t>
-            </a:r>
-            <a:r>
-              <a:rPr lang="zh-CN" altLang="en-US" sz="1300" dirty="0">
-                <a:solidFill>
-                  <a:srgbClr val="FF0000"/>
-                </a:solidFill>
-              </a:rPr>
-              <a:t>同一个</a:t>
-            </a:r>
-            <a:r>
-              <a:rPr lang="en-US" altLang="zh-CN" sz="1300" dirty="0" err="1">
-                <a:solidFill>
-                  <a:srgbClr val="FF0000"/>
-                </a:solidFill>
-              </a:rPr>
-              <a:t>ServiceProvider</a:t>
-            </a:r>
-            <a:r>
-              <a:rPr lang="zh-CN" altLang="en-US" sz="1300" dirty="0">
-                <a:solidFill>
-                  <a:srgbClr val="FF0000"/>
-                </a:solidFill>
-              </a:rPr>
-              <a:t>对象</a:t>
-            </a:r>
-            <a:r>
-              <a:rPr lang="zh-CN" altLang="en-US" sz="1300" dirty="0"/>
-              <a:t>提供的服务实例均是同一个对象。</a:t>
-            </a:r>
-            <a:endParaRPr lang="en-US" altLang="zh-CN" sz="1300" dirty="0"/>
-          </a:p>
-          <a:p>
-            <a:pPr>
-              <a:buFont typeface="Wingdings" panose="05000000000000000000" pitchFamily="2" charset="2"/>
-              <a:buChar char="Ø"/>
-            </a:pPr>
-            <a:endParaRPr lang="zh-CN" altLang="en-US" sz="1300" dirty="0"/>
-          </a:p>
-          <a:p>
-            <a:pPr>
-              <a:buFont typeface="Wingdings" panose="05000000000000000000" pitchFamily="2" charset="2"/>
-              <a:buChar char="Ø"/>
-            </a:pPr>
-            <a:r>
-              <a:rPr lang="en-US" altLang="zh-CN" sz="1300" dirty="0"/>
-              <a:t>Transient</a:t>
-            </a:r>
-            <a:r>
-              <a:rPr lang="zh-CN" altLang="en-US" sz="1300" dirty="0"/>
-              <a:t>：针对每一次服务提供请求，</a:t>
-            </a:r>
-            <a:r>
-              <a:rPr lang="en-US" altLang="zh-CN" sz="1300" dirty="0" err="1"/>
-              <a:t>ServiceProvider</a:t>
-            </a:r>
-            <a:r>
-              <a:rPr lang="zh-CN" altLang="en-US" sz="1300" dirty="0"/>
-              <a:t>总是创建一个新的服务实例。</a:t>
-            </a:r>
-            <a:endParaRPr lang="en-US" altLang="zh-CN" sz="1300" dirty="0"/>
+            <a:r>
+              <a:rPr lang="zh-CN" altLang="en-US" sz="1200" dirty="0"/>
+              <a:t>接口定义</a:t>
+            </a:r>
           </a:p>
         </p:txBody>
       </p:sp>
+      <p:sp>
+        <p:nvSpPr>
+          <p:cNvPr id="10" name="文本框 9">
+            <a:extLst>
+              <a:ext uri="{FF2B5EF4-FFF2-40B4-BE49-F238E27FC236}">
+                <a16:creationId xmlns:a16="http://schemas.microsoft.com/office/drawing/2014/main" id="{9B2F8667-6F54-4E49-A824-CC6F500A53B6}"/>
+              </a:ext>
+            </a:extLst>
+          </p:cNvPr>
+          <p:cNvSpPr txBox="1"/>
+          <p:nvPr/>
+        </p:nvSpPr>
+        <p:spPr>
+          <a:xfrm>
+            <a:off x="5785278" y="3606819"/>
+            <a:ext cx="800219" cy="276999"/>
+          </a:xfrm>
+          <a:prstGeom prst="rect">
+            <a:avLst/>
+          </a:prstGeom>
+          <a:noFill/>
+        </p:spPr>
+        <p:txBody>
+          <a:bodyPr wrap="none" rtlCol="0">
+            <a:spAutoFit/>
+          </a:bodyPr>
+          <a:lstStyle/>
+          <a:p>
+            <a:r>
+              <a:rPr lang="zh-CN" altLang="en-US" sz="1200" dirty="0"/>
+              <a:t>方法实现</a:t>
+            </a:r>
+          </a:p>
+        </p:txBody>
+      </p:sp>
+      <p:pic>
+        <p:nvPicPr>
+          <p:cNvPr id="7" name="图片 6">
+            <a:extLst>
+              <a:ext uri="{FF2B5EF4-FFF2-40B4-BE49-F238E27FC236}">
+                <a16:creationId xmlns:a16="http://schemas.microsoft.com/office/drawing/2014/main" id="{72925870-5359-4D4B-9C6C-9B93D80EC3A9}"/>
+              </a:ext>
+            </a:extLst>
+          </p:cNvPr>
+          <p:cNvPicPr>
+            <a:picLocks noChangeAspect="1"/>
+          </p:cNvPicPr>
+          <p:nvPr/>
+        </p:nvPicPr>
+        <p:blipFill>
+          <a:blip r:embed="rId7"/>
+          <a:stretch>
+            <a:fillRect/>
+          </a:stretch>
+        </p:blipFill>
+        <p:spPr>
+          <a:xfrm>
+            <a:off x="563873" y="2996086"/>
+            <a:ext cx="3059528" cy="1748641"/>
+          </a:xfrm>
+          <a:prstGeom prst="rect">
+            <a:avLst/>
+          </a:prstGeom>
+        </p:spPr>
+      </p:pic>
     </p:spTree>
     <p:extLst>
       <p:ext uri="{BB962C8B-B14F-4D97-AF65-F5344CB8AC3E}">
-        <p14:creationId xmlns:p14="http://schemas.microsoft.com/office/powerpoint/2010/main" val="4185666270"/>
+        <p14:creationId xmlns:p14="http://schemas.microsoft.com/office/powerpoint/2010/main" val="724923207"/>
       </p:ext>
     </p:extLst>
   </p:cSld>
@@ -16544,175 +16553,40 @@
           </a:prstGeom>
         </p:spPr>
       </p:pic>
-      <p:sp>
-        <p:nvSpPr>
-          <p:cNvPr id="9" name="TextBox 8"/>
-          <p:cNvSpPr txBox="1"/>
-          <p:nvPr/>
-        </p:nvSpPr>
-        <p:spPr>
-          <a:xfrm>
-            <a:off x="611560" y="1489305"/>
-            <a:ext cx="6192688" cy="1569660"/>
-          </a:xfrm>
-          <a:prstGeom prst="rect">
-            <a:avLst/>
-          </a:prstGeom>
-          <a:noFill/>
-        </p:spPr>
-        <p:txBody>
-          <a:bodyPr wrap="square" rtlCol="0">
-            <a:spAutoFit/>
-          </a:bodyPr>
-          <a:lstStyle/>
-          <a:p>
-            <a:pPr>
-              <a:buFont typeface="Wingdings" panose="05000000000000000000" pitchFamily="2" charset="2"/>
-              <a:buChar char="Ø"/>
-            </a:pPr>
-            <a:r>
-              <a:rPr lang="zh-CN" altLang="en-US" sz="1600" dirty="0"/>
-              <a:t> 工欲善其事必先利其器，前面提到的“第三方”</a:t>
-            </a:r>
-            <a:r>
-              <a:rPr lang="en-US" altLang="zh-CN" sz="1600" dirty="0"/>
-              <a:t>IOC</a:t>
-            </a:r>
-            <a:r>
-              <a:rPr lang="zh-CN" altLang="en-US" sz="1600" dirty="0"/>
-              <a:t>容器</a:t>
-            </a:r>
-            <a:endParaRPr lang="en-US" altLang="zh-CN" sz="1600" dirty="0"/>
-          </a:p>
-          <a:p>
-            <a:r>
-              <a:rPr lang="zh-CN" altLang="en-US" sz="1600" dirty="0"/>
-              <a:t>如何为我们提供我们所需要的对象实例呢？答案是</a:t>
-            </a:r>
-            <a:r>
-              <a:rPr lang="en-US" altLang="zh-CN" sz="1600" dirty="0"/>
-              <a:t>:</a:t>
-            </a:r>
-            <a:r>
-              <a:rPr lang="zh-CN" altLang="en-US" sz="1600" dirty="0">
-                <a:solidFill>
-                  <a:srgbClr val="FF0000"/>
-                </a:solidFill>
-              </a:rPr>
-              <a:t>注册</a:t>
-            </a:r>
-            <a:endParaRPr lang="en-US" altLang="zh-CN" sz="1600" dirty="0">
-              <a:solidFill>
-                <a:srgbClr val="FF0000"/>
-              </a:solidFill>
-            </a:endParaRPr>
-          </a:p>
-          <a:p>
-            <a:endParaRPr lang="en-US" altLang="zh-CN" sz="1600" dirty="0">
-              <a:solidFill>
-                <a:srgbClr val="FF0000"/>
-              </a:solidFill>
-            </a:endParaRPr>
-          </a:p>
-          <a:p>
-            <a:r>
-              <a:rPr lang="zh-CN" altLang="en-US" sz="1600" dirty="0"/>
-              <a:t>通过默认的 </a:t>
-            </a:r>
-            <a:r>
-              <a:rPr lang="en-US" altLang="zh-CN" sz="1600" dirty="0" err="1"/>
-              <a:t>ServiceCollection</a:t>
-            </a:r>
-            <a:r>
-              <a:rPr lang="zh-CN" altLang="en-US" sz="1600" dirty="0"/>
-              <a:t>有三个方法注册实例（对应三种不同的生命周期管理模式）：</a:t>
-            </a:r>
-            <a:endParaRPr lang="en-US" altLang="zh-CN" sz="1600" dirty="0"/>
-          </a:p>
-          <a:p>
-            <a:endParaRPr lang="en-US" altLang="zh-CN" sz="1600" dirty="0"/>
-          </a:p>
-        </p:txBody>
-      </p:sp>
       <p:pic>
         <p:nvPicPr>
-          <p:cNvPr id="7" name="Picture 2">
+          <p:cNvPr id="7" name="图片 6">
             <a:extLst>
               <a:ext uri="{FF2B5EF4-FFF2-40B4-BE49-F238E27FC236}">
-                <a16:creationId xmlns:a16="http://schemas.microsoft.com/office/drawing/2014/main" id="{EA7FEF24-E39C-4F51-96C5-D3781D54E855}"/>
+                <a16:creationId xmlns:a16="http://schemas.microsoft.com/office/drawing/2014/main" id="{23934114-477D-4479-8AC9-AA71EC780B50}"/>
               </a:ext>
             </a:extLst>
           </p:cNvPr>
           <p:cNvPicPr>
-            <a:picLocks noChangeAspect="1" noChangeArrowheads="1"/>
+            <a:picLocks noChangeAspect="1"/>
           </p:cNvPicPr>
           <p:nvPr/>
         </p:nvPicPr>
         <p:blipFill>
-          <a:blip r:embed="rId5">
-            <a:extLst>
-              <a:ext uri="{28A0092B-C50C-407E-A947-70E740481C1C}">
-                <a14:useLocalDpi xmlns:a14="http://schemas.microsoft.com/office/drawing/2010/main" val="0"/>
-              </a:ext>
-            </a:extLst>
-          </a:blip>
-          <a:srcRect/>
+          <a:blip r:embed="rId5"/>
           <a:stretch>
             <a:fillRect/>
           </a:stretch>
         </p:blipFill>
-        <p:spPr bwMode="auto">
-          <a:xfrm>
-            <a:off x="6084168" y="1020020"/>
-            <a:ext cx="2520280" cy="1277123"/>
+        <p:spPr>
+          <a:xfrm>
+            <a:off x="616758" y="1275606"/>
+            <a:ext cx="7759380" cy="2448272"/>
           </a:xfrm>
           <a:prstGeom prst="rect">
             <a:avLst/>
           </a:prstGeom>
-          <a:noFill/>
-          <a:extLst>
-            <a:ext uri="{909E8E84-426E-40DD-AFC4-6F175D3DCCD1}">
-              <a14:hiddenFill xmlns:a14="http://schemas.microsoft.com/office/drawing/2010/main">
-                <a:solidFill>
-                  <a:srgbClr val="FFFFFF"/>
-                </a:solidFill>
-              </a14:hiddenFill>
-            </a:ext>
-          </a:extLst>
         </p:spPr>
       </p:pic>
-      <p:graphicFrame>
-        <p:nvGraphicFramePr>
-          <p:cNvPr id="12" name="图示 11">
-            <a:extLst>
-              <a:ext uri="{FF2B5EF4-FFF2-40B4-BE49-F238E27FC236}">
-                <a16:creationId xmlns:a16="http://schemas.microsoft.com/office/drawing/2014/main" id="{8C4A44B9-44F6-4EA0-925F-CEC4AE115B00}"/>
-              </a:ext>
-            </a:extLst>
-          </p:cNvPr>
-          <p:cNvGraphicFramePr/>
-          <p:nvPr>
-            <p:extLst>
-              <p:ext uri="{D42A27DB-BD31-4B8C-83A1-F6EECF244321}">
-                <p14:modId xmlns:p14="http://schemas.microsoft.com/office/powerpoint/2010/main" val="3113614128"/>
-              </p:ext>
-            </p:extLst>
-          </p:nvPr>
-        </p:nvGraphicFramePr>
-        <p:xfrm>
-          <a:off x="2219908" y="2709843"/>
-          <a:ext cx="4704184" cy="2017459"/>
-        </p:xfrm>
-        <a:graphic>
-          <a:graphicData uri="http://schemas.openxmlformats.org/drawingml/2006/diagram">
-            <dgm:relIds xmlns:dgm="http://schemas.openxmlformats.org/drawingml/2006/diagram" xmlns:r="http://schemas.openxmlformats.org/officeDocument/2006/relationships" r:dm="rId6" r:lo="rId7" r:qs="rId8" r:cs="rId9"/>
-          </a:graphicData>
-        </a:graphic>
-      </p:graphicFrame>
     </p:spTree>
     <p:extLst>
       <p:ext uri="{BB962C8B-B14F-4D97-AF65-F5344CB8AC3E}">
-        <p14:creationId xmlns:p14="http://schemas.microsoft.com/office/powerpoint/2010/main" val="102797672"/>
+        <p14:creationId xmlns:p14="http://schemas.microsoft.com/office/powerpoint/2010/main" val="2275762647"/>
       </p:ext>
     </p:extLst>
   </p:cSld>
@@ -16763,11 +16637,11 @@
           <a:p>
             <a:r>
               <a:rPr lang="en-US" altLang="zh-CN" sz="2000" i="1" dirty="0"/>
-              <a:t>1.</a:t>
+              <a:t>2.Autofac</a:t>
             </a:r>
             <a:r>
               <a:rPr lang="zh-CN" altLang="en-US" sz="2000" i="1" dirty="0"/>
-              <a:t>实例注册</a:t>
+              <a:t>组件注册</a:t>
             </a:r>
             <a:endParaRPr lang="zh-CN" altLang="en-US" sz="2000" b="1" dirty="0">
               <a:latin typeface="微软雅黑" pitchFamily="34" charset="-122"/>
@@ -16824,12 +16698,90 @@
           </a:prstGeom>
         </p:spPr>
       </p:pic>
+      <p:sp>
+        <p:nvSpPr>
+          <p:cNvPr id="7" name="TextBox 8">
+            <a:extLst>
+              <a:ext uri="{FF2B5EF4-FFF2-40B4-BE49-F238E27FC236}">
+                <a16:creationId xmlns:a16="http://schemas.microsoft.com/office/drawing/2014/main" id="{7286B767-0A43-40E6-989C-C7A244DA8531}"/>
+              </a:ext>
+            </a:extLst>
+          </p:cNvPr>
+          <p:cNvSpPr txBox="1"/>
+          <p:nvPr/>
+        </p:nvSpPr>
+        <p:spPr>
+          <a:xfrm>
+            <a:off x="611560" y="987574"/>
+            <a:ext cx="7632848" cy="492443"/>
+          </a:xfrm>
+          <a:prstGeom prst="rect">
+            <a:avLst/>
+          </a:prstGeom>
+          <a:noFill/>
+        </p:spPr>
+        <p:txBody>
+          <a:bodyPr wrap="square" rtlCol="0">
+            <a:spAutoFit/>
+          </a:bodyPr>
+          <a:lstStyle/>
+          <a:p>
+            <a:pPr marL="285750" indent="-285750">
+              <a:buFont typeface="Wingdings" panose="05000000000000000000" pitchFamily="2" charset="2"/>
+              <a:buChar char="Ø"/>
+            </a:pPr>
+            <a:r>
+              <a:rPr lang="en-US" altLang="zh-CN" sz="1300" dirty="0"/>
+              <a:t>1.</a:t>
+            </a:r>
+            <a:r>
+              <a:rPr lang="zh-CN" altLang="en-US" sz="1300" dirty="0"/>
+              <a:t>反射注册：直接指定注入对象与暴露类型，使用</a:t>
+            </a:r>
+            <a:r>
+              <a:rPr lang="en-US" altLang="zh-CN" sz="1300" dirty="0" err="1"/>
+              <a:t>RegisterType</a:t>
+            </a:r>
+            <a:r>
+              <a:rPr lang="en-US" altLang="zh-CN" sz="1300" dirty="0"/>
+              <a:t>&lt;T&gt;()</a:t>
+            </a:r>
+            <a:r>
+              <a:rPr lang="zh-CN" altLang="en-US" sz="1300" dirty="0"/>
+              <a:t>或者</a:t>
+            </a:r>
+            <a:r>
+              <a:rPr lang="en-US" altLang="zh-CN" sz="1300" dirty="0" err="1"/>
+              <a:t>RegisterType</a:t>
+            </a:r>
+            <a:r>
+              <a:rPr lang="en-US" altLang="zh-CN" sz="1300" dirty="0"/>
+              <a:t>(Type </a:t>
+            </a:r>
+            <a:r>
+              <a:rPr lang="en-US" altLang="zh-CN" sz="1300" dirty="0" err="1"/>
+              <a:t>TType</a:t>
+            </a:r>
+            <a:r>
+              <a:rPr lang="en-US" altLang="zh-CN" sz="1300" dirty="0"/>
+              <a:t>)</a:t>
+            </a:r>
+          </a:p>
+          <a:p>
+            <a:pPr lvl="1">
+              <a:buFont typeface="Wingdings" panose="05000000000000000000" pitchFamily="2" charset="2"/>
+              <a:buChar char="Ø"/>
+            </a:pPr>
+            <a:endParaRPr lang="en-US" altLang="zh-CN" sz="1300" dirty="0"/>
+          </a:p>
+        </p:txBody>
+      </p:sp>
       <p:pic>
         <p:nvPicPr>
-          <p:cNvPr id="2" name="图片 1">
+          <p:cNvPr id="10" name="图片 9">
             <a:extLst>
               <a:ext uri="{FF2B5EF4-FFF2-40B4-BE49-F238E27FC236}">
-                <a16:creationId xmlns:a16="http://schemas.microsoft.com/office/drawing/2014/main" id="{39E2F845-6B53-4033-A38E-272E0E885B00}"/>
+                <a16:creationId xmlns:a16="http://schemas.microsoft.com/office/drawing/2014/main" id="{DA9C3237-E380-4364-A03E-C1AD967F9277}"/>
               </a:ext>
             </a:extLst>
           </p:cNvPr>
@@ -16846,20 +16798,117 @@
         </p:blipFill>
         <p:spPr>
           <a:xfrm>
-            <a:off x="611560" y="1495261"/>
-            <a:ext cx="2964156" cy="1240540"/>
+            <a:off x="1475656" y="1233795"/>
+            <a:ext cx="4644008" cy="612994"/>
           </a:xfrm>
           <a:prstGeom prst="rect">
             <a:avLst/>
           </a:prstGeom>
         </p:spPr>
       </p:pic>
+      <p:sp>
+        <p:nvSpPr>
+          <p:cNvPr id="11" name="TextBox 8">
+            <a:extLst>
+              <a:ext uri="{FF2B5EF4-FFF2-40B4-BE49-F238E27FC236}">
+                <a16:creationId xmlns:a16="http://schemas.microsoft.com/office/drawing/2014/main" id="{AA091C77-6DAA-4681-A356-CDA06A0D74EC}"/>
+              </a:ext>
+            </a:extLst>
+          </p:cNvPr>
+          <p:cNvSpPr txBox="1"/>
+          <p:nvPr/>
+        </p:nvSpPr>
+        <p:spPr>
+          <a:xfrm>
+            <a:off x="611560" y="1856791"/>
+            <a:ext cx="7632848" cy="1292662"/>
+          </a:xfrm>
+          <a:prstGeom prst="rect">
+            <a:avLst/>
+          </a:prstGeom>
+          <a:noFill/>
+        </p:spPr>
+        <p:txBody>
+          <a:bodyPr wrap="square" rtlCol="0">
+            <a:spAutoFit/>
+          </a:bodyPr>
+          <a:lstStyle/>
+          <a:p>
+            <a:pPr marL="285750" indent="-285750">
+              <a:buFont typeface="Wingdings" panose="05000000000000000000" pitchFamily="2" charset="2"/>
+              <a:buChar char="Ø"/>
+            </a:pPr>
+            <a:r>
+              <a:rPr lang="en-US" altLang="zh-CN" sz="1300" dirty="0"/>
+              <a:t>2.</a:t>
+            </a:r>
+            <a:r>
+              <a:rPr lang="zh-CN" altLang="en-US" sz="1300" dirty="0"/>
+              <a:t>实例注册：将实例注册到容器，使用</a:t>
+            </a:r>
+            <a:r>
+              <a:rPr lang="en-US" altLang="zh-CN" sz="1300" dirty="0" err="1"/>
+              <a:t>RegisterInstance</a:t>
+            </a:r>
+            <a:r>
+              <a:rPr lang="en-US" altLang="zh-CN" sz="1300" dirty="0"/>
+              <a:t>()</a:t>
+            </a:r>
+            <a:r>
+              <a:rPr lang="zh-CN" altLang="en-US" sz="1300" dirty="0"/>
+              <a:t>方法，通常用两种</a:t>
+            </a:r>
+            <a:endParaRPr lang="en-US" altLang="zh-CN" sz="1300" dirty="0"/>
+          </a:p>
+          <a:p>
+            <a:pPr marL="742950" lvl="1" indent="-285750">
+              <a:buFont typeface="Wingdings" panose="05000000000000000000" pitchFamily="2" charset="2"/>
+              <a:buChar char="Ø"/>
+            </a:pPr>
+            <a:r>
+              <a:rPr lang="en-US" altLang="zh-CN" sz="1300" dirty="0"/>
+              <a:t>a.</a:t>
+            </a:r>
+          </a:p>
+          <a:p>
+            <a:pPr lvl="1">
+              <a:buFont typeface="Wingdings" panose="05000000000000000000" pitchFamily="2" charset="2"/>
+              <a:buChar char="Ø"/>
+            </a:pPr>
+            <a:endParaRPr lang="en-US" altLang="zh-CN" sz="1300" dirty="0"/>
+          </a:p>
+          <a:p>
+            <a:pPr lvl="1">
+              <a:buFont typeface="Wingdings" panose="05000000000000000000" pitchFamily="2" charset="2"/>
+              <a:buChar char="Ø"/>
+            </a:pPr>
+            <a:endParaRPr lang="en-US" altLang="zh-CN" sz="1300" dirty="0"/>
+          </a:p>
+          <a:p>
+            <a:pPr lvl="1">
+              <a:buFont typeface="Wingdings" panose="05000000000000000000" pitchFamily="2" charset="2"/>
+              <a:buChar char="Ø"/>
+            </a:pPr>
+            <a:endParaRPr lang="en-US" altLang="zh-CN" sz="1300" dirty="0"/>
+          </a:p>
+          <a:p>
+            <a:pPr marL="742950" lvl="1" indent="-285750">
+              <a:buFont typeface="Wingdings" panose="05000000000000000000" pitchFamily="2" charset="2"/>
+              <a:buChar char="Ø"/>
+            </a:pPr>
+            <a:r>
+              <a:rPr lang="en-US" altLang="zh-CN" sz="1300" dirty="0"/>
+              <a:t>b.</a:t>
+            </a:r>
+          </a:p>
+        </p:txBody>
+      </p:sp>
       <p:pic>
         <p:nvPicPr>
-          <p:cNvPr id="3" name="图片 2">
+          <p:cNvPr id="12" name="图片 11">
             <a:extLst>
               <a:ext uri="{FF2B5EF4-FFF2-40B4-BE49-F238E27FC236}">
-                <a16:creationId xmlns:a16="http://schemas.microsoft.com/office/drawing/2014/main" id="{6E2C79D4-24A0-4B67-9127-5CDAA02B76B2}"/>
+                <a16:creationId xmlns:a16="http://schemas.microsoft.com/office/drawing/2014/main" id="{C5B6E451-E8CC-4233-A396-1F9E25445395}"/>
               </a:ext>
             </a:extLst>
           </p:cNvPr>
@@ -16876,20 +16925,50 @@
         </p:blipFill>
         <p:spPr>
           <a:xfrm>
-            <a:off x="3638865" y="1495261"/>
-            <a:ext cx="5093047" cy="2111558"/>
+            <a:off x="1547664" y="2290234"/>
+            <a:ext cx="4309524" cy="533334"/>
           </a:xfrm>
           <a:prstGeom prst="rect">
             <a:avLst/>
           </a:prstGeom>
         </p:spPr>
       </p:pic>
-      <p:sp>
-        <p:nvSpPr>
-          <p:cNvPr id="4" name="文本框 3">
+      <p:pic>
+        <p:nvPicPr>
+          <p:cNvPr id="14" name="图片 13">
             <a:extLst>
               <a:ext uri="{FF2B5EF4-FFF2-40B4-BE49-F238E27FC236}">
-                <a16:creationId xmlns:a16="http://schemas.microsoft.com/office/drawing/2014/main" id="{8CD56EC6-D8CD-4EAF-8C54-A1143B530881}"/>
+                <a16:creationId xmlns:a16="http://schemas.microsoft.com/office/drawing/2014/main" id="{B1CD2B7E-6706-4C5E-AF3B-6370D4DE4FB9}"/>
+              </a:ext>
+            </a:extLst>
+          </p:cNvPr>
+          <p:cNvPicPr>
+            <a:picLocks noChangeAspect="1"/>
+          </p:cNvPicPr>
+          <p:nvPr/>
+        </p:nvPicPr>
+        <p:blipFill>
+          <a:blip r:embed="rId7"/>
+          <a:stretch>
+            <a:fillRect/>
+          </a:stretch>
+        </p:blipFill>
+        <p:spPr>
+          <a:xfrm>
+            <a:off x="1547664" y="3066957"/>
+            <a:ext cx="6442369" cy="400111"/>
+          </a:xfrm>
+          <a:prstGeom prst="rect">
+            <a:avLst/>
+          </a:prstGeom>
+        </p:spPr>
+      </p:pic>
+      <p:sp>
+        <p:nvSpPr>
+          <p:cNvPr id="15" name="TextBox 8">
+            <a:extLst>
+              <a:ext uri="{FF2B5EF4-FFF2-40B4-BE49-F238E27FC236}">
+                <a16:creationId xmlns:a16="http://schemas.microsoft.com/office/drawing/2014/main" id="{A998546E-1BA7-4298-9127-E38EA2C8E6AC}"/>
               </a:ext>
             </a:extLst>
           </p:cNvPr>
@@ -16898,8 +16977,8 @@
         </p:nvSpPr>
         <p:spPr>
           <a:xfrm>
-            <a:off x="1693528" y="2735801"/>
-            <a:ext cx="800219" cy="276999"/>
+            <a:off x="611560" y="3396490"/>
+            <a:ext cx="7632848" cy="692497"/>
           </a:xfrm>
           <a:prstGeom prst="rect">
             <a:avLst/>
@@ -16907,57 +16986,76 @@
           <a:noFill/>
         </p:spPr>
         <p:txBody>
-          <a:bodyPr wrap="none" rtlCol="0">
+          <a:bodyPr wrap="square" rtlCol="0">
             <a:spAutoFit/>
           </a:bodyPr>
           <a:lstStyle/>
           <a:p>
-            <a:r>
-              <a:rPr lang="zh-CN" altLang="en-US" sz="1200" dirty="0"/>
-              <a:t>接口定义</a:t>
-            </a:r>
+            <a:pPr marL="285750" indent="-285750">
+              <a:buFont typeface="Wingdings" panose="05000000000000000000" pitchFamily="2" charset="2"/>
+              <a:buChar char="Ø"/>
+            </a:pPr>
+            <a:r>
+              <a:rPr lang="en-US" altLang="zh-CN" sz="1300" dirty="0"/>
+              <a:t>3. Lambda</a:t>
+            </a:r>
+            <a:r>
+              <a:rPr lang="zh-CN" altLang="en-US" sz="1300" dirty="0"/>
+              <a:t>表达式注册：利用</a:t>
+            </a:r>
+            <a:r>
+              <a:rPr lang="en-US" altLang="zh-CN" sz="1300" dirty="0"/>
+              <a:t>Lambda</a:t>
+            </a:r>
+            <a:r>
+              <a:rPr lang="zh-CN" altLang="en-US" sz="1300" dirty="0"/>
+              <a:t>注册可以实现一些常规反射无法实现的操作，比如一些复杂参数注册。</a:t>
+            </a:r>
+            <a:endParaRPr lang="en-US" altLang="zh-CN" sz="1300" dirty="0"/>
+          </a:p>
+          <a:p>
+            <a:pPr marL="742950" lvl="1" indent="-285750">
+              <a:buFont typeface="Wingdings" panose="05000000000000000000" pitchFamily="2" charset="2"/>
+              <a:buChar char="Ø"/>
+            </a:pPr>
+            <a:endParaRPr lang="en-US" altLang="zh-CN" sz="1300" dirty="0"/>
           </a:p>
         </p:txBody>
       </p:sp>
-      <p:sp>
-        <p:nvSpPr>
-          <p:cNvPr id="10" name="文本框 9">
+      <p:pic>
+        <p:nvPicPr>
+          <p:cNvPr id="16" name="图片 15">
             <a:extLst>
               <a:ext uri="{FF2B5EF4-FFF2-40B4-BE49-F238E27FC236}">
-                <a16:creationId xmlns:a16="http://schemas.microsoft.com/office/drawing/2014/main" id="{9B2F8667-6F54-4E49-A824-CC6F500A53B6}"/>
+                <a16:creationId xmlns:a16="http://schemas.microsoft.com/office/drawing/2014/main" id="{7E8536D7-9DE5-4EC7-945C-42C7EB885977}"/>
               </a:ext>
             </a:extLst>
           </p:cNvPr>
-          <p:cNvSpPr txBox="1"/>
+          <p:cNvPicPr>
+            <a:picLocks noChangeAspect="1"/>
+          </p:cNvPicPr>
           <p:nvPr/>
-        </p:nvSpPr>
+        </p:nvPicPr>
+        <p:blipFill>
+          <a:blip r:embed="rId8"/>
+          <a:stretch>
+            <a:fillRect/>
+          </a:stretch>
+        </p:blipFill>
         <p:spPr>
           <a:xfrm>
-            <a:off x="5785278" y="3606819"/>
-            <a:ext cx="800219" cy="276999"/>
+            <a:off x="1547664" y="3817202"/>
+            <a:ext cx="7056783" cy="448607"/>
           </a:xfrm>
           <a:prstGeom prst="rect">
             <a:avLst/>
           </a:prstGeom>
-          <a:noFill/>
-        </p:spPr>
-        <p:txBody>
-          <a:bodyPr wrap="none" rtlCol="0">
-            <a:spAutoFit/>
-          </a:bodyPr>
-          <a:lstStyle/>
-          <a:p>
-            <a:r>
-              <a:rPr lang="zh-CN" altLang="en-US" sz="1200" dirty="0"/>
-              <a:t>方法实现</a:t>
-            </a:r>
-          </a:p>
-        </p:txBody>
-      </p:sp>
+        </p:spPr>
+      </p:pic>
     </p:spTree>
     <p:extLst>
       <p:ext uri="{BB962C8B-B14F-4D97-AF65-F5344CB8AC3E}">
-        <p14:creationId xmlns:p14="http://schemas.microsoft.com/office/powerpoint/2010/main" val="724923207"/>
+        <p14:creationId xmlns:p14="http://schemas.microsoft.com/office/powerpoint/2010/main" val="51010816"/>
       </p:ext>
     </p:extLst>
   </p:cSld>
@@ -17008,11 +17106,11 @@
           <a:p>
             <a:r>
               <a:rPr lang="en-US" altLang="zh-CN" sz="2000" i="1" dirty="0"/>
-              <a:t>1.</a:t>
+              <a:t>2.Autofac</a:t>
             </a:r>
             <a:r>
               <a:rPr lang="zh-CN" altLang="en-US" sz="2000" i="1" dirty="0"/>
-              <a:t>实例注册</a:t>
+              <a:t>组件注册</a:t>
             </a:r>
             <a:endParaRPr lang="zh-CN" altLang="en-US" sz="2000" b="1" dirty="0">
               <a:latin typeface="微软雅黑" pitchFamily="34" charset="-122"/>
@@ -17069,12 +17167,190 @@
           </a:prstGeom>
         </p:spPr>
       </p:pic>
+      <p:sp>
+        <p:nvSpPr>
+          <p:cNvPr id="7" name="TextBox 8">
+            <a:extLst>
+              <a:ext uri="{FF2B5EF4-FFF2-40B4-BE49-F238E27FC236}">
+                <a16:creationId xmlns:a16="http://schemas.microsoft.com/office/drawing/2014/main" id="{7286B767-0A43-40E6-989C-C7A244DA8531}"/>
+              </a:ext>
+            </a:extLst>
+          </p:cNvPr>
+          <p:cNvSpPr txBox="1"/>
+          <p:nvPr/>
+        </p:nvSpPr>
+        <p:spPr>
+          <a:xfrm>
+            <a:off x="611560" y="987574"/>
+            <a:ext cx="7632848" cy="292388"/>
+          </a:xfrm>
+          <a:prstGeom prst="rect">
+            <a:avLst/>
+          </a:prstGeom>
+          <a:noFill/>
+        </p:spPr>
+        <p:txBody>
+          <a:bodyPr wrap="square" rtlCol="0">
+            <a:spAutoFit/>
+          </a:bodyPr>
+          <a:lstStyle/>
+          <a:p>
+            <a:pPr marL="285750" indent="-285750">
+              <a:buFont typeface="Wingdings" panose="05000000000000000000" pitchFamily="2" charset="2"/>
+              <a:buChar char="Ø"/>
+            </a:pPr>
+            <a:r>
+              <a:rPr lang="en-US" altLang="zh-CN" sz="1300" dirty="0"/>
+              <a:t>4.</a:t>
+            </a:r>
+            <a:r>
+              <a:rPr lang="zh-CN" altLang="en-US" sz="1300" dirty="0"/>
+              <a:t>泛型注册：</a:t>
+            </a:r>
+            <a:endParaRPr lang="en-US" altLang="zh-CN" sz="1300" dirty="0"/>
+          </a:p>
+        </p:txBody>
+      </p:sp>
+      <p:sp>
+        <p:nvSpPr>
+          <p:cNvPr id="11" name="TextBox 8">
+            <a:extLst>
+              <a:ext uri="{FF2B5EF4-FFF2-40B4-BE49-F238E27FC236}">
+                <a16:creationId xmlns:a16="http://schemas.microsoft.com/office/drawing/2014/main" id="{AA091C77-6DAA-4681-A356-CDA06A0D74EC}"/>
+              </a:ext>
+            </a:extLst>
+          </p:cNvPr>
+          <p:cNvSpPr txBox="1"/>
+          <p:nvPr/>
+        </p:nvSpPr>
+        <p:spPr>
+          <a:xfrm>
+            <a:off x="611560" y="1856791"/>
+            <a:ext cx="7632848" cy="1892826"/>
+          </a:xfrm>
+          <a:prstGeom prst="rect">
+            <a:avLst/>
+          </a:prstGeom>
+          <a:noFill/>
+        </p:spPr>
+        <p:txBody>
+          <a:bodyPr wrap="square" rtlCol="0">
+            <a:spAutoFit/>
+          </a:bodyPr>
+          <a:lstStyle/>
+          <a:p>
+            <a:pPr marL="285750" indent="-285750">
+              <a:buFont typeface="Wingdings" panose="05000000000000000000" pitchFamily="2" charset="2"/>
+              <a:buChar char="Ø"/>
+            </a:pPr>
+            <a:r>
+              <a:rPr lang="en-US" altLang="zh-CN" sz="1300" dirty="0"/>
+              <a:t>5.</a:t>
+            </a:r>
+            <a:r>
+              <a:rPr lang="zh-CN" altLang="en-US" sz="1300" dirty="0"/>
+              <a:t>条件注册：通过加上判断条件，来决定是否执行该条注册语句</a:t>
+            </a:r>
+            <a:endParaRPr lang="en-US" altLang="zh-CN" sz="1300" dirty="0"/>
+          </a:p>
+          <a:p>
+            <a:pPr>
+              <a:buFont typeface="Wingdings" panose="05000000000000000000" pitchFamily="2" charset="2"/>
+              <a:buChar char="Ø"/>
+            </a:pPr>
+            <a:endParaRPr lang="en-US" altLang="zh-CN" sz="1300" dirty="0"/>
+          </a:p>
+          <a:p>
+            <a:pPr marL="742950" lvl="1" indent="-285750">
+              <a:buFont typeface="Wingdings" panose="05000000000000000000" pitchFamily="2" charset="2"/>
+              <a:buChar char="Ø"/>
+            </a:pPr>
+            <a:r>
+              <a:rPr lang="en-US" altLang="zh-CN" sz="1300" dirty="0"/>
+              <a:t>a. </a:t>
+            </a:r>
+            <a:r>
+              <a:rPr lang="en-US" altLang="zh-CN" sz="1300" dirty="0" err="1"/>
+              <a:t>IfNotRegistered</a:t>
+            </a:r>
+            <a:r>
+              <a:rPr lang="zh-CN" altLang="en-US" sz="1300" dirty="0"/>
+              <a:t>（如果没注册过</a:t>
+            </a:r>
+            <a:r>
+              <a:rPr lang="en-US" altLang="zh-CN" sz="1300" dirty="0"/>
+              <a:t>xxx</a:t>
+            </a:r>
+            <a:r>
+              <a:rPr lang="zh-CN" altLang="en-US" sz="1300" dirty="0"/>
+              <a:t>，就执行语句：）</a:t>
+            </a:r>
+            <a:endParaRPr lang="en-US" altLang="zh-CN" sz="1300" dirty="0"/>
+          </a:p>
+          <a:p>
+            <a:pPr lvl="1">
+              <a:buFont typeface="Wingdings" panose="05000000000000000000" pitchFamily="2" charset="2"/>
+              <a:buChar char="Ø"/>
+            </a:pPr>
+            <a:endParaRPr lang="en-US" altLang="zh-CN" sz="1300" dirty="0"/>
+          </a:p>
+          <a:p>
+            <a:pPr lvl="1">
+              <a:buFont typeface="Wingdings" panose="05000000000000000000" pitchFamily="2" charset="2"/>
+              <a:buChar char="Ø"/>
+            </a:pPr>
+            <a:endParaRPr lang="en-US" altLang="zh-CN" sz="1300" dirty="0"/>
+          </a:p>
+          <a:p>
+            <a:pPr lvl="1"/>
+            <a:endParaRPr lang="en-US" altLang="zh-CN" sz="1300" dirty="0"/>
+          </a:p>
+          <a:p>
+            <a:pPr lvl="1"/>
+            <a:endParaRPr lang="en-US" altLang="zh-CN" sz="1300" dirty="0"/>
+          </a:p>
+          <a:p>
+            <a:pPr marL="742950" lvl="1" indent="-285750">
+              <a:buFont typeface="Wingdings" panose="05000000000000000000" pitchFamily="2" charset="2"/>
+              <a:buChar char="Ø"/>
+            </a:pPr>
+            <a:r>
+              <a:rPr lang="en-US" altLang="zh-CN" sz="1300" dirty="0"/>
+              <a:t>b. </a:t>
+            </a:r>
+            <a:r>
+              <a:rPr lang="en-US" altLang="zh-CN" sz="1300" dirty="0" err="1"/>
+              <a:t>OnlyIf</a:t>
+            </a:r>
+            <a:r>
+              <a:rPr lang="zh-CN" altLang="en-US" sz="1300" dirty="0"/>
+              <a:t>（只有</a:t>
+            </a:r>
+            <a:r>
+              <a:rPr lang="en-US" altLang="zh-CN" sz="1300" dirty="0"/>
+              <a:t>...</a:t>
+            </a:r>
+            <a:r>
+              <a:rPr lang="zh-CN" altLang="en-US" sz="1300" dirty="0"/>
+              <a:t>，才会执行语句）</a:t>
+            </a:r>
+            <a:endParaRPr lang="en-US" altLang="zh-CN" sz="1300" dirty="0"/>
+          </a:p>
+          <a:p>
+            <a:pPr lvl="1">
+              <a:buFont typeface="Wingdings" panose="05000000000000000000" pitchFamily="2" charset="2"/>
+              <a:buChar char="Ø"/>
+            </a:pPr>
+            <a:endParaRPr lang="en-US" altLang="zh-CN" sz="1300" dirty="0"/>
+          </a:p>
+        </p:txBody>
+      </p:sp>
       <p:pic>
         <p:nvPicPr>
-          <p:cNvPr id="7" name="图片 6">
+          <p:cNvPr id="4" name="图片 3">
             <a:extLst>
               <a:ext uri="{FF2B5EF4-FFF2-40B4-BE49-F238E27FC236}">
-                <a16:creationId xmlns:a16="http://schemas.microsoft.com/office/drawing/2014/main" id="{23934114-477D-4479-8AC9-AA71EC780B50}"/>
+                <a16:creationId xmlns:a16="http://schemas.microsoft.com/office/drawing/2014/main" id="{E5406682-6C86-40C2-A795-B225E7BED2DF}"/>
               </a:ext>
             </a:extLst>
           </p:cNvPr>
@@ -17091,8 +17367,68 @@
         </p:blipFill>
         <p:spPr>
           <a:xfrm>
-            <a:off x="616758" y="1275606"/>
-            <a:ext cx="7759380" cy="2448272"/>
+            <a:off x="1475656" y="2558911"/>
+            <a:ext cx="3580956" cy="519048"/>
+          </a:xfrm>
+          <a:prstGeom prst="rect">
+            <a:avLst/>
+          </a:prstGeom>
+        </p:spPr>
+      </p:pic>
+      <p:pic>
+        <p:nvPicPr>
+          <p:cNvPr id="9" name="图片 8">
+            <a:extLst>
+              <a:ext uri="{FF2B5EF4-FFF2-40B4-BE49-F238E27FC236}">
+                <a16:creationId xmlns:a16="http://schemas.microsoft.com/office/drawing/2014/main" id="{35657963-9C4C-4445-A33C-A40F82C8A672}"/>
+              </a:ext>
+            </a:extLst>
+          </p:cNvPr>
+          <p:cNvPicPr>
+            <a:picLocks noChangeAspect="1"/>
+          </p:cNvPicPr>
+          <p:nvPr/>
+        </p:nvPicPr>
+        <p:blipFill>
+          <a:blip r:embed="rId6"/>
+          <a:stretch>
+            <a:fillRect/>
+          </a:stretch>
+        </p:blipFill>
+        <p:spPr>
+          <a:xfrm>
+            <a:off x="1475656" y="1274203"/>
+            <a:ext cx="4320480" cy="494900"/>
+          </a:xfrm>
+          <a:prstGeom prst="rect">
+            <a:avLst/>
+          </a:prstGeom>
+        </p:spPr>
+      </p:pic>
+      <p:pic>
+        <p:nvPicPr>
+          <p:cNvPr id="13" name="图片 12">
+            <a:extLst>
+              <a:ext uri="{FF2B5EF4-FFF2-40B4-BE49-F238E27FC236}">
+                <a16:creationId xmlns:a16="http://schemas.microsoft.com/office/drawing/2014/main" id="{D1FDD4E1-6D08-4510-BC34-17287859F190}"/>
+              </a:ext>
+            </a:extLst>
+          </p:cNvPr>
+          <p:cNvPicPr>
+            <a:picLocks noChangeAspect="1"/>
+          </p:cNvPicPr>
+          <p:nvPr/>
+        </p:nvPicPr>
+        <p:blipFill>
+          <a:blip r:embed="rId7"/>
+          <a:stretch>
+            <a:fillRect/>
+          </a:stretch>
+        </p:blipFill>
+        <p:spPr>
+          <a:xfrm>
+            <a:off x="1475656" y="3566428"/>
+            <a:ext cx="3580956" cy="541754"/>
           </a:xfrm>
           <a:prstGeom prst="rect">
             <a:avLst/>
@@ -17102,7 +17438,7 @@
     </p:spTree>
     <p:extLst>
       <p:ext uri="{BB962C8B-B14F-4D97-AF65-F5344CB8AC3E}">
-        <p14:creationId xmlns:p14="http://schemas.microsoft.com/office/powerpoint/2010/main" val="2275762647"/>
+        <p14:creationId xmlns:p14="http://schemas.microsoft.com/office/powerpoint/2010/main" val="381133083"/>
       </p:ext>
     </p:extLst>
   </p:cSld>
@@ -17228,8 +17564,8 @@
         </p:nvSpPr>
         <p:spPr>
           <a:xfrm>
-            <a:off x="611560" y="987574"/>
-            <a:ext cx="7632848" cy="492443"/>
+            <a:off x="611560" y="1418264"/>
+            <a:ext cx="7632848" cy="276999"/>
           </a:xfrm>
           <a:prstGeom prst="rect">
             <a:avLst/>
@@ -17242,62 +17578,28 @@
           </a:bodyPr>
           <a:lstStyle/>
           <a:p>
-            <a:pPr>
+            <a:pPr marL="285750" indent="-285750">
               <a:buFont typeface="Wingdings" panose="05000000000000000000" pitchFamily="2" charset="2"/>
               <a:buChar char="Ø"/>
             </a:pPr>
             <a:r>
-              <a:rPr lang="en-US" altLang="zh-CN" sz="1300" dirty="0"/>
-              <a:t>1.</a:t>
-            </a:r>
-            <a:r>
-              <a:rPr lang="zh-CN" altLang="en-US" sz="1300" dirty="0"/>
-              <a:t>反射注册：直接指定注入对象与暴露类型，使用</a:t>
-            </a:r>
-            <a:r>
-              <a:rPr lang="en-US" altLang="zh-CN" sz="1300" dirty="0" err="1"/>
-              <a:t>RegisterType</a:t>
-            </a:r>
-            <a:r>
-              <a:rPr lang="en-US" altLang="zh-CN" sz="1300" dirty="0"/>
-              <a:t>&lt;T&gt;()</a:t>
-            </a:r>
-            <a:r>
-              <a:rPr lang="zh-CN" altLang="en-US" sz="1300" dirty="0"/>
-              <a:t>或者</a:t>
-            </a:r>
-            <a:r>
-              <a:rPr lang="en-US" altLang="zh-CN" sz="1300" dirty="0" err="1"/>
-              <a:t>RegisterType</a:t>
-            </a:r>
-            <a:r>
-              <a:rPr lang="en-US" altLang="zh-CN" sz="1300" dirty="0"/>
-              <a:t>(Type </a:t>
-            </a:r>
-            <a:r>
-              <a:rPr lang="en-US" altLang="zh-CN" sz="1300" dirty="0" err="1"/>
-              <a:t>TType</a:t>
-            </a:r>
-            <a:r>
-              <a:rPr lang="en-US" altLang="zh-CN" sz="1300" dirty="0"/>
-              <a:t>)</a:t>
-            </a:r>
-          </a:p>
-          <a:p>
-            <a:pPr lvl="1">
-              <a:buFont typeface="Wingdings" panose="05000000000000000000" pitchFamily="2" charset="2"/>
-              <a:buChar char="Ø"/>
-            </a:pPr>
-            <a:endParaRPr lang="en-US" altLang="zh-CN" sz="1300" dirty="0"/>
+              <a:rPr lang="en-US" altLang="zh-CN" sz="1200" dirty="0"/>
+              <a:t>6.</a:t>
+            </a:r>
+            <a:r>
+              <a:rPr lang="zh-CN" altLang="en-US" sz="1200" dirty="0"/>
+              <a:t>程序集批量注册：最常用，也最实用的一个注册方法。</a:t>
+            </a:r>
+            <a:endParaRPr lang="en-US" altLang="zh-CN" sz="1200" dirty="0"/>
           </a:p>
         </p:txBody>
       </p:sp>
       <p:pic>
         <p:nvPicPr>
-          <p:cNvPr id="10" name="图片 9">
+          <p:cNvPr id="2" name="图片 1">
             <a:extLst>
               <a:ext uri="{FF2B5EF4-FFF2-40B4-BE49-F238E27FC236}">
-                <a16:creationId xmlns:a16="http://schemas.microsoft.com/office/drawing/2014/main" id="{DA9C3237-E380-4364-A03E-C1AD967F9277}"/>
+                <a16:creationId xmlns:a16="http://schemas.microsoft.com/office/drawing/2014/main" id="{8D91ABE9-803D-4C81-9B3A-3DCC06EF295A}"/>
               </a:ext>
             </a:extLst>
           </p:cNvPr>
@@ -17314,254 +17616,8 @@
         </p:blipFill>
         <p:spPr>
           <a:xfrm>
-            <a:off x="1475656" y="1233795"/>
-            <a:ext cx="4644008" cy="612994"/>
-          </a:xfrm>
-          <a:prstGeom prst="rect">
-            <a:avLst/>
-          </a:prstGeom>
-        </p:spPr>
-      </p:pic>
-      <p:sp>
-        <p:nvSpPr>
-          <p:cNvPr id="11" name="TextBox 8">
-            <a:extLst>
-              <a:ext uri="{FF2B5EF4-FFF2-40B4-BE49-F238E27FC236}">
-                <a16:creationId xmlns:a16="http://schemas.microsoft.com/office/drawing/2014/main" id="{AA091C77-6DAA-4681-A356-CDA06A0D74EC}"/>
-              </a:ext>
-            </a:extLst>
-          </p:cNvPr>
-          <p:cNvSpPr txBox="1"/>
-          <p:nvPr/>
-        </p:nvSpPr>
-        <p:spPr>
-          <a:xfrm>
-            <a:off x="611560" y="1856791"/>
-            <a:ext cx="7632848" cy="1292662"/>
-          </a:xfrm>
-          <a:prstGeom prst="rect">
-            <a:avLst/>
-          </a:prstGeom>
-          <a:noFill/>
-        </p:spPr>
-        <p:txBody>
-          <a:bodyPr wrap="square" rtlCol="0">
-            <a:spAutoFit/>
-          </a:bodyPr>
-          <a:lstStyle/>
-          <a:p>
-            <a:pPr>
-              <a:buFont typeface="Wingdings" panose="05000000000000000000" pitchFamily="2" charset="2"/>
-              <a:buChar char="Ø"/>
-            </a:pPr>
-            <a:r>
-              <a:rPr lang="en-US" altLang="zh-CN" sz="1300" dirty="0"/>
-              <a:t>2.</a:t>
-            </a:r>
-            <a:r>
-              <a:rPr lang="zh-CN" altLang="en-US" sz="1300" dirty="0"/>
-              <a:t>实例注册：将实例注册到容器，使用</a:t>
-            </a:r>
-            <a:r>
-              <a:rPr lang="en-US" altLang="zh-CN" sz="1300" dirty="0" err="1"/>
-              <a:t>RegisterInstance</a:t>
-            </a:r>
-            <a:r>
-              <a:rPr lang="en-US" altLang="zh-CN" sz="1300" dirty="0"/>
-              <a:t>()</a:t>
-            </a:r>
-            <a:r>
-              <a:rPr lang="zh-CN" altLang="en-US" sz="1300" dirty="0"/>
-              <a:t>方法，通常用两种</a:t>
-            </a:r>
-            <a:endParaRPr lang="en-US" altLang="zh-CN" sz="1300" dirty="0"/>
-          </a:p>
-          <a:p>
-            <a:pPr lvl="1">
-              <a:buFont typeface="Wingdings" panose="05000000000000000000" pitchFamily="2" charset="2"/>
-              <a:buChar char="Ø"/>
-            </a:pPr>
-            <a:r>
-              <a:rPr lang="en-US" altLang="zh-CN" sz="1300" dirty="0"/>
-              <a:t>a.</a:t>
-            </a:r>
-          </a:p>
-          <a:p>
-            <a:pPr lvl="1">
-              <a:buFont typeface="Wingdings" panose="05000000000000000000" pitchFamily="2" charset="2"/>
-              <a:buChar char="Ø"/>
-            </a:pPr>
-            <a:endParaRPr lang="en-US" altLang="zh-CN" sz="1300" dirty="0"/>
-          </a:p>
-          <a:p>
-            <a:pPr lvl="1">
-              <a:buFont typeface="Wingdings" panose="05000000000000000000" pitchFamily="2" charset="2"/>
-              <a:buChar char="Ø"/>
-            </a:pPr>
-            <a:endParaRPr lang="en-US" altLang="zh-CN" sz="1300" dirty="0"/>
-          </a:p>
-          <a:p>
-            <a:pPr lvl="1">
-              <a:buFont typeface="Wingdings" panose="05000000000000000000" pitchFamily="2" charset="2"/>
-              <a:buChar char="Ø"/>
-            </a:pPr>
-            <a:endParaRPr lang="en-US" altLang="zh-CN" sz="1300" dirty="0"/>
-          </a:p>
-          <a:p>
-            <a:pPr lvl="1">
-              <a:buFont typeface="Wingdings" panose="05000000000000000000" pitchFamily="2" charset="2"/>
-              <a:buChar char="Ø"/>
-            </a:pPr>
-            <a:r>
-              <a:rPr lang="en-US" altLang="zh-CN" sz="1300" dirty="0"/>
-              <a:t>b.</a:t>
-            </a:r>
-          </a:p>
-        </p:txBody>
-      </p:sp>
-      <p:pic>
-        <p:nvPicPr>
-          <p:cNvPr id="12" name="图片 11">
-            <a:extLst>
-              <a:ext uri="{FF2B5EF4-FFF2-40B4-BE49-F238E27FC236}">
-                <a16:creationId xmlns:a16="http://schemas.microsoft.com/office/drawing/2014/main" id="{C5B6E451-E8CC-4233-A396-1F9E25445395}"/>
-              </a:ext>
-            </a:extLst>
-          </p:cNvPr>
-          <p:cNvPicPr>
-            <a:picLocks noChangeAspect="1"/>
-          </p:cNvPicPr>
-          <p:nvPr/>
-        </p:nvPicPr>
-        <p:blipFill>
-          <a:blip r:embed="rId6"/>
-          <a:stretch>
-            <a:fillRect/>
-          </a:stretch>
-        </p:blipFill>
-        <p:spPr>
-          <a:xfrm>
-            <a:off x="1475656" y="2236455"/>
-            <a:ext cx="4309524" cy="533334"/>
-          </a:xfrm>
-          <a:prstGeom prst="rect">
-            <a:avLst/>
-          </a:prstGeom>
-        </p:spPr>
-      </p:pic>
-      <p:pic>
-        <p:nvPicPr>
-          <p:cNvPr id="14" name="图片 13">
-            <a:extLst>
-              <a:ext uri="{FF2B5EF4-FFF2-40B4-BE49-F238E27FC236}">
-                <a16:creationId xmlns:a16="http://schemas.microsoft.com/office/drawing/2014/main" id="{B1CD2B7E-6706-4C5E-AF3B-6370D4DE4FB9}"/>
-              </a:ext>
-            </a:extLst>
-          </p:cNvPr>
-          <p:cNvPicPr>
-            <a:picLocks noChangeAspect="1"/>
-          </p:cNvPicPr>
-          <p:nvPr/>
-        </p:nvPicPr>
-        <p:blipFill>
-          <a:blip r:embed="rId7"/>
-          <a:stretch>
-            <a:fillRect/>
-          </a:stretch>
-        </p:blipFill>
-        <p:spPr>
-          <a:xfrm>
-            <a:off x="1475656" y="2949397"/>
-            <a:ext cx="6442369" cy="400111"/>
-          </a:xfrm>
-          <a:prstGeom prst="rect">
-            <a:avLst/>
-          </a:prstGeom>
-        </p:spPr>
-      </p:pic>
-      <p:sp>
-        <p:nvSpPr>
-          <p:cNvPr id="15" name="TextBox 8">
-            <a:extLst>
-              <a:ext uri="{FF2B5EF4-FFF2-40B4-BE49-F238E27FC236}">
-                <a16:creationId xmlns:a16="http://schemas.microsoft.com/office/drawing/2014/main" id="{A998546E-1BA7-4298-9127-E38EA2C8E6AC}"/>
-              </a:ext>
-            </a:extLst>
-          </p:cNvPr>
-          <p:cNvSpPr txBox="1"/>
-          <p:nvPr/>
-        </p:nvSpPr>
-        <p:spPr>
-          <a:xfrm>
-            <a:off x="611560" y="3349508"/>
-            <a:ext cx="7632848" cy="692497"/>
-          </a:xfrm>
-          <a:prstGeom prst="rect">
-            <a:avLst/>
-          </a:prstGeom>
-          <a:noFill/>
-        </p:spPr>
-        <p:txBody>
-          <a:bodyPr wrap="square" rtlCol="0">
-            <a:spAutoFit/>
-          </a:bodyPr>
-          <a:lstStyle/>
-          <a:p>
-            <a:pPr>
-              <a:buFont typeface="Wingdings" panose="05000000000000000000" pitchFamily="2" charset="2"/>
-              <a:buChar char="Ø"/>
-            </a:pPr>
-            <a:r>
-              <a:rPr lang="en-US" altLang="zh-CN" sz="1300" dirty="0"/>
-              <a:t>3. Lambda</a:t>
-            </a:r>
-            <a:r>
-              <a:rPr lang="zh-CN" altLang="en-US" sz="1300" dirty="0"/>
-              <a:t>表达式注册：利用</a:t>
-            </a:r>
-            <a:r>
-              <a:rPr lang="en-US" altLang="zh-CN" sz="1300" dirty="0"/>
-              <a:t>Lambda</a:t>
-            </a:r>
-            <a:r>
-              <a:rPr lang="zh-CN" altLang="en-US" sz="1300" dirty="0"/>
-              <a:t>注册可以实现一些常规反射无法实现的操作，比如一些复杂参数注册。</a:t>
-            </a:r>
-            <a:endParaRPr lang="en-US" altLang="zh-CN" sz="1300" dirty="0"/>
-          </a:p>
-          <a:p>
-            <a:pPr lvl="1">
-              <a:buFont typeface="Wingdings" panose="05000000000000000000" pitchFamily="2" charset="2"/>
-              <a:buChar char="Ø"/>
-            </a:pPr>
-            <a:endParaRPr lang="en-US" altLang="zh-CN" sz="1300" dirty="0"/>
-          </a:p>
-        </p:txBody>
-      </p:sp>
-      <p:pic>
-        <p:nvPicPr>
-          <p:cNvPr id="16" name="图片 15">
-            <a:extLst>
-              <a:ext uri="{FF2B5EF4-FFF2-40B4-BE49-F238E27FC236}">
-                <a16:creationId xmlns:a16="http://schemas.microsoft.com/office/drawing/2014/main" id="{7E8536D7-9DE5-4EC7-945C-42C7EB885977}"/>
-              </a:ext>
-            </a:extLst>
-          </p:cNvPr>
-          <p:cNvPicPr>
-            <a:picLocks noChangeAspect="1"/>
-          </p:cNvPicPr>
-          <p:nvPr/>
-        </p:nvPicPr>
-        <p:blipFill>
-          <a:blip r:embed="rId8"/>
-          <a:stretch>
-            <a:fillRect/>
-          </a:stretch>
-        </p:blipFill>
-        <p:spPr>
-          <a:xfrm>
-            <a:off x="1475656" y="3592898"/>
-            <a:ext cx="7056783" cy="448607"/>
+            <a:off x="1313892" y="1918147"/>
+            <a:ext cx="6228184" cy="1307205"/>
           </a:xfrm>
           <a:prstGeom prst="rect">
             <a:avLst/>
@@ -17571,7 +17627,7 @@
     </p:spTree>
     <p:extLst>
       <p:ext uri="{BB962C8B-B14F-4D97-AF65-F5344CB8AC3E}">
-        <p14:creationId xmlns:p14="http://schemas.microsoft.com/office/powerpoint/2010/main" val="51010816"/>
+        <p14:creationId xmlns:p14="http://schemas.microsoft.com/office/powerpoint/2010/main" val="675679490"/>
       </p:ext>
     </p:extLst>
   </p:cSld>
@@ -17697,8 +17753,8 @@
         </p:nvSpPr>
         <p:spPr>
           <a:xfrm>
-            <a:off x="611560" y="987574"/>
-            <a:ext cx="7632848" cy="292388"/>
+            <a:off x="603766" y="1203598"/>
+            <a:ext cx="7632848" cy="461665"/>
           </a:xfrm>
           <a:prstGeom prst="rect">
             <a:avLst/>
@@ -17711,158 +17767,60 @@
           </a:bodyPr>
           <a:lstStyle/>
           <a:p>
-            <a:pPr>
+            <a:pPr marL="285750" indent="-285750">
               <a:buFont typeface="Wingdings" panose="05000000000000000000" pitchFamily="2" charset="2"/>
               <a:buChar char="Ø"/>
             </a:pPr>
             <a:r>
-              <a:rPr lang="en-US" altLang="zh-CN" sz="1300" dirty="0"/>
-              <a:t>4.</a:t>
-            </a:r>
-            <a:r>
-              <a:rPr lang="zh-CN" altLang="en-US" sz="1300" dirty="0"/>
-              <a:t>泛型注册：最常见的就是泛型仓储的注册</a:t>
-            </a:r>
-            <a:endParaRPr lang="en-US" altLang="zh-CN" sz="1300" dirty="0"/>
+              <a:rPr lang="en-US" altLang="zh-CN" sz="1200" dirty="0"/>
+              <a:t>7. JSON/XML Configuration</a:t>
+            </a:r>
+            <a:r>
+              <a:rPr lang="zh-CN" altLang="en-US" sz="1200" dirty="0"/>
+              <a:t>：通过</a:t>
+            </a:r>
+            <a:r>
+              <a:rPr lang="en-US" altLang="zh-CN" sz="1200" dirty="0"/>
+              <a:t>JSON</a:t>
+            </a:r>
+            <a:r>
+              <a:rPr lang="zh-CN" altLang="en-US" sz="1200" dirty="0"/>
+              <a:t>或</a:t>
+            </a:r>
+            <a:r>
+              <a:rPr lang="en-US" altLang="zh-CN" sz="1200" dirty="0"/>
+              <a:t>XML</a:t>
+            </a:r>
+            <a:r>
+              <a:rPr lang="zh-CN" altLang="en-US" sz="1200" dirty="0"/>
+              <a:t>配置文件，标注对应的组件注册关系，配合</a:t>
+            </a:r>
+            <a:r>
+              <a:rPr lang="en-US" altLang="zh-CN" sz="1200" dirty="0"/>
+              <a:t>IOC</a:t>
+            </a:r>
+            <a:r>
+              <a:rPr lang="zh-CN" altLang="en-US" sz="1200" dirty="0"/>
+              <a:t>框架可以实现无主体代码变更迭代扩展（直接替换</a:t>
+            </a:r>
+            <a:r>
+              <a:rPr lang="en-US" altLang="zh-CN" sz="1200" dirty="0"/>
+              <a:t>DLL</a:t>
+            </a:r>
+            <a:r>
+              <a:rPr lang="zh-CN" altLang="en-US" sz="1200" dirty="0"/>
+              <a:t>，修改配置文件注册关系）。</a:t>
+            </a:r>
+            <a:endParaRPr lang="en-US" altLang="zh-CN" sz="1200" dirty="0"/>
           </a:p>
         </p:txBody>
       </p:sp>
-      <p:sp>
-        <p:nvSpPr>
-          <p:cNvPr id="11" name="TextBox 8">
+      <p:pic>
+        <p:nvPicPr>
+          <p:cNvPr id="3" name="图片 2">
             <a:extLst>
               <a:ext uri="{FF2B5EF4-FFF2-40B4-BE49-F238E27FC236}">
-                <a16:creationId xmlns:a16="http://schemas.microsoft.com/office/drawing/2014/main" id="{AA091C77-6DAA-4681-A356-CDA06A0D74EC}"/>
-              </a:ext>
-            </a:extLst>
-          </p:cNvPr>
-          <p:cNvSpPr txBox="1"/>
-          <p:nvPr/>
-        </p:nvSpPr>
-        <p:spPr>
-          <a:xfrm>
-            <a:off x="611560" y="1856791"/>
-            <a:ext cx="7632848" cy="1692771"/>
-          </a:xfrm>
-          <a:prstGeom prst="rect">
-            <a:avLst/>
-          </a:prstGeom>
-          <a:noFill/>
-        </p:spPr>
-        <p:txBody>
-          <a:bodyPr wrap="square" rtlCol="0">
-            <a:spAutoFit/>
-          </a:bodyPr>
-          <a:lstStyle/>
-          <a:p>
-            <a:pPr>
-              <a:buFont typeface="Wingdings" panose="05000000000000000000" pitchFamily="2" charset="2"/>
-              <a:buChar char="Ø"/>
-            </a:pPr>
-            <a:r>
-              <a:rPr lang="en-US" altLang="zh-CN" sz="1300" dirty="0"/>
-              <a:t>5.</a:t>
-            </a:r>
-            <a:r>
-              <a:rPr lang="zh-CN" altLang="en-US" sz="1300" dirty="0"/>
-              <a:t>条件注册：通过加上判断条件，来决定是否执行该条注册语句</a:t>
-            </a:r>
-            <a:endParaRPr lang="en-US" altLang="zh-CN" sz="1300" dirty="0"/>
-          </a:p>
-          <a:p>
-            <a:pPr>
-              <a:buFont typeface="Wingdings" panose="05000000000000000000" pitchFamily="2" charset="2"/>
-              <a:buChar char="Ø"/>
-            </a:pPr>
-            <a:endParaRPr lang="en-US" altLang="zh-CN" sz="1300" dirty="0"/>
-          </a:p>
-          <a:p>
-            <a:pPr lvl="1">
-              <a:buFont typeface="Wingdings" panose="05000000000000000000" pitchFamily="2" charset="2"/>
-              <a:buChar char="Ø"/>
-            </a:pPr>
-            <a:r>
-              <a:rPr lang="en-US" altLang="zh-CN" sz="1300" dirty="0"/>
-              <a:t>a. </a:t>
-            </a:r>
-            <a:r>
-              <a:rPr lang="en-US" altLang="zh-CN" sz="1300" dirty="0" err="1"/>
-              <a:t>IfNotRegistered</a:t>
-            </a:r>
-            <a:r>
-              <a:rPr lang="zh-CN" altLang="en-US" sz="1300" dirty="0"/>
-              <a:t>（如果没注册过</a:t>
-            </a:r>
-            <a:r>
-              <a:rPr lang="en-US" altLang="zh-CN" sz="1300" dirty="0"/>
-              <a:t>xxx</a:t>
-            </a:r>
-            <a:r>
-              <a:rPr lang="zh-CN" altLang="en-US" sz="1300" dirty="0"/>
-              <a:t>，就执行语句：）</a:t>
-            </a:r>
-            <a:endParaRPr lang="en-US" altLang="zh-CN" sz="1300" dirty="0"/>
-          </a:p>
-          <a:p>
-            <a:pPr lvl="1">
-              <a:buFont typeface="Wingdings" panose="05000000000000000000" pitchFamily="2" charset="2"/>
-              <a:buChar char="Ø"/>
-            </a:pPr>
-            <a:endParaRPr lang="en-US" altLang="zh-CN" sz="1300" dirty="0"/>
-          </a:p>
-          <a:p>
-            <a:pPr lvl="1">
-              <a:buFont typeface="Wingdings" panose="05000000000000000000" pitchFamily="2" charset="2"/>
-              <a:buChar char="Ø"/>
-            </a:pPr>
-            <a:endParaRPr lang="en-US" altLang="zh-CN" sz="1300" dirty="0"/>
-          </a:p>
-          <a:p>
-            <a:pPr lvl="1"/>
-            <a:endParaRPr lang="en-US" altLang="zh-CN" sz="1300" dirty="0"/>
-          </a:p>
-          <a:p>
-            <a:pPr lvl="1">
-              <a:buFont typeface="Wingdings" panose="05000000000000000000" pitchFamily="2" charset="2"/>
-              <a:buChar char="Ø"/>
-            </a:pPr>
-            <a:r>
-              <a:rPr lang="en-US" altLang="zh-CN" sz="1300" dirty="0"/>
-              <a:t>b. </a:t>
-            </a:r>
-            <a:r>
-              <a:rPr lang="en-US" altLang="zh-CN" sz="1300" dirty="0" err="1"/>
-              <a:t>OnlyIf</a:t>
-            </a:r>
-            <a:r>
-              <a:rPr lang="zh-CN" altLang="en-US" sz="1300" dirty="0"/>
-              <a:t>（只有</a:t>
-            </a:r>
-            <a:r>
-              <a:rPr lang="en-US" altLang="zh-CN" sz="1300" dirty="0"/>
-              <a:t>...</a:t>
-            </a:r>
-            <a:r>
-              <a:rPr lang="zh-CN" altLang="en-US" sz="1300" dirty="0"/>
-              <a:t>，才会执行语句）</a:t>
-            </a:r>
-            <a:endParaRPr lang="en-US" altLang="zh-CN" sz="1300" dirty="0"/>
-          </a:p>
-          <a:p>
-            <a:pPr lvl="1">
-              <a:buFont typeface="Wingdings" panose="05000000000000000000" pitchFamily="2" charset="2"/>
-              <a:buChar char="Ø"/>
-            </a:pPr>
-            <a:endParaRPr lang="en-US" altLang="zh-CN" sz="1300" dirty="0"/>
-          </a:p>
-        </p:txBody>
-      </p:sp>
-      <p:pic>
-        <p:nvPicPr>
-          <p:cNvPr id="4" name="图片 3">
-            <a:extLst>
-              <a:ext uri="{FF2B5EF4-FFF2-40B4-BE49-F238E27FC236}">
-                <a16:creationId xmlns:a16="http://schemas.microsoft.com/office/drawing/2014/main" id="{E5406682-6C86-40C2-A795-B225E7BED2DF}"/>
+                <a16:creationId xmlns:a16="http://schemas.microsoft.com/office/drawing/2014/main" id="{C7111A7E-493D-4A15-A15C-4C3C741D69CC}"/>
               </a:ext>
             </a:extLst>
           </p:cNvPr>
@@ -17879,8 +17837,8 @@
         </p:blipFill>
         <p:spPr>
           <a:xfrm>
-            <a:off x="1475656" y="2558911"/>
-            <a:ext cx="3580956" cy="519048"/>
+            <a:off x="611560" y="1696041"/>
+            <a:ext cx="4007170" cy="2963941"/>
           </a:xfrm>
           <a:prstGeom prst="rect">
             <a:avLst/>
@@ -17889,10 +17847,10 @@
       </p:pic>
       <p:pic>
         <p:nvPicPr>
-          <p:cNvPr id="9" name="图片 8">
+          <p:cNvPr id="4" name="图片 3">
             <a:extLst>
               <a:ext uri="{FF2B5EF4-FFF2-40B4-BE49-F238E27FC236}">
-                <a16:creationId xmlns:a16="http://schemas.microsoft.com/office/drawing/2014/main" id="{35657963-9C4C-4445-A33C-A40F82C8A672}"/>
+                <a16:creationId xmlns:a16="http://schemas.microsoft.com/office/drawing/2014/main" id="{84F19542-7439-4E87-90B2-7318BC325675}"/>
               </a:ext>
             </a:extLst>
           </p:cNvPr>
@@ -17909,38 +17867,8 @@
         </p:blipFill>
         <p:spPr>
           <a:xfrm>
-            <a:off x="1475656" y="1274203"/>
-            <a:ext cx="4320480" cy="494900"/>
-          </a:xfrm>
-          <a:prstGeom prst="rect">
-            <a:avLst/>
-          </a:prstGeom>
-        </p:spPr>
-      </p:pic>
-      <p:pic>
-        <p:nvPicPr>
-          <p:cNvPr id="13" name="图片 12">
-            <a:extLst>
-              <a:ext uri="{FF2B5EF4-FFF2-40B4-BE49-F238E27FC236}">
-                <a16:creationId xmlns:a16="http://schemas.microsoft.com/office/drawing/2014/main" id="{D1FDD4E1-6D08-4510-BC34-17287859F190}"/>
-              </a:ext>
-            </a:extLst>
-          </p:cNvPr>
-          <p:cNvPicPr>
-            <a:picLocks noChangeAspect="1"/>
-          </p:cNvPicPr>
-          <p:nvPr/>
-        </p:nvPicPr>
-        <p:blipFill>
-          <a:blip r:embed="rId7"/>
-          <a:stretch>
-            <a:fillRect/>
-          </a:stretch>
-        </p:blipFill>
-        <p:spPr>
-          <a:xfrm>
-            <a:off x="1475656" y="3327543"/>
-            <a:ext cx="3580956" cy="541754"/>
+            <a:off x="4694594" y="1696041"/>
+            <a:ext cx="3549814" cy="1523781"/>
           </a:xfrm>
           <a:prstGeom prst="rect">
             <a:avLst/>
@@ -17950,7 +17878,7 @@
     </p:spTree>
     <p:extLst>
       <p:ext uri="{BB962C8B-B14F-4D97-AF65-F5344CB8AC3E}">
-        <p14:creationId xmlns:p14="http://schemas.microsoft.com/office/powerpoint/2010/main" val="381133083"/>
+        <p14:creationId xmlns:p14="http://schemas.microsoft.com/office/powerpoint/2010/main" val="1093329933"/>
       </p:ext>
     </p:extLst>
   </p:cSld>
@@ -18062,56 +17990,12 @@
           </a:prstGeom>
         </p:spPr>
       </p:pic>
-      <p:sp>
-        <p:nvSpPr>
-          <p:cNvPr id="7" name="TextBox 8">
-            <a:extLst>
-              <a:ext uri="{FF2B5EF4-FFF2-40B4-BE49-F238E27FC236}">
-                <a16:creationId xmlns:a16="http://schemas.microsoft.com/office/drawing/2014/main" id="{7286B767-0A43-40E6-989C-C7A244DA8531}"/>
-              </a:ext>
-            </a:extLst>
-          </p:cNvPr>
-          <p:cNvSpPr txBox="1"/>
-          <p:nvPr/>
-        </p:nvSpPr>
-        <p:spPr>
-          <a:xfrm>
-            <a:off x="611560" y="1418264"/>
-            <a:ext cx="7632848" cy="292388"/>
-          </a:xfrm>
-          <a:prstGeom prst="rect">
-            <a:avLst/>
-          </a:prstGeom>
-          <a:noFill/>
-        </p:spPr>
-        <p:txBody>
-          <a:bodyPr wrap="square" rtlCol="0">
-            <a:spAutoFit/>
-          </a:bodyPr>
-          <a:lstStyle/>
-          <a:p>
-            <a:pPr>
-              <a:buFont typeface="Wingdings" panose="05000000000000000000" pitchFamily="2" charset="2"/>
-              <a:buChar char="Ø"/>
-            </a:pPr>
-            <a:r>
-              <a:rPr lang="en-US" altLang="zh-CN" sz="1300" dirty="0"/>
-              <a:t>6.</a:t>
-            </a:r>
-            <a:r>
-              <a:rPr lang="zh-CN" altLang="en-US" sz="1300" dirty="0"/>
-              <a:t>程序集批量注册：最常用，也最实用的一个注册方法。</a:t>
-            </a:r>
-            <a:endParaRPr lang="en-US" altLang="zh-CN" sz="1300" dirty="0"/>
-          </a:p>
-        </p:txBody>
-      </p:sp>
       <p:pic>
         <p:nvPicPr>
           <p:cNvPr id="2" name="图片 1">
             <a:extLst>
               <a:ext uri="{FF2B5EF4-FFF2-40B4-BE49-F238E27FC236}">
-                <a16:creationId xmlns:a16="http://schemas.microsoft.com/office/drawing/2014/main" id="{8D91ABE9-803D-4C81-9B3A-3DCC06EF295A}"/>
+                <a16:creationId xmlns:a16="http://schemas.microsoft.com/office/drawing/2014/main" id="{A344A67E-3E2A-4950-8025-123D5927FADB}"/>
               </a:ext>
             </a:extLst>
           </p:cNvPr>
@@ -18128,8 +18012,8 @@
         </p:blipFill>
         <p:spPr>
           <a:xfrm>
-            <a:off x="1313892" y="1918147"/>
-            <a:ext cx="6228184" cy="1307205"/>
+            <a:off x="1691680" y="800823"/>
+            <a:ext cx="4392488" cy="3825061"/>
           </a:xfrm>
           <a:prstGeom prst="rect">
             <a:avLst/>
@@ -18139,7 +18023,7 @@
     </p:spTree>
     <p:extLst>
       <p:ext uri="{BB962C8B-B14F-4D97-AF65-F5344CB8AC3E}">
-        <p14:creationId xmlns:p14="http://schemas.microsoft.com/office/powerpoint/2010/main" val="675679490"/>
+        <p14:creationId xmlns:p14="http://schemas.microsoft.com/office/powerpoint/2010/main" val="1890759888"/>
       </p:ext>
     </p:extLst>
   </p:cSld>
@@ -18190,15 +18074,11 @@
           <a:p>
             <a:r>
               <a:rPr lang="en-US" altLang="zh-CN" sz="2000" i="1" dirty="0"/>
-              <a:t>3. </a:t>
-            </a:r>
-            <a:r>
-              <a:rPr lang="en-US" altLang="zh-CN" sz="2000" i="1" dirty="0" err="1"/>
-              <a:t>AutoFac</a:t>
+              <a:t>2.Autofac</a:t>
             </a:r>
             <a:r>
               <a:rPr lang="zh-CN" altLang="en-US" sz="2000" i="1" dirty="0"/>
-              <a:t>的生命周期作用域</a:t>
+              <a:t>组件注册</a:t>
             </a:r>
             <a:endParaRPr lang="zh-CN" altLang="en-US" sz="2000" b="1" dirty="0">
               <a:latin typeface="微软雅黑" pitchFamily="34" charset="-122"/>
@@ -18260,7 +18140,7 @@
           <p:cNvPr id="7" name="TextBox 8">
             <a:extLst>
               <a:ext uri="{FF2B5EF4-FFF2-40B4-BE49-F238E27FC236}">
-                <a16:creationId xmlns:a16="http://schemas.microsoft.com/office/drawing/2014/main" id="{73B21535-1E12-4C21-B6DA-C7D0682C2413}"/>
+                <a16:creationId xmlns:a16="http://schemas.microsoft.com/office/drawing/2014/main" id="{7286B767-0A43-40E6-989C-C7A244DA8531}"/>
               </a:ext>
             </a:extLst>
           </p:cNvPr>
@@ -18269,8 +18149,8 @@
         </p:nvSpPr>
         <p:spPr>
           <a:xfrm>
-            <a:off x="611560" y="1556002"/>
-            <a:ext cx="7632848" cy="1092607"/>
+            <a:off x="603766" y="1203598"/>
+            <a:ext cx="7632848" cy="276999"/>
           </a:xfrm>
           <a:prstGeom prst="rect">
             <a:avLst/>
@@ -18283,92 +18163,24 @@
           </a:bodyPr>
           <a:lstStyle/>
           <a:p>
-            <a:pPr>
+            <a:pPr marL="285750" indent="-285750">
               <a:buFont typeface="Wingdings" panose="05000000000000000000" pitchFamily="2" charset="2"/>
               <a:buChar char="Ø"/>
             </a:pPr>
             <a:r>
-              <a:rPr lang="en-US" altLang="zh-CN" sz="1300" dirty="0"/>
-              <a:t>a.</a:t>
-            </a:r>
-            <a:r>
-              <a:rPr lang="zh-CN" altLang="en-US" sz="1300" dirty="0"/>
-              <a:t>瞬时单例</a:t>
-            </a:r>
-            <a:r>
-              <a:rPr lang="en-US" altLang="zh-CN" sz="1300" dirty="0"/>
-              <a:t>(Instance Per Dependency)</a:t>
-            </a:r>
-            <a:r>
-              <a:rPr lang="zh-CN" altLang="en-US" sz="1300" dirty="0"/>
-              <a:t>：</a:t>
-            </a:r>
-            <a:endParaRPr lang="en-US" altLang="zh-CN" sz="1300" dirty="0"/>
-          </a:p>
-          <a:p>
-            <a:pPr>
-              <a:buFont typeface="Wingdings" panose="05000000000000000000" pitchFamily="2" charset="2"/>
-              <a:buChar char="Ø"/>
-            </a:pPr>
-            <a:endParaRPr lang="en-US" altLang="zh-CN" sz="1300" dirty="0"/>
-          </a:p>
-          <a:p>
-            <a:pPr lvl="1">
-              <a:buFont typeface="Wingdings" panose="05000000000000000000" pitchFamily="2" charset="2"/>
-              <a:buChar char="Ø"/>
-            </a:pPr>
-            <a:r>
-              <a:rPr lang="zh-CN" altLang="en-US" sz="1300" dirty="0"/>
-              <a:t>每次从容器里拿出来的都是全新对象，相当于每次都</a:t>
-            </a:r>
-            <a:r>
-              <a:rPr lang="en-US" altLang="zh-CN" sz="1300" dirty="0"/>
-              <a:t>new</a:t>
-            </a:r>
-            <a:r>
-              <a:rPr lang="zh-CN" altLang="en-US" sz="1300" dirty="0"/>
-              <a:t>出一个。</a:t>
-            </a:r>
-            <a:endParaRPr lang="en-US" altLang="zh-CN" sz="1300" dirty="0"/>
-          </a:p>
-          <a:p>
-            <a:pPr lvl="1">
-              <a:buFont typeface="Wingdings" panose="05000000000000000000" pitchFamily="2" charset="2"/>
-              <a:buChar char="Ø"/>
-            </a:pPr>
-            <a:endParaRPr lang="en-US" altLang="zh-CN" sz="1300" dirty="0"/>
-          </a:p>
-          <a:p>
-            <a:pPr lvl="1">
-              <a:buFont typeface="Wingdings" panose="05000000000000000000" pitchFamily="2" charset="2"/>
-              <a:buChar char="Ø"/>
-            </a:pPr>
-            <a:r>
-              <a:rPr lang="zh-CN" altLang="en-US" sz="1300" dirty="0"/>
-              <a:t>使用</a:t>
-            </a:r>
-            <a:r>
-              <a:rPr lang="en-US" altLang="zh-CN" sz="1300" dirty="0" err="1"/>
-              <a:t>InstancePerDependency</a:t>
-            </a:r>
-            <a:r>
-              <a:rPr lang="en-US" altLang="zh-CN" sz="1300" dirty="0"/>
-              <a:t>()</a:t>
-            </a:r>
-            <a:r>
-              <a:rPr lang="zh-CN" altLang="en-US" sz="1300" dirty="0"/>
-              <a:t>方法标注（无明确标注情况下默认此方法）。</a:t>
-            </a:r>
-            <a:endParaRPr lang="en-US" altLang="zh-CN" sz="1300" dirty="0"/>
+              <a:rPr lang="zh-CN" altLang="en-US" sz="1200" dirty="0"/>
+              <a:t>读取配置文件，注册组件。</a:t>
+            </a:r>
+            <a:endParaRPr lang="en-US" altLang="zh-CN" sz="1200" dirty="0"/>
           </a:p>
         </p:txBody>
       </p:sp>
       <p:pic>
         <p:nvPicPr>
-          <p:cNvPr id="3" name="图片 2">
+          <p:cNvPr id="2" name="图片 1">
             <a:extLst>
               <a:ext uri="{FF2B5EF4-FFF2-40B4-BE49-F238E27FC236}">
-                <a16:creationId xmlns:a16="http://schemas.microsoft.com/office/drawing/2014/main" id="{5571D416-FE9E-44B6-802F-BBF152D31DBD}"/>
+                <a16:creationId xmlns:a16="http://schemas.microsoft.com/office/drawing/2014/main" id="{933A78A1-9E01-44FF-BCAE-920B26EDE052}"/>
               </a:ext>
             </a:extLst>
           </p:cNvPr>
@@ -18385,8 +18197,8 @@
         </p:blipFill>
         <p:spPr>
           <a:xfrm>
-            <a:off x="1331640" y="2715766"/>
-            <a:ext cx="4572000" cy="753576"/>
+            <a:off x="683568" y="1563638"/>
+            <a:ext cx="6480720" cy="2280653"/>
           </a:xfrm>
           <a:prstGeom prst="rect">
             <a:avLst/>
@@ -18396,7 +18208,7 @@
     </p:spTree>
     <p:extLst>
       <p:ext uri="{BB962C8B-B14F-4D97-AF65-F5344CB8AC3E}">
-        <p14:creationId xmlns:p14="http://schemas.microsoft.com/office/powerpoint/2010/main" val="3283812619"/>
+        <p14:creationId xmlns:p14="http://schemas.microsoft.com/office/powerpoint/2010/main" val="3935320595"/>
       </p:ext>
     </p:extLst>
   </p:cSld>
@@ -18527,7 +18339,7 @@
         <p:spPr>
           <a:xfrm>
             <a:off x="611560" y="1556002"/>
-            <a:ext cx="7632848" cy="1092607"/>
+            <a:ext cx="7632848" cy="1015663"/>
           </a:xfrm>
           <a:prstGeom prst="rect">
             <a:avLst/>
@@ -18540,84 +18352,92 @@
           </a:bodyPr>
           <a:lstStyle/>
           <a:p>
+            <a:pPr marL="285750" indent="-285750">
+              <a:buFont typeface="Wingdings" panose="05000000000000000000" pitchFamily="2" charset="2"/>
+              <a:buChar char="Ø"/>
+            </a:pPr>
+            <a:r>
+              <a:rPr lang="en-US" altLang="zh-CN" sz="1200" dirty="0"/>
+              <a:t>a.</a:t>
+            </a:r>
+            <a:r>
+              <a:rPr lang="zh-CN" altLang="en-US" sz="1200" dirty="0"/>
+              <a:t>瞬时单例</a:t>
+            </a:r>
+            <a:r>
+              <a:rPr lang="en-US" altLang="zh-CN" sz="1200" dirty="0"/>
+              <a:t>(Instance Per Dependency)</a:t>
+            </a:r>
+            <a:r>
+              <a:rPr lang="zh-CN" altLang="en-US" sz="1200" dirty="0"/>
+              <a:t>：</a:t>
+            </a:r>
+            <a:endParaRPr lang="en-US" altLang="zh-CN" sz="1200" dirty="0"/>
+          </a:p>
+          <a:p>
             <a:pPr>
               <a:buFont typeface="Wingdings" panose="05000000000000000000" pitchFamily="2" charset="2"/>
               <a:buChar char="Ø"/>
             </a:pPr>
-            <a:r>
-              <a:rPr lang="en-US" altLang="zh-CN" sz="1300" dirty="0"/>
-              <a:t>b.</a:t>
-            </a:r>
-            <a:r>
-              <a:rPr lang="zh-CN" altLang="en-US" sz="1300" dirty="0"/>
-              <a:t>全局单例</a:t>
-            </a:r>
-            <a:r>
-              <a:rPr lang="en-US" altLang="zh-CN" sz="1300" dirty="0"/>
-              <a:t>(Single Instance)</a:t>
-            </a:r>
-            <a:r>
-              <a:rPr lang="zh-CN" altLang="en-US" sz="1300" dirty="0"/>
-              <a:t>：</a:t>
-            </a:r>
-            <a:endParaRPr lang="en-US" altLang="zh-CN" sz="1300" dirty="0"/>
-          </a:p>
-          <a:p>
-            <a:pPr>
+            <a:endParaRPr lang="en-US" altLang="zh-CN" sz="1200" dirty="0"/>
+          </a:p>
+          <a:p>
+            <a:pPr marL="742950" lvl="1" indent="-285750">
               <a:buFont typeface="Wingdings" panose="05000000000000000000" pitchFamily="2" charset="2"/>
               <a:buChar char="Ø"/>
             </a:pPr>
-            <a:endParaRPr lang="en-US" altLang="zh-CN" sz="1300" dirty="0"/>
+            <a:r>
+              <a:rPr lang="zh-CN" altLang="en-US" sz="1200" dirty="0"/>
+              <a:t>每次从容器里拿出来的都是全新对象，相当于每次都</a:t>
+            </a:r>
+            <a:r>
+              <a:rPr lang="en-US" altLang="zh-CN" sz="1200" dirty="0"/>
+              <a:t>new</a:t>
+            </a:r>
+            <a:r>
+              <a:rPr lang="zh-CN" altLang="en-US" sz="1200" dirty="0"/>
+              <a:t>出一个。</a:t>
+            </a:r>
+            <a:endParaRPr lang="en-US" altLang="zh-CN" sz="1200" dirty="0"/>
           </a:p>
           <a:p>
             <a:pPr lvl="1">
               <a:buFont typeface="Wingdings" panose="05000000000000000000" pitchFamily="2" charset="2"/>
               <a:buChar char="Ø"/>
             </a:pPr>
-            <a:r>
-              <a:rPr lang="zh-CN" altLang="en-US" sz="1300" dirty="0"/>
-              <a:t>全局只有一个实例，在根容器和所有嵌套作用域内，每次解析返回的都是同一个实例</a:t>
-            </a:r>
-            <a:endParaRPr lang="en-US" altLang="zh-CN" sz="1300" dirty="0"/>
-          </a:p>
-          <a:p>
-            <a:pPr lvl="1">
+            <a:endParaRPr lang="en-US" altLang="zh-CN" sz="1200" dirty="0"/>
+          </a:p>
+          <a:p>
+            <a:pPr marL="742950" lvl="1" indent="-285750">
               <a:buFont typeface="Wingdings" panose="05000000000000000000" pitchFamily="2" charset="2"/>
               <a:buChar char="Ø"/>
             </a:pPr>
-            <a:endParaRPr lang="en-US" altLang="zh-CN" sz="1300" dirty="0"/>
-          </a:p>
-          <a:p>
-            <a:pPr lvl="1">
-              <a:buFont typeface="Wingdings" panose="05000000000000000000" pitchFamily="2" charset="2"/>
-              <a:buChar char="Ø"/>
-            </a:pPr>
-            <a:r>
-              <a:rPr lang="zh-CN" altLang="en-US" sz="1300" dirty="0"/>
+            <a:r>
+              <a:rPr lang="zh-CN" altLang="en-US" sz="1200" dirty="0"/>
               <a:t>使用</a:t>
             </a:r>
             <a:r>
-              <a:rPr lang="en-US" altLang="zh-CN" sz="1300" dirty="0" err="1"/>
-              <a:t>SingleInstance</a:t>
-            </a:r>
-            <a:r>
-              <a:rPr lang="en-US" altLang="zh-CN" sz="1300" dirty="0"/>
-              <a:t> ()</a:t>
-            </a:r>
-            <a:r>
-              <a:rPr lang="zh-CN" altLang="en-US" sz="1300" dirty="0"/>
-              <a:t>方法标注。</a:t>
-            </a:r>
-            <a:endParaRPr lang="en-US" altLang="zh-CN" sz="1300" dirty="0"/>
+              <a:rPr lang="en-US" altLang="zh-CN" sz="1200" dirty="0" err="1"/>
+              <a:t>InstancePerDependency</a:t>
+            </a:r>
+            <a:r>
+              <a:rPr lang="en-US" altLang="zh-CN" sz="1200" dirty="0"/>
+              <a:t>()</a:t>
+            </a:r>
+            <a:r>
+              <a:rPr lang="zh-CN" altLang="en-US" sz="1200" dirty="0"/>
+              <a:t>方法标注（无明确标注情况下默认此方法）。</a:t>
+            </a:r>
+            <a:endParaRPr lang="en-US" altLang="zh-CN" sz="1200" dirty="0"/>
           </a:p>
         </p:txBody>
       </p:sp>
       <p:pic>
         <p:nvPicPr>
-          <p:cNvPr id="4" name="图片 3">
+          <p:cNvPr id="3" name="图片 2">
             <a:extLst>
               <a:ext uri="{FF2B5EF4-FFF2-40B4-BE49-F238E27FC236}">
-                <a16:creationId xmlns:a16="http://schemas.microsoft.com/office/drawing/2014/main" id="{78EFD7A4-68BF-413B-AC48-732121A5D643}"/>
+                <a16:creationId xmlns:a16="http://schemas.microsoft.com/office/drawing/2014/main" id="{5571D416-FE9E-44B6-802F-BBF152D31DBD}"/>
               </a:ext>
             </a:extLst>
           </p:cNvPr>
@@ -18634,8 +18454,8 @@
         </p:blipFill>
         <p:spPr>
           <a:xfrm>
-            <a:off x="1691680" y="2822993"/>
-            <a:ext cx="4545754" cy="475778"/>
+            <a:off x="1331640" y="2715766"/>
+            <a:ext cx="4572000" cy="753576"/>
           </a:xfrm>
           <a:prstGeom prst="rect">
             <a:avLst/>
@@ -18645,7 +18465,7 @@
     </p:spTree>
     <p:extLst>
       <p:ext uri="{BB962C8B-B14F-4D97-AF65-F5344CB8AC3E}">
-        <p14:creationId xmlns:p14="http://schemas.microsoft.com/office/powerpoint/2010/main" val="55059743"/>
+        <p14:creationId xmlns:p14="http://schemas.microsoft.com/office/powerpoint/2010/main" val="3283812619"/>
       </p:ext>
     </p:extLst>
   </p:cSld>
@@ -19032,7 +18852,7 @@
         <p:spPr>
           <a:xfrm>
             <a:off x="611560" y="1556002"/>
-            <a:ext cx="7632848" cy="1092607"/>
+            <a:ext cx="7632848" cy="1015663"/>
           </a:xfrm>
           <a:prstGeom prst="rect">
             <a:avLst/>
@@ -19045,84 +18865,84 @@
           </a:bodyPr>
           <a:lstStyle/>
           <a:p>
-            <a:pPr>
+            <a:pPr marL="285750" indent="-285750">
               <a:buFont typeface="Wingdings" panose="05000000000000000000" pitchFamily="2" charset="2"/>
               <a:buChar char="Ø"/>
             </a:pPr>
             <a:r>
-              <a:rPr lang="en-US" altLang="zh-CN" sz="1300" dirty="0"/>
-              <a:t>c.</a:t>
-            </a:r>
-            <a:r>
-              <a:rPr lang="zh-CN" altLang="en-US" sz="1300" dirty="0"/>
-              <a:t>域内单例</a:t>
-            </a:r>
-            <a:r>
-              <a:rPr lang="en-US" altLang="zh-CN" sz="1300" dirty="0"/>
-              <a:t>(Instance Per Lifetime Scope)</a:t>
-            </a:r>
-            <a:r>
-              <a:rPr lang="zh-CN" altLang="en-US" sz="1300" dirty="0"/>
+              <a:rPr lang="en-US" altLang="zh-CN" sz="1200" dirty="0"/>
+              <a:t>b.</a:t>
+            </a:r>
+            <a:r>
+              <a:rPr lang="zh-CN" altLang="en-US" sz="1200" dirty="0"/>
+              <a:t>全局单例</a:t>
+            </a:r>
+            <a:r>
+              <a:rPr lang="en-US" altLang="zh-CN" sz="1200" dirty="0"/>
+              <a:t>(Single Instance)</a:t>
+            </a:r>
+            <a:r>
+              <a:rPr lang="zh-CN" altLang="en-US" sz="1200" dirty="0"/>
               <a:t>：</a:t>
             </a:r>
-            <a:endParaRPr lang="en-US" altLang="zh-CN" sz="1300" dirty="0"/>
-          </a:p>
-          <a:p>
-            <a:pPr>
+            <a:endParaRPr lang="en-US" altLang="zh-CN" sz="1200" dirty="0"/>
+          </a:p>
+          <a:p>
+            <a:pPr marL="285750" indent="-285750">
               <a:buFont typeface="Wingdings" panose="05000000000000000000" pitchFamily="2" charset="2"/>
               <a:buChar char="Ø"/>
             </a:pPr>
-            <a:endParaRPr lang="en-US" altLang="zh-CN" sz="1300" dirty="0"/>
-          </a:p>
-          <a:p>
-            <a:pPr lvl="1">
+            <a:endParaRPr lang="en-US" altLang="zh-CN" sz="1200" dirty="0"/>
+          </a:p>
+          <a:p>
+            <a:pPr marL="742950" lvl="1" indent="-285750">
               <a:buFont typeface="Wingdings" panose="05000000000000000000" pitchFamily="2" charset="2"/>
               <a:buChar char="Ø"/>
             </a:pPr>
             <a:r>
-              <a:rPr lang="zh-CN" altLang="en-US" sz="1300" dirty="0"/>
-              <a:t>在每个生命周期域内是单例的。</a:t>
-            </a:r>
-            <a:endParaRPr lang="en-US" altLang="zh-CN" sz="1300" dirty="0"/>
-          </a:p>
-          <a:p>
-            <a:pPr lvl="1">
+              <a:rPr lang="zh-CN" altLang="en-US" sz="1200" dirty="0"/>
+              <a:t>全局只有一个实例，在根容器和所有嵌套作用域内，每次解析返回的都是同一个实例</a:t>
+            </a:r>
+            <a:endParaRPr lang="en-US" altLang="zh-CN" sz="1200" dirty="0"/>
+          </a:p>
+          <a:p>
+            <a:pPr marL="742950" lvl="1" indent="-285750">
               <a:buFont typeface="Wingdings" panose="05000000000000000000" pitchFamily="2" charset="2"/>
               <a:buChar char="Ø"/>
             </a:pPr>
-            <a:endParaRPr lang="en-US" altLang="zh-CN" sz="1300" dirty="0"/>
-          </a:p>
-          <a:p>
-            <a:pPr lvl="1">
+            <a:endParaRPr lang="en-US" altLang="zh-CN" sz="1200" dirty="0"/>
+          </a:p>
+          <a:p>
+            <a:pPr marL="742950" lvl="1" indent="-285750">
               <a:buFont typeface="Wingdings" panose="05000000000000000000" pitchFamily="2" charset="2"/>
               <a:buChar char="Ø"/>
             </a:pPr>
             <a:r>
-              <a:rPr lang="zh-CN" altLang="en-US" sz="1300" dirty="0"/>
+              <a:rPr lang="zh-CN" altLang="en-US" sz="1200" dirty="0"/>
               <a:t>使用</a:t>
             </a:r>
             <a:r>
-              <a:rPr lang="en-US" altLang="zh-CN" sz="1300" dirty="0" err="1"/>
-              <a:t>InstancePerLifetimeScope</a:t>
-            </a:r>
-            <a:r>
-              <a:rPr lang="en-US" altLang="zh-CN" sz="1300" dirty="0"/>
+              <a:rPr lang="en-US" altLang="zh-CN" sz="1200" dirty="0" err="1"/>
+              <a:t>SingleInstance</a:t>
+            </a:r>
+            <a:r>
+              <a:rPr lang="en-US" altLang="zh-CN" sz="1200" dirty="0"/>
               <a:t> ()</a:t>
             </a:r>
             <a:r>
-              <a:rPr lang="zh-CN" altLang="en-US" sz="1300" dirty="0"/>
+              <a:rPr lang="zh-CN" altLang="en-US" sz="1200" dirty="0"/>
               <a:t>方法标注。</a:t>
             </a:r>
-            <a:endParaRPr lang="en-US" altLang="zh-CN" sz="1300" dirty="0"/>
+            <a:endParaRPr lang="en-US" altLang="zh-CN" sz="1200" dirty="0"/>
           </a:p>
         </p:txBody>
       </p:sp>
       <p:pic>
         <p:nvPicPr>
-          <p:cNvPr id="2" name="图片 1">
+          <p:cNvPr id="4" name="图片 3">
             <a:extLst>
               <a:ext uri="{FF2B5EF4-FFF2-40B4-BE49-F238E27FC236}">
-                <a16:creationId xmlns:a16="http://schemas.microsoft.com/office/drawing/2014/main" id="{8C3E3FAC-8CE4-4B63-AB17-2E0973816EFA}"/>
+                <a16:creationId xmlns:a16="http://schemas.microsoft.com/office/drawing/2014/main" id="{78EFD7A4-68BF-413B-AC48-732121A5D643}"/>
               </a:ext>
             </a:extLst>
           </p:cNvPr>
@@ -19139,8 +18959,8 @@
         </p:blipFill>
         <p:spPr>
           <a:xfrm>
-            <a:off x="1547664" y="2787774"/>
-            <a:ext cx="5332466" cy="538947"/>
+            <a:off x="1691680" y="2822993"/>
+            <a:ext cx="4545754" cy="475778"/>
           </a:xfrm>
           <a:prstGeom prst="rect">
             <a:avLst/>
@@ -19150,7 +18970,7 @@
     </p:spTree>
     <p:extLst>
       <p:ext uri="{BB962C8B-B14F-4D97-AF65-F5344CB8AC3E}">
-        <p14:creationId xmlns:p14="http://schemas.microsoft.com/office/powerpoint/2010/main" val="1217958796"/>
+        <p14:creationId xmlns:p14="http://schemas.microsoft.com/office/powerpoint/2010/main" val="55059743"/>
       </p:ext>
     </p:extLst>
   </p:cSld>
@@ -19281,7 +19101,7 @@
         <p:spPr>
           <a:xfrm>
             <a:off x="611560" y="1556002"/>
-            <a:ext cx="7632848" cy="692497"/>
+            <a:ext cx="7632848" cy="1015663"/>
           </a:xfrm>
           <a:prstGeom prst="rect">
             <a:avLst/>
@@ -19294,226 +19114,112 @@
           </a:bodyPr>
           <a:lstStyle/>
           <a:p>
-            <a:pPr>
+            <a:pPr marL="285750" indent="-285750">
               <a:buFont typeface="Wingdings" panose="05000000000000000000" pitchFamily="2" charset="2"/>
               <a:buChar char="Ø"/>
             </a:pPr>
             <a:r>
-              <a:rPr lang="en-US" altLang="zh-CN" sz="1300" dirty="0"/>
-              <a:t>d.</a:t>
-            </a:r>
-            <a:r>
-              <a:rPr lang="zh-CN" altLang="en-US" sz="1300" dirty="0"/>
-              <a:t>匹配域内单例</a:t>
-            </a:r>
-            <a:r>
-              <a:rPr lang="en-US" altLang="zh-CN" sz="1300" dirty="0"/>
-              <a:t>(Instance Per Matching Lifetime Scope)</a:t>
-            </a:r>
-            <a:r>
-              <a:rPr lang="zh-CN" altLang="en-US" sz="1300" dirty="0"/>
+              <a:rPr lang="en-US" altLang="zh-CN" sz="1200" dirty="0"/>
+              <a:t>c.</a:t>
+            </a:r>
+            <a:r>
+              <a:rPr lang="zh-CN" altLang="en-US" sz="1200" dirty="0"/>
+              <a:t>域内单例</a:t>
+            </a:r>
+            <a:r>
+              <a:rPr lang="en-US" altLang="zh-CN" sz="1200" dirty="0"/>
+              <a:t>(Instance Per Lifetime Scope)</a:t>
+            </a:r>
+            <a:r>
+              <a:rPr lang="zh-CN" altLang="en-US" sz="1200" dirty="0"/>
               <a:t>：</a:t>
             </a:r>
-            <a:endParaRPr lang="en-US" altLang="zh-CN" sz="1300" dirty="0"/>
-          </a:p>
-          <a:p>
-            <a:pPr lvl="1">
+            <a:endParaRPr lang="en-US" altLang="zh-CN" sz="1200" dirty="0"/>
+          </a:p>
+          <a:p>
+            <a:pPr marL="285750" indent="-285750">
               <a:buFont typeface="Wingdings" panose="05000000000000000000" pitchFamily="2" charset="2"/>
               <a:buChar char="Ø"/>
             </a:pPr>
-            <a:r>
-              <a:rPr lang="zh-CN" altLang="en-US" sz="1300" dirty="0"/>
-              <a:t>每次从容器里拿出来的都是全新对象，相当于每次都</a:t>
-            </a:r>
-            <a:r>
-              <a:rPr lang="en-US" altLang="zh-CN" sz="1300" dirty="0"/>
-              <a:t>new</a:t>
-            </a:r>
-            <a:r>
-              <a:rPr lang="zh-CN" altLang="en-US" sz="1300" dirty="0"/>
-              <a:t>出一个。</a:t>
-            </a:r>
-            <a:endParaRPr lang="en-US" altLang="zh-CN" sz="1300" dirty="0"/>
-          </a:p>
-          <a:p>
-            <a:pPr lvl="1">
+            <a:endParaRPr lang="en-US" altLang="zh-CN" sz="1200" dirty="0"/>
+          </a:p>
+          <a:p>
+            <a:pPr marL="742950" lvl="1" indent="-285750">
               <a:buFont typeface="Wingdings" panose="05000000000000000000" pitchFamily="2" charset="2"/>
               <a:buChar char="Ø"/>
             </a:pPr>
             <a:r>
-              <a:rPr lang="zh-CN" altLang="en-US" sz="1300" dirty="0"/>
+              <a:rPr lang="zh-CN" altLang="en-US" sz="1200" dirty="0"/>
+              <a:t>在每个生命周期域内是单例的。</a:t>
+            </a:r>
+            <a:endParaRPr lang="en-US" altLang="zh-CN" sz="1200" dirty="0"/>
+          </a:p>
+          <a:p>
+            <a:pPr marL="742950" lvl="1" indent="-285750">
+              <a:buFont typeface="Wingdings" panose="05000000000000000000" pitchFamily="2" charset="2"/>
+              <a:buChar char="Ø"/>
+            </a:pPr>
+            <a:endParaRPr lang="en-US" altLang="zh-CN" sz="1200" dirty="0"/>
+          </a:p>
+          <a:p>
+            <a:pPr marL="742950" lvl="1" indent="-285750">
+              <a:buFont typeface="Wingdings" panose="05000000000000000000" pitchFamily="2" charset="2"/>
+              <a:buChar char="Ø"/>
+            </a:pPr>
+            <a:r>
+              <a:rPr lang="zh-CN" altLang="en-US" sz="1200" dirty="0"/>
               <a:t>使用</a:t>
             </a:r>
             <a:r>
-              <a:rPr lang="en-US" altLang="zh-CN" sz="1300" dirty="0" err="1"/>
-              <a:t>InstancePerMatchingLifetimeScope</a:t>
-            </a:r>
-            <a:r>
-              <a:rPr lang="en-US" altLang="zh-CN" sz="1300" dirty="0"/>
-              <a:t>(string </a:t>
-            </a:r>
-            <a:r>
-              <a:rPr lang="en-US" altLang="zh-CN" sz="1300" dirty="0" err="1"/>
-              <a:t>tagName</a:t>
-            </a:r>
-            <a:r>
-              <a:rPr lang="en-US" altLang="zh-CN" sz="1300" dirty="0"/>
-              <a:t>)</a:t>
-            </a:r>
-            <a:r>
-              <a:rPr lang="zh-CN" altLang="en-US" sz="1300" dirty="0"/>
-              <a:t>方法进行注册。</a:t>
-            </a:r>
-            <a:endParaRPr lang="en-US" altLang="zh-CN" sz="1300" dirty="0"/>
+              <a:rPr lang="en-US" altLang="zh-CN" sz="1200" dirty="0" err="1"/>
+              <a:t>InstancePerLifetimeScope</a:t>
+            </a:r>
+            <a:r>
+              <a:rPr lang="en-US" altLang="zh-CN" sz="1200" dirty="0"/>
+              <a:t> ()</a:t>
+            </a:r>
+            <a:r>
+              <a:rPr lang="zh-CN" altLang="en-US" sz="1200" dirty="0"/>
+              <a:t>方法标注。</a:t>
+            </a:r>
+            <a:endParaRPr lang="en-US" altLang="zh-CN" sz="1200" dirty="0"/>
           </a:p>
         </p:txBody>
       </p:sp>
-      <p:sp>
-        <p:nvSpPr>
-          <p:cNvPr id="9" name="TextBox 8">
+      <p:pic>
+        <p:nvPicPr>
+          <p:cNvPr id="2" name="图片 1">
             <a:extLst>
               <a:ext uri="{FF2B5EF4-FFF2-40B4-BE49-F238E27FC236}">
-                <a16:creationId xmlns:a16="http://schemas.microsoft.com/office/drawing/2014/main" id="{80F7B27F-39D0-4853-8F18-FBD6B390EDCD}"/>
+                <a16:creationId xmlns:a16="http://schemas.microsoft.com/office/drawing/2014/main" id="{8C3E3FAC-8CE4-4B63-AB17-2E0973816EFA}"/>
               </a:ext>
             </a:extLst>
           </p:cNvPr>
-          <p:cNvSpPr txBox="1"/>
+          <p:cNvPicPr>
+            <a:picLocks noChangeAspect="1"/>
+          </p:cNvPicPr>
           <p:nvPr/>
-        </p:nvSpPr>
+        </p:nvPicPr>
+        <p:blipFill>
+          <a:blip r:embed="rId5"/>
+          <a:stretch>
+            <a:fillRect/>
+          </a:stretch>
+        </p:blipFill>
         <p:spPr>
           <a:xfrm>
-            <a:off x="611560" y="2495924"/>
-            <a:ext cx="7632848" cy="1492716"/>
+            <a:off x="1547664" y="2787774"/>
+            <a:ext cx="5332466" cy="538947"/>
           </a:xfrm>
           <a:prstGeom prst="rect">
             <a:avLst/>
           </a:prstGeom>
-          <a:noFill/>
-        </p:spPr>
-        <p:txBody>
-          <a:bodyPr wrap="square" rtlCol="0">
-            <a:spAutoFit/>
-          </a:bodyPr>
-          <a:lstStyle/>
-          <a:p>
-            <a:pPr>
-              <a:buFont typeface="Wingdings" panose="05000000000000000000" pitchFamily="2" charset="2"/>
-              <a:buChar char="Ø"/>
-            </a:pPr>
-            <a:r>
-              <a:rPr lang="en-US" altLang="zh-CN" sz="1300" dirty="0"/>
-              <a:t>e.</a:t>
-            </a:r>
-            <a:r>
-              <a:rPr lang="zh-CN" altLang="en-US" sz="1300" dirty="0"/>
-              <a:t>每次请求内单例</a:t>
-            </a:r>
-            <a:r>
-              <a:rPr lang="en-US" altLang="zh-CN" sz="1300" dirty="0"/>
-              <a:t>(Instance Per Request)</a:t>
-            </a:r>
-            <a:r>
-              <a:rPr lang="zh-CN" altLang="en-US" sz="1300" dirty="0"/>
-              <a:t>：</a:t>
-            </a:r>
-            <a:endParaRPr lang="en-US" altLang="zh-CN" sz="1300" dirty="0"/>
-          </a:p>
-          <a:p>
-            <a:pPr lvl="1">
-              <a:buFont typeface="Wingdings" panose="05000000000000000000" pitchFamily="2" charset="2"/>
-              <a:buChar char="Ø"/>
-            </a:pPr>
-            <a:r>
-              <a:rPr lang="zh-CN" altLang="en-US" sz="1300" dirty="0"/>
-              <a:t>该种类型适用于“</a:t>
-            </a:r>
-            <a:r>
-              <a:rPr lang="en-US" altLang="zh-CN" sz="1300" dirty="0"/>
-              <a:t>request”</a:t>
-            </a:r>
-            <a:r>
-              <a:rPr lang="zh-CN" altLang="en-US" sz="1300" dirty="0"/>
-              <a:t>类型的应用，比如</a:t>
-            </a:r>
-            <a:r>
-              <a:rPr lang="en-US" altLang="zh-CN" sz="1300" dirty="0"/>
-              <a:t>MVC</a:t>
-            </a:r>
-            <a:r>
-              <a:rPr lang="zh-CN" altLang="en-US" sz="1300" dirty="0"/>
-              <a:t>和</a:t>
-            </a:r>
-            <a:r>
-              <a:rPr lang="en-US" altLang="zh-CN" sz="1300" dirty="0" err="1"/>
-              <a:t>WebApi</a:t>
-            </a:r>
-            <a:r>
-              <a:rPr lang="zh-CN" altLang="en-US" sz="1300" dirty="0"/>
-              <a:t>。其实质其实又是上一种的“指定域内单例”的一种特殊情况：</a:t>
-            </a:r>
-            <a:r>
-              <a:rPr lang="en-US" altLang="zh-CN" sz="1300" dirty="0" err="1"/>
-              <a:t>AutoFac</a:t>
-            </a:r>
-            <a:r>
-              <a:rPr lang="zh-CN" altLang="en-US" sz="1300" dirty="0"/>
-              <a:t>内有一个静态字符串叫</a:t>
-            </a:r>
-            <a:r>
-              <a:rPr lang="en-US" altLang="zh-CN" sz="1300" dirty="0"/>
-              <a:t>Autofac.Core.Lifetime.MatchingScopeLifetimeTags.RequestLifetimeScopeTag</a:t>
-            </a:r>
-            <a:r>
-              <a:rPr lang="zh-CN" altLang="en-US" sz="1300" dirty="0"/>
-              <a:t>，其值为</a:t>
-            </a:r>
-            <a:r>
-              <a:rPr lang="en-US" altLang="zh-CN" sz="1300" dirty="0"/>
-              <a:t>"</a:t>
-            </a:r>
-            <a:r>
-              <a:rPr lang="en-US" altLang="zh-CN" sz="1300" dirty="0" err="1"/>
-              <a:t>AutofacWebRequest</a:t>
-            </a:r>
-            <a:r>
-              <a:rPr lang="en-US" altLang="zh-CN" sz="1300" dirty="0"/>
-              <a:t>"</a:t>
-            </a:r>
-            <a:r>
-              <a:rPr lang="zh-CN" altLang="en-US" sz="1300" dirty="0"/>
-              <a:t>，当“指定域内单例”打的标签是这个字符串时，那它就是“每次请求内单例”了。</a:t>
-            </a:r>
-            <a:endParaRPr lang="en-US" altLang="zh-CN" sz="1300" dirty="0"/>
-          </a:p>
-          <a:p>
-            <a:pPr lvl="1">
-              <a:buFont typeface="Wingdings" panose="05000000000000000000" pitchFamily="2" charset="2"/>
-              <a:buChar char="Ø"/>
-            </a:pPr>
-            <a:r>
-              <a:rPr lang="zh-CN" altLang="en-US" sz="1300" dirty="0"/>
-              <a:t>使用</a:t>
-            </a:r>
-            <a:r>
-              <a:rPr lang="en-US" altLang="zh-CN" sz="1300" dirty="0" err="1"/>
-              <a:t>InstancePerRequest</a:t>
-            </a:r>
-            <a:r>
-              <a:rPr lang="en-US" altLang="zh-CN" sz="1300" dirty="0"/>
-              <a:t>()</a:t>
-            </a:r>
-            <a:r>
-              <a:rPr lang="zh-CN" altLang="en-US" sz="1300" dirty="0"/>
-              <a:t>方法注册。</a:t>
-            </a:r>
-            <a:endParaRPr lang="en-US" altLang="zh-CN" sz="1300" dirty="0"/>
-          </a:p>
-        </p:txBody>
-      </p:sp>
+        </p:spPr>
+      </p:pic>
     </p:spTree>
     <p:extLst>
       <p:ext uri="{BB962C8B-B14F-4D97-AF65-F5344CB8AC3E}">
-        <p14:creationId xmlns:p14="http://schemas.microsoft.com/office/powerpoint/2010/main" val="127600129"/>
+        <p14:creationId xmlns:p14="http://schemas.microsoft.com/office/powerpoint/2010/main" val="1217958796"/>
       </p:ext>
     </p:extLst>
   </p:cSld>
@@ -19564,19 +19270,15 @@
           <a:p>
             <a:r>
               <a:rPr lang="en-US" altLang="zh-CN" sz="2000" i="1" dirty="0"/>
-              <a:t>2.</a:t>
+              <a:t>3. </a:t>
+            </a:r>
+            <a:r>
+              <a:rPr lang="en-US" altLang="zh-CN" sz="2000" i="1" dirty="0" err="1"/>
+              <a:t>AutoFac</a:t>
             </a:r>
             <a:r>
               <a:rPr lang="zh-CN" altLang="en-US" sz="2000" i="1" dirty="0"/>
-              <a:t>依赖注入（</a:t>
-            </a:r>
-            <a:r>
-              <a:rPr lang="en-US" altLang="zh-CN" sz="2000" i="1" dirty="0" err="1"/>
-              <a:t>Autofac</a:t>
-            </a:r>
-            <a:r>
-              <a:rPr lang="zh-CN" altLang="en-US" sz="2000" i="1" dirty="0"/>
-              <a:t>）</a:t>
+              <a:t>的生命周期作用域</a:t>
             </a:r>
             <a:endParaRPr lang="zh-CN" altLang="en-US" sz="2000" b="1" dirty="0">
               <a:latin typeface="微软雅黑" pitchFamily="34" charset="-122"/>
@@ -19635,14 +19337,20 @@
       </p:pic>
       <p:sp>
         <p:nvSpPr>
-          <p:cNvPr id="9" name="TextBox 8"/>
+          <p:cNvPr id="7" name="TextBox 8">
+            <a:extLst>
+              <a:ext uri="{FF2B5EF4-FFF2-40B4-BE49-F238E27FC236}">
+                <a16:creationId xmlns:a16="http://schemas.microsoft.com/office/drawing/2014/main" id="{73B21535-1E12-4C21-B6DA-C7D0682C2413}"/>
+              </a:ext>
+            </a:extLst>
+          </p:cNvPr>
           <p:cNvSpPr txBox="1"/>
           <p:nvPr/>
         </p:nvSpPr>
         <p:spPr>
           <a:xfrm>
-            <a:off x="611560" y="1489305"/>
-            <a:ext cx="6192688" cy="2800767"/>
+            <a:off x="611560" y="1556002"/>
+            <a:ext cx="7632848" cy="1015663"/>
           </a:xfrm>
           <a:prstGeom prst="rect">
             <a:avLst/>
@@ -19655,220 +19363,254 @@
           </a:bodyPr>
           <a:lstStyle/>
           <a:p>
-            <a:pPr>
+            <a:pPr marL="285750" indent="-285750">
               <a:buFont typeface="Wingdings" panose="05000000000000000000" pitchFamily="2" charset="2"/>
               <a:buChar char="Ø"/>
             </a:pPr>
             <a:r>
-              <a:rPr lang="zh-CN" altLang="en-US" sz="1600" dirty="0"/>
-              <a:t>  </a:t>
-            </a:r>
-            <a:r>
-              <a:rPr lang="en-US" altLang="zh-CN" sz="1600" dirty="0"/>
-              <a:t>ASP.NET Core</a:t>
-            </a:r>
-            <a:r>
-              <a:rPr lang="zh-CN" altLang="en-US" sz="1600" dirty="0"/>
-              <a:t>中使用了自带的</a:t>
-            </a:r>
-            <a:r>
-              <a:rPr lang="en-US" altLang="zh-CN" sz="1600" dirty="0"/>
-              <a:t>Dependency Injection</a:t>
-            </a:r>
-            <a:r>
-              <a:rPr lang="zh-CN" altLang="en-US" sz="1600" dirty="0"/>
-              <a:t>作为了</a:t>
-            </a:r>
-            <a:endParaRPr lang="en-US" altLang="zh-CN" sz="1600" dirty="0"/>
-          </a:p>
-          <a:p>
-            <a:r>
-              <a:rPr lang="zh-CN" altLang="en-US" sz="1600" dirty="0"/>
-              <a:t>默认的</a:t>
-            </a:r>
-            <a:r>
-              <a:rPr lang="en-US" altLang="zh-CN" sz="1600" dirty="0"/>
-              <a:t>IOC</a:t>
-            </a:r>
-            <a:r>
-              <a:rPr lang="zh-CN" altLang="en-US" sz="1600" dirty="0"/>
-              <a:t>容器。</a:t>
-            </a:r>
-            <a:endParaRPr lang="en-US" altLang="zh-CN" sz="1600" dirty="0"/>
-          </a:p>
-          <a:p>
-            <a:pPr>
+              <a:rPr lang="en-US" altLang="zh-CN" sz="1200" dirty="0"/>
+              <a:t>d.</a:t>
+            </a:r>
+            <a:r>
+              <a:rPr lang="zh-CN" altLang="en-US" sz="1200" dirty="0"/>
+              <a:t>匹配域内单例</a:t>
+            </a:r>
+            <a:r>
+              <a:rPr lang="en-US" altLang="zh-CN" sz="1200" dirty="0"/>
+              <a:t>(Instance Per Matching Lifetime Scope)</a:t>
+            </a:r>
+            <a:r>
+              <a:rPr lang="zh-CN" altLang="en-US" sz="1200" dirty="0"/>
+              <a:t>：</a:t>
+            </a:r>
+            <a:endParaRPr lang="en-US" altLang="zh-CN" sz="1200" dirty="0"/>
+          </a:p>
+          <a:p>
+            <a:pPr marL="285750" indent="-285750">
               <a:buFont typeface="Wingdings" panose="05000000000000000000" pitchFamily="2" charset="2"/>
               <a:buChar char="Ø"/>
             </a:pPr>
-            <a:endParaRPr lang="en-US" altLang="zh-CN" sz="1600" dirty="0"/>
-          </a:p>
-          <a:p>
-            <a:pPr>
+            <a:endParaRPr lang="en-US" altLang="zh-CN" sz="1200" dirty="0"/>
+          </a:p>
+          <a:p>
+            <a:pPr marL="742950" lvl="1" indent="-285750">
               <a:buFont typeface="Wingdings" panose="05000000000000000000" pitchFamily="2" charset="2"/>
               <a:buChar char="Ø"/>
             </a:pPr>
             <a:r>
-              <a:rPr lang="zh-CN" altLang="en-US" sz="1600" dirty="0"/>
-              <a:t>各种三方提供的</a:t>
-            </a:r>
-            <a:r>
-              <a:rPr lang="en-US" altLang="zh-CN" sz="1600" dirty="0"/>
-              <a:t>IOC</a:t>
-            </a:r>
-            <a:r>
-              <a:rPr lang="zh-CN" altLang="en-US" sz="1600" dirty="0"/>
-              <a:t>容器，较为知名的有：</a:t>
-            </a:r>
-            <a:r>
-              <a:rPr lang="en-US" altLang="zh-CN" sz="1600" dirty="0"/>
-              <a:t> </a:t>
-            </a:r>
-            <a:r>
-              <a:rPr lang="en-US" altLang="zh-CN" sz="1600" dirty="0" err="1"/>
-              <a:t>CastleWindsor</a:t>
-            </a:r>
-            <a:r>
-              <a:rPr lang="zh-CN" altLang="en-US" sz="1600" dirty="0"/>
-              <a:t>，</a:t>
-            </a:r>
-            <a:r>
-              <a:rPr lang="en-US" altLang="zh-CN" sz="1600" dirty="0"/>
-              <a:t>Unity</a:t>
-            </a:r>
-            <a:r>
-              <a:rPr lang="zh-CN" altLang="en-US" sz="1600" dirty="0"/>
-              <a:t>，</a:t>
-            </a:r>
-            <a:r>
-              <a:rPr lang="en-US" altLang="zh-CN" sz="1600" dirty="0" err="1"/>
-              <a:t>Autofac</a:t>
-            </a:r>
-            <a:r>
-              <a:rPr lang="zh-CN" altLang="en-US" sz="1600" dirty="0"/>
-              <a:t>，</a:t>
-            </a:r>
-            <a:r>
-              <a:rPr lang="en-US" altLang="zh-CN" sz="1600" dirty="0" err="1"/>
-              <a:t>ObjectBuilder</a:t>
-            </a:r>
-            <a:r>
-              <a:rPr lang="zh-CN" altLang="en-US" sz="1600" dirty="0"/>
-              <a:t>，</a:t>
-            </a:r>
-            <a:r>
-              <a:rPr lang="en-US" altLang="zh-CN" sz="1600" dirty="0" err="1"/>
-              <a:t>StructureMap</a:t>
-            </a:r>
-            <a:r>
-              <a:rPr lang="zh-CN" altLang="en-US" sz="1600" dirty="0"/>
-              <a:t>，</a:t>
-            </a:r>
-            <a:r>
-              <a:rPr lang="en-US" altLang="zh-CN" sz="1600" dirty="0" err="1"/>
-              <a:t>Spring.Net</a:t>
-            </a:r>
-            <a:r>
-              <a:rPr lang="zh-CN" altLang="en-US" sz="1600" dirty="0"/>
-              <a:t>，这些第三方工具各不相同，但功能大体都相同，大都需要事先对接口与实现进行配对（通过代码或配置文件），然后由系统自动或手动来通过接口来获得相应实现类的实例，对象实例化的工作由</a:t>
-            </a:r>
-            <a:r>
-              <a:rPr lang="en-US" altLang="zh-CN" sz="1600" dirty="0"/>
-              <a:t>IOC</a:t>
-            </a:r>
-            <a:r>
-              <a:rPr lang="zh-CN" altLang="en-US" sz="1600" dirty="0"/>
-              <a:t>容器自动完成。</a:t>
-            </a:r>
-            <a:endParaRPr lang="en-US" altLang="zh-CN" sz="1600" dirty="0"/>
-          </a:p>
-          <a:p>
-            <a:pPr>
+              <a:rPr lang="zh-CN" altLang="en-US" sz="1200" dirty="0"/>
+              <a:t>每次从容器里拿出来的都是全新对象，相当于每次都</a:t>
+            </a:r>
+            <a:r>
+              <a:rPr lang="en-US" altLang="zh-CN" sz="1200" dirty="0"/>
+              <a:t>new</a:t>
+            </a:r>
+            <a:r>
+              <a:rPr lang="zh-CN" altLang="en-US" sz="1200" dirty="0"/>
+              <a:t>出一个。</a:t>
+            </a:r>
+            <a:endParaRPr lang="en-US" altLang="zh-CN" sz="1200" dirty="0"/>
+          </a:p>
+          <a:p>
+            <a:pPr marL="742950" lvl="1" indent="-285750">
               <a:buFont typeface="Wingdings" panose="05000000000000000000" pitchFamily="2" charset="2"/>
               <a:buChar char="Ø"/>
             </a:pPr>
-            <a:endParaRPr lang="en-US" altLang="zh-CN" sz="1600" dirty="0"/>
-          </a:p>
-          <a:p>
-            <a:pPr>
+            <a:endParaRPr lang="en-US" altLang="zh-CN" sz="1200" dirty="0"/>
+          </a:p>
+          <a:p>
+            <a:pPr marL="742950" lvl="1" indent="-285750">
               <a:buFont typeface="Wingdings" panose="05000000000000000000" pitchFamily="2" charset="2"/>
               <a:buChar char="Ø"/>
             </a:pPr>
             <a:r>
-              <a:rPr lang="zh-CN" altLang="en-US" sz="1600" dirty="0"/>
-              <a:t>接下来以平时在开发中使用最多的</a:t>
-            </a:r>
-            <a:r>
-              <a:rPr lang="en-US" altLang="zh-CN" sz="1600" dirty="0"/>
-              <a:t>IOC</a:t>
-            </a:r>
-            <a:r>
-              <a:rPr lang="zh-CN" altLang="en-US" sz="1600" dirty="0"/>
-              <a:t>容器，</a:t>
-            </a:r>
-            <a:r>
-              <a:rPr lang="en-US" altLang="zh-CN" sz="1600" dirty="0" err="1"/>
-              <a:t>Autofac</a:t>
-            </a:r>
-            <a:r>
-              <a:rPr lang="zh-CN" altLang="en-US" sz="1600" dirty="0"/>
-              <a:t>对几种注入方式的使用详细说明一下。</a:t>
-            </a:r>
-            <a:endParaRPr lang="en-US" altLang="zh-CN" sz="1600" dirty="0"/>
+              <a:rPr lang="zh-CN" altLang="en-US" sz="1200" dirty="0"/>
+              <a:t>使用</a:t>
+            </a:r>
+            <a:r>
+              <a:rPr lang="en-US" altLang="zh-CN" sz="1200" dirty="0" err="1"/>
+              <a:t>InstancePerMatchingLifetimeScope</a:t>
+            </a:r>
+            <a:r>
+              <a:rPr lang="en-US" altLang="zh-CN" sz="1200" dirty="0"/>
+              <a:t>(string </a:t>
+            </a:r>
+            <a:r>
+              <a:rPr lang="en-US" altLang="zh-CN" sz="1200" dirty="0" err="1"/>
+              <a:t>tagName</a:t>
+            </a:r>
+            <a:r>
+              <a:rPr lang="en-US" altLang="zh-CN" sz="1200" dirty="0"/>
+              <a:t>)</a:t>
+            </a:r>
+            <a:r>
+              <a:rPr lang="zh-CN" altLang="en-US" sz="1200" dirty="0"/>
+              <a:t>方法进行注册。</a:t>
+            </a:r>
+            <a:endParaRPr lang="en-US" altLang="zh-CN" sz="1200" dirty="0"/>
           </a:p>
         </p:txBody>
       </p:sp>
-      <p:pic>
-        <p:nvPicPr>
-          <p:cNvPr id="7" name="Picture 2">
+      <p:sp>
+        <p:nvSpPr>
+          <p:cNvPr id="9" name="TextBox 8">
             <a:extLst>
               <a:ext uri="{FF2B5EF4-FFF2-40B4-BE49-F238E27FC236}">
-                <a16:creationId xmlns:a16="http://schemas.microsoft.com/office/drawing/2014/main" id="{EA7FEF24-E39C-4F51-96C5-D3781D54E855}"/>
+                <a16:creationId xmlns:a16="http://schemas.microsoft.com/office/drawing/2014/main" id="{80F7B27F-39D0-4853-8F18-FBD6B390EDCD}"/>
               </a:ext>
             </a:extLst>
           </p:cNvPr>
-          <p:cNvPicPr>
-            <a:picLocks noChangeAspect="1" noChangeArrowheads="1"/>
-          </p:cNvPicPr>
+          <p:cNvSpPr txBox="1"/>
           <p:nvPr/>
-        </p:nvPicPr>
-        <p:blipFill>
-          <a:blip r:embed="rId5">
-            <a:extLst>
-              <a:ext uri="{28A0092B-C50C-407E-A947-70E740481C1C}">
-                <a14:useLocalDpi xmlns:a14="http://schemas.microsoft.com/office/drawing/2010/main" val="0"/>
-              </a:ext>
-            </a:extLst>
-          </a:blip>
-          <a:srcRect/>
-          <a:stretch>
-            <a:fillRect/>
-          </a:stretch>
-        </p:blipFill>
-        <p:spPr bwMode="auto">
-          <a:xfrm>
-            <a:off x="6084168" y="1020020"/>
-            <a:ext cx="2520280" cy="1277123"/>
+        </p:nvSpPr>
+        <p:spPr>
+          <a:xfrm>
+            <a:off x="610655" y="2571665"/>
+            <a:ext cx="7632848" cy="1754326"/>
           </a:xfrm>
           <a:prstGeom prst="rect">
             <a:avLst/>
           </a:prstGeom>
           <a:noFill/>
-          <a:extLst>
-            <a:ext uri="{909E8E84-426E-40DD-AFC4-6F175D3DCCD1}">
-              <a14:hiddenFill xmlns:a14="http://schemas.microsoft.com/office/drawing/2010/main">
-                <a:solidFill>
-                  <a:srgbClr val="FFFFFF"/>
-                </a:solidFill>
-              </a14:hiddenFill>
-            </a:ext>
-          </a:extLst>
-        </p:spPr>
-      </p:pic>
+        </p:spPr>
+        <p:txBody>
+          <a:bodyPr wrap="square" rtlCol="0">
+            <a:spAutoFit/>
+          </a:bodyPr>
+          <a:lstStyle/>
+          <a:p>
+            <a:pPr marL="285750" indent="-285750">
+              <a:buFont typeface="Wingdings" panose="05000000000000000000" pitchFamily="2" charset="2"/>
+              <a:buChar char="Ø"/>
+            </a:pPr>
+            <a:r>
+              <a:rPr lang="en-US" altLang="zh-CN" sz="1200" dirty="0"/>
+              <a:t>e.</a:t>
+            </a:r>
+            <a:r>
+              <a:rPr lang="zh-CN" altLang="en-US" sz="1200" dirty="0"/>
+              <a:t>每次请求内单例</a:t>
+            </a:r>
+            <a:r>
+              <a:rPr lang="en-US" altLang="zh-CN" sz="1200" dirty="0"/>
+              <a:t>(Instance Per Request)</a:t>
+            </a:r>
+            <a:r>
+              <a:rPr lang="zh-CN" altLang="en-US" sz="1200" dirty="0"/>
+              <a:t>：</a:t>
+            </a:r>
+            <a:endParaRPr lang="en-US" altLang="zh-CN" sz="1200" dirty="0"/>
+          </a:p>
+          <a:p>
+            <a:pPr marL="285750" indent="-285750">
+              <a:buFont typeface="Wingdings" panose="05000000000000000000" pitchFamily="2" charset="2"/>
+              <a:buChar char="Ø"/>
+            </a:pPr>
+            <a:endParaRPr lang="en-US" altLang="zh-CN" sz="1200" dirty="0"/>
+          </a:p>
+          <a:p>
+            <a:pPr marL="742950" lvl="1" indent="-285750">
+              <a:buFont typeface="Wingdings" panose="05000000000000000000" pitchFamily="2" charset="2"/>
+              <a:buChar char="Ø"/>
+            </a:pPr>
+            <a:r>
+              <a:rPr lang="zh-CN" altLang="en-US" sz="1200" dirty="0"/>
+              <a:t>该种类型适用于“</a:t>
+            </a:r>
+            <a:r>
+              <a:rPr lang="en-US" altLang="zh-CN" sz="1200" dirty="0"/>
+              <a:t>request”</a:t>
+            </a:r>
+            <a:r>
+              <a:rPr lang="zh-CN" altLang="en-US" sz="1200" dirty="0"/>
+              <a:t>类型的应用，比如</a:t>
+            </a:r>
+            <a:r>
+              <a:rPr lang="en-US" altLang="zh-CN" sz="1200" dirty="0"/>
+              <a:t>MVC</a:t>
+            </a:r>
+            <a:r>
+              <a:rPr lang="zh-CN" altLang="en-US" sz="1200" dirty="0"/>
+              <a:t>和</a:t>
+            </a:r>
+            <a:r>
+              <a:rPr lang="en-US" altLang="zh-CN" sz="1200" dirty="0" err="1"/>
+              <a:t>WebApi</a:t>
+            </a:r>
+            <a:r>
+              <a:rPr lang="zh-CN" altLang="en-US" sz="1200" dirty="0"/>
+              <a:t>。其实质其实又是上一种的“指定域内单例”的一种特殊情况：</a:t>
+            </a:r>
+            <a:r>
+              <a:rPr lang="en-US" altLang="zh-CN" sz="1200" dirty="0" err="1"/>
+              <a:t>AutoFac</a:t>
+            </a:r>
+            <a:r>
+              <a:rPr lang="zh-CN" altLang="en-US" sz="1200" dirty="0"/>
+              <a:t>内有一个静态字符串叫</a:t>
+            </a:r>
+            <a:r>
+              <a:rPr lang="en-US" altLang="zh-CN" sz="1200" dirty="0"/>
+              <a:t>Autofac.Core.Lifetime.MatchingScopeLifetimeTags.RequestLifetimeScopeTag</a:t>
+            </a:r>
+            <a:r>
+              <a:rPr lang="zh-CN" altLang="en-US" sz="1200" dirty="0"/>
+              <a:t>，其值为</a:t>
+            </a:r>
+            <a:r>
+              <a:rPr lang="en-US" altLang="zh-CN" sz="1200" dirty="0"/>
+              <a:t>"</a:t>
+            </a:r>
+            <a:r>
+              <a:rPr lang="en-US" altLang="zh-CN" sz="1200" dirty="0" err="1"/>
+              <a:t>AutofacWebRequest</a:t>
+            </a:r>
+            <a:r>
+              <a:rPr lang="en-US" altLang="zh-CN" sz="1200" dirty="0"/>
+              <a:t>"</a:t>
+            </a:r>
+            <a:r>
+              <a:rPr lang="zh-CN" altLang="en-US" sz="1200" dirty="0"/>
+              <a:t>，当“指定域内单例”打的标签是这个字符串时，那它就是“每次请求内单例”了。</a:t>
+            </a:r>
+            <a:endParaRPr lang="en-US" altLang="zh-CN" sz="1200" dirty="0"/>
+          </a:p>
+          <a:p>
+            <a:pPr marL="742950" lvl="1" indent="-285750">
+              <a:buFont typeface="Wingdings" panose="05000000000000000000" pitchFamily="2" charset="2"/>
+              <a:buChar char="Ø"/>
+            </a:pPr>
+            <a:endParaRPr lang="en-US" altLang="zh-CN" sz="1200" dirty="0"/>
+          </a:p>
+          <a:p>
+            <a:pPr marL="742950" lvl="1" indent="-285750">
+              <a:buFont typeface="Wingdings" panose="05000000000000000000" pitchFamily="2" charset="2"/>
+              <a:buChar char="Ø"/>
+            </a:pPr>
+            <a:r>
+              <a:rPr lang="zh-CN" altLang="en-US" sz="1200" dirty="0"/>
+              <a:t>使用</a:t>
+            </a:r>
+            <a:r>
+              <a:rPr lang="en-US" altLang="zh-CN" sz="1200" dirty="0" err="1"/>
+              <a:t>InstancePerRequest</a:t>
+            </a:r>
+            <a:r>
+              <a:rPr lang="en-US" altLang="zh-CN" sz="1200" dirty="0"/>
+              <a:t>()</a:t>
+            </a:r>
+            <a:r>
+              <a:rPr lang="zh-CN" altLang="en-US" sz="1200" dirty="0"/>
+              <a:t>方法注册。</a:t>
+            </a:r>
+            <a:endParaRPr lang="en-US" altLang="zh-CN" sz="1200" dirty="0"/>
+          </a:p>
+        </p:txBody>
+      </p:sp>
     </p:spTree>
     <p:extLst>
       <p:ext uri="{BB962C8B-B14F-4D97-AF65-F5344CB8AC3E}">
-        <p14:creationId xmlns:p14="http://schemas.microsoft.com/office/powerpoint/2010/main" val="3035032425"/>
+        <p14:creationId xmlns:p14="http://schemas.microsoft.com/office/powerpoint/2010/main" val="127600129"/>
       </p:ext>
     </p:extLst>
   </p:cSld>
@@ -19919,7 +19661,7 @@
           <a:p>
             <a:r>
               <a:rPr lang="en-US" altLang="zh-CN" sz="2000" i="1" dirty="0"/>
-              <a:t>2.</a:t>
+              <a:t>4.</a:t>
             </a:r>
             <a:r>
               <a:rPr lang="zh-CN" altLang="en-US" sz="2000" i="1" dirty="0"/>
@@ -19997,7 +19739,7 @@
         <p:spPr>
           <a:xfrm>
             <a:off x="611560" y="1489305"/>
-            <a:ext cx="6192688" cy="3200876"/>
+            <a:ext cx="6192688" cy="1754326"/>
           </a:xfrm>
           <a:prstGeom prst="rect">
             <a:avLst/>
@@ -20010,123 +19752,162 @@
           </a:bodyPr>
           <a:lstStyle/>
           <a:p>
-            <a:pPr indent="-285750">
+            <a:pPr marL="285750" indent="-285750">
               <a:buFont typeface="Wingdings" panose="05000000000000000000" pitchFamily="2" charset="2"/>
               <a:buChar char="Ø"/>
             </a:pPr>
             <a:r>
-              <a:rPr lang="en-US" altLang="zh-CN" sz="1600" dirty="0"/>
-              <a:t>2.1 </a:t>
-            </a:r>
-            <a:r>
-              <a:rPr lang="zh-CN" altLang="en-US" sz="1600" dirty="0"/>
-              <a:t>构造函数注入</a:t>
-            </a:r>
-            <a:endParaRPr lang="en-US" altLang="zh-CN" sz="1600" dirty="0"/>
-          </a:p>
-          <a:p>
-            <a:pPr>
+              <a:rPr lang="en-US" altLang="zh-CN" sz="1200" dirty="0"/>
+              <a:t>ASP.NET Core</a:t>
+            </a:r>
+            <a:r>
+              <a:rPr lang="zh-CN" altLang="en-US" sz="1200" dirty="0"/>
+              <a:t>中使用了自带的</a:t>
+            </a:r>
+            <a:r>
+              <a:rPr lang="en-US" altLang="zh-CN" sz="1200" dirty="0"/>
+              <a:t>Dependency Injection</a:t>
+            </a:r>
+            <a:r>
+              <a:rPr lang="zh-CN" altLang="en-US" sz="1200" dirty="0"/>
+              <a:t>作为了默认的</a:t>
+            </a:r>
+            <a:r>
+              <a:rPr lang="en-US" altLang="zh-CN" sz="1200" dirty="0"/>
+              <a:t>IOC</a:t>
+            </a:r>
+            <a:r>
+              <a:rPr lang="zh-CN" altLang="en-US" sz="1200" dirty="0"/>
+              <a:t>容器。</a:t>
+            </a:r>
+            <a:endParaRPr lang="en-US" altLang="zh-CN" sz="1200" dirty="0"/>
+          </a:p>
+          <a:p>
+            <a:pPr marL="285750" indent="-285750">
               <a:buFont typeface="Wingdings" panose="05000000000000000000" pitchFamily="2" charset="2"/>
               <a:buChar char="Ø"/>
             </a:pPr>
-            <a:endParaRPr lang="en-US" altLang="zh-CN" sz="1600" dirty="0"/>
-          </a:p>
-          <a:p>
-            <a:pPr indent="-285750">
+            <a:endParaRPr lang="en-US" altLang="zh-CN" sz="1200" dirty="0"/>
+          </a:p>
+          <a:p>
+            <a:pPr marL="285750" indent="-285750">
               <a:buFont typeface="Wingdings" panose="05000000000000000000" pitchFamily="2" charset="2"/>
               <a:buChar char="Ø"/>
             </a:pPr>
             <a:r>
-              <a:rPr lang="en-US" altLang="zh-CN" sz="1600" dirty="0"/>
-              <a:t>2.2 </a:t>
-            </a:r>
-            <a:r>
-              <a:rPr lang="zh-CN" altLang="en-US" sz="1600" dirty="0"/>
-              <a:t>属性（</a:t>
-            </a:r>
-            <a:r>
-              <a:rPr lang="en-US" altLang="zh-CN" sz="1600" dirty="0"/>
-              <a:t>Setter</a:t>
-            </a:r>
-            <a:r>
-              <a:rPr lang="zh-CN" altLang="en-US" sz="1600" dirty="0"/>
-              <a:t>）注入</a:t>
-            </a:r>
-            <a:endParaRPr lang="en-US" altLang="zh-CN" sz="1600" dirty="0"/>
-          </a:p>
-          <a:p>
-            <a:endParaRPr lang="en-US" altLang="zh-CN" b="1" dirty="0"/>
-          </a:p>
-          <a:p>
-            <a:pPr indent="-285750">
+              <a:rPr lang="zh-CN" altLang="en-US" sz="1200" dirty="0"/>
+              <a:t>各种三方提供的</a:t>
+            </a:r>
+            <a:r>
+              <a:rPr lang="en-US" altLang="zh-CN" sz="1200" dirty="0"/>
+              <a:t>IOC</a:t>
+            </a:r>
+            <a:r>
+              <a:rPr lang="zh-CN" altLang="en-US" sz="1200" dirty="0"/>
+              <a:t>容器，较为知名的有：</a:t>
+            </a:r>
+            <a:r>
+              <a:rPr lang="en-US" altLang="zh-CN" sz="1200" dirty="0"/>
+              <a:t> </a:t>
+            </a:r>
+            <a:r>
+              <a:rPr lang="en-US" altLang="zh-CN" sz="1200" dirty="0" err="1"/>
+              <a:t>CastleWindsor</a:t>
+            </a:r>
+            <a:r>
+              <a:rPr lang="zh-CN" altLang="en-US" sz="1200" dirty="0"/>
+              <a:t>，</a:t>
+            </a:r>
+            <a:r>
+              <a:rPr lang="en-US" altLang="zh-CN" sz="1200" dirty="0"/>
+              <a:t>Unity</a:t>
+            </a:r>
+            <a:r>
+              <a:rPr lang="zh-CN" altLang="en-US" sz="1200" dirty="0"/>
+              <a:t>，</a:t>
+            </a:r>
+            <a:r>
+              <a:rPr lang="en-US" altLang="zh-CN" sz="1200" dirty="0" err="1"/>
+              <a:t>Autofac</a:t>
+            </a:r>
+            <a:r>
+              <a:rPr lang="zh-CN" altLang="en-US" sz="1200" dirty="0"/>
+              <a:t>，</a:t>
+            </a:r>
+            <a:r>
+              <a:rPr lang="en-US" altLang="zh-CN" sz="1200" dirty="0" err="1"/>
+              <a:t>ObjectBuilder</a:t>
+            </a:r>
+            <a:r>
+              <a:rPr lang="zh-CN" altLang="en-US" sz="1200" dirty="0"/>
+              <a:t>，</a:t>
+            </a:r>
+            <a:r>
+              <a:rPr lang="en-US" altLang="zh-CN" sz="1200" dirty="0" err="1"/>
+              <a:t>StructureMap</a:t>
+            </a:r>
+            <a:r>
+              <a:rPr lang="zh-CN" altLang="en-US" sz="1200" dirty="0"/>
+              <a:t>，</a:t>
+            </a:r>
+            <a:r>
+              <a:rPr lang="en-US" altLang="zh-CN" sz="1200" dirty="0" err="1"/>
+              <a:t>Spring.Net</a:t>
+            </a:r>
+            <a:r>
+              <a:rPr lang="zh-CN" altLang="en-US" sz="1200" dirty="0"/>
+              <a:t>，这些第三方工具各不相同，但功能大体都相同，大都需要事先对接口与实现进行配对（通过代码或配置文件），然后由系统自动或手动来通过接口来获得相应实现类的实例，对象实例化的工作由</a:t>
+            </a:r>
+            <a:r>
+              <a:rPr lang="en-US" altLang="zh-CN" sz="1200" dirty="0"/>
+              <a:t>IOC</a:t>
+            </a:r>
+            <a:r>
+              <a:rPr lang="zh-CN" altLang="en-US" sz="1200" dirty="0"/>
+              <a:t>容器自动完成。</a:t>
+            </a:r>
+            <a:endParaRPr lang="en-US" altLang="zh-CN" sz="1200" dirty="0"/>
+          </a:p>
+          <a:p>
+            <a:pPr marL="285750" indent="-285750">
               <a:buFont typeface="Wingdings" panose="05000000000000000000" pitchFamily="2" charset="2"/>
               <a:buChar char="Ø"/>
             </a:pPr>
-            <a:r>
-              <a:rPr lang="en-US" altLang="zh-CN" sz="1600" dirty="0"/>
-              <a:t>2.3</a:t>
-            </a:r>
-            <a:r>
-              <a:rPr lang="en-US" altLang="zh-CN" dirty="0"/>
-              <a:t> </a:t>
-            </a:r>
-            <a:r>
-              <a:rPr lang="en-US" altLang="zh-CN" sz="1600" dirty="0" err="1"/>
-              <a:t>IServiceProvider.GetService</a:t>
-            </a:r>
-            <a:endParaRPr lang="en-US" altLang="zh-CN" sz="1600" dirty="0"/>
-          </a:p>
-          <a:p>
-            <a:pPr indent="-285750">
+            <a:endParaRPr lang="en-US" altLang="zh-CN" sz="1200" dirty="0"/>
+          </a:p>
+          <a:p>
+            <a:pPr marL="285750" indent="-285750">
               <a:buFont typeface="Wingdings" panose="05000000000000000000" pitchFamily="2" charset="2"/>
               <a:buChar char="Ø"/>
             </a:pPr>
-            <a:endParaRPr lang="en-US" altLang="zh-CN" sz="1600" dirty="0"/>
-          </a:p>
-          <a:p>
-            <a:pPr indent="-285750">
-              <a:buFont typeface="Wingdings" panose="05000000000000000000" pitchFamily="2" charset="2"/>
-              <a:buChar char="Ø"/>
-            </a:pPr>
-            <a:r>
-              <a:rPr lang="en-US" altLang="zh-CN" sz="1600" dirty="0"/>
-              <a:t>2.4 </a:t>
-            </a:r>
-            <a:r>
-              <a:rPr lang="zh-CN" altLang="en-US" sz="1600" dirty="0"/>
-              <a:t>服务定位器（非注入）</a:t>
-            </a:r>
-            <a:endParaRPr lang="en-US" altLang="zh-CN" sz="1600" dirty="0"/>
-          </a:p>
-          <a:p>
-            <a:pPr indent="-285750">
-              <a:buFont typeface="Wingdings" panose="05000000000000000000" pitchFamily="2" charset="2"/>
-              <a:buChar char="Ø"/>
-            </a:pPr>
-            <a:endParaRPr lang="en-US" altLang="zh-CN" sz="1600" dirty="0"/>
-          </a:p>
-          <a:p>
-            <a:endParaRPr lang="en-US" altLang="zh-CN" b="1" dirty="0"/>
-          </a:p>
-          <a:p>
-            <a:endParaRPr lang="en-US" altLang="zh-CN" b="1" dirty="0"/>
-          </a:p>
-          <a:p>
-            <a:endParaRPr lang="zh-CN" altLang="en-US" b="1" dirty="0"/>
-          </a:p>
-          <a:p>
-            <a:pPr>
-              <a:buFont typeface="Wingdings" panose="05000000000000000000" pitchFamily="2" charset="2"/>
-              <a:buChar char="Ø"/>
-            </a:pPr>
-            <a:endParaRPr lang="en-US" altLang="zh-CN" sz="1600" dirty="0"/>
+            <a:r>
+              <a:rPr lang="zh-CN" altLang="en-US" sz="1200" dirty="0"/>
+              <a:t>接下来以平时在开发中使用最多的</a:t>
+            </a:r>
+            <a:r>
+              <a:rPr lang="en-US" altLang="zh-CN" sz="1200" dirty="0"/>
+              <a:t>IOC</a:t>
+            </a:r>
+            <a:r>
+              <a:rPr lang="zh-CN" altLang="en-US" sz="1200" dirty="0"/>
+              <a:t>容器，</a:t>
+            </a:r>
+            <a:r>
+              <a:rPr lang="en-US" altLang="zh-CN" sz="1200" dirty="0" err="1"/>
+              <a:t>Autofac</a:t>
+            </a:r>
+            <a:r>
+              <a:rPr lang="zh-CN" altLang="en-US" sz="1200" dirty="0"/>
+              <a:t>对几种注入方式的使用详细说明一下。</a:t>
+            </a:r>
+            <a:endParaRPr lang="en-US" altLang="zh-CN" sz="1200" dirty="0"/>
           </a:p>
         </p:txBody>
       </p:sp>
     </p:spTree>
     <p:extLst>
       <p:ext uri="{BB962C8B-B14F-4D97-AF65-F5344CB8AC3E}">
-        <p14:creationId xmlns:p14="http://schemas.microsoft.com/office/powerpoint/2010/main" val="1690010573"/>
+        <p14:creationId xmlns:p14="http://schemas.microsoft.com/office/powerpoint/2010/main" val="3035032425"/>
       </p:ext>
     </p:extLst>
   </p:cSld>
@@ -20177,11 +19958,19 @@
           <a:p>
             <a:r>
               <a:rPr lang="en-US" altLang="zh-CN" sz="2000" i="1" dirty="0"/>
-              <a:t>2.1</a:t>
+              <a:t>4.</a:t>
             </a:r>
             <a:r>
               <a:rPr lang="zh-CN" altLang="en-US" sz="2000" i="1" dirty="0"/>
-              <a:t>构造函数注入</a:t>
+              <a:t>依赖注入（</a:t>
+            </a:r>
+            <a:r>
+              <a:rPr lang="en-US" altLang="zh-CN" sz="2000" i="1" dirty="0" err="1"/>
+              <a:t>Autofac</a:t>
+            </a:r>
+            <a:r>
+              <a:rPr lang="zh-CN" altLang="en-US" sz="2000" i="1" dirty="0"/>
+              <a:t>）</a:t>
             </a:r>
             <a:endParaRPr lang="zh-CN" altLang="en-US" sz="2000" b="1" dirty="0">
               <a:latin typeface="微软雅黑" pitchFamily="34" charset="-122"/>
@@ -20246,8 +20035,8 @@
         </p:nvSpPr>
         <p:spPr>
           <a:xfrm>
-            <a:off x="611560" y="1263614"/>
-            <a:ext cx="6192688" cy="1384995"/>
+            <a:off x="611560" y="1489305"/>
+            <a:ext cx="6192688" cy="2462213"/>
           </a:xfrm>
           <a:prstGeom prst="rect">
             <a:avLst/>
@@ -20260,101 +20049,98 @@
           </a:bodyPr>
           <a:lstStyle/>
           <a:p>
-            <a:r>
-              <a:rPr lang="zh-CN" altLang="en-US" sz="1200" dirty="0"/>
-              <a:t>        构造函数注入（</a:t>
-            </a:r>
-            <a:r>
-              <a:rPr lang="en-US" altLang="zh-CN" sz="1200" dirty="0"/>
-              <a:t>constructor injection</a:t>
-            </a:r>
-            <a:r>
-              <a:rPr lang="zh-CN" altLang="en-US" sz="1200" dirty="0"/>
-              <a:t>）是依赖注入最常见的形式之一，同时也是相对简单的注入方式。</a:t>
-            </a:r>
-            <a:endParaRPr lang="en-US" altLang="zh-CN" sz="1200" dirty="0"/>
-          </a:p>
-          <a:p>
-            <a:r>
-              <a:rPr lang="zh-CN" altLang="en-US" sz="1200" dirty="0"/>
-              <a:t>        由名称可以看出，该技术需要我们把所有依赖显示的体现在构造函数中。因此该服务在没有这些依赖时无法被构造。</a:t>
-            </a:r>
-            <a:endParaRPr lang="en-US" altLang="zh-CN" sz="1200" dirty="0"/>
-          </a:p>
-          <a:p>
-            <a:r>
-              <a:rPr lang="zh-CN" altLang="en-US" sz="1200" dirty="0"/>
-              <a:t>        将注入的依赖赋值给只读（</a:t>
-            </a:r>
-            <a:r>
-              <a:rPr lang="en-US" altLang="zh-CN" sz="1200" dirty="0" err="1"/>
-              <a:t>readonly</a:t>
-            </a:r>
-            <a:r>
-              <a:rPr lang="zh-CN" altLang="en-US" sz="1200" dirty="0"/>
-              <a:t>）的字段或属性</a:t>
-            </a:r>
-            <a:r>
-              <a:rPr lang="en-US" altLang="zh-CN" sz="1200" dirty="0"/>
-              <a:t>(</a:t>
-            </a:r>
-            <a:r>
-              <a:rPr lang="zh-CN" altLang="en-US" sz="1200" dirty="0"/>
-              <a:t>为了防止在内部方法中意外地赋予其他值</a:t>
-            </a:r>
-            <a:r>
-              <a:rPr lang="en-US" altLang="zh-CN" sz="1200" dirty="0"/>
-              <a:t>)</a:t>
-            </a:r>
-            <a:r>
-              <a:rPr lang="zh-CN" altLang="en-US" sz="1200" dirty="0"/>
-              <a:t>。</a:t>
-            </a:r>
-            <a:endParaRPr lang="en-US" altLang="zh-CN" sz="1200" dirty="0"/>
-          </a:p>
-          <a:p>
-            <a:r>
-              <a:rPr lang="zh-CN" altLang="en-US" sz="1200" dirty="0"/>
-              <a:t>示例：</a:t>
-            </a:r>
-            <a:endParaRPr lang="en-US" altLang="zh-CN" sz="1200" dirty="0"/>
+            <a:pPr indent="-285750">
+              <a:buFont typeface="Wingdings" panose="05000000000000000000" pitchFamily="2" charset="2"/>
+              <a:buChar char="Ø"/>
+            </a:pPr>
+            <a:r>
+              <a:rPr lang="en-US" altLang="zh-CN" sz="1600" dirty="0"/>
+              <a:t>4.1 </a:t>
+            </a:r>
+            <a:r>
+              <a:rPr lang="zh-CN" altLang="en-US" sz="1600" dirty="0"/>
+              <a:t>构造函数注入</a:t>
+            </a:r>
+            <a:endParaRPr lang="en-US" altLang="zh-CN" sz="1600" dirty="0"/>
+          </a:p>
+          <a:p>
+            <a:pPr>
+              <a:buFont typeface="Wingdings" panose="05000000000000000000" pitchFamily="2" charset="2"/>
+              <a:buChar char="Ø"/>
+            </a:pPr>
+            <a:endParaRPr lang="en-US" altLang="zh-CN" sz="1600" dirty="0"/>
+          </a:p>
+          <a:p>
+            <a:pPr indent="-285750">
+              <a:buFont typeface="Wingdings" panose="05000000000000000000" pitchFamily="2" charset="2"/>
+              <a:buChar char="Ø"/>
+            </a:pPr>
+            <a:r>
+              <a:rPr lang="en-US" altLang="zh-CN" sz="1600" dirty="0"/>
+              <a:t>4.2 </a:t>
+            </a:r>
+            <a:r>
+              <a:rPr lang="zh-CN" altLang="en-US" sz="1600" dirty="0"/>
+              <a:t>属性（</a:t>
+            </a:r>
+            <a:r>
+              <a:rPr lang="en-US" altLang="zh-CN" sz="1600" dirty="0"/>
+              <a:t>Setter</a:t>
+            </a:r>
+            <a:r>
+              <a:rPr lang="zh-CN" altLang="en-US" sz="1600" dirty="0"/>
+              <a:t>）注入</a:t>
+            </a:r>
+            <a:endParaRPr lang="en-US" altLang="zh-CN" sz="1600" dirty="0"/>
+          </a:p>
+          <a:p>
+            <a:endParaRPr lang="en-US" altLang="zh-CN" b="1" dirty="0"/>
+          </a:p>
+          <a:p>
+            <a:pPr indent="-285750">
+              <a:buFont typeface="Wingdings" panose="05000000000000000000" pitchFamily="2" charset="2"/>
+              <a:buChar char="Ø"/>
+            </a:pPr>
+            <a:r>
+              <a:rPr lang="en-US" altLang="zh-CN" sz="1600" dirty="0"/>
+              <a:t>4.3</a:t>
+            </a:r>
+            <a:r>
+              <a:rPr lang="en-US" altLang="zh-CN" dirty="0"/>
+              <a:t> </a:t>
+            </a:r>
+            <a:r>
+              <a:rPr lang="en-US" altLang="zh-CN" sz="1600" dirty="0" err="1"/>
+              <a:t>IServiceProvider.GetService</a:t>
+            </a:r>
+            <a:r>
+              <a:rPr lang="zh-CN" altLang="en-US" sz="1600" dirty="0"/>
+              <a:t>（非依赖注入）</a:t>
+            </a:r>
+            <a:endParaRPr lang="en-US" altLang="zh-CN" sz="1600" dirty="0"/>
+          </a:p>
+          <a:p>
+            <a:endParaRPr lang="en-US" altLang="zh-CN" b="1" dirty="0"/>
+          </a:p>
+          <a:p>
+            <a:endParaRPr lang="en-US" altLang="zh-CN" b="1" dirty="0"/>
+          </a:p>
+          <a:p>
+            <a:endParaRPr lang="zh-CN" altLang="en-US" b="1" dirty="0"/>
+          </a:p>
+          <a:p>
+            <a:pPr>
+              <a:buFont typeface="Wingdings" panose="05000000000000000000" pitchFamily="2" charset="2"/>
+              <a:buChar char="Ø"/>
+            </a:pPr>
+            <a:endParaRPr lang="en-US" altLang="zh-CN" sz="1600" dirty="0"/>
           </a:p>
         </p:txBody>
       </p:sp>
-      <p:pic>
-        <p:nvPicPr>
-          <p:cNvPr id="2" name="图片 1">
-            <a:extLst>
-              <a:ext uri="{FF2B5EF4-FFF2-40B4-BE49-F238E27FC236}">
-                <a16:creationId xmlns:a16="http://schemas.microsoft.com/office/drawing/2014/main" id="{AEBBC84D-AE3F-4963-82A0-AF4DE8668FB3}"/>
-              </a:ext>
-            </a:extLst>
-          </p:cNvPr>
-          <p:cNvPicPr>
-            <a:picLocks noChangeAspect="1"/>
-          </p:cNvPicPr>
-          <p:nvPr/>
-        </p:nvPicPr>
-        <p:blipFill>
-          <a:blip r:embed="rId5"/>
-          <a:stretch>
-            <a:fillRect/>
-          </a:stretch>
-        </p:blipFill>
-        <p:spPr>
-          <a:xfrm>
-            <a:off x="1439652" y="2515728"/>
-            <a:ext cx="4536504" cy="2072514"/>
-          </a:xfrm>
-          <a:prstGeom prst="rect">
-            <a:avLst/>
-          </a:prstGeom>
-        </p:spPr>
-      </p:pic>
     </p:spTree>
     <p:extLst>
       <p:ext uri="{BB962C8B-B14F-4D97-AF65-F5344CB8AC3E}">
-        <p14:creationId xmlns:p14="http://schemas.microsoft.com/office/powerpoint/2010/main" val="3884281795"/>
+        <p14:creationId xmlns:p14="http://schemas.microsoft.com/office/powerpoint/2010/main" val="1690010573"/>
       </p:ext>
     </p:extLst>
   </p:cSld>
@@ -20405,19 +20191,11 @@
           <a:p>
             <a:r>
               <a:rPr lang="en-US" altLang="zh-CN" sz="2000" i="1" dirty="0"/>
-              <a:t>2.2</a:t>
+              <a:t>4.1</a:t>
             </a:r>
             <a:r>
               <a:rPr lang="zh-CN" altLang="en-US" sz="2000" i="1" dirty="0"/>
-              <a:t>属性注入（</a:t>
-            </a:r>
-            <a:r>
-              <a:rPr lang="en-US" altLang="zh-CN" sz="2000" i="1" dirty="0"/>
-              <a:t>Setter Injection</a:t>
-            </a:r>
-            <a:r>
-              <a:rPr lang="zh-CN" altLang="en-US" sz="2000" i="1" dirty="0"/>
-              <a:t>）</a:t>
+              <a:t>构造函数注入</a:t>
             </a:r>
             <a:endParaRPr lang="zh-CN" altLang="en-US" sz="2000" b="1" dirty="0">
               <a:latin typeface="微软雅黑" pitchFamily="34" charset="-122"/>
@@ -20482,8 +20260,8 @@
         </p:nvSpPr>
         <p:spPr>
           <a:xfrm>
-            <a:off x="611560" y="1261369"/>
-            <a:ext cx="6192688" cy="1015663"/>
+            <a:off x="611560" y="1263614"/>
+            <a:ext cx="6192688" cy="1384995"/>
           </a:xfrm>
           <a:prstGeom prst="rect">
             <a:avLst/>
@@ -20497,62 +20275,97 @@
           <a:lstStyle/>
           <a:p>
             <a:r>
+              <a:rPr lang="zh-CN" altLang="en-US" sz="1200" dirty="0"/>
+              <a:t>        构造函数注入（</a:t>
+            </a:r>
+            <a:r>
               <a:rPr lang="en-US" altLang="zh-CN" sz="1200" dirty="0"/>
-              <a:t>ASP.NET Core </a:t>
+              <a:t>constructor injection</a:t>
             </a:r>
             <a:r>
               <a:rPr lang="zh-CN" altLang="en-US" sz="1200" dirty="0"/>
-              <a:t>的标准依赖注入容器不支持属性注入。</a:t>
+              <a:t>）是依赖注入最常见的形式之一，同时也是相对简单的注入方式。</a:t>
             </a:r>
             <a:endParaRPr lang="en-US" altLang="zh-CN" sz="1200" dirty="0"/>
           </a:p>
           <a:p>
-            <a:endParaRPr lang="zh-CN" altLang="en-US" sz="1200" dirty="0"/>
-          </a:p>
-          <a:p>
             <a:r>
               <a:rPr lang="zh-CN" altLang="en-US" sz="1200" dirty="0"/>
-              <a:t>以下示例使用</a:t>
-            </a:r>
-            <a:r>
-              <a:rPr lang="en-US" altLang="zh-CN" sz="1200" dirty="0" err="1"/>
-              <a:t>Autofac</a:t>
-            </a:r>
-            <a:r>
-              <a:rPr lang="en-US" altLang="zh-CN" sz="1200" dirty="0"/>
-              <a:t> </a:t>
-            </a:r>
+              <a:t>        由名称可以看出，构造函数注入需要我们把所有依赖显示的体现在构造函数中。因此该服务在没有这些依赖时无法被构造。</a:t>
+            </a:r>
+            <a:endParaRPr lang="en-US" altLang="zh-CN" sz="1200" dirty="0"/>
+          </a:p>
+          <a:p>
             <a:r>
               <a:rPr lang="zh-CN" altLang="en-US" sz="1200" dirty="0"/>
-              <a:t>依赖注入容器。在使用</a:t>
-            </a:r>
-            <a:r>
-              <a:rPr lang="en-US" altLang="zh-CN" sz="1200" dirty="0"/>
-              <a:t>Setter</a:t>
-            </a:r>
+              <a:t>        </a:t>
+            </a:r>
+            <a:r>
+              <a:rPr lang="zh-CN" altLang="en-US" sz="1200" dirty="0">
+                <a:solidFill>
+                  <a:schemeClr val="accent1"/>
+                </a:solidFill>
+              </a:rPr>
+              <a:t>将注入的依赖赋值给只读（</a:t>
+            </a:r>
+            <a:r>
+              <a:rPr lang="en-US" altLang="zh-CN" sz="1200" dirty="0" err="1">
+                <a:solidFill>
+                  <a:schemeClr val="accent1"/>
+                </a:solidFill>
+              </a:rPr>
+              <a:t>readonly</a:t>
+            </a:r>
+            <a:r>
+              <a:rPr lang="zh-CN" altLang="en-US" sz="1200" dirty="0">
+                <a:solidFill>
+                  <a:schemeClr val="accent1"/>
+                </a:solidFill>
+              </a:rPr>
+              <a:t>）的字段或属性</a:t>
+            </a:r>
+            <a:r>
+              <a:rPr lang="en-US" altLang="zh-CN" sz="1200" dirty="0">
+                <a:solidFill>
+                  <a:schemeClr val="accent1"/>
+                </a:solidFill>
+              </a:rPr>
+              <a:t>(</a:t>
+            </a:r>
+            <a:r>
+              <a:rPr lang="zh-CN" altLang="en-US" sz="1200" dirty="0">
+                <a:solidFill>
+                  <a:schemeClr val="accent1"/>
+                </a:solidFill>
+              </a:rPr>
+              <a:t>为了防止在内部方法中意外地赋予其他值</a:t>
+            </a:r>
+            <a:r>
+              <a:rPr lang="en-US" altLang="zh-CN" sz="1200" dirty="0">
+                <a:solidFill>
+                  <a:schemeClr val="accent1"/>
+                </a:solidFill>
+              </a:rPr>
+              <a:t>)</a:t>
+            </a:r>
+            <a:r>
+              <a:rPr lang="zh-CN" altLang="en-US" sz="1200" dirty="0">
+                <a:solidFill>
+                  <a:schemeClr val="accent1"/>
+                </a:solidFill>
+              </a:rPr>
+              <a:t>。</a:t>
+            </a:r>
+            <a:endParaRPr lang="en-US" altLang="zh-CN" sz="1200" dirty="0">
+              <a:solidFill>
+                <a:schemeClr val="accent1"/>
+              </a:solidFill>
+            </a:endParaRPr>
+          </a:p>
+          <a:p>
             <a:r>
               <a:rPr lang="zh-CN" altLang="en-US" sz="1200" dirty="0"/>
-              <a:t>注入时，需要在注册实例时，为作为属性注入的实例创建实例。如实例中的在注册</a:t>
-            </a:r>
-            <a:r>
-              <a:rPr lang="en-US" altLang="zh-CN" sz="1200" dirty="0" err="1"/>
-              <a:t>SetterInjection</a:t>
-            </a:r>
-            <a:r>
-              <a:rPr lang="zh-CN" altLang="en-US" sz="1200" dirty="0"/>
-              <a:t>时为其属性</a:t>
-            </a:r>
-            <a:r>
-              <a:rPr lang="en-US" altLang="zh-CN" sz="1200" dirty="0"/>
-              <a:t>_</a:t>
-            </a:r>
-            <a:r>
-              <a:rPr lang="en-US" altLang="zh-CN" sz="1200" dirty="0" err="1"/>
-              <a:t>demoService</a:t>
-            </a:r>
-            <a:r>
-              <a:rPr lang="zh-CN" altLang="en-US" sz="1200" dirty="0"/>
-              <a:t>创建实例。示例：</a:t>
+              <a:t>示例：</a:t>
             </a:r>
             <a:endParaRPr lang="en-US" altLang="zh-CN" sz="1200" dirty="0"/>
           </a:p>
@@ -20563,7 +20376,7 @@
           <p:cNvPr id="2" name="图片 1">
             <a:extLst>
               <a:ext uri="{FF2B5EF4-FFF2-40B4-BE49-F238E27FC236}">
-                <a16:creationId xmlns:a16="http://schemas.microsoft.com/office/drawing/2014/main" id="{74FE2D5E-8DBB-411F-802A-B1C14DB96D5A}"/>
+                <a16:creationId xmlns:a16="http://schemas.microsoft.com/office/drawing/2014/main" id="{AEBBC84D-AE3F-4963-82A0-AF4DE8668FB3}"/>
               </a:ext>
             </a:extLst>
           </p:cNvPr>
@@ -20580,38 +20393,8 @@
         </p:blipFill>
         <p:spPr>
           <a:xfrm>
-            <a:off x="1613700" y="2828064"/>
-            <a:ext cx="3654391" cy="1572633"/>
-          </a:xfrm>
-          <a:prstGeom prst="rect">
-            <a:avLst/>
-          </a:prstGeom>
-        </p:spPr>
-      </p:pic>
-      <p:pic>
-        <p:nvPicPr>
-          <p:cNvPr id="3" name="图片 2">
-            <a:extLst>
-              <a:ext uri="{FF2B5EF4-FFF2-40B4-BE49-F238E27FC236}">
-                <a16:creationId xmlns:a16="http://schemas.microsoft.com/office/drawing/2014/main" id="{E5B03186-7528-4AAA-8BA7-91A667A31354}"/>
-              </a:ext>
-            </a:extLst>
-          </p:cNvPr>
-          <p:cNvPicPr>
-            <a:picLocks noChangeAspect="1"/>
-          </p:cNvPicPr>
-          <p:nvPr/>
-        </p:nvPicPr>
-        <p:blipFill>
-          <a:blip r:embed="rId6"/>
-          <a:stretch>
-            <a:fillRect/>
-          </a:stretch>
-        </p:blipFill>
-        <p:spPr>
-          <a:xfrm>
-            <a:off x="1619285" y="2277471"/>
-            <a:ext cx="5292080" cy="337603"/>
+            <a:off x="1439652" y="2499742"/>
+            <a:ext cx="4536504" cy="2072514"/>
           </a:xfrm>
           <a:prstGeom prst="rect">
             <a:avLst/>
@@ -20621,7 +20404,7 @@
     </p:spTree>
     <p:extLst>
       <p:ext uri="{BB962C8B-B14F-4D97-AF65-F5344CB8AC3E}">
-        <p14:creationId xmlns:p14="http://schemas.microsoft.com/office/powerpoint/2010/main" val="1029527420"/>
+        <p14:creationId xmlns:p14="http://schemas.microsoft.com/office/powerpoint/2010/main" val="3884281795"/>
       </p:ext>
     </p:extLst>
   </p:cSld>
@@ -20672,11 +20455,19 @@
           <a:p>
             <a:r>
               <a:rPr lang="en-US" altLang="zh-CN" sz="2000" i="1" dirty="0"/>
-              <a:t>2.3 </a:t>
-            </a:r>
-            <a:r>
-              <a:rPr lang="en-US" altLang="zh-CN" sz="2000" i="1" dirty="0" err="1"/>
-              <a:t>IServiceProvider.GetService</a:t>
+              <a:t>4.2</a:t>
+            </a:r>
+            <a:r>
+              <a:rPr lang="zh-CN" altLang="en-US" sz="2000" i="1" dirty="0"/>
+              <a:t>属性注入（</a:t>
+            </a:r>
+            <a:r>
+              <a:rPr lang="en-US" altLang="zh-CN" sz="2000" i="1" dirty="0"/>
+              <a:t>Setter Injection</a:t>
+            </a:r>
+            <a:r>
+              <a:rPr lang="zh-CN" altLang="en-US" sz="2000" i="1" dirty="0"/>
+              <a:t>）</a:t>
             </a:r>
             <a:endParaRPr lang="zh-CN" altLang="en-US" sz="2000" b="1" dirty="0">
               <a:latin typeface="微软雅黑" pitchFamily="34" charset="-122"/>
@@ -20741,8 +20532,8 @@
         </p:nvSpPr>
         <p:spPr>
           <a:xfrm>
-            <a:off x="611560" y="1230891"/>
-            <a:ext cx="6192688" cy="1569660"/>
+            <a:off x="611560" y="1261369"/>
+            <a:ext cx="6192688" cy="830997"/>
           </a:xfrm>
           <a:prstGeom prst="rect">
             <a:avLst/>
@@ -20756,100 +20547,61 @@
           <a:lstStyle/>
           <a:p>
             <a:r>
+              <a:rPr lang="en-US" altLang="zh-CN" sz="1200" dirty="0"/>
+              <a:t>ASP.NET Core </a:t>
+            </a:r>
+            <a:r>
               <a:rPr lang="zh-CN" altLang="en-US" sz="1200" dirty="0"/>
-              <a:t>当业务中，类中仅有部分方法需要使用到某个对象的实例的，可以采用</a:t>
+              <a:t>的标准依赖注入容器不支持属性注入。</a:t>
+            </a:r>
+            <a:endParaRPr lang="en-US" altLang="zh-CN" sz="1200" dirty="0"/>
+          </a:p>
+          <a:p>
+            <a:endParaRPr lang="zh-CN" altLang="en-US" sz="1200" dirty="0"/>
+          </a:p>
+          <a:p>
+            <a:r>
+              <a:rPr lang="zh-CN" altLang="en-US" sz="1200" dirty="0"/>
+              <a:t>以下示例使用</a:t>
+            </a:r>
+            <a:r>
+              <a:rPr lang="en-US" altLang="zh-CN" sz="1200" dirty="0" err="1"/>
+              <a:t>Autofac</a:t>
             </a:r>
             <a:r>
               <a:rPr lang="en-US" altLang="zh-CN" sz="1200" dirty="0"/>
-              <a:t>IOC</a:t>
+              <a:t> </a:t>
             </a:r>
             <a:r>
               <a:rPr lang="zh-CN" altLang="en-US" sz="1200" dirty="0"/>
-              <a:t>容器提供</a:t>
+              <a:t>依赖注入容器。在使用</a:t>
+            </a:r>
+            <a:r>
+              <a:rPr lang="en-US" altLang="zh-CN" sz="1200" dirty="0"/>
+              <a:t>Setter</a:t>
+            </a:r>
+            <a:r>
+              <a:rPr lang="zh-CN" altLang="en-US" sz="1200" dirty="0"/>
+              <a:t>注入时，需要在注册实例时，为作为属性注入的实例设置自动注入。如实例中的在注册</a:t>
             </a:r>
             <a:r>
               <a:rPr lang="en-US" altLang="zh-CN" sz="1200" dirty="0" err="1"/>
-              <a:t>IServiceProvider</a:t>
+              <a:t>IDemoService</a:t>
             </a:r>
             <a:r>
               <a:rPr lang="zh-CN" altLang="en-US" sz="1200" dirty="0"/>
-              <a:t>对象的</a:t>
-            </a:r>
-            <a:r>
-              <a:rPr lang="en-US" altLang="zh-CN" sz="1200" dirty="0" err="1"/>
-              <a:t>GetService</a:t>
-            </a:r>
-            <a:r>
-              <a:rPr lang="zh-CN" altLang="en-US" sz="1200" dirty="0"/>
-              <a:t>方法去获取。</a:t>
-            </a:r>
-            <a:endParaRPr lang="en-US" altLang="zh-CN" sz="1200" dirty="0"/>
-          </a:p>
-          <a:p>
-            <a:endParaRPr lang="en-US" altLang="zh-CN" sz="1200" dirty="0"/>
-          </a:p>
-          <a:p>
-            <a:r>
-              <a:rPr lang="en-US" altLang="zh-CN" sz="1200" dirty="0"/>
-              <a:t>ASP.NET Core</a:t>
-            </a:r>
-            <a:r>
-              <a:rPr lang="zh-CN" altLang="en-US" sz="1200" dirty="0"/>
-              <a:t>的依赖注入框架其实很简单，其中仅仅涉及</a:t>
-            </a:r>
-            <a:r>
-              <a:rPr lang="en-US" altLang="zh-CN" sz="1200" dirty="0" err="1"/>
-              <a:t>ServiceCollection</a:t>
-            </a:r>
-            <a:r>
-              <a:rPr lang="zh-CN" altLang="en-US" sz="1200" dirty="0"/>
-              <a:t>和</a:t>
-            </a:r>
-            <a:r>
-              <a:rPr lang="en-US" altLang="zh-CN" sz="1200" dirty="0" err="1"/>
-              <a:t>ServiceProvider</a:t>
-            </a:r>
-            <a:r>
-              <a:rPr lang="zh-CN" altLang="en-US" sz="1200" dirty="0"/>
-              <a:t>这两个核心对象。我们预先将服务描述信息注册到</a:t>
-            </a:r>
-            <a:r>
-              <a:rPr lang="en-US" altLang="zh-CN" sz="1200" dirty="0" err="1"/>
-              <a:t>ServiceCollection</a:t>
-            </a:r>
-            <a:r>
-              <a:rPr lang="zh-CN" altLang="en-US" sz="1200" dirty="0"/>
-              <a:t>之上，然后利用</a:t>
-            </a:r>
-            <a:r>
-              <a:rPr lang="en-US" altLang="zh-CN" sz="1200" dirty="0" err="1"/>
-              <a:t>ServiceCollection</a:t>
-            </a:r>
-            <a:r>
-              <a:rPr lang="zh-CN" altLang="en-US" sz="1200" dirty="0"/>
-              <a:t>来创建</a:t>
-            </a:r>
-            <a:r>
-              <a:rPr lang="en-US" altLang="zh-CN" sz="1200" dirty="0" err="1"/>
-              <a:t>ServiceProvider</a:t>
-            </a:r>
-            <a:r>
-              <a:rPr lang="zh-CN" altLang="en-US" sz="1200" dirty="0"/>
-              <a:t>，并最终利用后者根据指定的服务类型来提供对应的服务实例。</a:t>
-            </a:r>
-            <a:endParaRPr lang="en-US" altLang="zh-CN" sz="1200" dirty="0"/>
-          </a:p>
-          <a:p>
+              <a:t>时为其设置自动注入。示例：</a:t>
+            </a:r>
             <a:endParaRPr lang="en-US" altLang="zh-CN" sz="1200" dirty="0"/>
           </a:p>
         </p:txBody>
       </p:sp>
       <p:pic>
         <p:nvPicPr>
-          <p:cNvPr id="3" name="图片 2">
+          <p:cNvPr id="2" name="图片 1">
             <a:extLst>
               <a:ext uri="{FF2B5EF4-FFF2-40B4-BE49-F238E27FC236}">
-                <a16:creationId xmlns:a16="http://schemas.microsoft.com/office/drawing/2014/main" id="{041DB2C5-D409-479B-87B2-95325E72F64F}"/>
+                <a16:creationId xmlns:a16="http://schemas.microsoft.com/office/drawing/2014/main" id="{74FE2D5E-8DBB-411F-802A-B1C14DB96D5A}"/>
               </a:ext>
             </a:extLst>
           </p:cNvPr>
@@ -20866,8 +20618,8 @@
         </p:blipFill>
         <p:spPr>
           <a:xfrm>
-            <a:off x="1784090" y="2462226"/>
-            <a:ext cx="3847628" cy="219048"/>
+            <a:off x="1808700" y="2787774"/>
+            <a:ext cx="3654391" cy="1572633"/>
           </a:xfrm>
           <a:prstGeom prst="rect">
             <a:avLst/>
@@ -20879,7 +20631,7 @@
           <p:cNvPr id="4" name="图片 3">
             <a:extLst>
               <a:ext uri="{FF2B5EF4-FFF2-40B4-BE49-F238E27FC236}">
-                <a16:creationId xmlns:a16="http://schemas.microsoft.com/office/drawing/2014/main" id="{F37E941E-B426-4B28-B376-4C50947E08CF}"/>
+                <a16:creationId xmlns:a16="http://schemas.microsoft.com/office/drawing/2014/main" id="{F6BAA94A-A3E4-4415-8604-D6B5AAA3C4AE}"/>
               </a:ext>
             </a:extLst>
           </p:cNvPr>
@@ -20896,8 +20648,8 @@
         </p:blipFill>
         <p:spPr>
           <a:xfrm>
-            <a:off x="1403648" y="2800551"/>
-            <a:ext cx="4901094" cy="1251343"/>
+            <a:off x="1259632" y="2159296"/>
+            <a:ext cx="4752528" cy="462941"/>
           </a:xfrm>
           <a:prstGeom prst="rect">
             <a:avLst/>
@@ -20907,7 +20659,7 @@
     </p:spTree>
     <p:extLst>
       <p:ext uri="{BB962C8B-B14F-4D97-AF65-F5344CB8AC3E}">
-        <p14:creationId xmlns:p14="http://schemas.microsoft.com/office/powerpoint/2010/main" val="1131984180"/>
+        <p14:creationId xmlns:p14="http://schemas.microsoft.com/office/powerpoint/2010/main" val="1029527420"/>
       </p:ext>
     </p:extLst>
   </p:cSld>
@@ -20958,19 +20710,15 @@
           <a:p>
             <a:r>
               <a:rPr lang="en-US" altLang="zh-CN" sz="2000" i="1" dirty="0"/>
-              <a:t>2.4</a:t>
-            </a:r>
-            <a:r>
-              <a:rPr lang="zh-CN" altLang="en-US" b="1" dirty="0"/>
-              <a:t>服务定位器</a:t>
+              <a:t>4.2</a:t>
             </a:r>
             <a:r>
               <a:rPr lang="zh-CN" altLang="en-US" sz="2000" i="1" dirty="0"/>
-              <a:t>（</a:t>
-            </a:r>
-            <a:r>
-              <a:rPr lang="en-US" altLang="zh-CN" dirty="0" err="1"/>
-              <a:t>ServiceLocatorPattern</a:t>
+              <a:t>属性注入（</a:t>
+            </a:r>
+            <a:r>
+              <a:rPr lang="en-US" altLang="zh-CN" sz="2000" i="1" dirty="0"/>
+              <a:t>Setter Injection</a:t>
             </a:r>
             <a:r>
               <a:rPr lang="zh-CN" altLang="en-US" sz="2000" i="1" dirty="0"/>
@@ -21039,8 +20787,8 @@
         </p:nvSpPr>
         <p:spPr>
           <a:xfrm>
-            <a:off x="611560" y="1489305"/>
-            <a:ext cx="6192688" cy="1015663"/>
+            <a:off x="611560" y="1261369"/>
+            <a:ext cx="6192688" cy="1754326"/>
           </a:xfrm>
           <a:prstGeom prst="rect">
             <a:avLst/>
@@ -21055,34 +20803,47 @@
           <a:p>
             <a:r>
               <a:rPr lang="zh-CN" altLang="en-US" sz="1200" dirty="0"/>
-              <a:t>属性注入（</a:t>
+              <a:t>属性注入争议性很大，很多人称这是一种“反模式”，事实也确实如此。</a:t>
+            </a:r>
+            <a:endParaRPr lang="en-US" altLang="zh-CN" sz="1200" dirty="0"/>
+          </a:p>
+          <a:p>
+            <a:endParaRPr lang="zh-CN" altLang="en-US" sz="1200" dirty="0"/>
+          </a:p>
+          <a:p>
+            <a:r>
+              <a:rPr lang="zh-CN" altLang="en-US" sz="1200" dirty="0"/>
+              <a:t>使用属性注入会让代码可读性变得极其复杂（而复杂难懂的代码一定不是好的代码，不管用的技术有多高大上）。</a:t>
+            </a:r>
+            <a:endParaRPr lang="en-US" altLang="zh-CN" sz="1200" dirty="0"/>
+          </a:p>
+          <a:p>
+            <a:endParaRPr lang="zh-CN" altLang="en-US" sz="1200" dirty="0"/>
+          </a:p>
+          <a:p>
+            <a:r>
+              <a:rPr lang="zh-CN" altLang="en-US" sz="1200" dirty="0"/>
+              <a:t>但是属性注入也不是一无是处，因为属性注入有一个特性：</a:t>
+            </a:r>
+          </a:p>
+          <a:p>
+            <a:r>
+              <a:rPr lang="zh-CN" altLang="en-US" sz="1200" dirty="0"/>
+              <a:t>在构造注入的时候，如果构造函数的参数中有一个对象在容器不存在，那么解析就会报错。</a:t>
+            </a:r>
+          </a:p>
+          <a:p>
+            <a:r>
+              <a:rPr lang="zh-CN" altLang="en-US" sz="1200" dirty="0"/>
+              <a:t>但是属性注入就不一样了，当容器内没有与该属性类型对应的组件时，这时解析不会报异常，只会让这个属性保持为空类型（</a:t>
             </a:r>
             <a:r>
               <a:rPr lang="en-US" altLang="zh-CN" sz="1200" dirty="0"/>
-              <a:t>setter injection</a:t>
+              <a:t>null</a:t>
             </a:r>
             <a:r>
               <a:rPr lang="zh-CN" altLang="en-US" sz="1200" dirty="0"/>
-              <a:t>）是依赖注入最常见的形式之一。</a:t>
-            </a:r>
-          </a:p>
-          <a:p>
-            <a:endParaRPr lang="zh-CN" altLang="en-US" sz="1200" dirty="0"/>
-          </a:p>
-          <a:p>
-            <a:r>
-              <a:rPr lang="zh-CN" altLang="en-US" sz="1200" dirty="0"/>
-              <a:t>由名称可以看出，该技术需要我们把所有依赖显示的体现在构造函数中。</a:t>
-            </a:r>
-            <a:endParaRPr lang="en-US" altLang="zh-CN" sz="1200" dirty="0"/>
-          </a:p>
-          <a:p>
-            <a:endParaRPr lang="en-US" altLang="zh-CN" sz="1200" dirty="0"/>
-          </a:p>
-          <a:p>
-            <a:r>
-              <a:rPr lang="zh-CN" altLang="en-US" sz="1200" dirty="0"/>
-              <a:t>示例：</a:t>
+              <a:t>）。利用这个特性，可以实现一些特殊的操作。</a:t>
             </a:r>
             <a:endParaRPr lang="en-US" altLang="zh-CN" sz="1200" dirty="0"/>
           </a:p>
@@ -21091,7 +20852,7 @@
     </p:spTree>
     <p:extLst>
       <p:ext uri="{BB962C8B-B14F-4D97-AF65-F5344CB8AC3E}">
-        <p14:creationId xmlns:p14="http://schemas.microsoft.com/office/powerpoint/2010/main" val="4260008607"/>
+        <p14:creationId xmlns:p14="http://schemas.microsoft.com/office/powerpoint/2010/main" val="76548751"/>
       </p:ext>
     </p:extLst>
   </p:cSld>
@@ -21142,11 +20903,11 @@
           <a:p>
             <a:r>
               <a:rPr lang="en-US" altLang="zh-CN" sz="2000" i="1" dirty="0"/>
-              <a:t>4.XML</a:t>
-            </a:r>
-            <a:r>
-              <a:rPr lang="zh-CN" altLang="en-US" sz="2000" i="1" dirty="0"/>
-              <a:t>配置注册关系</a:t>
+              <a:t>4.3 </a:t>
+            </a:r>
+            <a:r>
+              <a:rPr lang="en-US" altLang="zh-CN" sz="2000" i="1" dirty="0" err="1"/>
+              <a:t>IServiceProvider.GetService</a:t>
             </a:r>
             <a:endParaRPr lang="zh-CN" altLang="en-US" sz="2000" b="1" dirty="0">
               <a:latin typeface="微软雅黑" pitchFamily="34" charset="-122"/>
@@ -21211,8 +20972,8 @@
         </p:nvSpPr>
         <p:spPr>
           <a:xfrm>
-            <a:off x="611560" y="1489305"/>
-            <a:ext cx="6192688" cy="1077218"/>
+            <a:off x="611560" y="1230891"/>
+            <a:ext cx="6192688" cy="1569660"/>
           </a:xfrm>
           <a:prstGeom prst="rect">
             <a:avLst/>
@@ -21225,67 +20986,159 @@
           </a:bodyPr>
           <a:lstStyle/>
           <a:p>
-            <a:pPr>
-              <a:buFont typeface="Wingdings" panose="05000000000000000000" pitchFamily="2" charset="2"/>
-              <a:buChar char="Ø"/>
-            </a:pPr>
-            <a:r>
-              <a:rPr lang="zh-CN" altLang="en-US" sz="1600" dirty="0"/>
-              <a:t>这是内容</a:t>
-            </a:r>
-            <a:r>
-              <a:rPr lang="en-US" altLang="zh-CN" sz="1600" dirty="0"/>
-              <a:t>1</a:t>
-            </a:r>
-          </a:p>
-          <a:p>
-            <a:pPr>
-              <a:buFont typeface="Wingdings" panose="05000000000000000000" pitchFamily="2" charset="2"/>
-              <a:buChar char="Ø"/>
-            </a:pPr>
-            <a:r>
-              <a:rPr lang="zh-CN" altLang="en-US" sz="1600" b="1" dirty="0"/>
-              <a:t>这是内容</a:t>
-            </a:r>
-            <a:r>
-              <a:rPr lang="en-US" altLang="zh-CN" sz="1600" b="1" dirty="0"/>
-              <a:t>2</a:t>
-            </a:r>
-          </a:p>
-          <a:p>
-            <a:pPr>
-              <a:buFont typeface="Wingdings" panose="05000000000000000000" pitchFamily="2" charset="2"/>
-              <a:buChar char="Ø"/>
-            </a:pPr>
-            <a:r>
-              <a:rPr lang="zh-CN" altLang="en-US" sz="1600" b="1" dirty="0"/>
-              <a:t>这是内容</a:t>
-            </a:r>
-            <a:r>
-              <a:rPr lang="en-US" altLang="zh-CN" sz="1600" b="1" dirty="0"/>
-              <a:t>3</a:t>
-            </a:r>
-          </a:p>
-          <a:p>
-            <a:pPr>
-              <a:buFont typeface="Wingdings" panose="05000000000000000000" pitchFamily="2" charset="2"/>
-              <a:buChar char="Ø"/>
-            </a:pPr>
-            <a:r>
-              <a:rPr lang="zh-CN" altLang="en-US" sz="1600" b="1" dirty="0"/>
-              <a:t>这是内容</a:t>
-            </a:r>
-            <a:r>
-              <a:rPr lang="en-US" altLang="zh-CN" sz="1600" b="1" dirty="0"/>
-              <a:t>4</a:t>
-            </a:r>
+            <a:r>
+              <a:rPr lang="zh-CN" altLang="en-US" sz="1200" dirty="0"/>
+              <a:t>当业务中，类中仅有部分方法需要使用到某个对象的实例的，可以采用</a:t>
+            </a:r>
+            <a:r>
+              <a:rPr lang="en-US" altLang="zh-CN" sz="1200" dirty="0"/>
+              <a:t>IOC</a:t>
+            </a:r>
+            <a:r>
+              <a:rPr lang="zh-CN" altLang="en-US" sz="1200" dirty="0"/>
+              <a:t>容器提供</a:t>
+            </a:r>
+            <a:r>
+              <a:rPr lang="en-US" altLang="zh-CN" sz="1200" dirty="0" err="1"/>
+              <a:t>IServiceProvider</a:t>
+            </a:r>
+            <a:r>
+              <a:rPr lang="zh-CN" altLang="en-US" sz="1200" dirty="0"/>
+              <a:t>对象的</a:t>
+            </a:r>
+            <a:r>
+              <a:rPr lang="en-US" altLang="zh-CN" sz="1200" dirty="0" err="1"/>
+              <a:t>GetService</a:t>
+            </a:r>
+            <a:r>
+              <a:rPr lang="zh-CN" altLang="en-US" sz="1200" dirty="0"/>
+              <a:t>方法去获取。</a:t>
+            </a:r>
+            <a:endParaRPr lang="en-US" altLang="zh-CN" sz="1200" dirty="0"/>
+          </a:p>
+          <a:p>
+            <a:endParaRPr lang="en-US" altLang="zh-CN" sz="1200" dirty="0"/>
+          </a:p>
+          <a:p>
+            <a:r>
+              <a:rPr lang="en-US" altLang="zh-CN" sz="1200" dirty="0"/>
+              <a:t>ASP.NET Core</a:t>
+            </a:r>
+            <a:r>
+              <a:rPr lang="zh-CN" altLang="en-US" sz="1200" dirty="0"/>
+              <a:t>的依赖注入框架其实很简单，其中仅仅涉及</a:t>
+            </a:r>
+            <a:r>
+              <a:rPr lang="en-US" altLang="zh-CN" sz="1200" dirty="0" err="1"/>
+              <a:t>ServiceCollection</a:t>
+            </a:r>
+            <a:r>
+              <a:rPr lang="zh-CN" altLang="en-US" sz="1200" dirty="0"/>
+              <a:t>和</a:t>
+            </a:r>
+            <a:r>
+              <a:rPr lang="en-US" altLang="zh-CN" sz="1200" dirty="0" err="1"/>
+              <a:t>ServiceProvider</a:t>
+            </a:r>
+            <a:r>
+              <a:rPr lang="zh-CN" altLang="en-US" sz="1200" dirty="0"/>
+              <a:t>这两个核心对象。我们预先将服务描述信息注册到</a:t>
+            </a:r>
+            <a:r>
+              <a:rPr lang="en-US" altLang="zh-CN" sz="1200" dirty="0" err="1"/>
+              <a:t>ServiceCollection</a:t>
+            </a:r>
+            <a:r>
+              <a:rPr lang="zh-CN" altLang="en-US" sz="1200" dirty="0"/>
+              <a:t>之上，然后利用</a:t>
+            </a:r>
+            <a:r>
+              <a:rPr lang="en-US" altLang="zh-CN" sz="1200" dirty="0" err="1"/>
+              <a:t>ServiceCollection</a:t>
+            </a:r>
+            <a:r>
+              <a:rPr lang="zh-CN" altLang="en-US" sz="1200" dirty="0"/>
+              <a:t>来创建</a:t>
+            </a:r>
+            <a:r>
+              <a:rPr lang="en-US" altLang="zh-CN" sz="1200" dirty="0" err="1"/>
+              <a:t>ServiceProvider</a:t>
+            </a:r>
+            <a:r>
+              <a:rPr lang="zh-CN" altLang="en-US" sz="1200" dirty="0"/>
+              <a:t>，并最终利用后者根据指定的服务类型来提供对应的服务实例。</a:t>
+            </a:r>
+            <a:endParaRPr lang="en-US" altLang="zh-CN" sz="1200" dirty="0"/>
+          </a:p>
+          <a:p>
+            <a:endParaRPr lang="en-US" altLang="zh-CN" sz="1200" dirty="0"/>
           </a:p>
         </p:txBody>
       </p:sp>
+      <p:pic>
+        <p:nvPicPr>
+          <p:cNvPr id="3" name="图片 2">
+            <a:extLst>
+              <a:ext uri="{FF2B5EF4-FFF2-40B4-BE49-F238E27FC236}">
+                <a16:creationId xmlns:a16="http://schemas.microsoft.com/office/drawing/2014/main" id="{041DB2C5-D409-479B-87B2-95325E72F64F}"/>
+              </a:ext>
+            </a:extLst>
+          </p:cNvPr>
+          <p:cNvPicPr>
+            <a:picLocks noChangeAspect="1"/>
+          </p:cNvPicPr>
+          <p:nvPr/>
+        </p:nvPicPr>
+        <p:blipFill>
+          <a:blip r:embed="rId5"/>
+          <a:stretch>
+            <a:fillRect/>
+          </a:stretch>
+        </p:blipFill>
+        <p:spPr>
+          <a:xfrm>
+            <a:off x="1784090" y="2462226"/>
+            <a:ext cx="3847628" cy="219048"/>
+          </a:xfrm>
+          <a:prstGeom prst="rect">
+            <a:avLst/>
+          </a:prstGeom>
+        </p:spPr>
+      </p:pic>
+      <p:pic>
+        <p:nvPicPr>
+          <p:cNvPr id="4" name="图片 3">
+            <a:extLst>
+              <a:ext uri="{FF2B5EF4-FFF2-40B4-BE49-F238E27FC236}">
+                <a16:creationId xmlns:a16="http://schemas.microsoft.com/office/drawing/2014/main" id="{F37E941E-B426-4B28-B376-4C50947E08CF}"/>
+              </a:ext>
+            </a:extLst>
+          </p:cNvPr>
+          <p:cNvPicPr>
+            <a:picLocks noChangeAspect="1"/>
+          </p:cNvPicPr>
+          <p:nvPr/>
+        </p:nvPicPr>
+        <p:blipFill>
+          <a:blip r:embed="rId6"/>
+          <a:stretch>
+            <a:fillRect/>
+          </a:stretch>
+        </p:blipFill>
+        <p:spPr>
+          <a:xfrm>
+            <a:off x="1403648" y="2800551"/>
+            <a:ext cx="4901094" cy="1251343"/>
+          </a:xfrm>
+          <a:prstGeom prst="rect">
+            <a:avLst/>
+          </a:prstGeom>
+        </p:spPr>
+      </p:pic>
     </p:spTree>
     <p:extLst>
       <p:ext uri="{BB962C8B-B14F-4D97-AF65-F5344CB8AC3E}">
-        <p14:creationId xmlns:p14="http://schemas.microsoft.com/office/powerpoint/2010/main" val="1743748155"/>
+        <p14:creationId xmlns:p14="http://schemas.microsoft.com/office/powerpoint/2010/main" val="1131984180"/>
       </p:ext>
     </p:extLst>
   </p:cSld>
@@ -21336,11 +21189,11 @@
           <a:p>
             <a:r>
               <a:rPr lang="en-US" altLang="zh-CN" sz="2000" i="1" dirty="0"/>
-              <a:t>3.Dependence </a:t>
+              <a:t>4.3 </a:t>
             </a:r>
             <a:r>
               <a:rPr lang="en-US" altLang="zh-CN" sz="2000" i="1" dirty="0" err="1"/>
-              <a:t>LookUp</a:t>
+              <a:t>IServiceProvider.GetService</a:t>
             </a:r>
             <a:endParaRPr lang="zh-CN" altLang="en-US" sz="2000" b="1" dirty="0">
               <a:latin typeface="微软雅黑" pitchFamily="34" charset="-122"/>
@@ -21405,8 +21258,8 @@
         </p:nvSpPr>
         <p:spPr>
           <a:xfrm>
-            <a:off x="611560" y="1489305"/>
-            <a:ext cx="6192688" cy="1077218"/>
+            <a:off x="611560" y="1230891"/>
+            <a:ext cx="6192688" cy="2308324"/>
           </a:xfrm>
           <a:prstGeom prst="rect">
             <a:avLst/>
@@ -21419,59 +21272,99 @@
           </a:bodyPr>
           <a:lstStyle/>
           <a:p>
-            <a:pPr>
-              <a:buFont typeface="Wingdings" panose="05000000000000000000" pitchFamily="2" charset="2"/>
-              <a:buChar char="Ø"/>
-            </a:pPr>
-            <a:r>
-              <a:rPr lang="zh-CN" altLang="en-US" sz="1600" dirty="0"/>
-              <a:t>这是内容</a:t>
-            </a:r>
-            <a:r>
-              <a:rPr lang="en-US" altLang="zh-CN" sz="1600" dirty="0"/>
-              <a:t>1</a:t>
-            </a:r>
-          </a:p>
-          <a:p>
-            <a:pPr>
-              <a:buFont typeface="Wingdings" panose="05000000000000000000" pitchFamily="2" charset="2"/>
-              <a:buChar char="Ø"/>
-            </a:pPr>
-            <a:r>
-              <a:rPr lang="zh-CN" altLang="en-US" sz="1600" b="1" dirty="0"/>
-              <a:t>这是内容</a:t>
-            </a:r>
-            <a:r>
-              <a:rPr lang="en-US" altLang="zh-CN" sz="1600" b="1" dirty="0"/>
-              <a:t>2</a:t>
-            </a:r>
-          </a:p>
-          <a:p>
-            <a:pPr>
-              <a:buFont typeface="Wingdings" panose="05000000000000000000" pitchFamily="2" charset="2"/>
-              <a:buChar char="Ø"/>
-            </a:pPr>
-            <a:r>
-              <a:rPr lang="zh-CN" altLang="en-US" sz="1600" b="1" dirty="0"/>
-              <a:t>这是内容</a:t>
-            </a:r>
-            <a:r>
-              <a:rPr lang="en-US" altLang="zh-CN" sz="1600" b="1" dirty="0"/>
-              <a:t>3</a:t>
-            </a:r>
-          </a:p>
-          <a:p>
-            <a:pPr>
-              <a:buFont typeface="Wingdings" panose="05000000000000000000" pitchFamily="2" charset="2"/>
-              <a:buChar char="Ø"/>
-            </a:pPr>
-            <a:r>
-              <a:rPr lang="zh-CN" altLang="en-US" sz="1600" b="1" dirty="0"/>
-              <a:t>这是内容</a:t>
-            </a:r>
-            <a:r>
-              <a:rPr lang="en-US" altLang="zh-CN" sz="1600" b="1" dirty="0"/>
-              <a:t>4</a:t>
+            <a:r>
+              <a:rPr lang="zh-CN" altLang="en-US" sz="1200" dirty="0"/>
+              <a:t>但是！！！</a:t>
+            </a:r>
+            <a:endParaRPr lang="en-US" altLang="zh-CN" sz="1200" dirty="0"/>
+          </a:p>
+          <a:p>
+            <a:endParaRPr lang="en-US" altLang="zh-CN" sz="1200" dirty="0"/>
+          </a:p>
+          <a:p>
+            <a:r>
+              <a:rPr lang="zh-CN" altLang="en-US" sz="1200" dirty="0"/>
+              <a:t>通常根本不应该直接在代码中使用</a:t>
+            </a:r>
+            <a:r>
+              <a:rPr lang="en-US" altLang="zh-CN" sz="1200" dirty="0" err="1"/>
+              <a:t>IServiceProvider</a:t>
+            </a:r>
+            <a:r>
+              <a:rPr lang="zh-CN" altLang="en-US" sz="1200" dirty="0"/>
+              <a:t>。相反，应该使用标准的构造函数注入，并让框架来承载并在幕后使用</a:t>
+            </a:r>
+            <a:r>
+              <a:rPr lang="en-US" altLang="zh-CN" sz="1200" dirty="0" err="1"/>
+              <a:t>IServiceProvider</a:t>
+            </a:r>
+            <a:r>
+              <a:rPr lang="zh-CN" altLang="en-US" sz="1200" dirty="0"/>
+              <a:t>。</a:t>
+            </a:r>
+            <a:endParaRPr lang="en-US" altLang="zh-CN" sz="1200" dirty="0"/>
+          </a:p>
+          <a:p>
+            <a:endParaRPr lang="en-US" altLang="zh-CN" sz="1200" dirty="0"/>
+          </a:p>
+          <a:p>
+            <a:r>
+              <a:rPr lang="zh-CN" altLang="en-US" sz="1200" dirty="0"/>
+              <a:t>直接使用</a:t>
+            </a:r>
+            <a:r>
+              <a:rPr lang="en-US" altLang="zh-CN" sz="1200" dirty="0" err="1"/>
+              <a:t>IServiceProvider</a:t>
+            </a:r>
+            <a:r>
+              <a:rPr lang="zh-CN" altLang="en-US" sz="1200" dirty="0"/>
+              <a:t>是</a:t>
+            </a:r>
+            <a:r>
+              <a:rPr lang="zh-CN" altLang="en-US" sz="1200" dirty="0">
+                <a:solidFill>
+                  <a:srgbClr val="FF0000"/>
+                </a:solidFill>
+              </a:rPr>
+              <a:t>服务定位器模式</a:t>
+            </a:r>
+            <a:r>
+              <a:rPr lang="zh-CN" altLang="en-US" sz="1200" dirty="0"/>
+              <a:t>的一个示例。这通常被认为是反模式，因为它隐藏了类的依赖关系。</a:t>
+            </a:r>
+            <a:endParaRPr lang="en-US" altLang="zh-CN" sz="1200" dirty="0"/>
+          </a:p>
+          <a:p>
+            <a:endParaRPr lang="en-US" altLang="zh-CN" sz="1200" dirty="0"/>
+          </a:p>
+          <a:p>
+            <a:r>
+              <a:rPr lang="en-US" altLang="zh-CN" sz="1200" dirty="0"/>
+              <a:t>Let's examine why this is so. In short, the problem with Service Locator is that it hides a class' dependencies, causing </a:t>
+            </a:r>
+            <a:r>
+              <a:rPr lang="en-US" altLang="zh-CN" sz="1200" dirty="0">
+                <a:solidFill>
+                  <a:srgbClr val="FF0000"/>
+                </a:solidFill>
+              </a:rPr>
+              <a:t>run-time errors</a:t>
+            </a:r>
+            <a:r>
+              <a:rPr lang="en-US" altLang="zh-CN" sz="1200" dirty="0"/>
+              <a:t> instead of </a:t>
+            </a:r>
+            <a:r>
+              <a:rPr lang="en-US" altLang="zh-CN" sz="1200" dirty="0">
+                <a:solidFill>
+                  <a:srgbClr val="FF0000"/>
+                </a:solidFill>
+              </a:rPr>
+              <a:t>compile-time errors</a:t>
+            </a:r>
+            <a:r>
+              <a:rPr lang="en-US" altLang="zh-CN" sz="1200" dirty="0"/>
+              <a:t>, as well as making the code more difficult to maintain because it becomes unclear when you would be introducing a breaking change. ------Mark Seemann</a:t>
             </a:r>
           </a:p>
         </p:txBody>
@@ -21479,7 +21372,7 @@
     </p:spTree>
     <p:extLst>
       <p:ext uri="{BB962C8B-B14F-4D97-AF65-F5344CB8AC3E}">
-        <p14:creationId xmlns:p14="http://schemas.microsoft.com/office/powerpoint/2010/main" val="1489934020"/>
+        <p14:creationId xmlns:p14="http://schemas.microsoft.com/office/powerpoint/2010/main" val="1743228418"/>
       </p:ext>
     </p:extLst>
   </p:cSld>
@@ -21855,7 +21748,7 @@
         <p:spPr>
           <a:xfrm>
             <a:off x="5400474" y="4444538"/>
-            <a:ext cx="393185" cy="215444"/>
+            <a:ext cx="589912" cy="215444"/>
           </a:xfrm>
           <a:prstGeom prst="rect">
             <a:avLst/>
@@ -21869,14 +21762,13 @@
           <a:lstStyle/>
           <a:p>
             <a:r>
+              <a:rPr lang="en-US" altLang="zh-CN" sz="800" dirty="0"/>
+              <a:t>UML</a:t>
+            </a:r>
+            <a:r>
               <a:rPr lang="zh-CN" altLang="en-US" sz="800" dirty="0"/>
-              <a:t>图</a:t>
-            </a:r>
-            <a:r>
-              <a:rPr lang="en-US" altLang="zh-CN" sz="800" dirty="0"/>
-              <a:t>2</a:t>
-            </a:r>
-            <a:endParaRPr lang="zh-CN" altLang="en-US" sz="800" dirty="0"/>
+              <a:t>类图</a:t>
+            </a:r>
           </a:p>
         </p:txBody>
       </p:sp>
@@ -22187,7 +22079,7 @@
         <p:spPr>
           <a:xfrm>
             <a:off x="607655" y="1494532"/>
-            <a:ext cx="6912768" cy="2154436"/>
+            <a:ext cx="6912768" cy="2308324"/>
           </a:xfrm>
           <a:prstGeom prst="rect">
             <a:avLst/>
@@ -22205,31 +22097,31 @@
               <a:buChar char="Ø"/>
             </a:pPr>
             <a:r>
-              <a:rPr lang="zh-CN" altLang="en-US" sz="1600" b="1" dirty="0"/>
+              <a:rPr lang="zh-CN" altLang="en-US" sz="1200" b="1" dirty="0"/>
               <a:t>一位大牛写的通俗易懂的</a:t>
             </a:r>
             <a:r>
-              <a:rPr lang="en-US" altLang="zh-CN" sz="1600" b="1" dirty="0"/>
+              <a:rPr lang="en-US" altLang="zh-CN" sz="1200" b="1" dirty="0"/>
               <a:t>IOC</a:t>
             </a:r>
             <a:r>
-              <a:rPr lang="zh-CN" altLang="en-US" sz="1600" b="1" dirty="0"/>
+              <a:rPr lang="zh-CN" altLang="en-US" sz="1200" b="1" dirty="0"/>
               <a:t>框架详解博客 </a:t>
             </a:r>
             <a:r>
-              <a:rPr lang="en-US" altLang="zh-CN" sz="1600" dirty="0">
+              <a:rPr lang="en-US" altLang="zh-CN" sz="1200" dirty="0">
                 <a:hlinkClick r:id="rId5"/>
               </a:rPr>
               <a:t>https://www.cnblogs.com/jhli/p/6019895.html</a:t>
             </a:r>
-            <a:endParaRPr lang="en-US" altLang="zh-CN" sz="1600" b="1" dirty="0"/>
+            <a:endParaRPr lang="en-US" altLang="zh-CN" sz="1200" dirty="0"/>
           </a:p>
           <a:p>
             <a:pPr>
               <a:buFont typeface="Wingdings" panose="05000000000000000000" pitchFamily="2" charset="2"/>
               <a:buChar char="Ø"/>
             </a:pPr>
-            <a:endParaRPr lang="en-US" altLang="zh-CN" sz="1600" b="1" dirty="0"/>
+            <a:endParaRPr lang="en-US" altLang="zh-CN" sz="1200" b="1" dirty="0"/>
           </a:p>
           <a:p>
             <a:pPr>
@@ -22237,41 +22129,35 @@
               <a:buChar char="Ø"/>
             </a:pPr>
             <a:r>
-              <a:rPr lang="zh-CN" altLang="en-US" sz="1600" b="1" dirty="0"/>
+              <a:rPr lang="zh-CN" altLang="en-US" sz="1200" b="1" dirty="0"/>
               <a:t>一篇经典的文章</a:t>
             </a:r>
             <a:r>
-              <a:rPr lang="en-US" altLang="zh-CN" sz="1600" b="1" dirty="0"/>
+              <a:rPr lang="en-US" altLang="zh-CN" sz="1200" b="1" dirty="0"/>
               <a:t>《</a:t>
             </a:r>
             <a:r>
-              <a:rPr lang="en-US" altLang="zh-CN" dirty="0"/>
+              <a:rPr lang="en-US" altLang="zh-CN" sz="1200" dirty="0"/>
               <a:t> Inversion of Control Containers and the Dependency Injection pattern</a:t>
             </a:r>
             <a:r>
-              <a:rPr lang="en-US" altLang="zh-CN" sz="1600" b="1" dirty="0"/>
+              <a:rPr lang="en-US" altLang="zh-CN" sz="1200" b="1" dirty="0"/>
               <a:t>》</a:t>
             </a:r>
             <a:r>
-              <a:rPr lang="en-US" altLang="zh-CN" sz="1600" dirty="0">
+              <a:rPr lang="en-US" altLang="zh-CN" sz="1200" dirty="0">
                 <a:hlinkClick r:id="rId6"/>
               </a:rPr>
-              <a:t> </a:t>
-            </a:r>
-            <a:r>
-              <a:rPr lang="en-US" altLang="zh-CN" sz="1600" dirty="0">
-                <a:hlinkClick r:id="rId6"/>
-              </a:rPr>
-              <a:t>https://www.martinfowler.com/articles/injection.html</a:t>
-            </a:r>
-            <a:endParaRPr lang="en-US" altLang="zh-CN" sz="1600" dirty="0"/>
+              <a:t> https://www.martinfowler.com/articles/injection.html</a:t>
+            </a:r>
+            <a:endParaRPr lang="en-US" altLang="zh-CN" sz="1200" dirty="0"/>
           </a:p>
           <a:p>
             <a:pPr>
               <a:buFont typeface="Wingdings" panose="05000000000000000000" pitchFamily="2" charset="2"/>
               <a:buChar char="Ø"/>
             </a:pPr>
-            <a:endParaRPr lang="en-US" altLang="zh-CN" sz="1600" dirty="0"/>
+            <a:endParaRPr lang="en-US" altLang="zh-CN" sz="1200" dirty="0"/>
           </a:p>
           <a:p>
             <a:pPr>
@@ -22279,20 +22165,104 @@
               <a:buChar char="Ø"/>
             </a:pPr>
             <a:r>
-              <a:rPr lang="zh-CN" altLang="en-US" sz="1600" dirty="0"/>
-              <a:t>另一位大佬的博客</a:t>
-            </a:r>
-            <a:r>
-              <a:rPr lang="en-US" altLang="zh-CN" sz="1600" dirty="0">
+              <a:rPr lang="zh-CN" altLang="en-US" sz="1200" dirty="0"/>
+              <a:t>实例生命周期管理详解</a:t>
+            </a:r>
+            <a:r>
+              <a:rPr lang="en-US" altLang="zh-CN" sz="1200" dirty="0">
                 <a:hlinkClick r:id="rId7"/>
               </a:rPr>
               <a:t>https://www.cnblogs.com/RayWang/p/11165509.html#870017151</a:t>
             </a:r>
-            <a:r>
-              <a:rPr lang="en-US" altLang="zh-CN" sz="1600" dirty="0"/>
-              <a:t> </a:t>
-            </a:r>
-            <a:endParaRPr lang="en-US" altLang="zh-CN" sz="1600" b="1" dirty="0"/>
+            <a:endParaRPr lang="en-US" altLang="zh-CN" sz="1200" dirty="0"/>
+          </a:p>
+          <a:p>
+            <a:pPr>
+              <a:buFont typeface="Wingdings" panose="05000000000000000000" pitchFamily="2" charset="2"/>
+              <a:buChar char="Ø"/>
+            </a:pPr>
+            <a:endParaRPr lang="en-US" altLang="zh-CN" sz="1200" dirty="0"/>
+          </a:p>
+          <a:p>
+            <a:pPr>
+              <a:buFont typeface="Wingdings" panose="05000000000000000000" pitchFamily="2" charset="2"/>
+              <a:buChar char="Ø"/>
+            </a:pPr>
+            <a:r>
+              <a:rPr lang="en-US" altLang="zh-CN" sz="1200" dirty="0" err="1"/>
+              <a:t>Autofac</a:t>
+            </a:r>
+            <a:r>
+              <a:rPr lang="zh-CN" altLang="en-US" sz="1200" dirty="0"/>
+              <a:t>官方文档地址</a:t>
+            </a:r>
+            <a:r>
+              <a:rPr lang="en-US" altLang="zh-CN" sz="1200" dirty="0">
+                <a:hlinkClick r:id="rId8"/>
+              </a:rPr>
+              <a:t>https://github.com/autofac/Documentation/tree/master/docs</a:t>
+            </a:r>
+            <a:endParaRPr lang="en-US" altLang="zh-CN" sz="1200" dirty="0"/>
+          </a:p>
+          <a:p>
+            <a:pPr>
+              <a:buFont typeface="Wingdings" panose="05000000000000000000" pitchFamily="2" charset="2"/>
+              <a:buChar char="Ø"/>
+            </a:pPr>
+            <a:endParaRPr lang="en-US" altLang="zh-CN" sz="1200" dirty="0"/>
+          </a:p>
+          <a:p>
+            <a:pPr>
+              <a:buFont typeface="Wingdings" panose="05000000000000000000" pitchFamily="2" charset="2"/>
+              <a:buChar char="Ø"/>
+            </a:pPr>
+            <a:r>
+              <a:rPr lang="en-US" altLang="zh-CN" sz="1200" b="1" dirty="0"/>
+              <a:t>Service Locator is an Anti-</a:t>
+            </a:r>
+            <a:r>
+              <a:rPr lang="en-US" altLang="zh-CN" sz="1200" b="1" dirty="0" err="1"/>
+              <a:t>Pattern</a:t>
+            </a:r>
+            <a:r>
+              <a:rPr lang="en-US" altLang="zh-CN" sz="1200" dirty="0" err="1">
+                <a:hlinkClick r:id="rId9"/>
+              </a:rPr>
+              <a:t>https</a:t>
+            </a:r>
+            <a:r>
+              <a:rPr lang="en-US" altLang="zh-CN" sz="1200" dirty="0">
+                <a:hlinkClick r:id="rId9"/>
+              </a:rPr>
+              <a:t>://blog.ploeh.dk/2010/02/03/</a:t>
+            </a:r>
+            <a:r>
+              <a:rPr lang="en-US" altLang="zh-CN" sz="1200" dirty="0" err="1">
+                <a:hlinkClick r:id="rId9"/>
+              </a:rPr>
+              <a:t>ServiceLocatorisanAnti</a:t>
+            </a:r>
+            <a:r>
+              <a:rPr lang="en-US" altLang="zh-CN" sz="1200" dirty="0">
+                <a:hlinkClick r:id="rId9"/>
+              </a:rPr>
+              <a:t>-Pattern/</a:t>
+            </a:r>
+            <a:endParaRPr lang="en-US" altLang="zh-CN" sz="1200" dirty="0"/>
+          </a:p>
+          <a:p>
+            <a:pPr>
+              <a:buFont typeface="Wingdings" panose="05000000000000000000" pitchFamily="2" charset="2"/>
+              <a:buChar char="Ø"/>
+            </a:pPr>
+            <a:endParaRPr lang="en-US" altLang="zh-CN" sz="1200" b="1" dirty="0"/>
+          </a:p>
+          <a:p>
+            <a:pPr>
+              <a:buFont typeface="Wingdings" panose="05000000000000000000" pitchFamily="2" charset="2"/>
+              <a:buChar char="Ø"/>
+            </a:pPr>
+            <a:endParaRPr lang="en-US" altLang="zh-CN" sz="1200" b="1" dirty="0"/>
           </a:p>
         </p:txBody>
       </p:sp>
@@ -22458,7 +22428,7 @@
         <p:spPr>
           <a:xfrm>
             <a:off x="611560" y="971124"/>
-            <a:ext cx="6192688" cy="2554545"/>
+            <a:ext cx="6192688" cy="2369880"/>
           </a:xfrm>
           <a:prstGeom prst="rect">
             <a:avLst/>
@@ -22496,31 +22466,19 @@
             </a:r>
             <a:r>
               <a:rPr lang="zh-CN" altLang="en-US" sz="1200" dirty="0"/>
-              <a:t>理论，用来实现对象之间的“解耦”，目前这个理论已经被成功地应用到实践当中，很多的</a:t>
-            </a:r>
-            <a:r>
-              <a:rPr lang="en-US" altLang="zh-CN" sz="1200" dirty="0"/>
-              <a:t>J2EE</a:t>
+              <a:t>理论，用来实现对象之间的“</a:t>
+            </a:r>
+            <a:r>
+              <a:rPr lang="zh-CN" altLang="en-US" sz="1200" dirty="0">
+                <a:solidFill>
+                  <a:srgbClr val="FF0000"/>
+                </a:solidFill>
+              </a:rPr>
+              <a:t>解耦</a:t>
             </a:r>
             <a:r>
               <a:rPr lang="zh-CN" altLang="en-US" sz="1200" dirty="0"/>
-              <a:t>项目均采用了</a:t>
-            </a:r>
-            <a:r>
-              <a:rPr lang="en-US" altLang="zh-CN" sz="1200" dirty="0"/>
-              <a:t>IOC</a:t>
-            </a:r>
-            <a:r>
-              <a:rPr lang="zh-CN" altLang="en-US" sz="1200" dirty="0"/>
-              <a:t>框架产品</a:t>
-            </a:r>
-            <a:r>
-              <a:rPr lang="en-US" altLang="zh-CN" sz="1200" dirty="0"/>
-              <a:t>spring</a:t>
-            </a:r>
-            <a:r>
-              <a:rPr lang="zh-CN" altLang="en-US" sz="1200" dirty="0"/>
-              <a:t>。</a:t>
+              <a:t>”。</a:t>
             </a:r>
           </a:p>
           <a:p>
@@ -23060,7 +23018,7 @@
         <p:spPr>
           <a:xfrm>
             <a:off x="611560" y="971124"/>
-            <a:ext cx="6192688" cy="2000548"/>
+            <a:ext cx="6192688" cy="2554545"/>
           </a:xfrm>
           <a:prstGeom prst="rect">
             <a:avLst/>
@@ -23146,7 +23104,33 @@
             </a:r>
             <a:r>
               <a:rPr lang="zh-CN" altLang="en-US" sz="1200" dirty="0"/>
-              <a:t>。于是，他给“控制反转”取了一个更合适的名字叫做“</a:t>
+              <a:t>。（举个例子，当我们需要吃东西的时候，以前我们是自己做饭，现在我们可以打开外卖</a:t>
+            </a:r>
+            <a:r>
+              <a:rPr lang="en-US" altLang="zh-CN" sz="1200" dirty="0"/>
+              <a:t>app</a:t>
+            </a:r>
+            <a:r>
+              <a:rPr lang="zh-CN" altLang="en-US" sz="1200" dirty="0"/>
+              <a:t>下单，自然会有商家做好饭，会有骑手送到我们手里，我们只需要吃就好了。）</a:t>
+            </a:r>
+            <a:endParaRPr lang="en-US" altLang="zh-CN" sz="1200" dirty="0"/>
+          </a:p>
+          <a:p>
+            <a:pPr>
+              <a:buFont typeface="Wingdings" panose="05000000000000000000" pitchFamily="2" charset="2"/>
+              <a:buChar char="Ø"/>
+            </a:pPr>
+            <a:endParaRPr lang="en-US" altLang="zh-CN" sz="1200" dirty="0"/>
+          </a:p>
+          <a:p>
+            <a:pPr>
+              <a:buFont typeface="Wingdings" panose="05000000000000000000" pitchFamily="2" charset="2"/>
+              <a:buChar char="Ø"/>
+            </a:pPr>
+            <a:r>
+              <a:rPr lang="zh-CN" altLang="en-US" sz="1200" dirty="0"/>
+              <a:t>于是，他给“控制反转”取了一个更合适的名字叫做“</a:t>
             </a:r>
             <a:r>
               <a:rPr lang="zh-CN" altLang="en-US" sz="1200" dirty="0">
@@ -23658,7 +23642,7 @@
           </a:bodyPr>
           <a:lstStyle/>
           <a:p>
-            <a:pPr>
+            <a:pPr marL="171450" indent="-171450">
               <a:buFont typeface="Wingdings" panose="05000000000000000000" pitchFamily="2" charset="2"/>
               <a:buChar char="Ø"/>
             </a:pPr>
@@ -23680,7 +23664,7 @@
             <a:endParaRPr lang="en-US" altLang="zh-CN" sz="1200" dirty="0"/>
           </a:p>
           <a:p>
-            <a:pPr>
+            <a:pPr marL="171450" indent="-171450">
               <a:buFont typeface="Wingdings" panose="05000000000000000000" pitchFamily="2" charset="2"/>
               <a:buChar char="Ø"/>
             </a:pPr>
@@ -23690,28 +23674,7 @@
             </a:r>
             <a:r>
               <a:rPr lang="zh-CN" altLang="en-US" sz="1200" dirty="0"/>
-              <a:t>设备作为电脑主机的外部设备，在插入主机之前，与电脑主机没有任何的关系，</a:t>
-            </a:r>
-            <a:endParaRPr lang="en-US" altLang="zh-CN" sz="1200" dirty="0"/>
-          </a:p>
-          <a:p>
-            <a:r>
-              <a:rPr lang="zh-CN" altLang="en-US" sz="1200" dirty="0"/>
-              <a:t>只有被我们连接在一起之后，两者才发生联系，具有相关性。所以，无论两者中的</a:t>
-            </a:r>
-            <a:endParaRPr lang="en-US" altLang="zh-CN" sz="1200" dirty="0"/>
-          </a:p>
-          <a:p>
-            <a:r>
-              <a:rPr lang="zh-CN" altLang="en-US" sz="1200" dirty="0"/>
-              <a:t>任何一方出现什么的问题，都不会影响另一方的运行。这种特性体现在软件工程中，</a:t>
-            </a:r>
-            <a:endParaRPr lang="en-US" altLang="zh-CN" sz="1200" dirty="0"/>
-          </a:p>
-          <a:p>
-            <a:r>
-              <a:rPr lang="zh-CN" altLang="en-US" sz="1200" dirty="0"/>
-              <a:t>就是</a:t>
+              <a:t>设备作为电脑主机的外部设备，在插入主机之前，与电脑主机没有任何的关系，只有被我们连接在一起之后，两者才发生联系，具有相关性。所以，无论两者中的任何一方出现什么的问题，都不会影响另一方的运行。这种特性体现在软件工程中，就是</a:t>
             </a:r>
             <a:r>
               <a:rPr lang="zh-CN" altLang="en-US" sz="1200" dirty="0">
@@ -23723,14 +23686,7 @@
             </a:r>
             <a:r>
               <a:rPr lang="zh-CN" altLang="en-US" sz="1200" dirty="0"/>
-              <a:t>比较好，非常便于进行单元测试，便于调试程序和诊断故障。代码中的</a:t>
-            </a:r>
-            <a:endParaRPr lang="en-US" altLang="zh-CN" sz="1200" dirty="0"/>
-          </a:p>
-          <a:p>
-            <a:r>
-              <a:rPr lang="zh-CN" altLang="en-US" sz="1200" dirty="0"/>
-              <a:t>每一个</a:t>
+              <a:t>比较好，非常便于进行单元测试，便于调试程序和诊断故障。代码中的每一个</a:t>
             </a:r>
             <a:r>
               <a:rPr lang="en-US" altLang="zh-CN" sz="1200" dirty="0"/>
@@ -23738,14 +23694,7 @@
             </a:r>
             <a:r>
               <a:rPr lang="zh-CN" altLang="en-US" sz="1200" dirty="0"/>
-              <a:t>都可以单独测试，彼此之间互不影响，只要保证自身的功能无误即可，这</a:t>
-            </a:r>
-            <a:endParaRPr lang="en-US" altLang="zh-CN" sz="1200" dirty="0"/>
-          </a:p>
-          <a:p>
-            <a:r>
-              <a:rPr lang="zh-CN" altLang="en-US" sz="1200" dirty="0"/>
-              <a:t>就是组件之间</a:t>
+              <a:t>都可以单独测试，彼此之间互不影响，只要保证自身的功能无误即可，这就是组件之间</a:t>
             </a:r>
             <a:r>
               <a:rPr lang="zh-CN" altLang="en-US" sz="1200" dirty="0">
@@ -23802,7 +23751,7 @@
         </p:blipFill>
         <p:spPr bwMode="auto">
           <a:xfrm>
-            <a:off x="1331640" y="3039310"/>
+            <a:off x="1331640" y="3363838"/>
             <a:ext cx="2376264" cy="1152128"/>
           </a:xfrm>
           <a:prstGeom prst="rect">
@@ -23849,7 +23798,7 @@
         </p:blipFill>
         <p:spPr bwMode="auto">
           <a:xfrm>
-            <a:off x="4101455" y="3152005"/>
+            <a:off x="4101455" y="3444228"/>
             <a:ext cx="941090" cy="705818"/>
           </a:xfrm>
           <a:prstGeom prst="rect">
@@ -23896,7 +23845,7 @@
         </p:blipFill>
         <p:spPr bwMode="auto">
           <a:xfrm>
-            <a:off x="5292080" y="2859781"/>
+            <a:off x="5292080" y="3294769"/>
             <a:ext cx="1290265" cy="1290265"/>
           </a:xfrm>
           <a:prstGeom prst="rect">

--- a/陈胡-依赖注入.pptx
+++ b/陈胡-依赖注入.pptx
@@ -22744,7 +22744,7 @@
         <p:spPr>
           <a:xfrm>
             <a:off x="611560" y="971124"/>
-            <a:ext cx="6192688" cy="1261884"/>
+            <a:ext cx="6192688" cy="1631216"/>
           </a:xfrm>
           <a:prstGeom prst="rect">
             <a:avLst/>
@@ -22760,7 +22760,7 @@
             <a:endParaRPr lang="en-US" altLang="zh-CN" sz="1600" b="1" dirty="0"/>
           </a:p>
           <a:p>
-            <a:pPr>
+            <a:pPr marL="171450" indent="-171450">
               <a:buFont typeface="Wingdings" panose="05000000000000000000" pitchFamily="2" charset="2"/>
               <a:buChar char="Ø"/>
             </a:pPr>
@@ -22822,7 +22822,25 @@
             </a:r>
             <a:r>
               <a:rPr lang="zh-CN" altLang="en-US" sz="1200" dirty="0"/>
-              <a:t>容器，所以，</a:t>
+              <a:t>容器。</a:t>
+            </a:r>
+            <a:endParaRPr lang="en-US" altLang="zh-CN" sz="1200" dirty="0"/>
+          </a:p>
+          <a:p>
+            <a:pPr marL="171450" indent="-171450">
+              <a:buFont typeface="Wingdings" panose="05000000000000000000" pitchFamily="2" charset="2"/>
+              <a:buChar char="Ø"/>
+            </a:pPr>
+            <a:endParaRPr lang="en-US" altLang="zh-CN" sz="1200" dirty="0"/>
+          </a:p>
+          <a:p>
+            <a:pPr marL="171450" indent="-171450">
+              <a:buFont typeface="Wingdings" panose="05000000000000000000" pitchFamily="2" charset="2"/>
+              <a:buChar char="Ø"/>
+            </a:pPr>
+            <a:r>
+              <a:rPr lang="zh-CN" altLang="en-US" sz="1200" dirty="0"/>
+              <a:t>所以，</a:t>
             </a:r>
             <a:r>
               <a:rPr lang="en-US" altLang="zh-CN" sz="1200" dirty="0"/>
@@ -23423,7 +23441,7 @@
           </a:bodyPr>
           <a:lstStyle/>
           <a:p>
-            <a:pPr>
+            <a:pPr marL="285750" indent="-285750">
               <a:buFont typeface="Wingdings" panose="05000000000000000000" pitchFamily="2" charset="2"/>
               <a:buChar char="Ø"/>
             </a:pPr>
@@ -23438,14 +23456,14 @@
             <a:endParaRPr lang="en-US" altLang="zh-CN" sz="1600" dirty="0"/>
           </a:p>
           <a:p>
-            <a:pPr>
+            <a:pPr marL="285750" indent="-285750">
               <a:buFont typeface="Wingdings" panose="05000000000000000000" pitchFamily="2" charset="2"/>
               <a:buChar char="Ø"/>
             </a:pPr>
             <a:endParaRPr lang="en-US" altLang="zh-CN" sz="1600" dirty="0"/>
           </a:p>
           <a:p>
-            <a:pPr>
+            <a:pPr marL="285750" indent="-285750">
               <a:buFont typeface="Wingdings" panose="05000000000000000000" pitchFamily="2" charset="2"/>
               <a:buChar char="Ø"/>
             </a:pPr>
@@ -23460,14 +23478,14 @@
             <a:endParaRPr lang="en-US" altLang="zh-CN" sz="1600" dirty="0"/>
           </a:p>
           <a:p>
-            <a:pPr>
+            <a:pPr marL="285750" indent="-285750">
               <a:buFont typeface="Wingdings" panose="05000000000000000000" pitchFamily="2" charset="2"/>
               <a:buChar char="Ø"/>
             </a:pPr>
             <a:endParaRPr lang="en-US" altLang="zh-CN" sz="1600" dirty="0"/>
           </a:p>
           <a:p>
-            <a:pPr>
+            <a:pPr marL="285750" indent="-285750">
               <a:buFont typeface="Wingdings" panose="05000000000000000000" pitchFamily="2" charset="2"/>
               <a:buChar char="Ø"/>
             </a:pPr>
@@ -23482,14 +23500,14 @@
             <a:endParaRPr lang="en-US" altLang="zh-CN" sz="1600" dirty="0"/>
           </a:p>
           <a:p>
-            <a:pPr>
+            <a:pPr marL="285750" indent="-285750">
               <a:buFont typeface="Wingdings" panose="05000000000000000000" pitchFamily="2" charset="2"/>
               <a:buChar char="Ø"/>
             </a:pPr>
             <a:endParaRPr lang="en-US" altLang="zh-CN" sz="1600" dirty="0"/>
           </a:p>
           <a:p>
-            <a:pPr>
+            <a:pPr marL="285750" indent="-285750">
               <a:buFont typeface="Wingdings" panose="05000000000000000000" pitchFamily="2" charset="2"/>
               <a:buChar char="Ø"/>
             </a:pPr>
